--- a/9. React/React.pptx
+++ b/9. React/React.pptx
@@ -5,7 +5,7 @@
     <p:sldMasterId id="2147483686" r:id="rId1"/>
   </p:sldMasterIdLst>
   <p:notesMasterIdLst>
-    <p:notesMasterId r:id="rId21"/>
+    <p:notesMasterId r:id="rId40"/>
   </p:notesMasterIdLst>
   <p:sldIdLst>
     <p:sldId id="256" r:id="rId2"/>
@@ -16,17 +16,36 @@
     <p:sldId id="525" r:id="rId7"/>
     <p:sldId id="529" r:id="rId8"/>
     <p:sldId id="531" r:id="rId9"/>
-    <p:sldId id="524" r:id="rId10"/>
-    <p:sldId id="530" r:id="rId11"/>
-    <p:sldId id="534" r:id="rId12"/>
-    <p:sldId id="526" r:id="rId13"/>
-    <p:sldId id="533" r:id="rId14"/>
-    <p:sldId id="527" r:id="rId15"/>
-    <p:sldId id="532" r:id="rId16"/>
-    <p:sldId id="535" r:id="rId17"/>
-    <p:sldId id="536" r:id="rId18"/>
-    <p:sldId id="537" r:id="rId19"/>
-    <p:sldId id="292" r:id="rId20"/>
+    <p:sldId id="547" r:id="rId10"/>
+    <p:sldId id="524" r:id="rId11"/>
+    <p:sldId id="530" r:id="rId12"/>
+    <p:sldId id="534" r:id="rId13"/>
+    <p:sldId id="526" r:id="rId14"/>
+    <p:sldId id="533" r:id="rId15"/>
+    <p:sldId id="542" r:id="rId16"/>
+    <p:sldId id="527" r:id="rId17"/>
+    <p:sldId id="532" r:id="rId18"/>
+    <p:sldId id="535" r:id="rId19"/>
+    <p:sldId id="536" r:id="rId20"/>
+    <p:sldId id="537" r:id="rId21"/>
+    <p:sldId id="540" r:id="rId22"/>
+    <p:sldId id="543" r:id="rId23"/>
+    <p:sldId id="538" r:id="rId24"/>
+    <p:sldId id="541" r:id="rId25"/>
+    <p:sldId id="545" r:id="rId26"/>
+    <p:sldId id="546" r:id="rId27"/>
+    <p:sldId id="548" r:id="rId28"/>
+    <p:sldId id="544" r:id="rId29"/>
+    <p:sldId id="549" r:id="rId30"/>
+    <p:sldId id="550" r:id="rId31"/>
+    <p:sldId id="551" r:id="rId32"/>
+    <p:sldId id="557" r:id="rId33"/>
+    <p:sldId id="552" r:id="rId34"/>
+    <p:sldId id="553" r:id="rId35"/>
+    <p:sldId id="555" r:id="rId36"/>
+    <p:sldId id="558" r:id="rId37"/>
+    <p:sldId id="539" r:id="rId38"/>
+    <p:sldId id="292" r:id="rId39"/>
   </p:sldIdLst>
   <p:sldSz cx="12192000" cy="6858000"/>
   <p:notesSz cx="6858000" cy="9144000"/>
@@ -215,7 +234,7 @@
           <a:p>
             <a:fld id="{4F8CDAC1-6FCA-45D2-8937-C5FBB2AD5D5F}" type="datetimeFigureOut">
               <a:rPr lang="en-US" smtClean="0"/>
-              <a:t>2/12/2024</a:t>
+              <a:t>2/20/2024</a:t>
             </a:fld>
             <a:endParaRPr lang="en-US"/>
           </a:p>
@@ -634,7 +653,7 @@
           <a:p>
             <a:fld id="{B6D41BCC-AD73-4203-A5A6-E62EB28B0FE6}" type="datetimeFigureOut">
               <a:rPr lang="en-US" smtClean="0"/>
-              <a:t>2/12/2024</a:t>
+              <a:t>2/20/2024</a:t>
             </a:fld>
             <a:endParaRPr lang="en-US"/>
           </a:p>
@@ -842,7 +861,7 @@
           <a:p>
             <a:fld id="{B6D41BCC-AD73-4203-A5A6-E62EB28B0FE6}" type="datetimeFigureOut">
               <a:rPr lang="en-US" smtClean="0"/>
-              <a:t>2/12/2024</a:t>
+              <a:t>2/20/2024</a:t>
             </a:fld>
             <a:endParaRPr lang="en-US"/>
           </a:p>
@@ -1050,7 +1069,7 @@
           <a:p>
             <a:fld id="{B6D41BCC-AD73-4203-A5A6-E62EB28B0FE6}" type="datetimeFigureOut">
               <a:rPr lang="en-US" smtClean="0"/>
-              <a:t>2/12/2024</a:t>
+              <a:t>2/20/2024</a:t>
             </a:fld>
             <a:endParaRPr lang="en-US"/>
           </a:p>
@@ -1248,7 +1267,7 @@
           <a:p>
             <a:fld id="{B6D41BCC-AD73-4203-A5A6-E62EB28B0FE6}" type="datetimeFigureOut">
               <a:rPr lang="en-US" smtClean="0"/>
-              <a:t>2/12/2024</a:t>
+              <a:t>2/20/2024</a:t>
             </a:fld>
             <a:endParaRPr lang="en-US"/>
           </a:p>
@@ -1663,7 +1682,7 @@
           <a:p>
             <a:fld id="{B6D41BCC-AD73-4203-A5A6-E62EB28B0FE6}" type="datetimeFigureOut">
               <a:rPr lang="en-US" smtClean="0"/>
-              <a:t>2/12/2024</a:t>
+              <a:t>2/20/2024</a:t>
             </a:fld>
             <a:endParaRPr lang="en-US"/>
           </a:p>
@@ -1933,7 +1952,7 @@
           <a:p>
             <a:fld id="{B6D41BCC-AD73-4203-A5A6-E62EB28B0FE6}" type="datetimeFigureOut">
               <a:rPr lang="en-US" smtClean="0"/>
-              <a:t>2/12/2024</a:t>
+              <a:t>2/20/2024</a:t>
             </a:fld>
             <a:endParaRPr lang="en-US"/>
           </a:p>
@@ -2349,7 +2368,7 @@
           <a:p>
             <a:fld id="{B6D41BCC-AD73-4203-A5A6-E62EB28B0FE6}" type="datetimeFigureOut">
               <a:rPr lang="en-US" smtClean="0"/>
-              <a:t>2/12/2024</a:t>
+              <a:t>2/20/2024</a:t>
             </a:fld>
             <a:endParaRPr lang="en-US"/>
           </a:p>
@@ -2490,7 +2509,7 @@
           <a:p>
             <a:fld id="{B6D41BCC-AD73-4203-A5A6-E62EB28B0FE6}" type="datetimeFigureOut">
               <a:rPr lang="en-US" smtClean="0"/>
-              <a:t>2/12/2024</a:t>
+              <a:t>2/20/2024</a:t>
             </a:fld>
             <a:endParaRPr lang="en-US"/>
           </a:p>
@@ -2603,7 +2622,7 @@
           <a:p>
             <a:fld id="{B6D41BCC-AD73-4203-A5A6-E62EB28B0FE6}" type="datetimeFigureOut">
               <a:rPr lang="en-US" smtClean="0"/>
-              <a:t>2/12/2024</a:t>
+              <a:t>2/20/2024</a:t>
             </a:fld>
             <a:endParaRPr lang="en-US"/>
           </a:p>
@@ -2929,7 +2948,7 @@
           <a:p>
             <a:fld id="{B6D41BCC-AD73-4203-A5A6-E62EB28B0FE6}" type="datetimeFigureOut">
               <a:rPr lang="en-US" smtClean="0"/>
-              <a:t>2/12/2024</a:t>
+              <a:t>2/20/2024</a:t>
             </a:fld>
             <a:endParaRPr lang="en-US"/>
           </a:p>
@@ -3217,7 +3236,7 @@
           <a:p>
             <a:fld id="{B6D41BCC-AD73-4203-A5A6-E62EB28B0FE6}" type="datetimeFigureOut">
               <a:rPr lang="en-US" smtClean="0"/>
-              <a:t>2/12/2024</a:t>
+              <a:t>2/20/2024</a:t>
             </a:fld>
             <a:endParaRPr lang="en-US"/>
           </a:p>
@@ -3457,7 +3476,7 @@
             <a:fld id="{B6D41BCC-AD73-4203-A5A6-E62EB28B0FE6}" type="datetimeFigureOut">
               <a:rPr lang="en-US" smtClean="0"/>
               <a:pPr/>
-              <a:t>2/12/2024</a:t>
+              <a:t>2/20/2024</a:t>
             </a:fld>
             <a:endParaRPr lang="en-US"/>
           </a:p>
@@ -4290,7 +4309,7 @@
             </a:r>
             <a:r>
               <a:rPr lang="de-AT" dirty="0"/>
-              <a:t> Komponenten als Funktionen</a:t>
+              <a:t> Komponenten</a:t>
             </a:r>
           </a:p>
         </p:txBody>
@@ -4313,13 +4332,13 @@
         </p:nvSpPr>
         <p:spPr>
           <a:xfrm>
-            <a:off x="654342" y="2057400"/>
-            <a:ext cx="7751428" cy="4137259"/>
+            <a:off x="420624" y="1830897"/>
+            <a:ext cx="5675376" cy="4469235"/>
           </a:xfrm>
         </p:spPr>
         <p:txBody>
           <a:bodyPr>
-            <a:normAutofit fontScale="92500" lnSpcReduction="10000"/>
+            <a:normAutofit/>
           </a:bodyPr>
           <a:lstStyle/>
           <a:p>
@@ -4329,128 +4348,33 @@
             </a:r>
             <a:r>
               <a:rPr lang="de-AT" dirty="0"/>
-              <a:t> Komponenten können durch Klassen oder durch Funktionen definiert werden, wobei Trend stark Richtung Funktionen geht</a:t>
-            </a:r>
-          </a:p>
-          <a:p>
-            <a:r>
-              <a:rPr lang="de-AT" dirty="0" err="1"/>
-              <a:t>React</a:t>
-            </a:r>
-            <a:r>
-              <a:rPr lang="de-AT" dirty="0"/>
-              <a:t>-Komponenten starten IMMER mit Großbuchstaben</a:t>
-            </a:r>
-          </a:p>
-          <a:p>
-            <a:r>
-              <a:rPr lang="de-AT" dirty="0" err="1"/>
-              <a:t>React</a:t>
-            </a:r>
-            <a:r>
-              <a:rPr lang="de-AT" dirty="0"/>
-              <a:t>-Komponenten sind JavaScript-Funktionen, die Markup (JSX siehe nächste Folie) zurückgeben.</a:t>
-            </a:r>
-          </a:p>
-          <a:p>
-            <a:r>
-              <a:rPr lang="de-AT" dirty="0"/>
-              <a:t>„</a:t>
-            </a:r>
-            <a:r>
-              <a:rPr lang="de-AT" dirty="0" err="1"/>
-              <a:t>export</a:t>
-            </a:r>
-            <a:r>
-              <a:rPr lang="de-AT" dirty="0"/>
-              <a:t> </a:t>
-            </a:r>
-            <a:r>
-              <a:rPr lang="de-AT" dirty="0" err="1"/>
-              <a:t>default</a:t>
-            </a:r>
-            <a:r>
-              <a:rPr lang="de-AT" dirty="0"/>
-              <a:t>“ ist eine Standard-JavaScript-Syntax (nicht spezifisch für </a:t>
-            </a:r>
-            <a:r>
-              <a:rPr lang="de-AT" dirty="0" err="1"/>
-              <a:t>React</a:t>
-            </a:r>
-            <a:r>
-              <a:rPr lang="de-AT" dirty="0"/>
-              <a:t>). Es ermöglicht, die Hauptfunktion in einer Datei zu markieren, damit sie später von anderen Dateien über „</a:t>
-            </a:r>
-            <a:r>
-              <a:rPr lang="de-AT" dirty="0" err="1"/>
-              <a:t>import</a:t>
-            </a:r>
-            <a:r>
-              <a:rPr lang="de-AT" dirty="0"/>
-              <a:t>“ importiert werden kann</a:t>
-            </a:r>
-          </a:p>
-          <a:p>
-            <a:r>
-              <a:rPr lang="de-AT" dirty="0" err="1"/>
-              <a:t>Bsp</a:t>
-            </a:r>
-            <a:r>
-              <a:rPr lang="de-AT" dirty="0"/>
-              <a:t>: </a:t>
-            </a:r>
-            <a:r>
-              <a:rPr lang="de-AT" dirty="0" err="1"/>
-              <a:t>import</a:t>
-            </a:r>
-            <a:r>
-              <a:rPr lang="de-AT" dirty="0"/>
-              <a:t> </a:t>
-            </a:r>
-            <a:r>
-              <a:rPr lang="de-AT" dirty="0" err="1"/>
-              <a:t>MyApp</a:t>
-            </a:r>
-            <a:r>
-              <a:rPr lang="de-AT" dirty="0"/>
-              <a:t> </a:t>
-            </a:r>
-            <a:r>
-              <a:rPr lang="de-AT" dirty="0" err="1"/>
-              <a:t>from</a:t>
-            </a:r>
-            <a:r>
-              <a:rPr lang="de-AT" dirty="0"/>
-              <a:t> “./MyApp.js“</a:t>
-            </a:r>
-          </a:p>
-          <a:p>
-            <a:r>
-              <a:rPr lang="de-AT" dirty="0"/>
-              <a:t>Tipp: Best </a:t>
-            </a:r>
-            <a:r>
-              <a:rPr lang="de-AT" dirty="0" err="1"/>
-              <a:t>practice</a:t>
-            </a:r>
-            <a:r>
-              <a:rPr lang="de-AT" dirty="0"/>
-              <a:t> ist eine Komponente je JS-Datei, wobei die Datei denselben Namen wie die Funktion der </a:t>
-            </a:r>
-            <a:r>
-              <a:rPr lang="de-AT" dirty="0" err="1"/>
-              <a:t>React</a:t>
-            </a:r>
-            <a:r>
-              <a:rPr lang="de-AT" dirty="0"/>
-              <a:t> Komponente hat</a:t>
-            </a:r>
-          </a:p>
-          <a:p>
-            <a:pPr marL="0" indent="0">
-              <a:buNone/>
-            </a:pPr>
-            <a:endParaRPr lang="de-AT" dirty="0"/>
+              <a:t>-Anwendungen bestehen aus Komponenten.</a:t>
+            </a:r>
+          </a:p>
+          <a:p>
+            <a:r>
+              <a:rPr lang="de-AT" dirty="0"/>
+              <a:t>Eine Komponente ist ein Teil der Benutzeroberfläche (UI), der über seine eigene Logik und Darstellung verfügt.</a:t>
+            </a:r>
+          </a:p>
+          <a:p>
+            <a:r>
+              <a:rPr lang="de-AT" dirty="0"/>
+              <a:t>Eine Komponente kann so klein wie eine Schaltfläche oder so groß wie eine ganze Seite sein.</a:t>
+            </a:r>
+          </a:p>
+          <a:p>
+            <a:r>
+              <a:rPr lang="de-AT" dirty="0"/>
+              <a:t>Komponenten können ineinander verschachtelt werden</a:t>
+            </a:r>
+          </a:p>
+          <a:p>
+            <a:pPr lvl="1"/>
+            <a:r>
+              <a:rPr lang="de-AT" dirty="0"/>
+              <a:t>Achtung: Komponenten können andere Komponenten rendern, aber ihre Definitionen dürfen niemals verschachtelt sein.</a:t>
+            </a:r>
           </a:p>
           <a:p>
             <a:endParaRPr lang="de-AT" dirty="0"/>
@@ -4459,10 +4383,10 @@
       </p:sp>
       <p:pic>
         <p:nvPicPr>
-          <p:cNvPr id="5" name="Grafik 4">
-            <a:extLst>
-              <a:ext uri="{FF2B5EF4-FFF2-40B4-BE49-F238E27FC236}">
-                <a16:creationId xmlns:a16="http://schemas.microsoft.com/office/drawing/2014/main" id="{3D0A2AA7-9476-6483-8309-DCDFFB06D466}"/>
+          <p:cNvPr id="7" name="Grafik 6">
+            <a:extLst>
+              <a:ext uri="{FF2B5EF4-FFF2-40B4-BE49-F238E27FC236}">
+                <a16:creationId xmlns:a16="http://schemas.microsoft.com/office/drawing/2014/main" id="{D29BCA38-E46A-BD3A-9997-B3A0361AC480}"/>
               </a:ext>
             </a:extLst>
           </p:cNvPr>
@@ -4479,8 +4403,8 @@
         </p:blipFill>
         <p:spPr>
           <a:xfrm>
-            <a:off x="8769432" y="2221621"/>
-            <a:ext cx="3176253" cy="3430795"/>
+            <a:off x="6096000" y="1892808"/>
+            <a:ext cx="5928875" cy="3863229"/>
           </a:xfrm>
           <a:prstGeom prst="rect">
             <a:avLst/>
@@ -4490,7 +4414,7 @@
     </p:spTree>
     <p:extLst>
       <p:ext uri="{BB962C8B-B14F-4D97-AF65-F5344CB8AC3E}">
-        <p14:creationId xmlns:p14="http://schemas.microsoft.com/office/powerpoint/2010/main" val="3551061997"/>
+        <p14:creationId xmlns:p14="http://schemas.microsoft.com/office/powerpoint/2010/main" val="3865744012"/>
       </p:ext>
     </p:extLst>
   </p:cSld>
@@ -4517,192 +4441,234 @@
           <a:chExt cx="0" cy="0"/>
         </a:xfrm>
       </p:grpSpPr>
+      <p:sp>
+        <p:nvSpPr>
+          <p:cNvPr id="2" name="Titel 1">
+            <a:extLst>
+              <a:ext uri="{FF2B5EF4-FFF2-40B4-BE49-F238E27FC236}">
+                <a16:creationId xmlns:a16="http://schemas.microsoft.com/office/drawing/2014/main" id="{9D9BFBAC-F174-E2C5-296F-FBBECDB735AA}"/>
+              </a:ext>
+            </a:extLst>
+          </p:cNvPr>
+          <p:cNvSpPr>
+            <a:spLocks noGrp="1"/>
+          </p:cNvSpPr>
+          <p:nvPr>
+            <p:ph type="title"/>
+          </p:nvPr>
+        </p:nvSpPr>
+        <p:spPr/>
+        <p:txBody>
+          <a:bodyPr/>
+          <a:lstStyle/>
+          <a:p>
+            <a:r>
+              <a:rPr lang="de-AT" dirty="0" err="1"/>
+              <a:t>React</a:t>
+            </a:r>
+            <a:r>
+              <a:rPr lang="de-AT" dirty="0"/>
+              <a:t> Komponenten als Funktionen</a:t>
+            </a:r>
+          </a:p>
+        </p:txBody>
+      </p:sp>
+      <p:sp>
+        <p:nvSpPr>
+          <p:cNvPr id="3" name="Inhaltsplatzhalter 2">
+            <a:extLst>
+              <a:ext uri="{FF2B5EF4-FFF2-40B4-BE49-F238E27FC236}">
+                <a16:creationId xmlns:a16="http://schemas.microsoft.com/office/drawing/2014/main" id="{1D08B22A-FFF5-CF70-7FA2-665BE43C587D}"/>
+              </a:ext>
+            </a:extLst>
+          </p:cNvPr>
+          <p:cNvSpPr>
+            <a:spLocks noGrp="1"/>
+          </p:cNvSpPr>
+          <p:nvPr>
+            <p:ph idx="1"/>
+          </p:nvPr>
+        </p:nvSpPr>
+        <p:spPr>
+          <a:xfrm>
+            <a:off x="654342" y="2057400"/>
+            <a:ext cx="7751428" cy="4137259"/>
+          </a:xfrm>
+        </p:spPr>
+        <p:txBody>
+          <a:bodyPr>
+            <a:normAutofit fontScale="92500" lnSpcReduction="10000"/>
+          </a:bodyPr>
+          <a:lstStyle/>
+          <a:p>
+            <a:r>
+              <a:rPr lang="de-AT" dirty="0" err="1"/>
+              <a:t>React</a:t>
+            </a:r>
+            <a:r>
+              <a:rPr lang="de-AT" dirty="0"/>
+              <a:t> Komponenten können durch Klassen oder durch Funktionen definiert werden, wobei Trend stark Richtung Funktionen geht</a:t>
+            </a:r>
+          </a:p>
+          <a:p>
+            <a:r>
+              <a:rPr lang="de-AT" dirty="0" err="1"/>
+              <a:t>React</a:t>
+            </a:r>
+            <a:r>
+              <a:rPr lang="de-AT" dirty="0"/>
+              <a:t>-Komponenten starten IMMER mit Großbuchstaben</a:t>
+            </a:r>
+          </a:p>
+          <a:p>
+            <a:r>
+              <a:rPr lang="de-AT" dirty="0" err="1"/>
+              <a:t>React</a:t>
+            </a:r>
+            <a:r>
+              <a:rPr lang="de-AT" dirty="0"/>
+              <a:t>-Komponenten sind JavaScript-Funktionen, die Markup (JSX siehe nächste Folie) zurückgeben.</a:t>
+            </a:r>
+          </a:p>
+          <a:p>
+            <a:r>
+              <a:rPr lang="de-AT" dirty="0"/>
+              <a:t>„</a:t>
+            </a:r>
+            <a:r>
+              <a:rPr lang="de-AT" dirty="0" err="1"/>
+              <a:t>export</a:t>
+            </a:r>
+            <a:r>
+              <a:rPr lang="de-AT" dirty="0"/>
+              <a:t> </a:t>
+            </a:r>
+            <a:r>
+              <a:rPr lang="de-AT" dirty="0" err="1"/>
+              <a:t>default</a:t>
+            </a:r>
+            <a:r>
+              <a:rPr lang="de-AT" dirty="0"/>
+              <a:t>“ ist eine Standard-JavaScript-Syntax (nicht spezifisch für </a:t>
+            </a:r>
+            <a:r>
+              <a:rPr lang="de-AT" dirty="0" err="1"/>
+              <a:t>React</a:t>
+            </a:r>
+            <a:r>
+              <a:rPr lang="de-AT" dirty="0"/>
+              <a:t>). Es ermöglicht, die Hauptfunktion in einer Datei zu markieren, damit sie später von anderen Dateien über „</a:t>
+            </a:r>
+            <a:r>
+              <a:rPr lang="de-AT" dirty="0" err="1"/>
+              <a:t>import</a:t>
+            </a:r>
+            <a:r>
+              <a:rPr lang="de-AT" dirty="0"/>
+              <a:t>“ importiert werden kann</a:t>
+            </a:r>
+          </a:p>
+          <a:p>
+            <a:r>
+              <a:rPr lang="de-AT" dirty="0" err="1"/>
+              <a:t>Bsp</a:t>
+            </a:r>
+            <a:r>
+              <a:rPr lang="de-AT" dirty="0"/>
+              <a:t>: </a:t>
+            </a:r>
+            <a:r>
+              <a:rPr lang="de-AT" dirty="0" err="1"/>
+              <a:t>import</a:t>
+            </a:r>
+            <a:r>
+              <a:rPr lang="de-AT" dirty="0"/>
+              <a:t> </a:t>
+            </a:r>
+            <a:r>
+              <a:rPr lang="de-AT" dirty="0" err="1"/>
+              <a:t>MyApp</a:t>
+            </a:r>
+            <a:r>
+              <a:rPr lang="de-AT" dirty="0"/>
+              <a:t> </a:t>
+            </a:r>
+            <a:r>
+              <a:rPr lang="de-AT" dirty="0" err="1"/>
+              <a:t>from</a:t>
+            </a:r>
+            <a:r>
+              <a:rPr lang="de-AT" dirty="0"/>
+              <a:t> “./MyApp.js“</a:t>
+            </a:r>
+          </a:p>
+          <a:p>
+            <a:r>
+              <a:rPr lang="de-AT" dirty="0"/>
+              <a:t>Tipp: Best </a:t>
+            </a:r>
+            <a:r>
+              <a:rPr lang="de-AT" dirty="0" err="1"/>
+              <a:t>practice</a:t>
+            </a:r>
+            <a:r>
+              <a:rPr lang="de-AT" dirty="0"/>
+              <a:t> ist eine Komponente je JS-Datei, wobei die Datei denselben Namen wie die Funktion der </a:t>
+            </a:r>
+            <a:r>
+              <a:rPr lang="de-AT" dirty="0" err="1"/>
+              <a:t>React</a:t>
+            </a:r>
+            <a:r>
+              <a:rPr lang="de-AT" dirty="0"/>
+              <a:t> Komponente hat</a:t>
+            </a:r>
+          </a:p>
+          <a:p>
+            <a:pPr marL="0" indent="0">
+              <a:buNone/>
+            </a:pPr>
+            <a:endParaRPr lang="de-AT" dirty="0"/>
+          </a:p>
+          <a:p>
+            <a:endParaRPr lang="de-AT" dirty="0"/>
+          </a:p>
+        </p:txBody>
+      </p:sp>
       <p:pic>
         <p:nvPicPr>
-          <p:cNvPr id="17410" name="Picture 2" descr="Baustein ▷ Rechtschreibung, Bedeutung, Definition, Herkunft | Duden">
-            <a:extLst>
-              <a:ext uri="{FF2B5EF4-FFF2-40B4-BE49-F238E27FC236}">
-                <a16:creationId xmlns:a16="http://schemas.microsoft.com/office/drawing/2014/main" id="{78BD1E8B-A735-E5D9-4421-6CDB8CF7C9D5}"/>
+          <p:cNvPr id="5" name="Grafik 4">
+            <a:extLst>
+              <a:ext uri="{FF2B5EF4-FFF2-40B4-BE49-F238E27FC236}">
+                <a16:creationId xmlns:a16="http://schemas.microsoft.com/office/drawing/2014/main" id="{3D0A2AA7-9476-6483-8309-DCDFFB06D466}"/>
               </a:ext>
             </a:extLst>
           </p:cNvPr>
           <p:cNvPicPr>
-            <a:picLocks noChangeAspect="1" noChangeArrowheads="1"/>
+            <a:picLocks noChangeAspect="1"/>
           </p:cNvPicPr>
           <p:nvPr/>
         </p:nvPicPr>
         <p:blipFill>
-          <a:blip r:embed="rId2">
-            <a:extLst>
-              <a:ext uri="{28A0092B-C50C-407E-A947-70E740481C1C}">
-                <a14:useLocalDpi xmlns:a14="http://schemas.microsoft.com/office/drawing/2010/main" val="0"/>
-              </a:ext>
-            </a:extLst>
-          </a:blip>
-          <a:srcRect/>
+          <a:blip r:embed="rId2"/>
           <a:stretch>
             <a:fillRect/>
           </a:stretch>
         </p:blipFill>
-        <p:spPr bwMode="auto">
-          <a:xfrm>
-            <a:off x="8172020" y="2265617"/>
-            <a:ext cx="3799762" cy="2534984"/>
+        <p:spPr>
+          <a:xfrm>
+            <a:off x="8769432" y="2221621"/>
+            <a:ext cx="3176253" cy="3430795"/>
           </a:xfrm>
           <a:prstGeom prst="rect">
             <a:avLst/>
           </a:prstGeom>
-          <a:noFill/>
-          <a:extLst>
-            <a:ext uri="{909E8E84-426E-40DD-AFC4-6F175D3DCCD1}">
-              <a14:hiddenFill xmlns:a14="http://schemas.microsoft.com/office/drawing/2010/main">
-                <a:solidFill>
-                  <a:srgbClr val="FFFFFF"/>
-                </a:solidFill>
-              </a14:hiddenFill>
-            </a:ext>
-          </a:extLst>
         </p:spPr>
       </p:pic>
-      <p:sp>
-        <p:nvSpPr>
-          <p:cNvPr id="2" name="Titel 1">
-            <a:extLst>
-              <a:ext uri="{FF2B5EF4-FFF2-40B4-BE49-F238E27FC236}">
-                <a16:creationId xmlns:a16="http://schemas.microsoft.com/office/drawing/2014/main" id="{2047636A-00EC-347E-74B6-851844C8D6D2}"/>
-              </a:ext>
-            </a:extLst>
-          </p:cNvPr>
-          <p:cNvSpPr>
-            <a:spLocks noGrp="1"/>
-          </p:cNvSpPr>
-          <p:nvPr>
-            <p:ph type="title"/>
-          </p:nvPr>
-        </p:nvSpPr>
-        <p:spPr/>
-        <p:txBody>
-          <a:bodyPr/>
-          <a:lstStyle/>
-          <a:p>
-            <a:r>
-              <a:rPr lang="de-AT" dirty="0"/>
-              <a:t>Übung zu </a:t>
-            </a:r>
-            <a:r>
-              <a:rPr lang="de-AT" dirty="0" err="1"/>
-              <a:t>React</a:t>
-            </a:r>
-            <a:r>
-              <a:rPr lang="de-AT" dirty="0"/>
-              <a:t> Komponenten</a:t>
-            </a:r>
-          </a:p>
-        </p:txBody>
-      </p:sp>
-      <p:sp>
-        <p:nvSpPr>
-          <p:cNvPr id="3" name="Inhaltsplatzhalter 2">
-            <a:extLst>
-              <a:ext uri="{FF2B5EF4-FFF2-40B4-BE49-F238E27FC236}">
-                <a16:creationId xmlns:a16="http://schemas.microsoft.com/office/drawing/2014/main" id="{C36A20DF-7B59-5E5B-CCB9-7E2023435A75}"/>
-              </a:ext>
-            </a:extLst>
-          </p:cNvPr>
-          <p:cNvSpPr>
-            <a:spLocks noGrp="1"/>
-          </p:cNvSpPr>
-          <p:nvPr>
-            <p:ph idx="1"/>
-          </p:nvPr>
-        </p:nvSpPr>
-        <p:spPr>
-          <a:xfrm>
-            <a:off x="896112" y="2057400"/>
-            <a:ext cx="7379208" cy="4137259"/>
-          </a:xfrm>
-        </p:spPr>
-        <p:txBody>
-          <a:bodyPr>
-            <a:normAutofit/>
-          </a:bodyPr>
-          <a:lstStyle/>
-          <a:p>
-            <a:r>
-              <a:rPr lang="de-AT" dirty="0"/>
-              <a:t>Erstelle einen Ordner „</a:t>
-            </a:r>
-            <a:r>
-              <a:rPr lang="de-AT" dirty="0" err="1"/>
-              <a:t>components</a:t>
-            </a:r>
-            <a:r>
-              <a:rPr lang="de-AT" dirty="0"/>
-              <a:t>“ in deinem </a:t>
-            </a:r>
-            <a:r>
-              <a:rPr lang="de-AT" dirty="0" err="1"/>
-              <a:t>React</a:t>
-            </a:r>
-            <a:r>
-              <a:rPr lang="de-AT" dirty="0"/>
-              <a:t> Projekt</a:t>
-            </a:r>
-          </a:p>
-          <a:p>
-            <a:r>
-              <a:rPr lang="de-AT" dirty="0"/>
-              <a:t>Erstelle die Datei „MyParentComponent.js“ und „MyNestedComponent.js“ innerhalb des Ordners „</a:t>
-            </a:r>
-            <a:r>
-              <a:rPr lang="de-AT" dirty="0" err="1"/>
-              <a:t>components</a:t>
-            </a:r>
-            <a:r>
-              <a:rPr lang="de-AT" dirty="0"/>
-              <a:t>“</a:t>
-            </a:r>
-          </a:p>
-          <a:p>
-            <a:r>
-              <a:rPr lang="de-AT" dirty="0"/>
-              <a:t>MyNestedComponent.js beinhaltet eine gleichnamige Funktion die ein &lt;div&gt; Element zurückgibt welches den Text „Ich bin eine verschachtelte Komponente“ beinhaltet</a:t>
-            </a:r>
-          </a:p>
-          <a:p>
-            <a:r>
-              <a:rPr lang="de-AT" dirty="0"/>
-              <a:t>MyParentComponent.js beinhaltet eine gleichnamige Funktion die ein &lt;div&gt; Element mit dem Text „Ich bin die Parent Komponente“ und zusätzlich die Komponente “</a:t>
-            </a:r>
-            <a:r>
-              <a:rPr lang="de-AT" dirty="0" err="1"/>
-              <a:t>MyNestedComponent</a:t>
-            </a:r>
-            <a:r>
-              <a:rPr lang="de-AT" dirty="0"/>
-              <a:t>“ zurückgibt</a:t>
-            </a:r>
-          </a:p>
-          <a:p>
-            <a:r>
-              <a:rPr lang="de-AT" dirty="0"/>
-              <a:t>Bind die Komponente “</a:t>
-            </a:r>
-            <a:r>
-              <a:rPr lang="de-AT" dirty="0" err="1"/>
-              <a:t>MyParentComponent</a:t>
-            </a:r>
-            <a:r>
-              <a:rPr lang="de-AT" dirty="0"/>
-              <a:t>“ in App.js ein</a:t>
-            </a:r>
-          </a:p>
-        </p:txBody>
-      </p:sp>
     </p:spTree>
     <p:extLst>
       <p:ext uri="{BB962C8B-B14F-4D97-AF65-F5344CB8AC3E}">
-        <p14:creationId xmlns:p14="http://schemas.microsoft.com/office/powerpoint/2010/main" val="4151702832"/>
+        <p14:creationId xmlns:p14="http://schemas.microsoft.com/office/powerpoint/2010/main" val="3551061997"/>
       </p:ext>
     </p:extLst>
   </p:cSld>
@@ -4729,125 +4695,12 @@
           <a:chExt cx="0" cy="0"/>
         </a:xfrm>
       </p:grpSpPr>
-      <p:sp>
-        <p:nvSpPr>
-          <p:cNvPr id="2" name="Titel 1">
-            <a:extLst>
-              <a:ext uri="{FF2B5EF4-FFF2-40B4-BE49-F238E27FC236}">
-                <a16:creationId xmlns:a16="http://schemas.microsoft.com/office/drawing/2014/main" id="{29B59115-00E6-2B1B-A696-B82A7BF8D05D}"/>
-              </a:ext>
-            </a:extLst>
-          </p:cNvPr>
-          <p:cNvSpPr>
-            <a:spLocks noGrp="1"/>
-          </p:cNvSpPr>
-          <p:nvPr>
-            <p:ph type="title"/>
-          </p:nvPr>
-        </p:nvSpPr>
-        <p:spPr>
-          <a:xfrm>
-            <a:off x="1291905" y="685800"/>
-            <a:ext cx="9261796" cy="1371600"/>
-          </a:xfrm>
-        </p:spPr>
-        <p:txBody>
-          <a:bodyPr/>
-          <a:lstStyle/>
-          <a:p>
-            <a:r>
-              <a:rPr lang="de-AT" dirty="0"/>
-              <a:t>JavaScript XML (JSX)</a:t>
-            </a:r>
-          </a:p>
-        </p:txBody>
-      </p:sp>
-      <p:sp>
-        <p:nvSpPr>
-          <p:cNvPr id="3" name="Inhaltsplatzhalter 2">
-            <a:extLst>
-              <a:ext uri="{FF2B5EF4-FFF2-40B4-BE49-F238E27FC236}">
-                <a16:creationId xmlns:a16="http://schemas.microsoft.com/office/drawing/2014/main" id="{9659347F-18A4-708F-420C-9D069254D359}"/>
-              </a:ext>
-            </a:extLst>
-          </p:cNvPr>
-          <p:cNvSpPr>
-            <a:spLocks noGrp="1"/>
-          </p:cNvSpPr>
-          <p:nvPr>
-            <p:ph idx="1"/>
-          </p:nvPr>
-        </p:nvSpPr>
-        <p:spPr>
-          <a:xfrm>
-            <a:off x="679509" y="2057400"/>
-            <a:ext cx="7175187" cy="4137259"/>
-          </a:xfrm>
-        </p:spPr>
-        <p:txBody>
-          <a:bodyPr>
-            <a:normAutofit/>
-          </a:bodyPr>
-          <a:lstStyle/>
-          <a:p>
-            <a:r>
-              <a:rPr lang="de-AT" dirty="0"/>
-              <a:t>JSX steht für JavaScript XML und ist eine Syntaxerweiterung für JavaScript.</a:t>
-            </a:r>
-          </a:p>
-          <a:p>
-            <a:r>
-              <a:rPr lang="de-AT" dirty="0"/>
-              <a:t>Es ermöglicht das Schreiben von HTML-ähnlichem Code innerhalb von JavaScript, was die Erstellung von Benutzeroberflächen in </a:t>
-            </a:r>
-            <a:r>
-              <a:rPr lang="de-AT" dirty="0" err="1"/>
-              <a:t>React</a:t>
-            </a:r>
-            <a:r>
-              <a:rPr lang="de-AT" dirty="0"/>
-              <a:t> erleichtert.</a:t>
-            </a:r>
-          </a:p>
-          <a:p>
-            <a:pPr lvl="1"/>
-            <a:r>
-              <a:rPr lang="de-AT" dirty="0"/>
-              <a:t>Um HTML in JSX zu verwandeln kann folgender Converter verwendet werden: </a:t>
-            </a:r>
-            <a:r>
-              <a:rPr lang="de-AT" dirty="0">
-                <a:hlinkClick r:id="rId2"/>
-              </a:rPr>
-              <a:t>https://transform.tools/html-to-jsx</a:t>
-            </a:r>
-            <a:r>
-              <a:rPr lang="de-AT" dirty="0"/>
-              <a:t> </a:t>
-            </a:r>
-          </a:p>
-          <a:p>
-            <a:r>
-              <a:rPr lang="de-AT" dirty="0"/>
-              <a:t>JSX wird von </a:t>
-            </a:r>
-            <a:r>
-              <a:rPr lang="de-AT" dirty="0" err="1"/>
-              <a:t>React</a:t>
-            </a:r>
-            <a:r>
-              <a:rPr lang="de-AT" dirty="0"/>
-              <a:t> verwendet, um virtuelle DOM-Elemente zu erstellen, die dann weiters in tatsächliches HTML umgewandelt und im Browser gerendert werden</a:t>
-            </a:r>
-          </a:p>
-        </p:txBody>
-      </p:sp>
       <p:pic>
         <p:nvPicPr>
-          <p:cNvPr id="13314" name="Picture 2" descr="JSX">
-            <a:extLst>
-              <a:ext uri="{FF2B5EF4-FFF2-40B4-BE49-F238E27FC236}">
-                <a16:creationId xmlns:a16="http://schemas.microsoft.com/office/drawing/2014/main" id="{D794EE1D-914B-CE0C-3F72-AEF447565628}"/>
+          <p:cNvPr id="17410" name="Picture 2" descr="Baustein ▷ Rechtschreibung, Bedeutung, Definition, Herkunft | Duden">
+            <a:extLst>
+              <a:ext uri="{FF2B5EF4-FFF2-40B4-BE49-F238E27FC236}">
+                <a16:creationId xmlns:a16="http://schemas.microsoft.com/office/drawing/2014/main" id="{78BD1E8B-A735-E5D9-4421-6CDB8CF7C9D5}"/>
               </a:ext>
             </a:extLst>
           </p:cNvPr>
@@ -4856,21 +4709,23 @@
           </p:cNvPicPr>
           <p:nvPr/>
         </p:nvPicPr>
-        <p:blipFill rotWithShape="1">
-          <a:blip r:embed="rId3">
+        <p:blipFill>
+          <a:blip r:embed="rId2">
             <a:extLst>
               <a:ext uri="{28A0092B-C50C-407E-A947-70E740481C1C}">
                 <a14:useLocalDpi xmlns:a14="http://schemas.microsoft.com/office/drawing/2010/main" val="0"/>
               </a:ext>
             </a:extLst>
           </a:blip>
-          <a:srcRect l="19014"/>
-          <a:stretch/>
+          <a:srcRect/>
+          <a:stretch>
+            <a:fillRect/>
+          </a:stretch>
         </p:blipFill>
         <p:spPr bwMode="auto">
           <a:xfrm>
-            <a:off x="8255439" y="2143950"/>
-            <a:ext cx="3639669" cy="1803591"/>
+            <a:off x="8172020" y="2265617"/>
+            <a:ext cx="3799762" cy="2534984"/>
           </a:xfrm>
           <a:prstGeom prst="rect">
             <a:avLst/>
@@ -4887,10 +4742,145 @@
           </a:extLst>
         </p:spPr>
       </p:pic>
+      <p:sp>
+        <p:nvSpPr>
+          <p:cNvPr id="2" name="Titel 1">
+            <a:extLst>
+              <a:ext uri="{FF2B5EF4-FFF2-40B4-BE49-F238E27FC236}">
+                <a16:creationId xmlns:a16="http://schemas.microsoft.com/office/drawing/2014/main" id="{2047636A-00EC-347E-74B6-851844C8D6D2}"/>
+              </a:ext>
+            </a:extLst>
+          </p:cNvPr>
+          <p:cNvSpPr>
+            <a:spLocks noGrp="1"/>
+          </p:cNvSpPr>
+          <p:nvPr>
+            <p:ph type="title"/>
+          </p:nvPr>
+        </p:nvSpPr>
+        <p:spPr/>
+        <p:txBody>
+          <a:bodyPr/>
+          <a:lstStyle/>
+          <a:p>
+            <a:r>
+              <a:rPr lang="de-AT" dirty="0"/>
+              <a:t>Übung zu </a:t>
+            </a:r>
+            <a:r>
+              <a:rPr lang="de-AT" dirty="0" err="1"/>
+              <a:t>React</a:t>
+            </a:r>
+            <a:r>
+              <a:rPr lang="de-AT" dirty="0"/>
+              <a:t> Komponenten</a:t>
+            </a:r>
+          </a:p>
+        </p:txBody>
+      </p:sp>
+      <p:sp>
+        <p:nvSpPr>
+          <p:cNvPr id="3" name="Inhaltsplatzhalter 2">
+            <a:extLst>
+              <a:ext uri="{FF2B5EF4-FFF2-40B4-BE49-F238E27FC236}">
+                <a16:creationId xmlns:a16="http://schemas.microsoft.com/office/drawing/2014/main" id="{C36A20DF-7B59-5E5B-CCB9-7E2023435A75}"/>
+              </a:ext>
+            </a:extLst>
+          </p:cNvPr>
+          <p:cNvSpPr>
+            <a:spLocks noGrp="1"/>
+          </p:cNvSpPr>
+          <p:nvPr>
+            <p:ph idx="1"/>
+          </p:nvPr>
+        </p:nvSpPr>
+        <p:spPr>
+          <a:xfrm>
+            <a:off x="896112" y="2057400"/>
+            <a:ext cx="7379208" cy="4137259"/>
+          </a:xfrm>
+        </p:spPr>
+        <p:txBody>
+          <a:bodyPr>
+            <a:normAutofit/>
+          </a:bodyPr>
+          <a:lstStyle/>
+          <a:p>
+            <a:r>
+              <a:rPr lang="de-AT" dirty="0"/>
+              <a:t>Erstelle einen Ordner „</a:t>
+            </a:r>
+            <a:r>
+              <a:rPr lang="de-AT" dirty="0" err="1"/>
+              <a:t>components</a:t>
+            </a:r>
+            <a:r>
+              <a:rPr lang="de-AT" dirty="0"/>
+              <a:t>“ in deinem </a:t>
+            </a:r>
+            <a:r>
+              <a:rPr lang="de-AT" dirty="0" err="1"/>
+              <a:t>React</a:t>
+            </a:r>
+            <a:r>
+              <a:rPr lang="de-AT" dirty="0"/>
+              <a:t> Projekt</a:t>
+            </a:r>
+          </a:p>
+          <a:p>
+            <a:r>
+              <a:rPr lang="de-AT" dirty="0"/>
+              <a:t>Erstelle die Datei „MyParentComponent.js“ und „MyNestedComponent.js“ innerhalb des Ordners „</a:t>
+            </a:r>
+            <a:r>
+              <a:rPr lang="de-AT" dirty="0" err="1"/>
+              <a:t>components</a:t>
+            </a:r>
+            <a:r>
+              <a:rPr lang="de-AT" dirty="0"/>
+              <a:t>“</a:t>
+            </a:r>
+          </a:p>
+          <a:p>
+            <a:r>
+              <a:rPr lang="de-AT" dirty="0"/>
+              <a:t>MyNestedComponent.js beinhaltet eine gleichnamige Funktion die ein &lt;div&gt; Element zurückgibt welches den Text „Ich bin eine verschachtelte Komponente“ beinhaltet</a:t>
+            </a:r>
+          </a:p>
+          <a:p>
+            <a:r>
+              <a:rPr lang="de-AT" dirty="0"/>
+              <a:t>MyParentComponent.js beinhaltet eine gleichnamige Funktion die ein &lt;div&gt; Element mit dem Text „Ich bin die Parent Komponente“ und zusätzlich die Komponente “</a:t>
+            </a:r>
+            <a:r>
+              <a:rPr lang="de-AT" dirty="0" err="1"/>
+              <a:t>MyNestedComponent</a:t>
+            </a:r>
+            <a:r>
+              <a:rPr lang="de-AT" dirty="0"/>
+              <a:t>“ zurückgibt</a:t>
+            </a:r>
+          </a:p>
+          <a:p>
+            <a:r>
+              <a:rPr lang="de-AT" dirty="0"/>
+              <a:t>Bind die Komponente “</a:t>
+            </a:r>
+            <a:r>
+              <a:rPr lang="de-AT" dirty="0" err="1"/>
+              <a:t>MyParentComponent</a:t>
+            </a:r>
+            <a:r>
+              <a:rPr lang="de-AT" dirty="0"/>
+              <a:t>“ in App.js ein</a:t>
+            </a:r>
+          </a:p>
+        </p:txBody>
+      </p:sp>
     </p:spTree>
     <p:extLst>
       <p:ext uri="{BB962C8B-B14F-4D97-AF65-F5344CB8AC3E}">
-        <p14:creationId xmlns:p14="http://schemas.microsoft.com/office/powerpoint/2010/main" val="791974281"/>
+        <p14:creationId xmlns:p14="http://schemas.microsoft.com/office/powerpoint/2010/main" val="4151702832"/>
       </p:ext>
     </p:extLst>
   </p:cSld>
@@ -4922,7 +4912,7 @@
           <p:cNvPr id="2" name="Titel 1">
             <a:extLst>
               <a:ext uri="{FF2B5EF4-FFF2-40B4-BE49-F238E27FC236}">
-                <a16:creationId xmlns:a16="http://schemas.microsoft.com/office/drawing/2014/main" id="{F700E543-30E0-CC1E-451A-53EEE3E66E3C}"/>
+                <a16:creationId xmlns:a16="http://schemas.microsoft.com/office/drawing/2014/main" id="{29B59115-00E6-2B1B-A696-B82A7BF8D05D}"/>
               </a:ext>
             </a:extLst>
           </p:cNvPr>
@@ -4933,14 +4923,19 @@
             <p:ph type="title"/>
           </p:nvPr>
         </p:nvSpPr>
-        <p:spPr/>
+        <p:spPr>
+          <a:xfrm>
+            <a:off x="1291905" y="685800"/>
+            <a:ext cx="9261796" cy="1371600"/>
+          </a:xfrm>
+        </p:spPr>
         <p:txBody>
           <a:bodyPr/>
           <a:lstStyle/>
           <a:p>
             <a:r>
               <a:rPr lang="de-AT" dirty="0"/>
-              <a:t>Regeln für JSX</a:t>
+              <a:t>JavaScript XML (JSX)</a:t>
             </a:r>
           </a:p>
         </p:txBody>
@@ -4950,7 +4945,7 @@
           <p:cNvPr id="3" name="Inhaltsplatzhalter 2">
             <a:extLst>
               <a:ext uri="{FF2B5EF4-FFF2-40B4-BE49-F238E27FC236}">
-                <a16:creationId xmlns:a16="http://schemas.microsoft.com/office/drawing/2014/main" id="{1BE67FBE-642A-84C5-7AD2-69BE8B91182D}"/>
+                <a16:creationId xmlns:a16="http://schemas.microsoft.com/office/drawing/2014/main" id="{9659347F-18A4-708F-420C-9D069254D359}"/>
               </a:ext>
             </a:extLst>
           </p:cNvPr>
@@ -4963,201 +4958,117 @@
         </p:nvSpPr>
         <p:spPr>
           <a:xfrm>
-            <a:off x="676657" y="1781654"/>
-            <a:ext cx="6492239" cy="4628290"/>
+            <a:off x="679509" y="2057400"/>
+            <a:ext cx="7175187" cy="4137259"/>
           </a:xfrm>
         </p:spPr>
         <p:txBody>
           <a:bodyPr>
-            <a:normAutofit fontScale="92500" lnSpcReduction="10000"/>
+            <a:normAutofit/>
           </a:bodyPr>
           <a:lstStyle/>
           <a:p>
-            <a:pPr marL="342900" indent="-342900">
-              <a:buFont typeface="+mj-lt"/>
-              <a:buAutoNum type="arabicPeriod"/>
-            </a:pPr>
-            <a:r>
-              <a:rPr lang="de-AT" dirty="0"/>
-              <a:t>Gib ein einziges Parent Element zurück</a:t>
+            <a:r>
+              <a:rPr lang="de-AT" dirty="0"/>
+              <a:t>JSX steht für JavaScript XML und ist eine Syntaxerweiterung für JavaScript.</a:t>
+            </a:r>
+          </a:p>
+          <a:p>
+            <a:r>
+              <a:rPr lang="de-AT" dirty="0"/>
+              <a:t>Es ermöglicht das Schreiben von HTML-ähnlichem Code innerhalb von JavaScript, was die Erstellung von Benutzeroberflächen in </a:t>
+            </a:r>
+            <a:r>
+              <a:rPr lang="de-AT" dirty="0" err="1"/>
+              <a:t>React</a:t>
+            </a:r>
+            <a:r>
+              <a:rPr lang="de-AT" dirty="0"/>
+              <a:t> erleichtert.</a:t>
             </a:r>
           </a:p>
           <a:p>
             <a:pPr lvl="1"/>
             <a:r>
-              <a:rPr lang="de-AT" sz="1400" dirty="0"/>
-              <a:t>Um mehrere Elemente aus einer Komponente zurückzugeben, umschließe sie mit einem einzigen Elternelement, zum Beispiel mit einem &lt;div&gt;</a:t>
-            </a:r>
-          </a:p>
-          <a:p>
-            <a:pPr lvl="1"/>
-            <a:r>
-              <a:rPr lang="de-AT" sz="1400" dirty="0"/>
-              <a:t>Wenn man kein zusätzliches &lt;div&gt; im HTML hinzufügen möchten, kann stattdessen ein leeres Fragment &lt;&gt;&lt;/&gt; als Parent Element verwendet werden</a:t>
-            </a:r>
-          </a:p>
-          <a:p>
-            <a:pPr marL="342900" indent="-342900">
-              <a:buFont typeface="+mj-lt"/>
-              <a:buAutoNum type="arabicPeriod"/>
-            </a:pPr>
-            <a:r>
-              <a:rPr lang="de-AT" dirty="0"/>
-              <a:t>Schließe alle Tags</a:t>
-            </a:r>
-          </a:p>
-          <a:p>
-            <a:pPr lvl="1"/>
-            <a:r>
-              <a:rPr lang="de-AT" sz="1400" dirty="0"/>
-              <a:t>JSX erfordert, dass Tags explizit geschlossen werden: Selbstschließende Tags wie &lt;</a:t>
-            </a:r>
-            <a:r>
-              <a:rPr lang="de-AT" sz="1400" dirty="0" err="1"/>
-              <a:t>img</a:t>
-            </a:r>
-            <a:r>
-              <a:rPr lang="de-AT" sz="1400" dirty="0"/>
-              <a:t>&gt; oder &lt;li&gt; müssen explizit mit &lt;/</a:t>
-            </a:r>
-            <a:r>
-              <a:rPr lang="de-AT" sz="1400" dirty="0" err="1"/>
-              <a:t>img</a:t>
-            </a:r>
-            <a:r>
-              <a:rPr lang="de-AT" sz="1400" dirty="0"/>
-              <a:t>&gt; oder &lt;/li&gt; geschlossen werden</a:t>
-            </a:r>
-          </a:p>
-          <a:p>
-            <a:pPr marL="342900" indent="-342900">
-              <a:buFont typeface="+mj-lt"/>
-              <a:buAutoNum type="arabicPeriod"/>
-            </a:pPr>
-            <a:r>
-              <a:rPr lang="de-AT" dirty="0"/>
-              <a:t>Verwende meistens </a:t>
-            </a:r>
-            <a:r>
-              <a:rPr lang="de-AT" dirty="0" err="1"/>
-              <a:t>camelCase</a:t>
-            </a:r>
-            <a:r>
-              <a:rPr lang="de-AT" dirty="0"/>
-              <a:t>! </a:t>
-            </a:r>
-          </a:p>
-          <a:p>
-            <a:pPr lvl="1"/>
-            <a:r>
-              <a:rPr lang="de-AT" sz="1400" dirty="0"/>
-              <a:t>JavaScript hat Einschränkungen bei Variablennamen. Zum Beispiel dürfen ihre Namen keine Bindestriche enthalten oder reservierte Wörter wie "</a:t>
-            </a:r>
-            <a:r>
-              <a:rPr lang="de-AT" sz="1400" dirty="0" err="1"/>
-              <a:t>class</a:t>
-            </a:r>
-            <a:r>
-              <a:rPr lang="de-AT" sz="1400" dirty="0"/>
-              <a:t>" sein. </a:t>
-            </a:r>
-          </a:p>
-          <a:p>
-            <a:pPr lvl="1"/>
-            <a:r>
-              <a:rPr lang="de-AT" sz="1400" dirty="0"/>
-              <a:t>Deshalb werden in </a:t>
-            </a:r>
-            <a:r>
-              <a:rPr lang="de-AT" sz="1400" dirty="0" err="1"/>
+              <a:rPr lang="de-AT" dirty="0"/>
+              <a:t>Um HTML in JSX zu verwandeln kann folgender Converter verwendet werden: </a:t>
+            </a:r>
+            <a:r>
+              <a:rPr lang="de-AT" dirty="0">
+                <a:hlinkClick r:id="rId2"/>
+              </a:rPr>
+              <a:t>https://transform.tools/html-to-jsx</a:t>
+            </a:r>
+            <a:r>
+              <a:rPr lang="de-AT" dirty="0"/>
+              <a:t> </a:t>
+            </a:r>
+          </a:p>
+          <a:p>
+            <a:r>
+              <a:rPr lang="de-AT" dirty="0"/>
+              <a:t>JSX wird von </a:t>
+            </a:r>
+            <a:r>
+              <a:rPr lang="de-AT" dirty="0" err="1"/>
               <a:t>React</a:t>
             </a:r>
             <a:r>
-              <a:rPr lang="de-AT" sz="1400" dirty="0"/>
-              <a:t> viele HTML- und SVG-Attribute in </a:t>
-            </a:r>
-            <a:r>
-              <a:rPr lang="de-AT" sz="1400" dirty="0" err="1"/>
-              <a:t>camelCase</a:t>
-            </a:r>
-            <a:r>
-              <a:rPr lang="de-AT" sz="1400" dirty="0"/>
-              <a:t> geschrieben.  </a:t>
-            </a:r>
-          </a:p>
-          <a:p>
-            <a:pPr lvl="1"/>
-            <a:r>
-              <a:rPr lang="de-AT" sz="1400" dirty="0"/>
-              <a:t>Wichtiges Beispiel:</a:t>
-            </a:r>
-            <a:br>
-              <a:rPr lang="de-AT" sz="1400" dirty="0"/>
-            </a:br>
-            <a:r>
-              <a:rPr lang="de-AT" sz="1400" dirty="0"/>
-              <a:t>"</a:t>
-            </a:r>
-            <a:r>
-              <a:rPr lang="de-AT" sz="1400" dirty="0" err="1"/>
-              <a:t>class</a:t>
-            </a:r>
-            <a:r>
-              <a:rPr lang="de-AT" sz="1400" dirty="0"/>
-              <a:t>" wird in JSX zu "</a:t>
-            </a:r>
-            <a:r>
-              <a:rPr lang="de-AT" sz="1400" dirty="0" err="1"/>
-              <a:t>className</a:t>
-            </a:r>
-            <a:r>
-              <a:rPr lang="de-AT" sz="1400" dirty="0"/>
-              <a:t>", </a:t>
-            </a:r>
-          </a:p>
-          <a:p>
-            <a:pPr marL="617220" lvl="1" indent="-342900">
-              <a:buFont typeface="+mj-lt"/>
-              <a:buAutoNum type="arabicPeriod"/>
-            </a:pPr>
-            <a:endParaRPr lang="de-AT" sz="800" dirty="0"/>
+              <a:rPr lang="de-AT" dirty="0"/>
+              <a:t> verwendet, um virtuelle DOM-Elemente zu erstellen, die dann weiters in tatsächliches HTML umgewandelt und im Browser gerendert werden</a:t>
+            </a:r>
           </a:p>
         </p:txBody>
       </p:sp>
       <p:pic>
         <p:nvPicPr>
-          <p:cNvPr id="7" name="Grafik 6">
-            <a:extLst>
-              <a:ext uri="{FF2B5EF4-FFF2-40B4-BE49-F238E27FC236}">
-                <a16:creationId xmlns:a16="http://schemas.microsoft.com/office/drawing/2014/main" id="{5DDEAD27-6792-4C1A-3BB9-B533D20CE734}"/>
+          <p:cNvPr id="13314" name="Picture 2" descr="JSX">
+            <a:extLst>
+              <a:ext uri="{FF2B5EF4-FFF2-40B4-BE49-F238E27FC236}">
+                <a16:creationId xmlns:a16="http://schemas.microsoft.com/office/drawing/2014/main" id="{D794EE1D-914B-CE0C-3F72-AEF447565628}"/>
               </a:ext>
             </a:extLst>
           </p:cNvPr>
           <p:cNvPicPr>
-            <a:picLocks noChangeAspect="1"/>
+            <a:picLocks noChangeAspect="1" noChangeArrowheads="1"/>
           </p:cNvPicPr>
           <p:nvPr/>
         </p:nvPicPr>
-        <p:blipFill>
-          <a:blip r:embed="rId2"/>
-          <a:stretch>
-            <a:fillRect/>
-          </a:stretch>
+        <p:blipFill rotWithShape="1">
+          <a:blip r:embed="rId3">
+            <a:extLst>
+              <a:ext uri="{28A0092B-C50C-407E-A947-70E740481C1C}">
+                <a14:useLocalDpi xmlns:a14="http://schemas.microsoft.com/office/drawing/2010/main" val="0"/>
+              </a:ext>
+            </a:extLst>
+          </a:blip>
+          <a:srcRect l="19014"/>
+          <a:stretch/>
         </p:blipFill>
-        <p:spPr>
-          <a:xfrm>
-            <a:off x="7800593" y="2073858"/>
-            <a:ext cx="4091337" cy="3262579"/>
+        <p:spPr bwMode="auto">
+          <a:xfrm>
+            <a:off x="8255439" y="2143950"/>
+            <a:ext cx="3639669" cy="1803591"/>
           </a:xfrm>
           <a:prstGeom prst="rect">
             <a:avLst/>
           </a:prstGeom>
+          <a:noFill/>
+          <a:extLst>
+            <a:ext uri="{909E8E84-426E-40DD-AFC4-6F175D3DCCD1}">
+              <a14:hiddenFill xmlns:a14="http://schemas.microsoft.com/office/drawing/2010/main">
+                <a:solidFill>
+                  <a:srgbClr val="FFFFFF"/>
+                </a:solidFill>
+              </a14:hiddenFill>
+            </a:ext>
+          </a:extLst>
         </p:spPr>
       </p:pic>
     </p:spTree>
     <p:extLst>
       <p:ext uri="{BB962C8B-B14F-4D97-AF65-F5344CB8AC3E}">
-        <p14:creationId xmlns:p14="http://schemas.microsoft.com/office/powerpoint/2010/main" val="3175570516"/>
+        <p14:creationId xmlns:p14="http://schemas.microsoft.com/office/powerpoint/2010/main" val="791974281"/>
       </p:ext>
     </p:extLst>
   </p:cSld>
@@ -5189,7 +5100,7 @@
           <p:cNvPr id="2" name="Titel 1">
             <a:extLst>
               <a:ext uri="{FF2B5EF4-FFF2-40B4-BE49-F238E27FC236}">
-                <a16:creationId xmlns:a16="http://schemas.microsoft.com/office/drawing/2014/main" id="{DA7D7154-BE86-C6FF-73FD-2B4C09485F8C}"/>
+                <a16:creationId xmlns:a16="http://schemas.microsoft.com/office/drawing/2014/main" id="{F700E543-30E0-CC1E-451A-53EEE3E66E3C}"/>
               </a:ext>
             </a:extLst>
           </p:cNvPr>
@@ -5207,7 +5118,7 @@
           <a:p>
             <a:r>
               <a:rPr lang="de-AT" dirty="0"/>
-              <a:t>JavaScript in JSX verwenden</a:t>
+              <a:t>Regeln für JSX</a:t>
             </a:r>
           </a:p>
         </p:txBody>
@@ -5217,7 +5128,7 @@
           <p:cNvPr id="3" name="Inhaltsplatzhalter 2">
             <a:extLst>
               <a:ext uri="{FF2B5EF4-FFF2-40B4-BE49-F238E27FC236}">
-                <a16:creationId xmlns:a16="http://schemas.microsoft.com/office/drawing/2014/main" id="{3B378839-7F39-09AE-56DC-D02496128D32}"/>
+                <a16:creationId xmlns:a16="http://schemas.microsoft.com/office/drawing/2014/main" id="{1BE67FBE-642A-84C5-7AD2-69BE8B91182D}"/>
               </a:ext>
             </a:extLst>
           </p:cNvPr>
@@ -5230,152 +5141,173 @@
         </p:nvSpPr>
         <p:spPr>
           <a:xfrm>
-            <a:off x="660199" y="1948343"/>
-            <a:ext cx="7087966" cy="4137259"/>
+            <a:off x="676657" y="1781654"/>
+            <a:ext cx="6492239" cy="4628290"/>
           </a:xfrm>
         </p:spPr>
         <p:txBody>
           <a:bodyPr>
-            <a:normAutofit fontScale="92500" lnSpcReduction="20000"/>
+            <a:normAutofit fontScale="92500" lnSpcReduction="10000"/>
           </a:bodyPr>
           <a:lstStyle/>
           <a:p>
-            <a:r>
-              <a:rPr lang="de-AT" dirty="0"/>
-              <a:t>Das Einbetten von JavaScript-Ausdrücken innerhalb von JSX wird ermöglicht, indem der Code in geschweifte Klammern {} eingeschlossen wird.</a:t>
-            </a:r>
-          </a:p>
-          <a:p>
-            <a:r>
-              <a:rPr lang="de-AT" dirty="0"/>
-              <a:t>So können auch zuvor definierte Variablen, Funktionen und Ausdrücke in JSX verwendet werden, um dynamische Inhalte zu rendern.</a:t>
-            </a:r>
-          </a:p>
-          <a:p>
-            <a:r>
-              <a:rPr lang="de-AT" dirty="0"/>
-              <a:t>Man kann geschweifte Klammern in JSX nur auf zwei Arten verwenden:</a:t>
+            <a:pPr marL="342900" indent="-342900">
+              <a:buFont typeface="+mj-lt"/>
+              <a:buAutoNum type="arabicPeriod"/>
+            </a:pPr>
+            <a:r>
+              <a:rPr lang="de-AT" dirty="0"/>
+              <a:t>Gib ein einziges Parent Element zurück</a:t>
             </a:r>
           </a:p>
           <a:p>
             <a:pPr lvl="1"/>
             <a:r>
-              <a:rPr lang="de-AT" dirty="0"/>
-              <a:t>Als Text direkt innerhalb eines JSX-Tags: </a:t>
+              <a:rPr lang="de-AT" sz="1400" dirty="0"/>
+              <a:t>Um mehrere Elemente aus einer Komponente zurückzugeben, umschließe sie mit einem einzigen Elternelement, zum Beispiel mit einem &lt;div&gt;</a:t>
+            </a:r>
+          </a:p>
+          <a:p>
+            <a:pPr lvl="1"/>
+            <a:r>
+              <a:rPr lang="de-AT" sz="1400" dirty="0"/>
+              <a:t>Wenn man kein zusätzliches &lt;div&gt; im HTML hinzufügen möchten, kann stattdessen ein leeres Fragment &lt;&gt;&lt;/&gt; als Parent Element verwendet werden</a:t>
+            </a:r>
+          </a:p>
+          <a:p>
+            <a:pPr marL="342900" indent="-342900">
+              <a:buFont typeface="+mj-lt"/>
+              <a:buAutoNum type="arabicPeriod"/>
+            </a:pPr>
+            <a:r>
+              <a:rPr lang="de-AT" dirty="0"/>
+              <a:t>Schließe alle Tags</a:t>
+            </a:r>
+          </a:p>
+          <a:p>
+            <a:pPr lvl="1"/>
+            <a:r>
+              <a:rPr lang="de-AT" sz="1400" dirty="0"/>
+              <a:t>JSX erfordert, dass Tags explizit geschlossen werden: Selbstschließende Tags wie &lt;</a:t>
+            </a:r>
+            <a:r>
+              <a:rPr lang="de-AT" sz="1400" dirty="0" err="1"/>
+              <a:t>img</a:t>
+            </a:r>
+            <a:r>
+              <a:rPr lang="de-AT" sz="1400" dirty="0"/>
+              <a:t>&gt; oder &lt;li&gt; müssen explizit mit &lt;/</a:t>
+            </a:r>
+            <a:r>
+              <a:rPr lang="de-AT" sz="1400" dirty="0" err="1"/>
+              <a:t>img</a:t>
+            </a:r>
+            <a:r>
+              <a:rPr lang="de-AT" sz="1400" dirty="0"/>
+              <a:t>&gt; oder &lt;/li&gt; geschlossen werden</a:t>
+            </a:r>
+          </a:p>
+          <a:p>
+            <a:pPr marL="342900" indent="-342900">
+              <a:buFont typeface="+mj-lt"/>
+              <a:buAutoNum type="arabicPeriod"/>
+            </a:pPr>
+            <a:r>
+              <a:rPr lang="de-AT" dirty="0"/>
+              <a:t>Verwende meistens </a:t>
+            </a:r>
+            <a:r>
+              <a:rPr lang="de-AT" dirty="0" err="1"/>
+              <a:t>camelCase</a:t>
+            </a:r>
+            <a:r>
+              <a:rPr lang="de-AT" dirty="0"/>
+              <a:t>! </a:t>
+            </a:r>
+          </a:p>
+          <a:p>
+            <a:pPr lvl="1"/>
+            <a:r>
+              <a:rPr lang="de-AT" sz="1400" dirty="0"/>
+              <a:t>JavaScript hat Einschränkungen bei Variablennamen. Zum Beispiel dürfen ihre Namen keine Bindestriche enthalten oder reservierte Wörter wie "</a:t>
+            </a:r>
+            <a:r>
+              <a:rPr lang="de-AT" sz="1400" dirty="0" err="1"/>
+              <a:t>class</a:t>
+            </a:r>
+            <a:r>
+              <a:rPr lang="de-AT" sz="1400" dirty="0"/>
+              <a:t>" sein. </a:t>
+            </a:r>
+          </a:p>
+          <a:p>
+            <a:pPr lvl="1"/>
+            <a:r>
+              <a:rPr lang="de-AT" sz="1400" dirty="0"/>
+              <a:t>Deshalb werden in </a:t>
+            </a:r>
+            <a:r>
+              <a:rPr lang="de-AT" sz="1400" dirty="0" err="1"/>
+              <a:t>React</a:t>
+            </a:r>
+            <a:r>
+              <a:rPr lang="de-AT" sz="1400" dirty="0"/>
+              <a:t> viele HTML- und SVG-Attribute in </a:t>
+            </a:r>
+            <a:r>
+              <a:rPr lang="de-AT" sz="1400" dirty="0" err="1"/>
+              <a:t>camelCase</a:t>
+            </a:r>
+            <a:r>
+              <a:rPr lang="de-AT" sz="1400" dirty="0"/>
+              <a:t> geschrieben.  </a:t>
+            </a:r>
+          </a:p>
+          <a:p>
+            <a:pPr lvl="1"/>
+            <a:r>
+              <a:rPr lang="de-AT" sz="1400" dirty="0"/>
+              <a:t>Wichtiges Beispiel:</a:t>
             </a:r>
             <a:br>
-              <a:rPr lang="de-AT" dirty="0"/>
+              <a:rPr lang="de-AT" sz="1400" dirty="0"/>
             </a:br>
             <a:r>
-              <a:rPr lang="de-AT" dirty="0"/>
-              <a:t>&lt;h1&gt;{</a:t>
-            </a:r>
-            <a:r>
-              <a:rPr lang="de-AT" dirty="0" err="1"/>
-              <a:t>name</a:t>
-            </a:r>
-            <a:r>
-              <a:rPr lang="de-AT" dirty="0"/>
-              <a:t>}'s </a:t>
-            </a:r>
-            <a:r>
-              <a:rPr lang="de-AT" dirty="0" err="1"/>
-              <a:t>To</a:t>
-            </a:r>
-            <a:r>
-              <a:rPr lang="de-AT" dirty="0"/>
-              <a:t> Do List&lt;/h1&gt; funktioniert, aber </a:t>
-            </a:r>
-            <a:br>
-              <a:rPr lang="de-AT" dirty="0"/>
-            </a:br>
-            <a:r>
-              <a:rPr lang="de-AT" dirty="0"/>
-              <a:t>&lt;{tag}&gt;Gregorio Y. </a:t>
-            </a:r>
-            <a:r>
-              <a:rPr lang="de-AT" dirty="0" err="1"/>
-              <a:t>Zara's</a:t>
-            </a:r>
-            <a:r>
-              <a:rPr lang="de-AT" dirty="0"/>
-              <a:t> </a:t>
-            </a:r>
-            <a:r>
-              <a:rPr lang="de-AT" dirty="0" err="1"/>
-              <a:t>To</a:t>
-            </a:r>
-            <a:r>
-              <a:rPr lang="de-AT" dirty="0"/>
-              <a:t> Do List&lt;/{tag}&gt; funktioniert nicht.</a:t>
-            </a:r>
-          </a:p>
-          <a:p>
-            <a:pPr lvl="1"/>
-            <a:r>
-              <a:rPr lang="de-AT" dirty="0"/>
-              <a:t>Als Attribute, die unmittelbar auf das =-Zeichen folgen: </a:t>
-            </a:r>
-            <a:br>
-              <a:rPr lang="de-AT" dirty="0"/>
-            </a:br>
-            <a:r>
-              <a:rPr lang="de-AT" dirty="0" err="1"/>
-              <a:t>src</a:t>
-            </a:r>
-            <a:r>
-              <a:rPr lang="de-AT" dirty="0"/>
-              <a:t>={</a:t>
-            </a:r>
-            <a:r>
-              <a:rPr lang="de-AT" dirty="0" err="1"/>
-              <a:t>avatar</a:t>
-            </a:r>
-            <a:r>
-              <a:rPr lang="de-AT" dirty="0"/>
-              <a:t>} liest die Variable </a:t>
-            </a:r>
-            <a:r>
-              <a:rPr lang="de-AT" dirty="0" err="1"/>
-              <a:t>avatar</a:t>
-            </a:r>
-            <a:r>
-              <a:rPr lang="de-AT" dirty="0"/>
-              <a:t>, aber </a:t>
-            </a:r>
-            <a:r>
-              <a:rPr lang="de-AT" dirty="0" err="1"/>
-              <a:t>src</a:t>
-            </a:r>
-            <a:r>
-              <a:rPr lang="de-AT" dirty="0"/>
-              <a:t>="{</a:t>
-            </a:r>
-            <a:r>
-              <a:rPr lang="de-AT" dirty="0" err="1"/>
-              <a:t>avatar</a:t>
-            </a:r>
-            <a:r>
-              <a:rPr lang="de-AT" dirty="0"/>
-              <a:t>}" übergibt den String "{</a:t>
-            </a:r>
-            <a:r>
-              <a:rPr lang="de-AT" dirty="0" err="1"/>
-              <a:t>avatar</a:t>
-            </a:r>
-            <a:r>
-              <a:rPr lang="de-AT" dirty="0"/>
-              <a:t>}".</a:t>
-            </a:r>
+              <a:rPr lang="de-AT" sz="1400" dirty="0"/>
+              <a:t>"</a:t>
+            </a:r>
+            <a:r>
+              <a:rPr lang="de-AT" sz="1400" dirty="0" err="1"/>
+              <a:t>class</a:t>
+            </a:r>
+            <a:r>
+              <a:rPr lang="de-AT" sz="1400" dirty="0"/>
+              <a:t>" wird in JSX zu "</a:t>
+            </a:r>
+            <a:r>
+              <a:rPr lang="de-AT" sz="1400" dirty="0" err="1"/>
+              <a:t>className</a:t>
+            </a:r>
+            <a:r>
+              <a:rPr lang="de-AT" sz="1400" dirty="0"/>
+              <a:t>", </a:t>
+            </a:r>
+          </a:p>
+          <a:p>
+            <a:pPr marL="617220" lvl="1" indent="-342900">
+              <a:buFont typeface="+mj-lt"/>
+              <a:buAutoNum type="arabicPeriod"/>
+            </a:pPr>
+            <a:endParaRPr lang="de-AT" sz="800" dirty="0"/>
           </a:p>
         </p:txBody>
       </p:sp>
       <p:pic>
         <p:nvPicPr>
-          <p:cNvPr id="8" name="Grafik 7">
-            <a:extLst>
-              <a:ext uri="{FF2B5EF4-FFF2-40B4-BE49-F238E27FC236}">
-                <a16:creationId xmlns:a16="http://schemas.microsoft.com/office/drawing/2014/main" id="{0B95705D-39EA-F01C-207A-D5DBBECE63FF}"/>
+          <p:cNvPr id="7" name="Grafik 6">
+            <a:extLst>
+              <a:ext uri="{FF2B5EF4-FFF2-40B4-BE49-F238E27FC236}">
+                <a16:creationId xmlns:a16="http://schemas.microsoft.com/office/drawing/2014/main" id="{5DDEAD27-6792-4C1A-3BB9-B533D20CE734}"/>
               </a:ext>
             </a:extLst>
           </p:cNvPr>
@@ -5384,15 +5316,16 @@
           </p:cNvPicPr>
           <p:nvPr/>
         </p:nvPicPr>
-        <p:blipFill rotWithShape="1">
+        <p:blipFill>
           <a:blip r:embed="rId2"/>
-          <a:srcRect t="12035"/>
-          <a:stretch/>
+          <a:stretch>
+            <a:fillRect/>
+          </a:stretch>
         </p:blipFill>
         <p:spPr>
           <a:xfrm>
-            <a:off x="7987819" y="2179250"/>
-            <a:ext cx="3849009" cy="2499500"/>
+            <a:off x="7800593" y="2073858"/>
+            <a:ext cx="4091337" cy="3262579"/>
           </a:xfrm>
           <a:prstGeom prst="rect">
             <a:avLst/>
@@ -5402,7 +5335,7 @@
     </p:spTree>
     <p:extLst>
       <p:ext uri="{BB962C8B-B14F-4D97-AF65-F5344CB8AC3E}">
-        <p14:creationId xmlns:p14="http://schemas.microsoft.com/office/powerpoint/2010/main" val="760164425"/>
+        <p14:creationId xmlns:p14="http://schemas.microsoft.com/office/powerpoint/2010/main" val="3175570516"/>
       </p:ext>
     </p:extLst>
   </p:cSld>
@@ -5434,7 +5367,7 @@
           <p:cNvPr id="2" name="Titel 1">
             <a:extLst>
               <a:ext uri="{FF2B5EF4-FFF2-40B4-BE49-F238E27FC236}">
-                <a16:creationId xmlns:a16="http://schemas.microsoft.com/office/drawing/2014/main" id="{DA7D7154-BE86-C6FF-73FD-2B4C09485F8C}"/>
+                <a16:creationId xmlns:a16="http://schemas.microsoft.com/office/drawing/2014/main" id="{147ABA95-5661-C850-A968-6F78A7370C16}"/>
               </a:ext>
             </a:extLst>
           </p:cNvPr>
@@ -5452,133 +5385,17 @@
           <a:p>
             <a:r>
               <a:rPr lang="de-AT" dirty="0"/>
-              <a:t>Styling in JSX</a:t>
-            </a:r>
-          </a:p>
-        </p:txBody>
-      </p:sp>
-      <p:sp>
-        <p:nvSpPr>
-          <p:cNvPr id="3" name="Inhaltsplatzhalter 2">
-            <a:extLst>
-              <a:ext uri="{FF2B5EF4-FFF2-40B4-BE49-F238E27FC236}">
-                <a16:creationId xmlns:a16="http://schemas.microsoft.com/office/drawing/2014/main" id="{3B378839-7F39-09AE-56DC-D02496128D32}"/>
-              </a:ext>
-            </a:extLst>
-          </p:cNvPr>
-          <p:cNvSpPr>
-            <a:spLocks noGrp="1"/>
-          </p:cNvSpPr>
-          <p:nvPr>
-            <p:ph idx="1"/>
-          </p:nvPr>
-        </p:nvSpPr>
-        <p:spPr>
-          <a:xfrm>
-            <a:off x="660199" y="1948343"/>
-            <a:ext cx="7327620" cy="4137259"/>
-          </a:xfrm>
-        </p:spPr>
-        <p:txBody>
-          <a:bodyPr>
-            <a:normAutofit/>
-          </a:bodyPr>
-          <a:lstStyle/>
-          <a:p>
-            <a:r>
-              <a:rPr lang="de-AT" dirty="0"/>
-              <a:t>Um externe Stylesheets einzubinden wird das CSS File importiert:</a:t>
-            </a:r>
-            <a:br>
-              <a:rPr lang="de-AT" dirty="0"/>
-            </a:br>
-            <a:r>
-              <a:rPr lang="de-AT" dirty="0"/>
-              <a:t>Beispiel: </a:t>
-            </a:r>
-            <a:r>
-              <a:rPr lang="de-AT" dirty="0" err="1"/>
-              <a:t>import</a:t>
-            </a:r>
-            <a:r>
-              <a:rPr lang="de-AT" dirty="0"/>
-              <a:t> “./</a:t>
-            </a:r>
-            <a:r>
-              <a:rPr lang="de-AT" dirty="0" err="1"/>
-              <a:t>pathToSytle</a:t>
-            </a:r>
-            <a:r>
-              <a:rPr lang="de-AT" dirty="0"/>
-              <a:t>/style.css“</a:t>
-            </a:r>
-          </a:p>
-          <a:p>
-            <a:r>
-              <a:rPr lang="de-AT" dirty="0"/>
-              <a:t>Um einem JSX Element eine Klasse des CSS zu geben wird das Attribut </a:t>
-            </a:r>
-            <a:r>
-              <a:rPr lang="de-AT" dirty="0" err="1"/>
-              <a:t>className</a:t>
-            </a:r>
-            <a:r>
-              <a:rPr lang="de-AT" dirty="0"/>
-              <a:t> verwendet</a:t>
-            </a:r>
-          </a:p>
-          <a:p>
-            <a:r>
-              <a:rPr lang="de-AT" dirty="0"/>
-              <a:t>Inline Styling ist auch in JSX möglich. Dafür verwendet man doppelte geschwungene Klammern {{..}} innerhalb derer der Style angegeben wird</a:t>
-            </a:r>
-          </a:p>
-          <a:p>
-            <a:r>
-              <a:rPr lang="de-AT" dirty="0"/>
-              <a:t>Bei Inline Styling werden CSS-Attribute ohne Bindestrich, stattdessen mit </a:t>
-            </a:r>
-            <a:r>
-              <a:rPr lang="de-AT" dirty="0" err="1"/>
-              <a:t>CamelCase</a:t>
-            </a:r>
-            <a:r>
-              <a:rPr lang="de-AT" dirty="0"/>
-              <a:t> geschrieben </a:t>
-            </a:r>
-            <a:br>
-              <a:rPr lang="de-AT" dirty="0"/>
-            </a:br>
-            <a:r>
-              <a:rPr lang="de-AT" dirty="0" err="1"/>
-              <a:t>Bsp</a:t>
-            </a:r>
-            <a:r>
-              <a:rPr lang="de-AT" dirty="0"/>
-              <a:t>: background-color </a:t>
-            </a:r>
-            <a:r>
-              <a:rPr lang="de-AT" dirty="0">
-                <a:sym typeface="Wingdings" panose="05000000000000000000" pitchFamily="2" charset="2"/>
-              </a:rPr>
-              <a:t> </a:t>
-            </a:r>
-            <a:r>
-              <a:rPr lang="de-AT" dirty="0" err="1">
-                <a:sym typeface="Wingdings" panose="05000000000000000000" pitchFamily="2" charset="2"/>
-              </a:rPr>
-              <a:t>backgroundColor</a:t>
-            </a:r>
-            <a:endParaRPr lang="de-AT" dirty="0"/>
+              <a:t>Quiz zu JSX: Wo ist der Fehler?</a:t>
+            </a:r>
           </a:p>
         </p:txBody>
       </p:sp>
       <p:pic>
         <p:nvPicPr>
-          <p:cNvPr id="10" name="Grafik 9">
-            <a:extLst>
-              <a:ext uri="{FF2B5EF4-FFF2-40B4-BE49-F238E27FC236}">
-                <a16:creationId xmlns:a16="http://schemas.microsoft.com/office/drawing/2014/main" id="{F2AD9028-3623-B8AA-5BD2-141EDC0E5A7A}"/>
+          <p:cNvPr id="7" name="Grafik 6">
+            <a:extLst>
+              <a:ext uri="{FF2B5EF4-FFF2-40B4-BE49-F238E27FC236}">
+                <a16:creationId xmlns:a16="http://schemas.microsoft.com/office/drawing/2014/main" id="{60B65420-168B-C6BF-CB6F-0838BC05FD2B}"/>
               </a:ext>
             </a:extLst>
           </p:cNvPr>
@@ -5595,8 +5412,8 @@
         </p:blipFill>
         <p:spPr>
           <a:xfrm>
-            <a:off x="8455486" y="2057400"/>
-            <a:ext cx="3400900" cy="3372321"/>
+            <a:off x="3128422" y="2204846"/>
+            <a:ext cx="5935155" cy="3683889"/>
           </a:xfrm>
           <a:prstGeom prst="rect">
             <a:avLst/>
@@ -5606,7 +5423,7 @@
     </p:spTree>
     <p:extLst>
       <p:ext uri="{BB962C8B-B14F-4D97-AF65-F5344CB8AC3E}">
-        <p14:creationId xmlns:p14="http://schemas.microsoft.com/office/powerpoint/2010/main" val="400500402"/>
+        <p14:creationId xmlns:p14="http://schemas.microsoft.com/office/powerpoint/2010/main" val="2671001370"/>
       </p:ext>
     </p:extLst>
   </p:cSld>
@@ -5638,7 +5455,7 @@
           <p:cNvPr id="2" name="Titel 1">
             <a:extLst>
               <a:ext uri="{FF2B5EF4-FFF2-40B4-BE49-F238E27FC236}">
-                <a16:creationId xmlns:a16="http://schemas.microsoft.com/office/drawing/2014/main" id="{3FF260BE-4E39-E2BB-BA81-3EF835931985}"/>
+                <a16:creationId xmlns:a16="http://schemas.microsoft.com/office/drawing/2014/main" id="{DA7D7154-BE86-C6FF-73FD-2B4C09485F8C}"/>
               </a:ext>
             </a:extLst>
           </p:cNvPr>
@@ -5655,8 +5472,96 @@
           <a:lstStyle/>
           <a:p>
             <a:r>
-              <a:rPr lang="de-AT" dirty="0" err="1"/>
-              <a:t>React</a:t>
+              <a:rPr lang="de-AT" dirty="0"/>
+              <a:t>JavaScript in JSX verwenden</a:t>
+            </a:r>
+          </a:p>
+        </p:txBody>
+      </p:sp>
+      <p:sp>
+        <p:nvSpPr>
+          <p:cNvPr id="3" name="Inhaltsplatzhalter 2">
+            <a:extLst>
+              <a:ext uri="{FF2B5EF4-FFF2-40B4-BE49-F238E27FC236}">
+                <a16:creationId xmlns:a16="http://schemas.microsoft.com/office/drawing/2014/main" id="{3B378839-7F39-09AE-56DC-D02496128D32}"/>
+              </a:ext>
+            </a:extLst>
+          </p:cNvPr>
+          <p:cNvSpPr>
+            <a:spLocks noGrp="1"/>
+          </p:cNvSpPr>
+          <p:nvPr>
+            <p:ph idx="1"/>
+          </p:nvPr>
+        </p:nvSpPr>
+        <p:spPr>
+          <a:xfrm>
+            <a:off x="660199" y="1948343"/>
+            <a:ext cx="7087966" cy="4137259"/>
+          </a:xfrm>
+        </p:spPr>
+        <p:txBody>
+          <a:bodyPr>
+            <a:normAutofit fontScale="92500" lnSpcReduction="20000"/>
+          </a:bodyPr>
+          <a:lstStyle/>
+          <a:p>
+            <a:r>
+              <a:rPr lang="de-AT" dirty="0"/>
+              <a:t>Das Einbetten von JavaScript-Ausdrücken innerhalb von JSX wird ermöglicht, indem der Code in geschweifte Klammern {} eingeschlossen wird.</a:t>
+            </a:r>
+          </a:p>
+          <a:p>
+            <a:r>
+              <a:rPr lang="de-AT" dirty="0"/>
+              <a:t>So können auch zuvor definierte Variablen, Funktionen und Ausdrücke in JSX verwendet werden, um dynamische Inhalte zu rendern.</a:t>
+            </a:r>
+          </a:p>
+          <a:p>
+            <a:r>
+              <a:rPr lang="de-AT" dirty="0"/>
+              <a:t>Man kann geschweifte Klammern in JSX nur auf zwei Arten verwenden:</a:t>
+            </a:r>
+          </a:p>
+          <a:p>
+            <a:pPr lvl="1"/>
+            <a:r>
+              <a:rPr lang="de-AT" dirty="0"/>
+              <a:t>Als Text direkt innerhalb eines JSX-Tags: </a:t>
+            </a:r>
+            <a:br>
+              <a:rPr lang="de-AT" dirty="0"/>
+            </a:br>
+            <a:r>
+              <a:rPr lang="de-AT" dirty="0"/>
+              <a:t>&lt;h1&gt;{</a:t>
+            </a:r>
+            <a:r>
+              <a:rPr lang="de-AT" dirty="0" err="1"/>
+              <a:t>name</a:t>
+            </a:r>
+            <a:r>
+              <a:rPr lang="de-AT" dirty="0"/>
+              <a:t>}'s </a:t>
+            </a:r>
+            <a:r>
+              <a:rPr lang="de-AT" dirty="0" err="1"/>
+              <a:t>To</a:t>
+            </a:r>
+            <a:r>
+              <a:rPr lang="de-AT" dirty="0"/>
+              <a:t> Do List&lt;/h1&gt; funktioniert, aber </a:t>
+            </a:r>
+            <a:br>
+              <a:rPr lang="de-AT" dirty="0"/>
+            </a:br>
+            <a:r>
+              <a:rPr lang="de-AT" dirty="0"/>
+              <a:t>&lt;{tag}&gt;Gregorio Y. </a:t>
+            </a:r>
+            <a:r>
+              <a:rPr lang="de-AT" dirty="0" err="1"/>
+              <a:t>Zara's</a:t>
             </a:r>
             <a:r>
               <a:rPr lang="de-AT" dirty="0"/>
@@ -5664,125 +5569,79 @@
             </a:r>
             <a:r>
               <a:rPr lang="de-AT" dirty="0" err="1"/>
-              <a:t>props</a:t>
-            </a:r>
-            <a:r>
-              <a:rPr lang="de-AT" dirty="0"/>
-              <a:t> in </a:t>
-            </a:r>
-            <a:r>
-              <a:rPr lang="de-AT" dirty="0" err="1"/>
-              <a:t>Parentkomponente</a:t>
-            </a:r>
-            <a:endParaRPr lang="de-AT" dirty="0"/>
-          </a:p>
-        </p:txBody>
-      </p:sp>
-      <p:sp>
-        <p:nvSpPr>
-          <p:cNvPr id="3" name="Inhaltsplatzhalter 2">
-            <a:extLst>
-              <a:ext uri="{FF2B5EF4-FFF2-40B4-BE49-F238E27FC236}">
-                <a16:creationId xmlns:a16="http://schemas.microsoft.com/office/drawing/2014/main" id="{BB8256B5-0755-E5A8-69E6-1A557455E83D}"/>
-              </a:ext>
-            </a:extLst>
-          </p:cNvPr>
-          <p:cNvSpPr>
-            <a:spLocks noGrp="1"/>
-          </p:cNvSpPr>
-          <p:nvPr>
-            <p:ph idx="1"/>
-          </p:nvPr>
-        </p:nvSpPr>
-        <p:spPr>
-          <a:xfrm>
-            <a:off x="1009126" y="2057400"/>
-            <a:ext cx="7019305" cy="4137259"/>
-          </a:xfrm>
-        </p:spPr>
-        <p:txBody>
-          <a:bodyPr/>
-          <a:lstStyle/>
-          <a:p>
-            <a:r>
-              <a:rPr lang="de-AT" dirty="0" err="1"/>
-              <a:t>React</a:t>
-            </a:r>
-            <a:r>
-              <a:rPr lang="de-AT" dirty="0"/>
-              <a:t>-Komponenten verwenden </a:t>
-            </a:r>
-            <a:r>
-              <a:rPr lang="de-AT" dirty="0" err="1"/>
-              <a:t>Props</a:t>
-            </a:r>
-            <a:r>
-              <a:rPr lang="de-AT" dirty="0"/>
-              <a:t>, um miteinander zu kommunizieren. Jede Elternkomponente kann ihren </a:t>
-            </a:r>
-            <a:r>
-              <a:rPr lang="de-AT" dirty="0" err="1"/>
-              <a:t>Kindkomponenten</a:t>
-            </a:r>
-            <a:r>
-              <a:rPr lang="de-AT" dirty="0"/>
-              <a:t> Informationen über </a:t>
-            </a:r>
-            <a:r>
-              <a:rPr lang="de-AT" dirty="0" err="1"/>
-              <a:t>Props</a:t>
-            </a:r>
-            <a:r>
-              <a:rPr lang="de-AT" dirty="0"/>
-              <a:t> übergeben. </a:t>
-            </a:r>
-          </a:p>
-          <a:p>
-            <a:r>
-              <a:rPr lang="de-AT" dirty="0"/>
-              <a:t>Mittels </a:t>
-            </a:r>
-            <a:r>
-              <a:rPr lang="de-AT" dirty="0" err="1"/>
-              <a:t>Props</a:t>
-            </a:r>
-            <a:r>
-              <a:rPr lang="de-AT" dirty="0"/>
-              <a:t> können jegliche JavaScript-Werte übergeben werden, einschließlich Variablen, Objekten, Arrays und Funktionen.</a:t>
-            </a:r>
-          </a:p>
-          <a:p>
-            <a:r>
-              <a:rPr lang="de-AT" dirty="0"/>
-              <a:t>Objekte werden durch Doppelte geschwungene Klammern übergeben</a:t>
-            </a:r>
-          </a:p>
-          <a:p>
-            <a:r>
-              <a:rPr lang="de-AT" dirty="0" err="1"/>
-              <a:t>Props</a:t>
-            </a:r>
-            <a:r>
-              <a:rPr lang="de-AT" dirty="0"/>
-              <a:t> werden über JSX-Tags an </a:t>
-            </a:r>
-            <a:r>
-              <a:rPr lang="de-AT" dirty="0" err="1"/>
-              <a:t>Kindkomponenten</a:t>
-            </a:r>
-            <a:r>
-              <a:rPr lang="de-AT" dirty="0"/>
-              <a:t> übergeben</a:t>
+              <a:t>To</a:t>
+            </a:r>
+            <a:r>
+              <a:rPr lang="de-AT" dirty="0"/>
+              <a:t> Do List&lt;/{tag}&gt; funktioniert nicht.</a:t>
+            </a:r>
+          </a:p>
+          <a:p>
+            <a:pPr lvl="1"/>
+            <a:r>
+              <a:rPr lang="de-AT" dirty="0"/>
+              <a:t>Als Attribute, die unmittelbar auf das =-Zeichen folgen: </a:t>
+            </a:r>
+            <a:br>
+              <a:rPr lang="de-AT" dirty="0"/>
+            </a:br>
+            <a:r>
+              <a:rPr lang="de-AT" dirty="0" err="1"/>
+              <a:t>src</a:t>
+            </a:r>
+            <a:r>
+              <a:rPr lang="de-AT" dirty="0"/>
+              <a:t>={</a:t>
+            </a:r>
+            <a:r>
+              <a:rPr lang="de-AT" dirty="0" err="1"/>
+              <a:t>avatar</a:t>
+            </a:r>
+            <a:r>
+              <a:rPr lang="de-AT" dirty="0"/>
+              <a:t>} liest die Variable </a:t>
+            </a:r>
+            <a:r>
+              <a:rPr lang="de-AT" dirty="0" err="1"/>
+              <a:t>avatar</a:t>
+            </a:r>
+            <a:r>
+              <a:rPr lang="de-AT" dirty="0"/>
+              <a:t>, aber </a:t>
+            </a:r>
+            <a:r>
+              <a:rPr lang="de-AT" dirty="0" err="1"/>
+              <a:t>src</a:t>
+            </a:r>
+            <a:r>
+              <a:rPr lang="de-AT" dirty="0"/>
+              <a:t>="{</a:t>
+            </a:r>
+            <a:r>
+              <a:rPr lang="de-AT" dirty="0" err="1"/>
+              <a:t>avatar</a:t>
+            </a:r>
+            <a:r>
+              <a:rPr lang="de-AT" dirty="0"/>
+              <a:t>}" übergibt den String "{</a:t>
+            </a:r>
+            <a:r>
+              <a:rPr lang="de-AT" dirty="0" err="1"/>
+              <a:t>avatar</a:t>
+            </a:r>
+            <a:r>
+              <a:rPr lang="de-AT" dirty="0"/>
+              <a:t>}".</a:t>
             </a:r>
           </a:p>
         </p:txBody>
       </p:sp>
       <p:pic>
         <p:nvPicPr>
-          <p:cNvPr id="5" name="Grafik 4">
-            <a:extLst>
-              <a:ext uri="{FF2B5EF4-FFF2-40B4-BE49-F238E27FC236}">
-                <a16:creationId xmlns:a16="http://schemas.microsoft.com/office/drawing/2014/main" id="{01C8D0AF-B79A-F908-6EF3-025361EADA02}"/>
+          <p:cNvPr id="8" name="Grafik 7">
+            <a:extLst>
+              <a:ext uri="{FF2B5EF4-FFF2-40B4-BE49-F238E27FC236}">
+                <a16:creationId xmlns:a16="http://schemas.microsoft.com/office/drawing/2014/main" id="{0B95705D-39EA-F01C-207A-D5DBBECE63FF}"/>
               </a:ext>
             </a:extLst>
           </p:cNvPr>
@@ -5791,16 +5650,15 @@
           </p:cNvPicPr>
           <p:nvPr/>
         </p:nvPicPr>
-        <p:blipFill>
+        <p:blipFill rotWithShape="1">
           <a:blip r:embed="rId2"/>
-          <a:stretch>
-            <a:fillRect/>
-          </a:stretch>
+          <a:srcRect t="12035"/>
+          <a:stretch/>
         </p:blipFill>
         <p:spPr>
           <a:xfrm>
-            <a:off x="7760215" y="2194559"/>
-            <a:ext cx="4326169" cy="1499617"/>
+            <a:off x="7987819" y="2179250"/>
+            <a:ext cx="3849009" cy="2499500"/>
           </a:xfrm>
           <a:prstGeom prst="rect">
             <a:avLst/>
@@ -5810,7 +5668,7 @@
     </p:spTree>
     <p:extLst>
       <p:ext uri="{BB962C8B-B14F-4D97-AF65-F5344CB8AC3E}">
-        <p14:creationId xmlns:p14="http://schemas.microsoft.com/office/powerpoint/2010/main" val="2283121661"/>
+        <p14:creationId xmlns:p14="http://schemas.microsoft.com/office/powerpoint/2010/main" val="760164425"/>
       </p:ext>
     </p:extLst>
   </p:cSld>
@@ -5842,7 +5700,7 @@
           <p:cNvPr id="2" name="Titel 1">
             <a:extLst>
               <a:ext uri="{FF2B5EF4-FFF2-40B4-BE49-F238E27FC236}">
-                <a16:creationId xmlns:a16="http://schemas.microsoft.com/office/drawing/2014/main" id="{3FF260BE-4E39-E2BB-BA81-3EF835931985}"/>
+                <a16:creationId xmlns:a16="http://schemas.microsoft.com/office/drawing/2014/main" id="{DA7D7154-BE86-C6FF-73FD-2B4C09485F8C}"/>
               </a:ext>
             </a:extLst>
           </p:cNvPr>
@@ -5859,26 +5717,9 @@
           <a:lstStyle/>
           <a:p>
             <a:r>
-              <a:rPr lang="de-AT" dirty="0" err="1"/>
-              <a:t>React</a:t>
-            </a:r>
-            <a:r>
-              <a:rPr lang="de-AT" dirty="0"/>
-              <a:t> </a:t>
-            </a:r>
-            <a:r>
-              <a:rPr lang="de-AT" dirty="0" err="1"/>
-              <a:t>props</a:t>
-            </a:r>
-            <a:r>
-              <a:rPr lang="de-AT" dirty="0"/>
-              <a:t> in </a:t>
-            </a:r>
-            <a:r>
-              <a:rPr lang="de-AT" dirty="0" err="1"/>
-              <a:t>Kindkomponente</a:t>
-            </a:r>
-            <a:endParaRPr lang="de-AT" dirty="0"/>
+              <a:rPr lang="de-AT" dirty="0"/>
+              <a:t>Styling in JSX</a:t>
+            </a:r>
           </a:p>
         </p:txBody>
       </p:sp>
@@ -5887,7 +5728,7 @@
           <p:cNvPr id="3" name="Inhaltsplatzhalter 2">
             <a:extLst>
               <a:ext uri="{FF2B5EF4-FFF2-40B4-BE49-F238E27FC236}">
-                <a16:creationId xmlns:a16="http://schemas.microsoft.com/office/drawing/2014/main" id="{BB8256B5-0755-E5A8-69E6-1A557455E83D}"/>
+                <a16:creationId xmlns:a16="http://schemas.microsoft.com/office/drawing/2014/main" id="{3B378839-7F39-09AE-56DC-D02496128D32}"/>
               </a:ext>
             </a:extLst>
           </p:cNvPr>
@@ -5900,8 +5741,8 @@
         </p:nvSpPr>
         <p:spPr>
           <a:xfrm>
-            <a:off x="1009126" y="2057400"/>
-            <a:ext cx="7019305" cy="4137259"/>
+            <a:off x="660199" y="1948343"/>
+            <a:ext cx="7327620" cy="4137259"/>
           </a:xfrm>
         </p:spPr>
         <p:txBody>
@@ -5912,91 +5753,98 @@
           <a:p>
             <a:r>
               <a:rPr lang="de-AT" dirty="0"/>
-              <a:t>Du kannst diese </a:t>
-            </a:r>
-            <a:r>
-              <a:rPr lang="de-AT" dirty="0" err="1"/>
-              <a:t>Props</a:t>
-            </a:r>
-            <a:r>
-              <a:rPr lang="de-AT" dirty="0"/>
-              <a:t> lesen, indem du ihre Namen (z.B. </a:t>
-            </a:r>
-            <a:r>
-              <a:rPr lang="de-AT" dirty="0" err="1"/>
-              <a:t>person</a:t>
-            </a:r>
-            <a:r>
-              <a:rPr lang="de-AT" dirty="0"/>
-              <a:t>, </a:t>
-            </a:r>
-            <a:r>
-              <a:rPr lang="de-AT" dirty="0" err="1"/>
-              <a:t>size</a:t>
-            </a:r>
-            <a:r>
-              <a:rPr lang="de-AT" dirty="0"/>
-              <a:t>) durch Kommas getrennt innerhalb von ({ und }) direkt nach der Funktion Avatar auflistest. </a:t>
-            </a:r>
-          </a:p>
-          <a:p>
-            <a:r>
-              <a:rPr lang="de-AT" dirty="0"/>
-              <a:t>Dies ermöglicht es dir, sie innerhalb der Komponente zu verwenden, ähnlich wie du es mit einer Variablen tun würdest.</a:t>
-            </a:r>
-          </a:p>
-          <a:p>
-            <a:r>
-              <a:rPr lang="de-AT" dirty="0"/>
-              <a:t>Es ist auch möglich alle übergebenen Werte in der Variable “</a:t>
-            </a:r>
-            <a:r>
-              <a:rPr lang="de-AT" dirty="0" err="1"/>
-              <a:t>props</a:t>
-            </a:r>
-            <a:r>
-              <a:rPr lang="de-AT" dirty="0"/>
-              <a:t>“ zu übergeben ohne alle Variablen einzeln zu listen</a:t>
-            </a:r>
-          </a:p>
-          <a:p>
-            <a:r>
-              <a:rPr lang="de-AT" dirty="0"/>
-              <a:t>Um eine spezielle Variable der </a:t>
-            </a:r>
-            <a:r>
-              <a:rPr lang="de-AT" dirty="0" err="1"/>
-              <a:t>Props</a:t>
-            </a:r>
-            <a:r>
-              <a:rPr lang="de-AT" dirty="0"/>
-              <a:t> anzusprechen, wird </a:t>
-            </a:r>
-            <a:r>
-              <a:rPr lang="de-AT" dirty="0" err="1"/>
-              <a:t>props</a:t>
-            </a:r>
-            <a:r>
-              <a:rPr lang="de-AT" dirty="0"/>
-              <a:t>.[</a:t>
-            </a:r>
-            <a:r>
-              <a:rPr lang="de-AT" dirty="0" err="1"/>
-              <a:t>Variblenname</a:t>
-            </a:r>
-            <a:r>
-              <a:rPr lang="de-AT" dirty="0"/>
-              <a:t>] verwendet</a:t>
-            </a:r>
+              <a:t>Um externe Stylesheets einzubinden wird das CSS File importiert:</a:t>
+            </a:r>
+            <a:br>
+              <a:rPr lang="de-AT" dirty="0"/>
+            </a:br>
+            <a:r>
+              <a:rPr lang="de-AT" dirty="0"/>
+              <a:t>Beispiel: </a:t>
+            </a:r>
+            <a:r>
+              <a:rPr lang="de-AT" dirty="0" err="1"/>
+              <a:t>import</a:t>
+            </a:r>
+            <a:r>
+              <a:rPr lang="de-AT" dirty="0"/>
+              <a:t> “./</a:t>
+            </a:r>
+            <a:r>
+              <a:rPr lang="de-AT" dirty="0" err="1"/>
+              <a:t>pathToSytle</a:t>
+            </a:r>
+            <a:r>
+              <a:rPr lang="de-AT" dirty="0"/>
+              <a:t>/style.css“</a:t>
+            </a:r>
+          </a:p>
+          <a:p>
+            <a:r>
+              <a:rPr lang="de-AT" dirty="0"/>
+              <a:t>Um einem JSX Element eine Klasse des CSS zu geben wird das Attribut </a:t>
+            </a:r>
+            <a:r>
+              <a:rPr lang="de-AT" dirty="0" err="1"/>
+              <a:t>className</a:t>
+            </a:r>
+            <a:r>
+              <a:rPr lang="de-AT" dirty="0"/>
+              <a:t> verwendet</a:t>
+            </a:r>
+          </a:p>
+          <a:p>
+            <a:r>
+              <a:rPr lang="de-AT" dirty="0"/>
+              <a:t>Inline Styling ist auch in JSX möglich. Dafür verwendet man doppelte geschwungene Klammern {{..}} innerhalb derer der Style angegeben wird</a:t>
+            </a:r>
+          </a:p>
+          <a:p>
+            <a:r>
+              <a:rPr lang="de-AT" dirty="0"/>
+              <a:t>Bei Inline Styling werden CSS-Attribute ohne Bindestrich, stattdessen mit </a:t>
+            </a:r>
+            <a:r>
+              <a:rPr lang="de-AT" dirty="0" err="1"/>
+              <a:t>CamelCase</a:t>
+            </a:r>
+            <a:r>
+              <a:rPr lang="de-AT" dirty="0"/>
+              <a:t> geschrieben </a:t>
+            </a:r>
+            <a:br>
+              <a:rPr lang="de-AT" dirty="0"/>
+            </a:br>
+            <a:r>
+              <a:rPr lang="de-AT" dirty="0" err="1"/>
+              <a:t>Bsp</a:t>
+            </a:r>
+            <a:r>
+              <a:rPr lang="de-AT" dirty="0"/>
+              <a:t>: background-color </a:t>
+            </a:r>
+            <a:r>
+              <a:rPr lang="de-AT" dirty="0">
+                <a:sym typeface="Wingdings" panose="05000000000000000000" pitchFamily="2" charset="2"/>
+              </a:rPr>
+              <a:t> </a:t>
+            </a:r>
+            <a:r>
+              <a:rPr lang="de-AT" dirty="0" err="1">
+                <a:sym typeface="Wingdings" panose="05000000000000000000" pitchFamily="2" charset="2"/>
+              </a:rPr>
+              <a:t>backgroundColor</a:t>
+            </a:r>
+            <a:endParaRPr lang="de-AT" dirty="0"/>
           </a:p>
         </p:txBody>
       </p:sp>
       <p:pic>
         <p:nvPicPr>
-          <p:cNvPr id="6" name="Grafik 5">
-            <a:extLst>
-              <a:ext uri="{FF2B5EF4-FFF2-40B4-BE49-F238E27FC236}">
-                <a16:creationId xmlns:a16="http://schemas.microsoft.com/office/drawing/2014/main" id="{828DB84C-262D-71E1-3068-61CD2BFFDB2F}"/>
+          <p:cNvPr id="10" name="Grafik 9">
+            <a:extLst>
+              <a:ext uri="{FF2B5EF4-FFF2-40B4-BE49-F238E27FC236}">
+                <a16:creationId xmlns:a16="http://schemas.microsoft.com/office/drawing/2014/main" id="{F2AD9028-3623-B8AA-5BD2-141EDC0E5A7A}"/>
               </a:ext>
             </a:extLst>
           </p:cNvPr>
@@ -6013,38 +5861,8 @@
         </p:blipFill>
         <p:spPr>
           <a:xfrm>
-            <a:off x="9034942" y="1840144"/>
-            <a:ext cx="2832727" cy="2114845"/>
-          </a:xfrm>
-          <a:prstGeom prst="rect">
-            <a:avLst/>
-          </a:prstGeom>
-        </p:spPr>
-      </p:pic>
-      <p:pic>
-        <p:nvPicPr>
-          <p:cNvPr id="9" name="Grafik 8">
-            <a:extLst>
-              <a:ext uri="{FF2B5EF4-FFF2-40B4-BE49-F238E27FC236}">
-                <a16:creationId xmlns:a16="http://schemas.microsoft.com/office/drawing/2014/main" id="{C9B300F8-6FB5-03CA-4E0E-6859EB65EBEF}"/>
-              </a:ext>
-            </a:extLst>
-          </p:cNvPr>
-          <p:cNvPicPr>
-            <a:picLocks noChangeAspect="1"/>
-          </p:cNvPicPr>
-          <p:nvPr/>
-        </p:nvPicPr>
-        <p:blipFill>
-          <a:blip r:embed="rId3"/>
-          <a:stretch>
-            <a:fillRect/>
-          </a:stretch>
-        </p:blipFill>
-        <p:spPr>
-          <a:xfrm>
-            <a:off x="9034942" y="4057355"/>
-            <a:ext cx="2829320" cy="2114845"/>
+            <a:off x="8455486" y="2057400"/>
+            <a:ext cx="3400900" cy="3372321"/>
           </a:xfrm>
           <a:prstGeom prst="rect">
             <a:avLst/>
@@ -6054,7 +5872,7 @@
     </p:spTree>
     <p:extLst>
       <p:ext uri="{BB962C8B-B14F-4D97-AF65-F5344CB8AC3E}">
-        <p14:creationId xmlns:p14="http://schemas.microsoft.com/office/powerpoint/2010/main" val="4039595281"/>
+        <p14:creationId xmlns:p14="http://schemas.microsoft.com/office/powerpoint/2010/main" val="400500402"/>
       </p:ext>
     </p:extLst>
   </p:cSld>
@@ -6086,7 +5904,7 @@
           <p:cNvPr id="2" name="Titel 1">
             <a:extLst>
               <a:ext uri="{FF2B5EF4-FFF2-40B4-BE49-F238E27FC236}">
-                <a16:creationId xmlns:a16="http://schemas.microsoft.com/office/drawing/2014/main" id="{65F937F5-A9DE-1623-E05D-C1200550CB11}"/>
+                <a16:creationId xmlns:a16="http://schemas.microsoft.com/office/drawing/2014/main" id="{3FF260BE-4E39-E2BB-BA81-3EF835931985}"/>
               </a:ext>
             </a:extLst>
           </p:cNvPr>
@@ -6103,17 +5921,26 @@
           <a:lstStyle/>
           <a:p>
             <a:r>
-              <a:rPr lang="de-AT" dirty="0"/>
-              <a:t>Übung zu </a:t>
-            </a:r>
-            <a:r>
               <a:rPr lang="de-AT" dirty="0" err="1"/>
               <a:t>React</a:t>
             </a:r>
             <a:r>
               <a:rPr lang="de-AT" dirty="0"/>
-              <a:t> &amp; JSX </a:t>
-            </a:r>
+              <a:t> </a:t>
+            </a:r>
+            <a:r>
+              <a:rPr lang="de-AT" dirty="0" err="1"/>
+              <a:t>props</a:t>
+            </a:r>
+            <a:r>
+              <a:rPr lang="de-AT" dirty="0"/>
+              <a:t> in </a:t>
+            </a:r>
+            <a:r>
+              <a:rPr lang="de-AT" dirty="0" err="1"/>
+              <a:t>Parentkomponente</a:t>
+            </a:r>
+            <a:endParaRPr lang="de-AT" dirty="0"/>
           </a:p>
         </p:txBody>
       </p:sp>
@@ -6122,7 +5949,7 @@
           <p:cNvPr id="3" name="Inhaltsplatzhalter 2">
             <a:extLst>
               <a:ext uri="{FF2B5EF4-FFF2-40B4-BE49-F238E27FC236}">
-                <a16:creationId xmlns:a16="http://schemas.microsoft.com/office/drawing/2014/main" id="{9A38214A-622F-FE61-7A54-93C89F4C53F8}"/>
+                <a16:creationId xmlns:a16="http://schemas.microsoft.com/office/drawing/2014/main" id="{BB8256B5-0755-E5A8-69E6-1A557455E83D}"/>
               </a:ext>
             </a:extLst>
           </p:cNvPr>
@@ -6135,304 +5962,121 @@
         </p:nvSpPr>
         <p:spPr>
           <a:xfrm>
-            <a:off x="981513" y="2057400"/>
-            <a:ext cx="7298421" cy="4502791"/>
-          </a:xfrm>
-        </p:spPr>
-        <p:txBody>
-          <a:bodyPr>
-            <a:normAutofit fontScale="92500"/>
-          </a:bodyPr>
-          <a:lstStyle/>
-          <a:p>
-            <a:r>
-              <a:rPr lang="de-AT" dirty="0"/>
-              <a:t>Definiere eine Variable </a:t>
-            </a:r>
-            <a:r>
-              <a:rPr lang="de-AT" dirty="0" err="1"/>
-              <a:t>let</a:t>
-            </a:r>
-            <a:r>
-              <a:rPr lang="de-AT" dirty="0"/>
-              <a:t> </a:t>
-            </a:r>
-            <a:r>
-              <a:rPr lang="de-AT" dirty="0" err="1"/>
-              <a:t>color</a:t>
-            </a:r>
-            <a:r>
-              <a:rPr lang="de-AT" dirty="0"/>
-              <a:t> = [beliebige Farbe] innerhalb von </a:t>
-            </a:r>
-            <a:r>
-              <a:rPr lang="de-AT" dirty="0" err="1"/>
-              <a:t>MyParentComponent</a:t>
-            </a:r>
-            <a:endParaRPr lang="de-AT" dirty="0"/>
-          </a:p>
-          <a:p>
-            <a:r>
-              <a:rPr lang="de-AT" dirty="0"/>
-              <a:t>Übergib die Farbe als </a:t>
-            </a:r>
-            <a:r>
-              <a:rPr lang="de-AT" dirty="0" err="1"/>
-              <a:t>prop</a:t>
-            </a:r>
-            <a:r>
-              <a:rPr lang="de-AT" dirty="0"/>
-              <a:t> an die </a:t>
-            </a:r>
-            <a:r>
-              <a:rPr lang="de-AT" dirty="0" err="1"/>
-              <a:t>MyNestedComponent</a:t>
-            </a:r>
-            <a:r>
-              <a:rPr lang="de-AT" dirty="0"/>
-              <a:t> </a:t>
-            </a:r>
-          </a:p>
-          <a:p>
-            <a:r>
-              <a:rPr lang="de-AT" dirty="0"/>
-              <a:t>In der „</a:t>
-            </a:r>
-            <a:r>
-              <a:rPr lang="de-AT" dirty="0" err="1"/>
-              <a:t>MyNestedComponent</a:t>
-            </a:r>
-            <a:r>
-              <a:rPr lang="de-AT" dirty="0"/>
-              <a:t>“ wird die übergebene Farbe verwendet um die Textfarbe zu definieren. Verwende dafür Inline Styling</a:t>
-            </a:r>
-          </a:p>
-          <a:p>
-            <a:r>
-              <a:rPr lang="de-AT" dirty="0"/>
-              <a:t>Zusatzaufgabe (etwas schwerer): </a:t>
-            </a:r>
-          </a:p>
-          <a:p>
-            <a:pPr lvl="1"/>
-            <a:r>
-              <a:rPr lang="de-AT" dirty="0"/>
-              <a:t>Definiere eine zusätzliche Variable </a:t>
-            </a:r>
-            <a:r>
-              <a:rPr lang="de-AT" dirty="0" err="1"/>
-              <a:t>let</a:t>
-            </a:r>
-            <a:r>
-              <a:rPr lang="de-AT" dirty="0"/>
-              <a:t> </a:t>
-            </a:r>
-            <a:r>
-              <a:rPr lang="de-AT" dirty="0" err="1"/>
-              <a:t>componentVisibility</a:t>
-            </a:r>
-            <a:r>
-              <a:rPr lang="de-AT" dirty="0"/>
-              <a:t> = </a:t>
-            </a:r>
-            <a:r>
-              <a:rPr lang="de-AT" dirty="0" err="1"/>
-              <a:t>true</a:t>
-            </a:r>
-            <a:r>
-              <a:rPr lang="de-AT" dirty="0"/>
-              <a:t>/</a:t>
-            </a:r>
-            <a:r>
-              <a:rPr lang="de-AT" dirty="0" err="1"/>
-              <a:t>false</a:t>
-            </a:r>
-            <a:r>
-              <a:rPr lang="de-AT" dirty="0"/>
-              <a:t> innerhalb von </a:t>
-            </a:r>
-            <a:r>
-              <a:rPr lang="de-AT" dirty="0" err="1"/>
-              <a:t>MyParentComponent</a:t>
-            </a:r>
-            <a:r>
-              <a:rPr lang="de-AT" dirty="0"/>
-              <a:t> und übergib diesen Wert als </a:t>
-            </a:r>
-            <a:r>
-              <a:rPr lang="de-AT" dirty="0" err="1"/>
-              <a:t>prop</a:t>
-            </a:r>
-            <a:r>
-              <a:rPr lang="de-AT" dirty="0"/>
-              <a:t> an </a:t>
-            </a:r>
-            <a:r>
-              <a:rPr lang="de-AT" dirty="0" err="1"/>
-              <a:t>MyNestedComponent</a:t>
-            </a:r>
-            <a:endParaRPr lang="de-AT" dirty="0"/>
-          </a:p>
-          <a:p>
-            <a:pPr lvl="1"/>
-            <a:r>
-              <a:rPr lang="de-AT" dirty="0"/>
-              <a:t>Implementiere Logik in </a:t>
-            </a:r>
-            <a:r>
-              <a:rPr lang="de-AT" dirty="0" err="1"/>
-              <a:t>MyNestedComponent</a:t>
-            </a:r>
-            <a:r>
-              <a:rPr lang="de-AT" dirty="0"/>
-              <a:t> wodurch die Komponente nur gerendert wird wenn </a:t>
-            </a:r>
-            <a:r>
-              <a:rPr lang="de-AT" dirty="0" err="1"/>
-              <a:t>componentVisibility</a:t>
-            </a:r>
-            <a:r>
-              <a:rPr lang="de-AT" dirty="0"/>
-              <a:t> === </a:t>
-            </a:r>
-            <a:r>
-              <a:rPr lang="de-AT" dirty="0" err="1"/>
-              <a:t>true</a:t>
-            </a:r>
-            <a:br>
-              <a:rPr lang="de-AT" dirty="0"/>
-            </a:br>
-            <a:r>
-              <a:rPr lang="de-AT" dirty="0"/>
-              <a:t>Achtung: Dafür darf kein Styling verwendet werden </a:t>
-            </a:r>
-            <a:r>
-              <a:rPr lang="de-AT" dirty="0" err="1"/>
-              <a:t>bsp</a:t>
-            </a:r>
-            <a:r>
-              <a:rPr lang="de-AT" dirty="0"/>
-              <a:t>: </a:t>
-            </a:r>
-            <a:r>
-              <a:rPr lang="de-AT" dirty="0" err="1"/>
-              <a:t>display</a:t>
-            </a:r>
-            <a:r>
-              <a:rPr lang="de-AT" dirty="0"/>
-              <a:t> oder </a:t>
-            </a:r>
-            <a:r>
-              <a:rPr lang="de-AT" dirty="0" err="1"/>
-              <a:t>visibility</a:t>
-            </a:r>
-            <a:endParaRPr lang="de-AT" dirty="0"/>
-          </a:p>
-          <a:p>
-            <a:pPr lvl="1"/>
-            <a:endParaRPr lang="de-AT" dirty="0"/>
-          </a:p>
-          <a:p>
-            <a:endParaRPr lang="de-AT" dirty="0"/>
+            <a:off x="1009126" y="2057400"/>
+            <a:ext cx="7019305" cy="4137259"/>
+          </a:xfrm>
+        </p:spPr>
+        <p:txBody>
+          <a:bodyPr/>
+          <a:lstStyle/>
+          <a:p>
+            <a:r>
+              <a:rPr lang="de-AT" dirty="0" err="1"/>
+              <a:t>React</a:t>
+            </a:r>
+            <a:r>
+              <a:rPr lang="de-AT" dirty="0"/>
+              <a:t>-Komponenten verwenden </a:t>
+            </a:r>
+            <a:r>
+              <a:rPr lang="de-AT" dirty="0" err="1"/>
+              <a:t>Props</a:t>
+            </a:r>
+            <a:r>
+              <a:rPr lang="de-AT" dirty="0"/>
+              <a:t>, um miteinander zu kommunizieren. Jede Elternkomponente kann ihren </a:t>
+            </a:r>
+            <a:r>
+              <a:rPr lang="de-AT" dirty="0" err="1"/>
+              <a:t>Kindkomponenten</a:t>
+            </a:r>
+            <a:r>
+              <a:rPr lang="de-AT" dirty="0"/>
+              <a:t> Informationen über </a:t>
+            </a:r>
+            <a:r>
+              <a:rPr lang="de-AT" dirty="0" err="1"/>
+              <a:t>Props</a:t>
+            </a:r>
+            <a:r>
+              <a:rPr lang="de-AT" dirty="0"/>
+              <a:t> übergeben. </a:t>
+            </a:r>
+          </a:p>
+          <a:p>
+            <a:r>
+              <a:rPr lang="de-AT" dirty="0"/>
+              <a:t>Mittels </a:t>
+            </a:r>
+            <a:r>
+              <a:rPr lang="de-AT" dirty="0" err="1"/>
+              <a:t>Props</a:t>
+            </a:r>
+            <a:r>
+              <a:rPr lang="de-AT" dirty="0"/>
+              <a:t> können jegliche JavaScript-Werte übergeben werden, einschließlich Variablen, Objekten, Arrays und Funktionen.</a:t>
+            </a:r>
+          </a:p>
+          <a:p>
+            <a:r>
+              <a:rPr lang="de-AT" dirty="0"/>
+              <a:t>Objekte werden durch Doppelte geschwungene Klammern übergeben</a:t>
+            </a:r>
+          </a:p>
+          <a:p>
+            <a:r>
+              <a:rPr lang="de-AT" dirty="0" err="1"/>
+              <a:t>Props</a:t>
+            </a:r>
+            <a:r>
+              <a:rPr lang="de-AT" dirty="0"/>
+              <a:t> werden über JSX-Tags an </a:t>
+            </a:r>
+            <a:r>
+              <a:rPr lang="de-AT" dirty="0" err="1"/>
+              <a:t>Kindkomponenten</a:t>
+            </a:r>
+            <a:r>
+              <a:rPr lang="de-AT" dirty="0"/>
+              <a:t> übergeben</a:t>
+            </a:r>
           </a:p>
         </p:txBody>
       </p:sp>
       <p:pic>
         <p:nvPicPr>
-          <p:cNvPr id="4" name="Picture 2" descr="JSX">
-            <a:extLst>
-              <a:ext uri="{FF2B5EF4-FFF2-40B4-BE49-F238E27FC236}">
-                <a16:creationId xmlns:a16="http://schemas.microsoft.com/office/drawing/2014/main" id="{02C9A8BA-7E70-3EEC-BA04-36A6B1140BAC}"/>
+          <p:cNvPr id="5" name="Grafik 4">
+            <a:extLst>
+              <a:ext uri="{FF2B5EF4-FFF2-40B4-BE49-F238E27FC236}">
+                <a16:creationId xmlns:a16="http://schemas.microsoft.com/office/drawing/2014/main" id="{01C8D0AF-B79A-F908-6EF3-025361EADA02}"/>
               </a:ext>
             </a:extLst>
           </p:cNvPr>
           <p:cNvPicPr>
-            <a:picLocks noChangeAspect="1" noChangeArrowheads="1"/>
-          </p:cNvPicPr>
-          <p:nvPr/>
-        </p:nvPicPr>
-        <p:blipFill rotWithShape="1">
-          <a:blip r:embed="rId2">
-            <a:extLst>
-              <a:ext uri="{28A0092B-C50C-407E-A947-70E740481C1C}">
-                <a14:useLocalDpi xmlns:a14="http://schemas.microsoft.com/office/drawing/2010/main" val="0"/>
-              </a:ext>
-            </a:extLst>
-          </a:blip>
-          <a:srcRect l="19014"/>
-          <a:stretch/>
-        </p:blipFill>
-        <p:spPr bwMode="auto">
-          <a:xfrm>
-            <a:off x="9080026" y="4498848"/>
-            <a:ext cx="2504186" cy="1240917"/>
-          </a:xfrm>
-          <a:prstGeom prst="rect">
-            <a:avLst/>
-          </a:prstGeom>
-          <a:noFill/>
-          <a:extLst>
-            <a:ext uri="{909E8E84-426E-40DD-AFC4-6F175D3DCCD1}">
-              <a14:hiddenFill xmlns:a14="http://schemas.microsoft.com/office/drawing/2010/main">
-                <a:solidFill>
-                  <a:srgbClr val="FFFFFF"/>
-                </a:solidFill>
-              </a14:hiddenFill>
-            </a:ext>
-          </a:extLst>
-        </p:spPr>
-      </p:pic>
-      <p:pic>
-        <p:nvPicPr>
-          <p:cNvPr id="5" name="Picture 2" descr="React – Wikipedia">
-            <a:extLst>
-              <a:ext uri="{FF2B5EF4-FFF2-40B4-BE49-F238E27FC236}">
-                <a16:creationId xmlns:a16="http://schemas.microsoft.com/office/drawing/2014/main" id="{F7A94A40-50F1-686D-4C11-6C2ECE972511}"/>
-              </a:ext>
-            </a:extLst>
-          </p:cNvPr>
-          <p:cNvPicPr>
-            <a:picLocks noChangeAspect="1" noChangeArrowheads="1"/>
+            <a:picLocks noChangeAspect="1"/>
           </p:cNvPicPr>
           <p:nvPr/>
         </p:nvPicPr>
         <p:blipFill>
-          <a:blip r:embed="rId3">
-            <a:extLst>
-              <a:ext uri="{28A0092B-C50C-407E-A947-70E740481C1C}">
-                <a14:useLocalDpi xmlns:a14="http://schemas.microsoft.com/office/drawing/2010/main" val="0"/>
-              </a:ext>
-            </a:extLst>
-          </a:blip>
-          <a:srcRect/>
+          <a:blip r:embed="rId2"/>
           <a:stretch>
             <a:fillRect/>
           </a:stretch>
         </p:blipFill>
-        <p:spPr bwMode="auto">
-          <a:xfrm>
-            <a:off x="9278736" y="2148840"/>
-            <a:ext cx="2106766" cy="1831233"/>
+        <p:spPr>
+          <a:xfrm>
+            <a:off x="7760215" y="2194559"/>
+            <a:ext cx="4326169" cy="1499617"/>
           </a:xfrm>
           <a:prstGeom prst="rect">
             <a:avLst/>
           </a:prstGeom>
-          <a:noFill/>
-          <a:extLst>
-            <a:ext uri="{909E8E84-426E-40DD-AFC4-6F175D3DCCD1}">
-              <a14:hiddenFill xmlns:a14="http://schemas.microsoft.com/office/drawing/2010/main">
-                <a:solidFill>
-                  <a:srgbClr val="FFFFFF"/>
-                </a:solidFill>
-              </a14:hiddenFill>
-            </a:ext>
-          </a:extLst>
         </p:spPr>
       </p:pic>
     </p:spTree>
     <p:extLst>
       <p:ext uri="{BB962C8B-B14F-4D97-AF65-F5344CB8AC3E}">
-        <p14:creationId xmlns:p14="http://schemas.microsoft.com/office/powerpoint/2010/main" val="1845685511"/>
+        <p14:creationId xmlns:p14="http://schemas.microsoft.com/office/powerpoint/2010/main" val="2283121661"/>
       </p:ext>
     </p:extLst>
   </p:cSld>
@@ -6461,88 +6105,222 @@
       </p:grpSpPr>
       <p:sp>
         <p:nvSpPr>
-          <p:cNvPr id="6" name="Titel 5">
-            <a:extLst>
-              <a:ext uri="{FF2B5EF4-FFF2-40B4-BE49-F238E27FC236}">
-                <a16:creationId xmlns:a16="http://schemas.microsoft.com/office/drawing/2014/main" id="{215C6C17-3994-268F-CD9B-1F627A31A4B8}"/>
-              </a:ext>
-            </a:extLst>
-          </p:cNvPr>
-          <p:cNvSpPr>
-            <a:spLocks noGrp="1"/>
-          </p:cNvSpPr>
-          <p:nvPr>
-            <p:ph type="ctrTitle"/>
-          </p:nvPr>
-        </p:nvSpPr>
-        <p:spPr>
-          <a:xfrm>
-            <a:off x="2032213" y="370652"/>
-            <a:ext cx="8127574" cy="2736443"/>
-          </a:xfrm>
-        </p:spPr>
+          <p:cNvPr id="2" name="Titel 1">
+            <a:extLst>
+              <a:ext uri="{FF2B5EF4-FFF2-40B4-BE49-F238E27FC236}">
+                <a16:creationId xmlns:a16="http://schemas.microsoft.com/office/drawing/2014/main" id="{3FF260BE-4E39-E2BB-BA81-3EF835931985}"/>
+              </a:ext>
+            </a:extLst>
+          </p:cNvPr>
+          <p:cNvSpPr>
+            <a:spLocks noGrp="1"/>
+          </p:cNvSpPr>
+          <p:nvPr>
+            <p:ph type="title"/>
+          </p:nvPr>
+        </p:nvSpPr>
+        <p:spPr/>
         <p:txBody>
           <a:bodyPr/>
           <a:lstStyle/>
           <a:p>
             <a:r>
-              <a:rPr lang="de-AT" dirty="0"/>
-              <a:t>Viel Erfolg beim Entwickeln!</a:t>
+              <a:rPr lang="de-AT" dirty="0" err="1"/>
+              <a:t>React</a:t>
+            </a:r>
+            <a:r>
+              <a:rPr lang="de-AT" dirty="0"/>
+              <a:t> </a:t>
+            </a:r>
+            <a:r>
+              <a:rPr lang="de-AT" dirty="0" err="1"/>
+              <a:t>props</a:t>
+            </a:r>
+            <a:r>
+              <a:rPr lang="de-AT" dirty="0"/>
+              <a:t> in </a:t>
+            </a:r>
+            <a:r>
+              <a:rPr lang="de-AT" dirty="0" err="1"/>
+              <a:t>Kindkomponente</a:t>
+            </a:r>
+            <a:endParaRPr lang="de-AT" dirty="0"/>
+          </a:p>
+        </p:txBody>
+      </p:sp>
+      <p:sp>
+        <p:nvSpPr>
+          <p:cNvPr id="3" name="Inhaltsplatzhalter 2">
+            <a:extLst>
+              <a:ext uri="{FF2B5EF4-FFF2-40B4-BE49-F238E27FC236}">
+                <a16:creationId xmlns:a16="http://schemas.microsoft.com/office/drawing/2014/main" id="{BB8256B5-0755-E5A8-69E6-1A557455E83D}"/>
+              </a:ext>
+            </a:extLst>
+          </p:cNvPr>
+          <p:cNvSpPr>
+            <a:spLocks noGrp="1"/>
+          </p:cNvSpPr>
+          <p:nvPr>
+            <p:ph idx="1"/>
+          </p:nvPr>
+        </p:nvSpPr>
+        <p:spPr>
+          <a:xfrm>
+            <a:off x="1009126" y="2057400"/>
+            <a:ext cx="7019305" cy="4137259"/>
+          </a:xfrm>
+        </p:spPr>
+        <p:txBody>
+          <a:bodyPr>
+            <a:normAutofit/>
+          </a:bodyPr>
+          <a:lstStyle/>
+          <a:p>
+            <a:r>
+              <a:rPr lang="de-AT" dirty="0"/>
+              <a:t>Du kannst diese </a:t>
+            </a:r>
+            <a:r>
+              <a:rPr lang="de-AT" dirty="0" err="1"/>
+              <a:t>Props</a:t>
+            </a:r>
+            <a:r>
+              <a:rPr lang="de-AT" dirty="0"/>
+              <a:t> lesen, indem du ihre Namen (z.B. </a:t>
+            </a:r>
+            <a:r>
+              <a:rPr lang="de-AT" dirty="0" err="1"/>
+              <a:t>person</a:t>
+            </a:r>
+            <a:r>
+              <a:rPr lang="de-AT" dirty="0"/>
+              <a:t>, </a:t>
+            </a:r>
+            <a:r>
+              <a:rPr lang="de-AT" dirty="0" err="1"/>
+              <a:t>size</a:t>
+            </a:r>
+            <a:r>
+              <a:rPr lang="de-AT" dirty="0"/>
+              <a:t>) durch Kommas getrennt innerhalb von ({ und }) direkt nach der Funktion Avatar auflistest. </a:t>
+            </a:r>
+          </a:p>
+          <a:p>
+            <a:r>
+              <a:rPr lang="de-AT" dirty="0"/>
+              <a:t>Dies ermöglicht es dir, sie innerhalb der Komponente zu verwenden, ähnlich wie du es mit einer Variablen tun würdest.</a:t>
+            </a:r>
+          </a:p>
+          <a:p>
+            <a:r>
+              <a:rPr lang="de-AT" dirty="0"/>
+              <a:t>Es ist auch möglich alle übergebenen Werte in der Variable “</a:t>
+            </a:r>
+            <a:r>
+              <a:rPr lang="de-AT" dirty="0" err="1"/>
+              <a:t>props</a:t>
+            </a:r>
+            <a:r>
+              <a:rPr lang="de-AT" dirty="0"/>
+              <a:t>“ zu übergeben ohne alle Variablen einzeln zu listen</a:t>
+            </a:r>
+          </a:p>
+          <a:p>
+            <a:r>
+              <a:rPr lang="de-AT" dirty="0"/>
+              <a:t>Um eine spezielle Variable der </a:t>
+            </a:r>
+            <a:r>
+              <a:rPr lang="de-AT" dirty="0" err="1"/>
+              <a:t>Props</a:t>
+            </a:r>
+            <a:r>
+              <a:rPr lang="de-AT" dirty="0"/>
+              <a:t> anzusprechen, wird </a:t>
+            </a:r>
+            <a:r>
+              <a:rPr lang="de-AT" dirty="0" err="1"/>
+              <a:t>props</a:t>
+            </a:r>
+            <a:r>
+              <a:rPr lang="de-AT" dirty="0"/>
+              <a:t>.[</a:t>
+            </a:r>
+            <a:r>
+              <a:rPr lang="de-AT" dirty="0" err="1"/>
+              <a:t>Variblenname</a:t>
+            </a:r>
+            <a:r>
+              <a:rPr lang="de-AT" dirty="0"/>
+              <a:t>] verwendet</a:t>
             </a:r>
           </a:p>
         </p:txBody>
       </p:sp>
       <p:pic>
         <p:nvPicPr>
-          <p:cNvPr id="2050" name="Picture 2" descr="CODERS.BAY | Linz">
-            <a:extLst>
-              <a:ext uri="{FF2B5EF4-FFF2-40B4-BE49-F238E27FC236}">
-                <a16:creationId xmlns:a16="http://schemas.microsoft.com/office/drawing/2014/main" id="{FC92A2D7-CD40-5160-E3FA-7A115A1ECE63}"/>
+          <p:cNvPr id="6" name="Grafik 5">
+            <a:extLst>
+              <a:ext uri="{FF2B5EF4-FFF2-40B4-BE49-F238E27FC236}">
+                <a16:creationId xmlns:a16="http://schemas.microsoft.com/office/drawing/2014/main" id="{828DB84C-262D-71E1-3068-61CD2BFFDB2F}"/>
               </a:ext>
             </a:extLst>
           </p:cNvPr>
           <p:cNvPicPr>
-            <a:picLocks noChangeAspect="1" noChangeArrowheads="1"/>
+            <a:picLocks noChangeAspect="1"/>
           </p:cNvPicPr>
           <p:nvPr/>
         </p:nvPicPr>
         <p:blipFill>
-          <a:blip r:embed="rId2">
-            <a:extLst>
-              <a:ext uri="{28A0092B-C50C-407E-A947-70E740481C1C}">
-                <a14:useLocalDpi xmlns:a14="http://schemas.microsoft.com/office/drawing/2010/main" val="0"/>
-              </a:ext>
-            </a:extLst>
-          </a:blip>
-          <a:srcRect/>
+          <a:blip r:embed="rId2"/>
           <a:stretch>
             <a:fillRect/>
           </a:stretch>
         </p:blipFill>
-        <p:spPr bwMode="auto">
-          <a:xfrm>
-            <a:off x="5342119" y="3768185"/>
-            <a:ext cx="1507761" cy="1507761"/>
+        <p:spPr>
+          <a:xfrm>
+            <a:off x="9034942" y="1840144"/>
+            <a:ext cx="2832727" cy="2114845"/>
           </a:xfrm>
           <a:prstGeom prst="rect">
             <a:avLst/>
           </a:prstGeom>
-          <a:noFill/>
-          <a:extLst>
-            <a:ext uri="{909E8E84-426E-40DD-AFC4-6F175D3DCCD1}">
-              <a14:hiddenFill xmlns:a14="http://schemas.microsoft.com/office/drawing/2010/main">
-                <a:solidFill>
-                  <a:srgbClr val="FFFFFF"/>
-                </a:solidFill>
-              </a14:hiddenFill>
-            </a:ext>
-          </a:extLst>
+        </p:spPr>
+      </p:pic>
+      <p:pic>
+        <p:nvPicPr>
+          <p:cNvPr id="9" name="Grafik 8">
+            <a:extLst>
+              <a:ext uri="{FF2B5EF4-FFF2-40B4-BE49-F238E27FC236}">
+                <a16:creationId xmlns:a16="http://schemas.microsoft.com/office/drawing/2014/main" id="{C9B300F8-6FB5-03CA-4E0E-6859EB65EBEF}"/>
+              </a:ext>
+            </a:extLst>
+          </p:cNvPr>
+          <p:cNvPicPr>
+            <a:picLocks noChangeAspect="1"/>
+          </p:cNvPicPr>
+          <p:nvPr/>
+        </p:nvPicPr>
+        <p:blipFill>
+          <a:blip r:embed="rId3"/>
+          <a:stretch>
+            <a:fillRect/>
+          </a:stretch>
+        </p:blipFill>
+        <p:spPr>
+          <a:xfrm>
+            <a:off x="9034942" y="4057355"/>
+            <a:ext cx="2829320" cy="2114845"/>
+          </a:xfrm>
+          <a:prstGeom prst="rect">
+            <a:avLst/>
+          </a:prstGeom>
         </p:spPr>
       </p:pic>
     </p:spTree>
     <p:extLst>
       <p:ext uri="{BB962C8B-B14F-4D97-AF65-F5344CB8AC3E}">
-        <p14:creationId xmlns:p14="http://schemas.microsoft.com/office/powerpoint/2010/main" val="2872145444"/>
+        <p14:creationId xmlns:p14="http://schemas.microsoft.com/office/powerpoint/2010/main" val="4039595281"/>
       </p:ext>
     </p:extLst>
   </p:cSld>
@@ -6651,11 +6429,25 @@
           </a:p>
           <a:p>
             <a:r>
+              <a:rPr lang="de-AT" dirty="0"/>
+              <a:t>Create-</a:t>
+            </a:r>
+            <a:r>
               <a:rPr lang="de-AT" dirty="0" err="1"/>
               <a:t>React</a:t>
             </a:r>
             <a:r>
               <a:rPr lang="de-AT" dirty="0"/>
+              <a:t>-App</a:t>
+            </a:r>
+          </a:p>
+          <a:p>
+            <a:r>
+              <a:rPr lang="de-AT" dirty="0" err="1"/>
+              <a:t>React</a:t>
+            </a:r>
+            <a:r>
+              <a:rPr lang="de-AT" dirty="0"/>
               <a:t> Elemente</a:t>
             </a:r>
           </a:p>
@@ -6674,44 +6466,39 @@
             <a:pPr lvl="1"/>
             <a:r>
               <a:rPr lang="de-AT" dirty="0"/>
-              <a:t>JSX &amp; Templates</a:t>
+              <a:t>JavaScript XML (JSX)</a:t>
             </a:r>
           </a:p>
           <a:p>
             <a:pPr lvl="1"/>
             <a:r>
-              <a:rPr lang="de-AT" dirty="0"/>
-              <a:t>Template </a:t>
-            </a:r>
-            <a:r>
-              <a:rPr lang="de-AT" dirty="0" err="1"/>
-              <a:t>Expressions</a:t>
-            </a:r>
-            <a:r>
-              <a:rPr lang="de-AT" dirty="0"/>
-              <a:t> und Variablen</a:t>
-            </a:r>
+              <a:rPr lang="de-AT" dirty="0" err="1"/>
+              <a:t>React</a:t>
+            </a:r>
+            <a:r>
+              <a:rPr lang="de-AT" dirty="0"/>
+              <a:t> </a:t>
+            </a:r>
+            <a:r>
+              <a:rPr lang="de-AT" dirty="0" err="1"/>
+              <a:t>Props</a:t>
+            </a:r>
+            <a:endParaRPr lang="de-AT" dirty="0"/>
           </a:p>
           <a:p>
             <a:pPr lvl="1"/>
             <a:r>
-              <a:rPr lang="de-AT" dirty="0"/>
-              <a:t>Click Events &amp; Event Handlers</a:t>
-            </a:r>
-          </a:p>
-          <a:p>
-            <a:r>
-              <a:rPr lang="de-AT" dirty="0"/>
-              <a:t>Create-</a:t>
-            </a:r>
-            <a:r>
-              <a:rPr lang="de-AT" dirty="0" err="1"/>
-              <a:t>React</a:t>
-            </a:r>
-            <a:r>
-              <a:rPr lang="de-AT" dirty="0"/>
-              <a:t>-App</a:t>
-            </a:r>
+              <a:rPr lang="de-AT" dirty="0" err="1"/>
+              <a:t>Conditional</a:t>
+            </a:r>
+            <a:r>
+              <a:rPr lang="de-AT" dirty="0"/>
+              <a:t> &amp; List Rendering</a:t>
+            </a:r>
+          </a:p>
+          <a:p>
+            <a:pPr lvl="1"/>
+            <a:endParaRPr lang="de-AT" dirty="0"/>
           </a:p>
           <a:p>
             <a:endParaRPr lang="de-AT" dirty="0"/>
@@ -6808,6 +6595,2511 @@
     <p:extLst>
       <p:ext uri="{BB962C8B-B14F-4D97-AF65-F5344CB8AC3E}">
         <p14:creationId xmlns:p14="http://schemas.microsoft.com/office/powerpoint/2010/main" val="2711513053"/>
+      </p:ext>
+    </p:extLst>
+  </p:cSld>
+  <p:clrMapOvr>
+    <a:masterClrMapping/>
+  </p:clrMapOvr>
+</p:sld>
+</file>
+
+<file path=ppt/slides/slide20.xml><?xml version="1.0" encoding="utf-8"?>
+<p:sld xmlns:a="http://schemas.openxmlformats.org/drawingml/2006/main" xmlns:r="http://schemas.openxmlformats.org/officeDocument/2006/relationships" xmlns:p="http://schemas.openxmlformats.org/presentationml/2006/main">
+  <p:cSld>
+    <p:spTree>
+      <p:nvGrpSpPr>
+        <p:cNvPr id="1" name=""/>
+        <p:cNvGrpSpPr/>
+        <p:nvPr/>
+      </p:nvGrpSpPr>
+      <p:grpSpPr>
+        <a:xfrm>
+          <a:off x="0" y="0"/>
+          <a:ext cx="0" cy="0"/>
+          <a:chOff x="0" y="0"/>
+          <a:chExt cx="0" cy="0"/>
+        </a:xfrm>
+      </p:grpSpPr>
+      <p:sp>
+        <p:nvSpPr>
+          <p:cNvPr id="2" name="Titel 1">
+            <a:extLst>
+              <a:ext uri="{FF2B5EF4-FFF2-40B4-BE49-F238E27FC236}">
+                <a16:creationId xmlns:a16="http://schemas.microsoft.com/office/drawing/2014/main" id="{65F937F5-A9DE-1623-E05D-C1200550CB11}"/>
+              </a:ext>
+            </a:extLst>
+          </p:cNvPr>
+          <p:cNvSpPr>
+            <a:spLocks noGrp="1"/>
+          </p:cNvSpPr>
+          <p:nvPr>
+            <p:ph type="title"/>
+          </p:nvPr>
+        </p:nvSpPr>
+        <p:spPr/>
+        <p:txBody>
+          <a:bodyPr/>
+          <a:lstStyle/>
+          <a:p>
+            <a:r>
+              <a:rPr lang="de-AT" dirty="0"/>
+              <a:t>Übung zu </a:t>
+            </a:r>
+            <a:r>
+              <a:rPr lang="de-AT" dirty="0" err="1"/>
+              <a:t>React</a:t>
+            </a:r>
+            <a:r>
+              <a:rPr lang="de-AT" dirty="0"/>
+              <a:t> &amp; JSX </a:t>
+            </a:r>
+          </a:p>
+        </p:txBody>
+      </p:sp>
+      <p:sp>
+        <p:nvSpPr>
+          <p:cNvPr id="3" name="Inhaltsplatzhalter 2">
+            <a:extLst>
+              <a:ext uri="{FF2B5EF4-FFF2-40B4-BE49-F238E27FC236}">
+                <a16:creationId xmlns:a16="http://schemas.microsoft.com/office/drawing/2014/main" id="{9A38214A-622F-FE61-7A54-93C89F4C53F8}"/>
+              </a:ext>
+            </a:extLst>
+          </p:cNvPr>
+          <p:cNvSpPr>
+            <a:spLocks noGrp="1"/>
+          </p:cNvSpPr>
+          <p:nvPr>
+            <p:ph idx="1"/>
+          </p:nvPr>
+        </p:nvSpPr>
+        <p:spPr>
+          <a:xfrm>
+            <a:off x="981513" y="2057400"/>
+            <a:ext cx="7298421" cy="4502791"/>
+          </a:xfrm>
+        </p:spPr>
+        <p:txBody>
+          <a:bodyPr>
+            <a:normAutofit fontScale="92500"/>
+          </a:bodyPr>
+          <a:lstStyle/>
+          <a:p>
+            <a:r>
+              <a:rPr lang="de-AT" dirty="0"/>
+              <a:t>Definiere eine Variable </a:t>
+            </a:r>
+            <a:r>
+              <a:rPr lang="de-AT" dirty="0" err="1"/>
+              <a:t>let</a:t>
+            </a:r>
+            <a:r>
+              <a:rPr lang="de-AT" dirty="0"/>
+              <a:t> </a:t>
+            </a:r>
+            <a:r>
+              <a:rPr lang="de-AT" dirty="0" err="1"/>
+              <a:t>color</a:t>
+            </a:r>
+            <a:r>
+              <a:rPr lang="de-AT" dirty="0"/>
+              <a:t> = [beliebige Farbe] innerhalb von </a:t>
+            </a:r>
+            <a:r>
+              <a:rPr lang="de-AT" dirty="0" err="1"/>
+              <a:t>MyParentComponent</a:t>
+            </a:r>
+            <a:endParaRPr lang="de-AT" dirty="0"/>
+          </a:p>
+          <a:p>
+            <a:r>
+              <a:rPr lang="de-AT" dirty="0"/>
+              <a:t>Übergib die Farbe als </a:t>
+            </a:r>
+            <a:r>
+              <a:rPr lang="de-AT" dirty="0" err="1"/>
+              <a:t>prop</a:t>
+            </a:r>
+            <a:r>
+              <a:rPr lang="de-AT" dirty="0"/>
+              <a:t> an die </a:t>
+            </a:r>
+            <a:r>
+              <a:rPr lang="de-AT" dirty="0" err="1"/>
+              <a:t>MyNestedComponent</a:t>
+            </a:r>
+            <a:r>
+              <a:rPr lang="de-AT" dirty="0"/>
+              <a:t> </a:t>
+            </a:r>
+          </a:p>
+          <a:p>
+            <a:r>
+              <a:rPr lang="de-AT" dirty="0"/>
+              <a:t>In der „</a:t>
+            </a:r>
+            <a:r>
+              <a:rPr lang="de-AT" dirty="0" err="1"/>
+              <a:t>MyNestedComponent</a:t>
+            </a:r>
+            <a:r>
+              <a:rPr lang="de-AT" dirty="0"/>
+              <a:t>“ wird die übergebene Farbe verwendet um die Textfarbe zu definieren. Verwende dafür Inline Styling</a:t>
+            </a:r>
+          </a:p>
+          <a:p>
+            <a:r>
+              <a:rPr lang="de-AT" dirty="0"/>
+              <a:t>Zusatzaufgabe (etwas schwerer): </a:t>
+            </a:r>
+          </a:p>
+          <a:p>
+            <a:pPr lvl="1"/>
+            <a:r>
+              <a:rPr lang="de-AT" dirty="0"/>
+              <a:t>Definiere eine zusätzliche Variable </a:t>
+            </a:r>
+            <a:r>
+              <a:rPr lang="de-AT" dirty="0" err="1"/>
+              <a:t>let</a:t>
+            </a:r>
+            <a:r>
+              <a:rPr lang="de-AT" dirty="0"/>
+              <a:t> </a:t>
+            </a:r>
+            <a:r>
+              <a:rPr lang="de-AT" dirty="0" err="1"/>
+              <a:t>componentVisibility</a:t>
+            </a:r>
+            <a:r>
+              <a:rPr lang="de-AT" dirty="0"/>
+              <a:t> = </a:t>
+            </a:r>
+            <a:r>
+              <a:rPr lang="de-AT" dirty="0" err="1"/>
+              <a:t>true</a:t>
+            </a:r>
+            <a:r>
+              <a:rPr lang="de-AT" dirty="0"/>
+              <a:t>/</a:t>
+            </a:r>
+            <a:r>
+              <a:rPr lang="de-AT" dirty="0" err="1"/>
+              <a:t>false</a:t>
+            </a:r>
+            <a:r>
+              <a:rPr lang="de-AT" dirty="0"/>
+              <a:t> innerhalb von </a:t>
+            </a:r>
+            <a:r>
+              <a:rPr lang="de-AT" dirty="0" err="1"/>
+              <a:t>MyParentComponent</a:t>
+            </a:r>
+            <a:r>
+              <a:rPr lang="de-AT" dirty="0"/>
+              <a:t> und übergib diesen Wert als </a:t>
+            </a:r>
+            <a:r>
+              <a:rPr lang="de-AT" dirty="0" err="1"/>
+              <a:t>prop</a:t>
+            </a:r>
+            <a:r>
+              <a:rPr lang="de-AT" dirty="0"/>
+              <a:t> an </a:t>
+            </a:r>
+            <a:r>
+              <a:rPr lang="de-AT" dirty="0" err="1"/>
+              <a:t>MyNestedComponent</a:t>
+            </a:r>
+            <a:endParaRPr lang="de-AT" dirty="0"/>
+          </a:p>
+          <a:p>
+            <a:pPr lvl="1"/>
+            <a:r>
+              <a:rPr lang="de-AT" dirty="0"/>
+              <a:t>Implementiere Logik in </a:t>
+            </a:r>
+            <a:r>
+              <a:rPr lang="de-AT" dirty="0" err="1"/>
+              <a:t>MyNestedComponent</a:t>
+            </a:r>
+            <a:r>
+              <a:rPr lang="de-AT" dirty="0"/>
+              <a:t> wodurch die Komponente nur gerendert wird wenn </a:t>
+            </a:r>
+            <a:r>
+              <a:rPr lang="de-AT" dirty="0" err="1"/>
+              <a:t>componentVisibility</a:t>
+            </a:r>
+            <a:r>
+              <a:rPr lang="de-AT" dirty="0"/>
+              <a:t> === </a:t>
+            </a:r>
+            <a:r>
+              <a:rPr lang="de-AT" dirty="0" err="1"/>
+              <a:t>true</a:t>
+            </a:r>
+            <a:br>
+              <a:rPr lang="de-AT" dirty="0"/>
+            </a:br>
+            <a:r>
+              <a:rPr lang="de-AT" dirty="0"/>
+              <a:t>Achtung: Dafür darf kein Styling verwendet werden </a:t>
+            </a:r>
+            <a:r>
+              <a:rPr lang="de-AT" dirty="0" err="1"/>
+              <a:t>bsp</a:t>
+            </a:r>
+            <a:r>
+              <a:rPr lang="de-AT" dirty="0"/>
+              <a:t>: </a:t>
+            </a:r>
+            <a:r>
+              <a:rPr lang="de-AT" dirty="0" err="1"/>
+              <a:t>display</a:t>
+            </a:r>
+            <a:r>
+              <a:rPr lang="de-AT" dirty="0"/>
+              <a:t> oder </a:t>
+            </a:r>
+            <a:r>
+              <a:rPr lang="de-AT" dirty="0" err="1"/>
+              <a:t>visibility</a:t>
+            </a:r>
+            <a:endParaRPr lang="de-AT" dirty="0"/>
+          </a:p>
+          <a:p>
+            <a:pPr lvl="1"/>
+            <a:endParaRPr lang="de-AT" dirty="0"/>
+          </a:p>
+          <a:p>
+            <a:endParaRPr lang="de-AT" dirty="0"/>
+          </a:p>
+        </p:txBody>
+      </p:sp>
+      <p:pic>
+        <p:nvPicPr>
+          <p:cNvPr id="4" name="Picture 2" descr="JSX">
+            <a:extLst>
+              <a:ext uri="{FF2B5EF4-FFF2-40B4-BE49-F238E27FC236}">
+                <a16:creationId xmlns:a16="http://schemas.microsoft.com/office/drawing/2014/main" id="{02C9A8BA-7E70-3EEC-BA04-36A6B1140BAC}"/>
+              </a:ext>
+            </a:extLst>
+          </p:cNvPr>
+          <p:cNvPicPr>
+            <a:picLocks noChangeAspect="1" noChangeArrowheads="1"/>
+          </p:cNvPicPr>
+          <p:nvPr/>
+        </p:nvPicPr>
+        <p:blipFill rotWithShape="1">
+          <a:blip r:embed="rId2">
+            <a:extLst>
+              <a:ext uri="{28A0092B-C50C-407E-A947-70E740481C1C}">
+                <a14:useLocalDpi xmlns:a14="http://schemas.microsoft.com/office/drawing/2010/main" val="0"/>
+              </a:ext>
+            </a:extLst>
+          </a:blip>
+          <a:srcRect l="19014"/>
+          <a:stretch/>
+        </p:blipFill>
+        <p:spPr bwMode="auto">
+          <a:xfrm>
+            <a:off x="9080026" y="4498848"/>
+            <a:ext cx="2504186" cy="1240917"/>
+          </a:xfrm>
+          <a:prstGeom prst="rect">
+            <a:avLst/>
+          </a:prstGeom>
+          <a:noFill/>
+          <a:extLst>
+            <a:ext uri="{909E8E84-426E-40DD-AFC4-6F175D3DCCD1}">
+              <a14:hiddenFill xmlns:a14="http://schemas.microsoft.com/office/drawing/2010/main">
+                <a:solidFill>
+                  <a:srgbClr val="FFFFFF"/>
+                </a:solidFill>
+              </a14:hiddenFill>
+            </a:ext>
+          </a:extLst>
+        </p:spPr>
+      </p:pic>
+      <p:pic>
+        <p:nvPicPr>
+          <p:cNvPr id="5" name="Picture 2" descr="React – Wikipedia">
+            <a:extLst>
+              <a:ext uri="{FF2B5EF4-FFF2-40B4-BE49-F238E27FC236}">
+                <a16:creationId xmlns:a16="http://schemas.microsoft.com/office/drawing/2014/main" id="{F7A94A40-50F1-686D-4C11-6C2ECE972511}"/>
+              </a:ext>
+            </a:extLst>
+          </p:cNvPr>
+          <p:cNvPicPr>
+            <a:picLocks noChangeAspect="1" noChangeArrowheads="1"/>
+          </p:cNvPicPr>
+          <p:nvPr/>
+        </p:nvPicPr>
+        <p:blipFill>
+          <a:blip r:embed="rId3">
+            <a:extLst>
+              <a:ext uri="{28A0092B-C50C-407E-A947-70E740481C1C}">
+                <a14:useLocalDpi xmlns:a14="http://schemas.microsoft.com/office/drawing/2010/main" val="0"/>
+              </a:ext>
+            </a:extLst>
+          </a:blip>
+          <a:srcRect/>
+          <a:stretch>
+            <a:fillRect/>
+          </a:stretch>
+        </p:blipFill>
+        <p:spPr bwMode="auto">
+          <a:xfrm>
+            <a:off x="9278736" y="2148840"/>
+            <a:ext cx="2106766" cy="1831233"/>
+          </a:xfrm>
+          <a:prstGeom prst="rect">
+            <a:avLst/>
+          </a:prstGeom>
+          <a:noFill/>
+          <a:extLst>
+            <a:ext uri="{909E8E84-426E-40DD-AFC4-6F175D3DCCD1}">
+              <a14:hiddenFill xmlns:a14="http://schemas.microsoft.com/office/drawing/2010/main">
+                <a:solidFill>
+                  <a:srgbClr val="FFFFFF"/>
+                </a:solidFill>
+              </a14:hiddenFill>
+            </a:ext>
+          </a:extLst>
+        </p:spPr>
+      </p:pic>
+    </p:spTree>
+    <p:extLst>
+      <p:ext uri="{BB962C8B-B14F-4D97-AF65-F5344CB8AC3E}">
+        <p14:creationId xmlns:p14="http://schemas.microsoft.com/office/powerpoint/2010/main" val="1845685511"/>
+      </p:ext>
+    </p:extLst>
+  </p:cSld>
+  <p:clrMapOvr>
+    <a:masterClrMapping/>
+  </p:clrMapOvr>
+</p:sld>
+</file>
+
+<file path=ppt/slides/slide21.xml><?xml version="1.0" encoding="utf-8"?>
+<p:sld xmlns:a="http://schemas.openxmlformats.org/drawingml/2006/main" xmlns:r="http://schemas.openxmlformats.org/officeDocument/2006/relationships" xmlns:p="http://schemas.openxmlformats.org/presentationml/2006/main">
+  <p:cSld>
+    <p:spTree>
+      <p:nvGrpSpPr>
+        <p:cNvPr id="1" name=""/>
+        <p:cNvGrpSpPr/>
+        <p:nvPr/>
+      </p:nvGrpSpPr>
+      <p:grpSpPr>
+        <a:xfrm>
+          <a:off x="0" y="0"/>
+          <a:ext cx="0" cy="0"/>
+          <a:chOff x="0" y="0"/>
+          <a:chExt cx="0" cy="0"/>
+        </a:xfrm>
+      </p:grpSpPr>
+      <p:sp>
+        <p:nvSpPr>
+          <p:cNvPr id="2" name="Titel 1">
+            <a:extLst>
+              <a:ext uri="{FF2B5EF4-FFF2-40B4-BE49-F238E27FC236}">
+                <a16:creationId xmlns:a16="http://schemas.microsoft.com/office/drawing/2014/main" id="{762D4181-A115-7F22-1952-0A114A6892A1}"/>
+              </a:ext>
+            </a:extLst>
+          </p:cNvPr>
+          <p:cNvSpPr>
+            <a:spLocks noGrp="1"/>
+          </p:cNvSpPr>
+          <p:nvPr>
+            <p:ph type="title"/>
+          </p:nvPr>
+        </p:nvSpPr>
+        <p:spPr>
+          <a:xfrm>
+            <a:off x="973123" y="685800"/>
+            <a:ext cx="9580578" cy="1371600"/>
+          </a:xfrm>
+        </p:spPr>
+        <p:txBody>
+          <a:bodyPr/>
+          <a:lstStyle/>
+          <a:p>
+            <a:r>
+              <a:rPr lang="de-AT" dirty="0"/>
+              <a:t>Übung zur Wiederholung „The Dice Game“</a:t>
+            </a:r>
+          </a:p>
+        </p:txBody>
+      </p:sp>
+      <p:sp>
+        <p:nvSpPr>
+          <p:cNvPr id="3" name="Inhaltsplatzhalter 2">
+            <a:extLst>
+              <a:ext uri="{FF2B5EF4-FFF2-40B4-BE49-F238E27FC236}">
+                <a16:creationId xmlns:a16="http://schemas.microsoft.com/office/drawing/2014/main" id="{B88CA1EC-F8D8-8168-D2C6-53A3BB562FD5}"/>
+              </a:ext>
+            </a:extLst>
+          </p:cNvPr>
+          <p:cNvSpPr>
+            <a:spLocks noGrp="1"/>
+          </p:cNvSpPr>
+          <p:nvPr>
+            <p:ph idx="1"/>
+          </p:nvPr>
+        </p:nvSpPr>
+        <p:spPr>
+          <a:xfrm>
+            <a:off x="832104" y="2057400"/>
+            <a:ext cx="6574536" cy="4137259"/>
+          </a:xfrm>
+        </p:spPr>
+        <p:txBody>
+          <a:bodyPr>
+            <a:normAutofit fontScale="92500" lnSpcReduction="10000"/>
+          </a:bodyPr>
+          <a:lstStyle/>
+          <a:p>
+            <a:r>
+              <a:rPr lang="de-AT" dirty="0"/>
+              <a:t>Wir haben bereits einmal das „Dice Game“ programmiert</a:t>
+            </a:r>
+          </a:p>
+          <a:p>
+            <a:r>
+              <a:rPr lang="de-AT" dirty="0"/>
+              <a:t>Das Programm soll je nachdem wer die höhere Zahl gewürfelt hat den Sieger ernennen. </a:t>
+            </a:r>
+          </a:p>
+          <a:p>
+            <a:r>
+              <a:rPr lang="de-AT" dirty="0"/>
+              <a:t>Wenn die Seite neu geladen wird, werden erneut 2 Würfel gewürfelt</a:t>
+            </a:r>
+          </a:p>
+          <a:p>
+            <a:r>
+              <a:rPr lang="de-AT" dirty="0"/>
+              <a:t>Innerhalb der </a:t>
+            </a:r>
+            <a:r>
+              <a:rPr lang="de-AT" dirty="0" err="1"/>
+              <a:t>DiceGame</a:t>
+            </a:r>
+            <a:r>
+              <a:rPr lang="de-AT" dirty="0"/>
+              <a:t> Komponente sollen die Zufallszahlen der Würfel bestimmt werden und über </a:t>
+            </a:r>
+            <a:r>
+              <a:rPr lang="de-AT" dirty="0" err="1"/>
+              <a:t>props</a:t>
+            </a:r>
+            <a:r>
+              <a:rPr lang="de-AT" dirty="0"/>
+              <a:t> an die Dice Komponente übergeben werden</a:t>
+            </a:r>
+          </a:p>
+          <a:p>
+            <a:r>
+              <a:rPr lang="de-AT" dirty="0"/>
+              <a:t>Innerhalb der </a:t>
+            </a:r>
+            <a:r>
+              <a:rPr lang="de-AT" dirty="0" err="1"/>
+              <a:t>DiceGame</a:t>
+            </a:r>
+            <a:r>
+              <a:rPr lang="de-AT" dirty="0"/>
+              <a:t> Komponente soll der Gewinner des Spiels bestimmt werden und über </a:t>
+            </a:r>
+            <a:r>
+              <a:rPr lang="de-AT" dirty="0" err="1"/>
+              <a:t>props</a:t>
+            </a:r>
+            <a:r>
+              <a:rPr lang="de-AT" dirty="0"/>
+              <a:t> an die Header Komponente übergeben werden</a:t>
+            </a:r>
+          </a:p>
+          <a:p>
+            <a:r>
+              <a:rPr lang="de-AT" dirty="0"/>
+              <a:t>Die Komponenten sollten folgender Baumstruktur entsprechen</a:t>
+            </a:r>
+          </a:p>
+        </p:txBody>
+      </p:sp>
+      <p:pic>
+        <p:nvPicPr>
+          <p:cNvPr id="4" name="Grafik 3">
+            <a:extLst>
+              <a:ext uri="{FF2B5EF4-FFF2-40B4-BE49-F238E27FC236}">
+                <a16:creationId xmlns:a16="http://schemas.microsoft.com/office/drawing/2014/main" id="{1ECC4204-021A-3751-E721-4342A75F3C00}"/>
+              </a:ext>
+            </a:extLst>
+          </p:cNvPr>
+          <p:cNvPicPr>
+            <a:picLocks noChangeAspect="1"/>
+          </p:cNvPicPr>
+          <p:nvPr/>
+        </p:nvPicPr>
+        <p:blipFill>
+          <a:blip r:embed="rId2"/>
+          <a:stretch>
+            <a:fillRect/>
+          </a:stretch>
+        </p:blipFill>
+        <p:spPr>
+          <a:xfrm>
+            <a:off x="7935984" y="2057400"/>
+            <a:ext cx="3971799" cy="2210339"/>
+          </a:xfrm>
+          <a:prstGeom prst="rect">
+            <a:avLst/>
+          </a:prstGeom>
+        </p:spPr>
+      </p:pic>
+      <p:pic>
+        <p:nvPicPr>
+          <p:cNvPr id="8" name="Grafik 7">
+            <a:extLst>
+              <a:ext uri="{FF2B5EF4-FFF2-40B4-BE49-F238E27FC236}">
+                <a16:creationId xmlns:a16="http://schemas.microsoft.com/office/drawing/2014/main" id="{9321F513-7EFB-78D8-976F-C27C0F903814}"/>
+              </a:ext>
+            </a:extLst>
+          </p:cNvPr>
+          <p:cNvPicPr>
+            <a:picLocks noChangeAspect="1"/>
+          </p:cNvPicPr>
+          <p:nvPr/>
+        </p:nvPicPr>
+        <p:blipFill>
+          <a:blip r:embed="rId3"/>
+          <a:stretch>
+            <a:fillRect/>
+          </a:stretch>
+        </p:blipFill>
+        <p:spPr>
+          <a:xfrm>
+            <a:off x="8142837" y="4642618"/>
+            <a:ext cx="1930157" cy="1291837"/>
+          </a:xfrm>
+          <a:prstGeom prst="rect">
+            <a:avLst/>
+          </a:prstGeom>
+        </p:spPr>
+      </p:pic>
+    </p:spTree>
+    <p:extLst>
+      <p:ext uri="{BB962C8B-B14F-4D97-AF65-F5344CB8AC3E}">
+        <p14:creationId xmlns:p14="http://schemas.microsoft.com/office/powerpoint/2010/main" val="332588654"/>
+      </p:ext>
+    </p:extLst>
+  </p:cSld>
+  <p:clrMapOvr>
+    <a:masterClrMapping/>
+  </p:clrMapOvr>
+</p:sld>
+</file>
+
+<file path=ppt/slides/slide22.xml><?xml version="1.0" encoding="utf-8"?>
+<p:sld xmlns:a="http://schemas.openxmlformats.org/drawingml/2006/main" xmlns:r="http://schemas.openxmlformats.org/officeDocument/2006/relationships" xmlns:p="http://schemas.openxmlformats.org/presentationml/2006/main">
+  <p:cSld>
+    <p:spTree>
+      <p:nvGrpSpPr>
+        <p:cNvPr id="1" name=""/>
+        <p:cNvGrpSpPr/>
+        <p:nvPr/>
+      </p:nvGrpSpPr>
+      <p:grpSpPr>
+        <a:xfrm>
+          <a:off x="0" y="0"/>
+          <a:ext cx="0" cy="0"/>
+          <a:chOff x="0" y="0"/>
+          <a:chExt cx="0" cy="0"/>
+        </a:xfrm>
+      </p:grpSpPr>
+      <p:sp>
+        <p:nvSpPr>
+          <p:cNvPr id="2" name="Titel 1">
+            <a:extLst>
+              <a:ext uri="{FF2B5EF4-FFF2-40B4-BE49-F238E27FC236}">
+                <a16:creationId xmlns:a16="http://schemas.microsoft.com/office/drawing/2014/main" id="{7636D437-81CD-481F-2EAA-833B08647FFC}"/>
+              </a:ext>
+            </a:extLst>
+          </p:cNvPr>
+          <p:cNvSpPr>
+            <a:spLocks noGrp="1"/>
+          </p:cNvSpPr>
+          <p:nvPr>
+            <p:ph type="title"/>
+          </p:nvPr>
+        </p:nvSpPr>
+        <p:spPr>
+          <a:xfrm>
+            <a:off x="1235963" y="690773"/>
+            <a:ext cx="8915402" cy="1371600"/>
+          </a:xfrm>
+        </p:spPr>
+        <p:txBody>
+          <a:bodyPr/>
+          <a:lstStyle/>
+          <a:p>
+            <a:r>
+              <a:rPr lang="de-AT" dirty="0"/>
+              <a:t>Komponenten </a:t>
+            </a:r>
+            <a:r>
+              <a:rPr lang="de-AT" dirty="0" err="1"/>
+              <a:t>inneinander</a:t>
+            </a:r>
+            <a:r>
+              <a:rPr lang="de-AT" dirty="0"/>
+              <a:t> verschachteln</a:t>
+            </a:r>
+          </a:p>
+        </p:txBody>
+      </p:sp>
+      <p:sp>
+        <p:nvSpPr>
+          <p:cNvPr id="3" name="Inhaltsplatzhalter 2">
+            <a:extLst>
+              <a:ext uri="{FF2B5EF4-FFF2-40B4-BE49-F238E27FC236}">
+                <a16:creationId xmlns:a16="http://schemas.microsoft.com/office/drawing/2014/main" id="{8DCE66FE-51EB-BEB0-C7B5-68B1144E28A5}"/>
+              </a:ext>
+            </a:extLst>
+          </p:cNvPr>
+          <p:cNvSpPr>
+            <a:spLocks noGrp="1"/>
+          </p:cNvSpPr>
+          <p:nvPr>
+            <p:ph idx="1"/>
+          </p:nvPr>
+        </p:nvSpPr>
+        <p:spPr>
+          <a:xfrm>
+            <a:off x="901512" y="2057400"/>
+            <a:ext cx="7895016" cy="4137259"/>
+          </a:xfrm>
+        </p:spPr>
+        <p:txBody>
+          <a:bodyPr/>
+          <a:lstStyle/>
+          <a:p>
+            <a:r>
+              <a:rPr lang="de-AT" dirty="0"/>
+              <a:t>Es ist üblich, eingebaute Browser-Tags zu verschachteln.</a:t>
+            </a:r>
+          </a:p>
+          <a:p>
+            <a:r>
+              <a:rPr lang="de-AT" dirty="0"/>
+              <a:t>Häufig möchten wir unsere eigenen </a:t>
+            </a:r>
+            <a:r>
+              <a:rPr lang="de-AT" dirty="0" err="1"/>
+              <a:t>React</a:t>
+            </a:r>
+            <a:r>
+              <a:rPr lang="de-AT" dirty="0"/>
+              <a:t> Komponenten ineinander verschachteln.</a:t>
+            </a:r>
+          </a:p>
+          <a:p>
+            <a:r>
+              <a:rPr lang="de-AT" dirty="0"/>
+              <a:t>Wenn Inhalte innerhalb eines JSX-Tags verschachtelt werden, wird die übergeordnete Komponente diese Inhalte in einer </a:t>
+            </a:r>
+            <a:r>
+              <a:rPr lang="de-AT" dirty="0" err="1"/>
+              <a:t>Prop</a:t>
+            </a:r>
+            <a:r>
+              <a:rPr lang="de-AT" dirty="0"/>
+              <a:t> namens </a:t>
+            </a:r>
+            <a:r>
+              <a:rPr lang="de-AT" dirty="0" err="1"/>
+              <a:t>children</a:t>
+            </a:r>
+            <a:r>
+              <a:rPr lang="de-AT" dirty="0"/>
+              <a:t> erhalten.</a:t>
+            </a:r>
+          </a:p>
+          <a:p>
+            <a:r>
+              <a:rPr lang="de-AT" dirty="0"/>
+              <a:t>Die </a:t>
+            </a:r>
+            <a:r>
+              <a:rPr lang="de-AT" dirty="0" err="1"/>
+              <a:t>children-Prop</a:t>
+            </a:r>
+            <a:r>
+              <a:rPr lang="de-AT" dirty="0"/>
+              <a:t> ermöglicht es der übergeordneten Komponente, den Inhalt innerhalb des Tags zu rendern oder auf ihn zuzugreifen.</a:t>
+            </a:r>
+          </a:p>
+          <a:p>
+            <a:endParaRPr lang="de-AT" dirty="0"/>
+          </a:p>
+        </p:txBody>
+      </p:sp>
+      <p:pic>
+        <p:nvPicPr>
+          <p:cNvPr id="9" name="Grafik 8">
+            <a:extLst>
+              <a:ext uri="{FF2B5EF4-FFF2-40B4-BE49-F238E27FC236}">
+                <a16:creationId xmlns:a16="http://schemas.microsoft.com/office/drawing/2014/main" id="{BA625556-CCFC-7D58-EAB8-E978E4F4BBCA}"/>
+              </a:ext>
+            </a:extLst>
+          </p:cNvPr>
+          <p:cNvPicPr>
+            <a:picLocks noChangeAspect="1"/>
+          </p:cNvPicPr>
+          <p:nvPr/>
+        </p:nvPicPr>
+        <p:blipFill>
+          <a:blip r:embed="rId2"/>
+          <a:stretch>
+            <a:fillRect/>
+          </a:stretch>
+        </p:blipFill>
+        <p:spPr>
+          <a:xfrm>
+            <a:off x="8979408" y="2011183"/>
+            <a:ext cx="2912793" cy="4398911"/>
+          </a:xfrm>
+          <a:prstGeom prst="rect">
+            <a:avLst/>
+          </a:prstGeom>
+        </p:spPr>
+      </p:pic>
+    </p:spTree>
+    <p:extLst>
+      <p:ext uri="{BB962C8B-B14F-4D97-AF65-F5344CB8AC3E}">
+        <p14:creationId xmlns:p14="http://schemas.microsoft.com/office/powerpoint/2010/main" val="2822789570"/>
+      </p:ext>
+    </p:extLst>
+  </p:cSld>
+  <p:clrMapOvr>
+    <a:masterClrMapping/>
+  </p:clrMapOvr>
+</p:sld>
+</file>
+
+<file path=ppt/slides/slide23.xml><?xml version="1.0" encoding="utf-8"?>
+<p:sld xmlns:a="http://schemas.openxmlformats.org/drawingml/2006/main" xmlns:r="http://schemas.openxmlformats.org/officeDocument/2006/relationships" xmlns:p="http://schemas.openxmlformats.org/presentationml/2006/main">
+  <p:cSld>
+    <p:spTree>
+      <p:nvGrpSpPr>
+        <p:cNvPr id="1" name=""/>
+        <p:cNvGrpSpPr/>
+        <p:nvPr/>
+      </p:nvGrpSpPr>
+      <p:grpSpPr>
+        <a:xfrm>
+          <a:off x="0" y="0"/>
+          <a:ext cx="0" cy="0"/>
+          <a:chOff x="0" y="0"/>
+          <a:chExt cx="0" cy="0"/>
+        </a:xfrm>
+      </p:grpSpPr>
+      <p:sp>
+        <p:nvSpPr>
+          <p:cNvPr id="2" name="Titel 1">
+            <a:extLst>
+              <a:ext uri="{FF2B5EF4-FFF2-40B4-BE49-F238E27FC236}">
+                <a16:creationId xmlns:a16="http://schemas.microsoft.com/office/drawing/2014/main" id="{2FDA5B5A-66E6-7523-587A-62572C1F1FCB}"/>
+              </a:ext>
+            </a:extLst>
+          </p:cNvPr>
+          <p:cNvSpPr>
+            <a:spLocks noGrp="1"/>
+          </p:cNvSpPr>
+          <p:nvPr>
+            <p:ph type="title"/>
+          </p:nvPr>
+        </p:nvSpPr>
+        <p:spPr/>
+        <p:txBody>
+          <a:bodyPr/>
+          <a:lstStyle/>
+          <a:p>
+            <a:r>
+              <a:rPr lang="de-AT" dirty="0" err="1"/>
+              <a:t>Conditional</a:t>
+            </a:r>
+            <a:r>
+              <a:rPr lang="de-AT" dirty="0"/>
+              <a:t> Rendering</a:t>
+            </a:r>
+          </a:p>
+        </p:txBody>
+      </p:sp>
+      <p:sp>
+        <p:nvSpPr>
+          <p:cNvPr id="3" name="Inhaltsplatzhalter 2">
+            <a:extLst>
+              <a:ext uri="{FF2B5EF4-FFF2-40B4-BE49-F238E27FC236}">
+                <a16:creationId xmlns:a16="http://schemas.microsoft.com/office/drawing/2014/main" id="{CDCD0E65-C0E1-9349-0C7F-C951FDE675B1}"/>
+              </a:ext>
+            </a:extLst>
+          </p:cNvPr>
+          <p:cNvSpPr>
+            <a:spLocks noGrp="1"/>
+          </p:cNvSpPr>
+          <p:nvPr>
+            <p:ph idx="1"/>
+          </p:nvPr>
+        </p:nvSpPr>
+        <p:spPr>
+          <a:xfrm>
+            <a:off x="521208" y="2057400"/>
+            <a:ext cx="7708392" cy="4137259"/>
+          </a:xfrm>
+        </p:spPr>
+        <p:txBody>
+          <a:bodyPr/>
+          <a:lstStyle/>
+          <a:p>
+            <a:r>
+              <a:rPr lang="de-AT" dirty="0"/>
+              <a:t>In </a:t>
+            </a:r>
+            <a:r>
+              <a:rPr lang="de-AT" dirty="0" err="1"/>
+              <a:t>React</a:t>
+            </a:r>
+            <a:r>
+              <a:rPr lang="de-AT" dirty="0"/>
+              <a:t> können wir JSX bedingt rendern, indem wir:</a:t>
+            </a:r>
+          </a:p>
+          <a:p>
+            <a:r>
+              <a:rPr lang="de-AT" dirty="0"/>
+              <a:t>Innerhalb von JavaScript (außerhalb vom </a:t>
+            </a:r>
+            <a:r>
+              <a:rPr lang="de-AT" dirty="0" err="1"/>
+              <a:t>return</a:t>
+            </a:r>
+            <a:r>
+              <a:rPr lang="de-AT" dirty="0"/>
+              <a:t> Statement) :</a:t>
+            </a:r>
+          </a:p>
+          <a:p>
+            <a:pPr lvl="1"/>
+            <a:r>
+              <a:rPr lang="de-AT" dirty="0"/>
+              <a:t> JavaScript-Syntax wie </a:t>
+            </a:r>
+            <a:r>
+              <a:rPr lang="de-AT" dirty="0" err="1"/>
+              <a:t>if</a:t>
+            </a:r>
+            <a:r>
+              <a:rPr lang="de-AT" dirty="0"/>
+              <a:t>-Anweisungen</a:t>
+            </a:r>
+          </a:p>
+          <a:p>
+            <a:pPr lvl="1"/>
+            <a:r>
+              <a:rPr lang="de-AT" dirty="0"/>
+              <a:t>Ternäre Operatoren (&amp;&amp; und ? :) verwenden</a:t>
+            </a:r>
+          </a:p>
+          <a:p>
+            <a:r>
+              <a:rPr lang="de-AT" dirty="0"/>
+              <a:t>Innerhalb vom JSX Code:</a:t>
+            </a:r>
+          </a:p>
+          <a:p>
+            <a:pPr lvl="1"/>
+            <a:r>
+              <a:rPr lang="de-AT" dirty="0"/>
+              <a:t>Ternäre Operatoren (&amp;&amp; und ? :)</a:t>
+            </a:r>
+          </a:p>
+          <a:p>
+            <a:pPr lvl="1"/>
+            <a:r>
+              <a:rPr lang="de-AT" dirty="0" err="1"/>
+              <a:t>If</a:t>
+            </a:r>
+            <a:r>
+              <a:rPr lang="de-AT" dirty="0"/>
+              <a:t>-Anweisungen können </a:t>
+            </a:r>
+            <a:r>
+              <a:rPr lang="de-AT" b="1" dirty="0"/>
+              <a:t>nicht</a:t>
+            </a:r>
+            <a:r>
+              <a:rPr lang="de-AT" dirty="0"/>
+              <a:t> innerhalb von JSX Code verwendet werden</a:t>
+            </a:r>
+          </a:p>
+          <a:p>
+            <a:pPr marL="0" indent="0">
+              <a:buNone/>
+            </a:pPr>
+            <a:endParaRPr lang="de-AT" dirty="0"/>
+          </a:p>
+          <a:p>
+            <a:endParaRPr lang="de-AT" dirty="0"/>
+          </a:p>
+          <a:p>
+            <a:endParaRPr lang="de-AT" dirty="0"/>
+          </a:p>
+        </p:txBody>
+      </p:sp>
+      <p:pic>
+        <p:nvPicPr>
+          <p:cNvPr id="5" name="Grafik 4">
+            <a:extLst>
+              <a:ext uri="{FF2B5EF4-FFF2-40B4-BE49-F238E27FC236}">
+                <a16:creationId xmlns:a16="http://schemas.microsoft.com/office/drawing/2014/main" id="{3D46DE6B-FE2E-28B4-04F3-C364F892B4ED}"/>
+              </a:ext>
+            </a:extLst>
+          </p:cNvPr>
+          <p:cNvPicPr>
+            <a:picLocks noChangeAspect="1"/>
+          </p:cNvPicPr>
+          <p:nvPr/>
+        </p:nvPicPr>
+        <p:blipFill>
+          <a:blip r:embed="rId2"/>
+          <a:stretch>
+            <a:fillRect/>
+          </a:stretch>
+        </p:blipFill>
+        <p:spPr>
+          <a:xfrm>
+            <a:off x="8462149" y="1109954"/>
+            <a:ext cx="3505689" cy="847843"/>
+          </a:xfrm>
+          <a:prstGeom prst="rect">
+            <a:avLst/>
+          </a:prstGeom>
+        </p:spPr>
+      </p:pic>
+      <p:pic>
+        <p:nvPicPr>
+          <p:cNvPr id="7" name="Grafik 6">
+            <a:extLst>
+              <a:ext uri="{FF2B5EF4-FFF2-40B4-BE49-F238E27FC236}">
+                <a16:creationId xmlns:a16="http://schemas.microsoft.com/office/drawing/2014/main" id="{54B519E0-71F7-463F-F921-D769DE64D574}"/>
+              </a:ext>
+            </a:extLst>
+          </p:cNvPr>
+          <p:cNvPicPr>
+            <a:picLocks noChangeAspect="1"/>
+          </p:cNvPicPr>
+          <p:nvPr/>
+        </p:nvPicPr>
+        <p:blipFill>
+          <a:blip r:embed="rId3"/>
+          <a:stretch>
+            <a:fillRect/>
+          </a:stretch>
+        </p:blipFill>
+        <p:spPr>
+          <a:xfrm>
+            <a:off x="8462149" y="3610076"/>
+            <a:ext cx="3208643" cy="1132463"/>
+          </a:xfrm>
+          <a:prstGeom prst="rect">
+            <a:avLst/>
+          </a:prstGeom>
+        </p:spPr>
+      </p:pic>
+      <p:sp>
+        <p:nvSpPr>
+          <p:cNvPr id="8" name="Textfeld 7">
+            <a:extLst>
+              <a:ext uri="{FF2B5EF4-FFF2-40B4-BE49-F238E27FC236}">
+                <a16:creationId xmlns:a16="http://schemas.microsoft.com/office/drawing/2014/main" id="{04354A35-EB4F-9590-CC52-FFA093967A46}"/>
+              </a:ext>
+            </a:extLst>
+          </p:cNvPr>
+          <p:cNvSpPr txBox="1"/>
+          <p:nvPr/>
+        </p:nvSpPr>
+        <p:spPr>
+          <a:xfrm>
+            <a:off x="771787" y="5416860"/>
+            <a:ext cx="10489107" cy="923330"/>
+          </a:xfrm>
+          <a:prstGeom prst="rect">
+            <a:avLst/>
+          </a:prstGeom>
+        </p:spPr>
+        <p:style>
+          <a:lnRef idx="0">
+            <a:schemeClr val="accent6"/>
+          </a:lnRef>
+          <a:fillRef idx="3">
+            <a:schemeClr val="accent6"/>
+          </a:fillRef>
+          <a:effectRef idx="3">
+            <a:schemeClr val="accent6"/>
+          </a:effectRef>
+          <a:fontRef idx="minor">
+            <a:schemeClr val="lt1"/>
+          </a:fontRef>
+        </p:style>
+        <p:txBody>
+          <a:bodyPr wrap="square" rtlCol="0">
+            <a:spAutoFit/>
+          </a:bodyPr>
+          <a:lstStyle/>
+          <a:p>
+            <a:r>
+              <a:rPr lang="de-AT" dirty="0"/>
+              <a:t>Ternäre Operatoren in Beispielen:</a:t>
+            </a:r>
+          </a:p>
+          <a:p>
+            <a:r>
+              <a:rPr lang="de-AT" dirty="0"/>
+              <a:t>&amp;&amp;:  Wenn Bedingung erfüllt ist, (&amp;&amp;) dann rendere </a:t>
+            </a:r>
+            <a:r>
+              <a:rPr lang="de-AT" dirty="0" err="1"/>
+              <a:t>name</a:t>
+            </a:r>
+            <a:r>
+              <a:rPr lang="de-AT" dirty="0"/>
+              <a:t> + „ ✅“. Sonst rendere nichts (null)</a:t>
+            </a:r>
+          </a:p>
+          <a:p>
+            <a:r>
+              <a:rPr lang="de-AT" dirty="0"/>
+              <a:t>?:      Wenn Bedingung erfüllt ist, (?) dann rendere </a:t>
+            </a:r>
+            <a:r>
+              <a:rPr lang="de-AT" dirty="0" err="1"/>
+              <a:t>name</a:t>
+            </a:r>
+            <a:r>
+              <a:rPr lang="de-AT" dirty="0"/>
+              <a:t> + „ ✅“. (</a:t>
+            </a:r>
+            <a:r>
+              <a:rPr lang="de-AT" dirty="0">
+                <a:sym typeface="Wingdings" panose="05000000000000000000" pitchFamily="2" charset="2"/>
+              </a:rPr>
+              <a:t>:) s</a:t>
+            </a:r>
+            <a:r>
+              <a:rPr lang="de-AT" dirty="0"/>
+              <a:t>onst rendere </a:t>
+            </a:r>
+            <a:r>
+              <a:rPr lang="de-AT" dirty="0" err="1"/>
+              <a:t>name</a:t>
+            </a:r>
+            <a:endParaRPr lang="de-AT" dirty="0"/>
+          </a:p>
+        </p:txBody>
+      </p:sp>
+      <p:pic>
+        <p:nvPicPr>
+          <p:cNvPr id="10" name="Grafik 9">
+            <a:extLst>
+              <a:ext uri="{FF2B5EF4-FFF2-40B4-BE49-F238E27FC236}">
+                <a16:creationId xmlns:a16="http://schemas.microsoft.com/office/drawing/2014/main" id="{6B8483A6-7A26-3A6E-E9F5-90CA12375BF8}"/>
+              </a:ext>
+            </a:extLst>
+          </p:cNvPr>
+          <p:cNvPicPr>
+            <a:picLocks noChangeAspect="1"/>
+          </p:cNvPicPr>
+          <p:nvPr/>
+        </p:nvPicPr>
+        <p:blipFill>
+          <a:blip r:embed="rId4"/>
+          <a:stretch>
+            <a:fillRect/>
+          </a:stretch>
+        </p:blipFill>
+        <p:spPr>
+          <a:xfrm>
+            <a:off x="8462149" y="2318567"/>
+            <a:ext cx="2798745" cy="1219371"/>
+          </a:xfrm>
+          <a:prstGeom prst="rect">
+            <a:avLst/>
+          </a:prstGeom>
+        </p:spPr>
+      </p:pic>
+      <p:sp>
+        <p:nvSpPr>
+          <p:cNvPr id="11" name="Textfeld 10">
+            <a:extLst>
+              <a:ext uri="{FF2B5EF4-FFF2-40B4-BE49-F238E27FC236}">
+                <a16:creationId xmlns:a16="http://schemas.microsoft.com/office/drawing/2014/main" id="{D4992D4B-89C8-61F8-D731-093695FF73CA}"/>
+              </a:ext>
+            </a:extLst>
+          </p:cNvPr>
+          <p:cNvSpPr txBox="1"/>
+          <p:nvPr/>
+        </p:nvSpPr>
+        <p:spPr>
+          <a:xfrm>
+            <a:off x="8462149" y="1957797"/>
+            <a:ext cx="3505689" cy="261610"/>
+          </a:xfrm>
+          <a:prstGeom prst="rect">
+            <a:avLst/>
+          </a:prstGeom>
+          <a:noFill/>
+        </p:spPr>
+        <p:txBody>
+          <a:bodyPr wrap="square" rtlCol="0">
+            <a:spAutoFit/>
+          </a:bodyPr>
+          <a:lstStyle/>
+          <a:p>
+            <a:r>
+              <a:rPr lang="de-AT" sz="1100" dirty="0" err="1"/>
+              <a:t>If</a:t>
+            </a:r>
+            <a:r>
+              <a:rPr lang="de-AT" sz="1100" dirty="0"/>
+              <a:t> Anweisungen</a:t>
+            </a:r>
+          </a:p>
+        </p:txBody>
+      </p:sp>
+      <p:sp>
+        <p:nvSpPr>
+          <p:cNvPr id="12" name="Textfeld 11">
+            <a:extLst>
+              <a:ext uri="{FF2B5EF4-FFF2-40B4-BE49-F238E27FC236}">
+                <a16:creationId xmlns:a16="http://schemas.microsoft.com/office/drawing/2014/main" id="{FAF590E8-6DA4-B878-7111-C1D367FEF3B5}"/>
+              </a:ext>
+            </a:extLst>
+          </p:cNvPr>
+          <p:cNvSpPr txBox="1"/>
+          <p:nvPr/>
+        </p:nvSpPr>
+        <p:spPr>
+          <a:xfrm>
+            <a:off x="8462148" y="4822462"/>
+            <a:ext cx="3505689" cy="261610"/>
+          </a:xfrm>
+          <a:prstGeom prst="rect">
+            <a:avLst/>
+          </a:prstGeom>
+          <a:noFill/>
+        </p:spPr>
+        <p:txBody>
+          <a:bodyPr wrap="square" rtlCol="0">
+            <a:spAutoFit/>
+          </a:bodyPr>
+          <a:lstStyle/>
+          <a:p>
+            <a:r>
+              <a:rPr lang="de-AT" sz="1100" dirty="0"/>
+              <a:t>Ternäre Operatoren &amp;&amp; / ?:</a:t>
+            </a:r>
+          </a:p>
+        </p:txBody>
+      </p:sp>
+    </p:spTree>
+    <p:extLst>
+      <p:ext uri="{BB962C8B-B14F-4D97-AF65-F5344CB8AC3E}">
+        <p14:creationId xmlns:p14="http://schemas.microsoft.com/office/powerpoint/2010/main" val="1086709676"/>
+      </p:ext>
+    </p:extLst>
+  </p:cSld>
+  <p:clrMapOvr>
+    <a:masterClrMapping/>
+  </p:clrMapOvr>
+</p:sld>
+</file>
+
+<file path=ppt/slides/slide24.xml><?xml version="1.0" encoding="utf-8"?>
+<p:sld xmlns:a="http://schemas.openxmlformats.org/drawingml/2006/main" xmlns:r="http://schemas.openxmlformats.org/officeDocument/2006/relationships" xmlns:p="http://schemas.openxmlformats.org/presentationml/2006/main">
+  <p:cSld>
+    <p:spTree>
+      <p:nvGrpSpPr>
+        <p:cNvPr id="1" name=""/>
+        <p:cNvGrpSpPr/>
+        <p:nvPr/>
+      </p:nvGrpSpPr>
+      <p:grpSpPr>
+        <a:xfrm>
+          <a:off x="0" y="0"/>
+          <a:ext cx="0" cy="0"/>
+          <a:chOff x="0" y="0"/>
+          <a:chExt cx="0" cy="0"/>
+        </a:xfrm>
+      </p:grpSpPr>
+      <p:sp>
+        <p:nvSpPr>
+          <p:cNvPr id="2" name="Titel 1">
+            <a:extLst>
+              <a:ext uri="{FF2B5EF4-FFF2-40B4-BE49-F238E27FC236}">
+                <a16:creationId xmlns:a16="http://schemas.microsoft.com/office/drawing/2014/main" id="{0AD2EFB2-8559-6AD6-C495-6E0AD82208D1}"/>
+              </a:ext>
+            </a:extLst>
+          </p:cNvPr>
+          <p:cNvSpPr>
+            <a:spLocks noGrp="1"/>
+          </p:cNvSpPr>
+          <p:nvPr>
+            <p:ph type="title"/>
+          </p:nvPr>
+        </p:nvSpPr>
+        <p:spPr>
+          <a:xfrm>
+            <a:off x="1261872" y="685800"/>
+            <a:ext cx="9291829" cy="1371600"/>
+          </a:xfrm>
+        </p:spPr>
+        <p:txBody>
+          <a:bodyPr/>
+          <a:lstStyle/>
+          <a:p>
+            <a:r>
+              <a:rPr lang="de-AT" dirty="0"/>
+              <a:t>Rendering von Listen</a:t>
+            </a:r>
+          </a:p>
+        </p:txBody>
+      </p:sp>
+      <p:sp>
+        <p:nvSpPr>
+          <p:cNvPr id="3" name="Inhaltsplatzhalter 2">
+            <a:extLst>
+              <a:ext uri="{FF2B5EF4-FFF2-40B4-BE49-F238E27FC236}">
+                <a16:creationId xmlns:a16="http://schemas.microsoft.com/office/drawing/2014/main" id="{20FDC68F-0F2D-F3C2-182C-29F6F6613C04}"/>
+              </a:ext>
+            </a:extLst>
+          </p:cNvPr>
+          <p:cNvSpPr>
+            <a:spLocks noGrp="1"/>
+          </p:cNvSpPr>
+          <p:nvPr>
+            <p:ph idx="1"/>
+          </p:nvPr>
+        </p:nvSpPr>
+        <p:spPr>
+          <a:xfrm>
+            <a:off x="989902" y="2057400"/>
+            <a:ext cx="5721292" cy="4137259"/>
+          </a:xfrm>
+        </p:spPr>
+        <p:txBody>
+          <a:bodyPr/>
+          <a:lstStyle/>
+          <a:p>
+            <a:r>
+              <a:rPr lang="de-AT" dirty="0"/>
+              <a:t>Oft möchten wir die selbe Komponenten mit unterschiedlichen Daten, aus einem Array oder einem Objekt stammend, anzeigen.</a:t>
+            </a:r>
+          </a:p>
+          <a:p>
+            <a:r>
+              <a:rPr lang="de-AT" dirty="0"/>
+              <a:t>Dafür können wir die JavaScript-Methoden verwenden, um ein Array oder ein </a:t>
+            </a:r>
+            <a:r>
+              <a:rPr lang="de-AT" dirty="0" err="1"/>
+              <a:t>Object</a:t>
+            </a:r>
+            <a:r>
+              <a:rPr lang="de-AT" dirty="0"/>
+              <a:t> von Daten zu mappen</a:t>
+            </a:r>
+          </a:p>
+          <a:p>
+            <a:r>
+              <a:rPr lang="de-AT" dirty="0" err="1"/>
+              <a:t>map</a:t>
+            </a:r>
+            <a:r>
+              <a:rPr lang="de-AT" dirty="0"/>
+              <a:t>() wird verwendet, um ein Datenarray in ein Array von Komponenten zu transformieren.</a:t>
+            </a:r>
+          </a:p>
+        </p:txBody>
+      </p:sp>
+      <p:pic>
+        <p:nvPicPr>
+          <p:cNvPr id="7" name="Grafik 6">
+            <a:extLst>
+              <a:ext uri="{FF2B5EF4-FFF2-40B4-BE49-F238E27FC236}">
+                <a16:creationId xmlns:a16="http://schemas.microsoft.com/office/drawing/2014/main" id="{02CFCF04-A05B-F77E-6628-9D0E75CCF4A0}"/>
+              </a:ext>
+            </a:extLst>
+          </p:cNvPr>
+          <p:cNvPicPr>
+            <a:picLocks noChangeAspect="1"/>
+          </p:cNvPicPr>
+          <p:nvPr/>
+        </p:nvPicPr>
+        <p:blipFill>
+          <a:blip r:embed="rId2"/>
+          <a:stretch>
+            <a:fillRect/>
+          </a:stretch>
+        </p:blipFill>
+        <p:spPr>
+          <a:xfrm>
+            <a:off x="7454723" y="2161808"/>
+            <a:ext cx="4228176" cy="2995408"/>
+          </a:xfrm>
+          <a:prstGeom prst="rect">
+            <a:avLst/>
+          </a:prstGeom>
+        </p:spPr>
+      </p:pic>
+    </p:spTree>
+    <p:extLst>
+      <p:ext uri="{BB962C8B-B14F-4D97-AF65-F5344CB8AC3E}">
+        <p14:creationId xmlns:p14="http://schemas.microsoft.com/office/powerpoint/2010/main" val="3632734776"/>
+      </p:ext>
+    </p:extLst>
+  </p:cSld>
+  <p:clrMapOvr>
+    <a:masterClrMapping/>
+  </p:clrMapOvr>
+</p:sld>
+</file>
+
+<file path=ppt/slides/slide25.xml><?xml version="1.0" encoding="utf-8"?>
+<p:sld xmlns:a="http://schemas.openxmlformats.org/drawingml/2006/main" xmlns:r="http://schemas.openxmlformats.org/officeDocument/2006/relationships" xmlns:p="http://schemas.openxmlformats.org/presentationml/2006/main">
+  <p:cSld>
+    <p:spTree>
+      <p:nvGrpSpPr>
+        <p:cNvPr id="1" name=""/>
+        <p:cNvGrpSpPr/>
+        <p:nvPr/>
+      </p:nvGrpSpPr>
+      <p:grpSpPr>
+        <a:xfrm>
+          <a:off x="0" y="0"/>
+          <a:ext cx="0" cy="0"/>
+          <a:chOff x="0" y="0"/>
+          <a:chExt cx="0" cy="0"/>
+        </a:xfrm>
+      </p:grpSpPr>
+      <p:sp>
+        <p:nvSpPr>
+          <p:cNvPr id="2" name="Titel 1">
+            <a:extLst>
+              <a:ext uri="{FF2B5EF4-FFF2-40B4-BE49-F238E27FC236}">
+                <a16:creationId xmlns:a16="http://schemas.microsoft.com/office/drawing/2014/main" id="{0AD2EFB2-8559-6AD6-C495-6E0AD82208D1}"/>
+              </a:ext>
+            </a:extLst>
+          </p:cNvPr>
+          <p:cNvSpPr>
+            <a:spLocks noGrp="1"/>
+          </p:cNvSpPr>
+          <p:nvPr>
+            <p:ph type="title"/>
+          </p:nvPr>
+        </p:nvSpPr>
+        <p:spPr>
+          <a:xfrm>
+            <a:off x="1261872" y="685800"/>
+            <a:ext cx="9291829" cy="1371600"/>
+          </a:xfrm>
+        </p:spPr>
+        <p:txBody>
+          <a:bodyPr/>
+          <a:lstStyle/>
+          <a:p>
+            <a:r>
+              <a:rPr lang="de-AT" dirty="0"/>
+              <a:t>Rendering von gefilterten Listen</a:t>
+            </a:r>
+          </a:p>
+        </p:txBody>
+      </p:sp>
+      <p:sp>
+        <p:nvSpPr>
+          <p:cNvPr id="3" name="Inhaltsplatzhalter 2">
+            <a:extLst>
+              <a:ext uri="{FF2B5EF4-FFF2-40B4-BE49-F238E27FC236}">
+                <a16:creationId xmlns:a16="http://schemas.microsoft.com/office/drawing/2014/main" id="{20FDC68F-0F2D-F3C2-182C-29F6F6613C04}"/>
+              </a:ext>
+            </a:extLst>
+          </p:cNvPr>
+          <p:cNvSpPr>
+            <a:spLocks noGrp="1"/>
+          </p:cNvSpPr>
+          <p:nvPr>
+            <p:ph idx="1"/>
+          </p:nvPr>
+        </p:nvSpPr>
+        <p:spPr>
+          <a:xfrm>
+            <a:off x="484632" y="2057400"/>
+            <a:ext cx="5611368" cy="4137259"/>
+          </a:xfrm>
+        </p:spPr>
+        <p:txBody>
+          <a:bodyPr>
+            <a:normAutofit/>
+          </a:bodyPr>
+          <a:lstStyle/>
+          <a:p>
+            <a:r>
+              <a:rPr lang="de-AT" dirty="0"/>
+              <a:t>Häufig kommt es vor das zunächst ein Array, bestehend aus Objekten, gefiltert werden muss bevor es auf ein JSX Element </a:t>
+            </a:r>
+            <a:r>
+              <a:rPr lang="de-AT" dirty="0" err="1"/>
+              <a:t>gemapped</a:t>
+            </a:r>
+            <a:r>
+              <a:rPr lang="de-AT" dirty="0"/>
+              <a:t> wird</a:t>
+            </a:r>
+          </a:p>
+          <a:p>
+            <a:r>
+              <a:rPr lang="de-AT" dirty="0"/>
+              <a:t>Um Arrays zu filtern wird die </a:t>
+            </a:r>
+            <a:r>
+              <a:rPr lang="de-AT" dirty="0" err="1"/>
+              <a:t>filter</a:t>
+            </a:r>
+            <a:r>
+              <a:rPr lang="de-AT" dirty="0"/>
+              <a:t> Methode verwendet</a:t>
+            </a:r>
+          </a:p>
+          <a:p>
+            <a:r>
+              <a:rPr lang="de-AT" dirty="0"/>
+              <a:t>Danach wird das gefilterte Array mit Hilfe von </a:t>
+            </a:r>
+            <a:r>
+              <a:rPr lang="de-AT" dirty="0" err="1"/>
+              <a:t>map</a:t>
+            </a:r>
+            <a:r>
+              <a:rPr lang="de-AT" dirty="0"/>
+              <a:t>() erneut auf JSX Elemente </a:t>
+            </a:r>
+            <a:r>
+              <a:rPr lang="de-AT" dirty="0" err="1"/>
+              <a:t>gemapped</a:t>
+            </a:r>
+            <a:r>
+              <a:rPr lang="de-AT" dirty="0"/>
+              <a:t> </a:t>
+            </a:r>
+          </a:p>
+          <a:p>
+            <a:r>
+              <a:rPr lang="de-AT" dirty="0"/>
+              <a:t>Achtung: Wird ein Array aus Objekten </a:t>
+            </a:r>
+            <a:r>
+              <a:rPr lang="de-AT" dirty="0" err="1"/>
+              <a:t>gemapped</a:t>
+            </a:r>
+            <a:r>
+              <a:rPr lang="de-AT" dirty="0"/>
+              <a:t>, müssen natürlich die Properties des Objekts angesprochen werden und nicht das gesamte Objekt</a:t>
+            </a:r>
+          </a:p>
+        </p:txBody>
+      </p:sp>
+      <p:pic>
+        <p:nvPicPr>
+          <p:cNvPr id="12" name="Grafik 11">
+            <a:extLst>
+              <a:ext uri="{FF2B5EF4-FFF2-40B4-BE49-F238E27FC236}">
+                <a16:creationId xmlns:a16="http://schemas.microsoft.com/office/drawing/2014/main" id="{B886E054-9CC5-4DBA-2DCA-61F5BCC28D43}"/>
+              </a:ext>
+            </a:extLst>
+          </p:cNvPr>
+          <p:cNvPicPr>
+            <a:picLocks noChangeAspect="1"/>
+          </p:cNvPicPr>
+          <p:nvPr/>
+        </p:nvPicPr>
+        <p:blipFill rotWithShape="1">
+          <a:blip r:embed="rId2"/>
+          <a:srcRect b="53733"/>
+          <a:stretch/>
+        </p:blipFill>
+        <p:spPr>
+          <a:xfrm>
+            <a:off x="6227064" y="1923217"/>
+            <a:ext cx="3469160" cy="3011565"/>
+          </a:xfrm>
+          <a:prstGeom prst="rect">
+            <a:avLst/>
+          </a:prstGeom>
+        </p:spPr>
+      </p:pic>
+      <p:pic>
+        <p:nvPicPr>
+          <p:cNvPr id="14" name="Grafik 13">
+            <a:extLst>
+              <a:ext uri="{FF2B5EF4-FFF2-40B4-BE49-F238E27FC236}">
+                <a16:creationId xmlns:a16="http://schemas.microsoft.com/office/drawing/2014/main" id="{9C8EC255-8509-007D-8C12-A11C6B4D7EB0}"/>
+              </a:ext>
+            </a:extLst>
+          </p:cNvPr>
+          <p:cNvPicPr>
+            <a:picLocks noChangeAspect="1"/>
+          </p:cNvPicPr>
+          <p:nvPr/>
+        </p:nvPicPr>
+        <p:blipFill rotWithShape="1">
+          <a:blip r:embed="rId2"/>
+          <a:srcRect t="46800"/>
+          <a:stretch/>
+        </p:blipFill>
+        <p:spPr>
+          <a:xfrm>
+            <a:off x="8769096" y="3158168"/>
+            <a:ext cx="3340132" cy="3334071"/>
+          </a:xfrm>
+          <a:prstGeom prst="rect">
+            <a:avLst/>
+          </a:prstGeom>
+        </p:spPr>
+      </p:pic>
+    </p:spTree>
+    <p:extLst>
+      <p:ext uri="{BB962C8B-B14F-4D97-AF65-F5344CB8AC3E}">
+        <p14:creationId xmlns:p14="http://schemas.microsoft.com/office/powerpoint/2010/main" val="1749713992"/>
+      </p:ext>
+    </p:extLst>
+  </p:cSld>
+  <p:clrMapOvr>
+    <a:masterClrMapping/>
+  </p:clrMapOvr>
+</p:sld>
+</file>
+
+<file path=ppt/slides/slide26.xml><?xml version="1.0" encoding="utf-8"?>
+<p:sld xmlns:a="http://schemas.openxmlformats.org/drawingml/2006/main" xmlns:r="http://schemas.openxmlformats.org/officeDocument/2006/relationships" xmlns:p="http://schemas.openxmlformats.org/presentationml/2006/main">
+  <p:cSld>
+    <p:spTree>
+      <p:nvGrpSpPr>
+        <p:cNvPr id="1" name=""/>
+        <p:cNvGrpSpPr/>
+        <p:nvPr/>
+      </p:nvGrpSpPr>
+      <p:grpSpPr>
+        <a:xfrm>
+          <a:off x="0" y="0"/>
+          <a:ext cx="0" cy="0"/>
+          <a:chOff x="0" y="0"/>
+          <a:chExt cx="0" cy="0"/>
+        </a:xfrm>
+      </p:grpSpPr>
+      <p:sp>
+        <p:nvSpPr>
+          <p:cNvPr id="2" name="Titel 1">
+            <a:extLst>
+              <a:ext uri="{FF2B5EF4-FFF2-40B4-BE49-F238E27FC236}">
+                <a16:creationId xmlns:a16="http://schemas.microsoft.com/office/drawing/2014/main" id="{4076C386-94BF-14DE-DBBF-C5E555E0B2A3}"/>
+              </a:ext>
+            </a:extLst>
+          </p:cNvPr>
+          <p:cNvSpPr>
+            <a:spLocks noGrp="1"/>
+          </p:cNvSpPr>
+          <p:nvPr>
+            <p:ph type="title"/>
+          </p:nvPr>
+        </p:nvSpPr>
+        <p:spPr/>
+        <p:txBody>
+          <a:bodyPr/>
+          <a:lstStyle/>
+          <a:p>
+            <a:r>
+              <a:rPr lang="de-AT" dirty="0"/>
+              <a:t>Keys für gemappte Elemente</a:t>
+            </a:r>
+          </a:p>
+        </p:txBody>
+      </p:sp>
+      <p:sp>
+        <p:nvSpPr>
+          <p:cNvPr id="3" name="Inhaltsplatzhalter 2">
+            <a:extLst>
+              <a:ext uri="{FF2B5EF4-FFF2-40B4-BE49-F238E27FC236}">
+                <a16:creationId xmlns:a16="http://schemas.microsoft.com/office/drawing/2014/main" id="{159BD63C-0A49-91F7-770B-DCAB4470B210}"/>
+              </a:ext>
+            </a:extLst>
+          </p:cNvPr>
+          <p:cNvSpPr>
+            <a:spLocks noGrp="1"/>
+          </p:cNvSpPr>
+          <p:nvPr>
+            <p:ph idx="1"/>
+          </p:nvPr>
+        </p:nvSpPr>
+        <p:spPr>
+          <a:xfrm>
+            <a:off x="805343" y="2057400"/>
+            <a:ext cx="7139031" cy="4137259"/>
+          </a:xfrm>
+        </p:spPr>
+        <p:txBody>
+          <a:bodyPr>
+            <a:normAutofit/>
+          </a:bodyPr>
+          <a:lstStyle/>
+          <a:p>
+            <a:r>
+              <a:rPr lang="de-AT" dirty="0"/>
+              <a:t>Jedes mit </a:t>
+            </a:r>
+            <a:r>
+              <a:rPr lang="de-AT" dirty="0" err="1"/>
+              <a:t>map</a:t>
+            </a:r>
+            <a:r>
+              <a:rPr lang="de-AT" dirty="0"/>
+              <a:t>() erstellte JSX Element benötigt einen eindeutigen Key</a:t>
+            </a:r>
+          </a:p>
+          <a:p>
+            <a:r>
+              <a:rPr lang="de-AT" dirty="0"/>
+              <a:t>Schlüssel sagen </a:t>
+            </a:r>
+            <a:r>
+              <a:rPr lang="de-AT" dirty="0" err="1"/>
+              <a:t>React</a:t>
+            </a:r>
+            <a:r>
+              <a:rPr lang="de-AT" dirty="0"/>
+              <a:t>, welchem Array-Element jede Komponente entspricht, damit es sie später zuordnen kann.</a:t>
+            </a:r>
+          </a:p>
+          <a:p>
+            <a:r>
+              <a:rPr lang="de-AT" dirty="0"/>
+              <a:t>Dies wird wichtig, wenn sich Array-Elemente bewegen können (z. B. durch Sortieren), eingefügt oder gelöscht werden.</a:t>
+            </a:r>
+          </a:p>
+          <a:p>
+            <a:r>
+              <a:rPr lang="de-AT" dirty="0"/>
+              <a:t>Schlüssel helfen </a:t>
+            </a:r>
+            <a:r>
+              <a:rPr lang="de-AT" dirty="0" err="1"/>
+              <a:t>React</a:t>
+            </a:r>
+            <a:r>
+              <a:rPr lang="de-AT" dirty="0"/>
+              <a:t> zu erkennen, was genau passiert ist, und die richtigen Aktualisierungen am DOM-Baum vorzunehmen.</a:t>
+            </a:r>
+          </a:p>
+          <a:p>
+            <a:r>
+              <a:rPr lang="de-AT" dirty="0"/>
+              <a:t>Anstatt Schlüssel dynamisch zu generieren, sollten Schlüssel aus den Objektdaten kommen</a:t>
+            </a:r>
+          </a:p>
+        </p:txBody>
+      </p:sp>
+      <p:pic>
+        <p:nvPicPr>
+          <p:cNvPr id="5" name="Grafik 4">
+            <a:extLst>
+              <a:ext uri="{FF2B5EF4-FFF2-40B4-BE49-F238E27FC236}">
+                <a16:creationId xmlns:a16="http://schemas.microsoft.com/office/drawing/2014/main" id="{C92A9035-1461-E25B-895B-E5F0DAEE5E0B}"/>
+              </a:ext>
+            </a:extLst>
+          </p:cNvPr>
+          <p:cNvPicPr>
+            <a:picLocks noChangeAspect="1"/>
+          </p:cNvPicPr>
+          <p:nvPr/>
+        </p:nvPicPr>
+        <p:blipFill>
+          <a:blip r:embed="rId2"/>
+          <a:stretch>
+            <a:fillRect/>
+          </a:stretch>
+        </p:blipFill>
+        <p:spPr>
+          <a:xfrm>
+            <a:off x="8164829" y="2194400"/>
+            <a:ext cx="3680458" cy="1371600"/>
+          </a:xfrm>
+          <a:prstGeom prst="rect">
+            <a:avLst/>
+          </a:prstGeom>
+        </p:spPr>
+      </p:pic>
+    </p:spTree>
+    <p:extLst>
+      <p:ext uri="{BB962C8B-B14F-4D97-AF65-F5344CB8AC3E}">
+        <p14:creationId xmlns:p14="http://schemas.microsoft.com/office/powerpoint/2010/main" val="3600795728"/>
+      </p:ext>
+    </p:extLst>
+  </p:cSld>
+  <p:clrMapOvr>
+    <a:masterClrMapping/>
+  </p:clrMapOvr>
+</p:sld>
+</file>
+
+<file path=ppt/slides/slide27.xml><?xml version="1.0" encoding="utf-8"?>
+<p:sld xmlns:a="http://schemas.openxmlformats.org/drawingml/2006/main" xmlns:r="http://schemas.openxmlformats.org/officeDocument/2006/relationships" xmlns:p="http://schemas.openxmlformats.org/presentationml/2006/main">
+  <p:cSld>
+    <p:spTree>
+      <p:nvGrpSpPr>
+        <p:cNvPr id="1" name=""/>
+        <p:cNvGrpSpPr/>
+        <p:nvPr/>
+      </p:nvGrpSpPr>
+      <p:grpSpPr>
+        <a:xfrm>
+          <a:off x="0" y="0"/>
+          <a:ext cx="0" cy="0"/>
+          <a:chOff x="0" y="0"/>
+          <a:chExt cx="0" cy="0"/>
+        </a:xfrm>
+      </p:grpSpPr>
+      <p:sp>
+        <p:nvSpPr>
+          <p:cNvPr id="2" name="Titel 1">
+            <a:extLst>
+              <a:ext uri="{FF2B5EF4-FFF2-40B4-BE49-F238E27FC236}">
+                <a16:creationId xmlns:a16="http://schemas.microsoft.com/office/drawing/2014/main" id="{99D8EA69-B85D-AB37-3A42-445F5F2E9BEE}"/>
+              </a:ext>
+            </a:extLst>
+          </p:cNvPr>
+          <p:cNvSpPr>
+            <a:spLocks noGrp="1"/>
+          </p:cNvSpPr>
+          <p:nvPr>
+            <p:ph type="title"/>
+          </p:nvPr>
+        </p:nvSpPr>
+        <p:spPr/>
+        <p:txBody>
+          <a:bodyPr/>
+          <a:lstStyle/>
+          <a:p>
+            <a:r>
+              <a:rPr lang="de-AT" dirty="0"/>
+              <a:t>UI Baumstruktur</a:t>
+            </a:r>
+          </a:p>
+        </p:txBody>
+      </p:sp>
+      <p:sp>
+        <p:nvSpPr>
+          <p:cNvPr id="3" name="Inhaltsplatzhalter 2">
+            <a:extLst>
+              <a:ext uri="{FF2B5EF4-FFF2-40B4-BE49-F238E27FC236}">
+                <a16:creationId xmlns:a16="http://schemas.microsoft.com/office/drawing/2014/main" id="{51EA365F-1731-5BF0-FE2D-0693F5E956DD}"/>
+              </a:ext>
+            </a:extLst>
+          </p:cNvPr>
+          <p:cNvSpPr>
+            <a:spLocks noGrp="1"/>
+          </p:cNvSpPr>
+          <p:nvPr>
+            <p:ph idx="1"/>
+          </p:nvPr>
+        </p:nvSpPr>
+        <p:spPr>
+          <a:xfrm>
+            <a:off x="721453" y="2057400"/>
+            <a:ext cx="6090827" cy="4137259"/>
+          </a:xfrm>
+        </p:spPr>
+        <p:txBody>
+          <a:bodyPr/>
+          <a:lstStyle/>
+          <a:p>
+            <a:r>
+              <a:rPr lang="de-AT" dirty="0" err="1"/>
+              <a:t>React</a:t>
+            </a:r>
+            <a:r>
+              <a:rPr lang="de-AT" dirty="0"/>
+              <a:t> verwendet Bäume, um die Beziehungen zwischen Komponenten und Modulen zu modellieren.</a:t>
+            </a:r>
+          </a:p>
+          <a:p>
+            <a:r>
+              <a:rPr lang="de-AT" dirty="0"/>
+              <a:t>Ein </a:t>
+            </a:r>
+            <a:r>
+              <a:rPr lang="de-AT" dirty="0" err="1"/>
+              <a:t>React-Renderbaum</a:t>
+            </a:r>
+            <a:r>
+              <a:rPr lang="de-AT" dirty="0"/>
+              <a:t> ist eine Darstellung der Eltern- und </a:t>
+            </a:r>
+            <a:r>
+              <a:rPr lang="de-AT" dirty="0" err="1"/>
+              <a:t>Kindbeziehung</a:t>
+            </a:r>
+            <a:r>
+              <a:rPr lang="de-AT" dirty="0"/>
+              <a:t> zwischen Komponenten.</a:t>
+            </a:r>
+          </a:p>
+          <a:p>
+            <a:r>
+              <a:rPr lang="de-AT" dirty="0"/>
+              <a:t>Der </a:t>
+            </a:r>
+            <a:r>
+              <a:rPr lang="de-AT" dirty="0" err="1"/>
+              <a:t>React-Renderbaum</a:t>
+            </a:r>
+            <a:r>
+              <a:rPr lang="de-AT" dirty="0"/>
+              <a:t> ermöglicht es </a:t>
+            </a:r>
+            <a:r>
+              <a:rPr lang="de-AT" dirty="0" err="1"/>
+              <a:t>React</a:t>
+            </a:r>
+            <a:r>
+              <a:rPr lang="de-AT" dirty="0"/>
+              <a:t>, die Hierarchie der Komponenten zu verfolgen und zu organisieren.</a:t>
+            </a:r>
+          </a:p>
+          <a:p>
+            <a:r>
+              <a:rPr lang="de-AT" dirty="0"/>
+              <a:t>Durch die Baumstruktur kann </a:t>
+            </a:r>
+            <a:r>
+              <a:rPr lang="de-AT" dirty="0" err="1"/>
+              <a:t>React</a:t>
+            </a:r>
+            <a:r>
+              <a:rPr lang="de-AT" dirty="0"/>
+              <a:t> effizient Updates durchführen und die Komponenten entsprechend ihrer Beziehungen rendern.</a:t>
+            </a:r>
+          </a:p>
+        </p:txBody>
+      </p:sp>
+      <p:pic>
+        <p:nvPicPr>
+          <p:cNvPr id="6" name="Grafik 5">
+            <a:extLst>
+              <a:ext uri="{FF2B5EF4-FFF2-40B4-BE49-F238E27FC236}">
+                <a16:creationId xmlns:a16="http://schemas.microsoft.com/office/drawing/2014/main" id="{50A298DD-B37F-5F62-6AE6-1AB7AB5051E6}"/>
+              </a:ext>
+            </a:extLst>
+          </p:cNvPr>
+          <p:cNvPicPr>
+            <a:picLocks noChangeAspect="1"/>
+          </p:cNvPicPr>
+          <p:nvPr/>
+        </p:nvPicPr>
+        <p:blipFill>
+          <a:blip r:embed="rId2"/>
+          <a:stretch>
+            <a:fillRect/>
+          </a:stretch>
+        </p:blipFill>
+        <p:spPr>
+          <a:xfrm>
+            <a:off x="6812280" y="2404140"/>
+            <a:ext cx="5048955" cy="2524477"/>
+          </a:xfrm>
+          <a:prstGeom prst="rect">
+            <a:avLst/>
+          </a:prstGeom>
+        </p:spPr>
+      </p:pic>
+    </p:spTree>
+    <p:extLst>
+      <p:ext uri="{BB962C8B-B14F-4D97-AF65-F5344CB8AC3E}">
+        <p14:creationId xmlns:p14="http://schemas.microsoft.com/office/powerpoint/2010/main" val="3541791408"/>
+      </p:ext>
+    </p:extLst>
+  </p:cSld>
+  <p:clrMapOvr>
+    <a:masterClrMapping/>
+  </p:clrMapOvr>
+</p:sld>
+</file>
+
+<file path=ppt/slides/slide28.xml><?xml version="1.0" encoding="utf-8"?>
+<p:sld xmlns:a="http://schemas.openxmlformats.org/drawingml/2006/main" xmlns:r="http://schemas.openxmlformats.org/officeDocument/2006/relationships" xmlns:p="http://schemas.openxmlformats.org/presentationml/2006/main">
+  <p:cSld>
+    <p:spTree>
+      <p:nvGrpSpPr>
+        <p:cNvPr id="1" name=""/>
+        <p:cNvGrpSpPr/>
+        <p:nvPr/>
+      </p:nvGrpSpPr>
+      <p:grpSpPr>
+        <a:xfrm>
+          <a:off x="0" y="0"/>
+          <a:ext cx="0" cy="0"/>
+          <a:chOff x="0" y="0"/>
+          <a:chExt cx="0" cy="0"/>
+        </a:xfrm>
+      </p:grpSpPr>
+      <p:sp>
+        <p:nvSpPr>
+          <p:cNvPr id="2" name="Titel 1">
+            <a:extLst>
+              <a:ext uri="{FF2B5EF4-FFF2-40B4-BE49-F238E27FC236}">
+                <a16:creationId xmlns:a16="http://schemas.microsoft.com/office/drawing/2014/main" id="{8F6AB82D-8E46-48BD-EBD3-7A7EEB3AC07E}"/>
+              </a:ext>
+            </a:extLst>
+          </p:cNvPr>
+          <p:cNvSpPr>
+            <a:spLocks noGrp="1"/>
+          </p:cNvSpPr>
+          <p:nvPr>
+            <p:ph type="title"/>
+          </p:nvPr>
+        </p:nvSpPr>
+        <p:spPr>
+          <a:xfrm>
+            <a:off x="1109793" y="685800"/>
+            <a:ext cx="8915402" cy="1371600"/>
+          </a:xfrm>
+        </p:spPr>
+        <p:txBody>
+          <a:bodyPr/>
+          <a:lstStyle/>
+          <a:p>
+            <a:r>
+              <a:rPr lang="de-AT" dirty="0" err="1"/>
+              <a:t>React</a:t>
+            </a:r>
+            <a:r>
+              <a:rPr lang="de-AT" dirty="0"/>
+              <a:t> Challenges</a:t>
+            </a:r>
+          </a:p>
+        </p:txBody>
+      </p:sp>
+      <p:sp>
+        <p:nvSpPr>
+          <p:cNvPr id="3" name="Inhaltsplatzhalter 2">
+            <a:extLst>
+              <a:ext uri="{FF2B5EF4-FFF2-40B4-BE49-F238E27FC236}">
+                <a16:creationId xmlns:a16="http://schemas.microsoft.com/office/drawing/2014/main" id="{D6662FD7-AA85-6154-D4D1-AE43EBD5B7CD}"/>
+              </a:ext>
+            </a:extLst>
+          </p:cNvPr>
+          <p:cNvSpPr>
+            <a:spLocks noGrp="1"/>
+          </p:cNvSpPr>
+          <p:nvPr>
+            <p:ph idx="1"/>
+          </p:nvPr>
+        </p:nvSpPr>
+        <p:spPr>
+          <a:xfrm>
+            <a:off x="755009" y="2057400"/>
+            <a:ext cx="7600426" cy="4137259"/>
+          </a:xfrm>
+        </p:spPr>
+        <p:txBody>
+          <a:bodyPr/>
+          <a:lstStyle/>
+          <a:p>
+            <a:r>
+              <a:rPr lang="de-AT" dirty="0"/>
+              <a:t>Challenges zu JSX Syntax</a:t>
+            </a:r>
+            <a:br>
+              <a:rPr lang="de-AT" dirty="0"/>
+            </a:br>
+            <a:r>
+              <a:rPr lang="de-AT" dirty="0">
+                <a:hlinkClick r:id="rId2"/>
+              </a:rPr>
+              <a:t>https://react.dev/learn/javascript-in-jsx-with-curly-braces#challenges</a:t>
+            </a:r>
+            <a:r>
+              <a:rPr lang="de-AT" dirty="0"/>
+              <a:t> </a:t>
+            </a:r>
+          </a:p>
+          <a:p>
+            <a:r>
+              <a:rPr lang="de-AT" dirty="0"/>
+              <a:t>Challenges zu Properties (</a:t>
+            </a:r>
+            <a:r>
+              <a:rPr lang="de-AT" dirty="0" err="1"/>
+              <a:t>props</a:t>
+            </a:r>
+            <a:r>
+              <a:rPr lang="de-AT" dirty="0"/>
+              <a:t>)</a:t>
+            </a:r>
+            <a:br>
+              <a:rPr lang="de-AT" dirty="0"/>
+            </a:br>
+            <a:r>
+              <a:rPr lang="de-AT" dirty="0">
+                <a:hlinkClick r:id="rId3"/>
+              </a:rPr>
+              <a:t>https://react.dev/learn/passing-props-to-a-component#challenges</a:t>
+            </a:r>
+            <a:r>
+              <a:rPr lang="de-AT" dirty="0"/>
+              <a:t> </a:t>
+            </a:r>
+          </a:p>
+          <a:p>
+            <a:r>
+              <a:rPr lang="de-AT" dirty="0"/>
+              <a:t>Challenge zu </a:t>
+            </a:r>
+            <a:r>
+              <a:rPr lang="de-AT" dirty="0" err="1"/>
+              <a:t>Conditional</a:t>
+            </a:r>
+            <a:r>
+              <a:rPr lang="de-AT" dirty="0"/>
+              <a:t> Rendering (3 optional)</a:t>
+            </a:r>
+            <a:br>
+              <a:rPr lang="de-AT" dirty="0"/>
+            </a:br>
+            <a:r>
+              <a:rPr lang="de-AT" dirty="0">
+                <a:hlinkClick r:id="rId4"/>
+              </a:rPr>
+              <a:t>https://react.dev/learn/conditional-rendering#challenges</a:t>
+            </a:r>
+            <a:endParaRPr lang="de-AT" dirty="0"/>
+          </a:p>
+          <a:p>
+            <a:r>
+              <a:rPr lang="de-AT" dirty="0"/>
+              <a:t>Challenge zu List Rendering (3 &amp; 4 optional)</a:t>
+            </a:r>
+            <a:br>
+              <a:rPr lang="de-AT" dirty="0"/>
+            </a:br>
+            <a:r>
+              <a:rPr lang="de-AT" dirty="0">
+                <a:hlinkClick r:id="rId5"/>
+              </a:rPr>
+              <a:t>https://react.dev/learn/rendering-lists#challenges</a:t>
+            </a:r>
+            <a:r>
+              <a:rPr lang="de-AT" dirty="0"/>
+              <a:t>  </a:t>
+            </a:r>
+          </a:p>
+          <a:p>
+            <a:endParaRPr lang="de-AT" dirty="0"/>
+          </a:p>
+        </p:txBody>
+      </p:sp>
+      <p:pic>
+        <p:nvPicPr>
+          <p:cNvPr id="5" name="Grafik 4">
+            <a:extLst>
+              <a:ext uri="{FF2B5EF4-FFF2-40B4-BE49-F238E27FC236}">
+                <a16:creationId xmlns:a16="http://schemas.microsoft.com/office/drawing/2014/main" id="{4504B9CC-7E2E-71AC-A876-E44E91290897}"/>
+              </a:ext>
+            </a:extLst>
+          </p:cNvPr>
+          <p:cNvPicPr>
+            <a:picLocks noChangeAspect="1"/>
+          </p:cNvPicPr>
+          <p:nvPr/>
+        </p:nvPicPr>
+        <p:blipFill>
+          <a:blip r:embed="rId6"/>
+          <a:stretch>
+            <a:fillRect/>
+          </a:stretch>
+        </p:blipFill>
+        <p:spPr>
+          <a:xfrm>
+            <a:off x="8514825" y="2390927"/>
+            <a:ext cx="3414393" cy="2276262"/>
+          </a:xfrm>
+          <a:prstGeom prst="rect">
+            <a:avLst/>
+          </a:prstGeom>
+        </p:spPr>
+      </p:pic>
+    </p:spTree>
+    <p:extLst>
+      <p:ext uri="{BB962C8B-B14F-4D97-AF65-F5344CB8AC3E}">
+        <p14:creationId xmlns:p14="http://schemas.microsoft.com/office/powerpoint/2010/main" val="3477825760"/>
+      </p:ext>
+    </p:extLst>
+  </p:cSld>
+  <p:clrMapOvr>
+    <a:masterClrMapping/>
+  </p:clrMapOvr>
+</p:sld>
+</file>
+
+<file path=ppt/slides/slide29.xml><?xml version="1.0" encoding="utf-8"?>
+<p:sld xmlns:a="http://schemas.openxmlformats.org/drawingml/2006/main" xmlns:r="http://schemas.openxmlformats.org/officeDocument/2006/relationships" xmlns:p="http://schemas.openxmlformats.org/presentationml/2006/main">
+  <p:cSld>
+    <p:bg>
+      <p:bgPr>
+        <a:solidFill>
+          <a:schemeClr val="bg1"/>
+        </a:solidFill>
+        <a:effectLst/>
+      </p:bgPr>
+    </p:bg>
+    <p:spTree>
+      <p:nvGrpSpPr>
+        <p:cNvPr id="1" name=""/>
+        <p:cNvGrpSpPr/>
+        <p:nvPr/>
+      </p:nvGrpSpPr>
+      <p:grpSpPr>
+        <a:xfrm>
+          <a:off x="0" y="0"/>
+          <a:ext cx="0" cy="0"/>
+          <a:chOff x="0" y="0"/>
+          <a:chExt cx="0" cy="0"/>
+        </a:xfrm>
+      </p:grpSpPr>
+      <p:sp>
+        <p:nvSpPr>
+          <p:cNvPr id="9" name="Rectangle 8">
+            <a:extLst>
+              <a:ext uri="{FF2B5EF4-FFF2-40B4-BE49-F238E27FC236}">
+                <a16:creationId xmlns:a16="http://schemas.microsoft.com/office/drawing/2014/main" id="{BE229233-9672-4675-99B7-6CBCEF1CD415}"/>
+              </a:ext>
+              <a:ext uri="{C183D7F6-B498-43B3-948B-1728B52AA6E4}">
+                <adec:decorative xmlns:adec="http://schemas.microsoft.com/office/drawing/2017/decorative" val="1"/>
+              </a:ext>
+            </a:extLst>
+          </p:cNvPr>
+          <p:cNvSpPr>
+            <a:spLocks noGrp="1" noRot="1" noChangeAspect="1" noMove="1" noResize="1" noEditPoints="1" noAdjustHandles="1" noChangeArrowheads="1" noChangeShapeType="1" noTextEdit="1"/>
+          </p:cNvSpPr>
+          <p:nvPr>
+            <p:extLst>
+              <p:ext uri="{386F3935-93C4-4BCD-93E2-E3B085C9AB24}">
+                <p16:designElem xmlns:p16="http://schemas.microsoft.com/office/powerpoint/2015/main" val="1"/>
+              </p:ext>
+            </p:extLst>
+          </p:nvPr>
+        </p:nvSpPr>
+        <p:spPr>
+          <a:xfrm>
+            <a:off x="0" y="0"/>
+            <a:ext cx="12192000" cy="6858000"/>
+          </a:xfrm>
+          <a:prstGeom prst="rect">
+            <a:avLst/>
+          </a:prstGeom>
+          <a:solidFill>
+            <a:schemeClr val="bg1"/>
+          </a:solidFill>
+          <a:ln w="12700" cap="flat" cmpd="sng" algn="ctr">
+            <a:noFill/>
+            <a:prstDash val="solid"/>
+            <a:miter lim="800000"/>
+          </a:ln>
+          <a:effectLst/>
+        </p:spPr>
+        <p:style>
+          <a:lnRef idx="2">
+            <a:schemeClr val="accent1">
+              <a:shade val="50000"/>
+            </a:schemeClr>
+          </a:lnRef>
+          <a:fillRef idx="1">
+            <a:schemeClr val="accent1"/>
+          </a:fillRef>
+          <a:effectRef idx="0">
+            <a:schemeClr val="accent1"/>
+          </a:effectRef>
+          <a:fontRef idx="minor">
+            <a:schemeClr val="lt1"/>
+          </a:fontRef>
+        </p:style>
+        <p:txBody>
+          <a:bodyPr rtlCol="0" anchor="ctr"/>
+          <a:lstStyle/>
+          <a:p>
+            <a:pPr algn="ctr"/>
+            <a:endParaRPr lang="en-US"/>
+          </a:p>
+        </p:txBody>
+      </p:sp>
+      <p:pic>
+        <p:nvPicPr>
+          <p:cNvPr id="4" name="Picture 3" descr="Ein Bild, das Screenshot, Wasser, Blau, unterwasser enthält.&#10;&#10;Automatisch generierte Beschreibung">
+            <a:extLst>
+              <a:ext uri="{FF2B5EF4-FFF2-40B4-BE49-F238E27FC236}">
+                <a16:creationId xmlns:a16="http://schemas.microsoft.com/office/drawing/2014/main" id="{8888D5D7-5569-BBD7-CF94-2A7F62111266}"/>
+              </a:ext>
+            </a:extLst>
+          </p:cNvPr>
+          <p:cNvPicPr>
+            <a:picLocks noChangeAspect="1"/>
+          </p:cNvPicPr>
+          <p:nvPr/>
+        </p:nvPicPr>
+        <p:blipFill rotWithShape="1">
+          <a:blip r:embed="rId2"/>
+          <a:srcRect l="154" r="33284"/>
+          <a:stretch/>
+        </p:blipFill>
+        <p:spPr>
+          <a:xfrm>
+            <a:off x="20" y="-2"/>
+            <a:ext cx="8115280" cy="6858001"/>
+          </a:xfrm>
+          <a:prstGeom prst="rect">
+            <a:avLst/>
+          </a:prstGeom>
+        </p:spPr>
+      </p:pic>
+      <p:sp>
+        <p:nvSpPr>
+          <p:cNvPr id="11" name="Rectangle 10">
+            <a:extLst>
+              <a:ext uri="{FF2B5EF4-FFF2-40B4-BE49-F238E27FC236}">
+                <a16:creationId xmlns:a16="http://schemas.microsoft.com/office/drawing/2014/main" id="{EC5FF010-B53C-46BE-BEEF-AF926A00F67F}"/>
+              </a:ext>
+              <a:ext uri="{C183D7F6-B498-43B3-948B-1728B52AA6E4}">
+                <adec:decorative xmlns:adec="http://schemas.microsoft.com/office/drawing/2017/decorative" val="1"/>
+              </a:ext>
+            </a:extLst>
+          </p:cNvPr>
+          <p:cNvSpPr>
+            <a:spLocks noGrp="1" noRot="1" noChangeAspect="1" noMove="1" noResize="1" noEditPoints="1" noAdjustHandles="1" noChangeArrowheads="1" noChangeShapeType="1" noTextEdit="1"/>
+          </p:cNvSpPr>
+          <p:nvPr>
+            <p:extLst>
+              <p:ext uri="{386F3935-93C4-4BCD-93E2-E3B085C9AB24}">
+                <p16:designElem xmlns:p16="http://schemas.microsoft.com/office/powerpoint/2015/main" val="1"/>
+              </p:ext>
+            </p:extLst>
+          </p:nvPr>
+        </p:nvSpPr>
+        <p:spPr>
+          <a:xfrm>
+            <a:off x="3238500" y="2057400"/>
+            <a:ext cx="4876800" cy="2743201"/>
+          </a:xfrm>
+          <a:prstGeom prst="rect">
+            <a:avLst/>
+          </a:prstGeom>
+          <a:solidFill>
+            <a:schemeClr val="bg1"/>
+          </a:solidFill>
+          <a:ln w="12700" cap="flat" cmpd="sng" algn="ctr">
+            <a:noFill/>
+            <a:prstDash val="solid"/>
+            <a:miter lim="800000"/>
+          </a:ln>
+          <a:effectLst/>
+        </p:spPr>
+        <p:style>
+          <a:lnRef idx="2">
+            <a:schemeClr val="accent1">
+              <a:shade val="50000"/>
+            </a:schemeClr>
+          </a:lnRef>
+          <a:fillRef idx="1">
+            <a:schemeClr val="accent1"/>
+          </a:fillRef>
+          <a:effectRef idx="0">
+            <a:schemeClr val="accent1"/>
+          </a:effectRef>
+          <a:fontRef idx="minor">
+            <a:schemeClr val="lt1"/>
+          </a:fontRef>
+        </p:style>
+        <p:txBody>
+          <a:bodyPr rtlCol="0" anchor="ctr"/>
+          <a:lstStyle/>
+          <a:p>
+            <a:pPr algn="ctr"/>
+            <a:endParaRPr lang="en-US"/>
+          </a:p>
+        </p:txBody>
+      </p:sp>
+      <p:sp>
+        <p:nvSpPr>
+          <p:cNvPr id="13" name="Rectangle 12">
+            <a:extLst>
+              <a:ext uri="{FF2B5EF4-FFF2-40B4-BE49-F238E27FC236}">
+                <a16:creationId xmlns:a16="http://schemas.microsoft.com/office/drawing/2014/main" id="{8509AD9C-1F43-4138-A72B-8CA988EDD475}"/>
+              </a:ext>
+              <a:ext uri="{C183D7F6-B498-43B3-948B-1728B52AA6E4}">
+                <adec:decorative xmlns:adec="http://schemas.microsoft.com/office/drawing/2017/decorative" val="1"/>
+              </a:ext>
+            </a:extLst>
+          </p:cNvPr>
+          <p:cNvSpPr>
+            <a:spLocks noGrp="1" noRot="1" noChangeAspect="1" noMove="1" noResize="1" noEditPoints="1" noAdjustHandles="1" noChangeArrowheads="1" noChangeShapeType="1" noTextEdit="1"/>
+          </p:cNvSpPr>
+          <p:nvPr>
+            <p:extLst>
+              <p:ext uri="{386F3935-93C4-4BCD-93E2-E3B085C9AB24}">
+                <p16:designElem xmlns:p16="http://schemas.microsoft.com/office/powerpoint/2015/main" val="1"/>
+              </p:ext>
+            </p:extLst>
+          </p:nvPr>
+        </p:nvSpPr>
+        <p:spPr>
+          <a:xfrm>
+            <a:off x="8115300" y="2057400"/>
+            <a:ext cx="3276600" cy="2743201"/>
+          </a:xfrm>
+          <a:prstGeom prst="rect">
+            <a:avLst/>
+          </a:prstGeom>
+          <a:solidFill>
+            <a:schemeClr val="bg2"/>
+          </a:solidFill>
+          <a:ln w="12700" cap="flat" cmpd="sng" algn="ctr">
+            <a:noFill/>
+            <a:prstDash val="solid"/>
+            <a:miter lim="800000"/>
+          </a:ln>
+          <a:effectLst/>
+        </p:spPr>
+        <p:style>
+          <a:lnRef idx="2">
+            <a:schemeClr val="accent1">
+              <a:shade val="50000"/>
+            </a:schemeClr>
+          </a:lnRef>
+          <a:fillRef idx="1">
+            <a:schemeClr val="accent1"/>
+          </a:fillRef>
+          <a:effectRef idx="0">
+            <a:schemeClr val="accent1"/>
+          </a:effectRef>
+          <a:fontRef idx="minor">
+            <a:schemeClr val="lt1"/>
+          </a:fontRef>
+        </p:style>
+        <p:txBody>
+          <a:bodyPr rtlCol="0" anchor="ctr"/>
+          <a:lstStyle/>
+          <a:p>
+            <a:pPr algn="ctr"/>
+            <a:endParaRPr lang="en-US"/>
+          </a:p>
+        </p:txBody>
+      </p:sp>
+      <p:sp>
+        <p:nvSpPr>
+          <p:cNvPr id="2" name="Titel 1">
+            <a:extLst>
+              <a:ext uri="{FF2B5EF4-FFF2-40B4-BE49-F238E27FC236}">
+                <a16:creationId xmlns:a16="http://schemas.microsoft.com/office/drawing/2014/main" id="{C116823A-F0C0-9F76-4B25-AE0CF378C7B1}"/>
+              </a:ext>
+            </a:extLst>
+          </p:cNvPr>
+          <p:cNvSpPr>
+            <a:spLocks noGrp="1"/>
+          </p:cNvSpPr>
+          <p:nvPr>
+            <p:ph type="ctrTitle"/>
+          </p:nvPr>
+        </p:nvSpPr>
+        <p:spPr>
+          <a:xfrm>
+            <a:off x="3867324" y="2502486"/>
+            <a:ext cx="3853851" cy="1853023"/>
+          </a:xfrm>
+        </p:spPr>
+        <p:txBody>
+          <a:bodyPr anchor="ctr">
+            <a:normAutofit/>
+          </a:bodyPr>
+          <a:lstStyle/>
+          <a:p>
+            <a:pPr algn="ctr"/>
+            <a:r>
+              <a:rPr lang="de-AT" sz="2800" dirty="0"/>
+              <a:t>Events &amp; States</a:t>
+            </a:r>
+          </a:p>
+        </p:txBody>
+      </p:sp>
+      <p:pic>
+        <p:nvPicPr>
+          <p:cNvPr id="3" name="Picture 2" descr="React – Wikipedia">
+            <a:extLst>
+              <a:ext uri="{FF2B5EF4-FFF2-40B4-BE49-F238E27FC236}">
+                <a16:creationId xmlns:a16="http://schemas.microsoft.com/office/drawing/2014/main" id="{76CC3A73-5D9E-CDD5-66CF-77807940D687}"/>
+              </a:ext>
+            </a:extLst>
+          </p:cNvPr>
+          <p:cNvPicPr>
+            <a:picLocks noChangeAspect="1" noChangeArrowheads="1"/>
+          </p:cNvPicPr>
+          <p:nvPr/>
+        </p:nvPicPr>
+        <p:blipFill>
+          <a:blip r:embed="rId3">
+            <a:extLst>
+              <a:ext uri="{28A0092B-C50C-407E-A947-70E740481C1C}">
+                <a14:useLocalDpi xmlns:a14="http://schemas.microsoft.com/office/drawing/2010/main" val="0"/>
+              </a:ext>
+            </a:extLst>
+          </a:blip>
+          <a:srcRect/>
+          <a:stretch>
+            <a:fillRect/>
+          </a:stretch>
+        </p:blipFill>
+        <p:spPr bwMode="auto">
+          <a:xfrm>
+            <a:off x="8674968" y="2502486"/>
+            <a:ext cx="2247834" cy="1953851"/>
+          </a:xfrm>
+          <a:prstGeom prst="rect">
+            <a:avLst/>
+          </a:prstGeom>
+          <a:noFill/>
+          <a:extLst>
+            <a:ext uri="{909E8E84-426E-40DD-AFC4-6F175D3DCCD1}">
+              <a14:hiddenFill xmlns:a14="http://schemas.microsoft.com/office/drawing/2010/main">
+                <a:solidFill>
+                  <a:srgbClr val="FFFFFF"/>
+                </a:solidFill>
+              </a14:hiddenFill>
+            </a:ext>
+          </a:extLst>
+        </p:spPr>
+      </p:pic>
+    </p:spTree>
+    <p:extLst>
+      <p:ext uri="{BB962C8B-B14F-4D97-AF65-F5344CB8AC3E}">
+        <p14:creationId xmlns:p14="http://schemas.microsoft.com/office/powerpoint/2010/main" val="728243810"/>
       </p:ext>
     </p:extLst>
   </p:cSld>
@@ -6868,6 +9160,1855 @@
     <p:extLst>
       <p:ext uri="{BB962C8B-B14F-4D97-AF65-F5344CB8AC3E}">
         <p14:creationId xmlns:p14="http://schemas.microsoft.com/office/powerpoint/2010/main" val="766930619"/>
+      </p:ext>
+    </p:extLst>
+  </p:cSld>
+  <p:clrMapOvr>
+    <a:masterClrMapping/>
+  </p:clrMapOvr>
+</p:sld>
+</file>
+
+<file path=ppt/slides/slide30.xml><?xml version="1.0" encoding="utf-8"?>
+<p:sld xmlns:a="http://schemas.openxmlformats.org/drawingml/2006/main" xmlns:r="http://schemas.openxmlformats.org/officeDocument/2006/relationships" xmlns:p="http://schemas.openxmlformats.org/presentationml/2006/main">
+  <p:cSld>
+    <p:spTree>
+      <p:nvGrpSpPr>
+        <p:cNvPr id="1" name=""/>
+        <p:cNvGrpSpPr/>
+        <p:nvPr/>
+      </p:nvGrpSpPr>
+      <p:grpSpPr>
+        <a:xfrm>
+          <a:off x="0" y="0"/>
+          <a:ext cx="0" cy="0"/>
+          <a:chOff x="0" y="0"/>
+          <a:chExt cx="0" cy="0"/>
+        </a:xfrm>
+      </p:grpSpPr>
+      <p:sp>
+        <p:nvSpPr>
+          <p:cNvPr id="2" name="Titel 1">
+            <a:extLst>
+              <a:ext uri="{FF2B5EF4-FFF2-40B4-BE49-F238E27FC236}">
+                <a16:creationId xmlns:a16="http://schemas.microsoft.com/office/drawing/2014/main" id="{7B3662CB-15BA-B81C-572A-161E62B4186B}"/>
+              </a:ext>
+            </a:extLst>
+          </p:cNvPr>
+          <p:cNvSpPr>
+            <a:spLocks noGrp="1"/>
+          </p:cNvSpPr>
+          <p:nvPr>
+            <p:ph type="title"/>
+          </p:nvPr>
+        </p:nvSpPr>
+        <p:spPr/>
+        <p:txBody>
+          <a:bodyPr/>
+          <a:lstStyle/>
+          <a:p>
+            <a:r>
+              <a:rPr lang="de-AT" dirty="0" err="1"/>
+              <a:t>React</a:t>
+            </a:r>
+            <a:r>
+              <a:rPr lang="de-AT" dirty="0"/>
+              <a:t> Events</a:t>
+            </a:r>
+          </a:p>
+        </p:txBody>
+      </p:sp>
+      <p:sp>
+        <p:nvSpPr>
+          <p:cNvPr id="3" name="Inhaltsplatzhalter 2">
+            <a:extLst>
+              <a:ext uri="{FF2B5EF4-FFF2-40B4-BE49-F238E27FC236}">
+                <a16:creationId xmlns:a16="http://schemas.microsoft.com/office/drawing/2014/main" id="{B58C81F8-CA69-FAAF-CD93-F5F4686C5923}"/>
+              </a:ext>
+            </a:extLst>
+          </p:cNvPr>
+          <p:cNvSpPr>
+            <a:spLocks noGrp="1"/>
+          </p:cNvSpPr>
+          <p:nvPr>
+            <p:ph idx="1"/>
+          </p:nvPr>
+        </p:nvSpPr>
+        <p:spPr>
+          <a:xfrm>
+            <a:off x="713232" y="2057400"/>
+            <a:ext cx="7488936" cy="4137259"/>
+          </a:xfrm>
+        </p:spPr>
+        <p:txBody>
+          <a:bodyPr>
+            <a:normAutofit/>
+          </a:bodyPr>
+          <a:lstStyle/>
+          <a:p>
+            <a:r>
+              <a:rPr lang="de-AT" dirty="0" err="1"/>
+              <a:t>React</a:t>
+            </a:r>
+            <a:r>
+              <a:rPr lang="de-AT" dirty="0"/>
+              <a:t> ermöglicht es, Eventhandler in JSX hinzuzufügen.</a:t>
+            </a:r>
+          </a:p>
+          <a:p>
+            <a:r>
+              <a:rPr lang="de-AT" dirty="0"/>
+              <a:t>Eventhandler sind eigenen Funktionen, die in Reaktion auf Interaktionen wie Klicken, </a:t>
+            </a:r>
+            <a:r>
+              <a:rPr lang="de-AT" dirty="0" err="1"/>
+              <a:t>Hovern</a:t>
+            </a:r>
+            <a:r>
+              <a:rPr lang="de-AT" dirty="0"/>
+              <a:t>, Fokussieren usw. ausgelöst werden.</a:t>
+            </a:r>
+          </a:p>
+          <a:p>
+            <a:r>
+              <a:rPr lang="de-AT" dirty="0"/>
+              <a:t>Um einen Eventhandler hinzuzufügen, definieren wir zunächst eine Funktion und übergeben diese dann als </a:t>
+            </a:r>
+            <a:r>
+              <a:rPr lang="de-AT" dirty="0" err="1"/>
+              <a:t>onClick-Prop</a:t>
+            </a:r>
+            <a:r>
+              <a:rPr lang="de-AT" dirty="0"/>
+              <a:t> an das entsprechende JSX-Tag.</a:t>
+            </a:r>
+          </a:p>
+          <a:p>
+            <a:r>
+              <a:rPr lang="de-AT" dirty="0"/>
+              <a:t>Eventhandler :</a:t>
+            </a:r>
+          </a:p>
+          <a:p>
+            <a:pPr lvl="1"/>
+            <a:r>
+              <a:rPr lang="de-AT" dirty="0"/>
+              <a:t>Werden in der Regel innerhalb Ihrer Komponenten definiert.</a:t>
+            </a:r>
+          </a:p>
+          <a:p>
+            <a:pPr lvl="1"/>
+            <a:r>
+              <a:rPr lang="de-AT" dirty="0"/>
+              <a:t>Haben Namen, die mit „handle“ beginnen, gefolgt vom Namen des Ereignisses</a:t>
+            </a:r>
+          </a:p>
+        </p:txBody>
+      </p:sp>
+      <p:pic>
+        <p:nvPicPr>
+          <p:cNvPr id="6" name="Grafik 5">
+            <a:extLst>
+              <a:ext uri="{FF2B5EF4-FFF2-40B4-BE49-F238E27FC236}">
+                <a16:creationId xmlns:a16="http://schemas.microsoft.com/office/drawing/2014/main" id="{B06BC2E1-850F-138B-5BD7-1523F9F8196D}"/>
+              </a:ext>
+            </a:extLst>
+          </p:cNvPr>
+          <p:cNvPicPr>
+            <a:picLocks noChangeAspect="1"/>
+          </p:cNvPicPr>
+          <p:nvPr/>
+        </p:nvPicPr>
+        <p:blipFill>
+          <a:blip r:embed="rId2"/>
+          <a:stretch>
+            <a:fillRect/>
+          </a:stretch>
+        </p:blipFill>
+        <p:spPr>
+          <a:xfrm>
+            <a:off x="8631129" y="2200413"/>
+            <a:ext cx="3203511" cy="2457174"/>
+          </a:xfrm>
+          <a:prstGeom prst="rect">
+            <a:avLst/>
+          </a:prstGeom>
+        </p:spPr>
+      </p:pic>
+    </p:spTree>
+    <p:extLst>
+      <p:ext uri="{BB962C8B-B14F-4D97-AF65-F5344CB8AC3E}">
+        <p14:creationId xmlns:p14="http://schemas.microsoft.com/office/powerpoint/2010/main" val="80465400"/>
+      </p:ext>
+    </p:extLst>
+  </p:cSld>
+  <p:clrMapOvr>
+    <a:masterClrMapping/>
+  </p:clrMapOvr>
+</p:sld>
+</file>
+
+<file path=ppt/slides/slide31.xml><?xml version="1.0" encoding="utf-8"?>
+<p:sld xmlns:a="http://schemas.openxmlformats.org/drawingml/2006/main" xmlns:r="http://schemas.openxmlformats.org/officeDocument/2006/relationships" xmlns:p="http://schemas.openxmlformats.org/presentationml/2006/main">
+  <p:cSld>
+    <p:spTree>
+      <p:nvGrpSpPr>
+        <p:cNvPr id="1" name=""/>
+        <p:cNvGrpSpPr/>
+        <p:nvPr/>
+      </p:nvGrpSpPr>
+      <p:grpSpPr>
+        <a:xfrm>
+          <a:off x="0" y="0"/>
+          <a:ext cx="0" cy="0"/>
+          <a:chOff x="0" y="0"/>
+          <a:chExt cx="0" cy="0"/>
+        </a:xfrm>
+      </p:grpSpPr>
+      <p:sp>
+        <p:nvSpPr>
+          <p:cNvPr id="2" name="Titel 1">
+            <a:extLst>
+              <a:ext uri="{FF2B5EF4-FFF2-40B4-BE49-F238E27FC236}">
+                <a16:creationId xmlns:a16="http://schemas.microsoft.com/office/drawing/2014/main" id="{256E0D6C-7D2B-6F01-035F-93CF02572B28}"/>
+              </a:ext>
+            </a:extLst>
+          </p:cNvPr>
+          <p:cNvSpPr>
+            <a:spLocks noGrp="1"/>
+          </p:cNvSpPr>
+          <p:nvPr>
+            <p:ph type="title"/>
+          </p:nvPr>
+        </p:nvSpPr>
+        <p:spPr>
+          <a:xfrm>
+            <a:off x="1336547" y="685800"/>
+            <a:ext cx="8915402" cy="1371600"/>
+          </a:xfrm>
+        </p:spPr>
+        <p:txBody>
+          <a:bodyPr/>
+          <a:lstStyle/>
+          <a:p>
+            <a:r>
+              <a:rPr lang="de-AT" dirty="0" err="1"/>
+              <a:t>stopPropagation</a:t>
+            </a:r>
+            <a:r>
+              <a:rPr lang="de-AT" dirty="0"/>
+              <a:t> &amp; </a:t>
+            </a:r>
+            <a:r>
+              <a:rPr lang="de-AT" dirty="0" err="1"/>
+              <a:t>preventDefault</a:t>
+            </a:r>
+            <a:endParaRPr lang="de-AT" dirty="0"/>
+          </a:p>
+        </p:txBody>
+      </p:sp>
+      <p:sp>
+        <p:nvSpPr>
+          <p:cNvPr id="3" name="Inhaltsplatzhalter 2">
+            <a:extLst>
+              <a:ext uri="{FF2B5EF4-FFF2-40B4-BE49-F238E27FC236}">
+                <a16:creationId xmlns:a16="http://schemas.microsoft.com/office/drawing/2014/main" id="{6820811B-8A18-D426-5D15-4203EEE65213}"/>
+              </a:ext>
+            </a:extLst>
+          </p:cNvPr>
+          <p:cNvSpPr>
+            <a:spLocks noGrp="1"/>
+          </p:cNvSpPr>
+          <p:nvPr>
+            <p:ph idx="1"/>
+          </p:nvPr>
+        </p:nvSpPr>
+        <p:spPr>
+          <a:xfrm>
+            <a:off x="855677" y="2057400"/>
+            <a:ext cx="7340367" cy="4137259"/>
+          </a:xfrm>
+        </p:spPr>
+        <p:txBody>
+          <a:bodyPr vert="horz" lIns="91440" tIns="45720" rIns="91440" bIns="45720" rtlCol="0">
+            <a:normAutofit fontScale="92500"/>
+          </a:bodyPr>
+          <a:lstStyle/>
+          <a:p>
+            <a:r>
+              <a:rPr lang="de-AT" dirty="0"/>
+              <a:t>Eventhandler erhalten ein Ereignisobjekt als ihr einziges Argument. Üblicherweise wird es als "e" oder "</a:t>
+            </a:r>
+            <a:r>
+              <a:rPr lang="de-AT" dirty="0" err="1"/>
+              <a:t>event</a:t>
+            </a:r>
+            <a:r>
+              <a:rPr lang="de-AT" dirty="0"/>
+              <a:t>" bezeichnet, was für "Event" steht.</a:t>
+            </a:r>
+          </a:p>
+          <a:p>
+            <a:r>
+              <a:rPr lang="de-AT" dirty="0"/>
+              <a:t>Mit diesem Ereignisobjekt können wir die Event-Propagation stoppen. </a:t>
+            </a:r>
+          </a:p>
+          <a:p>
+            <a:pPr lvl="1"/>
+            <a:r>
+              <a:rPr lang="de-AT" dirty="0"/>
+              <a:t>Wenn wir verhindern möchten, dass ein Ereignis Elternkomponenten erreicht, müssen wir </a:t>
+            </a:r>
+            <a:r>
+              <a:rPr lang="de-AT" b="1" dirty="0" err="1"/>
+              <a:t>e.stopPropagation</a:t>
+            </a:r>
+            <a:r>
+              <a:rPr lang="de-AT" b="1" dirty="0"/>
+              <a:t>() </a:t>
+            </a:r>
+            <a:r>
+              <a:rPr lang="de-AT" dirty="0"/>
+              <a:t>aufrufen</a:t>
+            </a:r>
+          </a:p>
+          <a:p>
+            <a:r>
+              <a:rPr lang="de-AT" dirty="0"/>
+              <a:t>Einige Browser-Ereignisse haben standardmäßiges Verhalten, das mit ihnen verbunden ist. </a:t>
+            </a:r>
+          </a:p>
+          <a:p>
+            <a:pPr lvl="1"/>
+            <a:r>
+              <a:rPr lang="de-AT" dirty="0"/>
+              <a:t>Zum Beispiel wird ein &lt;form&gt; </a:t>
+            </a:r>
+            <a:r>
+              <a:rPr lang="de-AT" dirty="0" err="1"/>
+              <a:t>Submit</a:t>
+            </a:r>
+            <a:r>
+              <a:rPr lang="de-AT" dirty="0"/>
+              <a:t>-Ereignis, standardmäßig die ganze Seite neu laden</a:t>
+            </a:r>
+          </a:p>
+          <a:p>
+            <a:pPr lvl="1"/>
+            <a:r>
+              <a:rPr lang="de-AT" dirty="0"/>
+              <a:t>Um zu verhindern dass dieses Standardverhalten auftritt wird der Befehl </a:t>
+            </a:r>
+            <a:r>
+              <a:rPr lang="de-AT" b="1" dirty="0" err="1"/>
+              <a:t>e.preventDefault</a:t>
+            </a:r>
+            <a:r>
+              <a:rPr lang="de-AT" b="1" dirty="0"/>
+              <a:t>() </a:t>
+            </a:r>
+            <a:r>
+              <a:rPr lang="de-AT" dirty="0"/>
+              <a:t>aufgerufen</a:t>
+            </a:r>
+          </a:p>
+        </p:txBody>
+      </p:sp>
+      <p:pic>
+        <p:nvPicPr>
+          <p:cNvPr id="9" name="Grafik 8">
+            <a:extLst>
+              <a:ext uri="{FF2B5EF4-FFF2-40B4-BE49-F238E27FC236}">
+                <a16:creationId xmlns:a16="http://schemas.microsoft.com/office/drawing/2014/main" id="{3CCFF502-CDE6-ACBA-18C5-AD01253268D6}"/>
+              </a:ext>
+            </a:extLst>
+          </p:cNvPr>
+          <p:cNvPicPr>
+            <a:picLocks noChangeAspect="1"/>
+          </p:cNvPicPr>
+          <p:nvPr/>
+        </p:nvPicPr>
+        <p:blipFill>
+          <a:blip r:embed="rId2"/>
+          <a:stretch>
+            <a:fillRect/>
+          </a:stretch>
+        </p:blipFill>
+        <p:spPr>
+          <a:xfrm>
+            <a:off x="8942832" y="4217230"/>
+            <a:ext cx="2804770" cy="2181487"/>
+          </a:xfrm>
+          <a:prstGeom prst="rect">
+            <a:avLst/>
+          </a:prstGeom>
+        </p:spPr>
+      </p:pic>
+      <p:pic>
+        <p:nvPicPr>
+          <p:cNvPr id="11" name="Grafik 10">
+            <a:extLst>
+              <a:ext uri="{FF2B5EF4-FFF2-40B4-BE49-F238E27FC236}">
+                <a16:creationId xmlns:a16="http://schemas.microsoft.com/office/drawing/2014/main" id="{588FC0FF-F00E-A4C4-B912-993979C048AD}"/>
+              </a:ext>
+            </a:extLst>
+          </p:cNvPr>
+          <p:cNvPicPr>
+            <a:picLocks noChangeAspect="1"/>
+          </p:cNvPicPr>
+          <p:nvPr/>
+        </p:nvPicPr>
+        <p:blipFill>
+          <a:blip r:embed="rId3"/>
+          <a:stretch>
+            <a:fillRect/>
+          </a:stretch>
+        </p:blipFill>
+        <p:spPr>
+          <a:xfrm>
+            <a:off x="8778409" y="2057400"/>
+            <a:ext cx="3185420" cy="1993392"/>
+          </a:xfrm>
+          <a:prstGeom prst="rect">
+            <a:avLst/>
+          </a:prstGeom>
+        </p:spPr>
+      </p:pic>
+    </p:spTree>
+    <p:extLst>
+      <p:ext uri="{BB962C8B-B14F-4D97-AF65-F5344CB8AC3E}">
+        <p14:creationId xmlns:p14="http://schemas.microsoft.com/office/powerpoint/2010/main" val="1992923459"/>
+      </p:ext>
+    </p:extLst>
+  </p:cSld>
+  <p:clrMapOvr>
+    <a:masterClrMapping/>
+  </p:clrMapOvr>
+</p:sld>
+</file>
+
+<file path=ppt/slides/slide32.xml><?xml version="1.0" encoding="utf-8"?>
+<p:sld xmlns:a="http://schemas.openxmlformats.org/drawingml/2006/main" xmlns:r="http://schemas.openxmlformats.org/officeDocument/2006/relationships" xmlns:p="http://schemas.openxmlformats.org/presentationml/2006/main">
+  <p:cSld>
+    <p:spTree>
+      <p:nvGrpSpPr>
+        <p:cNvPr id="1" name=""/>
+        <p:cNvGrpSpPr/>
+        <p:nvPr/>
+      </p:nvGrpSpPr>
+      <p:grpSpPr>
+        <a:xfrm>
+          <a:off x="0" y="0"/>
+          <a:ext cx="0" cy="0"/>
+          <a:chOff x="0" y="0"/>
+          <a:chExt cx="0" cy="0"/>
+        </a:xfrm>
+      </p:grpSpPr>
+      <p:sp>
+        <p:nvSpPr>
+          <p:cNvPr id="2" name="Titel 1">
+            <a:extLst>
+              <a:ext uri="{FF2B5EF4-FFF2-40B4-BE49-F238E27FC236}">
+                <a16:creationId xmlns:a16="http://schemas.microsoft.com/office/drawing/2014/main" id="{AF167B8A-89DA-D528-932B-4368F140D50F}"/>
+              </a:ext>
+            </a:extLst>
+          </p:cNvPr>
+          <p:cNvSpPr>
+            <a:spLocks noGrp="1"/>
+          </p:cNvSpPr>
+          <p:nvPr>
+            <p:ph type="title"/>
+          </p:nvPr>
+        </p:nvSpPr>
+        <p:spPr/>
+        <p:txBody>
+          <a:bodyPr/>
+          <a:lstStyle/>
+          <a:p>
+            <a:r>
+              <a:rPr lang="de-AT" dirty="0"/>
+              <a:t>Kurze Übung: </a:t>
+            </a:r>
+            <a:r>
+              <a:rPr lang="de-AT" dirty="0" err="1"/>
+              <a:t>CounterApp</a:t>
+            </a:r>
+            <a:endParaRPr lang="de-AT" dirty="0"/>
+          </a:p>
+        </p:txBody>
+      </p:sp>
+      <p:sp>
+        <p:nvSpPr>
+          <p:cNvPr id="3" name="Inhaltsplatzhalter 2">
+            <a:extLst>
+              <a:ext uri="{FF2B5EF4-FFF2-40B4-BE49-F238E27FC236}">
+                <a16:creationId xmlns:a16="http://schemas.microsoft.com/office/drawing/2014/main" id="{4FA39801-29A8-98C4-C6C8-5D4A64A0BAF1}"/>
+              </a:ext>
+            </a:extLst>
+          </p:cNvPr>
+          <p:cNvSpPr>
+            <a:spLocks noGrp="1"/>
+          </p:cNvSpPr>
+          <p:nvPr>
+            <p:ph idx="1"/>
+          </p:nvPr>
+        </p:nvSpPr>
+        <p:spPr>
+          <a:xfrm>
+            <a:off x="941832" y="1956816"/>
+            <a:ext cx="7315200" cy="4301851"/>
+          </a:xfrm>
+        </p:spPr>
+        <p:txBody>
+          <a:bodyPr/>
+          <a:lstStyle/>
+          <a:p>
+            <a:r>
+              <a:rPr lang="de-AT" dirty="0"/>
+              <a:t>Baue eine </a:t>
+            </a:r>
+            <a:r>
+              <a:rPr lang="de-AT" dirty="0" err="1"/>
+              <a:t>React</a:t>
+            </a:r>
+            <a:r>
+              <a:rPr lang="de-AT" dirty="0"/>
+              <a:t> Komponente mit der Anzeige einer Zahl und 2 Buttons (+, -)</a:t>
+            </a:r>
+          </a:p>
+          <a:p>
+            <a:r>
+              <a:rPr lang="de-AT" dirty="0"/>
+              <a:t>Definiere eine Variable </a:t>
+            </a:r>
+            <a:r>
+              <a:rPr lang="de-AT" dirty="0" err="1"/>
+              <a:t>counter</a:t>
+            </a:r>
+            <a:r>
+              <a:rPr lang="de-AT" dirty="0"/>
+              <a:t> = 0 </a:t>
+            </a:r>
+          </a:p>
+          <a:p>
+            <a:r>
+              <a:rPr lang="de-AT" dirty="0"/>
+              <a:t>Schritt 1: Beim Klick auf + oder – wird in der Konsole der Wert von </a:t>
+            </a:r>
+            <a:r>
+              <a:rPr lang="de-AT" dirty="0" err="1"/>
+              <a:t>counter</a:t>
+            </a:r>
+            <a:r>
+              <a:rPr lang="de-AT" dirty="0"/>
+              <a:t> +1 / -1 ausgegeben. </a:t>
+            </a:r>
+          </a:p>
+          <a:p>
+            <a:r>
+              <a:rPr lang="de-AT" dirty="0"/>
+              <a:t>Schritt 2: Der Wert der angezeigten Zahl wird ebenfalls aktualisiert und angezeigt. </a:t>
+            </a:r>
+          </a:p>
+          <a:p>
+            <a:r>
+              <a:rPr lang="de-AT" dirty="0"/>
+              <a:t>Was fällt dir auf?</a:t>
+            </a:r>
+          </a:p>
+          <a:p>
+            <a:endParaRPr lang="de-AT" dirty="0"/>
+          </a:p>
+        </p:txBody>
+      </p:sp>
+      <p:pic>
+        <p:nvPicPr>
+          <p:cNvPr id="4" name="Grafik 3">
+            <a:extLst>
+              <a:ext uri="{FF2B5EF4-FFF2-40B4-BE49-F238E27FC236}">
+                <a16:creationId xmlns:a16="http://schemas.microsoft.com/office/drawing/2014/main" id="{4E98928C-0E0F-0458-F9E7-12DEB7C1959E}"/>
+              </a:ext>
+            </a:extLst>
+          </p:cNvPr>
+          <p:cNvPicPr>
+            <a:picLocks noChangeAspect="1"/>
+          </p:cNvPicPr>
+          <p:nvPr/>
+        </p:nvPicPr>
+        <p:blipFill rotWithShape="1">
+          <a:blip r:embed="rId2"/>
+          <a:srcRect l="1" r="8223"/>
+          <a:stretch/>
+        </p:blipFill>
+        <p:spPr>
+          <a:xfrm>
+            <a:off x="9465208" y="2233445"/>
+            <a:ext cx="2176985" cy="2391109"/>
+          </a:xfrm>
+          <a:prstGeom prst="rect">
+            <a:avLst/>
+          </a:prstGeom>
+        </p:spPr>
+      </p:pic>
+    </p:spTree>
+    <p:extLst>
+      <p:ext uri="{BB962C8B-B14F-4D97-AF65-F5344CB8AC3E}">
+        <p14:creationId xmlns:p14="http://schemas.microsoft.com/office/powerpoint/2010/main" val="1352632044"/>
+      </p:ext>
+    </p:extLst>
+  </p:cSld>
+  <p:clrMapOvr>
+    <a:masterClrMapping/>
+  </p:clrMapOvr>
+</p:sld>
+</file>
+
+<file path=ppt/slides/slide33.xml><?xml version="1.0" encoding="utf-8"?>
+<p:sld xmlns:a="http://schemas.openxmlformats.org/drawingml/2006/main" xmlns:r="http://schemas.openxmlformats.org/officeDocument/2006/relationships" xmlns:p="http://schemas.openxmlformats.org/presentationml/2006/main">
+  <p:cSld>
+    <p:spTree>
+      <p:nvGrpSpPr>
+        <p:cNvPr id="1" name=""/>
+        <p:cNvGrpSpPr/>
+        <p:nvPr/>
+      </p:nvGrpSpPr>
+      <p:grpSpPr>
+        <a:xfrm>
+          <a:off x="0" y="0"/>
+          <a:ext cx="0" cy="0"/>
+          <a:chOff x="0" y="0"/>
+          <a:chExt cx="0" cy="0"/>
+        </a:xfrm>
+      </p:grpSpPr>
+      <p:sp>
+        <p:nvSpPr>
+          <p:cNvPr id="2" name="Titel 1">
+            <a:extLst>
+              <a:ext uri="{FF2B5EF4-FFF2-40B4-BE49-F238E27FC236}">
+                <a16:creationId xmlns:a16="http://schemas.microsoft.com/office/drawing/2014/main" id="{C1DFA05A-5B76-62C1-22CC-C877687B3236}"/>
+              </a:ext>
+            </a:extLst>
+          </p:cNvPr>
+          <p:cNvSpPr>
+            <a:spLocks noGrp="1"/>
+          </p:cNvSpPr>
+          <p:nvPr>
+            <p:ph type="title"/>
+          </p:nvPr>
+        </p:nvSpPr>
+        <p:spPr>
+          <a:xfrm>
+            <a:off x="1638298" y="685800"/>
+            <a:ext cx="8915403" cy="1371600"/>
+          </a:xfrm>
+        </p:spPr>
+        <p:txBody>
+          <a:bodyPr/>
+          <a:lstStyle/>
+          <a:p>
+            <a:r>
+              <a:rPr lang="de-AT" dirty="0"/>
+              <a:t>Problem: Änderungen von Variablen</a:t>
+            </a:r>
+          </a:p>
+        </p:txBody>
+      </p:sp>
+      <p:sp>
+        <p:nvSpPr>
+          <p:cNvPr id="3" name="Inhaltsplatzhalter 2">
+            <a:extLst>
+              <a:ext uri="{FF2B5EF4-FFF2-40B4-BE49-F238E27FC236}">
+                <a16:creationId xmlns:a16="http://schemas.microsoft.com/office/drawing/2014/main" id="{26FEDA00-8520-49FD-5512-EFA02E21A73E}"/>
+              </a:ext>
+            </a:extLst>
+          </p:cNvPr>
+          <p:cNvSpPr>
+            <a:spLocks noGrp="1"/>
+          </p:cNvSpPr>
+          <p:nvPr>
+            <p:ph idx="1"/>
+          </p:nvPr>
+        </p:nvSpPr>
+        <p:spPr>
+          <a:xfrm>
+            <a:off x="731520" y="2057400"/>
+            <a:ext cx="7251191" cy="4137259"/>
+          </a:xfrm>
+        </p:spPr>
+        <p:txBody>
+          <a:bodyPr/>
+          <a:lstStyle/>
+          <a:p>
+            <a:r>
+              <a:rPr lang="de-AT" dirty="0"/>
+              <a:t>Lokale Variablen bestehen zwischen den </a:t>
+            </a:r>
+            <a:r>
+              <a:rPr lang="de-AT" dirty="0" err="1"/>
+              <a:t>Renders</a:t>
+            </a:r>
+            <a:r>
+              <a:rPr lang="de-AT" dirty="0"/>
+              <a:t> nicht fort. Wenn </a:t>
+            </a:r>
+            <a:r>
+              <a:rPr lang="de-AT" dirty="0" err="1"/>
+              <a:t>React</a:t>
+            </a:r>
+            <a:r>
+              <a:rPr lang="de-AT" dirty="0"/>
+              <a:t> diese Komponente ein zweites Mal rendert, rendert es sie von Grund auf neu - es berücksichtigt keine Änderungen an den lokalen Variablen.</a:t>
+            </a:r>
+          </a:p>
+          <a:p>
+            <a:r>
+              <a:rPr lang="de-AT" dirty="0"/>
+              <a:t>Änderungen an lokalen Variablen lösen keine </a:t>
+            </a:r>
+            <a:r>
+              <a:rPr lang="de-AT" dirty="0" err="1"/>
+              <a:t>Renders</a:t>
+            </a:r>
+            <a:r>
+              <a:rPr lang="de-AT" dirty="0"/>
+              <a:t> aus. </a:t>
+            </a:r>
+            <a:r>
+              <a:rPr lang="de-AT" dirty="0" err="1"/>
+              <a:t>React</a:t>
+            </a:r>
+            <a:r>
+              <a:rPr lang="de-AT" dirty="0"/>
+              <a:t> erkennt nicht, dass es die Komponente erneut mit den neuen Daten rendern muss.</a:t>
+            </a:r>
+          </a:p>
+          <a:p>
+            <a:r>
+              <a:rPr lang="de-AT" dirty="0"/>
+              <a:t>Lösung: </a:t>
+            </a:r>
+            <a:r>
+              <a:rPr lang="de-AT" dirty="0" err="1"/>
+              <a:t>React</a:t>
+            </a:r>
+            <a:r>
+              <a:rPr lang="de-AT" dirty="0"/>
+              <a:t> States</a:t>
+            </a:r>
+          </a:p>
+        </p:txBody>
+      </p:sp>
+      <p:pic>
+        <p:nvPicPr>
+          <p:cNvPr id="11" name="Grafik 10">
+            <a:extLst>
+              <a:ext uri="{FF2B5EF4-FFF2-40B4-BE49-F238E27FC236}">
+                <a16:creationId xmlns:a16="http://schemas.microsoft.com/office/drawing/2014/main" id="{5ACB939A-4304-DFE4-B6E1-EAF5F875B59D}"/>
+              </a:ext>
+            </a:extLst>
+          </p:cNvPr>
+          <p:cNvPicPr>
+            <a:picLocks noChangeAspect="1"/>
+          </p:cNvPicPr>
+          <p:nvPr/>
+        </p:nvPicPr>
+        <p:blipFill rotWithShape="1">
+          <a:blip r:embed="rId2"/>
+          <a:srcRect l="1" r="8223"/>
+          <a:stretch/>
+        </p:blipFill>
+        <p:spPr>
+          <a:xfrm>
+            <a:off x="9465208" y="2233445"/>
+            <a:ext cx="2176985" cy="2391109"/>
+          </a:xfrm>
+          <a:prstGeom prst="rect">
+            <a:avLst/>
+          </a:prstGeom>
+        </p:spPr>
+      </p:pic>
+    </p:spTree>
+    <p:extLst>
+      <p:ext uri="{BB962C8B-B14F-4D97-AF65-F5344CB8AC3E}">
+        <p14:creationId xmlns:p14="http://schemas.microsoft.com/office/powerpoint/2010/main" val="624714937"/>
+      </p:ext>
+    </p:extLst>
+  </p:cSld>
+  <p:clrMapOvr>
+    <a:masterClrMapping/>
+  </p:clrMapOvr>
+</p:sld>
+</file>
+
+<file path=ppt/slides/slide34.xml><?xml version="1.0" encoding="utf-8"?>
+<p:sld xmlns:a="http://schemas.openxmlformats.org/drawingml/2006/main" xmlns:r="http://schemas.openxmlformats.org/officeDocument/2006/relationships" xmlns:p="http://schemas.openxmlformats.org/presentationml/2006/main">
+  <p:cSld>
+    <p:spTree>
+      <p:nvGrpSpPr>
+        <p:cNvPr id="1" name=""/>
+        <p:cNvGrpSpPr/>
+        <p:nvPr/>
+      </p:nvGrpSpPr>
+      <p:grpSpPr>
+        <a:xfrm>
+          <a:off x="0" y="0"/>
+          <a:ext cx="0" cy="0"/>
+          <a:chOff x="0" y="0"/>
+          <a:chExt cx="0" cy="0"/>
+        </a:xfrm>
+      </p:grpSpPr>
+      <p:sp>
+        <p:nvSpPr>
+          <p:cNvPr id="2" name="Titel 1">
+            <a:extLst>
+              <a:ext uri="{FF2B5EF4-FFF2-40B4-BE49-F238E27FC236}">
+                <a16:creationId xmlns:a16="http://schemas.microsoft.com/office/drawing/2014/main" id="{336CBD2C-2006-5CD8-6EF7-C2CFE10552EC}"/>
+              </a:ext>
+            </a:extLst>
+          </p:cNvPr>
+          <p:cNvSpPr>
+            <a:spLocks noGrp="1"/>
+          </p:cNvSpPr>
+          <p:nvPr>
+            <p:ph type="title"/>
+          </p:nvPr>
+        </p:nvSpPr>
+        <p:spPr/>
+        <p:txBody>
+          <a:bodyPr/>
+          <a:lstStyle/>
+          <a:p>
+            <a:r>
+              <a:rPr lang="de-AT" dirty="0" err="1"/>
+              <a:t>React</a:t>
+            </a:r>
+            <a:r>
+              <a:rPr lang="de-AT" dirty="0"/>
+              <a:t> States – Zustand Variablen (1)</a:t>
+            </a:r>
+          </a:p>
+        </p:txBody>
+      </p:sp>
+      <p:sp>
+        <p:nvSpPr>
+          <p:cNvPr id="3" name="Inhaltsplatzhalter 2">
+            <a:extLst>
+              <a:ext uri="{FF2B5EF4-FFF2-40B4-BE49-F238E27FC236}">
+                <a16:creationId xmlns:a16="http://schemas.microsoft.com/office/drawing/2014/main" id="{16C2E266-5F0F-D20C-6307-F539172053CE}"/>
+              </a:ext>
+            </a:extLst>
+          </p:cNvPr>
+          <p:cNvSpPr>
+            <a:spLocks noGrp="1"/>
+          </p:cNvSpPr>
+          <p:nvPr>
+            <p:ph idx="1"/>
+          </p:nvPr>
+        </p:nvSpPr>
+        <p:spPr>
+          <a:xfrm>
+            <a:off x="475488" y="1956816"/>
+            <a:ext cx="7379208" cy="4484731"/>
+          </a:xfrm>
+        </p:spPr>
+        <p:txBody>
+          <a:bodyPr>
+            <a:normAutofit/>
+          </a:bodyPr>
+          <a:lstStyle/>
+          <a:p>
+            <a:r>
+              <a:rPr lang="de-AT" dirty="0"/>
+              <a:t>Vorteil von State-Variablen:</a:t>
+            </a:r>
+          </a:p>
+          <a:p>
+            <a:pPr lvl="1"/>
+            <a:r>
+              <a:rPr lang="de-AT" dirty="0"/>
+              <a:t>Eine State-Variable, speichert Daten zwischen erneuten </a:t>
+            </a:r>
+            <a:r>
+              <a:rPr lang="de-AT" dirty="0" err="1"/>
+              <a:t>Renders</a:t>
+            </a:r>
+            <a:r>
+              <a:rPr lang="de-AT" dirty="0"/>
+              <a:t>.</a:t>
+            </a:r>
+          </a:p>
+          <a:p>
+            <a:pPr lvl="1"/>
+            <a:r>
+              <a:rPr lang="de-AT" dirty="0"/>
+              <a:t>Liefert eine Setter-Funktion, um die Variable zu aktualisieren </a:t>
+            </a:r>
+          </a:p>
+          <a:p>
+            <a:pPr lvl="1"/>
+            <a:r>
+              <a:rPr lang="de-AT" dirty="0"/>
+              <a:t>Jedes Mal wenn sich die Variable ändert wird die Komponente neu gerendert und Änderungen werden sofort sichtbar</a:t>
+            </a:r>
+          </a:p>
+          <a:p>
+            <a:r>
+              <a:rPr lang="de-AT" dirty="0"/>
+              <a:t>Um eine State-Variable verwenden zu können muss das Package </a:t>
+            </a:r>
+            <a:r>
+              <a:rPr lang="de-AT" dirty="0" err="1"/>
+              <a:t>useState</a:t>
+            </a:r>
+            <a:r>
+              <a:rPr lang="de-AT" dirty="0"/>
+              <a:t> von </a:t>
+            </a:r>
+            <a:r>
+              <a:rPr lang="de-AT" dirty="0" err="1"/>
+              <a:t>React</a:t>
+            </a:r>
+            <a:r>
+              <a:rPr lang="de-AT" dirty="0"/>
+              <a:t> importiert werden</a:t>
+            </a:r>
+          </a:p>
+          <a:p>
+            <a:r>
+              <a:rPr lang="de-AT" dirty="0"/>
+              <a:t>Eine State-Variable wird gemeinsam mit ihrer Setter-Funktion in einer </a:t>
+            </a:r>
+            <a:r>
+              <a:rPr lang="de-AT" dirty="0" err="1"/>
+              <a:t>const</a:t>
+            </a:r>
+            <a:r>
+              <a:rPr lang="de-AT" dirty="0"/>
+              <a:t> Variable gespeichert und über die </a:t>
+            </a:r>
+            <a:r>
+              <a:rPr lang="de-AT" dirty="0" err="1"/>
+              <a:t>useState</a:t>
+            </a:r>
+            <a:r>
+              <a:rPr lang="de-AT" dirty="0"/>
+              <a:t>([</a:t>
+            </a:r>
+            <a:r>
+              <a:rPr lang="de-AT" dirty="0" err="1"/>
+              <a:t>Defaulwert</a:t>
+            </a:r>
+            <a:r>
+              <a:rPr lang="de-AT" dirty="0"/>
+              <a:t>]) Methode initialisiert (initialer Wert wird vergeben) </a:t>
+            </a:r>
+          </a:p>
+          <a:p>
+            <a:endParaRPr lang="de-AT" dirty="0"/>
+          </a:p>
+        </p:txBody>
+      </p:sp>
+      <p:pic>
+        <p:nvPicPr>
+          <p:cNvPr id="7" name="Grafik 6">
+            <a:extLst>
+              <a:ext uri="{FF2B5EF4-FFF2-40B4-BE49-F238E27FC236}">
+                <a16:creationId xmlns:a16="http://schemas.microsoft.com/office/drawing/2014/main" id="{7B25A530-1427-271E-67A6-4EC9455E5075}"/>
+              </a:ext>
+            </a:extLst>
+          </p:cNvPr>
+          <p:cNvPicPr>
+            <a:picLocks noChangeAspect="1"/>
+          </p:cNvPicPr>
+          <p:nvPr/>
+        </p:nvPicPr>
+        <p:blipFill>
+          <a:blip r:embed="rId2"/>
+          <a:stretch>
+            <a:fillRect/>
+          </a:stretch>
+        </p:blipFill>
+        <p:spPr>
+          <a:xfrm>
+            <a:off x="8133640" y="2572124"/>
+            <a:ext cx="3856360" cy="3078868"/>
+          </a:xfrm>
+          <a:prstGeom prst="rect">
+            <a:avLst/>
+          </a:prstGeom>
+        </p:spPr>
+      </p:pic>
+    </p:spTree>
+    <p:extLst>
+      <p:ext uri="{BB962C8B-B14F-4D97-AF65-F5344CB8AC3E}">
+        <p14:creationId xmlns:p14="http://schemas.microsoft.com/office/powerpoint/2010/main" val="2225707344"/>
+      </p:ext>
+    </p:extLst>
+  </p:cSld>
+  <p:clrMapOvr>
+    <a:masterClrMapping/>
+  </p:clrMapOvr>
+</p:sld>
+</file>
+
+<file path=ppt/slides/slide35.xml><?xml version="1.0" encoding="utf-8"?>
+<p:sld xmlns:a="http://schemas.openxmlformats.org/drawingml/2006/main" xmlns:r="http://schemas.openxmlformats.org/officeDocument/2006/relationships" xmlns:p="http://schemas.openxmlformats.org/presentationml/2006/main">
+  <p:cSld>
+    <p:spTree>
+      <p:nvGrpSpPr>
+        <p:cNvPr id="1" name=""/>
+        <p:cNvGrpSpPr/>
+        <p:nvPr/>
+      </p:nvGrpSpPr>
+      <p:grpSpPr>
+        <a:xfrm>
+          <a:off x="0" y="0"/>
+          <a:ext cx="0" cy="0"/>
+          <a:chOff x="0" y="0"/>
+          <a:chExt cx="0" cy="0"/>
+        </a:xfrm>
+      </p:grpSpPr>
+      <p:sp>
+        <p:nvSpPr>
+          <p:cNvPr id="2" name="Titel 1">
+            <a:extLst>
+              <a:ext uri="{FF2B5EF4-FFF2-40B4-BE49-F238E27FC236}">
+                <a16:creationId xmlns:a16="http://schemas.microsoft.com/office/drawing/2014/main" id="{336CBD2C-2006-5CD8-6EF7-C2CFE10552EC}"/>
+              </a:ext>
+            </a:extLst>
+          </p:cNvPr>
+          <p:cNvSpPr>
+            <a:spLocks noGrp="1"/>
+          </p:cNvSpPr>
+          <p:nvPr>
+            <p:ph type="title"/>
+          </p:nvPr>
+        </p:nvSpPr>
+        <p:spPr/>
+        <p:txBody>
+          <a:bodyPr/>
+          <a:lstStyle/>
+          <a:p>
+            <a:r>
+              <a:rPr lang="de-AT" dirty="0" err="1"/>
+              <a:t>React</a:t>
+            </a:r>
+            <a:r>
+              <a:rPr lang="de-AT" dirty="0"/>
+              <a:t> States – Zustand Variablen (2)</a:t>
+            </a:r>
+          </a:p>
+        </p:txBody>
+      </p:sp>
+      <p:sp>
+        <p:nvSpPr>
+          <p:cNvPr id="3" name="Inhaltsplatzhalter 2">
+            <a:extLst>
+              <a:ext uri="{FF2B5EF4-FFF2-40B4-BE49-F238E27FC236}">
+                <a16:creationId xmlns:a16="http://schemas.microsoft.com/office/drawing/2014/main" id="{16C2E266-5F0F-D20C-6307-F539172053CE}"/>
+              </a:ext>
+            </a:extLst>
+          </p:cNvPr>
+          <p:cNvSpPr>
+            <a:spLocks noGrp="1"/>
+          </p:cNvSpPr>
+          <p:nvPr>
+            <p:ph idx="1"/>
+          </p:nvPr>
+        </p:nvSpPr>
+        <p:spPr>
+          <a:xfrm>
+            <a:off x="475488" y="1956816"/>
+            <a:ext cx="7379208" cy="4484731"/>
+          </a:xfrm>
+        </p:spPr>
+        <p:txBody>
+          <a:bodyPr>
+            <a:normAutofit/>
+          </a:bodyPr>
+          <a:lstStyle/>
+          <a:p>
+            <a:pPr marL="228600" indent="-228600" algn="l" rtl="0" eaLnBrk="1" latinLnBrk="0" hangingPunct="1">
+              <a:lnSpc>
+                <a:spcPct val="120000"/>
+              </a:lnSpc>
+              <a:spcBef>
+                <a:spcPts val="1000"/>
+              </a:spcBef>
+              <a:spcAft>
+                <a:spcPts val="0"/>
+              </a:spcAft>
+              <a:buClrTx/>
+              <a:buSzPts val="1700"/>
+              <a:buFont typeface="Arial" panose="020B0604020202020204" pitchFamily="34" charset="0"/>
+              <a:buChar char="•"/>
+            </a:pPr>
+            <a:r>
+              <a:rPr lang="de-AT" sz="1800" kern="1200" dirty="0">
+                <a:solidFill>
+                  <a:srgbClr val="000000"/>
+                </a:solidFill>
+                <a:effectLst/>
+                <a:latin typeface="Avenir Next LT Pro Light" panose="020B0304020202020204" pitchFamily="34" charset="0"/>
+                <a:ea typeface="+mn-ea"/>
+                <a:cs typeface="+mn-cs"/>
+              </a:rPr>
+              <a:t>Eine State-Variable kann nur auf der obersten Ebene Ihrer Komponenten deklariert werden. Sie können nicht innerhalb von Bedingungen, Schleifen oder anderen verschachtelten Funktionen deklariert werden.</a:t>
+            </a:r>
+          </a:p>
+          <a:p>
+            <a:pPr marL="228600" indent="-228600" algn="l" rtl="0" eaLnBrk="1" latinLnBrk="0" hangingPunct="1">
+              <a:lnSpc>
+                <a:spcPct val="120000"/>
+              </a:lnSpc>
+              <a:spcBef>
+                <a:spcPts val="1000"/>
+              </a:spcBef>
+              <a:spcAft>
+                <a:spcPts val="0"/>
+              </a:spcAft>
+              <a:buClrTx/>
+              <a:buSzPts val="1700"/>
+              <a:buFont typeface="Arial" panose="020B0604020202020204" pitchFamily="34" charset="0"/>
+              <a:buChar char="•"/>
+            </a:pPr>
+            <a:r>
+              <a:rPr lang="de-AT" sz="1800" kern="1200" dirty="0">
+                <a:solidFill>
+                  <a:srgbClr val="000000"/>
+                </a:solidFill>
+                <a:effectLst/>
+                <a:latin typeface="Avenir Next LT Pro Light" panose="020B0304020202020204" pitchFamily="34" charset="0"/>
+                <a:ea typeface="+mn-ea"/>
+                <a:cs typeface="+mn-cs"/>
+              </a:rPr>
+              <a:t>Eine State-Variable wird genau wie jede andere Variable verwendet, allerdings werden Änderungen nur über die </a:t>
+            </a:r>
+            <a:r>
+              <a:rPr lang="de-AT" sz="1800" kern="1200" dirty="0" err="1">
+                <a:solidFill>
+                  <a:srgbClr val="000000"/>
+                </a:solidFill>
+                <a:effectLst/>
+                <a:latin typeface="Avenir Next LT Pro Light" panose="020B0304020202020204" pitchFamily="34" charset="0"/>
+                <a:ea typeface="+mn-ea"/>
+                <a:cs typeface="+mn-cs"/>
+              </a:rPr>
+              <a:t>Settermethode</a:t>
+            </a:r>
+            <a:r>
+              <a:rPr lang="de-AT" sz="1800" kern="1200" dirty="0">
+                <a:solidFill>
+                  <a:srgbClr val="000000"/>
+                </a:solidFill>
+                <a:effectLst/>
+                <a:latin typeface="Avenir Next LT Pro Light" panose="020B0304020202020204" pitchFamily="34" charset="0"/>
+                <a:ea typeface="+mn-ea"/>
+                <a:cs typeface="+mn-cs"/>
+              </a:rPr>
+              <a:t> veranlasst.</a:t>
+            </a:r>
+            <a:br>
+              <a:rPr lang="de-AT" sz="1800" kern="1200" dirty="0">
+                <a:solidFill>
+                  <a:srgbClr val="000000"/>
+                </a:solidFill>
+                <a:effectLst/>
+                <a:latin typeface="Avenir Next LT Pro Light" panose="020B0304020202020204" pitchFamily="34" charset="0"/>
+                <a:ea typeface="+mn-ea"/>
+                <a:cs typeface="+mn-cs"/>
+              </a:rPr>
+            </a:br>
+            <a:r>
+              <a:rPr lang="de-AT" sz="1800" kern="1200" dirty="0" err="1">
+                <a:solidFill>
+                  <a:srgbClr val="000000"/>
+                </a:solidFill>
+                <a:effectLst/>
+                <a:latin typeface="Avenir Next LT Pro Light" panose="020B0304020202020204" pitchFamily="34" charset="0"/>
+                <a:ea typeface="+mn-ea"/>
+                <a:cs typeface="+mn-cs"/>
+              </a:rPr>
+              <a:t>Bsp</a:t>
+            </a:r>
+            <a:r>
+              <a:rPr lang="de-AT" sz="1800" kern="1200" dirty="0">
+                <a:solidFill>
+                  <a:srgbClr val="000000"/>
+                </a:solidFill>
+                <a:effectLst/>
+                <a:latin typeface="Avenir Next LT Pro Light" panose="020B0304020202020204" pitchFamily="34" charset="0"/>
+                <a:ea typeface="+mn-ea"/>
+                <a:cs typeface="+mn-cs"/>
+              </a:rPr>
+              <a:t>: </a:t>
+            </a:r>
+            <a:r>
+              <a:rPr lang="de-AT" sz="1800" strike="sngStrike" kern="1200" dirty="0" err="1">
+                <a:solidFill>
+                  <a:srgbClr val="000000"/>
+                </a:solidFill>
+                <a:effectLst/>
+                <a:latin typeface="Avenir Next LT Pro Light" panose="020B0304020202020204" pitchFamily="34" charset="0"/>
+                <a:ea typeface="+mn-ea"/>
+                <a:cs typeface="+mn-cs"/>
+              </a:rPr>
+              <a:t>count</a:t>
+            </a:r>
+            <a:r>
+              <a:rPr lang="de-AT" sz="1800" strike="sngStrike" kern="1200" dirty="0">
+                <a:solidFill>
+                  <a:srgbClr val="000000"/>
+                </a:solidFill>
+                <a:effectLst/>
+                <a:latin typeface="Avenir Next LT Pro Light" panose="020B0304020202020204" pitchFamily="34" charset="0"/>
+                <a:ea typeface="+mn-ea"/>
+                <a:cs typeface="+mn-cs"/>
+              </a:rPr>
+              <a:t> = 2</a:t>
+            </a:r>
+            <a:r>
+              <a:rPr lang="de-AT" sz="1800" kern="1200" dirty="0">
+                <a:solidFill>
+                  <a:srgbClr val="000000"/>
+                </a:solidFill>
+                <a:effectLst/>
+                <a:latin typeface="Avenir Next LT Pro Light" panose="020B0304020202020204" pitchFamily="34" charset="0"/>
+                <a:ea typeface="+mn-ea"/>
+                <a:cs typeface="+mn-cs"/>
+              </a:rPr>
+              <a:t>  sondern </a:t>
+            </a:r>
+            <a:r>
+              <a:rPr lang="de-AT" sz="1800" kern="1200" dirty="0" err="1">
+                <a:solidFill>
+                  <a:srgbClr val="000000"/>
+                </a:solidFill>
+                <a:effectLst/>
+                <a:latin typeface="Avenir Next LT Pro Light" panose="020B0304020202020204" pitchFamily="34" charset="0"/>
+                <a:ea typeface="+mn-ea"/>
+                <a:cs typeface="+mn-cs"/>
+              </a:rPr>
+              <a:t>setCount</a:t>
+            </a:r>
+            <a:r>
+              <a:rPr lang="de-AT" sz="1800" kern="1200" dirty="0">
+                <a:solidFill>
+                  <a:srgbClr val="000000"/>
+                </a:solidFill>
+                <a:effectLst/>
+                <a:latin typeface="Avenir Next LT Pro Light" panose="020B0304020202020204" pitchFamily="34" charset="0"/>
+                <a:ea typeface="+mn-ea"/>
+                <a:cs typeface="+mn-cs"/>
+              </a:rPr>
+              <a:t>(2)</a:t>
+            </a:r>
+          </a:p>
+          <a:p>
+            <a:pPr marL="228600" indent="-228600" algn="l" rtl="0" eaLnBrk="1" latinLnBrk="0" hangingPunct="1">
+              <a:lnSpc>
+                <a:spcPct val="120000"/>
+              </a:lnSpc>
+              <a:spcBef>
+                <a:spcPts val="1000"/>
+              </a:spcBef>
+              <a:spcAft>
+                <a:spcPts val="0"/>
+              </a:spcAft>
+              <a:buClrTx/>
+              <a:buSzPts val="1700"/>
+              <a:buFont typeface="Arial" panose="020B0604020202020204" pitchFamily="34" charset="0"/>
+              <a:buChar char="•"/>
+            </a:pPr>
+            <a:r>
+              <a:rPr lang="de-AT" dirty="0">
+                <a:solidFill>
+                  <a:srgbClr val="000000"/>
+                </a:solidFill>
+                <a:latin typeface="Avenir Next LT Pro Light" panose="020B0304020202020204" pitchFamily="34" charset="0"/>
+              </a:rPr>
+              <a:t>Nach Konvention wird die </a:t>
+            </a:r>
+            <a:r>
+              <a:rPr lang="de-AT" dirty="0" err="1">
+                <a:solidFill>
+                  <a:srgbClr val="000000"/>
+                </a:solidFill>
+                <a:latin typeface="Avenir Next LT Pro Light" panose="020B0304020202020204" pitchFamily="34" charset="0"/>
+              </a:rPr>
+              <a:t>Settermethode</a:t>
+            </a:r>
+            <a:r>
+              <a:rPr lang="de-AT" dirty="0">
+                <a:solidFill>
+                  <a:srgbClr val="000000"/>
+                </a:solidFill>
+                <a:latin typeface="Avenir Next LT Pro Light" panose="020B0304020202020204" pitchFamily="34" charset="0"/>
+              </a:rPr>
+              <a:t> nach dem Schema „</a:t>
+            </a:r>
+            <a:r>
+              <a:rPr lang="de-AT" dirty="0" err="1">
+                <a:solidFill>
+                  <a:srgbClr val="000000"/>
+                </a:solidFill>
+                <a:latin typeface="Avenir Next LT Pro Light" panose="020B0304020202020204" pitchFamily="34" charset="0"/>
+              </a:rPr>
+              <a:t>set</a:t>
+            </a:r>
+            <a:r>
+              <a:rPr lang="de-AT" dirty="0">
+                <a:solidFill>
+                  <a:srgbClr val="000000"/>
+                </a:solidFill>
+                <a:latin typeface="Avenir Next LT Pro Light" panose="020B0304020202020204" pitchFamily="34" charset="0"/>
+              </a:rPr>
+              <a:t>“+Variablenname (großer Anfangsbuchstabe) benannt</a:t>
+            </a:r>
+            <a:endParaRPr lang="de-AT" sz="1800" dirty="0">
+              <a:effectLst/>
+            </a:endParaRPr>
+          </a:p>
+          <a:p>
+            <a:endParaRPr lang="de-AT" dirty="0"/>
+          </a:p>
+        </p:txBody>
+      </p:sp>
+      <p:pic>
+        <p:nvPicPr>
+          <p:cNvPr id="7" name="Grafik 6">
+            <a:extLst>
+              <a:ext uri="{FF2B5EF4-FFF2-40B4-BE49-F238E27FC236}">
+                <a16:creationId xmlns:a16="http://schemas.microsoft.com/office/drawing/2014/main" id="{7B25A530-1427-271E-67A6-4EC9455E5075}"/>
+              </a:ext>
+            </a:extLst>
+          </p:cNvPr>
+          <p:cNvPicPr>
+            <a:picLocks noChangeAspect="1"/>
+          </p:cNvPicPr>
+          <p:nvPr/>
+        </p:nvPicPr>
+        <p:blipFill>
+          <a:blip r:embed="rId2"/>
+          <a:stretch>
+            <a:fillRect/>
+          </a:stretch>
+        </p:blipFill>
+        <p:spPr>
+          <a:xfrm>
+            <a:off x="8041361" y="2320454"/>
+            <a:ext cx="3856360" cy="3078868"/>
+          </a:xfrm>
+          <a:prstGeom prst="rect">
+            <a:avLst/>
+          </a:prstGeom>
+        </p:spPr>
+      </p:pic>
+    </p:spTree>
+    <p:extLst>
+      <p:ext uri="{BB962C8B-B14F-4D97-AF65-F5344CB8AC3E}">
+        <p14:creationId xmlns:p14="http://schemas.microsoft.com/office/powerpoint/2010/main" val="3864776925"/>
+      </p:ext>
+    </p:extLst>
+  </p:cSld>
+  <p:clrMapOvr>
+    <a:masterClrMapping/>
+  </p:clrMapOvr>
+</p:sld>
+</file>
+
+<file path=ppt/slides/slide36.xml><?xml version="1.0" encoding="utf-8"?>
+<p:sld xmlns:a="http://schemas.openxmlformats.org/drawingml/2006/main" xmlns:r="http://schemas.openxmlformats.org/officeDocument/2006/relationships" xmlns:p="http://schemas.openxmlformats.org/presentationml/2006/main">
+  <p:cSld>
+    <p:spTree>
+      <p:nvGrpSpPr>
+        <p:cNvPr id="1" name=""/>
+        <p:cNvGrpSpPr/>
+        <p:nvPr/>
+      </p:nvGrpSpPr>
+      <p:grpSpPr>
+        <a:xfrm>
+          <a:off x="0" y="0"/>
+          <a:ext cx="0" cy="0"/>
+          <a:chOff x="0" y="0"/>
+          <a:chExt cx="0" cy="0"/>
+        </a:xfrm>
+      </p:grpSpPr>
+      <p:sp>
+        <p:nvSpPr>
+          <p:cNvPr id="2" name="Titel 1">
+            <a:extLst>
+              <a:ext uri="{FF2B5EF4-FFF2-40B4-BE49-F238E27FC236}">
+                <a16:creationId xmlns:a16="http://schemas.microsoft.com/office/drawing/2014/main" id="{762D4181-A115-7F22-1952-0A114A6892A1}"/>
+              </a:ext>
+            </a:extLst>
+          </p:cNvPr>
+          <p:cNvSpPr>
+            <a:spLocks noGrp="1"/>
+          </p:cNvSpPr>
+          <p:nvPr>
+            <p:ph type="title"/>
+          </p:nvPr>
+        </p:nvSpPr>
+        <p:spPr>
+          <a:xfrm>
+            <a:off x="973123" y="685800"/>
+            <a:ext cx="9580578" cy="1371600"/>
+          </a:xfrm>
+        </p:spPr>
+        <p:txBody>
+          <a:bodyPr/>
+          <a:lstStyle/>
+          <a:p>
+            <a:r>
+              <a:rPr lang="de-AT" dirty="0"/>
+              <a:t>Übung „The Dice Game“</a:t>
+            </a:r>
+          </a:p>
+        </p:txBody>
+      </p:sp>
+      <p:sp>
+        <p:nvSpPr>
+          <p:cNvPr id="3" name="Inhaltsplatzhalter 2">
+            <a:extLst>
+              <a:ext uri="{FF2B5EF4-FFF2-40B4-BE49-F238E27FC236}">
+                <a16:creationId xmlns:a16="http://schemas.microsoft.com/office/drawing/2014/main" id="{B88CA1EC-F8D8-8168-D2C6-53A3BB562FD5}"/>
+              </a:ext>
+            </a:extLst>
+          </p:cNvPr>
+          <p:cNvSpPr>
+            <a:spLocks noGrp="1"/>
+          </p:cNvSpPr>
+          <p:nvPr>
+            <p:ph idx="1"/>
+          </p:nvPr>
+        </p:nvSpPr>
+        <p:spPr>
+          <a:xfrm>
+            <a:off x="685800" y="2057400"/>
+            <a:ext cx="6720840" cy="4137259"/>
+          </a:xfrm>
+        </p:spPr>
+        <p:txBody>
+          <a:bodyPr/>
+          <a:lstStyle/>
+          <a:p>
+            <a:r>
+              <a:rPr lang="de-AT" dirty="0"/>
+              <a:t>Erweitere deine „</a:t>
+            </a:r>
+            <a:r>
+              <a:rPr lang="de-AT" dirty="0" err="1"/>
+              <a:t>DiceGame</a:t>
+            </a:r>
+            <a:r>
+              <a:rPr lang="de-AT" dirty="0"/>
+              <a:t>“ Komponente um einen Button „</a:t>
+            </a:r>
+            <a:r>
+              <a:rPr lang="de-AT" dirty="0" err="1"/>
+              <a:t>NewGameButton</a:t>
+            </a:r>
+            <a:r>
+              <a:rPr lang="de-AT" dirty="0"/>
+              <a:t>“ der das Spiel erneut startet und die Würfel neu würfelt.</a:t>
+            </a:r>
+          </a:p>
+          <a:p>
+            <a:r>
+              <a:rPr lang="de-AT" dirty="0"/>
+              <a:t>Verwende eine 2 State-Variablen um die Augenzahlen der Würfel zu bestimmen</a:t>
+            </a:r>
+          </a:p>
+          <a:p>
+            <a:r>
+              <a:rPr lang="de-AT" dirty="0"/>
+              <a:t>Verwende eine State-Variable um den Gewinner zu definieren</a:t>
+            </a:r>
+          </a:p>
+        </p:txBody>
+      </p:sp>
+      <p:pic>
+        <p:nvPicPr>
+          <p:cNvPr id="4" name="Grafik 3">
+            <a:extLst>
+              <a:ext uri="{FF2B5EF4-FFF2-40B4-BE49-F238E27FC236}">
+                <a16:creationId xmlns:a16="http://schemas.microsoft.com/office/drawing/2014/main" id="{1ECC4204-021A-3751-E721-4342A75F3C00}"/>
+              </a:ext>
+            </a:extLst>
+          </p:cNvPr>
+          <p:cNvPicPr>
+            <a:picLocks noChangeAspect="1"/>
+          </p:cNvPicPr>
+          <p:nvPr/>
+        </p:nvPicPr>
+        <p:blipFill>
+          <a:blip r:embed="rId2"/>
+          <a:stretch>
+            <a:fillRect/>
+          </a:stretch>
+        </p:blipFill>
+        <p:spPr>
+          <a:xfrm>
+            <a:off x="7935984" y="2057400"/>
+            <a:ext cx="3971799" cy="2210339"/>
+          </a:xfrm>
+          <a:prstGeom prst="rect">
+            <a:avLst/>
+          </a:prstGeom>
+        </p:spPr>
+      </p:pic>
+      <p:pic>
+        <p:nvPicPr>
+          <p:cNvPr id="6" name="Grafik 5">
+            <a:extLst>
+              <a:ext uri="{FF2B5EF4-FFF2-40B4-BE49-F238E27FC236}">
+                <a16:creationId xmlns:a16="http://schemas.microsoft.com/office/drawing/2014/main" id="{30051D8C-7F37-ED4D-D3E7-DA4FF244838E}"/>
+              </a:ext>
+            </a:extLst>
+          </p:cNvPr>
+          <p:cNvPicPr>
+            <a:picLocks noChangeAspect="1"/>
+          </p:cNvPicPr>
+          <p:nvPr/>
+        </p:nvPicPr>
+        <p:blipFill>
+          <a:blip r:embed="rId3"/>
+          <a:stretch>
+            <a:fillRect/>
+          </a:stretch>
+        </p:blipFill>
+        <p:spPr>
+          <a:xfrm>
+            <a:off x="8254767" y="4485423"/>
+            <a:ext cx="2707189" cy="1580414"/>
+          </a:xfrm>
+          <a:prstGeom prst="rect">
+            <a:avLst/>
+          </a:prstGeom>
+        </p:spPr>
+      </p:pic>
+    </p:spTree>
+    <p:extLst>
+      <p:ext uri="{BB962C8B-B14F-4D97-AF65-F5344CB8AC3E}">
+        <p14:creationId xmlns:p14="http://schemas.microsoft.com/office/powerpoint/2010/main" val="998170874"/>
+      </p:ext>
+    </p:extLst>
+  </p:cSld>
+  <p:clrMapOvr>
+    <a:masterClrMapping/>
+  </p:clrMapOvr>
+</p:sld>
+</file>
+
+<file path=ppt/slides/slide37.xml><?xml version="1.0" encoding="utf-8"?>
+<p:sld xmlns:a="http://schemas.openxmlformats.org/drawingml/2006/main" xmlns:r="http://schemas.openxmlformats.org/officeDocument/2006/relationships" xmlns:p="http://schemas.openxmlformats.org/presentationml/2006/main">
+  <p:cSld>
+    <p:spTree>
+      <p:nvGrpSpPr>
+        <p:cNvPr id="1" name=""/>
+        <p:cNvGrpSpPr/>
+        <p:nvPr/>
+      </p:nvGrpSpPr>
+      <p:grpSpPr>
+        <a:xfrm>
+          <a:off x="0" y="0"/>
+          <a:ext cx="0" cy="0"/>
+          <a:chOff x="0" y="0"/>
+          <a:chExt cx="0" cy="0"/>
+        </a:xfrm>
+      </p:grpSpPr>
+      <p:sp>
+        <p:nvSpPr>
+          <p:cNvPr id="2" name="Titel 1">
+            <a:extLst>
+              <a:ext uri="{FF2B5EF4-FFF2-40B4-BE49-F238E27FC236}">
+                <a16:creationId xmlns:a16="http://schemas.microsoft.com/office/drawing/2014/main" id="{F2566EC5-2F02-9CE4-E55C-180B75C74458}"/>
+              </a:ext>
+            </a:extLst>
+          </p:cNvPr>
+          <p:cNvSpPr>
+            <a:spLocks noGrp="1"/>
+          </p:cNvSpPr>
+          <p:nvPr>
+            <p:ph type="title"/>
+          </p:nvPr>
+        </p:nvSpPr>
+        <p:spPr>
+          <a:xfrm>
+            <a:off x="780176" y="685800"/>
+            <a:ext cx="9773525" cy="1371600"/>
+          </a:xfrm>
+        </p:spPr>
+        <p:txBody>
+          <a:bodyPr/>
+          <a:lstStyle/>
+          <a:p>
+            <a:r>
+              <a:rPr lang="de-AT" dirty="0"/>
+              <a:t>Pro-Übung zu </a:t>
+            </a:r>
+            <a:r>
+              <a:rPr lang="de-AT" dirty="0" err="1"/>
+              <a:t>React</a:t>
+            </a:r>
+            <a:r>
+              <a:rPr lang="de-AT" dirty="0"/>
+              <a:t> „Lottozahlen Vorhersage“</a:t>
+            </a:r>
+          </a:p>
+        </p:txBody>
+      </p:sp>
+      <p:sp>
+        <p:nvSpPr>
+          <p:cNvPr id="3" name="Inhaltsplatzhalter 2">
+            <a:extLst>
+              <a:ext uri="{FF2B5EF4-FFF2-40B4-BE49-F238E27FC236}">
+                <a16:creationId xmlns:a16="http://schemas.microsoft.com/office/drawing/2014/main" id="{F5B89372-B89B-588B-4483-5846B3A53D01}"/>
+              </a:ext>
+            </a:extLst>
+          </p:cNvPr>
+          <p:cNvSpPr>
+            <a:spLocks noGrp="1"/>
+          </p:cNvSpPr>
+          <p:nvPr>
+            <p:ph idx="1"/>
+          </p:nvPr>
+        </p:nvSpPr>
+        <p:spPr>
+          <a:xfrm>
+            <a:off x="502920" y="2057400"/>
+            <a:ext cx="6392830" cy="4137259"/>
+          </a:xfrm>
+        </p:spPr>
+        <p:txBody>
+          <a:bodyPr>
+            <a:normAutofit lnSpcReduction="10000"/>
+          </a:bodyPr>
+          <a:lstStyle/>
+          <a:p>
+            <a:r>
+              <a:rPr lang="de-AT" dirty="0"/>
+              <a:t>Schreibe eine </a:t>
+            </a:r>
+            <a:r>
+              <a:rPr lang="de-AT" dirty="0" err="1"/>
+              <a:t>React</a:t>
+            </a:r>
+            <a:r>
+              <a:rPr lang="de-AT" dirty="0"/>
+              <a:t> Komponente „</a:t>
+            </a:r>
+            <a:r>
+              <a:rPr lang="de-AT" dirty="0" err="1"/>
+              <a:t>LottoGenerator</a:t>
+            </a:r>
+            <a:r>
+              <a:rPr lang="de-AT" dirty="0"/>
+              <a:t>“ um die nächsten Lotto Zahlen vorherzusagen und damit reich zu werden</a:t>
+            </a:r>
+          </a:p>
+          <a:p>
+            <a:r>
+              <a:rPr lang="de-AT" dirty="0"/>
+              <a:t>Die darunterliegenden Komponenten sind in folgender Struktur aufgeteilt (rechts unten)</a:t>
+            </a:r>
+          </a:p>
+          <a:p>
+            <a:r>
+              <a:rPr lang="de-AT" dirty="0"/>
+              <a:t>Da es verschiedene Lottoformate gibt und wir für alle Formate die richtigen Zahlen wissen wollen müssen wir verschiedene Limits festlegen können (Min, Max) welche Werte die Zahlen annehmen können.</a:t>
+            </a:r>
+          </a:p>
+          <a:p>
+            <a:r>
+              <a:rPr lang="de-AT" dirty="0"/>
+              <a:t>Optional: bei manchen Lottoformaten werden mehr oder weniger Zahlen gezogen deshalb wäre eine zusätzliche Einstellung „Anzahl gezogener Zahlen“ auch gut.  </a:t>
+            </a:r>
+          </a:p>
+          <a:p>
+            <a:endParaRPr lang="de-AT" dirty="0"/>
+          </a:p>
+          <a:p>
+            <a:endParaRPr lang="de-AT" dirty="0"/>
+          </a:p>
+        </p:txBody>
+      </p:sp>
+      <p:pic>
+        <p:nvPicPr>
+          <p:cNvPr id="5" name="Grafik 4">
+            <a:extLst>
+              <a:ext uri="{FF2B5EF4-FFF2-40B4-BE49-F238E27FC236}">
+                <a16:creationId xmlns:a16="http://schemas.microsoft.com/office/drawing/2014/main" id="{5A16A16E-3925-DC51-CAB2-C104F685201F}"/>
+              </a:ext>
+            </a:extLst>
+          </p:cNvPr>
+          <p:cNvPicPr>
+            <a:picLocks noChangeAspect="1"/>
+          </p:cNvPicPr>
+          <p:nvPr/>
+        </p:nvPicPr>
+        <p:blipFill>
+          <a:blip r:embed="rId2"/>
+          <a:stretch>
+            <a:fillRect/>
+          </a:stretch>
+        </p:blipFill>
+        <p:spPr>
+          <a:xfrm>
+            <a:off x="7580513" y="2057400"/>
+            <a:ext cx="4442870" cy="2093976"/>
+          </a:xfrm>
+          <a:prstGeom prst="rect">
+            <a:avLst/>
+          </a:prstGeom>
+        </p:spPr>
+      </p:pic>
+      <p:pic>
+        <p:nvPicPr>
+          <p:cNvPr id="13" name="Grafik 12">
+            <a:extLst>
+              <a:ext uri="{FF2B5EF4-FFF2-40B4-BE49-F238E27FC236}">
+                <a16:creationId xmlns:a16="http://schemas.microsoft.com/office/drawing/2014/main" id="{4E1735DF-6CD2-BF7C-713C-E8E450DCCFAE}"/>
+              </a:ext>
+            </a:extLst>
+          </p:cNvPr>
+          <p:cNvPicPr>
+            <a:picLocks noChangeAspect="1"/>
+          </p:cNvPicPr>
+          <p:nvPr/>
+        </p:nvPicPr>
+        <p:blipFill>
+          <a:blip r:embed="rId3"/>
+          <a:stretch>
+            <a:fillRect/>
+          </a:stretch>
+        </p:blipFill>
+        <p:spPr>
+          <a:xfrm>
+            <a:off x="7620419" y="4348465"/>
+            <a:ext cx="2181529" cy="1924319"/>
+          </a:xfrm>
+          <a:prstGeom prst="rect">
+            <a:avLst/>
+          </a:prstGeom>
+        </p:spPr>
+      </p:pic>
+    </p:spTree>
+    <p:extLst>
+      <p:ext uri="{BB962C8B-B14F-4D97-AF65-F5344CB8AC3E}">
+        <p14:creationId xmlns:p14="http://schemas.microsoft.com/office/powerpoint/2010/main" val="2018471813"/>
+      </p:ext>
+    </p:extLst>
+  </p:cSld>
+  <p:clrMapOvr>
+    <a:masterClrMapping/>
+  </p:clrMapOvr>
+</p:sld>
+</file>
+
+<file path=ppt/slides/slide38.xml><?xml version="1.0" encoding="utf-8"?>
+<p:sld xmlns:a="http://schemas.openxmlformats.org/drawingml/2006/main" xmlns:r="http://schemas.openxmlformats.org/officeDocument/2006/relationships" xmlns:p="http://schemas.openxmlformats.org/presentationml/2006/main">
+  <p:cSld>
+    <p:spTree>
+      <p:nvGrpSpPr>
+        <p:cNvPr id="1" name=""/>
+        <p:cNvGrpSpPr/>
+        <p:nvPr/>
+      </p:nvGrpSpPr>
+      <p:grpSpPr>
+        <a:xfrm>
+          <a:off x="0" y="0"/>
+          <a:ext cx="0" cy="0"/>
+          <a:chOff x="0" y="0"/>
+          <a:chExt cx="0" cy="0"/>
+        </a:xfrm>
+      </p:grpSpPr>
+      <p:sp>
+        <p:nvSpPr>
+          <p:cNvPr id="6" name="Titel 5">
+            <a:extLst>
+              <a:ext uri="{FF2B5EF4-FFF2-40B4-BE49-F238E27FC236}">
+                <a16:creationId xmlns:a16="http://schemas.microsoft.com/office/drawing/2014/main" id="{215C6C17-3994-268F-CD9B-1F627A31A4B8}"/>
+              </a:ext>
+            </a:extLst>
+          </p:cNvPr>
+          <p:cNvSpPr>
+            <a:spLocks noGrp="1"/>
+          </p:cNvSpPr>
+          <p:nvPr>
+            <p:ph type="ctrTitle"/>
+          </p:nvPr>
+        </p:nvSpPr>
+        <p:spPr>
+          <a:xfrm>
+            <a:off x="2032213" y="370652"/>
+            <a:ext cx="8127574" cy="2736443"/>
+          </a:xfrm>
+        </p:spPr>
+        <p:txBody>
+          <a:bodyPr/>
+          <a:lstStyle/>
+          <a:p>
+            <a:r>
+              <a:rPr lang="de-AT" dirty="0"/>
+              <a:t>Viel Erfolg beim Entwickeln!</a:t>
+            </a:r>
+          </a:p>
+        </p:txBody>
+      </p:sp>
+      <p:pic>
+        <p:nvPicPr>
+          <p:cNvPr id="2050" name="Picture 2" descr="CODERS.BAY | Linz">
+            <a:extLst>
+              <a:ext uri="{FF2B5EF4-FFF2-40B4-BE49-F238E27FC236}">
+                <a16:creationId xmlns:a16="http://schemas.microsoft.com/office/drawing/2014/main" id="{FC92A2D7-CD40-5160-E3FA-7A115A1ECE63}"/>
+              </a:ext>
+            </a:extLst>
+          </p:cNvPr>
+          <p:cNvPicPr>
+            <a:picLocks noChangeAspect="1" noChangeArrowheads="1"/>
+          </p:cNvPicPr>
+          <p:nvPr/>
+        </p:nvPicPr>
+        <p:blipFill>
+          <a:blip r:embed="rId2">
+            <a:extLst>
+              <a:ext uri="{28A0092B-C50C-407E-A947-70E740481C1C}">
+                <a14:useLocalDpi xmlns:a14="http://schemas.microsoft.com/office/drawing/2010/main" val="0"/>
+              </a:ext>
+            </a:extLst>
+          </a:blip>
+          <a:srcRect/>
+          <a:stretch>
+            <a:fillRect/>
+          </a:stretch>
+        </p:blipFill>
+        <p:spPr bwMode="auto">
+          <a:xfrm>
+            <a:off x="5342119" y="3768185"/>
+            <a:ext cx="1507761" cy="1507761"/>
+          </a:xfrm>
+          <a:prstGeom prst="rect">
+            <a:avLst/>
+          </a:prstGeom>
+          <a:noFill/>
+          <a:extLst>
+            <a:ext uri="{909E8E84-426E-40DD-AFC4-6F175D3DCCD1}">
+              <a14:hiddenFill xmlns:a14="http://schemas.microsoft.com/office/drawing/2010/main">
+                <a:solidFill>
+                  <a:srgbClr val="FFFFFF"/>
+                </a:solidFill>
+              </a14:hiddenFill>
+            </a:ext>
+          </a:extLst>
+        </p:spPr>
+      </p:pic>
+    </p:spTree>
+    <p:extLst>
+      <p:ext uri="{BB962C8B-B14F-4D97-AF65-F5344CB8AC3E}">
+        <p14:creationId xmlns:p14="http://schemas.microsoft.com/office/powerpoint/2010/main" val="2872145444"/>
       </p:ext>
     </p:extLst>
   </p:cSld>
@@ -7727,6 +11868,14 @@
 <file path=ppt/slides/slide9.xml><?xml version="1.0" encoding="utf-8"?>
 <p:sld xmlns:a="http://schemas.openxmlformats.org/drawingml/2006/main" xmlns:r="http://schemas.openxmlformats.org/officeDocument/2006/relationships" xmlns:p="http://schemas.openxmlformats.org/presentationml/2006/main">
   <p:cSld>
+    <p:bg>
+      <p:bgPr>
+        <a:solidFill>
+          <a:schemeClr val="bg1"/>
+        </a:solidFill>
+        <a:effectLst/>
+      </p:bgPr>
+    </p:bg>
     <p:spTree>
       <p:nvGrpSpPr>
         <p:cNvPr id="1" name=""/>
@@ -7743,109 +11892,76 @@
       </p:grpSpPr>
       <p:sp>
         <p:nvSpPr>
-          <p:cNvPr id="2" name="Titel 1">
-            <a:extLst>
-              <a:ext uri="{FF2B5EF4-FFF2-40B4-BE49-F238E27FC236}">
-                <a16:creationId xmlns:a16="http://schemas.microsoft.com/office/drawing/2014/main" id="{9D9BFBAC-F174-E2C5-296F-FBBECDB735AA}"/>
-              </a:ext>
-            </a:extLst>
-          </p:cNvPr>
-          <p:cNvSpPr>
-            <a:spLocks noGrp="1"/>
-          </p:cNvSpPr>
-          <p:nvPr>
-            <p:ph type="title"/>
-          </p:nvPr>
-        </p:nvSpPr>
-        <p:spPr/>
-        <p:txBody>
-          <a:bodyPr/>
-          <a:lstStyle/>
-          <a:p>
-            <a:r>
-              <a:rPr lang="de-AT" dirty="0" err="1"/>
-              <a:t>React</a:t>
-            </a:r>
-            <a:r>
-              <a:rPr lang="de-AT" dirty="0"/>
-              <a:t> Komponenten</a:t>
-            </a:r>
-          </a:p>
-        </p:txBody>
-      </p:sp>
-      <p:sp>
-        <p:nvSpPr>
-          <p:cNvPr id="3" name="Inhaltsplatzhalter 2">
-            <a:extLst>
-              <a:ext uri="{FF2B5EF4-FFF2-40B4-BE49-F238E27FC236}">
-                <a16:creationId xmlns:a16="http://schemas.microsoft.com/office/drawing/2014/main" id="{1D08B22A-FFF5-CF70-7FA2-665BE43C587D}"/>
-              </a:ext>
-            </a:extLst>
-          </p:cNvPr>
-          <p:cNvSpPr>
-            <a:spLocks noGrp="1"/>
-          </p:cNvSpPr>
-          <p:nvPr>
-            <p:ph idx="1"/>
-          </p:nvPr>
-        </p:nvSpPr>
-        <p:spPr>
-          <a:xfrm>
-            <a:off x="420624" y="1830897"/>
-            <a:ext cx="5675376" cy="4469235"/>
-          </a:xfrm>
-        </p:spPr>
-        <p:txBody>
-          <a:bodyPr>
-            <a:normAutofit/>
-          </a:bodyPr>
-          <a:lstStyle/>
-          <a:p>
-            <a:r>
-              <a:rPr lang="de-AT" dirty="0" err="1"/>
-              <a:t>React</a:t>
-            </a:r>
-            <a:r>
-              <a:rPr lang="de-AT" dirty="0"/>
-              <a:t>-Anwendungen bestehen aus Komponenten.</a:t>
-            </a:r>
-          </a:p>
-          <a:p>
-            <a:r>
-              <a:rPr lang="de-AT" dirty="0"/>
-              <a:t>Eine Komponente ist ein Teil der Benutzeroberfläche (UI), der über seine eigene Logik und Darstellung verfügt.</a:t>
-            </a:r>
-          </a:p>
-          <a:p>
-            <a:r>
-              <a:rPr lang="de-AT" dirty="0"/>
-              <a:t>Eine Komponente kann so klein wie eine Schaltfläche oder so groß wie eine ganze Seite sein.</a:t>
-            </a:r>
-          </a:p>
-          <a:p>
-            <a:r>
-              <a:rPr lang="de-AT" dirty="0"/>
-              <a:t>Komponenten können ineinander verschachtelt werden</a:t>
-            </a:r>
-          </a:p>
-          <a:p>
-            <a:pPr lvl="1"/>
-            <a:r>
-              <a:rPr lang="de-AT" dirty="0"/>
-              <a:t>Achtung: Komponenten können andere Komponenten rendern, aber ihre Definitionen dürfen niemals verschachtelt sein.</a:t>
-            </a:r>
-          </a:p>
-          <a:p>
-            <a:endParaRPr lang="de-AT" dirty="0"/>
+          <p:cNvPr id="9" name="Rectangle 8">
+            <a:extLst>
+              <a:ext uri="{FF2B5EF4-FFF2-40B4-BE49-F238E27FC236}">
+                <a16:creationId xmlns:a16="http://schemas.microsoft.com/office/drawing/2014/main" id="{BE229233-9672-4675-99B7-6CBCEF1CD415}"/>
+              </a:ext>
+              <a:ext uri="{C183D7F6-B498-43B3-948B-1728B52AA6E4}">
+                <adec:decorative xmlns:adec="http://schemas.microsoft.com/office/drawing/2017/decorative" val="1"/>
+              </a:ext>
+            </a:extLst>
+          </p:cNvPr>
+          <p:cNvSpPr>
+            <a:spLocks noGrp="1" noRot="1" noChangeAspect="1" noMove="1" noResize="1" noEditPoints="1" noAdjustHandles="1" noChangeArrowheads="1" noChangeShapeType="1" noTextEdit="1"/>
+          </p:cNvSpPr>
+          <p:nvPr>
+            <p:extLst>
+              <p:ext uri="{386F3935-93C4-4BCD-93E2-E3B085C9AB24}">
+                <p16:designElem xmlns:p16="http://schemas.microsoft.com/office/powerpoint/2015/main" val="1"/>
+              </p:ext>
+            </p:extLst>
+          </p:nvPr>
+        </p:nvSpPr>
+        <p:spPr>
+          <a:xfrm>
+            <a:off x="0" y="0"/>
+            <a:ext cx="12192000" cy="6858000"/>
+          </a:xfrm>
+          <a:prstGeom prst="rect">
+            <a:avLst/>
+          </a:prstGeom>
+          <a:solidFill>
+            <a:schemeClr val="bg1"/>
+          </a:solidFill>
+          <a:ln w="12700" cap="flat" cmpd="sng" algn="ctr">
+            <a:noFill/>
+            <a:prstDash val="solid"/>
+            <a:miter lim="800000"/>
+          </a:ln>
+          <a:effectLst/>
+        </p:spPr>
+        <p:style>
+          <a:lnRef idx="2">
+            <a:schemeClr val="accent1">
+              <a:shade val="50000"/>
+            </a:schemeClr>
+          </a:lnRef>
+          <a:fillRef idx="1">
+            <a:schemeClr val="accent1"/>
+          </a:fillRef>
+          <a:effectRef idx="0">
+            <a:schemeClr val="accent1"/>
+          </a:effectRef>
+          <a:fontRef idx="minor">
+            <a:schemeClr val="lt1"/>
+          </a:fontRef>
+        </p:style>
+        <p:txBody>
+          <a:bodyPr rtlCol="0" anchor="ctr"/>
+          <a:lstStyle/>
+          <a:p>
+            <a:pPr algn="ctr"/>
+            <a:endParaRPr lang="en-US"/>
           </a:p>
         </p:txBody>
       </p:sp>
       <p:pic>
         <p:nvPicPr>
-          <p:cNvPr id="7" name="Grafik 6">
-            <a:extLst>
-              <a:ext uri="{FF2B5EF4-FFF2-40B4-BE49-F238E27FC236}">
-                <a16:creationId xmlns:a16="http://schemas.microsoft.com/office/drawing/2014/main" id="{D29BCA38-E46A-BD3A-9997-B3A0361AC480}"/>
+          <p:cNvPr id="4" name="Picture 3" descr="Ein Bild, das Screenshot, Wasser, Blau, unterwasser enthält.&#10;&#10;Automatisch generierte Beschreibung">
+            <a:extLst>
+              <a:ext uri="{FF2B5EF4-FFF2-40B4-BE49-F238E27FC236}">
+                <a16:creationId xmlns:a16="http://schemas.microsoft.com/office/drawing/2014/main" id="{8888D5D7-5569-BBD7-CF94-2A7F62111266}"/>
               </a:ext>
             </a:extLst>
           </p:cNvPr>
@@ -7854,26 +11970,240 @@
           </p:cNvPicPr>
           <p:nvPr/>
         </p:nvPicPr>
+        <p:blipFill rotWithShape="1">
+          <a:blip r:embed="rId2"/>
+          <a:srcRect l="154" r="33284"/>
+          <a:stretch/>
+        </p:blipFill>
+        <p:spPr>
+          <a:xfrm>
+            <a:off x="20" y="-2"/>
+            <a:ext cx="8115280" cy="6858001"/>
+          </a:xfrm>
+          <a:prstGeom prst="rect">
+            <a:avLst/>
+          </a:prstGeom>
+        </p:spPr>
+      </p:pic>
+      <p:sp>
+        <p:nvSpPr>
+          <p:cNvPr id="11" name="Rectangle 10">
+            <a:extLst>
+              <a:ext uri="{FF2B5EF4-FFF2-40B4-BE49-F238E27FC236}">
+                <a16:creationId xmlns:a16="http://schemas.microsoft.com/office/drawing/2014/main" id="{EC5FF010-B53C-46BE-BEEF-AF926A00F67F}"/>
+              </a:ext>
+              <a:ext uri="{C183D7F6-B498-43B3-948B-1728B52AA6E4}">
+                <adec:decorative xmlns:adec="http://schemas.microsoft.com/office/drawing/2017/decorative" val="1"/>
+              </a:ext>
+            </a:extLst>
+          </p:cNvPr>
+          <p:cNvSpPr>
+            <a:spLocks noGrp="1" noRot="1" noChangeAspect="1" noMove="1" noResize="1" noEditPoints="1" noAdjustHandles="1" noChangeArrowheads="1" noChangeShapeType="1" noTextEdit="1"/>
+          </p:cNvSpPr>
+          <p:nvPr>
+            <p:extLst>
+              <p:ext uri="{386F3935-93C4-4BCD-93E2-E3B085C9AB24}">
+                <p16:designElem xmlns:p16="http://schemas.microsoft.com/office/powerpoint/2015/main" val="1"/>
+              </p:ext>
+            </p:extLst>
+          </p:nvPr>
+        </p:nvSpPr>
+        <p:spPr>
+          <a:xfrm>
+            <a:off x="3238500" y="2057400"/>
+            <a:ext cx="4876800" cy="2743201"/>
+          </a:xfrm>
+          <a:prstGeom prst="rect">
+            <a:avLst/>
+          </a:prstGeom>
+          <a:solidFill>
+            <a:schemeClr val="bg1"/>
+          </a:solidFill>
+          <a:ln w="12700" cap="flat" cmpd="sng" algn="ctr">
+            <a:noFill/>
+            <a:prstDash val="solid"/>
+            <a:miter lim="800000"/>
+          </a:ln>
+          <a:effectLst/>
+        </p:spPr>
+        <p:style>
+          <a:lnRef idx="2">
+            <a:schemeClr val="accent1">
+              <a:shade val="50000"/>
+            </a:schemeClr>
+          </a:lnRef>
+          <a:fillRef idx="1">
+            <a:schemeClr val="accent1"/>
+          </a:fillRef>
+          <a:effectRef idx="0">
+            <a:schemeClr val="accent1"/>
+          </a:effectRef>
+          <a:fontRef idx="minor">
+            <a:schemeClr val="lt1"/>
+          </a:fontRef>
+        </p:style>
+        <p:txBody>
+          <a:bodyPr rtlCol="0" anchor="ctr"/>
+          <a:lstStyle/>
+          <a:p>
+            <a:pPr algn="ctr"/>
+            <a:endParaRPr lang="en-US"/>
+          </a:p>
+        </p:txBody>
+      </p:sp>
+      <p:sp>
+        <p:nvSpPr>
+          <p:cNvPr id="13" name="Rectangle 12">
+            <a:extLst>
+              <a:ext uri="{FF2B5EF4-FFF2-40B4-BE49-F238E27FC236}">
+                <a16:creationId xmlns:a16="http://schemas.microsoft.com/office/drawing/2014/main" id="{8509AD9C-1F43-4138-A72B-8CA988EDD475}"/>
+              </a:ext>
+              <a:ext uri="{C183D7F6-B498-43B3-948B-1728B52AA6E4}">
+                <adec:decorative xmlns:adec="http://schemas.microsoft.com/office/drawing/2017/decorative" val="1"/>
+              </a:ext>
+            </a:extLst>
+          </p:cNvPr>
+          <p:cNvSpPr>
+            <a:spLocks noGrp="1" noRot="1" noChangeAspect="1" noMove="1" noResize="1" noEditPoints="1" noAdjustHandles="1" noChangeArrowheads="1" noChangeShapeType="1" noTextEdit="1"/>
+          </p:cNvSpPr>
+          <p:nvPr>
+            <p:extLst>
+              <p:ext uri="{386F3935-93C4-4BCD-93E2-E3B085C9AB24}">
+                <p16:designElem xmlns:p16="http://schemas.microsoft.com/office/powerpoint/2015/main" val="1"/>
+              </p:ext>
+            </p:extLst>
+          </p:nvPr>
+        </p:nvSpPr>
+        <p:spPr>
+          <a:xfrm>
+            <a:off x="8115300" y="2057400"/>
+            <a:ext cx="3276600" cy="2743201"/>
+          </a:xfrm>
+          <a:prstGeom prst="rect">
+            <a:avLst/>
+          </a:prstGeom>
+          <a:solidFill>
+            <a:schemeClr val="bg2"/>
+          </a:solidFill>
+          <a:ln w="12700" cap="flat" cmpd="sng" algn="ctr">
+            <a:noFill/>
+            <a:prstDash val="solid"/>
+            <a:miter lim="800000"/>
+          </a:ln>
+          <a:effectLst/>
+        </p:spPr>
+        <p:style>
+          <a:lnRef idx="2">
+            <a:schemeClr val="accent1">
+              <a:shade val="50000"/>
+            </a:schemeClr>
+          </a:lnRef>
+          <a:fillRef idx="1">
+            <a:schemeClr val="accent1"/>
+          </a:fillRef>
+          <a:effectRef idx="0">
+            <a:schemeClr val="accent1"/>
+          </a:effectRef>
+          <a:fontRef idx="minor">
+            <a:schemeClr val="lt1"/>
+          </a:fontRef>
+        </p:style>
+        <p:txBody>
+          <a:bodyPr rtlCol="0" anchor="ctr"/>
+          <a:lstStyle/>
+          <a:p>
+            <a:pPr algn="ctr"/>
+            <a:endParaRPr lang="en-US"/>
+          </a:p>
+        </p:txBody>
+      </p:sp>
+      <p:sp>
+        <p:nvSpPr>
+          <p:cNvPr id="2" name="Titel 1">
+            <a:extLst>
+              <a:ext uri="{FF2B5EF4-FFF2-40B4-BE49-F238E27FC236}">
+                <a16:creationId xmlns:a16="http://schemas.microsoft.com/office/drawing/2014/main" id="{C116823A-F0C0-9F76-4B25-AE0CF378C7B1}"/>
+              </a:ext>
+            </a:extLst>
+          </p:cNvPr>
+          <p:cNvSpPr>
+            <a:spLocks noGrp="1"/>
+          </p:cNvSpPr>
+          <p:nvPr>
+            <p:ph type="ctrTitle"/>
+          </p:nvPr>
+        </p:nvSpPr>
+        <p:spPr>
+          <a:xfrm>
+            <a:off x="3867324" y="2502486"/>
+            <a:ext cx="3853851" cy="1853023"/>
+          </a:xfrm>
+        </p:spPr>
+        <p:txBody>
+          <a:bodyPr anchor="ctr">
+            <a:normAutofit/>
+          </a:bodyPr>
+          <a:lstStyle/>
+          <a:p>
+            <a:pPr algn="ctr"/>
+            <a:r>
+              <a:rPr lang="de-AT" sz="2800" dirty="0"/>
+              <a:t>UI Elemente</a:t>
+            </a:r>
+          </a:p>
+        </p:txBody>
+      </p:sp>
+      <p:pic>
+        <p:nvPicPr>
+          <p:cNvPr id="3" name="Picture 2" descr="React – Wikipedia">
+            <a:extLst>
+              <a:ext uri="{FF2B5EF4-FFF2-40B4-BE49-F238E27FC236}">
+                <a16:creationId xmlns:a16="http://schemas.microsoft.com/office/drawing/2014/main" id="{76CC3A73-5D9E-CDD5-66CF-77807940D687}"/>
+              </a:ext>
+            </a:extLst>
+          </p:cNvPr>
+          <p:cNvPicPr>
+            <a:picLocks noChangeAspect="1" noChangeArrowheads="1"/>
+          </p:cNvPicPr>
+          <p:nvPr/>
+        </p:nvPicPr>
         <p:blipFill>
-          <a:blip r:embed="rId2"/>
+          <a:blip r:embed="rId3">
+            <a:extLst>
+              <a:ext uri="{28A0092B-C50C-407E-A947-70E740481C1C}">
+                <a14:useLocalDpi xmlns:a14="http://schemas.microsoft.com/office/drawing/2010/main" val="0"/>
+              </a:ext>
+            </a:extLst>
+          </a:blip>
+          <a:srcRect/>
           <a:stretch>
             <a:fillRect/>
           </a:stretch>
         </p:blipFill>
-        <p:spPr>
-          <a:xfrm>
-            <a:off x="6096000" y="1892808"/>
-            <a:ext cx="5928875" cy="3863229"/>
+        <p:spPr bwMode="auto">
+          <a:xfrm>
+            <a:off x="8674968" y="2502486"/>
+            <a:ext cx="2247834" cy="1953851"/>
           </a:xfrm>
           <a:prstGeom prst="rect">
             <a:avLst/>
           </a:prstGeom>
+          <a:noFill/>
+          <a:extLst>
+            <a:ext uri="{909E8E84-426E-40DD-AFC4-6F175D3DCCD1}">
+              <a14:hiddenFill xmlns:a14="http://schemas.microsoft.com/office/drawing/2010/main">
+                <a:solidFill>
+                  <a:srgbClr val="FFFFFF"/>
+                </a:solidFill>
+              </a14:hiddenFill>
+            </a:ext>
+          </a:extLst>
         </p:spPr>
       </p:pic>
     </p:spTree>
     <p:extLst>
       <p:ext uri="{BB962C8B-B14F-4D97-AF65-F5344CB8AC3E}">
-        <p14:creationId xmlns:p14="http://schemas.microsoft.com/office/powerpoint/2010/main" val="3865744012"/>
+        <p14:creationId xmlns:p14="http://schemas.microsoft.com/office/powerpoint/2010/main" val="2096779898"/>
       </p:ext>
     </p:extLst>
   </p:cSld>

--- a/9. React/React.pptx
+++ b/9. React/React.pptx
@@ -5,7 +5,7 @@
     <p:sldMasterId id="2147483686" r:id="rId1"/>
   </p:sldMasterIdLst>
   <p:notesMasterIdLst>
-    <p:notesMasterId r:id="rId40"/>
+    <p:notesMasterId r:id="rId41"/>
   </p:notesMasterIdLst>
   <p:sldIdLst>
     <p:sldId id="256" r:id="rId2"/>
@@ -28,24 +28,25 @@
     <p:sldId id="535" r:id="rId19"/>
     <p:sldId id="536" r:id="rId20"/>
     <p:sldId id="537" r:id="rId21"/>
-    <p:sldId id="540" r:id="rId22"/>
-    <p:sldId id="543" r:id="rId23"/>
-    <p:sldId id="538" r:id="rId24"/>
-    <p:sldId id="541" r:id="rId25"/>
-    <p:sldId id="545" r:id="rId26"/>
-    <p:sldId id="546" r:id="rId27"/>
-    <p:sldId id="548" r:id="rId28"/>
-    <p:sldId id="544" r:id="rId29"/>
-    <p:sldId id="549" r:id="rId30"/>
-    <p:sldId id="550" r:id="rId31"/>
-    <p:sldId id="551" r:id="rId32"/>
-    <p:sldId id="557" r:id="rId33"/>
-    <p:sldId id="552" r:id="rId34"/>
-    <p:sldId id="553" r:id="rId35"/>
-    <p:sldId id="555" r:id="rId36"/>
-    <p:sldId id="558" r:id="rId37"/>
-    <p:sldId id="539" r:id="rId38"/>
-    <p:sldId id="292" r:id="rId39"/>
+    <p:sldId id="559" r:id="rId22"/>
+    <p:sldId id="540" r:id="rId23"/>
+    <p:sldId id="543" r:id="rId24"/>
+    <p:sldId id="538" r:id="rId25"/>
+    <p:sldId id="541" r:id="rId26"/>
+    <p:sldId id="545" r:id="rId27"/>
+    <p:sldId id="546" r:id="rId28"/>
+    <p:sldId id="548" r:id="rId29"/>
+    <p:sldId id="544" r:id="rId30"/>
+    <p:sldId id="549" r:id="rId31"/>
+    <p:sldId id="550" r:id="rId32"/>
+    <p:sldId id="551" r:id="rId33"/>
+    <p:sldId id="557" r:id="rId34"/>
+    <p:sldId id="552" r:id="rId35"/>
+    <p:sldId id="553" r:id="rId36"/>
+    <p:sldId id="555" r:id="rId37"/>
+    <p:sldId id="558" r:id="rId38"/>
+    <p:sldId id="539" r:id="rId39"/>
+    <p:sldId id="292" r:id="rId40"/>
   </p:sldIdLst>
   <p:sldSz cx="12192000" cy="6858000"/>
   <p:notesSz cx="6858000" cy="9144000"/>
@@ -1433,7 +1434,7 @@
           <p:nvPr userDrawn="1"/>
         </p:nvPicPr>
         <p:blipFill>
-          <a:blip r:embed="rId3">
+          <a:blip r:embed="rId3" cstate="hqprint">
             <a:extLst>
               <a:ext uri="{28A0092B-C50C-407E-A947-70E740481C1C}">
                 <a14:useLocalDpi xmlns:a14="http://schemas.microsoft.com/office/drawing/2010/main" val="0"/>
@@ -3950,7 +3951,7 @@
                 <a16:creationId xmlns:a16="http://schemas.microsoft.com/office/drawing/2014/main" id="{BE229233-9672-4675-99B7-6CBCEF1CD415}"/>
               </a:ext>
               <a:ext uri="{C183D7F6-B498-43B3-948B-1728B52AA6E4}">
-                <adec:decorative xmlns:adec="http://schemas.microsoft.com/office/drawing/2017/decorative" val="1"/>
+                <adec:decorative xmlns:adec="http://schemas.microsoft.com/office/drawing/2017/decorative" xmlns="" val="1"/>
               </a:ext>
             </a:extLst>
           </p:cNvPr>
@@ -4045,7 +4046,7 @@
                 <a16:creationId xmlns:a16="http://schemas.microsoft.com/office/drawing/2014/main" id="{EC5FF010-B53C-46BE-BEEF-AF926A00F67F}"/>
               </a:ext>
               <a:ext uri="{C183D7F6-B498-43B3-948B-1728B52AA6E4}">
-                <adec:decorative xmlns:adec="http://schemas.microsoft.com/office/drawing/2017/decorative" val="1"/>
+                <adec:decorative xmlns:adec="http://schemas.microsoft.com/office/drawing/2017/decorative" xmlns="" val="1"/>
               </a:ext>
             </a:extLst>
           </p:cNvPr>
@@ -4111,7 +4112,7 @@
                 <a16:creationId xmlns:a16="http://schemas.microsoft.com/office/drawing/2014/main" id="{8509AD9C-1F43-4138-A72B-8CA988EDD475}"/>
               </a:ext>
               <a:ext uri="{C183D7F6-B498-43B3-948B-1728B52AA6E4}">
-                <adec:decorative xmlns:adec="http://schemas.microsoft.com/office/drawing/2017/decorative" val="1"/>
+                <adec:decorative xmlns:adec="http://schemas.microsoft.com/office/drawing/2017/decorative" xmlns="" val="1"/>
               </a:ext>
             </a:extLst>
           </p:cNvPr>
@@ -4220,7 +4221,7 @@
           <p:nvPr/>
         </p:nvPicPr>
         <p:blipFill>
-          <a:blip r:embed="rId3">
+          <a:blip r:embed="rId3" cstate="hqprint">
             <a:extLst>
               <a:ext uri="{28A0092B-C50C-407E-A947-70E740481C1C}">
                 <a14:useLocalDpi xmlns:a14="http://schemas.microsoft.com/office/drawing/2010/main" val="0"/>
@@ -5147,7 +5148,7 @@
         </p:spPr>
         <p:txBody>
           <a:bodyPr>
-            <a:normAutofit fontScale="92500" lnSpcReduction="10000"/>
+            <a:normAutofit fontScale="92500"/>
           </a:bodyPr>
           <a:lstStyle/>
           <a:p>
@@ -6839,6 +6840,10 @@
               <a:rPr lang="de-AT" dirty="0" err="1"/>
               <a:t>true</a:t>
             </a:r>
+            <a:r>
+              <a:rPr lang="de-AT" dirty="0"/>
+              <a:t/>
+            </a:r>
             <a:br>
               <a:rPr lang="de-AT" dirty="0"/>
             </a:br>
@@ -6937,7 +6942,7 @@
           <p:nvPr/>
         </p:nvPicPr>
         <p:blipFill>
-          <a:blip r:embed="rId3">
+          <a:blip r:embed="rId3" cstate="hqprint">
             <a:extLst>
               <a:ext uri="{28A0092B-C50C-407E-A947-70E740481C1C}">
                 <a14:useLocalDpi xmlns:a14="http://schemas.microsoft.com/office/drawing/2010/main" val="0"/>
@@ -7001,13 +7006,7 @@
       </p:grpSpPr>
       <p:sp>
         <p:nvSpPr>
-          <p:cNvPr id="2" name="Titel 1">
-            <a:extLst>
-              <a:ext uri="{FF2B5EF4-FFF2-40B4-BE49-F238E27FC236}">
-                <a16:creationId xmlns:a16="http://schemas.microsoft.com/office/drawing/2014/main" id="{762D4181-A115-7F22-1952-0A114A6892A1}"/>
-              </a:ext>
-            </a:extLst>
-          </p:cNvPr>
+          <p:cNvPr id="2" name="Titel 1"/>
           <p:cNvSpPr>
             <a:spLocks noGrp="1"/>
           </p:cNvSpPr>
@@ -7015,32 +7014,22 @@
             <p:ph type="title"/>
           </p:nvPr>
         </p:nvSpPr>
-        <p:spPr>
-          <a:xfrm>
-            <a:off x="973123" y="685800"/>
-            <a:ext cx="9580578" cy="1371600"/>
-          </a:xfrm>
-        </p:spPr>
+        <p:spPr/>
         <p:txBody>
           <a:bodyPr/>
           <a:lstStyle/>
           <a:p>
             <a:r>
-              <a:rPr lang="de-AT" dirty="0"/>
-              <a:t>Übung zur Wiederholung „The Dice Game“</a:t>
-            </a:r>
-          </a:p>
-        </p:txBody>
-      </p:sp>
-      <p:sp>
-        <p:nvSpPr>
-          <p:cNvPr id="3" name="Inhaltsplatzhalter 2">
-            <a:extLst>
-              <a:ext uri="{FF2B5EF4-FFF2-40B4-BE49-F238E27FC236}">
-                <a16:creationId xmlns:a16="http://schemas.microsoft.com/office/drawing/2014/main" id="{B88CA1EC-F8D8-8168-D2C6-53A3BB562FD5}"/>
-              </a:ext>
-            </a:extLst>
-          </p:cNvPr>
+              <a:rPr lang="de-AT" dirty="0" smtClean="0"/>
+              <a:t>Bilder einfügen</a:t>
+            </a:r>
+            <a:endParaRPr lang="en-US" dirty="0"/>
+          </a:p>
+        </p:txBody>
+      </p:sp>
+      <p:sp>
+        <p:nvSpPr>
+          <p:cNvPr id="3" name="Inhaltsplatzhalter 2"/>
           <p:cNvSpPr>
             <a:spLocks noGrp="1"/>
           </p:cNvSpPr>
@@ -7050,94 +7039,137 @@
         </p:nvSpPr>
         <p:spPr>
           <a:xfrm>
-            <a:off x="832104" y="2057400"/>
-            <a:ext cx="6574536" cy="4137259"/>
-          </a:xfrm>
-        </p:spPr>
-        <p:txBody>
-          <a:bodyPr>
-            <a:normAutofit fontScale="92500" lnSpcReduction="10000"/>
-          </a:bodyPr>
-          <a:lstStyle/>
-          <a:p>
-            <a:r>
-              <a:rPr lang="de-AT" dirty="0"/>
-              <a:t>Wir haben bereits einmal das „Dice Game“ programmiert</a:t>
-            </a:r>
-          </a:p>
-          <a:p>
-            <a:r>
-              <a:rPr lang="de-AT" dirty="0"/>
-              <a:t>Das Programm soll je nachdem wer die höhere Zahl gewürfelt hat den Sieger ernennen. </a:t>
-            </a:r>
-          </a:p>
-          <a:p>
-            <a:r>
-              <a:rPr lang="de-AT" dirty="0"/>
-              <a:t>Wenn die Seite neu geladen wird, werden erneut 2 Würfel gewürfelt</a:t>
-            </a:r>
-          </a:p>
-          <a:p>
-            <a:r>
-              <a:rPr lang="de-AT" dirty="0"/>
-              <a:t>Innerhalb der </a:t>
-            </a:r>
-            <a:r>
-              <a:rPr lang="de-AT" dirty="0" err="1"/>
-              <a:t>DiceGame</a:t>
-            </a:r>
-            <a:r>
-              <a:rPr lang="de-AT" dirty="0"/>
-              <a:t> Komponente sollen die Zufallszahlen der Würfel bestimmt werden und über </a:t>
-            </a:r>
-            <a:r>
-              <a:rPr lang="de-AT" dirty="0" err="1"/>
-              <a:t>props</a:t>
-            </a:r>
-            <a:r>
-              <a:rPr lang="de-AT" dirty="0"/>
-              <a:t> an die Dice Komponente übergeben werden</a:t>
-            </a:r>
-          </a:p>
-          <a:p>
-            <a:r>
-              <a:rPr lang="de-AT" dirty="0"/>
-              <a:t>Innerhalb der </a:t>
-            </a:r>
-            <a:r>
-              <a:rPr lang="de-AT" dirty="0" err="1"/>
-              <a:t>DiceGame</a:t>
-            </a:r>
-            <a:r>
-              <a:rPr lang="de-AT" dirty="0"/>
-              <a:t> Komponente soll der Gewinner des Spiels bestimmt werden und über </a:t>
-            </a:r>
-            <a:r>
-              <a:rPr lang="de-AT" dirty="0" err="1"/>
-              <a:t>props</a:t>
-            </a:r>
-            <a:r>
-              <a:rPr lang="de-AT" dirty="0"/>
-              <a:t> an die Header Komponente übergeben werden</a:t>
-            </a:r>
-          </a:p>
-          <a:p>
-            <a:r>
-              <a:rPr lang="de-AT" dirty="0"/>
-              <a:t>Die Komponenten sollten folgender Baumstruktur entsprechen</a:t>
-            </a:r>
+            <a:off x="931985" y="2057400"/>
+            <a:ext cx="6321669" cy="4137259"/>
+          </a:xfrm>
+        </p:spPr>
+        <p:txBody>
+          <a:bodyPr/>
+          <a:lstStyle/>
+          <a:p>
+            <a:r>
+              <a:rPr lang="de-AT" dirty="0" smtClean="0"/>
+              <a:t>Um Bilder in </a:t>
+            </a:r>
+            <a:r>
+              <a:rPr lang="de-AT" dirty="0" err="1" smtClean="0"/>
+              <a:t>React</a:t>
+            </a:r>
+            <a:r>
+              <a:rPr lang="de-AT" dirty="0" smtClean="0"/>
+              <a:t> einzubinden muss es zunächst importiert werden</a:t>
+            </a:r>
+          </a:p>
+          <a:p>
+            <a:pPr lvl="1"/>
+            <a:r>
+              <a:rPr lang="de-AT" dirty="0" err="1" smtClean="0"/>
+              <a:t>Bsp</a:t>
+            </a:r>
+            <a:r>
+              <a:rPr lang="de-AT" dirty="0" smtClean="0"/>
+              <a:t>: </a:t>
+            </a:r>
+            <a:r>
+              <a:rPr lang="de-AT" dirty="0" err="1" smtClean="0"/>
+              <a:t>import</a:t>
+            </a:r>
+            <a:r>
+              <a:rPr lang="de-AT" dirty="0" smtClean="0"/>
+              <a:t> </a:t>
+            </a:r>
+            <a:r>
+              <a:rPr lang="de-AT" dirty="0" err="1" smtClean="0"/>
+              <a:t>image</a:t>
+            </a:r>
+            <a:r>
+              <a:rPr lang="de-AT" dirty="0" smtClean="0"/>
+              <a:t> </a:t>
+            </a:r>
+            <a:r>
+              <a:rPr lang="de-AT" dirty="0" err="1" smtClean="0"/>
+              <a:t>from</a:t>
+            </a:r>
+            <a:r>
+              <a:rPr lang="de-AT" dirty="0" smtClean="0"/>
+              <a:t> „./</a:t>
+            </a:r>
+            <a:r>
+              <a:rPr lang="de-AT" dirty="0" err="1" smtClean="0"/>
+              <a:t>images</a:t>
+            </a:r>
+            <a:r>
+              <a:rPr lang="de-AT" dirty="0" smtClean="0"/>
+              <a:t>/image.png“</a:t>
+            </a:r>
+          </a:p>
+          <a:p>
+            <a:pPr lvl="1"/>
+            <a:endParaRPr lang="de-AT" dirty="0"/>
+          </a:p>
+          <a:p>
+            <a:r>
+              <a:rPr lang="de-AT" dirty="0" smtClean="0"/>
+              <a:t>Danach wird die importierte Variable als </a:t>
+            </a:r>
+            <a:r>
+              <a:rPr lang="de-AT" dirty="0" err="1" smtClean="0"/>
+              <a:t>src</a:t>
+            </a:r>
+            <a:r>
+              <a:rPr lang="de-AT" dirty="0" smtClean="0"/>
+              <a:t> eines </a:t>
+            </a:r>
+            <a:r>
+              <a:rPr lang="de-AT" dirty="0" err="1" smtClean="0"/>
+              <a:t>img</a:t>
+            </a:r>
+            <a:r>
+              <a:rPr lang="de-AT" dirty="0" smtClean="0"/>
+              <a:t> Tags eingebunden</a:t>
+            </a:r>
+          </a:p>
+          <a:p>
+            <a:pPr lvl="1"/>
+            <a:r>
+              <a:rPr lang="de-AT" dirty="0" err="1" smtClean="0"/>
+              <a:t>Bsp</a:t>
+            </a:r>
+            <a:r>
+              <a:rPr lang="de-AT" dirty="0" smtClean="0"/>
+              <a:t>: &lt;</a:t>
+            </a:r>
+            <a:r>
+              <a:rPr lang="de-AT" dirty="0" err="1" smtClean="0"/>
+              <a:t>img</a:t>
+            </a:r>
+            <a:r>
+              <a:rPr lang="de-AT" dirty="0" smtClean="0"/>
+              <a:t> </a:t>
+            </a:r>
+            <a:r>
+              <a:rPr lang="de-AT" dirty="0" err="1" smtClean="0"/>
+              <a:t>src</a:t>
+            </a:r>
+            <a:r>
+              <a:rPr lang="de-AT" dirty="0" smtClean="0"/>
+              <a:t>={</a:t>
+            </a:r>
+            <a:r>
+              <a:rPr lang="de-AT" dirty="0" err="1" smtClean="0"/>
+              <a:t>image</a:t>
+            </a:r>
+            <a:r>
+              <a:rPr lang="de-AT" dirty="0" smtClean="0"/>
+              <a:t>}&gt;</a:t>
+            </a:r>
+            <a:endParaRPr lang="en-US" dirty="0"/>
           </a:p>
         </p:txBody>
       </p:sp>
       <p:pic>
         <p:nvPicPr>
-          <p:cNvPr id="4" name="Grafik 3">
-            <a:extLst>
-              <a:ext uri="{FF2B5EF4-FFF2-40B4-BE49-F238E27FC236}">
-                <a16:creationId xmlns:a16="http://schemas.microsoft.com/office/drawing/2014/main" id="{1ECC4204-021A-3751-E721-4342A75F3C00}"/>
-              </a:ext>
-            </a:extLst>
-          </p:cNvPr>
+          <p:cNvPr id="4" name="Grafik 3"/>
           <p:cNvPicPr>
             <a:picLocks noChangeAspect="1"/>
           </p:cNvPicPr>
@@ -7151,38 +7183,8 @@
         </p:blipFill>
         <p:spPr>
           <a:xfrm>
-            <a:off x="7935984" y="2057400"/>
-            <a:ext cx="3971799" cy="2210339"/>
-          </a:xfrm>
-          <a:prstGeom prst="rect">
-            <a:avLst/>
-          </a:prstGeom>
-        </p:spPr>
-      </p:pic>
-      <p:pic>
-        <p:nvPicPr>
-          <p:cNvPr id="8" name="Grafik 7">
-            <a:extLst>
-              <a:ext uri="{FF2B5EF4-FFF2-40B4-BE49-F238E27FC236}">
-                <a16:creationId xmlns:a16="http://schemas.microsoft.com/office/drawing/2014/main" id="{9321F513-7EFB-78D8-976F-C27C0F903814}"/>
-              </a:ext>
-            </a:extLst>
-          </p:cNvPr>
-          <p:cNvPicPr>
-            <a:picLocks noChangeAspect="1"/>
-          </p:cNvPicPr>
-          <p:nvPr/>
-        </p:nvPicPr>
-        <p:blipFill>
-          <a:blip r:embed="rId3"/>
-          <a:stretch>
-            <a:fillRect/>
-          </a:stretch>
-        </p:blipFill>
-        <p:spPr>
-          <a:xfrm>
-            <a:off x="8142837" y="4642618"/>
-            <a:ext cx="1930157" cy="1291837"/>
+            <a:off x="7395359" y="2130288"/>
+            <a:ext cx="4377409" cy="2705482"/>
           </a:xfrm>
           <a:prstGeom prst="rect">
             <a:avLst/>
@@ -7192,7 +7194,7 @@
     </p:spTree>
     <p:extLst>
       <p:ext uri="{BB962C8B-B14F-4D97-AF65-F5344CB8AC3E}">
-        <p14:creationId xmlns:p14="http://schemas.microsoft.com/office/powerpoint/2010/main" val="332588654"/>
+        <p14:creationId xmlns:p14="http://schemas.microsoft.com/office/powerpoint/2010/main" val="1337405269"/>
       </p:ext>
     </p:extLst>
   </p:cSld>
@@ -7224,7 +7226,7 @@
           <p:cNvPr id="2" name="Titel 1">
             <a:extLst>
               <a:ext uri="{FF2B5EF4-FFF2-40B4-BE49-F238E27FC236}">
-                <a16:creationId xmlns:a16="http://schemas.microsoft.com/office/drawing/2014/main" id="{7636D437-81CD-481F-2EAA-833B08647FFC}"/>
+                <a16:creationId xmlns:a16="http://schemas.microsoft.com/office/drawing/2014/main" id="{762D4181-A115-7F22-1952-0A114A6892A1}"/>
               </a:ext>
             </a:extLst>
           </p:cNvPr>
@@ -7237,8 +7239,8 @@
         </p:nvSpPr>
         <p:spPr>
           <a:xfrm>
-            <a:off x="1235963" y="690773"/>
-            <a:ext cx="8915402" cy="1371600"/>
+            <a:off x="973123" y="685800"/>
+            <a:ext cx="9580578" cy="1371600"/>
           </a:xfrm>
         </p:spPr>
         <p:txBody>
@@ -7247,15 +7249,7 @@
           <a:p>
             <a:r>
               <a:rPr lang="de-AT" dirty="0"/>
-              <a:t>Komponenten </a:t>
-            </a:r>
-            <a:r>
-              <a:rPr lang="de-AT" dirty="0" err="1"/>
-              <a:t>inneinander</a:t>
-            </a:r>
-            <a:r>
-              <a:rPr lang="de-AT" dirty="0"/>
-              <a:t> verschachteln</a:t>
+              <a:t>Übung zur Wiederholung „The Dice Game“</a:t>
             </a:r>
           </a:p>
         </p:txBody>
@@ -7265,7 +7259,7 @@
           <p:cNvPr id="3" name="Inhaltsplatzhalter 2">
             <a:extLst>
               <a:ext uri="{FF2B5EF4-FFF2-40B4-BE49-F238E27FC236}">
-                <a16:creationId xmlns:a16="http://schemas.microsoft.com/office/drawing/2014/main" id="{8DCE66FE-51EB-BEB0-C7B5-68B1144E28A5}"/>
+                <a16:creationId xmlns:a16="http://schemas.microsoft.com/office/drawing/2014/main" id="{B88CA1EC-F8D8-8168-D2C6-53A3BB562FD5}"/>
               </a:ext>
             </a:extLst>
           </p:cNvPr>
@@ -7278,80 +7272,91 @@
         </p:nvSpPr>
         <p:spPr>
           <a:xfrm>
-            <a:off x="901512" y="2057400"/>
-            <a:ext cx="7895016" cy="4137259"/>
-          </a:xfrm>
-        </p:spPr>
-        <p:txBody>
-          <a:bodyPr/>
-          <a:lstStyle/>
-          <a:p>
-            <a:r>
-              <a:rPr lang="de-AT" dirty="0"/>
-              <a:t>Es ist üblich, eingebaute Browser-Tags zu verschachteln.</a:t>
-            </a:r>
-          </a:p>
-          <a:p>
-            <a:r>
-              <a:rPr lang="de-AT" dirty="0"/>
-              <a:t>Häufig möchten wir unsere eigenen </a:t>
-            </a:r>
-            <a:r>
-              <a:rPr lang="de-AT" dirty="0" err="1"/>
-              <a:t>React</a:t>
-            </a:r>
-            <a:r>
-              <a:rPr lang="de-AT" dirty="0"/>
-              <a:t> Komponenten ineinander verschachteln.</a:t>
-            </a:r>
-          </a:p>
-          <a:p>
-            <a:r>
-              <a:rPr lang="de-AT" dirty="0"/>
-              <a:t>Wenn Inhalte innerhalb eines JSX-Tags verschachtelt werden, wird die übergeordnete Komponente diese Inhalte in einer </a:t>
-            </a:r>
-            <a:r>
-              <a:rPr lang="de-AT" dirty="0" err="1"/>
-              <a:t>Prop</a:t>
-            </a:r>
-            <a:r>
-              <a:rPr lang="de-AT" dirty="0"/>
-              <a:t> namens </a:t>
-            </a:r>
-            <a:r>
-              <a:rPr lang="de-AT" dirty="0" err="1"/>
-              <a:t>children</a:t>
-            </a:r>
-            <a:r>
-              <a:rPr lang="de-AT" dirty="0"/>
-              <a:t> erhalten.</a:t>
-            </a:r>
-          </a:p>
-          <a:p>
-            <a:r>
-              <a:rPr lang="de-AT" dirty="0"/>
-              <a:t>Die </a:t>
-            </a:r>
-            <a:r>
-              <a:rPr lang="de-AT" dirty="0" err="1"/>
-              <a:t>children-Prop</a:t>
-            </a:r>
-            <a:r>
-              <a:rPr lang="de-AT" dirty="0"/>
-              <a:t> ermöglicht es der übergeordneten Komponente, den Inhalt innerhalb des Tags zu rendern oder auf ihn zuzugreifen.</a:t>
-            </a:r>
-          </a:p>
-          <a:p>
-            <a:endParaRPr lang="de-AT" dirty="0"/>
+            <a:off x="832104" y="2057400"/>
+            <a:ext cx="6574536" cy="4137259"/>
+          </a:xfrm>
+        </p:spPr>
+        <p:txBody>
+          <a:bodyPr>
+            <a:normAutofit fontScale="92500" lnSpcReduction="20000"/>
+          </a:bodyPr>
+          <a:lstStyle/>
+          <a:p>
+            <a:r>
+              <a:rPr lang="de-AT" dirty="0"/>
+              <a:t>Wir haben bereits einmal das „Dice Game“ programmiert</a:t>
+            </a:r>
+          </a:p>
+          <a:p>
+            <a:r>
+              <a:rPr lang="de-AT" dirty="0"/>
+              <a:t>Das Programm soll je nachdem wer die höhere Zahl gewürfelt hat den Sieger ernennen. </a:t>
+            </a:r>
+          </a:p>
+          <a:p>
+            <a:r>
+              <a:rPr lang="de-AT" dirty="0"/>
+              <a:t>Wenn die Seite neu geladen wird, werden erneut 2 Würfel gewürfelt</a:t>
+            </a:r>
+          </a:p>
+          <a:p>
+            <a:r>
+              <a:rPr lang="de-AT" dirty="0"/>
+              <a:t>Innerhalb der </a:t>
+            </a:r>
+            <a:r>
+              <a:rPr lang="de-AT" dirty="0" err="1"/>
+              <a:t>DiceGame</a:t>
+            </a:r>
+            <a:r>
+              <a:rPr lang="de-AT" dirty="0"/>
+              <a:t> Komponente sollen die Zufallszahlen der Würfel bestimmt werden und über </a:t>
+            </a:r>
+            <a:r>
+              <a:rPr lang="de-AT" dirty="0" err="1"/>
+              <a:t>props</a:t>
+            </a:r>
+            <a:r>
+              <a:rPr lang="de-AT" dirty="0"/>
+              <a:t> an die Dice Komponente übergeben werden</a:t>
+            </a:r>
+          </a:p>
+          <a:p>
+            <a:r>
+              <a:rPr lang="de-AT" dirty="0"/>
+              <a:t>Innerhalb der </a:t>
+            </a:r>
+            <a:r>
+              <a:rPr lang="de-AT" dirty="0" err="1"/>
+              <a:t>DiceGame</a:t>
+            </a:r>
+            <a:r>
+              <a:rPr lang="de-AT" dirty="0"/>
+              <a:t> Komponente soll der Gewinner des Spiels bestimmt werden und über </a:t>
+            </a:r>
+            <a:r>
+              <a:rPr lang="de-AT" dirty="0" err="1"/>
+              <a:t>props</a:t>
+            </a:r>
+            <a:r>
+              <a:rPr lang="de-AT" dirty="0"/>
+              <a:t> an die Header Komponente übergeben werden</a:t>
+            </a:r>
+          </a:p>
+          <a:p>
+            <a:r>
+              <a:rPr lang="de-AT" dirty="0"/>
+              <a:t>Die Komponenten sollten folgender Baumstruktur entsprechen</a:t>
+            </a:r>
           </a:p>
         </p:txBody>
       </p:sp>
       <p:pic>
         <p:nvPicPr>
-          <p:cNvPr id="9" name="Grafik 8">
-            <a:extLst>
-              <a:ext uri="{FF2B5EF4-FFF2-40B4-BE49-F238E27FC236}">
-                <a16:creationId xmlns:a16="http://schemas.microsoft.com/office/drawing/2014/main" id="{BA625556-CCFC-7D58-EAB8-E978E4F4BBCA}"/>
+          <p:cNvPr id="4" name="Grafik 3">
+            <a:extLst>
+              <a:ext uri="{FF2B5EF4-FFF2-40B4-BE49-F238E27FC236}">
+                <a16:creationId xmlns:a16="http://schemas.microsoft.com/office/drawing/2014/main" id="{1ECC4204-021A-3751-E721-4342A75F3C00}"/>
               </a:ext>
             </a:extLst>
           </p:cNvPr>
@@ -7368,8 +7373,38 @@
         </p:blipFill>
         <p:spPr>
           <a:xfrm>
-            <a:off x="8979408" y="2011183"/>
-            <a:ext cx="2912793" cy="4398911"/>
+            <a:off x="7935984" y="2057400"/>
+            <a:ext cx="3971799" cy="2210339"/>
+          </a:xfrm>
+          <a:prstGeom prst="rect">
+            <a:avLst/>
+          </a:prstGeom>
+        </p:spPr>
+      </p:pic>
+      <p:pic>
+        <p:nvPicPr>
+          <p:cNvPr id="8" name="Grafik 7">
+            <a:extLst>
+              <a:ext uri="{FF2B5EF4-FFF2-40B4-BE49-F238E27FC236}">
+                <a16:creationId xmlns:a16="http://schemas.microsoft.com/office/drawing/2014/main" id="{9321F513-7EFB-78D8-976F-C27C0F903814}"/>
+              </a:ext>
+            </a:extLst>
+          </p:cNvPr>
+          <p:cNvPicPr>
+            <a:picLocks noChangeAspect="1"/>
+          </p:cNvPicPr>
+          <p:nvPr/>
+        </p:nvPicPr>
+        <p:blipFill>
+          <a:blip r:embed="rId3"/>
+          <a:stretch>
+            <a:fillRect/>
+          </a:stretch>
+        </p:blipFill>
+        <p:spPr>
+          <a:xfrm>
+            <a:off x="8142837" y="4642618"/>
+            <a:ext cx="1930157" cy="1291837"/>
           </a:xfrm>
           <a:prstGeom prst="rect">
             <a:avLst/>
@@ -7379,7 +7414,7 @@
     </p:spTree>
     <p:extLst>
       <p:ext uri="{BB962C8B-B14F-4D97-AF65-F5344CB8AC3E}">
-        <p14:creationId xmlns:p14="http://schemas.microsoft.com/office/powerpoint/2010/main" val="2822789570"/>
+        <p14:creationId xmlns:p14="http://schemas.microsoft.com/office/powerpoint/2010/main" val="332588654"/>
       </p:ext>
     </p:extLst>
   </p:cSld>
@@ -7411,7 +7446,7 @@
           <p:cNvPr id="2" name="Titel 1">
             <a:extLst>
               <a:ext uri="{FF2B5EF4-FFF2-40B4-BE49-F238E27FC236}">
-                <a16:creationId xmlns:a16="http://schemas.microsoft.com/office/drawing/2014/main" id="{2FDA5B5A-66E6-7523-587A-62572C1F1FCB}"/>
+                <a16:creationId xmlns:a16="http://schemas.microsoft.com/office/drawing/2014/main" id="{7636D437-81CD-481F-2EAA-833B08647FFC}"/>
               </a:ext>
             </a:extLst>
           </p:cNvPr>
@@ -7422,18 +7457,27 @@
             <p:ph type="title"/>
           </p:nvPr>
         </p:nvSpPr>
-        <p:spPr/>
+        <p:spPr>
+          <a:xfrm>
+            <a:off x="1235963" y="690773"/>
+            <a:ext cx="8915402" cy="1371600"/>
+          </a:xfrm>
+        </p:spPr>
         <p:txBody>
           <a:bodyPr/>
           <a:lstStyle/>
           <a:p>
             <a:r>
-              <a:rPr lang="de-AT" dirty="0" err="1"/>
-              <a:t>Conditional</a:t>
-            </a:r>
-            <a:r>
-              <a:rPr lang="de-AT" dirty="0"/>
-              <a:t> Rendering</a:t>
+              <a:rPr lang="de-AT" dirty="0"/>
+              <a:t>Komponenten </a:t>
+            </a:r>
+            <a:r>
+              <a:rPr lang="de-AT" dirty="0" smtClean="0"/>
+              <a:t>ineinander </a:t>
+            </a:r>
+            <a:r>
+              <a:rPr lang="de-AT" dirty="0"/>
+              <a:t>verschachteln</a:t>
             </a:r>
           </a:p>
         </p:txBody>
@@ -7443,7 +7487,7 @@
           <p:cNvPr id="3" name="Inhaltsplatzhalter 2">
             <a:extLst>
               <a:ext uri="{FF2B5EF4-FFF2-40B4-BE49-F238E27FC236}">
-                <a16:creationId xmlns:a16="http://schemas.microsoft.com/office/drawing/2014/main" id="{CDCD0E65-C0E1-9349-0C7F-C951FDE675B1}"/>
+                <a16:creationId xmlns:a16="http://schemas.microsoft.com/office/drawing/2014/main" id="{8DCE66FE-51EB-BEB0-C7B5-68B1144E28A5}"/>
               </a:ext>
             </a:extLst>
           </p:cNvPr>
@@ -7456,8 +7500,8 @@
         </p:nvSpPr>
         <p:spPr>
           <a:xfrm>
-            <a:off x="521208" y="2057400"/>
-            <a:ext cx="7708392" cy="4137259"/>
+            <a:off x="901512" y="2057400"/>
+            <a:ext cx="7895016" cy="4137259"/>
           </a:xfrm>
         </p:spPr>
         <p:txBody>
@@ -7466,7 +7510,13 @@
           <a:p>
             <a:r>
               <a:rPr lang="de-AT" dirty="0"/>
-              <a:t>In </a:t>
+              <a:t>Es ist üblich, eingebaute Browser-Tags zu verschachteln.</a:t>
+            </a:r>
+          </a:p>
+          <a:p>
+            <a:r>
+              <a:rPr lang="de-AT" dirty="0"/>
+              <a:t>Häufig möchten wir unsere eigenen </a:t>
             </a:r>
             <a:r>
               <a:rPr lang="de-AT" dirty="0" err="1"/>
@@ -7474,85 +7524,44 @@
             </a:r>
             <a:r>
               <a:rPr lang="de-AT" dirty="0"/>
-              <a:t> können wir JSX bedingt rendern, indem wir:</a:t>
-            </a:r>
-          </a:p>
-          <a:p>
-            <a:r>
-              <a:rPr lang="de-AT" dirty="0"/>
-              <a:t>Innerhalb von JavaScript (außerhalb vom </a:t>
-            </a:r>
-            <a:r>
-              <a:rPr lang="de-AT" dirty="0" err="1"/>
-              <a:t>return</a:t>
-            </a:r>
-            <a:r>
-              <a:rPr lang="de-AT" dirty="0"/>
-              <a:t> Statement) :</a:t>
-            </a:r>
-          </a:p>
-          <a:p>
-            <a:pPr lvl="1"/>
-            <a:r>
-              <a:rPr lang="de-AT" dirty="0"/>
-              <a:t> JavaScript-Syntax wie </a:t>
-            </a:r>
-            <a:r>
-              <a:rPr lang="de-AT" dirty="0" err="1"/>
-              <a:t>if</a:t>
-            </a:r>
-            <a:r>
-              <a:rPr lang="de-AT" dirty="0"/>
-              <a:t>-Anweisungen</a:t>
-            </a:r>
-          </a:p>
-          <a:p>
-            <a:pPr lvl="1"/>
-            <a:r>
-              <a:rPr lang="de-AT" dirty="0"/>
-              <a:t>Ternäre Operatoren (&amp;&amp; und ? :) verwenden</a:t>
-            </a:r>
-          </a:p>
-          <a:p>
-            <a:r>
-              <a:rPr lang="de-AT" dirty="0"/>
-              <a:t>Innerhalb vom JSX Code:</a:t>
-            </a:r>
-          </a:p>
-          <a:p>
-            <a:pPr lvl="1"/>
-            <a:r>
-              <a:rPr lang="de-AT" dirty="0"/>
-              <a:t>Ternäre Operatoren (&amp;&amp; und ? :)</a:t>
-            </a:r>
-          </a:p>
-          <a:p>
-            <a:pPr lvl="1"/>
-            <a:r>
-              <a:rPr lang="de-AT" dirty="0" err="1"/>
-              <a:t>If</a:t>
-            </a:r>
-            <a:r>
-              <a:rPr lang="de-AT" dirty="0"/>
-              <a:t>-Anweisungen können </a:t>
-            </a:r>
-            <a:r>
-              <a:rPr lang="de-AT" b="1" dirty="0"/>
-              <a:t>nicht</a:t>
-            </a:r>
-            <a:r>
-              <a:rPr lang="de-AT" dirty="0"/>
-              <a:t> innerhalb von JSX Code verwendet werden</a:t>
-            </a:r>
-          </a:p>
-          <a:p>
-            <a:pPr marL="0" indent="0">
-              <a:buNone/>
-            </a:pPr>
-            <a:endParaRPr lang="de-AT" dirty="0"/>
-          </a:p>
-          <a:p>
-            <a:endParaRPr lang="de-AT" dirty="0"/>
+              <a:t> Komponenten ineinander verschachteln.</a:t>
+            </a:r>
+          </a:p>
+          <a:p>
+            <a:r>
+              <a:rPr lang="de-AT" dirty="0"/>
+              <a:t>Wenn Inhalte innerhalb eines JSX-Tags verschachtelt werden, wird die übergeordnete Komponente diese Inhalte in einer </a:t>
+            </a:r>
+            <a:r>
+              <a:rPr lang="de-AT" dirty="0" err="1"/>
+              <a:t>Prop</a:t>
+            </a:r>
+            <a:r>
+              <a:rPr lang="de-AT" dirty="0"/>
+              <a:t> namens </a:t>
+            </a:r>
+            <a:r>
+              <a:rPr lang="de-AT" dirty="0" err="1"/>
+              <a:t>children</a:t>
+            </a:r>
+            <a:r>
+              <a:rPr lang="de-AT" dirty="0"/>
+              <a:t> erhalten.</a:t>
+            </a:r>
+          </a:p>
+          <a:p>
+            <a:r>
+              <a:rPr lang="de-AT" dirty="0"/>
+              <a:t>Die </a:t>
+            </a:r>
+            <a:r>
+              <a:rPr lang="de-AT" dirty="0" err="1"/>
+              <a:t>children-Prop</a:t>
+            </a:r>
+            <a:r>
+              <a:rPr lang="de-AT" dirty="0"/>
+              <a:t> ermöglicht es der übergeordneten Komponente, den Inhalt innerhalb des Tags zu rendern oder auf ihn zuzugreifen.</a:t>
+            </a:r>
           </a:p>
           <a:p>
             <a:endParaRPr lang="de-AT" dirty="0"/>
@@ -7561,10 +7570,10 @@
       </p:sp>
       <p:pic>
         <p:nvPicPr>
-          <p:cNvPr id="5" name="Grafik 4">
-            <a:extLst>
-              <a:ext uri="{FF2B5EF4-FFF2-40B4-BE49-F238E27FC236}">
-                <a16:creationId xmlns:a16="http://schemas.microsoft.com/office/drawing/2014/main" id="{3D46DE6B-FE2E-28B4-04F3-C364F892B4ED}"/>
+          <p:cNvPr id="9" name="Grafik 8">
+            <a:extLst>
+              <a:ext uri="{FF2B5EF4-FFF2-40B4-BE49-F238E27FC236}">
+                <a16:creationId xmlns:a16="http://schemas.microsoft.com/office/drawing/2014/main" id="{BA625556-CCFC-7D58-EAB8-E978E4F4BBCA}"/>
               </a:ext>
             </a:extLst>
           </p:cNvPr>
@@ -7581,243 +7590,18 @@
         </p:blipFill>
         <p:spPr>
           <a:xfrm>
-            <a:off x="8462149" y="1109954"/>
-            <a:ext cx="3505689" cy="847843"/>
+            <a:off x="8979408" y="2011183"/>
+            <a:ext cx="2912793" cy="4398911"/>
           </a:xfrm>
           <a:prstGeom prst="rect">
             <a:avLst/>
           </a:prstGeom>
         </p:spPr>
       </p:pic>
-      <p:pic>
-        <p:nvPicPr>
-          <p:cNvPr id="7" name="Grafik 6">
-            <a:extLst>
-              <a:ext uri="{FF2B5EF4-FFF2-40B4-BE49-F238E27FC236}">
-                <a16:creationId xmlns:a16="http://schemas.microsoft.com/office/drawing/2014/main" id="{54B519E0-71F7-463F-F921-D769DE64D574}"/>
-              </a:ext>
-            </a:extLst>
-          </p:cNvPr>
-          <p:cNvPicPr>
-            <a:picLocks noChangeAspect="1"/>
-          </p:cNvPicPr>
-          <p:nvPr/>
-        </p:nvPicPr>
-        <p:blipFill>
-          <a:blip r:embed="rId3"/>
-          <a:stretch>
-            <a:fillRect/>
-          </a:stretch>
-        </p:blipFill>
-        <p:spPr>
-          <a:xfrm>
-            <a:off x="8462149" y="3610076"/>
-            <a:ext cx="3208643" cy="1132463"/>
-          </a:xfrm>
-          <a:prstGeom prst="rect">
-            <a:avLst/>
-          </a:prstGeom>
-        </p:spPr>
-      </p:pic>
-      <p:sp>
-        <p:nvSpPr>
-          <p:cNvPr id="8" name="Textfeld 7">
-            <a:extLst>
-              <a:ext uri="{FF2B5EF4-FFF2-40B4-BE49-F238E27FC236}">
-                <a16:creationId xmlns:a16="http://schemas.microsoft.com/office/drawing/2014/main" id="{04354A35-EB4F-9590-CC52-FFA093967A46}"/>
-              </a:ext>
-            </a:extLst>
-          </p:cNvPr>
-          <p:cNvSpPr txBox="1"/>
-          <p:nvPr/>
-        </p:nvSpPr>
-        <p:spPr>
-          <a:xfrm>
-            <a:off x="771787" y="5416860"/>
-            <a:ext cx="10489107" cy="923330"/>
-          </a:xfrm>
-          <a:prstGeom prst="rect">
-            <a:avLst/>
-          </a:prstGeom>
-        </p:spPr>
-        <p:style>
-          <a:lnRef idx="0">
-            <a:schemeClr val="accent6"/>
-          </a:lnRef>
-          <a:fillRef idx="3">
-            <a:schemeClr val="accent6"/>
-          </a:fillRef>
-          <a:effectRef idx="3">
-            <a:schemeClr val="accent6"/>
-          </a:effectRef>
-          <a:fontRef idx="minor">
-            <a:schemeClr val="lt1"/>
-          </a:fontRef>
-        </p:style>
-        <p:txBody>
-          <a:bodyPr wrap="square" rtlCol="0">
-            <a:spAutoFit/>
-          </a:bodyPr>
-          <a:lstStyle/>
-          <a:p>
-            <a:r>
-              <a:rPr lang="de-AT" dirty="0"/>
-              <a:t>Ternäre Operatoren in Beispielen:</a:t>
-            </a:r>
-          </a:p>
-          <a:p>
-            <a:r>
-              <a:rPr lang="de-AT" dirty="0"/>
-              <a:t>&amp;&amp;:  Wenn Bedingung erfüllt ist, (&amp;&amp;) dann rendere </a:t>
-            </a:r>
-            <a:r>
-              <a:rPr lang="de-AT" dirty="0" err="1"/>
-              <a:t>name</a:t>
-            </a:r>
-            <a:r>
-              <a:rPr lang="de-AT" dirty="0"/>
-              <a:t> + „ ✅“. Sonst rendere nichts (null)</a:t>
-            </a:r>
-          </a:p>
-          <a:p>
-            <a:r>
-              <a:rPr lang="de-AT" dirty="0"/>
-              <a:t>?:      Wenn Bedingung erfüllt ist, (?) dann rendere </a:t>
-            </a:r>
-            <a:r>
-              <a:rPr lang="de-AT" dirty="0" err="1"/>
-              <a:t>name</a:t>
-            </a:r>
-            <a:r>
-              <a:rPr lang="de-AT" dirty="0"/>
-              <a:t> + „ ✅“. (</a:t>
-            </a:r>
-            <a:r>
-              <a:rPr lang="de-AT" dirty="0">
-                <a:sym typeface="Wingdings" panose="05000000000000000000" pitchFamily="2" charset="2"/>
-              </a:rPr>
-              <a:t>:) s</a:t>
-            </a:r>
-            <a:r>
-              <a:rPr lang="de-AT" dirty="0"/>
-              <a:t>onst rendere </a:t>
-            </a:r>
-            <a:r>
-              <a:rPr lang="de-AT" dirty="0" err="1"/>
-              <a:t>name</a:t>
-            </a:r>
-            <a:endParaRPr lang="de-AT" dirty="0"/>
-          </a:p>
-        </p:txBody>
-      </p:sp>
-      <p:pic>
-        <p:nvPicPr>
-          <p:cNvPr id="10" name="Grafik 9">
-            <a:extLst>
-              <a:ext uri="{FF2B5EF4-FFF2-40B4-BE49-F238E27FC236}">
-                <a16:creationId xmlns:a16="http://schemas.microsoft.com/office/drawing/2014/main" id="{6B8483A6-7A26-3A6E-E9F5-90CA12375BF8}"/>
-              </a:ext>
-            </a:extLst>
-          </p:cNvPr>
-          <p:cNvPicPr>
-            <a:picLocks noChangeAspect="1"/>
-          </p:cNvPicPr>
-          <p:nvPr/>
-        </p:nvPicPr>
-        <p:blipFill>
-          <a:blip r:embed="rId4"/>
-          <a:stretch>
-            <a:fillRect/>
-          </a:stretch>
-        </p:blipFill>
-        <p:spPr>
-          <a:xfrm>
-            <a:off x="8462149" y="2318567"/>
-            <a:ext cx="2798745" cy="1219371"/>
-          </a:xfrm>
-          <a:prstGeom prst="rect">
-            <a:avLst/>
-          </a:prstGeom>
-        </p:spPr>
-      </p:pic>
-      <p:sp>
-        <p:nvSpPr>
-          <p:cNvPr id="11" name="Textfeld 10">
-            <a:extLst>
-              <a:ext uri="{FF2B5EF4-FFF2-40B4-BE49-F238E27FC236}">
-                <a16:creationId xmlns:a16="http://schemas.microsoft.com/office/drawing/2014/main" id="{D4992D4B-89C8-61F8-D731-093695FF73CA}"/>
-              </a:ext>
-            </a:extLst>
-          </p:cNvPr>
-          <p:cNvSpPr txBox="1"/>
-          <p:nvPr/>
-        </p:nvSpPr>
-        <p:spPr>
-          <a:xfrm>
-            <a:off x="8462149" y="1957797"/>
-            <a:ext cx="3505689" cy="261610"/>
-          </a:xfrm>
-          <a:prstGeom prst="rect">
-            <a:avLst/>
-          </a:prstGeom>
-          <a:noFill/>
-        </p:spPr>
-        <p:txBody>
-          <a:bodyPr wrap="square" rtlCol="0">
-            <a:spAutoFit/>
-          </a:bodyPr>
-          <a:lstStyle/>
-          <a:p>
-            <a:r>
-              <a:rPr lang="de-AT" sz="1100" dirty="0" err="1"/>
-              <a:t>If</a:t>
-            </a:r>
-            <a:r>
-              <a:rPr lang="de-AT" sz="1100" dirty="0"/>
-              <a:t> Anweisungen</a:t>
-            </a:r>
-          </a:p>
-        </p:txBody>
-      </p:sp>
-      <p:sp>
-        <p:nvSpPr>
-          <p:cNvPr id="12" name="Textfeld 11">
-            <a:extLst>
-              <a:ext uri="{FF2B5EF4-FFF2-40B4-BE49-F238E27FC236}">
-                <a16:creationId xmlns:a16="http://schemas.microsoft.com/office/drawing/2014/main" id="{FAF590E8-6DA4-B878-7111-C1D367FEF3B5}"/>
-              </a:ext>
-            </a:extLst>
-          </p:cNvPr>
-          <p:cNvSpPr txBox="1"/>
-          <p:nvPr/>
-        </p:nvSpPr>
-        <p:spPr>
-          <a:xfrm>
-            <a:off x="8462148" y="4822462"/>
-            <a:ext cx="3505689" cy="261610"/>
-          </a:xfrm>
-          <a:prstGeom prst="rect">
-            <a:avLst/>
-          </a:prstGeom>
-          <a:noFill/>
-        </p:spPr>
-        <p:txBody>
-          <a:bodyPr wrap="square" rtlCol="0">
-            <a:spAutoFit/>
-          </a:bodyPr>
-          <a:lstStyle/>
-          <a:p>
-            <a:r>
-              <a:rPr lang="de-AT" sz="1100" dirty="0"/>
-              <a:t>Ternäre Operatoren &amp;&amp; / ?:</a:t>
-            </a:r>
-          </a:p>
-        </p:txBody>
-      </p:sp>
     </p:spTree>
     <p:extLst>
       <p:ext uri="{BB962C8B-B14F-4D97-AF65-F5344CB8AC3E}">
-        <p14:creationId xmlns:p14="http://schemas.microsoft.com/office/powerpoint/2010/main" val="1086709676"/>
+        <p14:creationId xmlns:p14="http://schemas.microsoft.com/office/powerpoint/2010/main" val="2822789570"/>
       </p:ext>
     </p:extLst>
   </p:cSld>
@@ -7849,7 +7633,7 @@
           <p:cNvPr id="2" name="Titel 1">
             <a:extLst>
               <a:ext uri="{FF2B5EF4-FFF2-40B4-BE49-F238E27FC236}">
-                <a16:creationId xmlns:a16="http://schemas.microsoft.com/office/drawing/2014/main" id="{0AD2EFB2-8559-6AD6-C495-6E0AD82208D1}"/>
+                <a16:creationId xmlns:a16="http://schemas.microsoft.com/office/drawing/2014/main" id="{2FDA5B5A-66E6-7523-587A-62572C1F1FCB}"/>
               </a:ext>
             </a:extLst>
           </p:cNvPr>
@@ -7860,19 +7644,18 @@
             <p:ph type="title"/>
           </p:nvPr>
         </p:nvSpPr>
-        <p:spPr>
-          <a:xfrm>
-            <a:off x="1261872" y="685800"/>
-            <a:ext cx="9291829" cy="1371600"/>
-          </a:xfrm>
-        </p:spPr>
+        <p:spPr/>
         <p:txBody>
           <a:bodyPr/>
           <a:lstStyle/>
           <a:p>
             <a:r>
-              <a:rPr lang="de-AT" dirty="0"/>
-              <a:t>Rendering von Listen</a:t>
+              <a:rPr lang="de-AT" dirty="0" err="1"/>
+              <a:t>Conditional</a:t>
+            </a:r>
+            <a:r>
+              <a:rPr lang="de-AT" dirty="0"/>
+              <a:t> Rendering</a:t>
             </a:r>
           </a:p>
         </p:txBody>
@@ -7882,7 +7665,7 @@
           <p:cNvPr id="3" name="Inhaltsplatzhalter 2">
             <a:extLst>
               <a:ext uri="{FF2B5EF4-FFF2-40B4-BE49-F238E27FC236}">
-                <a16:creationId xmlns:a16="http://schemas.microsoft.com/office/drawing/2014/main" id="{20FDC68F-0F2D-F3C2-182C-29F6F6613C04}"/>
+                <a16:creationId xmlns:a16="http://schemas.microsoft.com/office/drawing/2014/main" id="{CDCD0E65-C0E1-9349-0C7F-C951FDE675B1}"/>
               </a:ext>
             </a:extLst>
           </p:cNvPr>
@@ -7895,8 +7678,8 @@
         </p:nvSpPr>
         <p:spPr>
           <a:xfrm>
-            <a:off x="989902" y="2057400"/>
-            <a:ext cx="5721292" cy="4137259"/>
+            <a:off x="521208" y="2057400"/>
+            <a:ext cx="7708392" cy="4137259"/>
           </a:xfrm>
         </p:spPr>
         <p:txBody>
@@ -7905,41 +7688,105 @@
           <a:p>
             <a:r>
               <a:rPr lang="de-AT" dirty="0"/>
-              <a:t>Oft möchten wir die selbe Komponenten mit unterschiedlichen Daten, aus einem Array oder einem Objekt stammend, anzeigen.</a:t>
-            </a:r>
-          </a:p>
-          <a:p>
-            <a:r>
-              <a:rPr lang="de-AT" dirty="0"/>
-              <a:t>Dafür können wir die JavaScript-Methoden verwenden, um ein Array oder ein </a:t>
-            </a:r>
-            <a:r>
-              <a:rPr lang="de-AT" dirty="0" err="1"/>
-              <a:t>Object</a:t>
-            </a:r>
-            <a:r>
-              <a:rPr lang="de-AT" dirty="0"/>
-              <a:t> von Daten zu mappen</a:t>
-            </a:r>
-          </a:p>
-          <a:p>
-            <a:r>
-              <a:rPr lang="de-AT" dirty="0" err="1"/>
-              <a:t>map</a:t>
-            </a:r>
-            <a:r>
-              <a:rPr lang="de-AT" dirty="0"/>
-              <a:t>() wird verwendet, um ein Datenarray in ein Array von Komponenten zu transformieren.</a:t>
-            </a:r>
+              <a:t>In </a:t>
+            </a:r>
+            <a:r>
+              <a:rPr lang="de-AT" dirty="0" err="1"/>
+              <a:t>React</a:t>
+            </a:r>
+            <a:r>
+              <a:rPr lang="de-AT" dirty="0"/>
+              <a:t> können wir JSX bedingt rendern, indem wir:</a:t>
+            </a:r>
+          </a:p>
+          <a:p>
+            <a:r>
+              <a:rPr lang="de-AT" dirty="0"/>
+              <a:t>Innerhalb von JavaScript (außerhalb vom </a:t>
+            </a:r>
+            <a:r>
+              <a:rPr lang="de-AT" dirty="0" err="1"/>
+              <a:t>return</a:t>
+            </a:r>
+            <a:r>
+              <a:rPr lang="de-AT" dirty="0"/>
+              <a:t> Statement) :</a:t>
+            </a:r>
+          </a:p>
+          <a:p>
+            <a:pPr lvl="1"/>
+            <a:r>
+              <a:rPr lang="de-AT" dirty="0"/>
+              <a:t> JavaScript-Syntax wie </a:t>
+            </a:r>
+            <a:r>
+              <a:rPr lang="de-AT" dirty="0" err="1"/>
+              <a:t>if</a:t>
+            </a:r>
+            <a:r>
+              <a:rPr lang="de-AT" dirty="0"/>
+              <a:t>-Anweisungen</a:t>
+            </a:r>
+          </a:p>
+          <a:p>
+            <a:pPr lvl="1"/>
+            <a:r>
+              <a:rPr lang="de-AT" dirty="0"/>
+              <a:t>Ternäre Operatoren (&amp;&amp; und ? :) verwenden</a:t>
+            </a:r>
+          </a:p>
+          <a:p>
+            <a:r>
+              <a:rPr lang="de-AT" dirty="0"/>
+              <a:t>Innerhalb vom JSX Code:</a:t>
+            </a:r>
+          </a:p>
+          <a:p>
+            <a:pPr lvl="1"/>
+            <a:r>
+              <a:rPr lang="de-AT" dirty="0"/>
+              <a:t>Ternäre Operatoren (&amp;&amp; und ? :)</a:t>
+            </a:r>
+          </a:p>
+          <a:p>
+            <a:pPr lvl="1"/>
+            <a:r>
+              <a:rPr lang="de-AT" dirty="0" err="1"/>
+              <a:t>If</a:t>
+            </a:r>
+            <a:r>
+              <a:rPr lang="de-AT" dirty="0"/>
+              <a:t>-Anweisungen können </a:t>
+            </a:r>
+            <a:r>
+              <a:rPr lang="de-AT" b="1" dirty="0"/>
+              <a:t>nicht</a:t>
+            </a:r>
+            <a:r>
+              <a:rPr lang="de-AT" dirty="0"/>
+              <a:t> innerhalb von JSX Code verwendet werden</a:t>
+            </a:r>
+          </a:p>
+          <a:p>
+            <a:pPr marL="0" indent="0">
+              <a:buNone/>
+            </a:pPr>
+            <a:endParaRPr lang="de-AT" dirty="0"/>
+          </a:p>
+          <a:p>
+            <a:endParaRPr lang="de-AT" dirty="0"/>
+          </a:p>
+          <a:p>
+            <a:endParaRPr lang="de-AT" dirty="0"/>
           </a:p>
         </p:txBody>
       </p:sp>
       <p:pic>
         <p:nvPicPr>
-          <p:cNvPr id="7" name="Grafik 6">
-            <a:extLst>
-              <a:ext uri="{FF2B5EF4-FFF2-40B4-BE49-F238E27FC236}">
-                <a16:creationId xmlns:a16="http://schemas.microsoft.com/office/drawing/2014/main" id="{02CFCF04-A05B-F77E-6628-9D0E75CCF4A0}"/>
+          <p:cNvPr id="5" name="Grafik 4">
+            <a:extLst>
+              <a:ext uri="{FF2B5EF4-FFF2-40B4-BE49-F238E27FC236}">
+                <a16:creationId xmlns:a16="http://schemas.microsoft.com/office/drawing/2014/main" id="{3D46DE6B-FE2E-28B4-04F3-C364F892B4ED}"/>
               </a:ext>
             </a:extLst>
           </p:cNvPr>
@@ -7956,18 +7803,243 @@
         </p:blipFill>
         <p:spPr>
           <a:xfrm>
-            <a:off x="7454723" y="2161808"/>
-            <a:ext cx="4228176" cy="2995408"/>
+            <a:off x="8462149" y="1109954"/>
+            <a:ext cx="3505689" cy="847843"/>
           </a:xfrm>
           <a:prstGeom prst="rect">
             <a:avLst/>
           </a:prstGeom>
         </p:spPr>
       </p:pic>
+      <p:pic>
+        <p:nvPicPr>
+          <p:cNvPr id="7" name="Grafik 6">
+            <a:extLst>
+              <a:ext uri="{FF2B5EF4-FFF2-40B4-BE49-F238E27FC236}">
+                <a16:creationId xmlns:a16="http://schemas.microsoft.com/office/drawing/2014/main" id="{54B519E0-71F7-463F-F921-D769DE64D574}"/>
+              </a:ext>
+            </a:extLst>
+          </p:cNvPr>
+          <p:cNvPicPr>
+            <a:picLocks noChangeAspect="1"/>
+          </p:cNvPicPr>
+          <p:nvPr/>
+        </p:nvPicPr>
+        <p:blipFill>
+          <a:blip r:embed="rId3"/>
+          <a:stretch>
+            <a:fillRect/>
+          </a:stretch>
+        </p:blipFill>
+        <p:spPr>
+          <a:xfrm>
+            <a:off x="8462149" y="3610076"/>
+            <a:ext cx="3208643" cy="1132463"/>
+          </a:xfrm>
+          <a:prstGeom prst="rect">
+            <a:avLst/>
+          </a:prstGeom>
+        </p:spPr>
+      </p:pic>
+      <p:sp>
+        <p:nvSpPr>
+          <p:cNvPr id="8" name="Textfeld 7">
+            <a:extLst>
+              <a:ext uri="{FF2B5EF4-FFF2-40B4-BE49-F238E27FC236}">
+                <a16:creationId xmlns:a16="http://schemas.microsoft.com/office/drawing/2014/main" id="{04354A35-EB4F-9590-CC52-FFA093967A46}"/>
+              </a:ext>
+            </a:extLst>
+          </p:cNvPr>
+          <p:cNvSpPr txBox="1"/>
+          <p:nvPr/>
+        </p:nvSpPr>
+        <p:spPr>
+          <a:xfrm>
+            <a:off x="771787" y="5416860"/>
+            <a:ext cx="10489107" cy="923330"/>
+          </a:xfrm>
+          <a:prstGeom prst="rect">
+            <a:avLst/>
+          </a:prstGeom>
+        </p:spPr>
+        <p:style>
+          <a:lnRef idx="0">
+            <a:schemeClr val="accent6"/>
+          </a:lnRef>
+          <a:fillRef idx="3">
+            <a:schemeClr val="accent6"/>
+          </a:fillRef>
+          <a:effectRef idx="3">
+            <a:schemeClr val="accent6"/>
+          </a:effectRef>
+          <a:fontRef idx="minor">
+            <a:schemeClr val="lt1"/>
+          </a:fontRef>
+        </p:style>
+        <p:txBody>
+          <a:bodyPr wrap="square" rtlCol="0">
+            <a:spAutoFit/>
+          </a:bodyPr>
+          <a:lstStyle/>
+          <a:p>
+            <a:r>
+              <a:rPr lang="de-AT" dirty="0"/>
+              <a:t>Ternäre Operatoren in Beispielen:</a:t>
+            </a:r>
+          </a:p>
+          <a:p>
+            <a:r>
+              <a:rPr lang="de-AT" dirty="0"/>
+              <a:t>&amp;&amp;:  Wenn Bedingung erfüllt ist, (&amp;&amp;) dann rendere </a:t>
+            </a:r>
+            <a:r>
+              <a:rPr lang="de-AT" dirty="0" err="1"/>
+              <a:t>name</a:t>
+            </a:r>
+            <a:r>
+              <a:rPr lang="de-AT" dirty="0"/>
+              <a:t> + „ ✅“. Sonst rendere nichts (null)</a:t>
+            </a:r>
+          </a:p>
+          <a:p>
+            <a:r>
+              <a:rPr lang="de-AT" dirty="0"/>
+              <a:t>?:      Wenn Bedingung erfüllt ist, (?) dann rendere </a:t>
+            </a:r>
+            <a:r>
+              <a:rPr lang="de-AT" dirty="0" err="1"/>
+              <a:t>name</a:t>
+            </a:r>
+            <a:r>
+              <a:rPr lang="de-AT" dirty="0"/>
+              <a:t> + „ ✅“. (</a:t>
+            </a:r>
+            <a:r>
+              <a:rPr lang="de-AT" dirty="0">
+                <a:sym typeface="Wingdings" panose="05000000000000000000" pitchFamily="2" charset="2"/>
+              </a:rPr>
+              <a:t>:) s</a:t>
+            </a:r>
+            <a:r>
+              <a:rPr lang="de-AT" dirty="0"/>
+              <a:t>onst rendere </a:t>
+            </a:r>
+            <a:r>
+              <a:rPr lang="de-AT" dirty="0" err="1"/>
+              <a:t>name</a:t>
+            </a:r>
+            <a:endParaRPr lang="de-AT" dirty="0"/>
+          </a:p>
+        </p:txBody>
+      </p:sp>
+      <p:pic>
+        <p:nvPicPr>
+          <p:cNvPr id="10" name="Grafik 9">
+            <a:extLst>
+              <a:ext uri="{FF2B5EF4-FFF2-40B4-BE49-F238E27FC236}">
+                <a16:creationId xmlns:a16="http://schemas.microsoft.com/office/drawing/2014/main" id="{6B8483A6-7A26-3A6E-E9F5-90CA12375BF8}"/>
+              </a:ext>
+            </a:extLst>
+          </p:cNvPr>
+          <p:cNvPicPr>
+            <a:picLocks noChangeAspect="1"/>
+          </p:cNvPicPr>
+          <p:nvPr/>
+        </p:nvPicPr>
+        <p:blipFill>
+          <a:blip r:embed="rId4"/>
+          <a:stretch>
+            <a:fillRect/>
+          </a:stretch>
+        </p:blipFill>
+        <p:spPr>
+          <a:xfrm>
+            <a:off x="8462149" y="2318567"/>
+            <a:ext cx="2798745" cy="1219371"/>
+          </a:xfrm>
+          <a:prstGeom prst="rect">
+            <a:avLst/>
+          </a:prstGeom>
+        </p:spPr>
+      </p:pic>
+      <p:sp>
+        <p:nvSpPr>
+          <p:cNvPr id="11" name="Textfeld 10">
+            <a:extLst>
+              <a:ext uri="{FF2B5EF4-FFF2-40B4-BE49-F238E27FC236}">
+                <a16:creationId xmlns:a16="http://schemas.microsoft.com/office/drawing/2014/main" id="{D4992D4B-89C8-61F8-D731-093695FF73CA}"/>
+              </a:ext>
+            </a:extLst>
+          </p:cNvPr>
+          <p:cNvSpPr txBox="1"/>
+          <p:nvPr/>
+        </p:nvSpPr>
+        <p:spPr>
+          <a:xfrm>
+            <a:off x="8462149" y="1957797"/>
+            <a:ext cx="3505689" cy="261610"/>
+          </a:xfrm>
+          <a:prstGeom prst="rect">
+            <a:avLst/>
+          </a:prstGeom>
+          <a:noFill/>
+        </p:spPr>
+        <p:txBody>
+          <a:bodyPr wrap="square" rtlCol="0">
+            <a:spAutoFit/>
+          </a:bodyPr>
+          <a:lstStyle/>
+          <a:p>
+            <a:r>
+              <a:rPr lang="de-AT" sz="1100" dirty="0" err="1"/>
+              <a:t>If</a:t>
+            </a:r>
+            <a:r>
+              <a:rPr lang="de-AT" sz="1100" dirty="0"/>
+              <a:t> Anweisungen</a:t>
+            </a:r>
+          </a:p>
+        </p:txBody>
+      </p:sp>
+      <p:sp>
+        <p:nvSpPr>
+          <p:cNvPr id="12" name="Textfeld 11">
+            <a:extLst>
+              <a:ext uri="{FF2B5EF4-FFF2-40B4-BE49-F238E27FC236}">
+                <a16:creationId xmlns:a16="http://schemas.microsoft.com/office/drawing/2014/main" id="{FAF590E8-6DA4-B878-7111-C1D367FEF3B5}"/>
+              </a:ext>
+            </a:extLst>
+          </p:cNvPr>
+          <p:cNvSpPr txBox="1"/>
+          <p:nvPr/>
+        </p:nvSpPr>
+        <p:spPr>
+          <a:xfrm>
+            <a:off x="8462148" y="4822462"/>
+            <a:ext cx="3505689" cy="261610"/>
+          </a:xfrm>
+          <a:prstGeom prst="rect">
+            <a:avLst/>
+          </a:prstGeom>
+          <a:noFill/>
+        </p:spPr>
+        <p:txBody>
+          <a:bodyPr wrap="square" rtlCol="0">
+            <a:spAutoFit/>
+          </a:bodyPr>
+          <a:lstStyle/>
+          <a:p>
+            <a:r>
+              <a:rPr lang="de-AT" sz="1100" dirty="0"/>
+              <a:t>Ternäre Operatoren &amp;&amp; / ?:</a:t>
+            </a:r>
+          </a:p>
+        </p:txBody>
+      </p:sp>
     </p:spTree>
     <p:extLst>
       <p:ext uri="{BB962C8B-B14F-4D97-AF65-F5344CB8AC3E}">
-        <p14:creationId xmlns:p14="http://schemas.microsoft.com/office/powerpoint/2010/main" val="3632734776"/>
+        <p14:creationId xmlns:p14="http://schemas.microsoft.com/office/powerpoint/2010/main" val="1086709676"/>
       </p:ext>
     </p:extLst>
   </p:cSld>
@@ -8022,7 +8094,7 @@
           <a:p>
             <a:r>
               <a:rPr lang="de-AT" dirty="0"/>
-              <a:t>Rendering von gefilterten Listen</a:t>
+              <a:t>Rendering von Listen</a:t>
             </a:r>
           </a:p>
         </p:txBody>
@@ -8045,87 +8117,51 @@
         </p:nvSpPr>
         <p:spPr>
           <a:xfrm>
-            <a:off x="484632" y="2057400"/>
-            <a:ext cx="5611368" cy="4137259"/>
-          </a:xfrm>
-        </p:spPr>
-        <p:txBody>
-          <a:bodyPr>
-            <a:normAutofit/>
-          </a:bodyPr>
-          <a:lstStyle/>
-          <a:p>
-            <a:r>
-              <a:rPr lang="de-AT" dirty="0"/>
-              <a:t>Häufig kommt es vor das zunächst ein Array, bestehend aus Objekten, gefiltert werden muss bevor es auf ein JSX Element </a:t>
-            </a:r>
-            <a:r>
-              <a:rPr lang="de-AT" dirty="0" err="1"/>
-              <a:t>gemapped</a:t>
-            </a:r>
-            <a:r>
-              <a:rPr lang="de-AT" dirty="0"/>
-              <a:t> wird</a:t>
-            </a:r>
-          </a:p>
-          <a:p>
-            <a:r>
-              <a:rPr lang="de-AT" dirty="0"/>
-              <a:t>Um Arrays zu filtern wird die </a:t>
-            </a:r>
-            <a:r>
-              <a:rPr lang="de-AT" dirty="0" err="1"/>
-              <a:t>filter</a:t>
-            </a:r>
-            <a:r>
-              <a:rPr lang="de-AT" dirty="0"/>
-              <a:t> Methode verwendet</a:t>
-            </a:r>
-          </a:p>
-          <a:p>
-            <a:r>
-              <a:rPr lang="de-AT" dirty="0"/>
-              <a:t>Danach wird das gefilterte Array mit Hilfe von </a:t>
-            </a:r>
+            <a:off x="989902" y="2057400"/>
+            <a:ext cx="5721292" cy="4137259"/>
+          </a:xfrm>
+        </p:spPr>
+        <p:txBody>
+          <a:bodyPr/>
+          <a:lstStyle/>
+          <a:p>
+            <a:r>
+              <a:rPr lang="de-AT" dirty="0"/>
+              <a:t>Oft möchten wir die selbe Komponenten mit unterschiedlichen Daten, aus einem Array oder einem Objekt stammend, anzeigen.</a:t>
+            </a:r>
+          </a:p>
+          <a:p>
+            <a:r>
+              <a:rPr lang="de-AT" dirty="0"/>
+              <a:t>Dafür können wir die JavaScript-Methoden verwenden, um ein Array oder ein </a:t>
+            </a:r>
+            <a:r>
+              <a:rPr lang="de-AT" dirty="0" err="1"/>
+              <a:t>Object</a:t>
+            </a:r>
+            <a:r>
+              <a:rPr lang="de-AT" dirty="0"/>
+              <a:t> von Daten zu mappen</a:t>
+            </a:r>
+          </a:p>
+          <a:p>
             <a:r>
               <a:rPr lang="de-AT" dirty="0" err="1"/>
               <a:t>map</a:t>
             </a:r>
             <a:r>
               <a:rPr lang="de-AT" dirty="0"/>
-              <a:t>() erneut auf JSX Elemente </a:t>
-            </a:r>
-            <a:r>
-              <a:rPr lang="de-AT" dirty="0" err="1"/>
-              <a:t>gemapped</a:t>
-            </a:r>
-            <a:r>
-              <a:rPr lang="de-AT" dirty="0"/>
-              <a:t> </a:t>
-            </a:r>
-          </a:p>
-          <a:p>
-            <a:r>
-              <a:rPr lang="de-AT" dirty="0"/>
-              <a:t>Achtung: Wird ein Array aus Objekten </a:t>
-            </a:r>
-            <a:r>
-              <a:rPr lang="de-AT" dirty="0" err="1"/>
-              <a:t>gemapped</a:t>
-            </a:r>
-            <a:r>
-              <a:rPr lang="de-AT" dirty="0"/>
-              <a:t>, müssen natürlich die Properties des Objekts angesprochen werden und nicht das gesamte Objekt</a:t>
+              <a:t>() wird verwendet, um ein Datenarray in ein Array von Komponenten zu transformieren.</a:t>
             </a:r>
           </a:p>
         </p:txBody>
       </p:sp>
       <p:pic>
         <p:nvPicPr>
-          <p:cNvPr id="12" name="Grafik 11">
-            <a:extLst>
-              <a:ext uri="{FF2B5EF4-FFF2-40B4-BE49-F238E27FC236}">
-                <a16:creationId xmlns:a16="http://schemas.microsoft.com/office/drawing/2014/main" id="{B886E054-9CC5-4DBA-2DCA-61F5BCC28D43}"/>
+          <p:cNvPr id="7" name="Grafik 6">
+            <a:extLst>
+              <a:ext uri="{FF2B5EF4-FFF2-40B4-BE49-F238E27FC236}">
+                <a16:creationId xmlns:a16="http://schemas.microsoft.com/office/drawing/2014/main" id="{02CFCF04-A05B-F77E-6628-9D0E75CCF4A0}"/>
               </a:ext>
             </a:extLst>
           </p:cNvPr>
@@ -8134,44 +8170,16 @@
           </p:cNvPicPr>
           <p:nvPr/>
         </p:nvPicPr>
-        <p:blipFill rotWithShape="1">
+        <p:blipFill>
           <a:blip r:embed="rId2"/>
-          <a:srcRect b="53733"/>
-          <a:stretch/>
+          <a:stretch>
+            <a:fillRect/>
+          </a:stretch>
         </p:blipFill>
         <p:spPr>
           <a:xfrm>
-            <a:off x="6227064" y="1923217"/>
-            <a:ext cx="3469160" cy="3011565"/>
-          </a:xfrm>
-          <a:prstGeom prst="rect">
-            <a:avLst/>
-          </a:prstGeom>
-        </p:spPr>
-      </p:pic>
-      <p:pic>
-        <p:nvPicPr>
-          <p:cNvPr id="14" name="Grafik 13">
-            <a:extLst>
-              <a:ext uri="{FF2B5EF4-FFF2-40B4-BE49-F238E27FC236}">
-                <a16:creationId xmlns:a16="http://schemas.microsoft.com/office/drawing/2014/main" id="{9C8EC255-8509-007D-8C12-A11C6B4D7EB0}"/>
-              </a:ext>
-            </a:extLst>
-          </p:cNvPr>
-          <p:cNvPicPr>
-            <a:picLocks noChangeAspect="1"/>
-          </p:cNvPicPr>
-          <p:nvPr/>
-        </p:nvPicPr>
-        <p:blipFill rotWithShape="1">
-          <a:blip r:embed="rId2"/>
-          <a:srcRect t="46800"/>
-          <a:stretch/>
-        </p:blipFill>
-        <p:spPr>
-          <a:xfrm>
-            <a:off x="8769096" y="3158168"/>
-            <a:ext cx="3340132" cy="3334071"/>
+            <a:off x="7454723" y="2161808"/>
+            <a:ext cx="4228176" cy="2995408"/>
           </a:xfrm>
           <a:prstGeom prst="rect">
             <a:avLst/>
@@ -8181,7 +8189,7 @@
     </p:spTree>
     <p:extLst>
       <p:ext uri="{BB962C8B-B14F-4D97-AF65-F5344CB8AC3E}">
-        <p14:creationId xmlns:p14="http://schemas.microsoft.com/office/powerpoint/2010/main" val="1749713992"/>
+        <p14:creationId xmlns:p14="http://schemas.microsoft.com/office/powerpoint/2010/main" val="3632734776"/>
       </p:ext>
     </p:extLst>
   </p:cSld>
@@ -8213,7 +8221,7 @@
           <p:cNvPr id="2" name="Titel 1">
             <a:extLst>
               <a:ext uri="{FF2B5EF4-FFF2-40B4-BE49-F238E27FC236}">
-                <a16:creationId xmlns:a16="http://schemas.microsoft.com/office/drawing/2014/main" id="{4076C386-94BF-14DE-DBBF-C5E555E0B2A3}"/>
+                <a16:creationId xmlns:a16="http://schemas.microsoft.com/office/drawing/2014/main" id="{0AD2EFB2-8559-6AD6-C495-6E0AD82208D1}"/>
               </a:ext>
             </a:extLst>
           </p:cNvPr>
@@ -8224,14 +8232,19 @@
             <p:ph type="title"/>
           </p:nvPr>
         </p:nvSpPr>
-        <p:spPr/>
+        <p:spPr>
+          <a:xfrm>
+            <a:off x="1261872" y="685800"/>
+            <a:ext cx="9291829" cy="1371600"/>
+          </a:xfrm>
+        </p:spPr>
         <p:txBody>
           <a:bodyPr/>
           <a:lstStyle/>
           <a:p>
             <a:r>
               <a:rPr lang="de-AT" dirty="0"/>
-              <a:t>Keys für gemappte Elemente</a:t>
+              <a:t>Rendering von gefilterten Listen</a:t>
             </a:r>
           </a:p>
         </p:txBody>
@@ -8241,7 +8254,7 @@
           <p:cNvPr id="3" name="Inhaltsplatzhalter 2">
             <a:extLst>
               <a:ext uri="{FF2B5EF4-FFF2-40B4-BE49-F238E27FC236}">
-                <a16:creationId xmlns:a16="http://schemas.microsoft.com/office/drawing/2014/main" id="{159BD63C-0A49-91F7-770B-DCAB4470B210}"/>
+                <a16:creationId xmlns:a16="http://schemas.microsoft.com/office/drawing/2014/main" id="{20FDC68F-0F2D-F3C2-182C-29F6F6613C04}"/>
               </a:ext>
             </a:extLst>
           </p:cNvPr>
@@ -8254,8 +8267,8 @@
         </p:nvSpPr>
         <p:spPr>
           <a:xfrm>
-            <a:off x="805343" y="2057400"/>
-            <a:ext cx="7139031" cy="4137259"/>
+            <a:off x="484632" y="2057400"/>
+            <a:ext cx="5611368" cy="4137259"/>
           </a:xfrm>
         </p:spPr>
         <p:txBody>
@@ -8266,7 +8279,35 @@
           <a:p>
             <a:r>
               <a:rPr lang="de-AT" dirty="0"/>
-              <a:t>Jedes mit </a:t>
+              <a:t>Häufig kommt es vor das zunächst ein Array, bestehend aus Objekten, gefiltert werden muss bevor es auf ein JSX Element </a:t>
+            </a:r>
+            <a:r>
+              <a:rPr lang="de-AT" dirty="0" err="1"/>
+              <a:t>gemapped</a:t>
+            </a:r>
+            <a:r>
+              <a:rPr lang="de-AT" dirty="0"/>
+              <a:t> wird</a:t>
+            </a:r>
+          </a:p>
+          <a:p>
+            <a:r>
+              <a:rPr lang="de-AT" dirty="0"/>
+              <a:t>Um Arrays zu filtern wird die </a:t>
+            </a:r>
+            <a:r>
+              <a:rPr lang="de-AT" dirty="0" err="1"/>
+              <a:t>filter</a:t>
+            </a:r>
+            <a:r>
+              <a:rPr lang="de-AT" dirty="0"/>
+              <a:t> Methode verwendet</a:t>
+            </a:r>
+          </a:p>
+          <a:p>
+            <a:r>
+              <a:rPr lang="de-AT" dirty="0"/>
+              <a:t>Danach wird das gefilterte Array mit Hilfe von </a:t>
             </a:r>
             <a:r>
               <a:rPr lang="de-AT" dirty="0" err="1"/>
@@ -8274,57 +8315,39 @@
             </a:r>
             <a:r>
               <a:rPr lang="de-AT" dirty="0"/>
-              <a:t>() erstellte JSX Element benötigt einen eindeutigen Key</a:t>
-            </a:r>
-          </a:p>
-          <a:p>
-            <a:r>
-              <a:rPr lang="de-AT" dirty="0"/>
-              <a:t>Schlüssel sagen </a:t>
-            </a:r>
-            <a:r>
-              <a:rPr lang="de-AT" dirty="0" err="1"/>
-              <a:t>React</a:t>
-            </a:r>
-            <a:r>
-              <a:rPr lang="de-AT" dirty="0"/>
-              <a:t>, welchem Array-Element jede Komponente entspricht, damit es sie später zuordnen kann.</a:t>
-            </a:r>
-          </a:p>
-          <a:p>
-            <a:r>
-              <a:rPr lang="de-AT" dirty="0"/>
-              <a:t>Dies wird wichtig, wenn sich Array-Elemente bewegen können (z. B. durch Sortieren), eingefügt oder gelöscht werden.</a:t>
-            </a:r>
-          </a:p>
-          <a:p>
-            <a:r>
-              <a:rPr lang="de-AT" dirty="0"/>
-              <a:t>Schlüssel helfen </a:t>
-            </a:r>
-            <a:r>
-              <a:rPr lang="de-AT" dirty="0" err="1"/>
-              <a:t>React</a:t>
-            </a:r>
-            <a:r>
-              <a:rPr lang="de-AT" dirty="0"/>
-              <a:t> zu erkennen, was genau passiert ist, und die richtigen Aktualisierungen am DOM-Baum vorzunehmen.</a:t>
-            </a:r>
-          </a:p>
-          <a:p>
-            <a:r>
-              <a:rPr lang="de-AT" dirty="0"/>
-              <a:t>Anstatt Schlüssel dynamisch zu generieren, sollten Schlüssel aus den Objektdaten kommen</a:t>
+              <a:t>() erneut auf JSX Elemente </a:t>
+            </a:r>
+            <a:r>
+              <a:rPr lang="de-AT" dirty="0" err="1"/>
+              <a:t>gemapped</a:t>
+            </a:r>
+            <a:r>
+              <a:rPr lang="de-AT" dirty="0"/>
+              <a:t> </a:t>
+            </a:r>
+          </a:p>
+          <a:p>
+            <a:r>
+              <a:rPr lang="de-AT" dirty="0"/>
+              <a:t>Achtung: Wird ein Array aus Objekten </a:t>
+            </a:r>
+            <a:r>
+              <a:rPr lang="de-AT" dirty="0" err="1"/>
+              <a:t>gemapped</a:t>
+            </a:r>
+            <a:r>
+              <a:rPr lang="de-AT" dirty="0"/>
+              <a:t>, müssen natürlich die Properties des Objekts angesprochen werden und nicht das gesamte Objekt</a:t>
             </a:r>
           </a:p>
         </p:txBody>
       </p:sp>
       <p:pic>
         <p:nvPicPr>
-          <p:cNvPr id="5" name="Grafik 4">
-            <a:extLst>
-              <a:ext uri="{FF2B5EF4-FFF2-40B4-BE49-F238E27FC236}">
-                <a16:creationId xmlns:a16="http://schemas.microsoft.com/office/drawing/2014/main" id="{C92A9035-1461-E25B-895B-E5F0DAEE5E0B}"/>
+          <p:cNvPr id="12" name="Grafik 11">
+            <a:extLst>
+              <a:ext uri="{FF2B5EF4-FFF2-40B4-BE49-F238E27FC236}">
+                <a16:creationId xmlns:a16="http://schemas.microsoft.com/office/drawing/2014/main" id="{B886E054-9CC5-4DBA-2DCA-61F5BCC28D43}"/>
               </a:ext>
             </a:extLst>
           </p:cNvPr>
@@ -8333,16 +8356,44 @@
           </p:cNvPicPr>
           <p:nvPr/>
         </p:nvPicPr>
-        <p:blipFill>
+        <p:blipFill rotWithShape="1">
           <a:blip r:embed="rId2"/>
-          <a:stretch>
-            <a:fillRect/>
-          </a:stretch>
+          <a:srcRect b="53733"/>
+          <a:stretch/>
         </p:blipFill>
         <p:spPr>
           <a:xfrm>
-            <a:off x="8164829" y="2194400"/>
-            <a:ext cx="3680458" cy="1371600"/>
+            <a:off x="6227064" y="1923217"/>
+            <a:ext cx="3469160" cy="3011565"/>
+          </a:xfrm>
+          <a:prstGeom prst="rect">
+            <a:avLst/>
+          </a:prstGeom>
+        </p:spPr>
+      </p:pic>
+      <p:pic>
+        <p:nvPicPr>
+          <p:cNvPr id="14" name="Grafik 13">
+            <a:extLst>
+              <a:ext uri="{FF2B5EF4-FFF2-40B4-BE49-F238E27FC236}">
+                <a16:creationId xmlns:a16="http://schemas.microsoft.com/office/drawing/2014/main" id="{9C8EC255-8509-007D-8C12-A11C6B4D7EB0}"/>
+              </a:ext>
+            </a:extLst>
+          </p:cNvPr>
+          <p:cNvPicPr>
+            <a:picLocks noChangeAspect="1"/>
+          </p:cNvPicPr>
+          <p:nvPr/>
+        </p:nvPicPr>
+        <p:blipFill rotWithShape="1">
+          <a:blip r:embed="rId2"/>
+          <a:srcRect t="46800"/>
+          <a:stretch/>
+        </p:blipFill>
+        <p:spPr>
+          <a:xfrm>
+            <a:off x="8769096" y="3158168"/>
+            <a:ext cx="3340132" cy="3334071"/>
           </a:xfrm>
           <a:prstGeom prst="rect">
             <a:avLst/>
@@ -8352,7 +8403,7 @@
     </p:spTree>
     <p:extLst>
       <p:ext uri="{BB962C8B-B14F-4D97-AF65-F5344CB8AC3E}">
-        <p14:creationId xmlns:p14="http://schemas.microsoft.com/office/powerpoint/2010/main" val="3600795728"/>
+        <p14:creationId xmlns:p14="http://schemas.microsoft.com/office/powerpoint/2010/main" val="1749713992"/>
       </p:ext>
     </p:extLst>
   </p:cSld>
@@ -8384,7 +8435,7 @@
           <p:cNvPr id="2" name="Titel 1">
             <a:extLst>
               <a:ext uri="{FF2B5EF4-FFF2-40B4-BE49-F238E27FC236}">
-                <a16:creationId xmlns:a16="http://schemas.microsoft.com/office/drawing/2014/main" id="{99D8EA69-B85D-AB37-3A42-445F5F2E9BEE}"/>
+                <a16:creationId xmlns:a16="http://schemas.microsoft.com/office/drawing/2014/main" id="{4076C386-94BF-14DE-DBBF-C5E555E0B2A3}"/>
               </a:ext>
             </a:extLst>
           </p:cNvPr>
@@ -8402,7 +8453,7 @@
           <a:p>
             <a:r>
               <a:rPr lang="de-AT" dirty="0"/>
-              <a:t>UI Baumstruktur</a:t>
+              <a:t>Keys für gemappte Elemente</a:t>
             </a:r>
           </a:p>
         </p:txBody>
@@ -8412,7 +8463,7 @@
           <p:cNvPr id="3" name="Inhaltsplatzhalter 2">
             <a:extLst>
               <a:ext uri="{FF2B5EF4-FFF2-40B4-BE49-F238E27FC236}">
-                <a16:creationId xmlns:a16="http://schemas.microsoft.com/office/drawing/2014/main" id="{51EA365F-1731-5BF0-FE2D-0693F5E956DD}"/>
+                <a16:creationId xmlns:a16="http://schemas.microsoft.com/office/drawing/2014/main" id="{159BD63C-0A49-91F7-770B-DCAB4470B210}"/>
               </a:ext>
             </a:extLst>
           </p:cNvPr>
@@ -8425,57 +8476,53 @@
         </p:nvSpPr>
         <p:spPr>
           <a:xfrm>
-            <a:off x="721453" y="2057400"/>
-            <a:ext cx="6090827" cy="4137259"/>
-          </a:xfrm>
-        </p:spPr>
-        <p:txBody>
-          <a:bodyPr/>
-          <a:lstStyle/>
-          <a:p>
+            <a:off x="805343" y="2057400"/>
+            <a:ext cx="7139031" cy="4137259"/>
+          </a:xfrm>
+        </p:spPr>
+        <p:txBody>
+          <a:bodyPr>
+            <a:normAutofit/>
+          </a:bodyPr>
+          <a:lstStyle/>
+          <a:p>
+            <a:r>
+              <a:rPr lang="de-AT" dirty="0"/>
+              <a:t>Jedes mit </a:t>
+            </a:r>
+            <a:r>
+              <a:rPr lang="de-AT" dirty="0" err="1"/>
+              <a:t>map</a:t>
+            </a:r>
+            <a:r>
+              <a:rPr lang="de-AT" dirty="0"/>
+              <a:t>() erstellte JSX Element benötigt einen eindeutigen Key</a:t>
+            </a:r>
+          </a:p>
+          <a:p>
+            <a:r>
+              <a:rPr lang="de-AT" dirty="0"/>
+              <a:t>Schlüssel sagen </a:t>
+            </a:r>
             <a:r>
               <a:rPr lang="de-AT" dirty="0" err="1"/>
               <a:t>React</a:t>
             </a:r>
             <a:r>
               <a:rPr lang="de-AT" dirty="0"/>
-              <a:t> verwendet Bäume, um die Beziehungen zwischen Komponenten und Modulen zu modellieren.</a:t>
-            </a:r>
-          </a:p>
-          <a:p>
-            <a:r>
-              <a:rPr lang="de-AT" dirty="0"/>
-              <a:t>Ein </a:t>
-            </a:r>
-            <a:r>
-              <a:rPr lang="de-AT" dirty="0" err="1"/>
-              <a:t>React-Renderbaum</a:t>
-            </a:r>
-            <a:r>
-              <a:rPr lang="de-AT" dirty="0"/>
-              <a:t> ist eine Darstellung der Eltern- und </a:t>
-            </a:r>
-            <a:r>
-              <a:rPr lang="de-AT" dirty="0" err="1"/>
-              <a:t>Kindbeziehung</a:t>
-            </a:r>
-            <a:r>
-              <a:rPr lang="de-AT" dirty="0"/>
-              <a:t> zwischen Komponenten.</a:t>
-            </a:r>
-          </a:p>
-          <a:p>
-            <a:r>
-              <a:rPr lang="de-AT" dirty="0"/>
-              <a:t>Der </a:t>
-            </a:r>
-            <a:r>
-              <a:rPr lang="de-AT" dirty="0" err="1"/>
-              <a:t>React-Renderbaum</a:t>
-            </a:r>
-            <a:r>
-              <a:rPr lang="de-AT" dirty="0"/>
-              <a:t> ermöglicht es </a:t>
+              <a:t>, welchem Array-Element jede Komponente entspricht, damit es sie später zuordnen kann.</a:t>
+            </a:r>
+          </a:p>
+          <a:p>
+            <a:r>
+              <a:rPr lang="de-AT" dirty="0"/>
+              <a:t>Dies wird wichtig, wenn sich Array-Elemente bewegen können (z. B. durch Sortieren), eingefügt oder gelöscht werden.</a:t>
+            </a:r>
+          </a:p>
+          <a:p>
+            <a:r>
+              <a:rPr lang="de-AT" dirty="0"/>
+              <a:t>Schlüssel helfen </a:t>
             </a:r>
             <a:r>
               <a:rPr lang="de-AT" dirty="0" err="1"/>
@@ -8483,31 +8530,23 @@
             </a:r>
             <a:r>
               <a:rPr lang="de-AT" dirty="0"/>
-              <a:t>, die Hierarchie der Komponenten zu verfolgen und zu organisieren.</a:t>
-            </a:r>
-          </a:p>
-          <a:p>
-            <a:r>
-              <a:rPr lang="de-AT" dirty="0"/>
-              <a:t>Durch die Baumstruktur kann </a:t>
-            </a:r>
-            <a:r>
-              <a:rPr lang="de-AT" dirty="0" err="1"/>
-              <a:t>React</a:t>
-            </a:r>
-            <a:r>
-              <a:rPr lang="de-AT" dirty="0"/>
-              <a:t> effizient Updates durchführen und die Komponenten entsprechend ihrer Beziehungen rendern.</a:t>
+              <a:t> zu erkennen, was genau passiert ist, und die richtigen Aktualisierungen am DOM-Baum vorzunehmen.</a:t>
+            </a:r>
+          </a:p>
+          <a:p>
+            <a:r>
+              <a:rPr lang="de-AT" dirty="0"/>
+              <a:t>Anstatt Schlüssel dynamisch zu generieren, sollten Schlüssel aus den Objektdaten kommen</a:t>
             </a:r>
           </a:p>
         </p:txBody>
       </p:sp>
       <p:pic>
         <p:nvPicPr>
-          <p:cNvPr id="6" name="Grafik 5">
-            <a:extLst>
-              <a:ext uri="{FF2B5EF4-FFF2-40B4-BE49-F238E27FC236}">
-                <a16:creationId xmlns:a16="http://schemas.microsoft.com/office/drawing/2014/main" id="{50A298DD-B37F-5F62-6AE6-1AB7AB5051E6}"/>
+          <p:cNvPr id="5" name="Grafik 4">
+            <a:extLst>
+              <a:ext uri="{FF2B5EF4-FFF2-40B4-BE49-F238E27FC236}">
+                <a16:creationId xmlns:a16="http://schemas.microsoft.com/office/drawing/2014/main" id="{C92A9035-1461-E25B-895B-E5F0DAEE5E0B}"/>
               </a:ext>
             </a:extLst>
           </p:cNvPr>
@@ -8524,8 +8563,8 @@
         </p:blipFill>
         <p:spPr>
           <a:xfrm>
-            <a:off x="6812280" y="2404140"/>
-            <a:ext cx="5048955" cy="2524477"/>
+            <a:off x="8164829" y="2194400"/>
+            <a:ext cx="3680458" cy="1371600"/>
           </a:xfrm>
           <a:prstGeom prst="rect">
             <a:avLst/>
@@ -8535,7 +8574,7 @@
     </p:spTree>
     <p:extLst>
       <p:ext uri="{BB962C8B-B14F-4D97-AF65-F5344CB8AC3E}">
-        <p14:creationId xmlns:p14="http://schemas.microsoft.com/office/powerpoint/2010/main" val="3541791408"/>
+        <p14:creationId xmlns:p14="http://schemas.microsoft.com/office/powerpoint/2010/main" val="3600795728"/>
       </p:ext>
     </p:extLst>
   </p:cSld>
@@ -8567,7 +8606,7 @@
           <p:cNvPr id="2" name="Titel 1">
             <a:extLst>
               <a:ext uri="{FF2B5EF4-FFF2-40B4-BE49-F238E27FC236}">
-                <a16:creationId xmlns:a16="http://schemas.microsoft.com/office/drawing/2014/main" id="{8F6AB82D-8E46-48BD-EBD3-7A7EEB3AC07E}"/>
+                <a16:creationId xmlns:a16="http://schemas.microsoft.com/office/drawing/2014/main" id="{99D8EA69-B85D-AB37-3A42-445F5F2E9BEE}"/>
               </a:ext>
             </a:extLst>
           </p:cNvPr>
@@ -8578,152 +8617,119 @@
             <p:ph type="title"/>
           </p:nvPr>
         </p:nvSpPr>
-        <p:spPr>
-          <a:xfrm>
-            <a:off x="1109793" y="685800"/>
-            <a:ext cx="8915402" cy="1371600"/>
-          </a:xfrm>
-        </p:spPr>
+        <p:spPr/>
         <p:txBody>
           <a:bodyPr/>
           <a:lstStyle/>
           <a:p>
             <a:r>
+              <a:rPr lang="de-AT" dirty="0"/>
+              <a:t>UI Baumstruktur</a:t>
+            </a:r>
+          </a:p>
+        </p:txBody>
+      </p:sp>
+      <p:sp>
+        <p:nvSpPr>
+          <p:cNvPr id="3" name="Inhaltsplatzhalter 2">
+            <a:extLst>
+              <a:ext uri="{FF2B5EF4-FFF2-40B4-BE49-F238E27FC236}">
+                <a16:creationId xmlns:a16="http://schemas.microsoft.com/office/drawing/2014/main" id="{51EA365F-1731-5BF0-FE2D-0693F5E956DD}"/>
+              </a:ext>
+            </a:extLst>
+          </p:cNvPr>
+          <p:cNvSpPr>
+            <a:spLocks noGrp="1"/>
+          </p:cNvSpPr>
+          <p:nvPr>
+            <p:ph idx="1"/>
+          </p:nvPr>
+        </p:nvSpPr>
+        <p:spPr>
+          <a:xfrm>
+            <a:off x="721453" y="2057400"/>
+            <a:ext cx="6090827" cy="4137259"/>
+          </a:xfrm>
+        </p:spPr>
+        <p:txBody>
+          <a:bodyPr/>
+          <a:lstStyle/>
+          <a:p>
+            <a:r>
               <a:rPr lang="de-AT" dirty="0" err="1"/>
               <a:t>React</a:t>
             </a:r>
             <a:r>
               <a:rPr lang="de-AT" dirty="0"/>
-              <a:t> Challenges</a:t>
-            </a:r>
-          </a:p>
-        </p:txBody>
-      </p:sp>
-      <p:sp>
-        <p:nvSpPr>
-          <p:cNvPr id="3" name="Inhaltsplatzhalter 2">
-            <a:extLst>
-              <a:ext uri="{FF2B5EF4-FFF2-40B4-BE49-F238E27FC236}">
-                <a16:creationId xmlns:a16="http://schemas.microsoft.com/office/drawing/2014/main" id="{D6662FD7-AA85-6154-D4D1-AE43EBD5B7CD}"/>
-              </a:ext>
-            </a:extLst>
-          </p:cNvPr>
-          <p:cNvSpPr>
-            <a:spLocks noGrp="1"/>
-          </p:cNvSpPr>
-          <p:nvPr>
-            <p:ph idx="1"/>
-          </p:nvPr>
-        </p:nvSpPr>
-        <p:spPr>
-          <a:xfrm>
-            <a:off x="755009" y="2057400"/>
-            <a:ext cx="7600426" cy="4137259"/>
-          </a:xfrm>
-        </p:spPr>
-        <p:txBody>
-          <a:bodyPr/>
-          <a:lstStyle/>
-          <a:p>
-            <a:r>
-              <a:rPr lang="de-AT" dirty="0"/>
-              <a:t>Challenges zu JSX Syntax</a:t>
-            </a:r>
-            <a:br>
-              <a:rPr lang="de-AT" dirty="0"/>
-            </a:br>
-            <a:r>
-              <a:rPr lang="de-AT" dirty="0">
-                <a:hlinkClick r:id="rId2"/>
-              </a:rPr>
-              <a:t>https://react.dev/learn/javascript-in-jsx-with-curly-braces#challenges</a:t>
-            </a:r>
-            <a:r>
-              <a:rPr lang="de-AT" dirty="0"/>
-              <a:t> </a:t>
-            </a:r>
-          </a:p>
-          <a:p>
-            <a:r>
-              <a:rPr lang="de-AT" dirty="0"/>
-              <a:t>Challenges zu Properties (</a:t>
-            </a:r>
-            <a:r>
-              <a:rPr lang="de-AT" dirty="0" err="1"/>
-              <a:t>props</a:t>
-            </a:r>
-            <a:r>
-              <a:rPr lang="de-AT" dirty="0"/>
-              <a:t>)</a:t>
-            </a:r>
-            <a:br>
-              <a:rPr lang="de-AT" dirty="0"/>
-            </a:br>
-            <a:r>
-              <a:rPr lang="de-AT" dirty="0">
-                <a:hlinkClick r:id="rId3"/>
-              </a:rPr>
-              <a:t>https://react.dev/learn/passing-props-to-a-component#challenges</a:t>
-            </a:r>
-            <a:r>
-              <a:rPr lang="de-AT" dirty="0"/>
-              <a:t> </a:t>
-            </a:r>
-          </a:p>
-          <a:p>
-            <a:r>
-              <a:rPr lang="de-AT" dirty="0"/>
-              <a:t>Challenge zu </a:t>
-            </a:r>
-            <a:r>
-              <a:rPr lang="de-AT" dirty="0" err="1"/>
-              <a:t>Conditional</a:t>
-            </a:r>
-            <a:r>
-              <a:rPr lang="de-AT" dirty="0"/>
-              <a:t> Rendering (3 optional)</a:t>
-            </a:r>
-            <a:br>
-              <a:rPr lang="de-AT" dirty="0"/>
-            </a:br>
-            <a:r>
-              <a:rPr lang="de-AT" dirty="0">
-                <a:hlinkClick r:id="rId4"/>
-              </a:rPr>
-              <a:t>https://react.dev/learn/conditional-rendering#challenges</a:t>
-            </a:r>
-            <a:endParaRPr lang="de-AT" dirty="0"/>
-          </a:p>
-          <a:p>
-            <a:r>
-              <a:rPr lang="de-AT" dirty="0"/>
-              <a:t>Challenge zu List Rendering (3 &amp; 4 optional)</a:t>
-            </a:r>
-            <a:br>
-              <a:rPr lang="de-AT" dirty="0"/>
-            </a:br>
-            <a:r>
-              <a:rPr lang="de-AT" dirty="0">
-                <a:hlinkClick r:id="rId5"/>
-              </a:rPr>
-              <a:t>https://react.dev/learn/rendering-lists#challenges</a:t>
-            </a:r>
-            <a:r>
-              <a:rPr lang="de-AT" dirty="0"/>
-              <a:t>  </a:t>
-            </a:r>
-          </a:p>
-          <a:p>
-            <a:endParaRPr lang="de-AT" dirty="0"/>
+              <a:t> verwendet Bäume, um die Beziehungen zwischen Komponenten und Modulen zu modellieren.</a:t>
+            </a:r>
+          </a:p>
+          <a:p>
+            <a:r>
+              <a:rPr lang="de-AT" dirty="0"/>
+              <a:t>Ein </a:t>
+            </a:r>
+            <a:r>
+              <a:rPr lang="de-AT" dirty="0" err="1"/>
+              <a:t>React-Renderbaum</a:t>
+            </a:r>
+            <a:r>
+              <a:rPr lang="de-AT" dirty="0"/>
+              <a:t> ist eine Darstellung der Eltern- und </a:t>
+            </a:r>
+            <a:r>
+              <a:rPr lang="de-AT" dirty="0" err="1"/>
+              <a:t>Kindbeziehung</a:t>
+            </a:r>
+            <a:r>
+              <a:rPr lang="de-AT" dirty="0"/>
+              <a:t> zwischen Komponenten.</a:t>
+            </a:r>
+          </a:p>
+          <a:p>
+            <a:r>
+              <a:rPr lang="de-AT" dirty="0"/>
+              <a:t>Der </a:t>
+            </a:r>
+            <a:r>
+              <a:rPr lang="de-AT" dirty="0" err="1"/>
+              <a:t>React-Renderbaum</a:t>
+            </a:r>
+            <a:r>
+              <a:rPr lang="de-AT" dirty="0"/>
+              <a:t> ermöglicht es </a:t>
+            </a:r>
+            <a:r>
+              <a:rPr lang="de-AT" dirty="0" err="1"/>
+              <a:t>React</a:t>
+            </a:r>
+            <a:r>
+              <a:rPr lang="de-AT" dirty="0"/>
+              <a:t>, die Hierarchie der Komponenten zu verfolgen und zu organisieren.</a:t>
+            </a:r>
+          </a:p>
+          <a:p>
+            <a:r>
+              <a:rPr lang="de-AT" dirty="0"/>
+              <a:t>Durch die Baumstruktur kann </a:t>
+            </a:r>
+            <a:r>
+              <a:rPr lang="de-AT" dirty="0" err="1"/>
+              <a:t>React</a:t>
+            </a:r>
+            <a:r>
+              <a:rPr lang="de-AT" dirty="0"/>
+              <a:t> effizient Updates durchführen und die Komponenten entsprechend ihrer Beziehungen rendern.</a:t>
+            </a:r>
           </a:p>
         </p:txBody>
       </p:sp>
       <p:pic>
         <p:nvPicPr>
-          <p:cNvPr id="5" name="Grafik 4">
-            <a:extLst>
-              <a:ext uri="{FF2B5EF4-FFF2-40B4-BE49-F238E27FC236}">
-                <a16:creationId xmlns:a16="http://schemas.microsoft.com/office/drawing/2014/main" id="{4504B9CC-7E2E-71AC-A876-E44E91290897}"/>
+          <p:cNvPr id="6" name="Grafik 5">
+            <a:extLst>
+              <a:ext uri="{FF2B5EF4-FFF2-40B4-BE49-F238E27FC236}">
+                <a16:creationId xmlns:a16="http://schemas.microsoft.com/office/drawing/2014/main" id="{50A298DD-B37F-5F62-6AE6-1AB7AB5051E6}"/>
               </a:ext>
             </a:extLst>
           </p:cNvPr>
@@ -8733,15 +8739,15 @@
           <p:nvPr/>
         </p:nvPicPr>
         <p:blipFill>
-          <a:blip r:embed="rId6"/>
+          <a:blip r:embed="rId2"/>
           <a:stretch>
             <a:fillRect/>
           </a:stretch>
         </p:blipFill>
         <p:spPr>
           <a:xfrm>
-            <a:off x="8514825" y="2390927"/>
-            <a:ext cx="3414393" cy="2276262"/>
+            <a:off x="6812280" y="2404140"/>
+            <a:ext cx="5048955" cy="2524477"/>
           </a:xfrm>
           <a:prstGeom prst="rect">
             <a:avLst/>
@@ -8751,7 +8757,7 @@
     </p:spTree>
     <p:extLst>
       <p:ext uri="{BB962C8B-B14F-4D97-AF65-F5344CB8AC3E}">
-        <p14:creationId xmlns:p14="http://schemas.microsoft.com/office/powerpoint/2010/main" val="3477825760"/>
+        <p14:creationId xmlns:p14="http://schemas.microsoft.com/office/powerpoint/2010/main" val="3541791408"/>
       </p:ext>
     </p:extLst>
   </p:cSld>
@@ -8764,14 +8770,6 @@
 <file path=ppt/slides/slide29.xml><?xml version="1.0" encoding="utf-8"?>
 <p:sld xmlns:a="http://schemas.openxmlformats.org/drawingml/2006/main" xmlns:r="http://schemas.openxmlformats.org/officeDocument/2006/relationships" xmlns:p="http://schemas.openxmlformats.org/presentationml/2006/main">
   <p:cSld>
-    <p:bg>
-      <p:bgPr>
-        <a:solidFill>
-          <a:schemeClr val="bg1"/>
-        </a:solidFill>
-        <a:effectLst/>
-      </p:bgPr>
-    </p:bg>
     <p:spTree>
       <p:nvGrpSpPr>
         <p:cNvPr id="1" name=""/>
@@ -8788,76 +8786,166 @@
       </p:grpSpPr>
       <p:sp>
         <p:nvSpPr>
-          <p:cNvPr id="9" name="Rectangle 8">
-            <a:extLst>
-              <a:ext uri="{FF2B5EF4-FFF2-40B4-BE49-F238E27FC236}">
-                <a16:creationId xmlns:a16="http://schemas.microsoft.com/office/drawing/2014/main" id="{BE229233-9672-4675-99B7-6CBCEF1CD415}"/>
-              </a:ext>
-              <a:ext uri="{C183D7F6-B498-43B3-948B-1728B52AA6E4}">
-                <adec:decorative xmlns:adec="http://schemas.microsoft.com/office/drawing/2017/decorative" val="1"/>
-              </a:ext>
-            </a:extLst>
-          </p:cNvPr>
-          <p:cNvSpPr>
-            <a:spLocks noGrp="1" noRot="1" noChangeAspect="1" noMove="1" noResize="1" noEditPoints="1" noAdjustHandles="1" noChangeArrowheads="1" noChangeShapeType="1" noTextEdit="1"/>
-          </p:cNvSpPr>
-          <p:nvPr>
-            <p:extLst>
-              <p:ext uri="{386F3935-93C4-4BCD-93E2-E3B085C9AB24}">
-                <p16:designElem xmlns:p16="http://schemas.microsoft.com/office/powerpoint/2015/main" val="1"/>
-              </p:ext>
-            </p:extLst>
-          </p:nvPr>
-        </p:nvSpPr>
-        <p:spPr>
-          <a:xfrm>
-            <a:off x="0" y="0"/>
-            <a:ext cx="12192000" cy="6858000"/>
-          </a:xfrm>
-          <a:prstGeom prst="rect">
-            <a:avLst/>
-          </a:prstGeom>
-          <a:solidFill>
-            <a:schemeClr val="bg1"/>
-          </a:solidFill>
-          <a:ln w="12700" cap="flat" cmpd="sng" algn="ctr">
-            <a:noFill/>
-            <a:prstDash val="solid"/>
-            <a:miter lim="800000"/>
-          </a:ln>
-          <a:effectLst/>
-        </p:spPr>
-        <p:style>
-          <a:lnRef idx="2">
-            <a:schemeClr val="accent1">
-              <a:shade val="50000"/>
-            </a:schemeClr>
-          </a:lnRef>
-          <a:fillRef idx="1">
-            <a:schemeClr val="accent1"/>
-          </a:fillRef>
-          <a:effectRef idx="0">
-            <a:schemeClr val="accent1"/>
-          </a:effectRef>
-          <a:fontRef idx="minor">
-            <a:schemeClr val="lt1"/>
-          </a:fontRef>
-        </p:style>
-        <p:txBody>
-          <a:bodyPr rtlCol="0" anchor="ctr"/>
-          <a:lstStyle/>
-          <a:p>
-            <a:pPr algn="ctr"/>
-            <a:endParaRPr lang="en-US"/>
+          <p:cNvPr id="2" name="Titel 1">
+            <a:extLst>
+              <a:ext uri="{FF2B5EF4-FFF2-40B4-BE49-F238E27FC236}">
+                <a16:creationId xmlns:a16="http://schemas.microsoft.com/office/drawing/2014/main" id="{8F6AB82D-8E46-48BD-EBD3-7A7EEB3AC07E}"/>
+              </a:ext>
+            </a:extLst>
+          </p:cNvPr>
+          <p:cNvSpPr>
+            <a:spLocks noGrp="1"/>
+          </p:cNvSpPr>
+          <p:nvPr>
+            <p:ph type="title"/>
+          </p:nvPr>
+        </p:nvSpPr>
+        <p:spPr>
+          <a:xfrm>
+            <a:off x="1109793" y="685800"/>
+            <a:ext cx="8915402" cy="1371600"/>
+          </a:xfrm>
+        </p:spPr>
+        <p:txBody>
+          <a:bodyPr/>
+          <a:lstStyle/>
+          <a:p>
+            <a:r>
+              <a:rPr lang="de-AT" dirty="0" err="1"/>
+              <a:t>React</a:t>
+            </a:r>
+            <a:r>
+              <a:rPr lang="de-AT" dirty="0"/>
+              <a:t> Challenges</a:t>
+            </a:r>
+          </a:p>
+        </p:txBody>
+      </p:sp>
+      <p:sp>
+        <p:nvSpPr>
+          <p:cNvPr id="3" name="Inhaltsplatzhalter 2">
+            <a:extLst>
+              <a:ext uri="{FF2B5EF4-FFF2-40B4-BE49-F238E27FC236}">
+                <a16:creationId xmlns:a16="http://schemas.microsoft.com/office/drawing/2014/main" id="{D6662FD7-AA85-6154-D4D1-AE43EBD5B7CD}"/>
+              </a:ext>
+            </a:extLst>
+          </p:cNvPr>
+          <p:cNvSpPr>
+            <a:spLocks noGrp="1"/>
+          </p:cNvSpPr>
+          <p:nvPr>
+            <p:ph idx="1"/>
+          </p:nvPr>
+        </p:nvSpPr>
+        <p:spPr>
+          <a:xfrm>
+            <a:off x="755009" y="2057400"/>
+            <a:ext cx="7600426" cy="4137259"/>
+          </a:xfrm>
+        </p:spPr>
+        <p:txBody>
+          <a:bodyPr/>
+          <a:lstStyle/>
+          <a:p>
+            <a:r>
+              <a:rPr lang="de-AT" dirty="0"/>
+              <a:t>Challenges zu JSX Syntax</a:t>
+            </a:r>
+            <a:br>
+              <a:rPr lang="de-AT" dirty="0"/>
+            </a:br>
+            <a:r>
+              <a:rPr lang="de-AT" dirty="0">
+                <a:hlinkClick r:id="rId2"/>
+              </a:rPr>
+              <a:t>https://react.dev/learn/javascript-in-jsx-with-curly-braces#challenges</a:t>
+            </a:r>
+            <a:r>
+              <a:rPr lang="de-AT" dirty="0"/>
+              <a:t> </a:t>
+            </a:r>
+          </a:p>
+          <a:p>
+            <a:r>
+              <a:rPr lang="de-AT" dirty="0"/>
+              <a:t>Challenges zu Properties (</a:t>
+            </a:r>
+            <a:r>
+              <a:rPr lang="de-AT" dirty="0" err="1"/>
+              <a:t>props</a:t>
+            </a:r>
+            <a:r>
+              <a:rPr lang="de-AT" dirty="0"/>
+              <a:t>)</a:t>
+            </a:r>
+            <a:br>
+              <a:rPr lang="de-AT" dirty="0"/>
+            </a:br>
+            <a:r>
+              <a:rPr lang="de-AT" dirty="0">
+                <a:hlinkClick r:id="rId3"/>
+              </a:rPr>
+              <a:t>https://react.dev/learn/passing-props-to-a-component#challenges</a:t>
+            </a:r>
+            <a:r>
+              <a:rPr lang="de-AT" dirty="0"/>
+              <a:t> </a:t>
+            </a:r>
+          </a:p>
+          <a:p>
+            <a:r>
+              <a:rPr lang="de-AT" dirty="0"/>
+              <a:t>Challenge zu </a:t>
+            </a:r>
+            <a:r>
+              <a:rPr lang="de-AT" dirty="0" err="1"/>
+              <a:t>Conditional</a:t>
+            </a:r>
+            <a:r>
+              <a:rPr lang="de-AT" dirty="0"/>
+              <a:t> Rendering (3 optional)</a:t>
+            </a:r>
+            <a:br>
+              <a:rPr lang="de-AT" dirty="0"/>
+            </a:br>
+            <a:r>
+              <a:rPr lang="de-AT" dirty="0">
+                <a:hlinkClick r:id="rId4"/>
+              </a:rPr>
+              <a:t>https://react.dev/learn/conditional-rendering#challenges</a:t>
+            </a:r>
+            <a:endParaRPr lang="de-AT" dirty="0"/>
+          </a:p>
+          <a:p>
+            <a:r>
+              <a:rPr lang="de-AT" dirty="0"/>
+              <a:t>Challenge zu List Rendering (3 &amp; 4 optional)</a:t>
+            </a:r>
+            <a:br>
+              <a:rPr lang="de-AT" dirty="0"/>
+            </a:br>
+            <a:r>
+              <a:rPr lang="de-AT" dirty="0">
+                <a:hlinkClick r:id="rId5"/>
+              </a:rPr>
+              <a:t>https://react.dev/learn/rendering-lists#challenges</a:t>
+            </a:r>
+            <a:r>
+              <a:rPr lang="de-AT" dirty="0"/>
+              <a:t>  </a:t>
+            </a:r>
+          </a:p>
+          <a:p>
+            <a:endParaRPr lang="de-AT" dirty="0"/>
           </a:p>
         </p:txBody>
       </p:sp>
       <p:pic>
         <p:nvPicPr>
-          <p:cNvPr id="4" name="Picture 3" descr="Ein Bild, das Screenshot, Wasser, Blau, unterwasser enthält.&#10;&#10;Automatisch generierte Beschreibung">
-            <a:extLst>
-              <a:ext uri="{FF2B5EF4-FFF2-40B4-BE49-F238E27FC236}">
-                <a16:creationId xmlns:a16="http://schemas.microsoft.com/office/drawing/2014/main" id="{8888D5D7-5569-BBD7-CF94-2A7F62111266}"/>
+          <p:cNvPr id="5" name="Grafik 4">
+            <a:extLst>
+              <a:ext uri="{FF2B5EF4-FFF2-40B4-BE49-F238E27FC236}">
+                <a16:creationId xmlns:a16="http://schemas.microsoft.com/office/drawing/2014/main" id="{4504B9CC-7E2E-71AC-A876-E44E91290897}"/>
               </a:ext>
             </a:extLst>
           </p:cNvPr>
@@ -8866,240 +8954,26 @@
           </p:cNvPicPr>
           <p:nvPr/>
         </p:nvPicPr>
-        <p:blipFill rotWithShape="1">
-          <a:blip r:embed="rId2"/>
-          <a:srcRect l="154" r="33284"/>
-          <a:stretch/>
-        </p:blipFill>
-        <p:spPr>
-          <a:xfrm>
-            <a:off x="20" y="-2"/>
-            <a:ext cx="8115280" cy="6858001"/>
-          </a:xfrm>
-          <a:prstGeom prst="rect">
-            <a:avLst/>
-          </a:prstGeom>
-        </p:spPr>
-      </p:pic>
-      <p:sp>
-        <p:nvSpPr>
-          <p:cNvPr id="11" name="Rectangle 10">
-            <a:extLst>
-              <a:ext uri="{FF2B5EF4-FFF2-40B4-BE49-F238E27FC236}">
-                <a16:creationId xmlns:a16="http://schemas.microsoft.com/office/drawing/2014/main" id="{EC5FF010-B53C-46BE-BEEF-AF926A00F67F}"/>
-              </a:ext>
-              <a:ext uri="{C183D7F6-B498-43B3-948B-1728B52AA6E4}">
-                <adec:decorative xmlns:adec="http://schemas.microsoft.com/office/drawing/2017/decorative" val="1"/>
-              </a:ext>
-            </a:extLst>
-          </p:cNvPr>
-          <p:cNvSpPr>
-            <a:spLocks noGrp="1" noRot="1" noChangeAspect="1" noMove="1" noResize="1" noEditPoints="1" noAdjustHandles="1" noChangeArrowheads="1" noChangeShapeType="1" noTextEdit="1"/>
-          </p:cNvSpPr>
-          <p:nvPr>
-            <p:extLst>
-              <p:ext uri="{386F3935-93C4-4BCD-93E2-E3B085C9AB24}">
-                <p16:designElem xmlns:p16="http://schemas.microsoft.com/office/powerpoint/2015/main" val="1"/>
-              </p:ext>
-            </p:extLst>
-          </p:nvPr>
-        </p:nvSpPr>
-        <p:spPr>
-          <a:xfrm>
-            <a:off x="3238500" y="2057400"/>
-            <a:ext cx="4876800" cy="2743201"/>
-          </a:xfrm>
-          <a:prstGeom prst="rect">
-            <a:avLst/>
-          </a:prstGeom>
-          <a:solidFill>
-            <a:schemeClr val="bg1"/>
-          </a:solidFill>
-          <a:ln w="12700" cap="flat" cmpd="sng" algn="ctr">
-            <a:noFill/>
-            <a:prstDash val="solid"/>
-            <a:miter lim="800000"/>
-          </a:ln>
-          <a:effectLst/>
-        </p:spPr>
-        <p:style>
-          <a:lnRef idx="2">
-            <a:schemeClr val="accent1">
-              <a:shade val="50000"/>
-            </a:schemeClr>
-          </a:lnRef>
-          <a:fillRef idx="1">
-            <a:schemeClr val="accent1"/>
-          </a:fillRef>
-          <a:effectRef idx="0">
-            <a:schemeClr val="accent1"/>
-          </a:effectRef>
-          <a:fontRef idx="minor">
-            <a:schemeClr val="lt1"/>
-          </a:fontRef>
-        </p:style>
-        <p:txBody>
-          <a:bodyPr rtlCol="0" anchor="ctr"/>
-          <a:lstStyle/>
-          <a:p>
-            <a:pPr algn="ctr"/>
-            <a:endParaRPr lang="en-US"/>
-          </a:p>
-        </p:txBody>
-      </p:sp>
-      <p:sp>
-        <p:nvSpPr>
-          <p:cNvPr id="13" name="Rectangle 12">
-            <a:extLst>
-              <a:ext uri="{FF2B5EF4-FFF2-40B4-BE49-F238E27FC236}">
-                <a16:creationId xmlns:a16="http://schemas.microsoft.com/office/drawing/2014/main" id="{8509AD9C-1F43-4138-A72B-8CA988EDD475}"/>
-              </a:ext>
-              <a:ext uri="{C183D7F6-B498-43B3-948B-1728B52AA6E4}">
-                <adec:decorative xmlns:adec="http://schemas.microsoft.com/office/drawing/2017/decorative" val="1"/>
-              </a:ext>
-            </a:extLst>
-          </p:cNvPr>
-          <p:cNvSpPr>
-            <a:spLocks noGrp="1" noRot="1" noChangeAspect="1" noMove="1" noResize="1" noEditPoints="1" noAdjustHandles="1" noChangeArrowheads="1" noChangeShapeType="1" noTextEdit="1"/>
-          </p:cNvSpPr>
-          <p:nvPr>
-            <p:extLst>
-              <p:ext uri="{386F3935-93C4-4BCD-93E2-E3B085C9AB24}">
-                <p16:designElem xmlns:p16="http://schemas.microsoft.com/office/powerpoint/2015/main" val="1"/>
-              </p:ext>
-            </p:extLst>
-          </p:nvPr>
-        </p:nvSpPr>
-        <p:spPr>
-          <a:xfrm>
-            <a:off x="8115300" y="2057400"/>
-            <a:ext cx="3276600" cy="2743201"/>
-          </a:xfrm>
-          <a:prstGeom prst="rect">
-            <a:avLst/>
-          </a:prstGeom>
-          <a:solidFill>
-            <a:schemeClr val="bg2"/>
-          </a:solidFill>
-          <a:ln w="12700" cap="flat" cmpd="sng" algn="ctr">
-            <a:noFill/>
-            <a:prstDash val="solid"/>
-            <a:miter lim="800000"/>
-          </a:ln>
-          <a:effectLst/>
-        </p:spPr>
-        <p:style>
-          <a:lnRef idx="2">
-            <a:schemeClr val="accent1">
-              <a:shade val="50000"/>
-            </a:schemeClr>
-          </a:lnRef>
-          <a:fillRef idx="1">
-            <a:schemeClr val="accent1"/>
-          </a:fillRef>
-          <a:effectRef idx="0">
-            <a:schemeClr val="accent1"/>
-          </a:effectRef>
-          <a:fontRef idx="minor">
-            <a:schemeClr val="lt1"/>
-          </a:fontRef>
-        </p:style>
-        <p:txBody>
-          <a:bodyPr rtlCol="0" anchor="ctr"/>
-          <a:lstStyle/>
-          <a:p>
-            <a:pPr algn="ctr"/>
-            <a:endParaRPr lang="en-US"/>
-          </a:p>
-        </p:txBody>
-      </p:sp>
-      <p:sp>
-        <p:nvSpPr>
-          <p:cNvPr id="2" name="Titel 1">
-            <a:extLst>
-              <a:ext uri="{FF2B5EF4-FFF2-40B4-BE49-F238E27FC236}">
-                <a16:creationId xmlns:a16="http://schemas.microsoft.com/office/drawing/2014/main" id="{C116823A-F0C0-9F76-4B25-AE0CF378C7B1}"/>
-              </a:ext>
-            </a:extLst>
-          </p:cNvPr>
-          <p:cNvSpPr>
-            <a:spLocks noGrp="1"/>
-          </p:cNvSpPr>
-          <p:nvPr>
-            <p:ph type="ctrTitle"/>
-          </p:nvPr>
-        </p:nvSpPr>
-        <p:spPr>
-          <a:xfrm>
-            <a:off x="3867324" y="2502486"/>
-            <a:ext cx="3853851" cy="1853023"/>
-          </a:xfrm>
-        </p:spPr>
-        <p:txBody>
-          <a:bodyPr anchor="ctr">
-            <a:normAutofit/>
-          </a:bodyPr>
-          <a:lstStyle/>
-          <a:p>
-            <a:pPr algn="ctr"/>
-            <a:r>
-              <a:rPr lang="de-AT" sz="2800" dirty="0"/>
-              <a:t>Events &amp; States</a:t>
-            </a:r>
-          </a:p>
-        </p:txBody>
-      </p:sp>
-      <p:pic>
-        <p:nvPicPr>
-          <p:cNvPr id="3" name="Picture 2" descr="React – Wikipedia">
-            <a:extLst>
-              <a:ext uri="{FF2B5EF4-FFF2-40B4-BE49-F238E27FC236}">
-                <a16:creationId xmlns:a16="http://schemas.microsoft.com/office/drawing/2014/main" id="{76CC3A73-5D9E-CDD5-66CF-77807940D687}"/>
-              </a:ext>
-            </a:extLst>
-          </p:cNvPr>
-          <p:cNvPicPr>
-            <a:picLocks noChangeAspect="1" noChangeArrowheads="1"/>
-          </p:cNvPicPr>
-          <p:nvPr/>
-        </p:nvPicPr>
         <p:blipFill>
-          <a:blip r:embed="rId3">
-            <a:extLst>
-              <a:ext uri="{28A0092B-C50C-407E-A947-70E740481C1C}">
-                <a14:useLocalDpi xmlns:a14="http://schemas.microsoft.com/office/drawing/2010/main" val="0"/>
-              </a:ext>
-            </a:extLst>
-          </a:blip>
-          <a:srcRect/>
+          <a:blip r:embed="rId6"/>
           <a:stretch>
             <a:fillRect/>
           </a:stretch>
         </p:blipFill>
-        <p:spPr bwMode="auto">
-          <a:xfrm>
-            <a:off x="8674968" y="2502486"/>
-            <a:ext cx="2247834" cy="1953851"/>
+        <p:spPr>
+          <a:xfrm>
+            <a:off x="8514825" y="2390927"/>
+            <a:ext cx="3414393" cy="2276262"/>
           </a:xfrm>
           <a:prstGeom prst="rect">
             <a:avLst/>
           </a:prstGeom>
-          <a:noFill/>
-          <a:extLst>
-            <a:ext uri="{909E8E84-426E-40DD-AFC4-6F175D3DCCD1}">
-              <a14:hiddenFill xmlns:a14="http://schemas.microsoft.com/office/drawing/2010/main">
-                <a:solidFill>
-                  <a:srgbClr val="FFFFFF"/>
-                </a:solidFill>
-              </a14:hiddenFill>
-            </a:ext>
-          </a:extLst>
         </p:spPr>
       </p:pic>
     </p:spTree>
     <p:extLst>
       <p:ext uri="{BB962C8B-B14F-4D97-AF65-F5344CB8AC3E}">
-        <p14:creationId xmlns:p14="http://schemas.microsoft.com/office/powerpoint/2010/main" val="728243810"/>
+        <p14:creationId xmlns:p14="http://schemas.microsoft.com/office/powerpoint/2010/main" val="3477825760"/>
       </p:ext>
     </p:extLst>
   </p:cSld>
@@ -9172,6 +9046,14 @@
 <file path=ppt/slides/slide30.xml><?xml version="1.0" encoding="utf-8"?>
 <p:sld xmlns:a="http://schemas.openxmlformats.org/drawingml/2006/main" xmlns:r="http://schemas.openxmlformats.org/officeDocument/2006/relationships" xmlns:p="http://schemas.openxmlformats.org/presentationml/2006/main">
   <p:cSld>
+    <p:bg>
+      <p:bgPr>
+        <a:solidFill>
+          <a:schemeClr val="bg1"/>
+        </a:solidFill>
+        <a:effectLst/>
+      </p:bgPr>
+    </p:bg>
     <p:spTree>
       <p:nvGrpSpPr>
         <p:cNvPr id="1" name=""/>
@@ -9188,129 +9070,76 @@
       </p:grpSpPr>
       <p:sp>
         <p:nvSpPr>
-          <p:cNvPr id="2" name="Titel 1">
-            <a:extLst>
-              <a:ext uri="{FF2B5EF4-FFF2-40B4-BE49-F238E27FC236}">
-                <a16:creationId xmlns:a16="http://schemas.microsoft.com/office/drawing/2014/main" id="{7B3662CB-15BA-B81C-572A-161E62B4186B}"/>
-              </a:ext>
-            </a:extLst>
-          </p:cNvPr>
-          <p:cNvSpPr>
-            <a:spLocks noGrp="1"/>
-          </p:cNvSpPr>
-          <p:nvPr>
-            <p:ph type="title"/>
-          </p:nvPr>
-        </p:nvSpPr>
-        <p:spPr/>
-        <p:txBody>
-          <a:bodyPr/>
-          <a:lstStyle/>
-          <a:p>
-            <a:r>
-              <a:rPr lang="de-AT" dirty="0" err="1"/>
-              <a:t>React</a:t>
-            </a:r>
-            <a:r>
-              <a:rPr lang="de-AT" dirty="0"/>
-              <a:t> Events</a:t>
-            </a:r>
-          </a:p>
-        </p:txBody>
-      </p:sp>
-      <p:sp>
-        <p:nvSpPr>
-          <p:cNvPr id="3" name="Inhaltsplatzhalter 2">
-            <a:extLst>
-              <a:ext uri="{FF2B5EF4-FFF2-40B4-BE49-F238E27FC236}">
-                <a16:creationId xmlns:a16="http://schemas.microsoft.com/office/drawing/2014/main" id="{B58C81F8-CA69-FAAF-CD93-F5F4686C5923}"/>
-              </a:ext>
-            </a:extLst>
-          </p:cNvPr>
-          <p:cNvSpPr>
-            <a:spLocks noGrp="1"/>
-          </p:cNvSpPr>
-          <p:nvPr>
-            <p:ph idx="1"/>
-          </p:nvPr>
-        </p:nvSpPr>
-        <p:spPr>
-          <a:xfrm>
-            <a:off x="713232" y="2057400"/>
-            <a:ext cx="7488936" cy="4137259"/>
-          </a:xfrm>
-        </p:spPr>
-        <p:txBody>
-          <a:bodyPr>
-            <a:normAutofit/>
-          </a:bodyPr>
-          <a:lstStyle/>
-          <a:p>
-            <a:r>
-              <a:rPr lang="de-AT" dirty="0" err="1"/>
-              <a:t>React</a:t>
-            </a:r>
-            <a:r>
-              <a:rPr lang="de-AT" dirty="0"/>
-              <a:t> ermöglicht es, Eventhandler in JSX hinzuzufügen.</a:t>
-            </a:r>
-          </a:p>
-          <a:p>
-            <a:r>
-              <a:rPr lang="de-AT" dirty="0"/>
-              <a:t>Eventhandler sind eigenen Funktionen, die in Reaktion auf Interaktionen wie Klicken, </a:t>
-            </a:r>
-            <a:r>
-              <a:rPr lang="de-AT" dirty="0" err="1"/>
-              <a:t>Hovern</a:t>
-            </a:r>
-            <a:r>
-              <a:rPr lang="de-AT" dirty="0"/>
-              <a:t>, Fokussieren usw. ausgelöst werden.</a:t>
-            </a:r>
-          </a:p>
-          <a:p>
-            <a:r>
-              <a:rPr lang="de-AT" dirty="0"/>
-              <a:t>Um einen Eventhandler hinzuzufügen, definieren wir zunächst eine Funktion und übergeben diese dann als </a:t>
-            </a:r>
-            <a:r>
-              <a:rPr lang="de-AT" dirty="0" err="1"/>
-              <a:t>onClick-Prop</a:t>
-            </a:r>
-            <a:r>
-              <a:rPr lang="de-AT" dirty="0"/>
-              <a:t> an das entsprechende JSX-Tag.</a:t>
-            </a:r>
-          </a:p>
-          <a:p>
-            <a:r>
-              <a:rPr lang="de-AT" dirty="0"/>
-              <a:t>Eventhandler :</a:t>
-            </a:r>
-          </a:p>
-          <a:p>
-            <a:pPr lvl="1"/>
-            <a:r>
-              <a:rPr lang="de-AT" dirty="0"/>
-              <a:t>Werden in der Regel innerhalb Ihrer Komponenten definiert.</a:t>
-            </a:r>
-          </a:p>
-          <a:p>
-            <a:pPr lvl="1"/>
-            <a:r>
-              <a:rPr lang="de-AT" dirty="0"/>
-              <a:t>Haben Namen, die mit „handle“ beginnen, gefolgt vom Namen des Ereignisses</a:t>
-            </a:r>
+          <p:cNvPr id="9" name="Rectangle 8">
+            <a:extLst>
+              <a:ext uri="{FF2B5EF4-FFF2-40B4-BE49-F238E27FC236}">
+                <a16:creationId xmlns:a16="http://schemas.microsoft.com/office/drawing/2014/main" id="{BE229233-9672-4675-99B7-6CBCEF1CD415}"/>
+              </a:ext>
+              <a:ext uri="{C183D7F6-B498-43B3-948B-1728B52AA6E4}">
+                <adec:decorative xmlns:adec="http://schemas.microsoft.com/office/drawing/2017/decorative" xmlns="" val="1"/>
+              </a:ext>
+            </a:extLst>
+          </p:cNvPr>
+          <p:cNvSpPr>
+            <a:spLocks noGrp="1" noRot="1" noChangeAspect="1" noMove="1" noResize="1" noEditPoints="1" noAdjustHandles="1" noChangeArrowheads="1" noChangeShapeType="1" noTextEdit="1"/>
+          </p:cNvSpPr>
+          <p:nvPr>
+            <p:extLst>
+              <p:ext uri="{386F3935-93C4-4BCD-93E2-E3B085C9AB24}">
+                <p16:designElem xmlns:p16="http://schemas.microsoft.com/office/powerpoint/2015/main" val="1"/>
+              </p:ext>
+            </p:extLst>
+          </p:nvPr>
+        </p:nvSpPr>
+        <p:spPr>
+          <a:xfrm>
+            <a:off x="0" y="0"/>
+            <a:ext cx="12192000" cy="6858000"/>
+          </a:xfrm>
+          <a:prstGeom prst="rect">
+            <a:avLst/>
+          </a:prstGeom>
+          <a:solidFill>
+            <a:schemeClr val="bg1"/>
+          </a:solidFill>
+          <a:ln w="12700" cap="flat" cmpd="sng" algn="ctr">
+            <a:noFill/>
+            <a:prstDash val="solid"/>
+            <a:miter lim="800000"/>
+          </a:ln>
+          <a:effectLst/>
+        </p:spPr>
+        <p:style>
+          <a:lnRef idx="2">
+            <a:schemeClr val="accent1">
+              <a:shade val="50000"/>
+            </a:schemeClr>
+          </a:lnRef>
+          <a:fillRef idx="1">
+            <a:schemeClr val="accent1"/>
+          </a:fillRef>
+          <a:effectRef idx="0">
+            <a:schemeClr val="accent1"/>
+          </a:effectRef>
+          <a:fontRef idx="minor">
+            <a:schemeClr val="lt1"/>
+          </a:fontRef>
+        </p:style>
+        <p:txBody>
+          <a:bodyPr rtlCol="0" anchor="ctr"/>
+          <a:lstStyle/>
+          <a:p>
+            <a:pPr algn="ctr"/>
+            <a:endParaRPr lang="en-US"/>
           </a:p>
         </p:txBody>
       </p:sp>
       <p:pic>
         <p:nvPicPr>
-          <p:cNvPr id="6" name="Grafik 5">
-            <a:extLst>
-              <a:ext uri="{FF2B5EF4-FFF2-40B4-BE49-F238E27FC236}">
-                <a16:creationId xmlns:a16="http://schemas.microsoft.com/office/drawing/2014/main" id="{B06BC2E1-850F-138B-5BD7-1523F9F8196D}"/>
+          <p:cNvPr id="4" name="Picture 3" descr="Ein Bild, das Screenshot, Wasser, Blau, unterwasser enthält.&#10;&#10;Automatisch generierte Beschreibung">
+            <a:extLst>
+              <a:ext uri="{FF2B5EF4-FFF2-40B4-BE49-F238E27FC236}">
+                <a16:creationId xmlns:a16="http://schemas.microsoft.com/office/drawing/2014/main" id="{8888D5D7-5569-BBD7-CF94-2A7F62111266}"/>
               </a:ext>
             </a:extLst>
           </p:cNvPr>
@@ -9319,26 +9148,240 @@
           </p:cNvPicPr>
           <p:nvPr/>
         </p:nvPicPr>
+        <p:blipFill rotWithShape="1">
+          <a:blip r:embed="rId2"/>
+          <a:srcRect l="154" r="33284"/>
+          <a:stretch/>
+        </p:blipFill>
+        <p:spPr>
+          <a:xfrm>
+            <a:off x="20" y="-2"/>
+            <a:ext cx="8115280" cy="6858001"/>
+          </a:xfrm>
+          <a:prstGeom prst="rect">
+            <a:avLst/>
+          </a:prstGeom>
+        </p:spPr>
+      </p:pic>
+      <p:sp>
+        <p:nvSpPr>
+          <p:cNvPr id="11" name="Rectangle 10">
+            <a:extLst>
+              <a:ext uri="{FF2B5EF4-FFF2-40B4-BE49-F238E27FC236}">
+                <a16:creationId xmlns:a16="http://schemas.microsoft.com/office/drawing/2014/main" id="{EC5FF010-B53C-46BE-BEEF-AF926A00F67F}"/>
+              </a:ext>
+              <a:ext uri="{C183D7F6-B498-43B3-948B-1728B52AA6E4}">
+                <adec:decorative xmlns:adec="http://schemas.microsoft.com/office/drawing/2017/decorative" xmlns="" val="1"/>
+              </a:ext>
+            </a:extLst>
+          </p:cNvPr>
+          <p:cNvSpPr>
+            <a:spLocks noGrp="1" noRot="1" noChangeAspect="1" noMove="1" noResize="1" noEditPoints="1" noAdjustHandles="1" noChangeArrowheads="1" noChangeShapeType="1" noTextEdit="1"/>
+          </p:cNvSpPr>
+          <p:nvPr>
+            <p:extLst>
+              <p:ext uri="{386F3935-93C4-4BCD-93E2-E3B085C9AB24}">
+                <p16:designElem xmlns:p16="http://schemas.microsoft.com/office/powerpoint/2015/main" val="1"/>
+              </p:ext>
+            </p:extLst>
+          </p:nvPr>
+        </p:nvSpPr>
+        <p:spPr>
+          <a:xfrm>
+            <a:off x="3238500" y="2057400"/>
+            <a:ext cx="4876800" cy="2743201"/>
+          </a:xfrm>
+          <a:prstGeom prst="rect">
+            <a:avLst/>
+          </a:prstGeom>
+          <a:solidFill>
+            <a:schemeClr val="bg1"/>
+          </a:solidFill>
+          <a:ln w="12700" cap="flat" cmpd="sng" algn="ctr">
+            <a:noFill/>
+            <a:prstDash val="solid"/>
+            <a:miter lim="800000"/>
+          </a:ln>
+          <a:effectLst/>
+        </p:spPr>
+        <p:style>
+          <a:lnRef idx="2">
+            <a:schemeClr val="accent1">
+              <a:shade val="50000"/>
+            </a:schemeClr>
+          </a:lnRef>
+          <a:fillRef idx="1">
+            <a:schemeClr val="accent1"/>
+          </a:fillRef>
+          <a:effectRef idx="0">
+            <a:schemeClr val="accent1"/>
+          </a:effectRef>
+          <a:fontRef idx="minor">
+            <a:schemeClr val="lt1"/>
+          </a:fontRef>
+        </p:style>
+        <p:txBody>
+          <a:bodyPr rtlCol="0" anchor="ctr"/>
+          <a:lstStyle/>
+          <a:p>
+            <a:pPr algn="ctr"/>
+            <a:endParaRPr lang="en-US"/>
+          </a:p>
+        </p:txBody>
+      </p:sp>
+      <p:sp>
+        <p:nvSpPr>
+          <p:cNvPr id="13" name="Rectangle 12">
+            <a:extLst>
+              <a:ext uri="{FF2B5EF4-FFF2-40B4-BE49-F238E27FC236}">
+                <a16:creationId xmlns:a16="http://schemas.microsoft.com/office/drawing/2014/main" id="{8509AD9C-1F43-4138-A72B-8CA988EDD475}"/>
+              </a:ext>
+              <a:ext uri="{C183D7F6-B498-43B3-948B-1728B52AA6E4}">
+                <adec:decorative xmlns:adec="http://schemas.microsoft.com/office/drawing/2017/decorative" xmlns="" val="1"/>
+              </a:ext>
+            </a:extLst>
+          </p:cNvPr>
+          <p:cNvSpPr>
+            <a:spLocks noGrp="1" noRot="1" noChangeAspect="1" noMove="1" noResize="1" noEditPoints="1" noAdjustHandles="1" noChangeArrowheads="1" noChangeShapeType="1" noTextEdit="1"/>
+          </p:cNvSpPr>
+          <p:nvPr>
+            <p:extLst>
+              <p:ext uri="{386F3935-93C4-4BCD-93E2-E3B085C9AB24}">
+                <p16:designElem xmlns:p16="http://schemas.microsoft.com/office/powerpoint/2015/main" val="1"/>
+              </p:ext>
+            </p:extLst>
+          </p:nvPr>
+        </p:nvSpPr>
+        <p:spPr>
+          <a:xfrm>
+            <a:off x="8115300" y="2057400"/>
+            <a:ext cx="3276600" cy="2743201"/>
+          </a:xfrm>
+          <a:prstGeom prst="rect">
+            <a:avLst/>
+          </a:prstGeom>
+          <a:solidFill>
+            <a:schemeClr val="bg2"/>
+          </a:solidFill>
+          <a:ln w="12700" cap="flat" cmpd="sng" algn="ctr">
+            <a:noFill/>
+            <a:prstDash val="solid"/>
+            <a:miter lim="800000"/>
+          </a:ln>
+          <a:effectLst/>
+        </p:spPr>
+        <p:style>
+          <a:lnRef idx="2">
+            <a:schemeClr val="accent1">
+              <a:shade val="50000"/>
+            </a:schemeClr>
+          </a:lnRef>
+          <a:fillRef idx="1">
+            <a:schemeClr val="accent1"/>
+          </a:fillRef>
+          <a:effectRef idx="0">
+            <a:schemeClr val="accent1"/>
+          </a:effectRef>
+          <a:fontRef idx="minor">
+            <a:schemeClr val="lt1"/>
+          </a:fontRef>
+        </p:style>
+        <p:txBody>
+          <a:bodyPr rtlCol="0" anchor="ctr"/>
+          <a:lstStyle/>
+          <a:p>
+            <a:pPr algn="ctr"/>
+            <a:endParaRPr lang="en-US"/>
+          </a:p>
+        </p:txBody>
+      </p:sp>
+      <p:sp>
+        <p:nvSpPr>
+          <p:cNvPr id="2" name="Titel 1">
+            <a:extLst>
+              <a:ext uri="{FF2B5EF4-FFF2-40B4-BE49-F238E27FC236}">
+                <a16:creationId xmlns:a16="http://schemas.microsoft.com/office/drawing/2014/main" id="{C116823A-F0C0-9F76-4B25-AE0CF378C7B1}"/>
+              </a:ext>
+            </a:extLst>
+          </p:cNvPr>
+          <p:cNvSpPr>
+            <a:spLocks noGrp="1"/>
+          </p:cNvSpPr>
+          <p:nvPr>
+            <p:ph type="ctrTitle"/>
+          </p:nvPr>
+        </p:nvSpPr>
+        <p:spPr>
+          <a:xfrm>
+            <a:off x="3867324" y="2502486"/>
+            <a:ext cx="3853851" cy="1853023"/>
+          </a:xfrm>
+        </p:spPr>
+        <p:txBody>
+          <a:bodyPr anchor="ctr">
+            <a:normAutofit/>
+          </a:bodyPr>
+          <a:lstStyle/>
+          <a:p>
+            <a:pPr algn="ctr"/>
+            <a:r>
+              <a:rPr lang="de-AT" sz="2800" dirty="0"/>
+              <a:t>Events &amp; States</a:t>
+            </a:r>
+          </a:p>
+        </p:txBody>
+      </p:sp>
+      <p:pic>
+        <p:nvPicPr>
+          <p:cNvPr id="3" name="Picture 2" descr="React – Wikipedia">
+            <a:extLst>
+              <a:ext uri="{FF2B5EF4-FFF2-40B4-BE49-F238E27FC236}">
+                <a16:creationId xmlns:a16="http://schemas.microsoft.com/office/drawing/2014/main" id="{76CC3A73-5D9E-CDD5-66CF-77807940D687}"/>
+              </a:ext>
+            </a:extLst>
+          </p:cNvPr>
+          <p:cNvPicPr>
+            <a:picLocks noChangeAspect="1" noChangeArrowheads="1"/>
+          </p:cNvPicPr>
+          <p:nvPr/>
+        </p:nvPicPr>
         <p:blipFill>
-          <a:blip r:embed="rId2"/>
+          <a:blip r:embed="rId3" cstate="hqprint">
+            <a:extLst>
+              <a:ext uri="{28A0092B-C50C-407E-A947-70E740481C1C}">
+                <a14:useLocalDpi xmlns:a14="http://schemas.microsoft.com/office/drawing/2010/main" val="0"/>
+              </a:ext>
+            </a:extLst>
+          </a:blip>
+          <a:srcRect/>
           <a:stretch>
             <a:fillRect/>
           </a:stretch>
         </p:blipFill>
-        <p:spPr>
-          <a:xfrm>
-            <a:off x="8631129" y="2200413"/>
-            <a:ext cx="3203511" cy="2457174"/>
+        <p:spPr bwMode="auto">
+          <a:xfrm>
+            <a:off x="8674968" y="2502486"/>
+            <a:ext cx="2247834" cy="1953851"/>
           </a:xfrm>
           <a:prstGeom prst="rect">
             <a:avLst/>
           </a:prstGeom>
+          <a:noFill/>
+          <a:extLst>
+            <a:ext uri="{909E8E84-426E-40DD-AFC4-6F175D3DCCD1}">
+              <a14:hiddenFill xmlns:a14="http://schemas.microsoft.com/office/drawing/2010/main">
+                <a:solidFill>
+                  <a:srgbClr val="FFFFFF"/>
+                </a:solidFill>
+              </a14:hiddenFill>
+            </a:ext>
+          </a:extLst>
         </p:spPr>
       </p:pic>
     </p:spTree>
     <p:extLst>
       <p:ext uri="{BB962C8B-B14F-4D97-AF65-F5344CB8AC3E}">
-        <p14:creationId xmlns:p14="http://schemas.microsoft.com/office/powerpoint/2010/main" val="80465400"/>
+        <p14:creationId xmlns:p14="http://schemas.microsoft.com/office/powerpoint/2010/main" val="728243810"/>
       </p:ext>
     </p:extLst>
   </p:cSld>
@@ -9370,7 +9413,7 @@
           <p:cNvPr id="2" name="Titel 1">
             <a:extLst>
               <a:ext uri="{FF2B5EF4-FFF2-40B4-BE49-F238E27FC236}">
-                <a16:creationId xmlns:a16="http://schemas.microsoft.com/office/drawing/2014/main" id="{256E0D6C-7D2B-6F01-035F-93CF02572B28}"/>
+                <a16:creationId xmlns:a16="http://schemas.microsoft.com/office/drawing/2014/main" id="{7B3662CB-15BA-B81C-572A-161E62B4186B}"/>
               </a:ext>
             </a:extLst>
           </p:cNvPr>
@@ -9381,29 +9424,19 @@
             <p:ph type="title"/>
           </p:nvPr>
         </p:nvSpPr>
-        <p:spPr>
-          <a:xfrm>
-            <a:off x="1336547" y="685800"/>
-            <a:ext cx="8915402" cy="1371600"/>
-          </a:xfrm>
-        </p:spPr>
+        <p:spPr/>
         <p:txBody>
           <a:bodyPr/>
           <a:lstStyle/>
           <a:p>
             <a:r>
               <a:rPr lang="de-AT" dirty="0" err="1"/>
-              <a:t>stopPropagation</a:t>
-            </a:r>
-            <a:r>
-              <a:rPr lang="de-AT" dirty="0"/>
-              <a:t> &amp; </a:t>
-            </a:r>
-            <a:r>
-              <a:rPr lang="de-AT" dirty="0" err="1"/>
-              <a:t>preventDefault</a:t>
-            </a:r>
-            <a:endParaRPr lang="de-AT" dirty="0"/>
+              <a:t>React</a:t>
+            </a:r>
+            <a:r>
+              <a:rPr lang="de-AT" dirty="0"/>
+              <a:t> Events</a:t>
+            </a:r>
           </a:p>
         </p:txBody>
       </p:sp>
@@ -9412,7 +9445,7 @@
           <p:cNvPr id="3" name="Inhaltsplatzhalter 2">
             <a:extLst>
               <a:ext uri="{FF2B5EF4-FFF2-40B4-BE49-F238E27FC236}">
-                <a16:creationId xmlns:a16="http://schemas.microsoft.com/office/drawing/2014/main" id="{6820811B-8A18-D426-5D15-4203EEE65213}"/>
+                <a16:creationId xmlns:a16="http://schemas.microsoft.com/office/drawing/2014/main" id="{B58C81F8-CA69-FAAF-CD93-F5F4686C5923}"/>
               </a:ext>
             </a:extLst>
           </p:cNvPr>
@@ -9425,102 +9458,81 @@
         </p:nvSpPr>
         <p:spPr>
           <a:xfrm>
-            <a:off x="855677" y="2057400"/>
-            <a:ext cx="7340367" cy="4137259"/>
-          </a:xfrm>
-        </p:spPr>
-        <p:txBody>
-          <a:bodyPr vert="horz" lIns="91440" tIns="45720" rIns="91440" bIns="45720" rtlCol="0">
-            <a:normAutofit fontScale="92500"/>
+            <a:off x="713232" y="2057400"/>
+            <a:ext cx="7488936" cy="4137259"/>
+          </a:xfrm>
+        </p:spPr>
+        <p:txBody>
+          <a:bodyPr>
+            <a:normAutofit/>
           </a:bodyPr>
           <a:lstStyle/>
           <a:p>
             <a:r>
-              <a:rPr lang="de-AT" dirty="0"/>
-              <a:t>Eventhandler erhalten ein Ereignisobjekt als ihr einziges Argument. Üblicherweise wird es als "e" oder "</a:t>
-            </a:r>
-            <a:r>
-              <a:rPr lang="de-AT" dirty="0" err="1"/>
-              <a:t>event</a:t>
-            </a:r>
-            <a:r>
-              <a:rPr lang="de-AT" dirty="0"/>
-              <a:t>" bezeichnet, was für "Event" steht.</a:t>
-            </a:r>
-          </a:p>
-          <a:p>
-            <a:r>
-              <a:rPr lang="de-AT" dirty="0"/>
-              <a:t>Mit diesem Ereignisobjekt können wir die Event-Propagation stoppen. </a:t>
+              <a:rPr lang="de-AT" dirty="0" err="1"/>
+              <a:t>React</a:t>
+            </a:r>
+            <a:r>
+              <a:rPr lang="de-AT" dirty="0"/>
+              <a:t> ermöglicht es, Eventhandler in JSX hinzuzufügen.</a:t>
+            </a:r>
+          </a:p>
+          <a:p>
+            <a:r>
+              <a:rPr lang="de-AT" dirty="0"/>
+              <a:t>Eventhandler sind eigenen Funktionen, die in Reaktion auf Interaktionen wie Klicken, </a:t>
+            </a:r>
+            <a:r>
+              <a:rPr lang="de-AT" dirty="0" err="1"/>
+              <a:t>Hovern</a:t>
+            </a:r>
+            <a:r>
+              <a:rPr lang="de-AT" dirty="0"/>
+              <a:t>, Fokussieren usw. ausgelöst werden.</a:t>
+            </a:r>
+          </a:p>
+          <a:p>
+            <a:r>
+              <a:rPr lang="de-AT" dirty="0"/>
+              <a:t>Um einen Eventhandler hinzuzufügen, definieren wir zunächst eine Funktion und übergeben diese dann als </a:t>
+            </a:r>
+            <a:r>
+              <a:rPr lang="de-AT" dirty="0" err="1"/>
+              <a:t>onClick-Prop</a:t>
+            </a:r>
+            <a:r>
+              <a:rPr lang="de-AT" dirty="0"/>
+              <a:t> an das entsprechende JSX-Tag.</a:t>
+            </a:r>
+          </a:p>
+          <a:p>
+            <a:r>
+              <a:rPr lang="de-AT" dirty="0"/>
+              <a:t>Eventhandler :</a:t>
             </a:r>
           </a:p>
           <a:p>
             <a:pPr lvl="1"/>
             <a:r>
               <a:rPr lang="de-AT" dirty="0"/>
-              <a:t>Wenn wir verhindern möchten, dass ein Ereignis Elternkomponenten erreicht, müssen wir </a:t>
-            </a:r>
-            <a:r>
-              <a:rPr lang="de-AT" b="1" dirty="0" err="1"/>
-              <a:t>e.stopPropagation</a:t>
-            </a:r>
-            <a:r>
-              <a:rPr lang="de-AT" b="1" dirty="0"/>
-              <a:t>() </a:t>
-            </a:r>
-            <a:r>
-              <a:rPr lang="de-AT" dirty="0"/>
-              <a:t>aufrufen</a:t>
-            </a:r>
-          </a:p>
-          <a:p>
-            <a:r>
-              <a:rPr lang="de-AT" dirty="0"/>
-              <a:t>Einige Browser-Ereignisse haben standardmäßiges Verhalten, das mit ihnen verbunden ist. </a:t>
+              <a:t>Werden in der Regel innerhalb Ihrer Komponenten definiert.</a:t>
             </a:r>
           </a:p>
           <a:p>
             <a:pPr lvl="1"/>
             <a:r>
               <a:rPr lang="de-AT" dirty="0"/>
-              <a:t>Zum Beispiel wird ein &lt;form&gt; </a:t>
-            </a:r>
-            <a:r>
-              <a:rPr lang="de-AT" dirty="0" err="1"/>
-              <a:t>Submit</a:t>
-            </a:r>
-            <a:r>
-              <a:rPr lang="de-AT" dirty="0"/>
-              <a:t>-Ereignis, standardmäßig die ganze Seite neu laden</a:t>
-            </a:r>
-          </a:p>
-          <a:p>
-            <a:pPr lvl="1"/>
-            <a:r>
-              <a:rPr lang="de-AT" dirty="0"/>
-              <a:t>Um zu verhindern dass dieses Standardverhalten auftritt wird der Befehl </a:t>
-            </a:r>
-            <a:r>
-              <a:rPr lang="de-AT" b="1" dirty="0" err="1"/>
-              <a:t>e.preventDefault</a:t>
-            </a:r>
-            <a:r>
-              <a:rPr lang="de-AT" b="1" dirty="0"/>
-              <a:t>() </a:t>
-            </a:r>
-            <a:r>
-              <a:rPr lang="de-AT" dirty="0"/>
-              <a:t>aufgerufen</a:t>
+              <a:t>Haben Namen, die mit „handle“ beginnen, gefolgt vom Namen des Ereignisses</a:t>
             </a:r>
           </a:p>
         </p:txBody>
       </p:sp>
       <p:pic>
         <p:nvPicPr>
-          <p:cNvPr id="9" name="Grafik 8">
-            <a:extLst>
-              <a:ext uri="{FF2B5EF4-FFF2-40B4-BE49-F238E27FC236}">
-                <a16:creationId xmlns:a16="http://schemas.microsoft.com/office/drawing/2014/main" id="{3CCFF502-CDE6-ACBA-18C5-AD01253268D6}"/>
+          <p:cNvPr id="6" name="Grafik 5">
+            <a:extLst>
+              <a:ext uri="{FF2B5EF4-FFF2-40B4-BE49-F238E27FC236}">
+                <a16:creationId xmlns:a16="http://schemas.microsoft.com/office/drawing/2014/main" id="{B06BC2E1-850F-138B-5BD7-1523F9F8196D}"/>
               </a:ext>
             </a:extLst>
           </p:cNvPr>
@@ -9537,38 +9549,8 @@
         </p:blipFill>
         <p:spPr>
           <a:xfrm>
-            <a:off x="8942832" y="4217230"/>
-            <a:ext cx="2804770" cy="2181487"/>
-          </a:xfrm>
-          <a:prstGeom prst="rect">
-            <a:avLst/>
-          </a:prstGeom>
-        </p:spPr>
-      </p:pic>
-      <p:pic>
-        <p:nvPicPr>
-          <p:cNvPr id="11" name="Grafik 10">
-            <a:extLst>
-              <a:ext uri="{FF2B5EF4-FFF2-40B4-BE49-F238E27FC236}">
-                <a16:creationId xmlns:a16="http://schemas.microsoft.com/office/drawing/2014/main" id="{588FC0FF-F00E-A4C4-B912-993979C048AD}"/>
-              </a:ext>
-            </a:extLst>
-          </p:cNvPr>
-          <p:cNvPicPr>
-            <a:picLocks noChangeAspect="1"/>
-          </p:cNvPicPr>
-          <p:nvPr/>
-        </p:nvPicPr>
-        <p:blipFill>
-          <a:blip r:embed="rId3"/>
-          <a:stretch>
-            <a:fillRect/>
-          </a:stretch>
-        </p:blipFill>
-        <p:spPr>
-          <a:xfrm>
-            <a:off x="8778409" y="2057400"/>
-            <a:ext cx="3185420" cy="1993392"/>
+            <a:off x="8631129" y="2200413"/>
+            <a:ext cx="3203511" cy="2457174"/>
           </a:xfrm>
           <a:prstGeom prst="rect">
             <a:avLst/>
@@ -9578,7 +9560,7 @@
     </p:spTree>
     <p:extLst>
       <p:ext uri="{BB962C8B-B14F-4D97-AF65-F5344CB8AC3E}">
-        <p14:creationId xmlns:p14="http://schemas.microsoft.com/office/powerpoint/2010/main" val="1992923459"/>
+        <p14:creationId xmlns:p14="http://schemas.microsoft.com/office/powerpoint/2010/main" val="80465400"/>
       </p:ext>
     </p:extLst>
   </p:cSld>
@@ -9610,7 +9592,7 @@
           <p:cNvPr id="2" name="Titel 1">
             <a:extLst>
               <a:ext uri="{FF2B5EF4-FFF2-40B4-BE49-F238E27FC236}">
-                <a16:creationId xmlns:a16="http://schemas.microsoft.com/office/drawing/2014/main" id="{AF167B8A-89DA-D528-932B-4368F140D50F}"/>
+                <a16:creationId xmlns:a16="http://schemas.microsoft.com/office/drawing/2014/main" id="{256E0D6C-7D2B-6F01-035F-93CF02572B28}"/>
               </a:ext>
             </a:extLst>
           </p:cNvPr>
@@ -9621,18 +9603,27 @@
             <p:ph type="title"/>
           </p:nvPr>
         </p:nvSpPr>
-        <p:spPr/>
+        <p:spPr>
+          <a:xfrm>
+            <a:off x="1336547" y="685800"/>
+            <a:ext cx="8915402" cy="1371600"/>
+          </a:xfrm>
+        </p:spPr>
         <p:txBody>
           <a:bodyPr/>
           <a:lstStyle/>
           <a:p>
             <a:r>
-              <a:rPr lang="de-AT" dirty="0"/>
-              <a:t>Kurze Übung: </a:t>
-            </a:r>
-            <a:r>
-              <a:rPr lang="de-AT" dirty="0" err="1"/>
-              <a:t>CounterApp</a:t>
+              <a:rPr lang="de-AT" dirty="0" err="1"/>
+              <a:t>stopPropagation</a:t>
+            </a:r>
+            <a:r>
+              <a:rPr lang="de-AT" dirty="0"/>
+              <a:t> &amp; </a:t>
+            </a:r>
+            <a:r>
+              <a:rPr lang="de-AT" dirty="0" err="1"/>
+              <a:t>preventDefault</a:t>
             </a:r>
             <a:endParaRPr lang="de-AT" dirty="0"/>
           </a:p>
@@ -9643,7 +9634,7 @@
           <p:cNvPr id="3" name="Inhaltsplatzhalter 2">
             <a:extLst>
               <a:ext uri="{FF2B5EF4-FFF2-40B4-BE49-F238E27FC236}">
-                <a16:creationId xmlns:a16="http://schemas.microsoft.com/office/drawing/2014/main" id="{4FA39801-29A8-98C4-C6C8-5D4A64A0BAF1}"/>
+                <a16:creationId xmlns:a16="http://schemas.microsoft.com/office/drawing/2014/main" id="{6820811B-8A18-D426-5D15-4203EEE65213}"/>
               </a:ext>
             </a:extLst>
           </p:cNvPr>
@@ -9656,78 +9647,102 @@
         </p:nvSpPr>
         <p:spPr>
           <a:xfrm>
-            <a:off x="941832" y="1956816"/>
-            <a:ext cx="7315200" cy="4301851"/>
-          </a:xfrm>
-        </p:spPr>
-        <p:txBody>
-          <a:bodyPr/>
-          <a:lstStyle/>
-          <a:p>
-            <a:r>
-              <a:rPr lang="de-AT" dirty="0"/>
-              <a:t>Baue eine </a:t>
-            </a:r>
-            <a:r>
-              <a:rPr lang="de-AT" dirty="0" err="1"/>
-              <a:t>React</a:t>
-            </a:r>
-            <a:r>
-              <a:rPr lang="de-AT" dirty="0"/>
-              <a:t> Komponente mit der Anzeige einer Zahl und 2 Buttons (+, -)</a:t>
-            </a:r>
-          </a:p>
-          <a:p>
-            <a:r>
-              <a:rPr lang="de-AT" dirty="0"/>
-              <a:t>Definiere eine Variable </a:t>
-            </a:r>
-            <a:r>
-              <a:rPr lang="de-AT" dirty="0" err="1"/>
-              <a:t>counter</a:t>
-            </a:r>
-            <a:r>
-              <a:rPr lang="de-AT" dirty="0"/>
-              <a:t> = 0 </a:t>
-            </a:r>
-          </a:p>
-          <a:p>
-            <a:r>
-              <a:rPr lang="de-AT" dirty="0"/>
-              <a:t>Schritt 1: Beim Klick auf + oder – wird in der Konsole der Wert von </a:t>
-            </a:r>
-            <a:r>
-              <a:rPr lang="de-AT" dirty="0" err="1"/>
-              <a:t>counter</a:t>
-            </a:r>
-            <a:r>
-              <a:rPr lang="de-AT" dirty="0"/>
-              <a:t> +1 / -1 ausgegeben. </a:t>
-            </a:r>
-          </a:p>
-          <a:p>
-            <a:r>
-              <a:rPr lang="de-AT" dirty="0"/>
-              <a:t>Schritt 2: Der Wert der angezeigten Zahl wird ebenfalls aktualisiert und angezeigt. </a:t>
-            </a:r>
-          </a:p>
-          <a:p>
-            <a:r>
-              <a:rPr lang="de-AT" dirty="0"/>
-              <a:t>Was fällt dir auf?</a:t>
-            </a:r>
-          </a:p>
-          <a:p>
-            <a:endParaRPr lang="de-AT" dirty="0"/>
+            <a:off x="855677" y="2057400"/>
+            <a:ext cx="7340367" cy="4137259"/>
+          </a:xfrm>
+        </p:spPr>
+        <p:txBody>
+          <a:bodyPr vert="horz" lIns="91440" tIns="45720" rIns="91440" bIns="45720" rtlCol="0">
+            <a:normAutofit fontScale="92500"/>
+          </a:bodyPr>
+          <a:lstStyle/>
+          <a:p>
+            <a:r>
+              <a:rPr lang="de-AT" dirty="0"/>
+              <a:t>Eventhandler erhalten ein Ereignisobjekt als ihr einziges Argument. Üblicherweise wird es als "e" oder "</a:t>
+            </a:r>
+            <a:r>
+              <a:rPr lang="de-AT" dirty="0" err="1"/>
+              <a:t>event</a:t>
+            </a:r>
+            <a:r>
+              <a:rPr lang="de-AT" dirty="0"/>
+              <a:t>" bezeichnet, was für "Event" steht.</a:t>
+            </a:r>
+          </a:p>
+          <a:p>
+            <a:r>
+              <a:rPr lang="de-AT" dirty="0"/>
+              <a:t>Mit diesem Ereignisobjekt können wir die Event-Propagation stoppen. </a:t>
+            </a:r>
+          </a:p>
+          <a:p>
+            <a:pPr lvl="1"/>
+            <a:r>
+              <a:rPr lang="de-AT" dirty="0"/>
+              <a:t>Wenn wir verhindern möchten, dass ein Ereignis Elternkomponenten erreicht, müssen wir </a:t>
+            </a:r>
+            <a:r>
+              <a:rPr lang="de-AT" b="1" dirty="0" err="1"/>
+              <a:t>e.stopPropagation</a:t>
+            </a:r>
+            <a:r>
+              <a:rPr lang="de-AT" b="1" dirty="0"/>
+              <a:t>() </a:t>
+            </a:r>
+            <a:r>
+              <a:rPr lang="de-AT" dirty="0"/>
+              <a:t>aufrufen</a:t>
+            </a:r>
+          </a:p>
+          <a:p>
+            <a:r>
+              <a:rPr lang="de-AT" dirty="0"/>
+              <a:t>Einige Browser-Ereignisse haben standardmäßiges Verhalten, das mit ihnen verbunden ist. </a:t>
+            </a:r>
+          </a:p>
+          <a:p>
+            <a:pPr lvl="1"/>
+            <a:r>
+              <a:rPr lang="de-AT" dirty="0"/>
+              <a:t>Zum Beispiel wird ein &lt;form&gt; </a:t>
+            </a:r>
+            <a:r>
+              <a:rPr lang="de-AT" dirty="0" err="1"/>
+              <a:t>Submit</a:t>
+            </a:r>
+            <a:r>
+              <a:rPr lang="de-AT" dirty="0"/>
+              <a:t>-Ereignis, standardmäßig die ganze Seite neu laden</a:t>
+            </a:r>
+          </a:p>
+          <a:p>
+            <a:pPr lvl="1"/>
+            <a:r>
+              <a:rPr lang="de-AT" dirty="0"/>
+              <a:t>Um zu verhindern dass dieses Standardverhalten auftritt wird der Befehl </a:t>
+            </a:r>
+            <a:r>
+              <a:rPr lang="de-AT" b="1" dirty="0" err="1"/>
+              <a:t>e.preventDefault</a:t>
+            </a:r>
+            <a:r>
+              <a:rPr lang="de-AT" b="1" dirty="0"/>
+              <a:t>() </a:t>
+            </a:r>
+            <a:r>
+              <a:rPr lang="de-AT" dirty="0"/>
+              <a:t>aufgerufen</a:t>
+            </a:r>
           </a:p>
         </p:txBody>
       </p:sp>
       <p:pic>
         <p:nvPicPr>
-          <p:cNvPr id="4" name="Grafik 3">
-            <a:extLst>
-              <a:ext uri="{FF2B5EF4-FFF2-40B4-BE49-F238E27FC236}">
-                <a16:creationId xmlns:a16="http://schemas.microsoft.com/office/drawing/2014/main" id="{4E98928C-0E0F-0458-F9E7-12DEB7C1959E}"/>
+          <p:cNvPr id="9" name="Grafik 8">
+            <a:extLst>
+              <a:ext uri="{FF2B5EF4-FFF2-40B4-BE49-F238E27FC236}">
+                <a16:creationId xmlns:a16="http://schemas.microsoft.com/office/drawing/2014/main" id="{3CCFF502-CDE6-ACBA-18C5-AD01253268D6}"/>
               </a:ext>
             </a:extLst>
           </p:cNvPr>
@@ -9736,15 +9751,46 @@
           </p:cNvPicPr>
           <p:nvPr/>
         </p:nvPicPr>
-        <p:blipFill rotWithShape="1">
+        <p:blipFill>
           <a:blip r:embed="rId2"/>
-          <a:srcRect l="1" r="8223"/>
-          <a:stretch/>
+          <a:stretch>
+            <a:fillRect/>
+          </a:stretch>
         </p:blipFill>
         <p:spPr>
           <a:xfrm>
-            <a:off x="9465208" y="2233445"/>
-            <a:ext cx="2176985" cy="2391109"/>
+            <a:off x="8942832" y="4217230"/>
+            <a:ext cx="2804770" cy="2181487"/>
+          </a:xfrm>
+          <a:prstGeom prst="rect">
+            <a:avLst/>
+          </a:prstGeom>
+        </p:spPr>
+      </p:pic>
+      <p:pic>
+        <p:nvPicPr>
+          <p:cNvPr id="11" name="Grafik 10">
+            <a:extLst>
+              <a:ext uri="{FF2B5EF4-FFF2-40B4-BE49-F238E27FC236}">
+                <a16:creationId xmlns:a16="http://schemas.microsoft.com/office/drawing/2014/main" id="{588FC0FF-F00E-A4C4-B912-993979C048AD}"/>
+              </a:ext>
+            </a:extLst>
+          </p:cNvPr>
+          <p:cNvPicPr>
+            <a:picLocks noChangeAspect="1"/>
+          </p:cNvPicPr>
+          <p:nvPr/>
+        </p:nvPicPr>
+        <p:blipFill>
+          <a:blip r:embed="rId3"/>
+          <a:stretch>
+            <a:fillRect/>
+          </a:stretch>
+        </p:blipFill>
+        <p:spPr>
+          <a:xfrm>
+            <a:off x="8778409" y="2057400"/>
+            <a:ext cx="3185420" cy="1993392"/>
           </a:xfrm>
           <a:prstGeom prst="rect">
             <a:avLst/>
@@ -9754,7 +9800,7 @@
     </p:spTree>
     <p:extLst>
       <p:ext uri="{BB962C8B-B14F-4D97-AF65-F5344CB8AC3E}">
-        <p14:creationId xmlns:p14="http://schemas.microsoft.com/office/powerpoint/2010/main" val="1352632044"/>
+        <p14:creationId xmlns:p14="http://schemas.microsoft.com/office/powerpoint/2010/main" val="1992923459"/>
       </p:ext>
     </p:extLst>
   </p:cSld>
@@ -9786,7 +9832,7 @@
           <p:cNvPr id="2" name="Titel 1">
             <a:extLst>
               <a:ext uri="{FF2B5EF4-FFF2-40B4-BE49-F238E27FC236}">
-                <a16:creationId xmlns:a16="http://schemas.microsoft.com/office/drawing/2014/main" id="{C1DFA05A-5B76-62C1-22CC-C877687B3236}"/>
+                <a16:creationId xmlns:a16="http://schemas.microsoft.com/office/drawing/2014/main" id="{AF167B8A-89DA-D528-932B-4368F140D50F}"/>
               </a:ext>
             </a:extLst>
           </p:cNvPr>
@@ -9797,20 +9843,20 @@
             <p:ph type="title"/>
           </p:nvPr>
         </p:nvSpPr>
-        <p:spPr>
-          <a:xfrm>
-            <a:off x="1638298" y="685800"/>
-            <a:ext cx="8915403" cy="1371600"/>
-          </a:xfrm>
-        </p:spPr>
+        <p:spPr/>
         <p:txBody>
           <a:bodyPr/>
           <a:lstStyle/>
           <a:p>
             <a:r>
               <a:rPr lang="de-AT" dirty="0"/>
-              <a:t>Problem: Änderungen von Variablen</a:t>
-            </a:r>
+              <a:t>Kurze Übung: </a:t>
+            </a:r>
+            <a:r>
+              <a:rPr lang="de-AT" dirty="0" err="1"/>
+              <a:t>CounterApp</a:t>
+            </a:r>
+            <a:endParaRPr lang="de-AT" dirty="0"/>
           </a:p>
         </p:txBody>
       </p:sp>
@@ -9819,7 +9865,7 @@
           <p:cNvPr id="3" name="Inhaltsplatzhalter 2">
             <a:extLst>
               <a:ext uri="{FF2B5EF4-FFF2-40B4-BE49-F238E27FC236}">
-                <a16:creationId xmlns:a16="http://schemas.microsoft.com/office/drawing/2014/main" id="{26FEDA00-8520-49FD-5512-EFA02E21A73E}"/>
+                <a16:creationId xmlns:a16="http://schemas.microsoft.com/office/drawing/2014/main" id="{4FA39801-29A8-98C4-C6C8-5D4A64A0BAF1}"/>
               </a:ext>
             </a:extLst>
           </p:cNvPr>
@@ -9832,8 +9878,8 @@
         </p:nvSpPr>
         <p:spPr>
           <a:xfrm>
-            <a:off x="731520" y="2057400"/>
-            <a:ext cx="7251191" cy="4137259"/>
+            <a:off x="941832" y="1956816"/>
+            <a:ext cx="7315200" cy="4301851"/>
           </a:xfrm>
         </p:spPr>
         <p:txBody>
@@ -9842,15 +9888,7 @@
           <a:p>
             <a:r>
               <a:rPr lang="de-AT" dirty="0"/>
-              <a:t>Lokale Variablen bestehen zwischen den </a:t>
-            </a:r>
-            <a:r>
-              <a:rPr lang="de-AT" dirty="0" err="1"/>
-              <a:t>Renders</a:t>
-            </a:r>
-            <a:r>
-              <a:rPr lang="de-AT" dirty="0"/>
-              <a:t> nicht fort. Wenn </a:t>
+              <a:t>Baue eine </a:t>
             </a:r>
             <a:r>
               <a:rPr lang="de-AT" dirty="0" err="1"/>
@@ -9858,53 +9896,60 @@
             </a:r>
             <a:r>
               <a:rPr lang="de-AT" dirty="0"/>
-              <a:t> diese Komponente ein zweites Mal rendert, rendert es sie von Grund auf neu - es berücksichtigt keine Änderungen an den lokalen Variablen.</a:t>
-            </a:r>
-          </a:p>
-          <a:p>
-            <a:r>
-              <a:rPr lang="de-AT" dirty="0"/>
-              <a:t>Änderungen an lokalen Variablen lösen keine </a:t>
-            </a:r>
-            <a:r>
-              <a:rPr lang="de-AT" dirty="0" err="1"/>
-              <a:t>Renders</a:t>
-            </a:r>
-            <a:r>
-              <a:rPr lang="de-AT" dirty="0"/>
-              <a:t> aus. </a:t>
-            </a:r>
-            <a:r>
-              <a:rPr lang="de-AT" dirty="0" err="1"/>
-              <a:t>React</a:t>
-            </a:r>
-            <a:r>
-              <a:rPr lang="de-AT" dirty="0"/>
-              <a:t> erkennt nicht, dass es die Komponente erneut mit den neuen Daten rendern muss.</a:t>
-            </a:r>
-          </a:p>
-          <a:p>
-            <a:r>
-              <a:rPr lang="de-AT" dirty="0"/>
-              <a:t>Lösung: </a:t>
-            </a:r>
-            <a:r>
-              <a:rPr lang="de-AT" dirty="0" err="1"/>
-              <a:t>React</a:t>
-            </a:r>
-            <a:r>
-              <a:rPr lang="de-AT" dirty="0"/>
-              <a:t> States</a:t>
-            </a:r>
+              <a:t> Komponente mit der Anzeige einer Zahl und 2 Buttons (+, -)</a:t>
+            </a:r>
+          </a:p>
+          <a:p>
+            <a:r>
+              <a:rPr lang="de-AT" dirty="0"/>
+              <a:t>Definiere eine Variable </a:t>
+            </a:r>
+            <a:r>
+              <a:rPr lang="de-AT" dirty="0" err="1"/>
+              <a:t>counter</a:t>
+            </a:r>
+            <a:r>
+              <a:rPr lang="de-AT" dirty="0"/>
+              <a:t> = 0 </a:t>
+            </a:r>
+          </a:p>
+          <a:p>
+            <a:r>
+              <a:rPr lang="de-AT" dirty="0"/>
+              <a:t>Schritt 1: Beim Klick auf + oder – wird in der Konsole der Wert von </a:t>
+            </a:r>
+            <a:r>
+              <a:rPr lang="de-AT" dirty="0" err="1"/>
+              <a:t>counter</a:t>
+            </a:r>
+            <a:r>
+              <a:rPr lang="de-AT" dirty="0"/>
+              <a:t> +1 / -1 ausgegeben. </a:t>
+            </a:r>
+          </a:p>
+          <a:p>
+            <a:r>
+              <a:rPr lang="de-AT" dirty="0"/>
+              <a:t>Schritt 2: Der Wert der angezeigten Zahl wird ebenfalls aktualisiert und angezeigt. </a:t>
+            </a:r>
+          </a:p>
+          <a:p>
+            <a:r>
+              <a:rPr lang="de-AT" dirty="0"/>
+              <a:t>Was fällt dir auf?</a:t>
+            </a:r>
+          </a:p>
+          <a:p>
+            <a:endParaRPr lang="de-AT" dirty="0"/>
           </a:p>
         </p:txBody>
       </p:sp>
       <p:pic>
         <p:nvPicPr>
-          <p:cNvPr id="11" name="Grafik 10">
-            <a:extLst>
-              <a:ext uri="{FF2B5EF4-FFF2-40B4-BE49-F238E27FC236}">
-                <a16:creationId xmlns:a16="http://schemas.microsoft.com/office/drawing/2014/main" id="{5ACB939A-4304-DFE4-B6E1-EAF5F875B59D}"/>
+          <p:cNvPr id="4" name="Grafik 3">
+            <a:extLst>
+              <a:ext uri="{FF2B5EF4-FFF2-40B4-BE49-F238E27FC236}">
+                <a16:creationId xmlns:a16="http://schemas.microsoft.com/office/drawing/2014/main" id="{4E98928C-0E0F-0458-F9E7-12DEB7C1959E}"/>
               </a:ext>
             </a:extLst>
           </p:cNvPr>
@@ -9931,7 +9976,7 @@
     </p:spTree>
     <p:extLst>
       <p:ext uri="{BB962C8B-B14F-4D97-AF65-F5344CB8AC3E}">
-        <p14:creationId xmlns:p14="http://schemas.microsoft.com/office/powerpoint/2010/main" val="624714937"/>
+        <p14:creationId xmlns:p14="http://schemas.microsoft.com/office/powerpoint/2010/main" val="1352632044"/>
       </p:ext>
     </p:extLst>
   </p:cSld>
@@ -9963,7 +10008,7 @@
           <p:cNvPr id="2" name="Titel 1">
             <a:extLst>
               <a:ext uri="{FF2B5EF4-FFF2-40B4-BE49-F238E27FC236}">
-                <a16:creationId xmlns:a16="http://schemas.microsoft.com/office/drawing/2014/main" id="{336CBD2C-2006-5CD8-6EF7-C2CFE10552EC}"/>
+                <a16:creationId xmlns:a16="http://schemas.microsoft.com/office/drawing/2014/main" id="{C1DFA05A-5B76-62C1-22CC-C877687B3236}"/>
               </a:ext>
             </a:extLst>
           </p:cNvPr>
@@ -9974,60 +10019,74 @@
             <p:ph type="title"/>
           </p:nvPr>
         </p:nvSpPr>
-        <p:spPr/>
+        <p:spPr>
+          <a:xfrm>
+            <a:off x="1638298" y="685800"/>
+            <a:ext cx="8915403" cy="1371600"/>
+          </a:xfrm>
+        </p:spPr>
         <p:txBody>
           <a:bodyPr/>
           <a:lstStyle/>
           <a:p>
             <a:r>
+              <a:rPr lang="de-AT" dirty="0"/>
+              <a:t>Problem: Änderungen von Variablen</a:t>
+            </a:r>
+          </a:p>
+        </p:txBody>
+      </p:sp>
+      <p:sp>
+        <p:nvSpPr>
+          <p:cNvPr id="3" name="Inhaltsplatzhalter 2">
+            <a:extLst>
+              <a:ext uri="{FF2B5EF4-FFF2-40B4-BE49-F238E27FC236}">
+                <a16:creationId xmlns:a16="http://schemas.microsoft.com/office/drawing/2014/main" id="{26FEDA00-8520-49FD-5512-EFA02E21A73E}"/>
+              </a:ext>
+            </a:extLst>
+          </p:cNvPr>
+          <p:cNvSpPr>
+            <a:spLocks noGrp="1"/>
+          </p:cNvSpPr>
+          <p:nvPr>
+            <p:ph idx="1"/>
+          </p:nvPr>
+        </p:nvSpPr>
+        <p:spPr>
+          <a:xfrm>
+            <a:off x="731520" y="2057400"/>
+            <a:ext cx="7251191" cy="4137259"/>
+          </a:xfrm>
+        </p:spPr>
+        <p:txBody>
+          <a:bodyPr/>
+          <a:lstStyle/>
+          <a:p>
+            <a:r>
+              <a:rPr lang="de-AT" dirty="0"/>
+              <a:t>Lokale Variablen bestehen zwischen den </a:t>
+            </a:r>
+            <a:r>
+              <a:rPr lang="de-AT" dirty="0" err="1"/>
+              <a:t>Renders</a:t>
+            </a:r>
+            <a:r>
+              <a:rPr lang="de-AT" dirty="0"/>
+              <a:t> nicht fort. Wenn </a:t>
+            </a:r>
+            <a:r>
               <a:rPr lang="de-AT" dirty="0" err="1"/>
               <a:t>React</a:t>
             </a:r>
             <a:r>
               <a:rPr lang="de-AT" dirty="0"/>
-              <a:t> States – Zustand Variablen (1)</a:t>
-            </a:r>
-          </a:p>
-        </p:txBody>
-      </p:sp>
-      <p:sp>
-        <p:nvSpPr>
-          <p:cNvPr id="3" name="Inhaltsplatzhalter 2">
-            <a:extLst>
-              <a:ext uri="{FF2B5EF4-FFF2-40B4-BE49-F238E27FC236}">
-                <a16:creationId xmlns:a16="http://schemas.microsoft.com/office/drawing/2014/main" id="{16C2E266-5F0F-D20C-6307-F539172053CE}"/>
-              </a:ext>
-            </a:extLst>
-          </p:cNvPr>
-          <p:cNvSpPr>
-            <a:spLocks noGrp="1"/>
-          </p:cNvSpPr>
-          <p:nvPr>
-            <p:ph idx="1"/>
-          </p:nvPr>
-        </p:nvSpPr>
-        <p:spPr>
-          <a:xfrm>
-            <a:off x="475488" y="1956816"/>
-            <a:ext cx="7379208" cy="4484731"/>
-          </a:xfrm>
-        </p:spPr>
-        <p:txBody>
-          <a:bodyPr>
-            <a:normAutofit/>
-          </a:bodyPr>
-          <a:lstStyle/>
-          <a:p>
-            <a:r>
-              <a:rPr lang="de-AT" dirty="0"/>
-              <a:t>Vorteil von State-Variablen:</a:t>
-            </a:r>
-          </a:p>
-          <a:p>
-            <a:pPr lvl="1"/>
-            <a:r>
-              <a:rPr lang="de-AT" dirty="0"/>
-              <a:t>Eine State-Variable, speichert Daten zwischen erneuten </a:t>
+              <a:t> diese Komponente ein zweites Mal rendert, rendert es sie von Grund auf neu - es berücksichtigt keine Änderungen an den lokalen Variablen.</a:t>
+            </a:r>
+          </a:p>
+          <a:p>
+            <a:r>
+              <a:rPr lang="de-AT" dirty="0"/>
+              <a:t>Änderungen an lokalen Variablen lösen keine </a:t>
             </a:r>
             <a:r>
               <a:rPr lang="de-AT" dirty="0" err="1"/>
@@ -10035,35 +10094,7 @@
             </a:r>
             <a:r>
               <a:rPr lang="de-AT" dirty="0"/>
-              <a:t>.</a:t>
-            </a:r>
-          </a:p>
-          <a:p>
-            <a:pPr lvl="1"/>
-            <a:r>
-              <a:rPr lang="de-AT" dirty="0"/>
-              <a:t>Liefert eine Setter-Funktion, um die Variable zu aktualisieren </a:t>
-            </a:r>
-          </a:p>
-          <a:p>
-            <a:pPr lvl="1"/>
-            <a:r>
-              <a:rPr lang="de-AT" dirty="0"/>
-              <a:t>Jedes Mal wenn sich die Variable ändert wird die Komponente neu gerendert und Änderungen werden sofort sichtbar</a:t>
-            </a:r>
-          </a:p>
-          <a:p>
-            <a:r>
-              <a:rPr lang="de-AT" dirty="0"/>
-              <a:t>Um eine State-Variable verwenden zu können muss das Package </a:t>
-            </a:r>
-            <a:r>
-              <a:rPr lang="de-AT" dirty="0" err="1"/>
-              <a:t>useState</a:t>
-            </a:r>
-            <a:r>
-              <a:rPr lang="de-AT" dirty="0"/>
-              <a:t> von </a:t>
+              <a:t> aus. </a:t>
             </a:r>
             <a:r>
               <a:rPr lang="de-AT" dirty="0" err="1"/>
@@ -10071,50 +10102,31 @@
             </a:r>
             <a:r>
               <a:rPr lang="de-AT" dirty="0"/>
-              <a:t> importiert werden</a:t>
-            </a:r>
-          </a:p>
-          <a:p>
-            <a:r>
-              <a:rPr lang="de-AT" dirty="0"/>
-              <a:t>Eine State-Variable wird gemeinsam mit ihrer Setter-Funktion in einer </a:t>
-            </a:r>
-            <a:r>
-              <a:rPr lang="de-AT" dirty="0" err="1"/>
-              <a:t>const</a:t>
-            </a:r>
-            <a:r>
-              <a:rPr lang="de-AT" dirty="0"/>
-              <a:t> Variable gespeichert und über die </a:t>
-            </a:r>
-            <a:r>
-              <a:rPr lang="de-AT" dirty="0" err="1"/>
-              <a:t>useState</a:t>
-            </a:r>
-            <a:r>
-              <a:rPr lang="de-AT" dirty="0"/>
-              <a:t>([</a:t>
-            </a:r>
-            <a:r>
-              <a:rPr lang="de-AT" dirty="0" err="1"/>
-              <a:t>Defaulwert</a:t>
-            </a:r>
-            <a:r>
-              <a:rPr lang="de-AT" dirty="0"/>
-              <a:t>]) Methode initialisiert (initialer Wert wird vergeben) </a:t>
-            </a:r>
-          </a:p>
-          <a:p>
-            <a:endParaRPr lang="de-AT" dirty="0"/>
+              <a:t> erkennt nicht, dass es die Komponente erneut mit den neuen Daten rendern muss.</a:t>
+            </a:r>
+          </a:p>
+          <a:p>
+            <a:r>
+              <a:rPr lang="de-AT" dirty="0"/>
+              <a:t>Lösung: </a:t>
+            </a:r>
+            <a:r>
+              <a:rPr lang="de-AT" dirty="0" err="1"/>
+              <a:t>React</a:t>
+            </a:r>
+            <a:r>
+              <a:rPr lang="de-AT" dirty="0"/>
+              <a:t> States</a:t>
+            </a:r>
           </a:p>
         </p:txBody>
       </p:sp>
       <p:pic>
         <p:nvPicPr>
-          <p:cNvPr id="7" name="Grafik 6">
-            <a:extLst>
-              <a:ext uri="{FF2B5EF4-FFF2-40B4-BE49-F238E27FC236}">
-                <a16:creationId xmlns:a16="http://schemas.microsoft.com/office/drawing/2014/main" id="{7B25A530-1427-271E-67A6-4EC9455E5075}"/>
+          <p:cNvPr id="11" name="Grafik 10">
+            <a:extLst>
+              <a:ext uri="{FF2B5EF4-FFF2-40B4-BE49-F238E27FC236}">
+                <a16:creationId xmlns:a16="http://schemas.microsoft.com/office/drawing/2014/main" id="{5ACB939A-4304-DFE4-B6E1-EAF5F875B59D}"/>
               </a:ext>
             </a:extLst>
           </p:cNvPr>
@@ -10123,16 +10135,15 @@
           </p:cNvPicPr>
           <p:nvPr/>
         </p:nvPicPr>
-        <p:blipFill>
+        <p:blipFill rotWithShape="1">
           <a:blip r:embed="rId2"/>
-          <a:stretch>
-            <a:fillRect/>
-          </a:stretch>
+          <a:srcRect l="1" r="8223"/>
+          <a:stretch/>
         </p:blipFill>
         <p:spPr>
           <a:xfrm>
-            <a:off x="8133640" y="2572124"/>
-            <a:ext cx="3856360" cy="3078868"/>
+            <a:off x="9465208" y="2233445"/>
+            <a:ext cx="2176985" cy="2391109"/>
           </a:xfrm>
           <a:prstGeom prst="rect">
             <a:avLst/>
@@ -10142,7 +10153,7 @@
     </p:spTree>
     <p:extLst>
       <p:ext uri="{BB962C8B-B14F-4D97-AF65-F5344CB8AC3E}">
-        <p14:creationId xmlns:p14="http://schemas.microsoft.com/office/powerpoint/2010/main" val="2225707344"/>
+        <p14:creationId xmlns:p14="http://schemas.microsoft.com/office/powerpoint/2010/main" val="624714937"/>
       </p:ext>
     </p:extLst>
   </p:cSld>
@@ -10196,7 +10207,7 @@
             </a:r>
             <a:r>
               <a:rPr lang="de-AT" dirty="0"/>
-              <a:t> States – Zustand Variablen (2)</a:t>
+              <a:t> States – Zustand Variablen (1)</a:t>
             </a:r>
           </a:p>
         </p:txBody>
@@ -10229,246 +10240,91 @@
           </a:bodyPr>
           <a:lstStyle/>
           <a:p>
-            <a:pPr marL="228600" indent="-228600" algn="l" rtl="0" eaLnBrk="1" latinLnBrk="0" hangingPunct="1">
-              <a:lnSpc>
-                <a:spcPct val="120000"/>
-              </a:lnSpc>
-              <a:spcBef>
-                <a:spcPts val="1000"/>
-              </a:spcBef>
-              <a:spcAft>
-                <a:spcPts val="0"/>
-              </a:spcAft>
-              <a:buClrTx/>
-              <a:buSzPts val="1700"/>
-              <a:buFont typeface="Arial" panose="020B0604020202020204" pitchFamily="34" charset="0"/>
-              <a:buChar char="•"/>
-            </a:pPr>
-            <a:r>
-              <a:rPr lang="de-AT" sz="1800" kern="1200" dirty="0">
-                <a:solidFill>
-                  <a:srgbClr val="000000"/>
-                </a:solidFill>
-                <a:effectLst/>
-                <a:latin typeface="Avenir Next LT Pro Light" panose="020B0304020202020204" pitchFamily="34" charset="0"/>
-                <a:ea typeface="+mn-ea"/>
-                <a:cs typeface="+mn-cs"/>
-              </a:rPr>
-              <a:t>Eine State-Variable kann nur auf der obersten Ebene Ihrer Komponenten deklariert werden. Sie können nicht innerhalb von Bedingungen, Schleifen oder anderen verschachtelten Funktionen deklariert werden.</a:t>
-            </a:r>
-          </a:p>
-          <a:p>
-            <a:pPr marL="228600" indent="-228600" algn="l" rtl="0" eaLnBrk="1" latinLnBrk="0" hangingPunct="1">
-              <a:lnSpc>
-                <a:spcPct val="120000"/>
-              </a:lnSpc>
-              <a:spcBef>
-                <a:spcPts val="1000"/>
-              </a:spcBef>
-              <a:spcAft>
-                <a:spcPts val="0"/>
-              </a:spcAft>
-              <a:buClrTx/>
-              <a:buSzPts val="1700"/>
-              <a:buFont typeface="Arial" panose="020B0604020202020204" pitchFamily="34" charset="0"/>
-              <a:buChar char="•"/>
-            </a:pPr>
-            <a:r>
-              <a:rPr lang="de-AT" sz="1800" kern="1200" dirty="0">
-                <a:solidFill>
-                  <a:srgbClr val="000000"/>
-                </a:solidFill>
-                <a:effectLst/>
-                <a:latin typeface="Avenir Next LT Pro Light" panose="020B0304020202020204" pitchFamily="34" charset="0"/>
-                <a:ea typeface="+mn-ea"/>
-                <a:cs typeface="+mn-cs"/>
-              </a:rPr>
-              <a:t>Eine State-Variable wird genau wie jede andere Variable verwendet, allerdings werden Änderungen nur über die </a:t>
-            </a:r>
-            <a:r>
-              <a:rPr lang="de-AT" sz="1800" kern="1200" dirty="0" err="1">
-                <a:solidFill>
-                  <a:srgbClr val="000000"/>
-                </a:solidFill>
-                <a:effectLst/>
-                <a:latin typeface="Avenir Next LT Pro Light" panose="020B0304020202020204" pitchFamily="34" charset="0"/>
-                <a:ea typeface="+mn-ea"/>
-                <a:cs typeface="+mn-cs"/>
-              </a:rPr>
-              <a:t>Settermethode</a:t>
-            </a:r>
-            <a:r>
-              <a:rPr lang="de-AT" sz="1800" kern="1200" dirty="0">
-                <a:solidFill>
-                  <a:srgbClr val="000000"/>
-                </a:solidFill>
-                <a:effectLst/>
-                <a:latin typeface="Avenir Next LT Pro Light" panose="020B0304020202020204" pitchFamily="34" charset="0"/>
-                <a:ea typeface="+mn-ea"/>
-                <a:cs typeface="+mn-cs"/>
-              </a:rPr>
-              <a:t> veranlasst.</a:t>
-            </a:r>
-            <a:br>
-              <a:rPr lang="de-AT" sz="1800" kern="1200" dirty="0">
-                <a:solidFill>
-                  <a:srgbClr val="000000"/>
-                </a:solidFill>
-                <a:effectLst/>
-                <a:latin typeface="Avenir Next LT Pro Light" panose="020B0304020202020204" pitchFamily="34" charset="0"/>
-                <a:ea typeface="+mn-ea"/>
-                <a:cs typeface="+mn-cs"/>
-              </a:rPr>
-            </a:br>
-            <a:r>
-              <a:rPr lang="de-AT" sz="1800" kern="1200" dirty="0" err="1">
-                <a:solidFill>
-                  <a:srgbClr val="000000"/>
-                </a:solidFill>
-                <a:effectLst/>
-                <a:latin typeface="Avenir Next LT Pro Light" panose="020B0304020202020204" pitchFamily="34" charset="0"/>
-                <a:ea typeface="+mn-ea"/>
-                <a:cs typeface="+mn-cs"/>
-              </a:rPr>
-              <a:t>Bsp</a:t>
-            </a:r>
-            <a:r>
-              <a:rPr lang="de-AT" sz="1800" kern="1200" dirty="0">
-                <a:solidFill>
-                  <a:srgbClr val="000000"/>
-                </a:solidFill>
-                <a:effectLst/>
-                <a:latin typeface="Avenir Next LT Pro Light" panose="020B0304020202020204" pitchFamily="34" charset="0"/>
-                <a:ea typeface="+mn-ea"/>
-                <a:cs typeface="+mn-cs"/>
-              </a:rPr>
-              <a:t>: </a:t>
-            </a:r>
-            <a:r>
-              <a:rPr lang="de-AT" sz="1800" strike="sngStrike" kern="1200" dirty="0" err="1">
-                <a:solidFill>
-                  <a:srgbClr val="000000"/>
-                </a:solidFill>
-                <a:effectLst/>
-                <a:latin typeface="Avenir Next LT Pro Light" panose="020B0304020202020204" pitchFamily="34" charset="0"/>
-                <a:ea typeface="+mn-ea"/>
-                <a:cs typeface="+mn-cs"/>
-              </a:rPr>
-              <a:t>count</a:t>
-            </a:r>
-            <a:r>
-              <a:rPr lang="de-AT" sz="1800" strike="sngStrike" kern="1200" dirty="0">
-                <a:solidFill>
-                  <a:srgbClr val="000000"/>
-                </a:solidFill>
-                <a:effectLst/>
-                <a:latin typeface="Avenir Next LT Pro Light" panose="020B0304020202020204" pitchFamily="34" charset="0"/>
-                <a:ea typeface="+mn-ea"/>
-                <a:cs typeface="+mn-cs"/>
-              </a:rPr>
-              <a:t> = 2</a:t>
-            </a:r>
-            <a:r>
-              <a:rPr lang="de-AT" sz="1800" kern="1200" dirty="0">
-                <a:solidFill>
-                  <a:srgbClr val="000000"/>
-                </a:solidFill>
-                <a:effectLst/>
-                <a:latin typeface="Avenir Next LT Pro Light" panose="020B0304020202020204" pitchFamily="34" charset="0"/>
-                <a:ea typeface="+mn-ea"/>
-                <a:cs typeface="+mn-cs"/>
-              </a:rPr>
-              <a:t>  sondern </a:t>
-            </a:r>
-            <a:r>
-              <a:rPr lang="de-AT" sz="1800" kern="1200" dirty="0" err="1">
-                <a:solidFill>
-                  <a:srgbClr val="000000"/>
-                </a:solidFill>
-                <a:effectLst/>
-                <a:latin typeface="Avenir Next LT Pro Light" panose="020B0304020202020204" pitchFamily="34" charset="0"/>
-                <a:ea typeface="+mn-ea"/>
-                <a:cs typeface="+mn-cs"/>
-              </a:rPr>
-              <a:t>setCount</a:t>
-            </a:r>
-            <a:r>
-              <a:rPr lang="de-AT" sz="1800" kern="1200" dirty="0">
-                <a:solidFill>
-                  <a:srgbClr val="000000"/>
-                </a:solidFill>
-                <a:effectLst/>
-                <a:latin typeface="Avenir Next LT Pro Light" panose="020B0304020202020204" pitchFamily="34" charset="0"/>
-                <a:ea typeface="+mn-ea"/>
-                <a:cs typeface="+mn-cs"/>
-              </a:rPr>
-              <a:t>(2)</a:t>
-            </a:r>
-          </a:p>
-          <a:p>
-            <a:pPr marL="228600" indent="-228600" algn="l" rtl="0" eaLnBrk="1" latinLnBrk="0" hangingPunct="1">
-              <a:lnSpc>
-                <a:spcPct val="120000"/>
-              </a:lnSpc>
-              <a:spcBef>
-                <a:spcPts val="1000"/>
-              </a:spcBef>
-              <a:spcAft>
-                <a:spcPts val="0"/>
-              </a:spcAft>
-              <a:buClrTx/>
-              <a:buSzPts val="1700"/>
-              <a:buFont typeface="Arial" panose="020B0604020202020204" pitchFamily="34" charset="0"/>
-              <a:buChar char="•"/>
-            </a:pPr>
-            <a:r>
-              <a:rPr lang="de-AT" dirty="0">
-                <a:solidFill>
-                  <a:srgbClr val="000000"/>
-                </a:solidFill>
-                <a:latin typeface="Avenir Next LT Pro Light" panose="020B0304020202020204" pitchFamily="34" charset="0"/>
-              </a:rPr>
-              <a:t>Nach Konvention wird die </a:t>
-            </a:r>
-            <a:r>
-              <a:rPr lang="de-AT" dirty="0" err="1">
-                <a:solidFill>
-                  <a:srgbClr val="000000"/>
-                </a:solidFill>
-                <a:latin typeface="Avenir Next LT Pro Light" panose="020B0304020202020204" pitchFamily="34" charset="0"/>
-              </a:rPr>
-              <a:t>Settermethode</a:t>
-            </a:r>
-            <a:r>
-              <a:rPr lang="de-AT" dirty="0">
-                <a:solidFill>
-                  <a:srgbClr val="000000"/>
-                </a:solidFill>
-                <a:latin typeface="Avenir Next LT Pro Light" panose="020B0304020202020204" pitchFamily="34" charset="0"/>
-              </a:rPr>
-              <a:t> nach dem Schema „</a:t>
-            </a:r>
-            <a:r>
-              <a:rPr lang="de-AT" dirty="0" err="1">
-                <a:solidFill>
-                  <a:srgbClr val="000000"/>
-                </a:solidFill>
-                <a:latin typeface="Avenir Next LT Pro Light" panose="020B0304020202020204" pitchFamily="34" charset="0"/>
-              </a:rPr>
-              <a:t>set</a:t>
-            </a:r>
-            <a:r>
-              <a:rPr lang="de-AT" dirty="0">
-                <a:solidFill>
-                  <a:srgbClr val="000000"/>
-                </a:solidFill>
-                <a:latin typeface="Avenir Next LT Pro Light" panose="020B0304020202020204" pitchFamily="34" charset="0"/>
-              </a:rPr>
-              <a:t>“+Variablenname (großer Anfangsbuchstabe) benannt</a:t>
-            </a:r>
-            <a:endParaRPr lang="de-AT" sz="1800" dirty="0">
-              <a:effectLst/>
-            </a:endParaRPr>
+            <a:r>
+              <a:rPr lang="de-AT" dirty="0"/>
+              <a:t>Vorteil von State-Variablen:</a:t>
+            </a:r>
+          </a:p>
+          <a:p>
+            <a:pPr lvl="1"/>
+            <a:r>
+              <a:rPr lang="de-AT" dirty="0"/>
+              <a:t>Eine State-Variable, speichert Daten zwischen erneuten </a:t>
+            </a:r>
+            <a:r>
+              <a:rPr lang="de-AT" dirty="0" err="1"/>
+              <a:t>Renders</a:t>
+            </a:r>
+            <a:r>
+              <a:rPr lang="de-AT" dirty="0"/>
+              <a:t>.</a:t>
+            </a:r>
+          </a:p>
+          <a:p>
+            <a:pPr lvl="1"/>
+            <a:r>
+              <a:rPr lang="de-AT" dirty="0"/>
+              <a:t>Liefert eine Setter-Funktion, um die Variable zu aktualisieren </a:t>
+            </a:r>
+          </a:p>
+          <a:p>
+            <a:pPr lvl="1"/>
+            <a:r>
+              <a:rPr lang="de-AT" dirty="0"/>
+              <a:t>Jedes Mal wenn sich die Variable ändert wird die Komponente neu gerendert und Änderungen werden sofort sichtbar</a:t>
+            </a:r>
+          </a:p>
+          <a:p>
+            <a:r>
+              <a:rPr lang="de-AT" dirty="0"/>
+              <a:t>Um eine State-Variable verwenden zu können muss das Package </a:t>
+            </a:r>
+            <a:r>
+              <a:rPr lang="de-AT" dirty="0" err="1"/>
+              <a:t>useState</a:t>
+            </a:r>
+            <a:r>
+              <a:rPr lang="de-AT" dirty="0"/>
+              <a:t> von </a:t>
+            </a:r>
+            <a:r>
+              <a:rPr lang="de-AT" dirty="0" err="1"/>
+              <a:t>React</a:t>
+            </a:r>
+            <a:r>
+              <a:rPr lang="de-AT" dirty="0"/>
+              <a:t> importiert werden</a:t>
+            </a:r>
+          </a:p>
+          <a:p>
+            <a:r>
+              <a:rPr lang="de-AT" dirty="0"/>
+              <a:t>Eine State-Variable wird gemeinsam mit ihrer Setter-Funktion in einer </a:t>
+            </a:r>
+            <a:r>
+              <a:rPr lang="de-AT" dirty="0" err="1"/>
+              <a:t>const</a:t>
+            </a:r>
+            <a:r>
+              <a:rPr lang="de-AT" dirty="0"/>
+              <a:t> Variable gespeichert und über die </a:t>
+            </a:r>
+            <a:r>
+              <a:rPr lang="de-AT" dirty="0" err="1"/>
+              <a:t>useState</a:t>
+            </a:r>
+            <a:r>
+              <a:rPr lang="de-AT" dirty="0"/>
+              <a:t>([</a:t>
+            </a:r>
+            <a:r>
+              <a:rPr lang="de-AT" dirty="0" err="1"/>
+              <a:t>Defaulwert</a:t>
+            </a:r>
+            <a:r>
+              <a:rPr lang="de-AT" dirty="0"/>
+              <a:t>]) Methode initialisiert (initialer Wert wird vergeben) </a:t>
+            </a:r>
           </a:p>
           <a:p>
             <a:endParaRPr lang="de-AT" dirty="0"/>
@@ -10497,7 +10353,7 @@
         </p:blipFill>
         <p:spPr>
           <a:xfrm>
-            <a:off x="8041361" y="2320454"/>
+            <a:off x="8133640" y="2572124"/>
             <a:ext cx="3856360" cy="3078868"/>
           </a:xfrm>
           <a:prstGeom prst="rect">
@@ -10508,7 +10364,7 @@
     </p:spTree>
     <p:extLst>
       <p:ext uri="{BB962C8B-B14F-4D97-AF65-F5344CB8AC3E}">
-        <p14:creationId xmlns:p14="http://schemas.microsoft.com/office/powerpoint/2010/main" val="3864776925"/>
+        <p14:creationId xmlns:p14="http://schemas.microsoft.com/office/powerpoint/2010/main" val="2225707344"/>
       </p:ext>
     </p:extLst>
   </p:cSld>
@@ -10540,7 +10396,7 @@
           <p:cNvPr id="2" name="Titel 1">
             <a:extLst>
               <a:ext uri="{FF2B5EF4-FFF2-40B4-BE49-F238E27FC236}">
-                <a16:creationId xmlns:a16="http://schemas.microsoft.com/office/drawing/2014/main" id="{762D4181-A115-7F22-1952-0A114A6892A1}"/>
+                <a16:creationId xmlns:a16="http://schemas.microsoft.com/office/drawing/2014/main" id="{336CBD2C-2006-5CD8-6EF7-C2CFE10552EC}"/>
               </a:ext>
             </a:extLst>
           </p:cNvPr>
@@ -10551,19 +10407,18 @@
             <p:ph type="title"/>
           </p:nvPr>
         </p:nvSpPr>
-        <p:spPr>
-          <a:xfrm>
-            <a:off x="973123" y="685800"/>
-            <a:ext cx="9580578" cy="1371600"/>
-          </a:xfrm>
-        </p:spPr>
+        <p:spPr/>
         <p:txBody>
           <a:bodyPr/>
           <a:lstStyle/>
           <a:p>
             <a:r>
-              <a:rPr lang="de-AT" dirty="0"/>
-              <a:t>Übung „The Dice Game“</a:t>
+              <a:rPr lang="de-AT" dirty="0" err="1"/>
+              <a:t>React</a:t>
+            </a:r>
+            <a:r>
+              <a:rPr lang="de-AT" dirty="0"/>
+              <a:t> States – Zustand Variablen (2)</a:t>
             </a:r>
           </a:p>
         </p:txBody>
@@ -10573,7 +10428,7 @@
           <p:cNvPr id="3" name="Inhaltsplatzhalter 2">
             <a:extLst>
               <a:ext uri="{FF2B5EF4-FFF2-40B4-BE49-F238E27FC236}">
-                <a16:creationId xmlns:a16="http://schemas.microsoft.com/office/drawing/2014/main" id="{B88CA1EC-F8D8-8168-D2C6-53A3BB562FD5}"/>
+                <a16:creationId xmlns:a16="http://schemas.microsoft.com/office/drawing/2014/main" id="{16C2E266-5F0F-D20C-6307-F539172053CE}"/>
               </a:ext>
             </a:extLst>
           </p:cNvPr>
@@ -10586,55 +10441,268 @@
         </p:nvSpPr>
         <p:spPr>
           <a:xfrm>
-            <a:off x="685800" y="2057400"/>
-            <a:ext cx="6720840" cy="4137259"/>
-          </a:xfrm>
-        </p:spPr>
-        <p:txBody>
-          <a:bodyPr/>
-          <a:lstStyle/>
-          <a:p>
-            <a:r>
-              <a:rPr lang="de-AT" dirty="0"/>
-              <a:t>Erweitere deine „</a:t>
-            </a:r>
-            <a:r>
-              <a:rPr lang="de-AT" dirty="0" err="1"/>
-              <a:t>DiceGame</a:t>
-            </a:r>
-            <a:r>
-              <a:rPr lang="de-AT" dirty="0"/>
-              <a:t>“ Komponente um einen Button „</a:t>
-            </a:r>
-            <a:r>
-              <a:rPr lang="de-AT" dirty="0" err="1"/>
-              <a:t>NewGameButton</a:t>
-            </a:r>
-            <a:r>
-              <a:rPr lang="de-AT" dirty="0"/>
-              <a:t>“ der das Spiel erneut startet und die Würfel neu würfelt.</a:t>
-            </a:r>
-          </a:p>
-          <a:p>
-            <a:r>
-              <a:rPr lang="de-AT" dirty="0"/>
-              <a:t>Verwende eine 2 State-Variablen um die Augenzahlen der Würfel zu bestimmen</a:t>
-            </a:r>
-          </a:p>
-          <a:p>
-            <a:r>
-              <a:rPr lang="de-AT" dirty="0"/>
-              <a:t>Verwende eine State-Variable um den Gewinner zu definieren</a:t>
-            </a:r>
+            <a:off x="475488" y="1956816"/>
+            <a:ext cx="7379208" cy="4484731"/>
+          </a:xfrm>
+        </p:spPr>
+        <p:txBody>
+          <a:bodyPr>
+            <a:normAutofit/>
+          </a:bodyPr>
+          <a:lstStyle/>
+          <a:p>
+            <a:pPr marL="228600" indent="-228600" algn="l" rtl="0" eaLnBrk="1" latinLnBrk="0" hangingPunct="1">
+              <a:lnSpc>
+                <a:spcPct val="120000"/>
+              </a:lnSpc>
+              <a:spcBef>
+                <a:spcPts val="1000"/>
+              </a:spcBef>
+              <a:spcAft>
+                <a:spcPts val="0"/>
+              </a:spcAft>
+              <a:buClrTx/>
+              <a:buSzPts val="1700"/>
+              <a:buFont typeface="Arial" panose="020B0604020202020204" pitchFamily="34" charset="0"/>
+              <a:buChar char="•"/>
+            </a:pPr>
+            <a:r>
+              <a:rPr lang="de-AT" sz="1800" kern="1200" dirty="0">
+                <a:solidFill>
+                  <a:srgbClr val="000000"/>
+                </a:solidFill>
+                <a:effectLst/>
+                <a:latin typeface="Avenir Next LT Pro Light" panose="020B0304020202020204" pitchFamily="34" charset="0"/>
+                <a:ea typeface="+mn-ea"/>
+                <a:cs typeface="+mn-cs"/>
+              </a:rPr>
+              <a:t>Eine State-Variable kann nur auf der obersten Ebene Ihrer Komponenten deklariert werden. Sie können nicht innerhalb von Bedingungen, Schleifen oder anderen verschachtelten Funktionen deklariert werden.</a:t>
+            </a:r>
+          </a:p>
+          <a:p>
+            <a:pPr marL="228600" indent="-228600" algn="l" rtl="0" eaLnBrk="1" latinLnBrk="0" hangingPunct="1">
+              <a:lnSpc>
+                <a:spcPct val="120000"/>
+              </a:lnSpc>
+              <a:spcBef>
+                <a:spcPts val="1000"/>
+              </a:spcBef>
+              <a:spcAft>
+                <a:spcPts val="0"/>
+              </a:spcAft>
+              <a:buClrTx/>
+              <a:buSzPts val="1700"/>
+              <a:buFont typeface="Arial" panose="020B0604020202020204" pitchFamily="34" charset="0"/>
+              <a:buChar char="•"/>
+            </a:pPr>
+            <a:r>
+              <a:rPr lang="de-AT" sz="1800" kern="1200" dirty="0">
+                <a:solidFill>
+                  <a:srgbClr val="000000"/>
+                </a:solidFill>
+                <a:effectLst/>
+                <a:latin typeface="Avenir Next LT Pro Light" panose="020B0304020202020204" pitchFamily="34" charset="0"/>
+                <a:ea typeface="+mn-ea"/>
+                <a:cs typeface="+mn-cs"/>
+              </a:rPr>
+              <a:t>Eine State-Variable wird genau wie jede andere Variable verwendet, allerdings werden Änderungen nur über die </a:t>
+            </a:r>
+            <a:r>
+              <a:rPr lang="de-AT" sz="1800" kern="1200" dirty="0" err="1">
+                <a:solidFill>
+                  <a:srgbClr val="000000"/>
+                </a:solidFill>
+                <a:effectLst/>
+                <a:latin typeface="Avenir Next LT Pro Light" panose="020B0304020202020204" pitchFamily="34" charset="0"/>
+                <a:ea typeface="+mn-ea"/>
+                <a:cs typeface="+mn-cs"/>
+              </a:rPr>
+              <a:t>Settermethode</a:t>
+            </a:r>
+            <a:r>
+              <a:rPr lang="de-AT" sz="1800" kern="1200" dirty="0">
+                <a:solidFill>
+                  <a:srgbClr val="000000"/>
+                </a:solidFill>
+                <a:effectLst/>
+                <a:latin typeface="Avenir Next LT Pro Light" panose="020B0304020202020204" pitchFamily="34" charset="0"/>
+                <a:ea typeface="+mn-ea"/>
+                <a:cs typeface="+mn-cs"/>
+              </a:rPr>
+              <a:t> veranlasst.</a:t>
+            </a:r>
+            <a:br>
+              <a:rPr lang="de-AT" sz="1800" kern="1200" dirty="0">
+                <a:solidFill>
+                  <a:srgbClr val="000000"/>
+                </a:solidFill>
+                <a:effectLst/>
+                <a:latin typeface="Avenir Next LT Pro Light" panose="020B0304020202020204" pitchFamily="34" charset="0"/>
+                <a:ea typeface="+mn-ea"/>
+                <a:cs typeface="+mn-cs"/>
+              </a:rPr>
+            </a:br>
+            <a:r>
+              <a:rPr lang="de-AT" sz="1800" kern="1200" dirty="0" err="1">
+                <a:solidFill>
+                  <a:srgbClr val="000000"/>
+                </a:solidFill>
+                <a:effectLst/>
+                <a:latin typeface="Avenir Next LT Pro Light" panose="020B0304020202020204" pitchFamily="34" charset="0"/>
+                <a:ea typeface="+mn-ea"/>
+                <a:cs typeface="+mn-cs"/>
+              </a:rPr>
+              <a:t>Bsp</a:t>
+            </a:r>
+            <a:r>
+              <a:rPr lang="de-AT" sz="1800" kern="1200" dirty="0">
+                <a:solidFill>
+                  <a:srgbClr val="000000"/>
+                </a:solidFill>
+                <a:effectLst/>
+                <a:latin typeface="Avenir Next LT Pro Light" panose="020B0304020202020204" pitchFamily="34" charset="0"/>
+                <a:ea typeface="+mn-ea"/>
+                <a:cs typeface="+mn-cs"/>
+              </a:rPr>
+              <a:t>: </a:t>
+            </a:r>
+            <a:r>
+              <a:rPr lang="de-AT" sz="1800" strike="sngStrike" kern="1200" dirty="0" err="1">
+                <a:solidFill>
+                  <a:srgbClr val="000000"/>
+                </a:solidFill>
+                <a:effectLst/>
+                <a:latin typeface="Avenir Next LT Pro Light" panose="020B0304020202020204" pitchFamily="34" charset="0"/>
+                <a:ea typeface="+mn-ea"/>
+                <a:cs typeface="+mn-cs"/>
+              </a:rPr>
+              <a:t>count</a:t>
+            </a:r>
+            <a:r>
+              <a:rPr lang="de-AT" sz="1800" strike="sngStrike" kern="1200" dirty="0">
+                <a:solidFill>
+                  <a:srgbClr val="000000"/>
+                </a:solidFill>
+                <a:effectLst/>
+                <a:latin typeface="Avenir Next LT Pro Light" panose="020B0304020202020204" pitchFamily="34" charset="0"/>
+                <a:ea typeface="+mn-ea"/>
+                <a:cs typeface="+mn-cs"/>
+              </a:rPr>
+              <a:t> = 2</a:t>
+            </a:r>
+            <a:r>
+              <a:rPr lang="de-AT" sz="1800" kern="1200" dirty="0">
+                <a:solidFill>
+                  <a:srgbClr val="000000"/>
+                </a:solidFill>
+                <a:effectLst/>
+                <a:latin typeface="Avenir Next LT Pro Light" panose="020B0304020202020204" pitchFamily="34" charset="0"/>
+                <a:ea typeface="+mn-ea"/>
+                <a:cs typeface="+mn-cs"/>
+              </a:rPr>
+              <a:t>  sondern </a:t>
+            </a:r>
+            <a:r>
+              <a:rPr lang="de-AT" sz="1800" kern="1200" dirty="0" err="1">
+                <a:solidFill>
+                  <a:srgbClr val="000000"/>
+                </a:solidFill>
+                <a:effectLst/>
+                <a:latin typeface="Avenir Next LT Pro Light" panose="020B0304020202020204" pitchFamily="34" charset="0"/>
+                <a:ea typeface="+mn-ea"/>
+                <a:cs typeface="+mn-cs"/>
+              </a:rPr>
+              <a:t>setCount</a:t>
+            </a:r>
+            <a:r>
+              <a:rPr lang="de-AT" sz="1800" kern="1200" dirty="0">
+                <a:solidFill>
+                  <a:srgbClr val="000000"/>
+                </a:solidFill>
+                <a:effectLst/>
+                <a:latin typeface="Avenir Next LT Pro Light" panose="020B0304020202020204" pitchFamily="34" charset="0"/>
+                <a:ea typeface="+mn-ea"/>
+                <a:cs typeface="+mn-cs"/>
+              </a:rPr>
+              <a:t>(2)</a:t>
+            </a:r>
+          </a:p>
+          <a:p>
+            <a:pPr marL="228600" indent="-228600" algn="l" rtl="0" eaLnBrk="1" latinLnBrk="0" hangingPunct="1">
+              <a:lnSpc>
+                <a:spcPct val="120000"/>
+              </a:lnSpc>
+              <a:spcBef>
+                <a:spcPts val="1000"/>
+              </a:spcBef>
+              <a:spcAft>
+                <a:spcPts val="0"/>
+              </a:spcAft>
+              <a:buClrTx/>
+              <a:buSzPts val="1700"/>
+              <a:buFont typeface="Arial" panose="020B0604020202020204" pitchFamily="34" charset="0"/>
+              <a:buChar char="•"/>
+            </a:pPr>
+            <a:r>
+              <a:rPr lang="de-AT" dirty="0">
+                <a:solidFill>
+                  <a:srgbClr val="000000"/>
+                </a:solidFill>
+                <a:latin typeface="Avenir Next LT Pro Light" panose="020B0304020202020204" pitchFamily="34" charset="0"/>
+              </a:rPr>
+              <a:t>Nach Konvention wird die </a:t>
+            </a:r>
+            <a:r>
+              <a:rPr lang="de-AT" dirty="0" err="1">
+                <a:solidFill>
+                  <a:srgbClr val="000000"/>
+                </a:solidFill>
+                <a:latin typeface="Avenir Next LT Pro Light" panose="020B0304020202020204" pitchFamily="34" charset="0"/>
+              </a:rPr>
+              <a:t>Settermethode</a:t>
+            </a:r>
+            <a:r>
+              <a:rPr lang="de-AT" dirty="0">
+                <a:solidFill>
+                  <a:srgbClr val="000000"/>
+                </a:solidFill>
+                <a:latin typeface="Avenir Next LT Pro Light" panose="020B0304020202020204" pitchFamily="34" charset="0"/>
+              </a:rPr>
+              <a:t> nach dem Schema „</a:t>
+            </a:r>
+            <a:r>
+              <a:rPr lang="de-AT" dirty="0" err="1">
+                <a:solidFill>
+                  <a:srgbClr val="000000"/>
+                </a:solidFill>
+                <a:latin typeface="Avenir Next LT Pro Light" panose="020B0304020202020204" pitchFamily="34" charset="0"/>
+              </a:rPr>
+              <a:t>set</a:t>
+            </a:r>
+            <a:r>
+              <a:rPr lang="de-AT" dirty="0">
+                <a:solidFill>
+                  <a:srgbClr val="000000"/>
+                </a:solidFill>
+                <a:latin typeface="Avenir Next LT Pro Light" panose="020B0304020202020204" pitchFamily="34" charset="0"/>
+              </a:rPr>
+              <a:t>“+Variablenname (großer Anfangsbuchstabe) benannt</a:t>
+            </a:r>
+            <a:endParaRPr lang="de-AT" sz="1800" dirty="0">
+              <a:effectLst/>
+            </a:endParaRPr>
+          </a:p>
+          <a:p>
+            <a:endParaRPr lang="de-AT" dirty="0"/>
           </a:p>
         </p:txBody>
       </p:sp>
       <p:pic>
         <p:nvPicPr>
-          <p:cNvPr id="4" name="Grafik 3">
-            <a:extLst>
-              <a:ext uri="{FF2B5EF4-FFF2-40B4-BE49-F238E27FC236}">
-                <a16:creationId xmlns:a16="http://schemas.microsoft.com/office/drawing/2014/main" id="{1ECC4204-021A-3751-E721-4342A75F3C00}"/>
+          <p:cNvPr id="7" name="Grafik 6">
+            <a:extLst>
+              <a:ext uri="{FF2B5EF4-FFF2-40B4-BE49-F238E27FC236}">
+                <a16:creationId xmlns:a16="http://schemas.microsoft.com/office/drawing/2014/main" id="{7B25A530-1427-271E-67A6-4EC9455E5075}"/>
               </a:ext>
             </a:extLst>
           </p:cNvPr>
@@ -10651,38 +10719,8 @@
         </p:blipFill>
         <p:spPr>
           <a:xfrm>
-            <a:off x="7935984" y="2057400"/>
-            <a:ext cx="3971799" cy="2210339"/>
-          </a:xfrm>
-          <a:prstGeom prst="rect">
-            <a:avLst/>
-          </a:prstGeom>
-        </p:spPr>
-      </p:pic>
-      <p:pic>
-        <p:nvPicPr>
-          <p:cNvPr id="6" name="Grafik 5">
-            <a:extLst>
-              <a:ext uri="{FF2B5EF4-FFF2-40B4-BE49-F238E27FC236}">
-                <a16:creationId xmlns:a16="http://schemas.microsoft.com/office/drawing/2014/main" id="{30051D8C-7F37-ED4D-D3E7-DA4FF244838E}"/>
-              </a:ext>
-            </a:extLst>
-          </p:cNvPr>
-          <p:cNvPicPr>
-            <a:picLocks noChangeAspect="1"/>
-          </p:cNvPicPr>
-          <p:nvPr/>
-        </p:nvPicPr>
-        <p:blipFill>
-          <a:blip r:embed="rId3"/>
-          <a:stretch>
-            <a:fillRect/>
-          </a:stretch>
-        </p:blipFill>
-        <p:spPr>
-          <a:xfrm>
-            <a:off x="8254767" y="4485423"/>
-            <a:ext cx="2707189" cy="1580414"/>
+            <a:off x="8041361" y="2320454"/>
+            <a:ext cx="3856360" cy="3078868"/>
           </a:xfrm>
           <a:prstGeom prst="rect">
             <a:avLst/>
@@ -10692,7 +10730,7 @@
     </p:spTree>
     <p:extLst>
       <p:ext uri="{BB962C8B-B14F-4D97-AF65-F5344CB8AC3E}">
-        <p14:creationId xmlns:p14="http://schemas.microsoft.com/office/powerpoint/2010/main" val="998170874"/>
+        <p14:creationId xmlns:p14="http://schemas.microsoft.com/office/powerpoint/2010/main" val="3864776925"/>
       </p:ext>
     </p:extLst>
   </p:cSld>
@@ -10724,6 +10762,190 @@
           <p:cNvPr id="2" name="Titel 1">
             <a:extLst>
               <a:ext uri="{FF2B5EF4-FFF2-40B4-BE49-F238E27FC236}">
+                <a16:creationId xmlns:a16="http://schemas.microsoft.com/office/drawing/2014/main" id="{762D4181-A115-7F22-1952-0A114A6892A1}"/>
+              </a:ext>
+            </a:extLst>
+          </p:cNvPr>
+          <p:cNvSpPr>
+            <a:spLocks noGrp="1"/>
+          </p:cNvSpPr>
+          <p:nvPr>
+            <p:ph type="title"/>
+          </p:nvPr>
+        </p:nvSpPr>
+        <p:spPr>
+          <a:xfrm>
+            <a:off x="973123" y="685800"/>
+            <a:ext cx="9580578" cy="1371600"/>
+          </a:xfrm>
+        </p:spPr>
+        <p:txBody>
+          <a:bodyPr/>
+          <a:lstStyle/>
+          <a:p>
+            <a:r>
+              <a:rPr lang="de-AT" dirty="0"/>
+              <a:t>Übung „The Dice Game“</a:t>
+            </a:r>
+          </a:p>
+        </p:txBody>
+      </p:sp>
+      <p:sp>
+        <p:nvSpPr>
+          <p:cNvPr id="3" name="Inhaltsplatzhalter 2">
+            <a:extLst>
+              <a:ext uri="{FF2B5EF4-FFF2-40B4-BE49-F238E27FC236}">
+                <a16:creationId xmlns:a16="http://schemas.microsoft.com/office/drawing/2014/main" id="{B88CA1EC-F8D8-8168-D2C6-53A3BB562FD5}"/>
+              </a:ext>
+            </a:extLst>
+          </p:cNvPr>
+          <p:cNvSpPr>
+            <a:spLocks noGrp="1"/>
+          </p:cNvSpPr>
+          <p:nvPr>
+            <p:ph idx="1"/>
+          </p:nvPr>
+        </p:nvSpPr>
+        <p:spPr>
+          <a:xfrm>
+            <a:off x="685800" y="2057400"/>
+            <a:ext cx="6720840" cy="4137259"/>
+          </a:xfrm>
+        </p:spPr>
+        <p:txBody>
+          <a:bodyPr/>
+          <a:lstStyle/>
+          <a:p>
+            <a:r>
+              <a:rPr lang="de-AT" dirty="0"/>
+              <a:t>Erweitere deine „</a:t>
+            </a:r>
+            <a:r>
+              <a:rPr lang="de-AT" dirty="0" err="1"/>
+              <a:t>DiceGame</a:t>
+            </a:r>
+            <a:r>
+              <a:rPr lang="de-AT" dirty="0"/>
+              <a:t>“ Komponente um einen Button „</a:t>
+            </a:r>
+            <a:r>
+              <a:rPr lang="de-AT" dirty="0" err="1"/>
+              <a:t>NewGameButton</a:t>
+            </a:r>
+            <a:r>
+              <a:rPr lang="de-AT" dirty="0"/>
+              <a:t>“ der das Spiel erneut startet und die Würfel neu würfelt.</a:t>
+            </a:r>
+          </a:p>
+          <a:p>
+            <a:r>
+              <a:rPr lang="de-AT" dirty="0"/>
+              <a:t>Verwende eine 2 State-Variablen um die Augenzahlen der Würfel zu bestimmen</a:t>
+            </a:r>
+          </a:p>
+          <a:p>
+            <a:r>
+              <a:rPr lang="de-AT" dirty="0"/>
+              <a:t>Verwende eine State-Variable um den Gewinner zu definieren</a:t>
+            </a:r>
+          </a:p>
+        </p:txBody>
+      </p:sp>
+      <p:pic>
+        <p:nvPicPr>
+          <p:cNvPr id="4" name="Grafik 3">
+            <a:extLst>
+              <a:ext uri="{FF2B5EF4-FFF2-40B4-BE49-F238E27FC236}">
+                <a16:creationId xmlns:a16="http://schemas.microsoft.com/office/drawing/2014/main" id="{1ECC4204-021A-3751-E721-4342A75F3C00}"/>
+              </a:ext>
+            </a:extLst>
+          </p:cNvPr>
+          <p:cNvPicPr>
+            <a:picLocks noChangeAspect="1"/>
+          </p:cNvPicPr>
+          <p:nvPr/>
+        </p:nvPicPr>
+        <p:blipFill>
+          <a:blip r:embed="rId2"/>
+          <a:stretch>
+            <a:fillRect/>
+          </a:stretch>
+        </p:blipFill>
+        <p:spPr>
+          <a:xfrm>
+            <a:off x="7935984" y="2057400"/>
+            <a:ext cx="3971799" cy="2210339"/>
+          </a:xfrm>
+          <a:prstGeom prst="rect">
+            <a:avLst/>
+          </a:prstGeom>
+        </p:spPr>
+      </p:pic>
+      <p:pic>
+        <p:nvPicPr>
+          <p:cNvPr id="6" name="Grafik 5">
+            <a:extLst>
+              <a:ext uri="{FF2B5EF4-FFF2-40B4-BE49-F238E27FC236}">
+                <a16:creationId xmlns:a16="http://schemas.microsoft.com/office/drawing/2014/main" id="{30051D8C-7F37-ED4D-D3E7-DA4FF244838E}"/>
+              </a:ext>
+            </a:extLst>
+          </p:cNvPr>
+          <p:cNvPicPr>
+            <a:picLocks noChangeAspect="1"/>
+          </p:cNvPicPr>
+          <p:nvPr/>
+        </p:nvPicPr>
+        <p:blipFill>
+          <a:blip r:embed="rId3"/>
+          <a:stretch>
+            <a:fillRect/>
+          </a:stretch>
+        </p:blipFill>
+        <p:spPr>
+          <a:xfrm>
+            <a:off x="8254767" y="4485423"/>
+            <a:ext cx="2707189" cy="1580414"/>
+          </a:xfrm>
+          <a:prstGeom prst="rect">
+            <a:avLst/>
+          </a:prstGeom>
+        </p:spPr>
+      </p:pic>
+    </p:spTree>
+    <p:extLst>
+      <p:ext uri="{BB962C8B-B14F-4D97-AF65-F5344CB8AC3E}">
+        <p14:creationId xmlns:p14="http://schemas.microsoft.com/office/powerpoint/2010/main" val="998170874"/>
+      </p:ext>
+    </p:extLst>
+  </p:cSld>
+  <p:clrMapOvr>
+    <a:masterClrMapping/>
+  </p:clrMapOvr>
+</p:sld>
+</file>
+
+<file path=ppt/slides/slide38.xml><?xml version="1.0" encoding="utf-8"?>
+<p:sld xmlns:a="http://schemas.openxmlformats.org/drawingml/2006/main" xmlns:r="http://schemas.openxmlformats.org/officeDocument/2006/relationships" xmlns:p="http://schemas.openxmlformats.org/presentationml/2006/main">
+  <p:cSld>
+    <p:spTree>
+      <p:nvGrpSpPr>
+        <p:cNvPr id="1" name=""/>
+        <p:cNvGrpSpPr/>
+        <p:nvPr/>
+      </p:nvGrpSpPr>
+      <p:grpSpPr>
+        <a:xfrm>
+          <a:off x="0" y="0"/>
+          <a:ext cx="0" cy="0"/>
+          <a:chOff x="0" y="0"/>
+          <a:chExt cx="0" cy="0"/>
+        </a:xfrm>
+      </p:grpSpPr>
+      <p:sp>
+        <p:nvSpPr>
+          <p:cNvPr id="2" name="Titel 1">
+            <a:extLst>
+              <a:ext uri="{FF2B5EF4-FFF2-40B4-BE49-F238E27FC236}">
                 <a16:creationId xmlns:a16="http://schemas.microsoft.com/office/drawing/2014/main" id="{F2566EC5-2F02-9CE4-E55C-180B75C74458}"/>
               </a:ext>
             </a:extLst>
@@ -10908,7 +11130,7 @@
 </p:sld>
 </file>
 
-<file path=ppt/slides/slide38.xml><?xml version="1.0" encoding="utf-8"?>
+<file path=ppt/slides/slide39.xml><?xml version="1.0" encoding="utf-8"?>
 <p:sld xmlns:a="http://schemas.openxmlformats.org/drawingml/2006/main" xmlns:r="http://schemas.openxmlformats.org/officeDocument/2006/relationships" xmlns:p="http://schemas.openxmlformats.org/presentationml/2006/main">
   <p:cSld>
     <p:spTree>
@@ -11293,7 +11515,7 @@
           <p:nvPr/>
         </p:nvPicPr>
         <p:blipFill>
-          <a:blip r:embed="rId2">
+          <a:blip r:embed="rId2" cstate="hqprint">
             <a:extLst>
               <a:ext uri="{28A0092B-C50C-407E-A947-70E740481C1C}">
                 <a14:useLocalDpi xmlns:a14="http://schemas.microsoft.com/office/drawing/2010/main" val="0"/>
@@ -11898,7 +12120,7 @@
                 <a16:creationId xmlns:a16="http://schemas.microsoft.com/office/drawing/2014/main" id="{BE229233-9672-4675-99B7-6CBCEF1CD415}"/>
               </a:ext>
               <a:ext uri="{C183D7F6-B498-43B3-948B-1728B52AA6E4}">
-                <adec:decorative xmlns:adec="http://schemas.microsoft.com/office/drawing/2017/decorative" val="1"/>
+                <adec:decorative xmlns:adec="http://schemas.microsoft.com/office/drawing/2017/decorative" xmlns="" val="1"/>
               </a:ext>
             </a:extLst>
           </p:cNvPr>
@@ -11993,7 +12215,7 @@
                 <a16:creationId xmlns:a16="http://schemas.microsoft.com/office/drawing/2014/main" id="{EC5FF010-B53C-46BE-BEEF-AF926A00F67F}"/>
               </a:ext>
               <a:ext uri="{C183D7F6-B498-43B3-948B-1728B52AA6E4}">
-                <adec:decorative xmlns:adec="http://schemas.microsoft.com/office/drawing/2017/decorative" val="1"/>
+                <adec:decorative xmlns:adec="http://schemas.microsoft.com/office/drawing/2017/decorative" xmlns="" val="1"/>
               </a:ext>
             </a:extLst>
           </p:cNvPr>
@@ -12059,7 +12281,7 @@
                 <a16:creationId xmlns:a16="http://schemas.microsoft.com/office/drawing/2014/main" id="{8509AD9C-1F43-4138-A72B-8CA988EDD475}"/>
               </a:ext>
               <a:ext uri="{C183D7F6-B498-43B3-948B-1728B52AA6E4}">
-                <adec:decorative xmlns:adec="http://schemas.microsoft.com/office/drawing/2017/decorative" val="1"/>
+                <adec:decorative xmlns:adec="http://schemas.microsoft.com/office/drawing/2017/decorative" xmlns="" val="1"/>
               </a:ext>
             </a:extLst>
           </p:cNvPr>
@@ -12168,7 +12390,7 @@
           <p:nvPr/>
         </p:nvPicPr>
         <p:blipFill>
-          <a:blip r:embed="rId3">
+          <a:blip r:embed="rId3" cstate="hqprint">
             <a:extLst>
               <a:ext uri="{28A0092B-C50C-407E-A947-70E740481C1C}">
                 <a14:useLocalDpi xmlns:a14="http://schemas.microsoft.com/office/drawing/2010/main" val="0"/>

--- a/9. React/React.pptx
+++ b/9. React/React.pptx
@@ -5,7 +5,7 @@
     <p:sldMasterId id="2147483686" r:id="rId1"/>
   </p:sldMasterIdLst>
   <p:notesMasterIdLst>
-    <p:notesMasterId r:id="rId41"/>
+    <p:notesMasterId r:id="rId54"/>
   </p:notesMasterIdLst>
   <p:sldIdLst>
     <p:sldId id="256" r:id="rId2"/>
@@ -46,7 +46,20 @@
     <p:sldId id="555" r:id="rId37"/>
     <p:sldId id="558" r:id="rId38"/>
     <p:sldId id="539" r:id="rId39"/>
-    <p:sldId id="292" r:id="rId40"/>
+    <p:sldId id="560" r:id="rId40"/>
+    <p:sldId id="562" r:id="rId41"/>
+    <p:sldId id="563" r:id="rId42"/>
+    <p:sldId id="565" r:id="rId43"/>
+    <p:sldId id="564" r:id="rId44"/>
+    <p:sldId id="566" r:id="rId45"/>
+    <p:sldId id="567" r:id="rId46"/>
+    <p:sldId id="568" r:id="rId47"/>
+    <p:sldId id="569" r:id="rId48"/>
+    <p:sldId id="570" r:id="rId49"/>
+    <p:sldId id="571" r:id="rId50"/>
+    <p:sldId id="573" r:id="rId51"/>
+    <p:sldId id="572" r:id="rId52"/>
+    <p:sldId id="292" r:id="rId53"/>
   </p:sldIdLst>
   <p:sldSz cx="12192000" cy="6858000"/>
   <p:notesSz cx="6858000" cy="9144000"/>
@@ -235,7 +248,7 @@
           <a:p>
             <a:fld id="{4F8CDAC1-6FCA-45D2-8937-C5FBB2AD5D5F}" type="datetimeFigureOut">
               <a:rPr lang="en-US" smtClean="0"/>
-              <a:t>2/20/2024</a:t>
+              <a:t>2/26/2024</a:t>
             </a:fld>
             <a:endParaRPr lang="en-US"/>
           </a:p>
@@ -503,6 +516,678 @@
 </p:notesMaster>
 </file>
 
+<file path=ppt/notesSlides/notesSlide1.xml><?xml version="1.0" encoding="utf-8"?>
+<p:notes xmlns:a="http://schemas.openxmlformats.org/drawingml/2006/main" xmlns:r="http://schemas.openxmlformats.org/officeDocument/2006/relationships" xmlns:p="http://schemas.openxmlformats.org/presentationml/2006/main">
+  <p:cSld>
+    <p:spTree>
+      <p:nvGrpSpPr>
+        <p:cNvPr id="1" name=""/>
+        <p:cNvGrpSpPr/>
+        <p:nvPr/>
+      </p:nvGrpSpPr>
+      <p:grpSpPr>
+        <a:xfrm>
+          <a:off x="0" y="0"/>
+          <a:ext cx="0" cy="0"/>
+          <a:chOff x="0" y="0"/>
+          <a:chExt cx="0" cy="0"/>
+        </a:xfrm>
+      </p:grpSpPr>
+      <p:sp>
+        <p:nvSpPr>
+          <p:cNvPr id="2" name="Folienbildplatzhalter 1"/>
+          <p:cNvSpPr>
+            <a:spLocks noGrp="1" noRot="1" noChangeAspect="1"/>
+          </p:cNvSpPr>
+          <p:nvPr>
+            <p:ph type="sldImg"/>
+          </p:nvPr>
+        </p:nvSpPr>
+        <p:spPr/>
+      </p:sp>
+      <p:sp>
+        <p:nvSpPr>
+          <p:cNvPr id="3" name="Notizenplatzhalter 2"/>
+          <p:cNvSpPr>
+            <a:spLocks noGrp="1"/>
+          </p:cNvSpPr>
+          <p:nvPr>
+            <p:ph type="body" idx="1"/>
+          </p:nvPr>
+        </p:nvSpPr>
+        <p:spPr/>
+        <p:txBody>
+          <a:bodyPr/>
+          <a:lstStyle/>
+          <a:p>
+            <a:endParaRPr lang="de-AT" dirty="0"/>
+          </a:p>
+        </p:txBody>
+      </p:sp>
+      <p:sp>
+        <p:nvSpPr>
+          <p:cNvPr id="4" name="Foliennummernplatzhalter 3"/>
+          <p:cNvSpPr>
+            <a:spLocks noGrp="1"/>
+          </p:cNvSpPr>
+          <p:nvPr>
+            <p:ph type="sldNum" sz="quarter" idx="5"/>
+          </p:nvPr>
+        </p:nvSpPr>
+        <p:spPr/>
+        <p:txBody>
+          <a:bodyPr/>
+          <a:lstStyle/>
+          <a:p>
+            <a:fld id="{626B60C3-44C3-43DA-B37B-CB760CF063AA}" type="slidenum">
+              <a:rPr lang="en-US" smtClean="0"/>
+              <a:t>40</a:t>
+            </a:fld>
+            <a:endParaRPr lang="en-US"/>
+          </a:p>
+        </p:txBody>
+      </p:sp>
+    </p:spTree>
+    <p:extLst>
+      <p:ext uri="{BB962C8B-B14F-4D97-AF65-F5344CB8AC3E}">
+        <p14:creationId xmlns:p14="http://schemas.microsoft.com/office/powerpoint/2010/main" val="61674516"/>
+      </p:ext>
+    </p:extLst>
+  </p:cSld>
+  <p:clrMapOvr>
+    <a:masterClrMapping/>
+  </p:clrMapOvr>
+</p:notes>
+</file>
+
+<file path=ppt/notesSlides/notesSlide2.xml><?xml version="1.0" encoding="utf-8"?>
+<p:notes xmlns:a="http://schemas.openxmlformats.org/drawingml/2006/main" xmlns:r="http://schemas.openxmlformats.org/officeDocument/2006/relationships" xmlns:p="http://schemas.openxmlformats.org/presentationml/2006/main">
+  <p:cSld>
+    <p:spTree>
+      <p:nvGrpSpPr>
+        <p:cNvPr id="1" name=""/>
+        <p:cNvGrpSpPr/>
+        <p:nvPr/>
+      </p:nvGrpSpPr>
+      <p:grpSpPr>
+        <a:xfrm>
+          <a:off x="0" y="0"/>
+          <a:ext cx="0" cy="0"/>
+          <a:chOff x="0" y="0"/>
+          <a:chExt cx="0" cy="0"/>
+        </a:xfrm>
+      </p:grpSpPr>
+      <p:sp>
+        <p:nvSpPr>
+          <p:cNvPr id="2" name="Folienbildplatzhalter 1"/>
+          <p:cNvSpPr>
+            <a:spLocks noGrp="1" noRot="1" noChangeAspect="1"/>
+          </p:cNvSpPr>
+          <p:nvPr>
+            <p:ph type="sldImg"/>
+          </p:nvPr>
+        </p:nvSpPr>
+        <p:spPr/>
+      </p:sp>
+      <p:sp>
+        <p:nvSpPr>
+          <p:cNvPr id="3" name="Notizenplatzhalter 2"/>
+          <p:cNvSpPr>
+            <a:spLocks noGrp="1"/>
+          </p:cNvSpPr>
+          <p:nvPr>
+            <p:ph type="body" idx="1"/>
+          </p:nvPr>
+        </p:nvSpPr>
+        <p:spPr/>
+        <p:txBody>
+          <a:bodyPr/>
+          <a:lstStyle/>
+          <a:p>
+            <a:endParaRPr lang="de-AT" dirty="0"/>
+          </a:p>
+        </p:txBody>
+      </p:sp>
+      <p:sp>
+        <p:nvSpPr>
+          <p:cNvPr id="4" name="Foliennummernplatzhalter 3"/>
+          <p:cNvSpPr>
+            <a:spLocks noGrp="1"/>
+          </p:cNvSpPr>
+          <p:nvPr>
+            <p:ph type="sldNum" sz="quarter" idx="5"/>
+          </p:nvPr>
+        </p:nvSpPr>
+        <p:spPr/>
+        <p:txBody>
+          <a:bodyPr/>
+          <a:lstStyle/>
+          <a:p>
+            <a:fld id="{626B60C3-44C3-43DA-B37B-CB760CF063AA}" type="slidenum">
+              <a:rPr lang="en-US" smtClean="0"/>
+              <a:t>41</a:t>
+            </a:fld>
+            <a:endParaRPr lang="en-US"/>
+          </a:p>
+        </p:txBody>
+      </p:sp>
+    </p:spTree>
+    <p:extLst>
+      <p:ext uri="{BB962C8B-B14F-4D97-AF65-F5344CB8AC3E}">
+        <p14:creationId xmlns:p14="http://schemas.microsoft.com/office/powerpoint/2010/main" val="3341846493"/>
+      </p:ext>
+    </p:extLst>
+  </p:cSld>
+  <p:clrMapOvr>
+    <a:masterClrMapping/>
+  </p:clrMapOvr>
+</p:notes>
+</file>
+
+<file path=ppt/notesSlides/notesSlide3.xml><?xml version="1.0" encoding="utf-8"?>
+<p:notes xmlns:a="http://schemas.openxmlformats.org/drawingml/2006/main" xmlns:r="http://schemas.openxmlformats.org/officeDocument/2006/relationships" xmlns:p="http://schemas.openxmlformats.org/presentationml/2006/main">
+  <p:cSld>
+    <p:spTree>
+      <p:nvGrpSpPr>
+        <p:cNvPr id="1" name=""/>
+        <p:cNvGrpSpPr/>
+        <p:nvPr/>
+      </p:nvGrpSpPr>
+      <p:grpSpPr>
+        <a:xfrm>
+          <a:off x="0" y="0"/>
+          <a:ext cx="0" cy="0"/>
+          <a:chOff x="0" y="0"/>
+          <a:chExt cx="0" cy="0"/>
+        </a:xfrm>
+      </p:grpSpPr>
+      <p:sp>
+        <p:nvSpPr>
+          <p:cNvPr id="2" name="Folienbildplatzhalter 1"/>
+          <p:cNvSpPr>
+            <a:spLocks noGrp="1" noRot="1" noChangeAspect="1"/>
+          </p:cNvSpPr>
+          <p:nvPr>
+            <p:ph type="sldImg"/>
+          </p:nvPr>
+        </p:nvSpPr>
+        <p:spPr/>
+      </p:sp>
+      <p:sp>
+        <p:nvSpPr>
+          <p:cNvPr id="3" name="Notizenplatzhalter 2"/>
+          <p:cNvSpPr>
+            <a:spLocks noGrp="1"/>
+          </p:cNvSpPr>
+          <p:nvPr>
+            <p:ph type="body" idx="1"/>
+          </p:nvPr>
+        </p:nvSpPr>
+        <p:spPr/>
+        <p:txBody>
+          <a:bodyPr/>
+          <a:lstStyle/>
+          <a:p>
+            <a:endParaRPr lang="de-AT" dirty="0"/>
+          </a:p>
+        </p:txBody>
+      </p:sp>
+      <p:sp>
+        <p:nvSpPr>
+          <p:cNvPr id="4" name="Foliennummernplatzhalter 3"/>
+          <p:cNvSpPr>
+            <a:spLocks noGrp="1"/>
+          </p:cNvSpPr>
+          <p:nvPr>
+            <p:ph type="sldNum" sz="quarter" idx="5"/>
+          </p:nvPr>
+        </p:nvSpPr>
+        <p:spPr/>
+        <p:txBody>
+          <a:bodyPr/>
+          <a:lstStyle/>
+          <a:p>
+            <a:fld id="{626B60C3-44C3-43DA-B37B-CB760CF063AA}" type="slidenum">
+              <a:rPr lang="en-US" smtClean="0"/>
+              <a:t>42</a:t>
+            </a:fld>
+            <a:endParaRPr lang="en-US"/>
+          </a:p>
+        </p:txBody>
+      </p:sp>
+    </p:spTree>
+    <p:extLst>
+      <p:ext uri="{BB962C8B-B14F-4D97-AF65-F5344CB8AC3E}">
+        <p14:creationId xmlns:p14="http://schemas.microsoft.com/office/powerpoint/2010/main" val="1496091221"/>
+      </p:ext>
+    </p:extLst>
+  </p:cSld>
+  <p:clrMapOvr>
+    <a:masterClrMapping/>
+  </p:clrMapOvr>
+</p:notes>
+</file>
+
+<file path=ppt/notesSlides/notesSlide4.xml><?xml version="1.0" encoding="utf-8"?>
+<p:notes xmlns:a="http://schemas.openxmlformats.org/drawingml/2006/main" xmlns:r="http://schemas.openxmlformats.org/officeDocument/2006/relationships" xmlns:p="http://schemas.openxmlformats.org/presentationml/2006/main">
+  <p:cSld>
+    <p:spTree>
+      <p:nvGrpSpPr>
+        <p:cNvPr id="1" name=""/>
+        <p:cNvGrpSpPr/>
+        <p:nvPr/>
+      </p:nvGrpSpPr>
+      <p:grpSpPr>
+        <a:xfrm>
+          <a:off x="0" y="0"/>
+          <a:ext cx="0" cy="0"/>
+          <a:chOff x="0" y="0"/>
+          <a:chExt cx="0" cy="0"/>
+        </a:xfrm>
+      </p:grpSpPr>
+      <p:sp>
+        <p:nvSpPr>
+          <p:cNvPr id="2" name="Folienbildplatzhalter 1"/>
+          <p:cNvSpPr>
+            <a:spLocks noGrp="1" noRot="1" noChangeAspect="1"/>
+          </p:cNvSpPr>
+          <p:nvPr>
+            <p:ph type="sldImg"/>
+          </p:nvPr>
+        </p:nvSpPr>
+        <p:spPr/>
+      </p:sp>
+      <p:sp>
+        <p:nvSpPr>
+          <p:cNvPr id="3" name="Notizenplatzhalter 2"/>
+          <p:cNvSpPr>
+            <a:spLocks noGrp="1"/>
+          </p:cNvSpPr>
+          <p:nvPr>
+            <p:ph type="body" idx="1"/>
+          </p:nvPr>
+        </p:nvSpPr>
+        <p:spPr/>
+        <p:txBody>
+          <a:bodyPr/>
+          <a:lstStyle/>
+          <a:p>
+            <a:endParaRPr lang="de-AT" dirty="0"/>
+          </a:p>
+        </p:txBody>
+      </p:sp>
+      <p:sp>
+        <p:nvSpPr>
+          <p:cNvPr id="4" name="Foliennummernplatzhalter 3"/>
+          <p:cNvSpPr>
+            <a:spLocks noGrp="1"/>
+          </p:cNvSpPr>
+          <p:nvPr>
+            <p:ph type="sldNum" sz="quarter" idx="5"/>
+          </p:nvPr>
+        </p:nvSpPr>
+        <p:spPr/>
+        <p:txBody>
+          <a:bodyPr/>
+          <a:lstStyle/>
+          <a:p>
+            <a:fld id="{626B60C3-44C3-43DA-B37B-CB760CF063AA}" type="slidenum">
+              <a:rPr lang="en-US" smtClean="0"/>
+              <a:t>44</a:t>
+            </a:fld>
+            <a:endParaRPr lang="en-US"/>
+          </a:p>
+        </p:txBody>
+      </p:sp>
+    </p:spTree>
+    <p:extLst>
+      <p:ext uri="{BB962C8B-B14F-4D97-AF65-F5344CB8AC3E}">
+        <p14:creationId xmlns:p14="http://schemas.microsoft.com/office/powerpoint/2010/main" val="947473230"/>
+      </p:ext>
+    </p:extLst>
+  </p:cSld>
+  <p:clrMapOvr>
+    <a:masterClrMapping/>
+  </p:clrMapOvr>
+</p:notes>
+</file>
+
+<file path=ppt/notesSlides/notesSlide5.xml><?xml version="1.0" encoding="utf-8"?>
+<p:notes xmlns:a="http://schemas.openxmlformats.org/drawingml/2006/main" xmlns:r="http://schemas.openxmlformats.org/officeDocument/2006/relationships" xmlns:p="http://schemas.openxmlformats.org/presentationml/2006/main">
+  <p:cSld>
+    <p:spTree>
+      <p:nvGrpSpPr>
+        <p:cNvPr id="1" name=""/>
+        <p:cNvGrpSpPr/>
+        <p:nvPr/>
+      </p:nvGrpSpPr>
+      <p:grpSpPr>
+        <a:xfrm>
+          <a:off x="0" y="0"/>
+          <a:ext cx="0" cy="0"/>
+          <a:chOff x="0" y="0"/>
+          <a:chExt cx="0" cy="0"/>
+        </a:xfrm>
+      </p:grpSpPr>
+      <p:sp>
+        <p:nvSpPr>
+          <p:cNvPr id="2" name="Folienbildplatzhalter 1"/>
+          <p:cNvSpPr>
+            <a:spLocks noGrp="1" noRot="1" noChangeAspect="1"/>
+          </p:cNvSpPr>
+          <p:nvPr>
+            <p:ph type="sldImg"/>
+          </p:nvPr>
+        </p:nvSpPr>
+        <p:spPr/>
+      </p:sp>
+      <p:sp>
+        <p:nvSpPr>
+          <p:cNvPr id="3" name="Notizenplatzhalter 2"/>
+          <p:cNvSpPr>
+            <a:spLocks noGrp="1"/>
+          </p:cNvSpPr>
+          <p:nvPr>
+            <p:ph type="body" idx="1"/>
+          </p:nvPr>
+        </p:nvSpPr>
+        <p:spPr/>
+        <p:txBody>
+          <a:bodyPr/>
+          <a:lstStyle/>
+          <a:p>
+            <a:endParaRPr lang="de-AT" dirty="0"/>
+          </a:p>
+        </p:txBody>
+      </p:sp>
+      <p:sp>
+        <p:nvSpPr>
+          <p:cNvPr id="4" name="Foliennummernplatzhalter 3"/>
+          <p:cNvSpPr>
+            <a:spLocks noGrp="1"/>
+          </p:cNvSpPr>
+          <p:nvPr>
+            <p:ph type="sldNum" sz="quarter" idx="5"/>
+          </p:nvPr>
+        </p:nvSpPr>
+        <p:spPr/>
+        <p:txBody>
+          <a:bodyPr/>
+          <a:lstStyle/>
+          <a:p>
+            <a:fld id="{626B60C3-44C3-43DA-B37B-CB760CF063AA}" type="slidenum">
+              <a:rPr lang="en-US" smtClean="0"/>
+              <a:t>48</a:t>
+            </a:fld>
+            <a:endParaRPr lang="en-US"/>
+          </a:p>
+        </p:txBody>
+      </p:sp>
+    </p:spTree>
+    <p:extLst>
+      <p:ext uri="{BB962C8B-B14F-4D97-AF65-F5344CB8AC3E}">
+        <p14:creationId xmlns:p14="http://schemas.microsoft.com/office/powerpoint/2010/main" val="3383610707"/>
+      </p:ext>
+    </p:extLst>
+  </p:cSld>
+  <p:clrMapOvr>
+    <a:masterClrMapping/>
+  </p:clrMapOvr>
+</p:notes>
+</file>
+
+<file path=ppt/notesSlides/notesSlide6.xml><?xml version="1.0" encoding="utf-8"?>
+<p:notes xmlns:a="http://schemas.openxmlformats.org/drawingml/2006/main" xmlns:r="http://schemas.openxmlformats.org/officeDocument/2006/relationships" xmlns:p="http://schemas.openxmlformats.org/presentationml/2006/main">
+  <p:cSld>
+    <p:spTree>
+      <p:nvGrpSpPr>
+        <p:cNvPr id="1" name=""/>
+        <p:cNvGrpSpPr/>
+        <p:nvPr/>
+      </p:nvGrpSpPr>
+      <p:grpSpPr>
+        <a:xfrm>
+          <a:off x="0" y="0"/>
+          <a:ext cx="0" cy="0"/>
+          <a:chOff x="0" y="0"/>
+          <a:chExt cx="0" cy="0"/>
+        </a:xfrm>
+      </p:grpSpPr>
+      <p:sp>
+        <p:nvSpPr>
+          <p:cNvPr id="2" name="Folienbildplatzhalter 1"/>
+          <p:cNvSpPr>
+            <a:spLocks noGrp="1" noRot="1" noChangeAspect="1"/>
+          </p:cNvSpPr>
+          <p:nvPr>
+            <p:ph type="sldImg"/>
+          </p:nvPr>
+        </p:nvSpPr>
+        <p:spPr/>
+      </p:sp>
+      <p:sp>
+        <p:nvSpPr>
+          <p:cNvPr id="3" name="Notizenplatzhalter 2"/>
+          <p:cNvSpPr>
+            <a:spLocks noGrp="1"/>
+          </p:cNvSpPr>
+          <p:nvPr>
+            <p:ph type="body" idx="1"/>
+          </p:nvPr>
+        </p:nvSpPr>
+        <p:spPr/>
+        <p:txBody>
+          <a:bodyPr/>
+          <a:lstStyle/>
+          <a:p>
+            <a:endParaRPr lang="de-AT" dirty="0"/>
+          </a:p>
+        </p:txBody>
+      </p:sp>
+      <p:sp>
+        <p:nvSpPr>
+          <p:cNvPr id="4" name="Foliennummernplatzhalter 3"/>
+          <p:cNvSpPr>
+            <a:spLocks noGrp="1"/>
+          </p:cNvSpPr>
+          <p:nvPr>
+            <p:ph type="sldNum" sz="quarter" idx="5"/>
+          </p:nvPr>
+        </p:nvSpPr>
+        <p:spPr/>
+        <p:txBody>
+          <a:bodyPr/>
+          <a:lstStyle/>
+          <a:p>
+            <a:fld id="{626B60C3-44C3-43DA-B37B-CB760CF063AA}" type="slidenum">
+              <a:rPr lang="en-US" smtClean="0"/>
+              <a:t>49</a:t>
+            </a:fld>
+            <a:endParaRPr lang="en-US"/>
+          </a:p>
+        </p:txBody>
+      </p:sp>
+    </p:spTree>
+    <p:extLst>
+      <p:ext uri="{BB962C8B-B14F-4D97-AF65-F5344CB8AC3E}">
+        <p14:creationId xmlns:p14="http://schemas.microsoft.com/office/powerpoint/2010/main" val="1273762395"/>
+      </p:ext>
+    </p:extLst>
+  </p:cSld>
+  <p:clrMapOvr>
+    <a:masterClrMapping/>
+  </p:clrMapOvr>
+</p:notes>
+</file>
+
+<file path=ppt/notesSlides/notesSlide7.xml><?xml version="1.0" encoding="utf-8"?>
+<p:notes xmlns:a="http://schemas.openxmlformats.org/drawingml/2006/main" xmlns:r="http://schemas.openxmlformats.org/officeDocument/2006/relationships" xmlns:p="http://schemas.openxmlformats.org/presentationml/2006/main">
+  <p:cSld>
+    <p:spTree>
+      <p:nvGrpSpPr>
+        <p:cNvPr id="1" name=""/>
+        <p:cNvGrpSpPr/>
+        <p:nvPr/>
+      </p:nvGrpSpPr>
+      <p:grpSpPr>
+        <a:xfrm>
+          <a:off x="0" y="0"/>
+          <a:ext cx="0" cy="0"/>
+          <a:chOff x="0" y="0"/>
+          <a:chExt cx="0" cy="0"/>
+        </a:xfrm>
+      </p:grpSpPr>
+      <p:sp>
+        <p:nvSpPr>
+          <p:cNvPr id="2" name="Folienbildplatzhalter 1"/>
+          <p:cNvSpPr>
+            <a:spLocks noGrp="1" noRot="1" noChangeAspect="1"/>
+          </p:cNvSpPr>
+          <p:nvPr>
+            <p:ph type="sldImg"/>
+          </p:nvPr>
+        </p:nvSpPr>
+        <p:spPr/>
+      </p:sp>
+      <p:sp>
+        <p:nvSpPr>
+          <p:cNvPr id="3" name="Notizenplatzhalter 2"/>
+          <p:cNvSpPr>
+            <a:spLocks noGrp="1"/>
+          </p:cNvSpPr>
+          <p:nvPr>
+            <p:ph type="body" idx="1"/>
+          </p:nvPr>
+        </p:nvSpPr>
+        <p:spPr/>
+        <p:txBody>
+          <a:bodyPr/>
+          <a:lstStyle/>
+          <a:p>
+            <a:endParaRPr lang="de-AT" dirty="0"/>
+          </a:p>
+        </p:txBody>
+      </p:sp>
+      <p:sp>
+        <p:nvSpPr>
+          <p:cNvPr id="4" name="Foliennummernplatzhalter 3"/>
+          <p:cNvSpPr>
+            <a:spLocks noGrp="1"/>
+          </p:cNvSpPr>
+          <p:nvPr>
+            <p:ph type="sldNum" sz="quarter" idx="5"/>
+          </p:nvPr>
+        </p:nvSpPr>
+        <p:spPr/>
+        <p:txBody>
+          <a:bodyPr/>
+          <a:lstStyle/>
+          <a:p>
+            <a:fld id="{626B60C3-44C3-43DA-B37B-CB760CF063AA}" type="slidenum">
+              <a:rPr lang="en-US" smtClean="0"/>
+              <a:t>50</a:t>
+            </a:fld>
+            <a:endParaRPr lang="en-US"/>
+          </a:p>
+        </p:txBody>
+      </p:sp>
+    </p:spTree>
+    <p:extLst>
+      <p:ext uri="{BB962C8B-B14F-4D97-AF65-F5344CB8AC3E}">
+        <p14:creationId xmlns:p14="http://schemas.microsoft.com/office/powerpoint/2010/main" val="3216579151"/>
+      </p:ext>
+    </p:extLst>
+  </p:cSld>
+  <p:clrMapOvr>
+    <a:masterClrMapping/>
+  </p:clrMapOvr>
+</p:notes>
+</file>
+
+<file path=ppt/notesSlides/notesSlide8.xml><?xml version="1.0" encoding="utf-8"?>
+<p:notes xmlns:a="http://schemas.openxmlformats.org/drawingml/2006/main" xmlns:r="http://schemas.openxmlformats.org/officeDocument/2006/relationships" xmlns:p="http://schemas.openxmlformats.org/presentationml/2006/main">
+  <p:cSld>
+    <p:spTree>
+      <p:nvGrpSpPr>
+        <p:cNvPr id="1" name=""/>
+        <p:cNvGrpSpPr/>
+        <p:nvPr/>
+      </p:nvGrpSpPr>
+      <p:grpSpPr>
+        <a:xfrm>
+          <a:off x="0" y="0"/>
+          <a:ext cx="0" cy="0"/>
+          <a:chOff x="0" y="0"/>
+          <a:chExt cx="0" cy="0"/>
+        </a:xfrm>
+      </p:grpSpPr>
+      <p:sp>
+        <p:nvSpPr>
+          <p:cNvPr id="2" name="Folienbildplatzhalter 1"/>
+          <p:cNvSpPr>
+            <a:spLocks noGrp="1" noRot="1" noChangeAspect="1"/>
+          </p:cNvSpPr>
+          <p:nvPr>
+            <p:ph type="sldImg"/>
+          </p:nvPr>
+        </p:nvSpPr>
+        <p:spPr/>
+      </p:sp>
+      <p:sp>
+        <p:nvSpPr>
+          <p:cNvPr id="3" name="Notizenplatzhalter 2"/>
+          <p:cNvSpPr>
+            <a:spLocks noGrp="1"/>
+          </p:cNvSpPr>
+          <p:nvPr>
+            <p:ph type="body" idx="1"/>
+          </p:nvPr>
+        </p:nvSpPr>
+        <p:spPr/>
+        <p:txBody>
+          <a:bodyPr/>
+          <a:lstStyle/>
+          <a:p>
+            <a:endParaRPr lang="de-AT" dirty="0"/>
+          </a:p>
+        </p:txBody>
+      </p:sp>
+      <p:sp>
+        <p:nvSpPr>
+          <p:cNvPr id="4" name="Foliennummernplatzhalter 3"/>
+          <p:cNvSpPr>
+            <a:spLocks noGrp="1"/>
+          </p:cNvSpPr>
+          <p:nvPr>
+            <p:ph type="sldNum" sz="quarter" idx="5"/>
+          </p:nvPr>
+        </p:nvSpPr>
+        <p:spPr/>
+        <p:txBody>
+          <a:bodyPr/>
+          <a:lstStyle/>
+          <a:p>
+            <a:fld id="{626B60C3-44C3-43DA-B37B-CB760CF063AA}" type="slidenum">
+              <a:rPr lang="en-US" smtClean="0"/>
+              <a:t>51</a:t>
+            </a:fld>
+            <a:endParaRPr lang="en-US"/>
+          </a:p>
+        </p:txBody>
+      </p:sp>
+    </p:spTree>
+    <p:extLst>
+      <p:ext uri="{BB962C8B-B14F-4D97-AF65-F5344CB8AC3E}">
+        <p14:creationId xmlns:p14="http://schemas.microsoft.com/office/powerpoint/2010/main" val="1017943748"/>
+      </p:ext>
+    </p:extLst>
+  </p:cSld>
+  <p:clrMapOvr>
+    <a:masterClrMapping/>
+  </p:clrMapOvr>
+</p:notes>
+</file>
+
 <file path=ppt/slideLayouts/slideLayout1.xml><?xml version="1.0" encoding="utf-8"?>
 <p:sldLayout xmlns:a="http://schemas.openxmlformats.org/drawingml/2006/main" xmlns:r="http://schemas.openxmlformats.org/officeDocument/2006/relationships" xmlns:p="http://schemas.openxmlformats.org/presentationml/2006/main" type="title" preserve="1">
   <p:cSld name="Title Slide">
@@ -654,7 +1339,7 @@
           <a:p>
             <a:fld id="{B6D41BCC-AD73-4203-A5A6-E62EB28B0FE6}" type="datetimeFigureOut">
               <a:rPr lang="en-US" smtClean="0"/>
-              <a:t>2/20/2024</a:t>
+              <a:t>2/26/2024</a:t>
             </a:fld>
             <a:endParaRPr lang="en-US"/>
           </a:p>
@@ -862,7 +1547,7 @@
           <a:p>
             <a:fld id="{B6D41BCC-AD73-4203-A5A6-E62EB28B0FE6}" type="datetimeFigureOut">
               <a:rPr lang="en-US" smtClean="0"/>
-              <a:t>2/20/2024</a:t>
+              <a:t>2/26/2024</a:t>
             </a:fld>
             <a:endParaRPr lang="en-US"/>
           </a:p>
@@ -1070,7 +1755,7 @@
           <a:p>
             <a:fld id="{B6D41BCC-AD73-4203-A5A6-E62EB28B0FE6}" type="datetimeFigureOut">
               <a:rPr lang="en-US" smtClean="0"/>
-              <a:t>2/20/2024</a:t>
+              <a:t>2/26/2024</a:t>
             </a:fld>
             <a:endParaRPr lang="en-US"/>
           </a:p>
@@ -1268,7 +1953,7 @@
           <a:p>
             <a:fld id="{B6D41BCC-AD73-4203-A5A6-E62EB28B0FE6}" type="datetimeFigureOut">
               <a:rPr lang="en-US" smtClean="0"/>
-              <a:t>2/20/2024</a:t>
+              <a:t>2/26/2024</a:t>
             </a:fld>
             <a:endParaRPr lang="en-US"/>
           </a:p>
@@ -1683,7 +2368,7 @@
           <a:p>
             <a:fld id="{B6D41BCC-AD73-4203-A5A6-E62EB28B0FE6}" type="datetimeFigureOut">
               <a:rPr lang="en-US" smtClean="0"/>
-              <a:t>2/20/2024</a:t>
+              <a:t>2/26/2024</a:t>
             </a:fld>
             <a:endParaRPr lang="en-US"/>
           </a:p>
@@ -1953,7 +2638,7 @@
           <a:p>
             <a:fld id="{B6D41BCC-AD73-4203-A5A6-E62EB28B0FE6}" type="datetimeFigureOut">
               <a:rPr lang="en-US" smtClean="0"/>
-              <a:t>2/20/2024</a:t>
+              <a:t>2/26/2024</a:t>
             </a:fld>
             <a:endParaRPr lang="en-US"/>
           </a:p>
@@ -2369,7 +3054,7 @@
           <a:p>
             <a:fld id="{B6D41BCC-AD73-4203-A5A6-E62EB28B0FE6}" type="datetimeFigureOut">
               <a:rPr lang="en-US" smtClean="0"/>
-              <a:t>2/20/2024</a:t>
+              <a:t>2/26/2024</a:t>
             </a:fld>
             <a:endParaRPr lang="en-US"/>
           </a:p>
@@ -2510,7 +3195,7 @@
           <a:p>
             <a:fld id="{B6D41BCC-AD73-4203-A5A6-E62EB28B0FE6}" type="datetimeFigureOut">
               <a:rPr lang="en-US" smtClean="0"/>
-              <a:t>2/20/2024</a:t>
+              <a:t>2/26/2024</a:t>
             </a:fld>
             <a:endParaRPr lang="en-US"/>
           </a:p>
@@ -2623,7 +3308,7 @@
           <a:p>
             <a:fld id="{B6D41BCC-AD73-4203-A5A6-E62EB28B0FE6}" type="datetimeFigureOut">
               <a:rPr lang="en-US" smtClean="0"/>
-              <a:t>2/20/2024</a:t>
+              <a:t>2/26/2024</a:t>
             </a:fld>
             <a:endParaRPr lang="en-US"/>
           </a:p>
@@ -2949,7 +3634,7 @@
           <a:p>
             <a:fld id="{B6D41BCC-AD73-4203-A5A6-E62EB28B0FE6}" type="datetimeFigureOut">
               <a:rPr lang="en-US" smtClean="0"/>
-              <a:t>2/20/2024</a:t>
+              <a:t>2/26/2024</a:t>
             </a:fld>
             <a:endParaRPr lang="en-US"/>
           </a:p>
@@ -3237,7 +3922,7 @@
           <a:p>
             <a:fld id="{B6D41BCC-AD73-4203-A5A6-E62EB28B0FE6}" type="datetimeFigureOut">
               <a:rPr lang="en-US" smtClean="0"/>
-              <a:t>2/20/2024</a:t>
+              <a:t>2/26/2024</a:t>
             </a:fld>
             <a:endParaRPr lang="en-US"/>
           </a:p>
@@ -3477,7 +4162,7 @@
             <a:fld id="{B6D41BCC-AD73-4203-A5A6-E62EB28B0FE6}" type="datetimeFigureOut">
               <a:rPr lang="en-US" smtClean="0"/>
               <a:pPr/>
-              <a:t>2/20/2024</a:t>
+              <a:t>2/26/2024</a:t>
             </a:fld>
             <a:endParaRPr lang="en-US"/>
           </a:p>
@@ -3951,7 +4636,7 @@
                 <a16:creationId xmlns:a16="http://schemas.microsoft.com/office/drawing/2014/main" id="{BE229233-9672-4675-99B7-6CBCEF1CD415}"/>
               </a:ext>
               <a:ext uri="{C183D7F6-B498-43B3-948B-1728B52AA6E4}">
-                <adec:decorative xmlns:adec="http://schemas.microsoft.com/office/drawing/2017/decorative" xmlns="" val="1"/>
+                <adec:decorative xmlns:adec="http://schemas.microsoft.com/office/drawing/2017/decorative" val="1"/>
               </a:ext>
             </a:extLst>
           </p:cNvPr>
@@ -4046,7 +4731,7 @@
                 <a16:creationId xmlns:a16="http://schemas.microsoft.com/office/drawing/2014/main" id="{EC5FF010-B53C-46BE-BEEF-AF926A00F67F}"/>
               </a:ext>
               <a:ext uri="{C183D7F6-B498-43B3-948B-1728B52AA6E4}">
-                <adec:decorative xmlns:adec="http://schemas.microsoft.com/office/drawing/2017/decorative" xmlns="" val="1"/>
+                <adec:decorative xmlns:adec="http://schemas.microsoft.com/office/drawing/2017/decorative" val="1"/>
               </a:ext>
             </a:extLst>
           </p:cNvPr>
@@ -4112,7 +4797,7 @@
                 <a16:creationId xmlns:a16="http://schemas.microsoft.com/office/drawing/2014/main" id="{8509AD9C-1F43-4138-A72B-8CA988EDD475}"/>
               </a:ext>
               <a:ext uri="{C183D7F6-B498-43B3-948B-1728B52AA6E4}">
-                <adec:decorative xmlns:adec="http://schemas.microsoft.com/office/drawing/2017/decorative" xmlns="" val="1"/>
+                <adec:decorative xmlns:adec="http://schemas.microsoft.com/office/drawing/2017/decorative" val="1"/>
               </a:ext>
             </a:extLst>
           </p:cNvPr>
@@ -5148,7 +5833,7 @@
         </p:spPr>
         <p:txBody>
           <a:bodyPr>
-            <a:normAutofit fontScale="92500"/>
+            <a:normAutofit fontScale="92500" lnSpcReduction="10000"/>
           </a:bodyPr>
           <a:lstStyle/>
           <a:p>
@@ -6840,10 +7525,6 @@
               <a:rPr lang="de-AT" dirty="0" err="1"/>
               <a:t>true</a:t>
             </a:r>
-            <a:r>
-              <a:rPr lang="de-AT" dirty="0"/>
-              <a:t/>
-            </a:r>
             <a:br>
               <a:rPr lang="de-AT" dirty="0"/>
             </a:br>
@@ -7020,7 +7701,7 @@
           <a:lstStyle/>
           <a:p>
             <a:r>
-              <a:rPr lang="de-AT" dirty="0" smtClean="0"/>
+              <a:rPr lang="de-AT" dirty="0"/>
               <a:t>Bilder einfügen</a:t>
             </a:r>
             <a:endParaRPr lang="en-US" dirty="0"/>
@@ -7048,58 +7729,58 @@
           <a:lstStyle/>
           <a:p>
             <a:r>
-              <a:rPr lang="de-AT" dirty="0" smtClean="0"/>
+              <a:rPr lang="de-AT" dirty="0"/>
               <a:t>Um Bilder in </a:t>
             </a:r>
             <a:r>
-              <a:rPr lang="de-AT" dirty="0" err="1" smtClean="0"/>
+              <a:rPr lang="de-AT" dirty="0" err="1"/>
               <a:t>React</a:t>
             </a:r>
             <a:r>
-              <a:rPr lang="de-AT" dirty="0" smtClean="0"/>
+              <a:rPr lang="de-AT" dirty="0"/>
               <a:t> einzubinden muss es zunächst importiert werden</a:t>
             </a:r>
           </a:p>
           <a:p>
             <a:pPr lvl="1"/>
             <a:r>
-              <a:rPr lang="de-AT" dirty="0" err="1" smtClean="0"/>
+              <a:rPr lang="de-AT" dirty="0" err="1"/>
               <a:t>Bsp</a:t>
             </a:r>
             <a:r>
-              <a:rPr lang="de-AT" dirty="0" smtClean="0"/>
+              <a:rPr lang="de-AT" dirty="0"/>
               <a:t>: </a:t>
             </a:r>
             <a:r>
-              <a:rPr lang="de-AT" dirty="0" err="1" smtClean="0"/>
+              <a:rPr lang="de-AT" dirty="0" err="1"/>
               <a:t>import</a:t>
             </a:r>
             <a:r>
-              <a:rPr lang="de-AT" dirty="0" smtClean="0"/>
+              <a:rPr lang="de-AT" dirty="0"/>
               <a:t> </a:t>
             </a:r>
             <a:r>
-              <a:rPr lang="de-AT" dirty="0" err="1" smtClean="0"/>
+              <a:rPr lang="de-AT" dirty="0" err="1"/>
               <a:t>image</a:t>
             </a:r>
             <a:r>
-              <a:rPr lang="de-AT" dirty="0" smtClean="0"/>
+              <a:rPr lang="de-AT" dirty="0"/>
               <a:t> </a:t>
             </a:r>
             <a:r>
-              <a:rPr lang="de-AT" dirty="0" err="1" smtClean="0"/>
+              <a:rPr lang="de-AT" dirty="0" err="1"/>
               <a:t>from</a:t>
             </a:r>
             <a:r>
-              <a:rPr lang="de-AT" dirty="0" smtClean="0"/>
+              <a:rPr lang="de-AT" dirty="0"/>
               <a:t> „./</a:t>
             </a:r>
             <a:r>
-              <a:rPr lang="de-AT" dirty="0" err="1" smtClean="0"/>
+              <a:rPr lang="de-AT" dirty="0" err="1"/>
               <a:t>images</a:t>
             </a:r>
             <a:r>
-              <a:rPr lang="de-AT" dirty="0" smtClean="0"/>
+              <a:rPr lang="de-AT" dirty="0"/>
               <a:t>/image.png“</a:t>
             </a:r>
           </a:p>
@@ -7109,58 +7790,58 @@
           </a:p>
           <a:p>
             <a:r>
-              <a:rPr lang="de-AT" dirty="0" smtClean="0"/>
+              <a:rPr lang="de-AT" dirty="0"/>
               <a:t>Danach wird die importierte Variable als </a:t>
             </a:r>
             <a:r>
-              <a:rPr lang="de-AT" dirty="0" err="1" smtClean="0"/>
+              <a:rPr lang="de-AT" dirty="0" err="1"/>
               <a:t>src</a:t>
             </a:r>
             <a:r>
-              <a:rPr lang="de-AT" dirty="0" smtClean="0"/>
+              <a:rPr lang="de-AT" dirty="0"/>
               <a:t> eines </a:t>
             </a:r>
             <a:r>
-              <a:rPr lang="de-AT" dirty="0" err="1" smtClean="0"/>
+              <a:rPr lang="de-AT" dirty="0" err="1"/>
               <a:t>img</a:t>
             </a:r>
             <a:r>
-              <a:rPr lang="de-AT" dirty="0" smtClean="0"/>
+              <a:rPr lang="de-AT" dirty="0"/>
               <a:t> Tags eingebunden</a:t>
             </a:r>
           </a:p>
           <a:p>
             <a:pPr lvl="1"/>
             <a:r>
-              <a:rPr lang="de-AT" dirty="0" err="1" smtClean="0"/>
+              <a:rPr lang="de-AT" dirty="0" err="1"/>
               <a:t>Bsp</a:t>
             </a:r>
             <a:r>
-              <a:rPr lang="de-AT" dirty="0" smtClean="0"/>
+              <a:rPr lang="de-AT" dirty="0"/>
               <a:t>: &lt;</a:t>
             </a:r>
             <a:r>
-              <a:rPr lang="de-AT" dirty="0" err="1" smtClean="0"/>
+              <a:rPr lang="de-AT" dirty="0" err="1"/>
               <a:t>img</a:t>
             </a:r>
             <a:r>
-              <a:rPr lang="de-AT" dirty="0" smtClean="0"/>
+              <a:rPr lang="de-AT" dirty="0"/>
               <a:t> </a:t>
             </a:r>
             <a:r>
-              <a:rPr lang="de-AT" dirty="0" err="1" smtClean="0"/>
+              <a:rPr lang="de-AT" dirty="0" err="1"/>
               <a:t>src</a:t>
             </a:r>
             <a:r>
-              <a:rPr lang="de-AT" dirty="0" smtClean="0"/>
+              <a:rPr lang="de-AT" dirty="0"/>
               <a:t>={</a:t>
             </a:r>
             <a:r>
-              <a:rPr lang="de-AT" dirty="0" err="1" smtClean="0"/>
+              <a:rPr lang="de-AT" dirty="0" err="1"/>
               <a:t>image</a:t>
             </a:r>
             <a:r>
-              <a:rPr lang="de-AT" dirty="0" smtClean="0"/>
+              <a:rPr lang="de-AT" dirty="0"/>
               <a:t>}&gt;</a:t>
             </a:r>
             <a:endParaRPr lang="en-US" dirty="0"/>
@@ -7278,7 +7959,7 @@
         </p:spPr>
         <p:txBody>
           <a:bodyPr>
-            <a:normAutofit fontScale="92500" lnSpcReduction="20000"/>
+            <a:normAutofit fontScale="92500" lnSpcReduction="10000"/>
           </a:bodyPr>
           <a:lstStyle/>
           <a:p>
@@ -7469,15 +8150,7 @@
           <a:p>
             <a:r>
               <a:rPr lang="de-AT" dirty="0"/>
-              <a:t>Komponenten </a:t>
-            </a:r>
-            <a:r>
-              <a:rPr lang="de-AT" dirty="0" smtClean="0"/>
-              <a:t>ineinander </a:t>
-            </a:r>
-            <a:r>
-              <a:rPr lang="de-AT" dirty="0"/>
-              <a:t>verschachteln</a:t>
+              <a:t>Komponenten ineinander verschachteln</a:t>
             </a:r>
           </a:p>
         </p:txBody>
@@ -9076,7 +9749,7 @@
                 <a16:creationId xmlns:a16="http://schemas.microsoft.com/office/drawing/2014/main" id="{BE229233-9672-4675-99B7-6CBCEF1CD415}"/>
               </a:ext>
               <a:ext uri="{C183D7F6-B498-43B3-948B-1728B52AA6E4}">
-                <adec:decorative xmlns:adec="http://schemas.microsoft.com/office/drawing/2017/decorative" xmlns="" val="1"/>
+                <adec:decorative xmlns:adec="http://schemas.microsoft.com/office/drawing/2017/decorative" val="1"/>
               </a:ext>
             </a:extLst>
           </p:cNvPr>
@@ -9171,7 +9844,7 @@
                 <a16:creationId xmlns:a16="http://schemas.microsoft.com/office/drawing/2014/main" id="{EC5FF010-B53C-46BE-BEEF-AF926A00F67F}"/>
               </a:ext>
               <a:ext uri="{C183D7F6-B498-43B3-948B-1728B52AA6E4}">
-                <adec:decorative xmlns:adec="http://schemas.microsoft.com/office/drawing/2017/decorative" xmlns="" val="1"/>
+                <adec:decorative xmlns:adec="http://schemas.microsoft.com/office/drawing/2017/decorative" val="1"/>
               </a:ext>
             </a:extLst>
           </p:cNvPr>
@@ -9237,7 +9910,7 @@
                 <a16:creationId xmlns:a16="http://schemas.microsoft.com/office/drawing/2014/main" id="{8509AD9C-1F43-4138-A72B-8CA988EDD475}"/>
               </a:ext>
               <a:ext uri="{C183D7F6-B498-43B3-948B-1728B52AA6E4}">
-                <adec:decorative xmlns:adec="http://schemas.microsoft.com/office/drawing/2017/decorative" xmlns="" val="1"/>
+                <adec:decorative xmlns:adec="http://schemas.microsoft.com/office/drawing/2017/decorative" val="1"/>
               </a:ext>
             </a:extLst>
           </p:cNvPr>
@@ -11149,88 +11822,192 @@
       </p:grpSpPr>
       <p:sp>
         <p:nvSpPr>
-          <p:cNvPr id="6" name="Titel 5">
-            <a:extLst>
-              <a:ext uri="{FF2B5EF4-FFF2-40B4-BE49-F238E27FC236}">
-                <a16:creationId xmlns:a16="http://schemas.microsoft.com/office/drawing/2014/main" id="{215C6C17-3994-268F-CD9B-1F627A31A4B8}"/>
-              </a:ext>
-            </a:extLst>
-          </p:cNvPr>
-          <p:cNvSpPr>
-            <a:spLocks noGrp="1"/>
-          </p:cNvSpPr>
-          <p:nvPr>
-            <p:ph type="ctrTitle"/>
-          </p:nvPr>
-        </p:nvSpPr>
-        <p:spPr>
-          <a:xfrm>
-            <a:off x="2032213" y="370652"/>
-            <a:ext cx="8127574" cy="2736443"/>
-          </a:xfrm>
-        </p:spPr>
+          <p:cNvPr id="2" name="Titel 1">
+            <a:extLst>
+              <a:ext uri="{FF2B5EF4-FFF2-40B4-BE49-F238E27FC236}">
+                <a16:creationId xmlns:a16="http://schemas.microsoft.com/office/drawing/2014/main" id="{4D5CB01A-84BD-1D18-EF2B-CA52DAD9C358}"/>
+              </a:ext>
+            </a:extLst>
+          </p:cNvPr>
+          <p:cNvSpPr>
+            <a:spLocks noGrp="1"/>
+          </p:cNvSpPr>
+          <p:nvPr>
+            <p:ph type="title"/>
+          </p:nvPr>
+        </p:nvSpPr>
+        <p:spPr/>
         <p:txBody>
           <a:bodyPr/>
           <a:lstStyle/>
           <a:p>
             <a:r>
-              <a:rPr lang="de-AT" dirty="0"/>
-              <a:t>Viel Erfolg beim Entwickeln!</a:t>
-            </a:r>
+              <a:rPr lang="de-AT" dirty="0" err="1"/>
+              <a:t>React</a:t>
+            </a:r>
+            <a:r>
+              <a:rPr lang="de-AT" dirty="0"/>
+              <a:t> State – Zeitliches Verhalten</a:t>
+            </a:r>
+          </a:p>
+        </p:txBody>
+      </p:sp>
+      <p:sp>
+        <p:nvSpPr>
+          <p:cNvPr id="3" name="Inhaltsplatzhalter 2">
+            <a:extLst>
+              <a:ext uri="{FF2B5EF4-FFF2-40B4-BE49-F238E27FC236}">
+                <a16:creationId xmlns:a16="http://schemas.microsoft.com/office/drawing/2014/main" id="{C78A631F-6003-8696-448A-A5DE671B6903}"/>
+              </a:ext>
+            </a:extLst>
+          </p:cNvPr>
+          <p:cNvSpPr>
+            <a:spLocks noGrp="1"/>
+          </p:cNvSpPr>
+          <p:nvPr>
+            <p:ph idx="1"/>
+          </p:nvPr>
+        </p:nvSpPr>
+        <p:spPr>
+          <a:xfrm>
+            <a:off x="766916" y="2057400"/>
+            <a:ext cx="6980903" cy="4137259"/>
+          </a:xfrm>
+        </p:spPr>
+        <p:txBody>
+          <a:bodyPr>
+            <a:normAutofit/>
+          </a:bodyPr>
+          <a:lstStyle/>
+          <a:p>
+            <a:r>
+              <a:rPr lang="de-AT" dirty="0"/>
+              <a:t>Das Setzen des Zustands fordert einen neuen </a:t>
+            </a:r>
+            <a:r>
+              <a:rPr lang="de-AT" dirty="0" err="1"/>
+              <a:t>Render</a:t>
+            </a:r>
+            <a:r>
+              <a:rPr lang="de-AT" dirty="0"/>
+              <a:t> an.</a:t>
+            </a:r>
+          </a:p>
+          <a:p>
+            <a:r>
+              <a:rPr lang="de-AT" dirty="0" err="1"/>
+              <a:t>React</a:t>
+            </a:r>
+            <a:r>
+              <a:rPr lang="de-AT" dirty="0"/>
+              <a:t> speichert den Zustand außerhalb der Komponente</a:t>
+            </a:r>
+          </a:p>
+          <a:p>
+            <a:r>
+              <a:rPr lang="de-AT" dirty="0"/>
+              <a:t>Wenn Sie </a:t>
+            </a:r>
+            <a:r>
+              <a:rPr lang="de-AT" dirty="0" err="1"/>
+              <a:t>useState</a:t>
+            </a:r>
+            <a:r>
+              <a:rPr lang="de-AT" dirty="0"/>
+              <a:t> aufrufen, gibt Ihnen </a:t>
+            </a:r>
+            <a:r>
+              <a:rPr lang="de-AT" dirty="0" err="1"/>
+              <a:t>React</a:t>
+            </a:r>
+            <a:r>
+              <a:rPr lang="de-AT" dirty="0"/>
+              <a:t> eine Momentaufnahme des Zustands für diesen </a:t>
+            </a:r>
+            <a:r>
+              <a:rPr lang="de-AT" dirty="0" err="1"/>
+              <a:t>Render</a:t>
+            </a:r>
+            <a:r>
+              <a:rPr lang="de-AT" dirty="0"/>
+              <a:t>.</a:t>
+            </a:r>
+          </a:p>
+          <a:p>
+            <a:r>
+              <a:rPr lang="de-AT" dirty="0"/>
+              <a:t>Jeder </a:t>
+            </a:r>
+            <a:r>
+              <a:rPr lang="de-AT" dirty="0" err="1"/>
+              <a:t>Render</a:t>
+            </a:r>
+            <a:r>
+              <a:rPr lang="de-AT" dirty="0"/>
+              <a:t> (und Funktionen darin) wird immer die Momentaufnahme des Zustands "sehen", die </a:t>
+            </a:r>
+            <a:r>
+              <a:rPr lang="de-AT" dirty="0" err="1"/>
+              <a:t>React</a:t>
+            </a:r>
+            <a:r>
+              <a:rPr lang="de-AT" dirty="0"/>
+              <a:t> diesem </a:t>
+            </a:r>
+            <a:r>
+              <a:rPr lang="de-AT" dirty="0" err="1"/>
+              <a:t>Render</a:t>
+            </a:r>
+            <a:r>
+              <a:rPr lang="de-AT" dirty="0"/>
+              <a:t> gegeben hat.</a:t>
+            </a:r>
+          </a:p>
+          <a:p>
+            <a:r>
+              <a:rPr lang="de-AT" dirty="0"/>
+              <a:t>Die Auswirkungen der Änderung einer State-Variable sind erst beim nächsten Rendering der Komponente ersichtlich</a:t>
+            </a:r>
+          </a:p>
+          <a:p>
+            <a:endParaRPr lang="de-AT" dirty="0"/>
           </a:p>
         </p:txBody>
       </p:sp>
       <p:pic>
         <p:nvPicPr>
-          <p:cNvPr id="2050" name="Picture 2" descr="CODERS.BAY | Linz">
-            <a:extLst>
-              <a:ext uri="{FF2B5EF4-FFF2-40B4-BE49-F238E27FC236}">
-                <a16:creationId xmlns:a16="http://schemas.microsoft.com/office/drawing/2014/main" id="{FC92A2D7-CD40-5160-E3FA-7A115A1ECE63}"/>
+          <p:cNvPr id="7" name="Grafik 6">
+            <a:extLst>
+              <a:ext uri="{FF2B5EF4-FFF2-40B4-BE49-F238E27FC236}">
+                <a16:creationId xmlns:a16="http://schemas.microsoft.com/office/drawing/2014/main" id="{7D4DE7D9-AD93-7D1C-9BE0-C373BB0D70A3}"/>
               </a:ext>
             </a:extLst>
           </p:cNvPr>
           <p:cNvPicPr>
-            <a:picLocks noChangeAspect="1" noChangeArrowheads="1"/>
+            <a:picLocks noChangeAspect="1"/>
           </p:cNvPicPr>
           <p:nvPr/>
         </p:nvPicPr>
         <p:blipFill>
-          <a:blip r:embed="rId2">
-            <a:extLst>
-              <a:ext uri="{28A0092B-C50C-407E-A947-70E740481C1C}">
-                <a14:useLocalDpi xmlns:a14="http://schemas.microsoft.com/office/drawing/2010/main" val="0"/>
-              </a:ext>
-            </a:extLst>
-          </a:blip>
-          <a:srcRect/>
+          <a:blip r:embed="rId2"/>
           <a:stretch>
             <a:fillRect/>
           </a:stretch>
         </p:blipFill>
-        <p:spPr bwMode="auto">
-          <a:xfrm>
-            <a:off x="5342119" y="3768185"/>
-            <a:ext cx="1507761" cy="1507761"/>
+        <p:spPr>
+          <a:xfrm>
+            <a:off x="7944465" y="2340187"/>
+            <a:ext cx="3791446" cy="3344078"/>
           </a:xfrm>
           <a:prstGeom prst="rect">
             <a:avLst/>
           </a:prstGeom>
-          <a:noFill/>
-          <a:extLst>
-            <a:ext uri="{909E8E84-426E-40DD-AFC4-6F175D3DCCD1}">
-              <a14:hiddenFill xmlns:a14="http://schemas.microsoft.com/office/drawing/2010/main">
-                <a:solidFill>
-                  <a:srgbClr val="FFFFFF"/>
-                </a:solidFill>
-              </a14:hiddenFill>
-            </a:ext>
-          </a:extLst>
         </p:spPr>
       </p:pic>
     </p:spTree>
     <p:extLst>
       <p:ext uri="{BB962C8B-B14F-4D97-AF65-F5344CB8AC3E}">
-        <p14:creationId xmlns:p14="http://schemas.microsoft.com/office/powerpoint/2010/main" val="2872145444"/>
+        <p14:creationId xmlns:p14="http://schemas.microsoft.com/office/powerpoint/2010/main" val="4046715463"/>
       </p:ext>
     </p:extLst>
   </p:cSld>
@@ -11317,6 +12094,2141 @@
 </p:sld>
 </file>
 
+<file path=ppt/slides/slide40.xml><?xml version="1.0" encoding="utf-8"?>
+<p:sld xmlns:a="http://schemas.openxmlformats.org/drawingml/2006/main" xmlns:r="http://schemas.openxmlformats.org/officeDocument/2006/relationships" xmlns:p="http://schemas.openxmlformats.org/presentationml/2006/main">
+  <p:cSld>
+    <p:spTree>
+      <p:nvGrpSpPr>
+        <p:cNvPr id="1" name=""/>
+        <p:cNvGrpSpPr/>
+        <p:nvPr/>
+      </p:nvGrpSpPr>
+      <p:grpSpPr>
+        <a:xfrm>
+          <a:off x="0" y="0"/>
+          <a:ext cx="0" cy="0"/>
+          <a:chOff x="0" y="0"/>
+          <a:chExt cx="0" cy="0"/>
+        </a:xfrm>
+      </p:grpSpPr>
+      <p:sp>
+        <p:nvSpPr>
+          <p:cNvPr id="2" name="Titel 1">
+            <a:extLst>
+              <a:ext uri="{FF2B5EF4-FFF2-40B4-BE49-F238E27FC236}">
+                <a16:creationId xmlns:a16="http://schemas.microsoft.com/office/drawing/2014/main" id="{4D5CB01A-84BD-1D18-EF2B-CA52DAD9C358}"/>
+              </a:ext>
+            </a:extLst>
+          </p:cNvPr>
+          <p:cNvSpPr>
+            <a:spLocks noGrp="1"/>
+          </p:cNvSpPr>
+          <p:nvPr>
+            <p:ph type="title"/>
+          </p:nvPr>
+        </p:nvSpPr>
+        <p:spPr/>
+        <p:txBody>
+          <a:bodyPr/>
+          <a:lstStyle/>
+          <a:p>
+            <a:r>
+              <a:rPr lang="de-AT" dirty="0" err="1"/>
+              <a:t>React</a:t>
+            </a:r>
+            <a:r>
+              <a:rPr lang="de-AT" dirty="0"/>
+              <a:t> State – Zeitliches Verhalten (2) </a:t>
+            </a:r>
+          </a:p>
+        </p:txBody>
+      </p:sp>
+      <p:sp>
+        <p:nvSpPr>
+          <p:cNvPr id="3" name="Inhaltsplatzhalter 2">
+            <a:extLst>
+              <a:ext uri="{FF2B5EF4-FFF2-40B4-BE49-F238E27FC236}">
+                <a16:creationId xmlns:a16="http://schemas.microsoft.com/office/drawing/2014/main" id="{C78A631F-6003-8696-448A-A5DE671B6903}"/>
+              </a:ext>
+            </a:extLst>
+          </p:cNvPr>
+          <p:cNvSpPr>
+            <a:spLocks noGrp="1"/>
+          </p:cNvSpPr>
+          <p:nvPr>
+            <p:ph idx="1"/>
+          </p:nvPr>
+        </p:nvSpPr>
+        <p:spPr>
+          <a:xfrm>
+            <a:off x="766917" y="2057400"/>
+            <a:ext cx="6717966" cy="4137259"/>
+          </a:xfrm>
+        </p:spPr>
+        <p:txBody>
+          <a:bodyPr>
+            <a:normAutofit/>
+          </a:bodyPr>
+          <a:lstStyle/>
+          <a:p>
+            <a:r>
+              <a:rPr lang="de-AT" dirty="0"/>
+              <a:t>Was passiert wenn man auf den Button klickt?</a:t>
+            </a:r>
+          </a:p>
+          <a:p>
+            <a:r>
+              <a:rPr lang="de-AT" dirty="0"/>
+              <a:t>Da die </a:t>
+            </a:r>
+            <a:r>
+              <a:rPr lang="de-AT" dirty="0" err="1"/>
+              <a:t>Setterfunktion</a:t>
+            </a:r>
+            <a:r>
+              <a:rPr lang="de-AT" dirty="0"/>
+              <a:t> nur mit einer Momentaufnahme arbeitet, und den Zustand (Wert) aktualisiert, der bei der Ausführung der Funktion bestand, wird der Wert von </a:t>
+            </a:r>
+            <a:r>
+              <a:rPr lang="de-AT" dirty="0" err="1"/>
+              <a:t>number</a:t>
+            </a:r>
+            <a:r>
+              <a:rPr lang="de-AT" dirty="0"/>
+              <a:t> tatsächlich nur um 1 erhöht, unabhängig davon, wie oft der Button geklickt wird.</a:t>
+            </a:r>
+          </a:p>
+          <a:p>
+            <a:endParaRPr lang="de-AT" dirty="0"/>
+          </a:p>
+          <a:p>
+            <a:endParaRPr lang="de-AT" dirty="0"/>
+          </a:p>
+          <a:p>
+            <a:endParaRPr lang="de-AT" dirty="0"/>
+          </a:p>
+        </p:txBody>
+      </p:sp>
+      <p:pic>
+        <p:nvPicPr>
+          <p:cNvPr id="5" name="Grafik 4">
+            <a:extLst>
+              <a:ext uri="{FF2B5EF4-FFF2-40B4-BE49-F238E27FC236}">
+                <a16:creationId xmlns:a16="http://schemas.microsoft.com/office/drawing/2014/main" id="{0AA2BBEC-0D62-BCC1-23CD-6A0862B1E0EC}"/>
+              </a:ext>
+            </a:extLst>
+          </p:cNvPr>
+          <p:cNvPicPr>
+            <a:picLocks noChangeAspect="1"/>
+          </p:cNvPicPr>
+          <p:nvPr/>
+        </p:nvPicPr>
+        <p:blipFill>
+          <a:blip r:embed="rId3"/>
+          <a:stretch>
+            <a:fillRect/>
+          </a:stretch>
+        </p:blipFill>
+        <p:spPr>
+          <a:xfrm>
+            <a:off x="7601367" y="2196445"/>
+            <a:ext cx="4351819" cy="3392944"/>
+          </a:xfrm>
+          <a:prstGeom prst="rect">
+            <a:avLst/>
+          </a:prstGeom>
+        </p:spPr>
+      </p:pic>
+    </p:spTree>
+    <p:extLst>
+      <p:ext uri="{BB962C8B-B14F-4D97-AF65-F5344CB8AC3E}">
+        <p14:creationId xmlns:p14="http://schemas.microsoft.com/office/powerpoint/2010/main" val="3936147468"/>
+      </p:ext>
+    </p:extLst>
+  </p:cSld>
+  <p:clrMapOvr>
+    <a:masterClrMapping/>
+  </p:clrMapOvr>
+  <p:timing>
+    <p:tnLst>
+      <p:par>
+        <p:cTn id="1" dur="indefinite" restart="never" nodeType="tmRoot">
+          <p:childTnLst>
+            <p:seq concurrent="1" nextAc="seek">
+              <p:cTn id="2" dur="indefinite" nodeType="mainSeq">
+                <p:childTnLst>
+                  <p:par>
+                    <p:cTn id="3" fill="hold">
+                      <p:stCondLst>
+                        <p:cond delay="indefinite"/>
+                      </p:stCondLst>
+                      <p:childTnLst>
+                        <p:par>
+                          <p:cTn id="4" fill="hold">
+                            <p:stCondLst>
+                              <p:cond delay="0"/>
+                            </p:stCondLst>
+                            <p:childTnLst>
+                              <p:par>
+                                <p:cTn id="5" presetID="10" presetClass="entr" presetSubtype="0" fill="hold" nodeType="clickEffect">
+                                  <p:stCondLst>
+                                    <p:cond delay="0"/>
+                                  </p:stCondLst>
+                                  <p:childTnLst>
+                                    <p:set>
+                                      <p:cBhvr>
+                                        <p:cTn id="6" dur="1" fill="hold">
+                                          <p:stCondLst>
+                                            <p:cond delay="0"/>
+                                          </p:stCondLst>
+                                        </p:cTn>
+                                        <p:tgtEl>
+                                          <p:spTgt spid="3">
+                                            <p:txEl>
+                                              <p:pRg st="1" end="1"/>
+                                            </p:txEl>
+                                          </p:spTgt>
+                                        </p:tgtEl>
+                                        <p:attrNameLst>
+                                          <p:attrName>style.visibility</p:attrName>
+                                        </p:attrNameLst>
+                                      </p:cBhvr>
+                                      <p:to>
+                                        <p:strVal val="visible"/>
+                                      </p:to>
+                                    </p:set>
+                                    <p:animEffect transition="in" filter="fade">
+                                      <p:cBhvr>
+                                        <p:cTn id="7" dur="500"/>
+                                        <p:tgtEl>
+                                          <p:spTgt spid="3">
+                                            <p:txEl>
+                                              <p:pRg st="1" end="1"/>
+                                            </p:txEl>
+                                          </p:spTgt>
+                                        </p:tgtEl>
+                                      </p:cBhvr>
+                                    </p:animEffect>
+                                  </p:childTnLst>
+                                </p:cTn>
+                              </p:par>
+                            </p:childTnLst>
+                          </p:cTn>
+                        </p:par>
+                      </p:childTnLst>
+                    </p:cTn>
+                  </p:par>
+                </p:childTnLst>
+              </p:cTn>
+              <p:prevCondLst>
+                <p:cond evt="onPrev" delay="0">
+                  <p:tgtEl>
+                    <p:sldTgt/>
+                  </p:tgtEl>
+                </p:cond>
+              </p:prevCondLst>
+              <p:nextCondLst>
+                <p:cond evt="onNext" delay="0">
+                  <p:tgtEl>
+                    <p:sldTgt/>
+                  </p:tgtEl>
+                </p:cond>
+              </p:nextCondLst>
+            </p:seq>
+          </p:childTnLst>
+        </p:cTn>
+      </p:par>
+    </p:tnLst>
+  </p:timing>
+</p:sld>
+</file>
+
+<file path=ppt/slides/slide41.xml><?xml version="1.0" encoding="utf-8"?>
+<p:sld xmlns:a="http://schemas.openxmlformats.org/drawingml/2006/main" xmlns:r="http://schemas.openxmlformats.org/officeDocument/2006/relationships" xmlns:p="http://schemas.openxmlformats.org/presentationml/2006/main">
+  <p:cSld>
+    <p:spTree>
+      <p:nvGrpSpPr>
+        <p:cNvPr id="1" name=""/>
+        <p:cNvGrpSpPr/>
+        <p:nvPr/>
+      </p:nvGrpSpPr>
+      <p:grpSpPr>
+        <a:xfrm>
+          <a:off x="0" y="0"/>
+          <a:ext cx="0" cy="0"/>
+          <a:chOff x="0" y="0"/>
+          <a:chExt cx="0" cy="0"/>
+        </a:xfrm>
+      </p:grpSpPr>
+      <p:sp>
+        <p:nvSpPr>
+          <p:cNvPr id="2" name="Titel 1">
+            <a:extLst>
+              <a:ext uri="{FF2B5EF4-FFF2-40B4-BE49-F238E27FC236}">
+                <a16:creationId xmlns:a16="http://schemas.microsoft.com/office/drawing/2014/main" id="{4D5CB01A-84BD-1D18-EF2B-CA52DAD9C358}"/>
+              </a:ext>
+            </a:extLst>
+          </p:cNvPr>
+          <p:cNvSpPr>
+            <a:spLocks noGrp="1"/>
+          </p:cNvSpPr>
+          <p:nvPr>
+            <p:ph type="title"/>
+          </p:nvPr>
+        </p:nvSpPr>
+        <p:spPr/>
+        <p:txBody>
+          <a:bodyPr/>
+          <a:lstStyle/>
+          <a:p>
+            <a:r>
+              <a:rPr lang="de-AT" dirty="0" err="1"/>
+              <a:t>React</a:t>
+            </a:r>
+            <a:r>
+              <a:rPr lang="de-AT" dirty="0"/>
+              <a:t> State – Zeitliches Verhalten (3) </a:t>
+            </a:r>
+          </a:p>
+        </p:txBody>
+      </p:sp>
+      <p:sp>
+        <p:nvSpPr>
+          <p:cNvPr id="3" name="Inhaltsplatzhalter 2">
+            <a:extLst>
+              <a:ext uri="{FF2B5EF4-FFF2-40B4-BE49-F238E27FC236}">
+                <a16:creationId xmlns:a16="http://schemas.microsoft.com/office/drawing/2014/main" id="{C78A631F-6003-8696-448A-A5DE671B6903}"/>
+              </a:ext>
+            </a:extLst>
+          </p:cNvPr>
+          <p:cNvSpPr>
+            <a:spLocks noGrp="1"/>
+          </p:cNvSpPr>
+          <p:nvPr>
+            <p:ph idx="1"/>
+          </p:nvPr>
+        </p:nvSpPr>
+        <p:spPr>
+          <a:xfrm>
+            <a:off x="766917" y="2057400"/>
+            <a:ext cx="6717966" cy="4137259"/>
+          </a:xfrm>
+        </p:spPr>
+        <p:txBody>
+          <a:bodyPr>
+            <a:normAutofit/>
+          </a:bodyPr>
+          <a:lstStyle/>
+          <a:p>
+            <a:r>
+              <a:rPr lang="de-AT" dirty="0"/>
+              <a:t>Was passiert wenn man auf den Button klickt?</a:t>
+            </a:r>
+          </a:p>
+          <a:p>
+            <a:r>
+              <a:rPr lang="de-AT" dirty="0"/>
+              <a:t>Trotz des Timeouts, wird keine zusätzliche Erhöhung um 5 gemacht weil die </a:t>
+            </a:r>
+            <a:r>
+              <a:rPr lang="de-AT" dirty="0" err="1"/>
+              <a:t>setTimeout</a:t>
+            </a:r>
+            <a:r>
+              <a:rPr lang="de-AT" dirty="0"/>
+              <a:t> Funktion mit der Momentaufnahme des Zustands arbeitet. Die </a:t>
+            </a:r>
+            <a:r>
+              <a:rPr lang="de-AT" dirty="0" err="1"/>
+              <a:t>setCount</a:t>
+            </a:r>
+            <a:r>
+              <a:rPr lang="de-AT" dirty="0"/>
+              <a:t> Methode wird also auch nach dem Timeout nur den alten Wert um 5 erhöhen</a:t>
+            </a:r>
+          </a:p>
+          <a:p>
+            <a:endParaRPr lang="de-AT" dirty="0"/>
+          </a:p>
+          <a:p>
+            <a:endParaRPr lang="de-AT" dirty="0"/>
+          </a:p>
+          <a:p>
+            <a:endParaRPr lang="de-AT" dirty="0"/>
+          </a:p>
+        </p:txBody>
+      </p:sp>
+      <p:pic>
+        <p:nvPicPr>
+          <p:cNvPr id="8" name="Grafik 7">
+            <a:extLst>
+              <a:ext uri="{FF2B5EF4-FFF2-40B4-BE49-F238E27FC236}">
+                <a16:creationId xmlns:a16="http://schemas.microsoft.com/office/drawing/2014/main" id="{DA1D049B-E2F9-97DD-AE5B-1BE3BF8BD57D}"/>
+              </a:ext>
+            </a:extLst>
+          </p:cNvPr>
+          <p:cNvPicPr>
+            <a:picLocks noChangeAspect="1"/>
+          </p:cNvPicPr>
+          <p:nvPr/>
+        </p:nvPicPr>
+        <p:blipFill>
+          <a:blip r:embed="rId3"/>
+          <a:stretch>
+            <a:fillRect/>
+          </a:stretch>
+        </p:blipFill>
+        <p:spPr>
+          <a:xfrm>
+            <a:off x="8291787" y="2187674"/>
+            <a:ext cx="3500533" cy="3876710"/>
+          </a:xfrm>
+          <a:prstGeom prst="rect">
+            <a:avLst/>
+          </a:prstGeom>
+        </p:spPr>
+      </p:pic>
+    </p:spTree>
+    <p:extLst>
+      <p:ext uri="{BB962C8B-B14F-4D97-AF65-F5344CB8AC3E}">
+        <p14:creationId xmlns:p14="http://schemas.microsoft.com/office/powerpoint/2010/main" val="1014588362"/>
+      </p:ext>
+    </p:extLst>
+  </p:cSld>
+  <p:clrMapOvr>
+    <a:masterClrMapping/>
+  </p:clrMapOvr>
+  <p:timing>
+    <p:tnLst>
+      <p:par>
+        <p:cTn id="1" dur="indefinite" restart="never" nodeType="tmRoot">
+          <p:childTnLst>
+            <p:seq concurrent="1" nextAc="seek">
+              <p:cTn id="2" dur="indefinite" nodeType="mainSeq">
+                <p:childTnLst>
+                  <p:par>
+                    <p:cTn id="3" fill="hold">
+                      <p:stCondLst>
+                        <p:cond delay="indefinite"/>
+                      </p:stCondLst>
+                      <p:childTnLst>
+                        <p:par>
+                          <p:cTn id="4" fill="hold">
+                            <p:stCondLst>
+                              <p:cond delay="0"/>
+                            </p:stCondLst>
+                            <p:childTnLst>
+                              <p:par>
+                                <p:cTn id="5" presetID="10" presetClass="entr" presetSubtype="0" fill="hold" nodeType="clickEffect">
+                                  <p:stCondLst>
+                                    <p:cond delay="0"/>
+                                  </p:stCondLst>
+                                  <p:childTnLst>
+                                    <p:set>
+                                      <p:cBhvr>
+                                        <p:cTn id="6" dur="1" fill="hold">
+                                          <p:stCondLst>
+                                            <p:cond delay="0"/>
+                                          </p:stCondLst>
+                                        </p:cTn>
+                                        <p:tgtEl>
+                                          <p:spTgt spid="3">
+                                            <p:txEl>
+                                              <p:pRg st="1" end="1"/>
+                                            </p:txEl>
+                                          </p:spTgt>
+                                        </p:tgtEl>
+                                        <p:attrNameLst>
+                                          <p:attrName>style.visibility</p:attrName>
+                                        </p:attrNameLst>
+                                      </p:cBhvr>
+                                      <p:to>
+                                        <p:strVal val="visible"/>
+                                      </p:to>
+                                    </p:set>
+                                    <p:animEffect transition="in" filter="fade">
+                                      <p:cBhvr>
+                                        <p:cTn id="7" dur="500"/>
+                                        <p:tgtEl>
+                                          <p:spTgt spid="3">
+                                            <p:txEl>
+                                              <p:pRg st="1" end="1"/>
+                                            </p:txEl>
+                                          </p:spTgt>
+                                        </p:tgtEl>
+                                      </p:cBhvr>
+                                    </p:animEffect>
+                                  </p:childTnLst>
+                                </p:cTn>
+                              </p:par>
+                            </p:childTnLst>
+                          </p:cTn>
+                        </p:par>
+                      </p:childTnLst>
+                    </p:cTn>
+                  </p:par>
+                </p:childTnLst>
+              </p:cTn>
+              <p:prevCondLst>
+                <p:cond evt="onPrev" delay="0">
+                  <p:tgtEl>
+                    <p:sldTgt/>
+                  </p:tgtEl>
+                </p:cond>
+              </p:prevCondLst>
+              <p:nextCondLst>
+                <p:cond evt="onNext" delay="0">
+                  <p:tgtEl>
+                    <p:sldTgt/>
+                  </p:tgtEl>
+                </p:cond>
+              </p:nextCondLst>
+            </p:seq>
+          </p:childTnLst>
+        </p:cTn>
+      </p:par>
+    </p:tnLst>
+  </p:timing>
+</p:sld>
+</file>
+
+<file path=ppt/slides/slide42.xml><?xml version="1.0" encoding="utf-8"?>
+<p:sld xmlns:a="http://schemas.openxmlformats.org/drawingml/2006/main" xmlns:r="http://schemas.openxmlformats.org/officeDocument/2006/relationships" xmlns:p="http://schemas.openxmlformats.org/presentationml/2006/main">
+  <p:cSld>
+    <p:spTree>
+      <p:nvGrpSpPr>
+        <p:cNvPr id="1" name=""/>
+        <p:cNvGrpSpPr/>
+        <p:nvPr/>
+      </p:nvGrpSpPr>
+      <p:grpSpPr>
+        <a:xfrm>
+          <a:off x="0" y="0"/>
+          <a:ext cx="0" cy="0"/>
+          <a:chOff x="0" y="0"/>
+          <a:chExt cx="0" cy="0"/>
+        </a:xfrm>
+      </p:grpSpPr>
+      <p:sp>
+        <p:nvSpPr>
+          <p:cNvPr id="2" name="Titel 1">
+            <a:extLst>
+              <a:ext uri="{FF2B5EF4-FFF2-40B4-BE49-F238E27FC236}">
+                <a16:creationId xmlns:a16="http://schemas.microsoft.com/office/drawing/2014/main" id="{4D5CB01A-84BD-1D18-EF2B-CA52DAD9C358}"/>
+              </a:ext>
+            </a:extLst>
+          </p:cNvPr>
+          <p:cNvSpPr>
+            <a:spLocks noGrp="1"/>
+          </p:cNvSpPr>
+          <p:nvPr>
+            <p:ph type="title"/>
+          </p:nvPr>
+        </p:nvSpPr>
+        <p:spPr/>
+        <p:txBody>
+          <a:bodyPr/>
+          <a:lstStyle/>
+          <a:p>
+            <a:r>
+              <a:rPr lang="de-AT" dirty="0" err="1"/>
+              <a:t>React</a:t>
+            </a:r>
+            <a:r>
+              <a:rPr lang="de-AT" dirty="0"/>
+              <a:t> State – Zeitliches Verhalten (4) </a:t>
+            </a:r>
+          </a:p>
+        </p:txBody>
+      </p:sp>
+      <p:sp>
+        <p:nvSpPr>
+          <p:cNvPr id="3" name="Inhaltsplatzhalter 2">
+            <a:extLst>
+              <a:ext uri="{FF2B5EF4-FFF2-40B4-BE49-F238E27FC236}">
+                <a16:creationId xmlns:a16="http://schemas.microsoft.com/office/drawing/2014/main" id="{C78A631F-6003-8696-448A-A5DE671B6903}"/>
+              </a:ext>
+            </a:extLst>
+          </p:cNvPr>
+          <p:cNvSpPr>
+            <a:spLocks noGrp="1"/>
+          </p:cNvSpPr>
+          <p:nvPr>
+            <p:ph idx="1"/>
+          </p:nvPr>
+        </p:nvSpPr>
+        <p:spPr>
+          <a:xfrm>
+            <a:off x="766917" y="2057400"/>
+            <a:ext cx="6717966" cy="4137259"/>
+          </a:xfrm>
+        </p:spPr>
+        <p:txBody>
+          <a:bodyPr>
+            <a:normAutofit/>
+          </a:bodyPr>
+          <a:lstStyle/>
+          <a:p>
+            <a:endParaRPr lang="de-AT" dirty="0"/>
+          </a:p>
+          <a:p>
+            <a:endParaRPr lang="de-AT" dirty="0"/>
+          </a:p>
+          <a:p>
+            <a:endParaRPr lang="de-AT" dirty="0"/>
+          </a:p>
+        </p:txBody>
+      </p:sp>
+      <p:pic>
+        <p:nvPicPr>
+          <p:cNvPr id="5" name="Grafik 4">
+            <a:extLst>
+              <a:ext uri="{FF2B5EF4-FFF2-40B4-BE49-F238E27FC236}">
+                <a16:creationId xmlns:a16="http://schemas.microsoft.com/office/drawing/2014/main" id="{4F29D74C-6E0E-88A8-43C5-88CF71CDFDA4}"/>
+              </a:ext>
+            </a:extLst>
+          </p:cNvPr>
+          <p:cNvPicPr>
+            <a:picLocks noChangeAspect="1"/>
+          </p:cNvPicPr>
+          <p:nvPr/>
+        </p:nvPicPr>
+        <p:blipFill>
+          <a:blip r:embed="rId3"/>
+          <a:stretch>
+            <a:fillRect/>
+          </a:stretch>
+        </p:blipFill>
+        <p:spPr>
+          <a:xfrm>
+            <a:off x="3502570" y="1915998"/>
+            <a:ext cx="5186859" cy="4137259"/>
+          </a:xfrm>
+          <a:prstGeom prst="rect">
+            <a:avLst/>
+          </a:prstGeom>
+        </p:spPr>
+      </p:pic>
+      <p:sp>
+        <p:nvSpPr>
+          <p:cNvPr id="7" name="Textfeld 6">
+            <a:extLst>
+              <a:ext uri="{FF2B5EF4-FFF2-40B4-BE49-F238E27FC236}">
+                <a16:creationId xmlns:a16="http://schemas.microsoft.com/office/drawing/2014/main" id="{771019B6-6455-5D7F-0E8F-F9BE40F7BE41}"/>
+              </a:ext>
+            </a:extLst>
+          </p:cNvPr>
+          <p:cNvSpPr txBox="1"/>
+          <p:nvPr/>
+        </p:nvSpPr>
+        <p:spPr>
+          <a:xfrm>
+            <a:off x="3452363" y="6139347"/>
+            <a:ext cx="8264950" cy="338554"/>
+          </a:xfrm>
+          <a:prstGeom prst="rect">
+            <a:avLst/>
+          </a:prstGeom>
+          <a:noFill/>
+        </p:spPr>
+        <p:txBody>
+          <a:bodyPr wrap="square">
+            <a:spAutoFit/>
+          </a:bodyPr>
+          <a:lstStyle/>
+          <a:p>
+            <a:r>
+              <a:rPr lang="de-AT" sz="1600" dirty="0">
+                <a:hlinkClick r:id="rId4"/>
+              </a:rPr>
+              <a:t>https://react.dev/learn/queueing-a-series-of-state-updates</a:t>
+            </a:r>
+            <a:r>
+              <a:rPr lang="de-AT" sz="1600" dirty="0"/>
+              <a:t> </a:t>
+            </a:r>
+          </a:p>
+        </p:txBody>
+      </p:sp>
+    </p:spTree>
+    <p:extLst>
+      <p:ext uri="{BB962C8B-B14F-4D97-AF65-F5344CB8AC3E}">
+        <p14:creationId xmlns:p14="http://schemas.microsoft.com/office/powerpoint/2010/main" val="1282466888"/>
+      </p:ext>
+    </p:extLst>
+  </p:cSld>
+  <p:clrMapOvr>
+    <a:masterClrMapping/>
+  </p:clrMapOvr>
+</p:sld>
+</file>
+
+<file path=ppt/slides/slide43.xml><?xml version="1.0" encoding="utf-8"?>
+<p:sld xmlns:a="http://schemas.openxmlformats.org/drawingml/2006/main" xmlns:r="http://schemas.openxmlformats.org/officeDocument/2006/relationships" xmlns:p="http://schemas.openxmlformats.org/presentationml/2006/main">
+  <p:cSld>
+    <p:spTree>
+      <p:nvGrpSpPr>
+        <p:cNvPr id="1" name=""/>
+        <p:cNvGrpSpPr/>
+        <p:nvPr/>
+      </p:nvGrpSpPr>
+      <p:grpSpPr>
+        <a:xfrm>
+          <a:off x="0" y="0"/>
+          <a:ext cx="0" cy="0"/>
+          <a:chOff x="0" y="0"/>
+          <a:chExt cx="0" cy="0"/>
+        </a:xfrm>
+      </p:grpSpPr>
+      <p:sp>
+        <p:nvSpPr>
+          <p:cNvPr id="2" name="Titel 1">
+            <a:extLst>
+              <a:ext uri="{FF2B5EF4-FFF2-40B4-BE49-F238E27FC236}">
+                <a16:creationId xmlns:a16="http://schemas.microsoft.com/office/drawing/2014/main" id="{285B07A1-EBDD-4A5D-526A-058DA466C198}"/>
+              </a:ext>
+            </a:extLst>
+          </p:cNvPr>
+          <p:cNvSpPr>
+            <a:spLocks noGrp="1"/>
+          </p:cNvSpPr>
+          <p:nvPr>
+            <p:ph type="title"/>
+          </p:nvPr>
+        </p:nvSpPr>
+        <p:spPr/>
+        <p:txBody>
+          <a:bodyPr/>
+          <a:lstStyle/>
+          <a:p>
+            <a:r>
+              <a:rPr lang="de-AT" dirty="0"/>
+              <a:t>Übung zu States &amp; zeitliches Verhalten</a:t>
+            </a:r>
+          </a:p>
+        </p:txBody>
+      </p:sp>
+      <p:sp>
+        <p:nvSpPr>
+          <p:cNvPr id="3" name="Inhaltsplatzhalter 2">
+            <a:extLst>
+              <a:ext uri="{FF2B5EF4-FFF2-40B4-BE49-F238E27FC236}">
+                <a16:creationId xmlns:a16="http://schemas.microsoft.com/office/drawing/2014/main" id="{43FBC022-8660-D0CF-A2A2-CB1FD810A7F4}"/>
+              </a:ext>
+            </a:extLst>
+          </p:cNvPr>
+          <p:cNvSpPr>
+            <a:spLocks noGrp="1"/>
+          </p:cNvSpPr>
+          <p:nvPr>
+            <p:ph idx="1"/>
+          </p:nvPr>
+        </p:nvSpPr>
+        <p:spPr>
+          <a:xfrm>
+            <a:off x="1027522" y="2057400"/>
+            <a:ext cx="8232742" cy="4137259"/>
+          </a:xfrm>
+        </p:spPr>
+        <p:txBody>
+          <a:bodyPr/>
+          <a:lstStyle/>
+          <a:p>
+            <a:r>
+              <a:rPr lang="de-AT" dirty="0"/>
+              <a:t>Hier ist ein Ampelkomponente, die beim Drücken des Buttons umschaltet</a:t>
+            </a:r>
+          </a:p>
+          <a:p>
+            <a:r>
+              <a:rPr lang="de-AT" dirty="0"/>
+              <a:t>Füge einen Alert zum Klick-Handler hinzu. </a:t>
+            </a:r>
+          </a:p>
+          <a:p>
+            <a:r>
+              <a:rPr lang="de-AT" dirty="0"/>
+              <a:t>Wenn die Ampel grün ist und "Gehen" anzeigt, sollte durch Klicken auf den Button "</a:t>
+            </a:r>
+            <a:r>
+              <a:rPr lang="de-AT" dirty="0" err="1"/>
+              <a:t>Stop</a:t>
+            </a:r>
+            <a:r>
+              <a:rPr lang="de-AT" dirty="0"/>
+              <a:t> kommt als nächstes" angezeigt werden. </a:t>
+            </a:r>
+          </a:p>
+          <a:p>
+            <a:r>
+              <a:rPr lang="de-AT" dirty="0"/>
+              <a:t>Wenn die Ampel rot ist und "</a:t>
+            </a:r>
+            <a:r>
+              <a:rPr lang="de-AT" dirty="0" err="1"/>
+              <a:t>Stop</a:t>
+            </a:r>
+            <a:r>
+              <a:rPr lang="de-AT" dirty="0"/>
+              <a:t>" anzeigt, sollte durch Klicken auf den Button "Gehen kommt als nächstes" angezeigt werden.</a:t>
+            </a:r>
+          </a:p>
+          <a:p>
+            <a:r>
+              <a:rPr lang="de-AT" dirty="0">
+                <a:hlinkClick r:id="rId2"/>
+              </a:rPr>
+              <a:t>https://react.dev/learn/state-as-a-snapshot#challenges</a:t>
+            </a:r>
+            <a:r>
+              <a:rPr lang="de-AT" dirty="0"/>
+              <a:t> </a:t>
+            </a:r>
+          </a:p>
+        </p:txBody>
+      </p:sp>
+      <p:pic>
+        <p:nvPicPr>
+          <p:cNvPr id="2050" name="Picture 2" descr="Ampel - Kostenlose signalisierung Icons">
+            <a:extLst>
+              <a:ext uri="{FF2B5EF4-FFF2-40B4-BE49-F238E27FC236}">
+                <a16:creationId xmlns:a16="http://schemas.microsoft.com/office/drawing/2014/main" id="{43BC2518-9C96-6B45-F978-FCA89417857F}"/>
+              </a:ext>
+            </a:extLst>
+          </p:cNvPr>
+          <p:cNvPicPr>
+            <a:picLocks noChangeAspect="1" noChangeArrowheads="1"/>
+          </p:cNvPicPr>
+          <p:nvPr/>
+        </p:nvPicPr>
+        <p:blipFill>
+          <a:blip r:embed="rId3">
+            <a:extLst>
+              <a:ext uri="{28A0092B-C50C-407E-A947-70E740481C1C}">
+                <a14:useLocalDpi xmlns:a14="http://schemas.microsoft.com/office/drawing/2010/main" val="0"/>
+              </a:ext>
+            </a:extLst>
+          </a:blip>
+          <a:srcRect/>
+          <a:stretch>
+            <a:fillRect/>
+          </a:stretch>
+        </p:blipFill>
+        <p:spPr bwMode="auto">
+          <a:xfrm>
+            <a:off x="9260264" y="2432115"/>
+            <a:ext cx="2586871" cy="2586871"/>
+          </a:xfrm>
+          <a:prstGeom prst="rect">
+            <a:avLst/>
+          </a:prstGeom>
+          <a:noFill/>
+          <a:extLst>
+            <a:ext uri="{909E8E84-426E-40DD-AFC4-6F175D3DCCD1}">
+              <a14:hiddenFill xmlns:a14="http://schemas.microsoft.com/office/drawing/2010/main">
+                <a:solidFill>
+                  <a:srgbClr val="FFFFFF"/>
+                </a:solidFill>
+              </a14:hiddenFill>
+            </a:ext>
+          </a:extLst>
+        </p:spPr>
+      </p:pic>
+    </p:spTree>
+    <p:extLst>
+      <p:ext uri="{BB962C8B-B14F-4D97-AF65-F5344CB8AC3E}">
+        <p14:creationId xmlns:p14="http://schemas.microsoft.com/office/powerpoint/2010/main" val="1799012286"/>
+      </p:ext>
+    </p:extLst>
+  </p:cSld>
+  <p:clrMapOvr>
+    <a:masterClrMapping/>
+  </p:clrMapOvr>
+</p:sld>
+</file>
+
+<file path=ppt/slides/slide44.xml><?xml version="1.0" encoding="utf-8"?>
+<p:sld xmlns:a="http://schemas.openxmlformats.org/drawingml/2006/main" xmlns:r="http://schemas.openxmlformats.org/officeDocument/2006/relationships" xmlns:p="http://schemas.openxmlformats.org/presentationml/2006/main">
+  <p:cSld>
+    <p:spTree>
+      <p:nvGrpSpPr>
+        <p:cNvPr id="1" name=""/>
+        <p:cNvGrpSpPr/>
+        <p:nvPr/>
+      </p:nvGrpSpPr>
+      <p:grpSpPr>
+        <a:xfrm>
+          <a:off x="0" y="0"/>
+          <a:ext cx="0" cy="0"/>
+          <a:chOff x="0" y="0"/>
+          <a:chExt cx="0" cy="0"/>
+        </a:xfrm>
+      </p:grpSpPr>
+      <p:sp>
+        <p:nvSpPr>
+          <p:cNvPr id="2" name="Titel 1">
+            <a:extLst>
+              <a:ext uri="{FF2B5EF4-FFF2-40B4-BE49-F238E27FC236}">
+                <a16:creationId xmlns:a16="http://schemas.microsoft.com/office/drawing/2014/main" id="{4D5CB01A-84BD-1D18-EF2B-CA52DAD9C358}"/>
+              </a:ext>
+            </a:extLst>
+          </p:cNvPr>
+          <p:cNvSpPr>
+            <a:spLocks noGrp="1"/>
+          </p:cNvSpPr>
+          <p:nvPr>
+            <p:ph type="title"/>
+          </p:nvPr>
+        </p:nvSpPr>
+        <p:spPr>
+          <a:xfrm>
+            <a:off x="766917" y="769462"/>
+            <a:ext cx="8754155" cy="1371600"/>
+          </a:xfrm>
+        </p:spPr>
+        <p:txBody>
+          <a:bodyPr/>
+          <a:lstStyle/>
+          <a:p>
+            <a:r>
+              <a:rPr lang="de-AT" dirty="0"/>
+              <a:t>Mehrfache Änderung eines Zustands (</a:t>
+            </a:r>
+            <a:r>
+              <a:rPr lang="de-AT" dirty="0" err="1"/>
+              <a:t>updater</a:t>
+            </a:r>
+            <a:r>
+              <a:rPr lang="de-AT" dirty="0"/>
+              <a:t> </a:t>
+            </a:r>
+            <a:r>
+              <a:rPr lang="de-AT" dirty="0" err="1"/>
+              <a:t>functions</a:t>
+            </a:r>
+            <a:r>
+              <a:rPr lang="de-AT" dirty="0"/>
+              <a:t>)</a:t>
+            </a:r>
+          </a:p>
+        </p:txBody>
+      </p:sp>
+      <p:sp>
+        <p:nvSpPr>
+          <p:cNvPr id="3" name="Inhaltsplatzhalter 2">
+            <a:extLst>
+              <a:ext uri="{FF2B5EF4-FFF2-40B4-BE49-F238E27FC236}">
+                <a16:creationId xmlns:a16="http://schemas.microsoft.com/office/drawing/2014/main" id="{C78A631F-6003-8696-448A-A5DE671B6903}"/>
+              </a:ext>
+            </a:extLst>
+          </p:cNvPr>
+          <p:cNvSpPr>
+            <a:spLocks noGrp="1"/>
+          </p:cNvSpPr>
+          <p:nvPr>
+            <p:ph idx="1"/>
+          </p:nvPr>
+        </p:nvSpPr>
+        <p:spPr>
+          <a:xfrm>
+            <a:off x="672649" y="2264790"/>
+            <a:ext cx="6717966" cy="4137259"/>
+          </a:xfrm>
+        </p:spPr>
+        <p:txBody>
+          <a:bodyPr>
+            <a:normAutofit/>
+          </a:bodyPr>
+          <a:lstStyle/>
+          <a:p>
+            <a:r>
+              <a:rPr lang="de-AT" dirty="0"/>
+              <a:t>Das mehrfache Aktualisieren desselben Zustands vor dem nächsten Rendering kann in seltenen Fällen notwendig sein.</a:t>
+            </a:r>
+          </a:p>
+          <a:p>
+            <a:r>
+              <a:rPr lang="de-AT" dirty="0"/>
+              <a:t>Anstelle von </a:t>
+            </a:r>
+            <a:r>
+              <a:rPr lang="de-AT" dirty="0" err="1"/>
+              <a:t>setNumber</a:t>
+            </a:r>
+            <a:r>
+              <a:rPr lang="de-AT" dirty="0"/>
+              <a:t>(</a:t>
+            </a:r>
+            <a:r>
+              <a:rPr lang="de-AT" dirty="0" err="1"/>
+              <a:t>number</a:t>
+            </a:r>
+            <a:r>
+              <a:rPr lang="de-AT" dirty="0"/>
+              <a:t> + 1) kann eine Funktion übergeben werden, die den nächsten Zustand basierend auf dem vorherigen berechnet, wie z. B. </a:t>
+            </a:r>
+            <a:r>
+              <a:rPr lang="de-AT" dirty="0" err="1"/>
+              <a:t>setNumber</a:t>
+            </a:r>
+            <a:r>
+              <a:rPr lang="de-AT" dirty="0"/>
+              <a:t>(n =&gt; n + 1).</a:t>
+            </a:r>
+          </a:p>
+          <a:p>
+            <a:r>
+              <a:rPr lang="de-AT" dirty="0"/>
+              <a:t>Hier wird eine sogenannte </a:t>
+            </a:r>
+            <a:r>
+              <a:rPr lang="de-AT" dirty="0" err="1"/>
+              <a:t>updater</a:t>
+            </a:r>
+            <a:r>
+              <a:rPr lang="de-AT" dirty="0"/>
+              <a:t> </a:t>
+            </a:r>
+            <a:r>
+              <a:rPr lang="de-AT" dirty="0" err="1"/>
+              <a:t>function</a:t>
+            </a:r>
+            <a:r>
+              <a:rPr lang="de-AT" dirty="0"/>
+              <a:t> verwendet um den zukünftigen Wert, basierend auf dem zuvor gesetzten Wert, zu berechnen  </a:t>
+            </a:r>
+          </a:p>
+          <a:p>
+            <a:endParaRPr lang="de-AT" dirty="0"/>
+          </a:p>
+        </p:txBody>
+      </p:sp>
+      <p:pic>
+        <p:nvPicPr>
+          <p:cNvPr id="7" name="Grafik 6">
+            <a:extLst>
+              <a:ext uri="{FF2B5EF4-FFF2-40B4-BE49-F238E27FC236}">
+                <a16:creationId xmlns:a16="http://schemas.microsoft.com/office/drawing/2014/main" id="{5F4B3BA2-DED9-3BD6-A2F7-2B8C24044737}"/>
+              </a:ext>
+            </a:extLst>
+          </p:cNvPr>
+          <p:cNvPicPr>
+            <a:picLocks noChangeAspect="1"/>
+          </p:cNvPicPr>
+          <p:nvPr/>
+        </p:nvPicPr>
+        <p:blipFill>
+          <a:blip r:embed="rId3"/>
+          <a:stretch>
+            <a:fillRect/>
+          </a:stretch>
+        </p:blipFill>
+        <p:spPr>
+          <a:xfrm>
+            <a:off x="7705293" y="2141062"/>
+            <a:ext cx="4219614" cy="3969933"/>
+          </a:xfrm>
+          <a:prstGeom prst="rect">
+            <a:avLst/>
+          </a:prstGeom>
+        </p:spPr>
+      </p:pic>
+    </p:spTree>
+    <p:extLst>
+      <p:ext uri="{BB962C8B-B14F-4D97-AF65-F5344CB8AC3E}">
+        <p14:creationId xmlns:p14="http://schemas.microsoft.com/office/powerpoint/2010/main" val="1528092863"/>
+      </p:ext>
+    </p:extLst>
+  </p:cSld>
+  <p:clrMapOvr>
+    <a:masterClrMapping/>
+  </p:clrMapOvr>
+</p:sld>
+</file>
+
+<file path=ppt/slides/slide45.xml><?xml version="1.0" encoding="utf-8"?>
+<p:sld xmlns:a="http://schemas.openxmlformats.org/drawingml/2006/main" xmlns:r="http://schemas.openxmlformats.org/officeDocument/2006/relationships" xmlns:p="http://schemas.openxmlformats.org/presentationml/2006/main">
+  <p:cSld>
+    <p:spTree>
+      <p:nvGrpSpPr>
+        <p:cNvPr id="1" name=""/>
+        <p:cNvGrpSpPr/>
+        <p:nvPr/>
+      </p:nvGrpSpPr>
+      <p:grpSpPr>
+        <a:xfrm>
+          <a:off x="0" y="0"/>
+          <a:ext cx="0" cy="0"/>
+          <a:chOff x="0" y="0"/>
+          <a:chExt cx="0" cy="0"/>
+        </a:xfrm>
+      </p:grpSpPr>
+      <p:sp>
+        <p:nvSpPr>
+          <p:cNvPr id="2" name="Titel 1">
+            <a:extLst>
+              <a:ext uri="{FF2B5EF4-FFF2-40B4-BE49-F238E27FC236}">
+                <a16:creationId xmlns:a16="http://schemas.microsoft.com/office/drawing/2014/main" id="{43F8B18B-4F59-F868-3302-ECCC56793396}"/>
+              </a:ext>
+            </a:extLst>
+          </p:cNvPr>
+          <p:cNvSpPr>
+            <a:spLocks noGrp="1"/>
+          </p:cNvSpPr>
+          <p:nvPr>
+            <p:ph type="title"/>
+          </p:nvPr>
+        </p:nvSpPr>
+        <p:spPr/>
+        <p:txBody>
+          <a:bodyPr/>
+          <a:lstStyle/>
+          <a:p>
+            <a:r>
+              <a:rPr lang="de-AT" dirty="0"/>
+              <a:t>Mehrfache Änderung eines Zustands</a:t>
+            </a:r>
+          </a:p>
+        </p:txBody>
+      </p:sp>
+      <p:sp>
+        <p:nvSpPr>
+          <p:cNvPr id="3" name="Inhaltsplatzhalter 2">
+            <a:extLst>
+              <a:ext uri="{FF2B5EF4-FFF2-40B4-BE49-F238E27FC236}">
+                <a16:creationId xmlns:a16="http://schemas.microsoft.com/office/drawing/2014/main" id="{347BA933-0B0D-D396-9DA7-E6D81098DE48}"/>
+              </a:ext>
+            </a:extLst>
+          </p:cNvPr>
+          <p:cNvSpPr>
+            <a:spLocks noGrp="1"/>
+          </p:cNvSpPr>
+          <p:nvPr>
+            <p:ph idx="1"/>
+          </p:nvPr>
+        </p:nvSpPr>
+        <p:spPr/>
+        <p:txBody>
+          <a:bodyPr/>
+          <a:lstStyle/>
+          <a:p>
+            <a:r>
+              <a:rPr lang="de-AT" dirty="0"/>
+              <a:t>Was passiert beim Klick auf den Button?</a:t>
+            </a:r>
+          </a:p>
+          <a:p>
+            <a:r>
+              <a:rPr lang="de-AT" dirty="0"/>
+              <a:t>Ausgabe: 6</a:t>
+            </a:r>
+          </a:p>
+        </p:txBody>
+      </p:sp>
+      <p:pic>
+        <p:nvPicPr>
+          <p:cNvPr id="5" name="Grafik 4">
+            <a:extLst>
+              <a:ext uri="{FF2B5EF4-FFF2-40B4-BE49-F238E27FC236}">
+                <a16:creationId xmlns:a16="http://schemas.microsoft.com/office/drawing/2014/main" id="{DB70F639-7142-1B76-AC0E-A58C17E4F6C7}"/>
+              </a:ext>
+            </a:extLst>
+          </p:cNvPr>
+          <p:cNvPicPr>
+            <a:picLocks noChangeAspect="1"/>
+          </p:cNvPicPr>
+          <p:nvPr/>
+        </p:nvPicPr>
+        <p:blipFill>
+          <a:blip r:embed="rId2"/>
+          <a:stretch>
+            <a:fillRect/>
+          </a:stretch>
+        </p:blipFill>
+        <p:spPr>
+          <a:xfrm>
+            <a:off x="8299540" y="2316097"/>
+            <a:ext cx="3409107" cy="3038328"/>
+          </a:xfrm>
+          <a:prstGeom prst="rect">
+            <a:avLst/>
+          </a:prstGeom>
+        </p:spPr>
+      </p:pic>
+    </p:spTree>
+    <p:extLst>
+      <p:ext uri="{BB962C8B-B14F-4D97-AF65-F5344CB8AC3E}">
+        <p14:creationId xmlns:p14="http://schemas.microsoft.com/office/powerpoint/2010/main" val="2455686293"/>
+      </p:ext>
+    </p:extLst>
+  </p:cSld>
+  <p:clrMapOvr>
+    <a:masterClrMapping/>
+  </p:clrMapOvr>
+  <p:timing>
+    <p:tnLst>
+      <p:par>
+        <p:cTn id="1" dur="indefinite" restart="never" nodeType="tmRoot">
+          <p:childTnLst>
+            <p:seq concurrent="1" nextAc="seek">
+              <p:cTn id="2" dur="indefinite" nodeType="mainSeq">
+                <p:childTnLst>
+                  <p:par>
+                    <p:cTn id="3" fill="hold">
+                      <p:stCondLst>
+                        <p:cond delay="indefinite"/>
+                      </p:stCondLst>
+                      <p:childTnLst>
+                        <p:par>
+                          <p:cTn id="4" fill="hold">
+                            <p:stCondLst>
+                              <p:cond delay="0"/>
+                            </p:stCondLst>
+                            <p:childTnLst>
+                              <p:par>
+                                <p:cTn id="5" presetID="10" presetClass="entr" presetSubtype="0" fill="hold" nodeType="clickEffect">
+                                  <p:stCondLst>
+                                    <p:cond delay="0"/>
+                                  </p:stCondLst>
+                                  <p:childTnLst>
+                                    <p:set>
+                                      <p:cBhvr>
+                                        <p:cTn id="6" dur="1" fill="hold">
+                                          <p:stCondLst>
+                                            <p:cond delay="0"/>
+                                          </p:stCondLst>
+                                        </p:cTn>
+                                        <p:tgtEl>
+                                          <p:spTgt spid="3">
+                                            <p:txEl>
+                                              <p:pRg st="1" end="1"/>
+                                            </p:txEl>
+                                          </p:spTgt>
+                                        </p:tgtEl>
+                                        <p:attrNameLst>
+                                          <p:attrName>style.visibility</p:attrName>
+                                        </p:attrNameLst>
+                                      </p:cBhvr>
+                                      <p:to>
+                                        <p:strVal val="visible"/>
+                                      </p:to>
+                                    </p:set>
+                                    <p:animEffect transition="in" filter="fade">
+                                      <p:cBhvr>
+                                        <p:cTn id="7" dur="500"/>
+                                        <p:tgtEl>
+                                          <p:spTgt spid="3">
+                                            <p:txEl>
+                                              <p:pRg st="1" end="1"/>
+                                            </p:txEl>
+                                          </p:spTgt>
+                                        </p:tgtEl>
+                                      </p:cBhvr>
+                                    </p:animEffect>
+                                  </p:childTnLst>
+                                </p:cTn>
+                              </p:par>
+                            </p:childTnLst>
+                          </p:cTn>
+                        </p:par>
+                      </p:childTnLst>
+                    </p:cTn>
+                  </p:par>
+                </p:childTnLst>
+              </p:cTn>
+              <p:prevCondLst>
+                <p:cond evt="onPrev" delay="0">
+                  <p:tgtEl>
+                    <p:sldTgt/>
+                  </p:tgtEl>
+                </p:cond>
+              </p:prevCondLst>
+              <p:nextCondLst>
+                <p:cond evt="onNext" delay="0">
+                  <p:tgtEl>
+                    <p:sldTgt/>
+                  </p:tgtEl>
+                </p:cond>
+              </p:nextCondLst>
+            </p:seq>
+          </p:childTnLst>
+        </p:cTn>
+      </p:par>
+    </p:tnLst>
+  </p:timing>
+</p:sld>
+</file>
+
+<file path=ppt/slides/slide46.xml><?xml version="1.0" encoding="utf-8"?>
+<p:sld xmlns:a="http://schemas.openxmlformats.org/drawingml/2006/main" xmlns:r="http://schemas.openxmlformats.org/officeDocument/2006/relationships" xmlns:p="http://schemas.openxmlformats.org/presentationml/2006/main">
+  <p:cSld>
+    <p:spTree>
+      <p:nvGrpSpPr>
+        <p:cNvPr id="1" name=""/>
+        <p:cNvGrpSpPr/>
+        <p:nvPr/>
+      </p:nvGrpSpPr>
+      <p:grpSpPr>
+        <a:xfrm>
+          <a:off x="0" y="0"/>
+          <a:ext cx="0" cy="0"/>
+          <a:chOff x="0" y="0"/>
+          <a:chExt cx="0" cy="0"/>
+        </a:xfrm>
+      </p:grpSpPr>
+      <p:sp>
+        <p:nvSpPr>
+          <p:cNvPr id="2" name="Titel 1">
+            <a:extLst>
+              <a:ext uri="{FF2B5EF4-FFF2-40B4-BE49-F238E27FC236}">
+                <a16:creationId xmlns:a16="http://schemas.microsoft.com/office/drawing/2014/main" id="{43F8B18B-4F59-F868-3302-ECCC56793396}"/>
+              </a:ext>
+            </a:extLst>
+          </p:cNvPr>
+          <p:cNvSpPr>
+            <a:spLocks noGrp="1"/>
+          </p:cNvSpPr>
+          <p:nvPr>
+            <p:ph type="title"/>
+          </p:nvPr>
+        </p:nvSpPr>
+        <p:spPr/>
+        <p:txBody>
+          <a:bodyPr/>
+          <a:lstStyle/>
+          <a:p>
+            <a:r>
+              <a:rPr lang="de-AT" dirty="0"/>
+              <a:t>Mehrfache Änderung eines Zustands</a:t>
+            </a:r>
+          </a:p>
+        </p:txBody>
+      </p:sp>
+      <p:sp>
+        <p:nvSpPr>
+          <p:cNvPr id="3" name="Inhaltsplatzhalter 2">
+            <a:extLst>
+              <a:ext uri="{FF2B5EF4-FFF2-40B4-BE49-F238E27FC236}">
+                <a16:creationId xmlns:a16="http://schemas.microsoft.com/office/drawing/2014/main" id="{347BA933-0B0D-D396-9DA7-E6D81098DE48}"/>
+              </a:ext>
+            </a:extLst>
+          </p:cNvPr>
+          <p:cNvSpPr>
+            <a:spLocks noGrp="1"/>
+          </p:cNvSpPr>
+          <p:nvPr>
+            <p:ph idx="1"/>
+          </p:nvPr>
+        </p:nvSpPr>
+        <p:spPr/>
+        <p:txBody>
+          <a:bodyPr/>
+          <a:lstStyle/>
+          <a:p>
+            <a:r>
+              <a:rPr lang="de-AT" dirty="0"/>
+              <a:t>Was passiert beim Klick auf den Button?</a:t>
+            </a:r>
+          </a:p>
+          <a:p>
+            <a:r>
+              <a:rPr lang="de-AT" dirty="0"/>
+              <a:t>Ausgabe: 5</a:t>
+            </a:r>
+          </a:p>
+        </p:txBody>
+      </p:sp>
+      <p:pic>
+        <p:nvPicPr>
+          <p:cNvPr id="6" name="Grafik 5">
+            <a:extLst>
+              <a:ext uri="{FF2B5EF4-FFF2-40B4-BE49-F238E27FC236}">
+                <a16:creationId xmlns:a16="http://schemas.microsoft.com/office/drawing/2014/main" id="{10793C10-A258-AB8A-6673-9C2E35D9234E}"/>
+              </a:ext>
+            </a:extLst>
+          </p:cNvPr>
+          <p:cNvPicPr>
+            <a:picLocks noChangeAspect="1"/>
+          </p:cNvPicPr>
+          <p:nvPr/>
+        </p:nvPicPr>
+        <p:blipFill>
+          <a:blip r:embed="rId2"/>
+          <a:stretch>
+            <a:fillRect/>
+          </a:stretch>
+        </p:blipFill>
+        <p:spPr>
+          <a:xfrm>
+            <a:off x="7503736" y="2057399"/>
+            <a:ext cx="4250777" cy="3778469"/>
+          </a:xfrm>
+          <a:prstGeom prst="rect">
+            <a:avLst/>
+          </a:prstGeom>
+        </p:spPr>
+      </p:pic>
+    </p:spTree>
+    <p:extLst>
+      <p:ext uri="{BB962C8B-B14F-4D97-AF65-F5344CB8AC3E}">
+        <p14:creationId xmlns:p14="http://schemas.microsoft.com/office/powerpoint/2010/main" val="1305998804"/>
+      </p:ext>
+    </p:extLst>
+  </p:cSld>
+  <p:clrMapOvr>
+    <a:masterClrMapping/>
+  </p:clrMapOvr>
+  <p:timing>
+    <p:tnLst>
+      <p:par>
+        <p:cTn id="1" dur="indefinite" restart="never" nodeType="tmRoot">
+          <p:childTnLst>
+            <p:seq concurrent="1" nextAc="seek">
+              <p:cTn id="2" dur="indefinite" nodeType="mainSeq">
+                <p:childTnLst>
+                  <p:par>
+                    <p:cTn id="3" fill="hold">
+                      <p:stCondLst>
+                        <p:cond delay="indefinite"/>
+                      </p:stCondLst>
+                      <p:childTnLst>
+                        <p:par>
+                          <p:cTn id="4" fill="hold">
+                            <p:stCondLst>
+                              <p:cond delay="0"/>
+                            </p:stCondLst>
+                            <p:childTnLst>
+                              <p:par>
+                                <p:cTn id="5" presetID="10" presetClass="entr" presetSubtype="0" fill="hold" nodeType="clickEffect">
+                                  <p:stCondLst>
+                                    <p:cond delay="0"/>
+                                  </p:stCondLst>
+                                  <p:childTnLst>
+                                    <p:set>
+                                      <p:cBhvr>
+                                        <p:cTn id="6" dur="1" fill="hold">
+                                          <p:stCondLst>
+                                            <p:cond delay="0"/>
+                                          </p:stCondLst>
+                                        </p:cTn>
+                                        <p:tgtEl>
+                                          <p:spTgt spid="3">
+                                            <p:txEl>
+                                              <p:pRg st="1" end="1"/>
+                                            </p:txEl>
+                                          </p:spTgt>
+                                        </p:tgtEl>
+                                        <p:attrNameLst>
+                                          <p:attrName>style.visibility</p:attrName>
+                                        </p:attrNameLst>
+                                      </p:cBhvr>
+                                      <p:to>
+                                        <p:strVal val="visible"/>
+                                      </p:to>
+                                    </p:set>
+                                    <p:animEffect transition="in" filter="fade">
+                                      <p:cBhvr>
+                                        <p:cTn id="7" dur="500"/>
+                                        <p:tgtEl>
+                                          <p:spTgt spid="3">
+                                            <p:txEl>
+                                              <p:pRg st="1" end="1"/>
+                                            </p:txEl>
+                                          </p:spTgt>
+                                        </p:tgtEl>
+                                      </p:cBhvr>
+                                    </p:animEffect>
+                                  </p:childTnLst>
+                                </p:cTn>
+                              </p:par>
+                            </p:childTnLst>
+                          </p:cTn>
+                        </p:par>
+                      </p:childTnLst>
+                    </p:cTn>
+                  </p:par>
+                </p:childTnLst>
+              </p:cTn>
+              <p:prevCondLst>
+                <p:cond evt="onPrev" delay="0">
+                  <p:tgtEl>
+                    <p:sldTgt/>
+                  </p:tgtEl>
+                </p:cond>
+              </p:prevCondLst>
+              <p:nextCondLst>
+                <p:cond evt="onNext" delay="0">
+                  <p:tgtEl>
+                    <p:sldTgt/>
+                  </p:tgtEl>
+                </p:cond>
+              </p:nextCondLst>
+            </p:seq>
+          </p:childTnLst>
+        </p:cTn>
+      </p:par>
+    </p:tnLst>
+  </p:timing>
+</p:sld>
+</file>
+
+<file path=ppt/slides/slide47.xml><?xml version="1.0" encoding="utf-8"?>
+<p:sld xmlns:a="http://schemas.openxmlformats.org/drawingml/2006/main" xmlns:r="http://schemas.openxmlformats.org/officeDocument/2006/relationships" xmlns:p="http://schemas.openxmlformats.org/presentationml/2006/main">
+  <p:cSld>
+    <p:spTree>
+      <p:nvGrpSpPr>
+        <p:cNvPr id="1" name=""/>
+        <p:cNvGrpSpPr/>
+        <p:nvPr/>
+      </p:nvGrpSpPr>
+      <p:grpSpPr>
+        <a:xfrm>
+          <a:off x="0" y="0"/>
+          <a:ext cx="0" cy="0"/>
+          <a:chOff x="0" y="0"/>
+          <a:chExt cx="0" cy="0"/>
+        </a:xfrm>
+      </p:grpSpPr>
+      <p:sp>
+        <p:nvSpPr>
+          <p:cNvPr id="2" name="Titel 1">
+            <a:extLst>
+              <a:ext uri="{FF2B5EF4-FFF2-40B4-BE49-F238E27FC236}">
+                <a16:creationId xmlns:a16="http://schemas.microsoft.com/office/drawing/2014/main" id="{43F8B18B-4F59-F868-3302-ECCC56793396}"/>
+              </a:ext>
+            </a:extLst>
+          </p:cNvPr>
+          <p:cNvSpPr>
+            <a:spLocks noGrp="1"/>
+          </p:cNvSpPr>
+          <p:nvPr>
+            <p:ph type="title"/>
+          </p:nvPr>
+        </p:nvSpPr>
+        <p:spPr>
+          <a:xfrm>
+            <a:off x="884154" y="554622"/>
+            <a:ext cx="9862402" cy="1371600"/>
+          </a:xfrm>
+        </p:spPr>
+        <p:txBody>
+          <a:bodyPr/>
+          <a:lstStyle/>
+          <a:p>
+            <a:r>
+              <a:rPr lang="de-AT" dirty="0"/>
+              <a:t>Übung zu mehrfache Änderung eines Zustands</a:t>
+            </a:r>
+          </a:p>
+        </p:txBody>
+      </p:sp>
+      <p:sp>
+        <p:nvSpPr>
+          <p:cNvPr id="3" name="Inhaltsplatzhalter 2">
+            <a:extLst>
+              <a:ext uri="{FF2B5EF4-FFF2-40B4-BE49-F238E27FC236}">
+                <a16:creationId xmlns:a16="http://schemas.microsoft.com/office/drawing/2014/main" id="{347BA933-0B0D-D396-9DA7-E6D81098DE48}"/>
+              </a:ext>
+            </a:extLst>
+          </p:cNvPr>
+          <p:cNvSpPr>
+            <a:spLocks noGrp="1"/>
+          </p:cNvSpPr>
+          <p:nvPr>
+            <p:ph idx="1"/>
+          </p:nvPr>
+        </p:nvSpPr>
+        <p:spPr>
+          <a:xfrm>
+            <a:off x="735291" y="1926222"/>
+            <a:ext cx="8229600" cy="4137259"/>
+          </a:xfrm>
+        </p:spPr>
+        <p:txBody>
+          <a:bodyPr>
+            <a:normAutofit/>
+          </a:bodyPr>
+          <a:lstStyle/>
+          <a:p>
+            <a:r>
+              <a:rPr lang="de-AT" dirty="0"/>
+              <a:t>Jedes Mal, wenn der Benutzer die Schaltfläche „Buy" drückt, soll der „</a:t>
+            </a:r>
+            <a:r>
+              <a:rPr lang="de-AT" dirty="0" err="1"/>
+              <a:t>Pending</a:t>
+            </a:r>
+            <a:r>
+              <a:rPr lang="de-AT" dirty="0"/>
+              <a:t>"-Zähler um eins erhöht werden. Nach drei Sekunden soll der „</a:t>
+            </a:r>
+            <a:r>
+              <a:rPr lang="de-AT" dirty="0" err="1"/>
+              <a:t>Pending</a:t>
+            </a:r>
+            <a:r>
+              <a:rPr lang="de-AT" dirty="0"/>
+              <a:t>"-Zähler abnehmen und der „</a:t>
+            </a:r>
+            <a:r>
+              <a:rPr lang="de-AT" dirty="0" err="1"/>
+              <a:t>Completed</a:t>
+            </a:r>
+            <a:r>
+              <a:rPr lang="de-AT" dirty="0"/>
+              <a:t>"-Zähler erhöhen.</a:t>
+            </a:r>
+          </a:p>
+          <a:p>
+            <a:r>
+              <a:rPr lang="de-AT" dirty="0"/>
+              <a:t>Jedoch verhält sich der „</a:t>
+            </a:r>
+            <a:r>
+              <a:rPr lang="de-AT" dirty="0" err="1"/>
+              <a:t>Pending</a:t>
+            </a:r>
+            <a:r>
+              <a:rPr lang="de-AT" dirty="0"/>
+              <a:t>"-Zähler nicht wie beabsichtigt. Wenn du auf „Buy" drückst, verringert er sich auf -1 (was nicht möglich sein sollte!). Und wenn du zweimal schnell hintereinander klickst, verhalten sich beide Zähler anscheinend unvorhersehbar.</a:t>
+            </a:r>
+          </a:p>
+          <a:p>
+            <a:r>
+              <a:rPr lang="de-AT" dirty="0"/>
+              <a:t>Warum passiert das? Behebe beide Zähler.</a:t>
+            </a:r>
+            <a:endParaRPr lang="de-AT" dirty="0">
+              <a:hlinkClick r:id="rId2"/>
+            </a:endParaRPr>
+          </a:p>
+          <a:p>
+            <a:r>
+              <a:rPr lang="de-AT" dirty="0">
+                <a:hlinkClick r:id="rId2"/>
+              </a:rPr>
+              <a:t>https://react.dev/learn/queueing-a-series-of-state-updates#challenges</a:t>
+            </a:r>
+            <a:r>
+              <a:rPr lang="de-AT" dirty="0"/>
+              <a:t> </a:t>
+            </a:r>
+          </a:p>
+        </p:txBody>
+      </p:sp>
+      <p:pic>
+        <p:nvPicPr>
+          <p:cNvPr id="8" name="Grafik 7">
+            <a:extLst>
+              <a:ext uri="{FF2B5EF4-FFF2-40B4-BE49-F238E27FC236}">
+                <a16:creationId xmlns:a16="http://schemas.microsoft.com/office/drawing/2014/main" id="{F0B4DEB3-FFAA-B7FC-A3E7-6F24F9D50621}"/>
+              </a:ext>
+            </a:extLst>
+          </p:cNvPr>
+          <p:cNvPicPr>
+            <a:picLocks noChangeAspect="1"/>
+          </p:cNvPicPr>
+          <p:nvPr/>
+        </p:nvPicPr>
+        <p:blipFill rotWithShape="1">
+          <a:blip r:embed="rId3"/>
+          <a:srcRect r="53814"/>
+          <a:stretch/>
+        </p:blipFill>
+        <p:spPr>
+          <a:xfrm>
+            <a:off x="9221573" y="3392501"/>
+            <a:ext cx="2235136" cy="1467055"/>
+          </a:xfrm>
+          <a:prstGeom prst="rect">
+            <a:avLst/>
+          </a:prstGeom>
+        </p:spPr>
+      </p:pic>
+    </p:spTree>
+    <p:extLst>
+      <p:ext uri="{BB962C8B-B14F-4D97-AF65-F5344CB8AC3E}">
+        <p14:creationId xmlns:p14="http://schemas.microsoft.com/office/powerpoint/2010/main" val="4119036954"/>
+      </p:ext>
+    </p:extLst>
+  </p:cSld>
+  <p:clrMapOvr>
+    <a:masterClrMapping/>
+  </p:clrMapOvr>
+</p:sld>
+</file>
+
+<file path=ppt/slides/slide48.xml><?xml version="1.0" encoding="utf-8"?>
+<p:sld xmlns:a="http://schemas.openxmlformats.org/drawingml/2006/main" xmlns:r="http://schemas.openxmlformats.org/officeDocument/2006/relationships" xmlns:p="http://schemas.openxmlformats.org/presentationml/2006/main">
+  <p:cSld>
+    <p:spTree>
+      <p:nvGrpSpPr>
+        <p:cNvPr id="1" name=""/>
+        <p:cNvGrpSpPr/>
+        <p:nvPr/>
+      </p:nvGrpSpPr>
+      <p:grpSpPr>
+        <a:xfrm>
+          <a:off x="0" y="0"/>
+          <a:ext cx="0" cy="0"/>
+          <a:chOff x="0" y="0"/>
+          <a:chExt cx="0" cy="0"/>
+        </a:xfrm>
+      </p:grpSpPr>
+      <p:sp>
+        <p:nvSpPr>
+          <p:cNvPr id="2" name="Titel 1">
+            <a:extLst>
+              <a:ext uri="{FF2B5EF4-FFF2-40B4-BE49-F238E27FC236}">
+                <a16:creationId xmlns:a16="http://schemas.microsoft.com/office/drawing/2014/main" id="{43F8B18B-4F59-F868-3302-ECCC56793396}"/>
+              </a:ext>
+            </a:extLst>
+          </p:cNvPr>
+          <p:cNvSpPr>
+            <a:spLocks noGrp="1"/>
+          </p:cNvSpPr>
+          <p:nvPr>
+            <p:ph type="title"/>
+          </p:nvPr>
+        </p:nvSpPr>
+        <p:spPr/>
+        <p:txBody>
+          <a:bodyPr/>
+          <a:lstStyle/>
+          <a:p>
+            <a:r>
+              <a:rPr lang="de-AT" dirty="0"/>
+              <a:t>State-Objekte</a:t>
+            </a:r>
+          </a:p>
+        </p:txBody>
+      </p:sp>
+      <p:sp>
+        <p:nvSpPr>
+          <p:cNvPr id="3" name="Inhaltsplatzhalter 2">
+            <a:extLst>
+              <a:ext uri="{FF2B5EF4-FFF2-40B4-BE49-F238E27FC236}">
+                <a16:creationId xmlns:a16="http://schemas.microsoft.com/office/drawing/2014/main" id="{347BA933-0B0D-D396-9DA7-E6D81098DE48}"/>
+              </a:ext>
+            </a:extLst>
+          </p:cNvPr>
+          <p:cNvSpPr>
+            <a:spLocks noGrp="1"/>
+          </p:cNvSpPr>
+          <p:nvPr>
+            <p:ph idx="1"/>
+          </p:nvPr>
+        </p:nvSpPr>
+        <p:spPr>
+          <a:xfrm>
+            <a:off x="744718" y="2057400"/>
+            <a:ext cx="7117237" cy="4137259"/>
+          </a:xfrm>
+        </p:spPr>
+        <p:txBody>
+          <a:bodyPr>
+            <a:normAutofit/>
+          </a:bodyPr>
+          <a:lstStyle/>
+          <a:p>
+            <a:r>
+              <a:rPr lang="de-AT" dirty="0"/>
+              <a:t>Der State kann jede Art von JavaScript-Wert halten, einschließlich Objekten.</a:t>
+            </a:r>
+          </a:p>
+          <a:p>
+            <a:r>
+              <a:rPr lang="de-AT" dirty="0"/>
+              <a:t>Es wird jedoch nicht empfohlen, Objekte, die sich im </a:t>
+            </a:r>
+            <a:r>
+              <a:rPr lang="de-AT" dirty="0" err="1"/>
+              <a:t>React</a:t>
+            </a:r>
+            <a:r>
+              <a:rPr lang="de-AT" dirty="0"/>
+              <a:t>-State befinden, direkt zu ändern. Dadurch wird kein neues Rendering ausgelöst und Änderungen bleiben für den Benutzer unsichtbar</a:t>
+            </a:r>
+          </a:p>
+          <a:p>
+            <a:r>
+              <a:rPr lang="de-AT" dirty="0"/>
+              <a:t>Stattdessen, wenn du ein Objekt aktualisieren möchtest, musst du ein neues Objekt erstellen (oder eine Kopie eines vorhandenen erstellen) und dem State das neue Objekt zuweisen</a:t>
+            </a:r>
+          </a:p>
+          <a:p>
+            <a:r>
+              <a:rPr lang="de-AT" dirty="0"/>
+              <a:t>Problem: Was machen wir wenn ein Objekt sehr viele Properties beinhaltet? Jedes Einzelne abtippen ist aufwändig </a:t>
+            </a:r>
+            <a:r>
+              <a:rPr lang="de-AT" dirty="0">
+                <a:sym typeface="Wingdings" panose="05000000000000000000" pitchFamily="2" charset="2"/>
+              </a:rPr>
+              <a:t> </a:t>
+            </a:r>
+            <a:endParaRPr lang="de-AT" dirty="0"/>
+          </a:p>
+        </p:txBody>
+      </p:sp>
+      <p:pic>
+        <p:nvPicPr>
+          <p:cNvPr id="7" name="Grafik 6">
+            <a:extLst>
+              <a:ext uri="{FF2B5EF4-FFF2-40B4-BE49-F238E27FC236}">
+                <a16:creationId xmlns:a16="http://schemas.microsoft.com/office/drawing/2014/main" id="{2DA7BD99-882F-744C-F6C7-E974450987E3}"/>
+              </a:ext>
+            </a:extLst>
+          </p:cNvPr>
+          <p:cNvPicPr>
+            <a:picLocks noChangeAspect="1"/>
+          </p:cNvPicPr>
+          <p:nvPr/>
+        </p:nvPicPr>
+        <p:blipFill>
+          <a:blip r:embed="rId3"/>
+          <a:stretch>
+            <a:fillRect/>
+          </a:stretch>
+        </p:blipFill>
+        <p:spPr>
+          <a:xfrm>
+            <a:off x="8308010" y="2948292"/>
+            <a:ext cx="2554663" cy="1009403"/>
+          </a:xfrm>
+          <a:prstGeom prst="rect">
+            <a:avLst/>
+          </a:prstGeom>
+        </p:spPr>
+      </p:pic>
+      <p:pic>
+        <p:nvPicPr>
+          <p:cNvPr id="9" name="Grafik 8">
+            <a:extLst>
+              <a:ext uri="{FF2B5EF4-FFF2-40B4-BE49-F238E27FC236}">
+                <a16:creationId xmlns:a16="http://schemas.microsoft.com/office/drawing/2014/main" id="{35804741-6AA9-C90E-E1A7-001A97DB8F9E}"/>
+              </a:ext>
+            </a:extLst>
+          </p:cNvPr>
+          <p:cNvPicPr>
+            <a:picLocks noChangeAspect="1"/>
+          </p:cNvPicPr>
+          <p:nvPr/>
+        </p:nvPicPr>
+        <p:blipFill>
+          <a:blip r:embed="rId4"/>
+          <a:stretch>
+            <a:fillRect/>
+          </a:stretch>
+        </p:blipFill>
+        <p:spPr>
+          <a:xfrm>
+            <a:off x="8308010" y="1618110"/>
+            <a:ext cx="3739589" cy="878579"/>
+          </a:xfrm>
+          <a:prstGeom prst="rect">
+            <a:avLst/>
+          </a:prstGeom>
+        </p:spPr>
+      </p:pic>
+      <p:sp>
+        <p:nvSpPr>
+          <p:cNvPr id="10" name="Textfeld 9">
+            <a:extLst>
+              <a:ext uri="{FF2B5EF4-FFF2-40B4-BE49-F238E27FC236}">
+                <a16:creationId xmlns:a16="http://schemas.microsoft.com/office/drawing/2014/main" id="{9D9DD846-4133-722E-5991-B62EC691C45A}"/>
+              </a:ext>
+            </a:extLst>
+          </p:cNvPr>
+          <p:cNvSpPr txBox="1"/>
+          <p:nvPr/>
+        </p:nvSpPr>
+        <p:spPr>
+          <a:xfrm>
+            <a:off x="8246565" y="2509003"/>
+            <a:ext cx="4614272" cy="307777"/>
+          </a:xfrm>
+          <a:prstGeom prst="rect">
+            <a:avLst/>
+          </a:prstGeom>
+          <a:noFill/>
+        </p:spPr>
+        <p:txBody>
+          <a:bodyPr wrap="square" rtlCol="0">
+            <a:spAutoFit/>
+          </a:bodyPr>
+          <a:lstStyle/>
+          <a:p>
+            <a:r>
+              <a:rPr lang="de-AT" sz="1400" dirty="0"/>
+              <a:t>State Definition mit Objekt als Wert</a:t>
+            </a:r>
+          </a:p>
+        </p:txBody>
+      </p:sp>
+      <p:sp>
+        <p:nvSpPr>
+          <p:cNvPr id="11" name="Textfeld 10">
+            <a:extLst>
+              <a:ext uri="{FF2B5EF4-FFF2-40B4-BE49-F238E27FC236}">
+                <a16:creationId xmlns:a16="http://schemas.microsoft.com/office/drawing/2014/main" id="{98DA5C69-D743-517A-BEC3-E886B40F3EB5}"/>
+              </a:ext>
+            </a:extLst>
+          </p:cNvPr>
+          <p:cNvSpPr txBox="1"/>
+          <p:nvPr/>
+        </p:nvSpPr>
+        <p:spPr>
+          <a:xfrm>
+            <a:off x="8246565" y="3957695"/>
+            <a:ext cx="3679136" cy="523220"/>
+          </a:xfrm>
+          <a:prstGeom prst="rect">
+            <a:avLst/>
+          </a:prstGeom>
+          <a:noFill/>
+        </p:spPr>
+        <p:txBody>
+          <a:bodyPr wrap="square" rtlCol="0">
+            <a:spAutoFit/>
+          </a:bodyPr>
+          <a:lstStyle/>
+          <a:p>
+            <a:r>
+              <a:rPr lang="de-AT" sz="1400" dirty="0"/>
+              <a:t>Direkte Änderung der Properties wird im UI nicht sichtbar</a:t>
+            </a:r>
+          </a:p>
+        </p:txBody>
+      </p:sp>
+      <p:pic>
+        <p:nvPicPr>
+          <p:cNvPr id="13" name="Grafik 12">
+            <a:extLst>
+              <a:ext uri="{FF2B5EF4-FFF2-40B4-BE49-F238E27FC236}">
+                <a16:creationId xmlns:a16="http://schemas.microsoft.com/office/drawing/2014/main" id="{A1C61AD9-C433-E7BD-0B6C-EA38E6E856D2}"/>
+              </a:ext>
+            </a:extLst>
+          </p:cNvPr>
+          <p:cNvPicPr>
+            <a:picLocks noChangeAspect="1"/>
+          </p:cNvPicPr>
+          <p:nvPr/>
+        </p:nvPicPr>
+        <p:blipFill>
+          <a:blip r:embed="rId5"/>
+          <a:stretch>
+            <a:fillRect/>
+          </a:stretch>
+        </p:blipFill>
+        <p:spPr>
+          <a:xfrm>
+            <a:off x="8315298" y="4550846"/>
+            <a:ext cx="2012609" cy="1337862"/>
+          </a:xfrm>
+          <a:prstGeom prst="rect">
+            <a:avLst/>
+          </a:prstGeom>
+        </p:spPr>
+      </p:pic>
+      <p:sp>
+        <p:nvSpPr>
+          <p:cNvPr id="14" name="Textfeld 13">
+            <a:extLst>
+              <a:ext uri="{FF2B5EF4-FFF2-40B4-BE49-F238E27FC236}">
+                <a16:creationId xmlns:a16="http://schemas.microsoft.com/office/drawing/2014/main" id="{FE8708DB-6197-3252-5B70-11C3C4FEC424}"/>
+              </a:ext>
+            </a:extLst>
+          </p:cNvPr>
+          <p:cNvSpPr txBox="1"/>
+          <p:nvPr/>
+        </p:nvSpPr>
+        <p:spPr>
+          <a:xfrm>
+            <a:off x="8246565" y="5888708"/>
+            <a:ext cx="3679136" cy="523220"/>
+          </a:xfrm>
+          <a:prstGeom prst="rect">
+            <a:avLst/>
+          </a:prstGeom>
+          <a:noFill/>
+        </p:spPr>
+        <p:txBody>
+          <a:bodyPr wrap="square" rtlCol="0">
+            <a:spAutoFit/>
+          </a:bodyPr>
+          <a:lstStyle/>
+          <a:p>
+            <a:r>
+              <a:rPr lang="de-AT" sz="1400" dirty="0"/>
+              <a:t>Bessere Variante: </a:t>
+            </a:r>
+            <a:br>
+              <a:rPr lang="de-AT" sz="1400" dirty="0"/>
+            </a:br>
+            <a:r>
+              <a:rPr lang="de-AT" sz="1400" dirty="0"/>
+              <a:t>Über </a:t>
+            </a:r>
+            <a:r>
+              <a:rPr lang="de-AT" sz="1400" dirty="0" err="1"/>
+              <a:t>Setterfunktion</a:t>
+            </a:r>
+            <a:r>
+              <a:rPr lang="de-AT" sz="1400" dirty="0"/>
+              <a:t> neues Objekt zuweisen</a:t>
+            </a:r>
+          </a:p>
+        </p:txBody>
+      </p:sp>
+    </p:spTree>
+    <p:extLst>
+      <p:ext uri="{BB962C8B-B14F-4D97-AF65-F5344CB8AC3E}">
+        <p14:creationId xmlns:p14="http://schemas.microsoft.com/office/powerpoint/2010/main" val="1963605256"/>
+      </p:ext>
+    </p:extLst>
+  </p:cSld>
+  <p:clrMapOvr>
+    <a:masterClrMapping/>
+  </p:clrMapOvr>
+</p:sld>
+</file>
+
+<file path=ppt/slides/slide49.xml><?xml version="1.0" encoding="utf-8"?>
+<p:sld xmlns:a="http://schemas.openxmlformats.org/drawingml/2006/main" xmlns:r="http://schemas.openxmlformats.org/officeDocument/2006/relationships" xmlns:p="http://schemas.openxmlformats.org/presentationml/2006/main">
+  <p:cSld>
+    <p:spTree>
+      <p:nvGrpSpPr>
+        <p:cNvPr id="1" name=""/>
+        <p:cNvGrpSpPr/>
+        <p:nvPr/>
+      </p:nvGrpSpPr>
+      <p:grpSpPr>
+        <a:xfrm>
+          <a:off x="0" y="0"/>
+          <a:ext cx="0" cy="0"/>
+          <a:chOff x="0" y="0"/>
+          <a:chExt cx="0" cy="0"/>
+        </a:xfrm>
+      </p:grpSpPr>
+      <p:sp>
+        <p:nvSpPr>
+          <p:cNvPr id="2" name="Titel 1">
+            <a:extLst>
+              <a:ext uri="{FF2B5EF4-FFF2-40B4-BE49-F238E27FC236}">
+                <a16:creationId xmlns:a16="http://schemas.microsoft.com/office/drawing/2014/main" id="{43F8B18B-4F59-F868-3302-ECCC56793396}"/>
+              </a:ext>
+            </a:extLst>
+          </p:cNvPr>
+          <p:cNvSpPr>
+            <a:spLocks noGrp="1"/>
+          </p:cNvSpPr>
+          <p:nvPr>
+            <p:ph type="title"/>
+          </p:nvPr>
+        </p:nvSpPr>
+        <p:spPr>
+          <a:xfrm>
+            <a:off x="1080034" y="702669"/>
+            <a:ext cx="8915402" cy="1371600"/>
+          </a:xfrm>
+        </p:spPr>
+        <p:txBody>
+          <a:bodyPr/>
+          <a:lstStyle/>
+          <a:p>
+            <a:r>
+              <a:rPr lang="de-AT" dirty="0"/>
+              <a:t>Objekte duplizieren / Spread Operator</a:t>
+            </a:r>
+          </a:p>
+        </p:txBody>
+      </p:sp>
+      <p:sp>
+        <p:nvSpPr>
+          <p:cNvPr id="3" name="Inhaltsplatzhalter 2">
+            <a:extLst>
+              <a:ext uri="{FF2B5EF4-FFF2-40B4-BE49-F238E27FC236}">
+                <a16:creationId xmlns:a16="http://schemas.microsoft.com/office/drawing/2014/main" id="{347BA933-0B0D-D396-9DA7-E6D81098DE48}"/>
+              </a:ext>
+            </a:extLst>
+          </p:cNvPr>
+          <p:cNvSpPr>
+            <a:spLocks noGrp="1"/>
+          </p:cNvSpPr>
+          <p:nvPr>
+            <p:ph idx="1"/>
+          </p:nvPr>
+        </p:nvSpPr>
+        <p:spPr>
+          <a:xfrm>
+            <a:off x="744718" y="2057400"/>
+            <a:ext cx="7117237" cy="4137259"/>
+          </a:xfrm>
+        </p:spPr>
+        <p:txBody>
+          <a:bodyPr/>
+          <a:lstStyle/>
+          <a:p>
+            <a:r>
+              <a:rPr lang="de-AT" dirty="0"/>
+              <a:t>Mit dem Spread-Operator können Objekte einfach geklont werden, ohne die ursprünglichen Objekte zu verändern.</a:t>
+            </a:r>
+          </a:p>
+          <a:p>
+            <a:r>
+              <a:rPr lang="de-AT" dirty="0"/>
+              <a:t>Durch Verwendung des Spread-Operators können neue Objekte erstellt werden, die Teile eines vorhandenen Objekts enthalten, sowie zusätzliche Eigenschaften hinzugefügt werden.</a:t>
+            </a:r>
+          </a:p>
+          <a:p>
+            <a:endParaRPr lang="de-AT" dirty="0"/>
+          </a:p>
+        </p:txBody>
+      </p:sp>
+      <p:pic>
+        <p:nvPicPr>
+          <p:cNvPr id="15" name="Grafik 14">
+            <a:extLst>
+              <a:ext uri="{FF2B5EF4-FFF2-40B4-BE49-F238E27FC236}">
+                <a16:creationId xmlns:a16="http://schemas.microsoft.com/office/drawing/2014/main" id="{11F1DF6B-A89F-D373-B8E7-03EC1C86BEE7}"/>
+              </a:ext>
+            </a:extLst>
+          </p:cNvPr>
+          <p:cNvPicPr>
+            <a:picLocks noChangeAspect="1"/>
+          </p:cNvPicPr>
+          <p:nvPr/>
+        </p:nvPicPr>
+        <p:blipFill>
+          <a:blip r:embed="rId3"/>
+          <a:stretch>
+            <a:fillRect/>
+          </a:stretch>
+        </p:blipFill>
+        <p:spPr>
+          <a:xfrm>
+            <a:off x="8876957" y="2218957"/>
+            <a:ext cx="2941448" cy="3060054"/>
+          </a:xfrm>
+          <a:prstGeom prst="rect">
+            <a:avLst/>
+          </a:prstGeom>
+        </p:spPr>
+      </p:pic>
+    </p:spTree>
+    <p:extLst>
+      <p:ext uri="{BB962C8B-B14F-4D97-AF65-F5344CB8AC3E}">
+        <p14:creationId xmlns:p14="http://schemas.microsoft.com/office/powerpoint/2010/main" val="2580278844"/>
+      </p:ext>
+    </p:extLst>
+  </p:cSld>
+  <p:clrMapOvr>
+    <a:masterClrMapping/>
+  </p:clrMapOvr>
+</p:sld>
+</file>
+
 <file path=ppt/slides/slide5.xml><?xml version="1.0" encoding="utf-8"?>
 <p:sld xmlns:a="http://schemas.openxmlformats.org/drawingml/2006/main" xmlns:r="http://schemas.openxmlformats.org/officeDocument/2006/relationships" xmlns:p="http://schemas.openxmlformats.org/presentationml/2006/main">
   <p:cSld>
@@ -11383,6 +14295,546 @@
     <p:extLst>
       <p:ext uri="{BB962C8B-B14F-4D97-AF65-F5344CB8AC3E}">
         <p14:creationId xmlns:p14="http://schemas.microsoft.com/office/powerpoint/2010/main" val="935148350"/>
+      </p:ext>
+    </p:extLst>
+  </p:cSld>
+  <p:clrMapOvr>
+    <a:masterClrMapping/>
+  </p:clrMapOvr>
+</p:sld>
+</file>
+
+<file path=ppt/slides/slide50.xml><?xml version="1.0" encoding="utf-8"?>
+<p:sld xmlns:a="http://schemas.openxmlformats.org/drawingml/2006/main" xmlns:r="http://schemas.openxmlformats.org/officeDocument/2006/relationships" xmlns:p="http://schemas.openxmlformats.org/presentationml/2006/main">
+  <p:cSld>
+    <p:spTree>
+      <p:nvGrpSpPr>
+        <p:cNvPr id="1" name=""/>
+        <p:cNvGrpSpPr/>
+        <p:nvPr/>
+      </p:nvGrpSpPr>
+      <p:grpSpPr>
+        <a:xfrm>
+          <a:off x="0" y="0"/>
+          <a:ext cx="0" cy="0"/>
+          <a:chOff x="0" y="0"/>
+          <a:chExt cx="0" cy="0"/>
+        </a:xfrm>
+      </p:grpSpPr>
+      <p:sp>
+        <p:nvSpPr>
+          <p:cNvPr id="2" name="Titel 1">
+            <a:extLst>
+              <a:ext uri="{FF2B5EF4-FFF2-40B4-BE49-F238E27FC236}">
+                <a16:creationId xmlns:a16="http://schemas.microsoft.com/office/drawing/2014/main" id="{B0CAE987-9A1E-7948-3753-D36982008576}"/>
+              </a:ext>
+            </a:extLst>
+          </p:cNvPr>
+          <p:cNvSpPr>
+            <a:spLocks noGrp="1"/>
+          </p:cNvSpPr>
+          <p:nvPr>
+            <p:ph type="title"/>
+          </p:nvPr>
+        </p:nvSpPr>
+        <p:spPr>
+          <a:xfrm>
+            <a:off x="908113" y="690380"/>
+            <a:ext cx="6820042" cy="1453052"/>
+          </a:xfrm>
+        </p:spPr>
+        <p:txBody>
+          <a:bodyPr/>
+          <a:lstStyle/>
+          <a:p>
+            <a:r>
+              <a:rPr lang="de-AT" dirty="0"/>
+              <a:t>Formulare &amp; Eingabefelder mit States</a:t>
+            </a:r>
+          </a:p>
+        </p:txBody>
+      </p:sp>
+      <p:sp>
+        <p:nvSpPr>
+          <p:cNvPr id="3" name="Inhaltsplatzhalter 2">
+            <a:extLst>
+              <a:ext uri="{FF2B5EF4-FFF2-40B4-BE49-F238E27FC236}">
+                <a16:creationId xmlns:a16="http://schemas.microsoft.com/office/drawing/2014/main" id="{DA0831E6-884A-EDF2-FAC7-6B78733B373D}"/>
+              </a:ext>
+            </a:extLst>
+          </p:cNvPr>
+          <p:cNvSpPr>
+            <a:spLocks noGrp="1"/>
+          </p:cNvSpPr>
+          <p:nvPr>
+            <p:ph idx="1"/>
+          </p:nvPr>
+        </p:nvSpPr>
+        <p:spPr>
+          <a:xfrm>
+            <a:off x="452284" y="2057400"/>
+            <a:ext cx="7095345" cy="4343399"/>
+          </a:xfrm>
+        </p:spPr>
+        <p:txBody>
+          <a:bodyPr>
+            <a:normAutofit lnSpcReduction="10000"/>
+          </a:bodyPr>
+          <a:lstStyle/>
+          <a:p>
+            <a:r>
+              <a:rPr lang="de-AT" dirty="0"/>
+              <a:t>Verwende </a:t>
+            </a:r>
+            <a:r>
+              <a:rPr lang="de-AT" dirty="0" err="1"/>
+              <a:t>React</a:t>
+            </a:r>
+            <a:r>
+              <a:rPr lang="de-AT" dirty="0"/>
+              <a:t>, um Formulare zu erzeugen und die Verwaltung von Zuständen zu ermöglichen</a:t>
+            </a:r>
+          </a:p>
+          <a:p>
+            <a:r>
+              <a:rPr lang="de-AT" dirty="0"/>
+              <a:t>Implementiere Steuerelemente für Eingabefelder, indem du das </a:t>
+            </a:r>
+            <a:r>
+              <a:rPr lang="de-AT" dirty="0" err="1"/>
+              <a:t>value</a:t>
+            </a:r>
+            <a:r>
+              <a:rPr lang="de-AT" dirty="0"/>
+              <a:t>-Attribut und das </a:t>
+            </a:r>
+            <a:r>
+              <a:rPr lang="de-AT" dirty="0" err="1"/>
+              <a:t>onChange</a:t>
+            </a:r>
+            <a:r>
+              <a:rPr lang="de-AT" dirty="0"/>
+              <a:t>-Ereignis verwendest.</a:t>
+            </a:r>
+          </a:p>
+          <a:p>
+            <a:r>
+              <a:rPr lang="de-AT" dirty="0"/>
+              <a:t>Validiere Benutzereingaben, indem du entsprechende Funktionen einfügst, um die Eingaben auf Korrektheit zu prüfen.</a:t>
+            </a:r>
+          </a:p>
+          <a:p>
+            <a:r>
+              <a:rPr lang="de-AT" dirty="0"/>
+              <a:t>Verwalte mehrere Eingabefeldwerte entweder durch separate Zustandsvariablen oder durch ein Objekt, das mehrere Werte enthält.</a:t>
+            </a:r>
+          </a:p>
+          <a:p>
+            <a:r>
+              <a:rPr lang="de-AT" dirty="0"/>
+              <a:t>Implementiere eine </a:t>
+            </a:r>
+            <a:r>
+              <a:rPr lang="de-AT" dirty="0" err="1"/>
+              <a:t>handleSubmit</a:t>
+            </a:r>
+            <a:r>
+              <a:rPr lang="de-AT" dirty="0"/>
+              <a:t> Funktion mit der das Absenden des Formulars bearbeitet wird. Beachte hier </a:t>
+            </a:r>
+            <a:r>
+              <a:rPr lang="de-AT" dirty="0" err="1"/>
+              <a:t>event.preventDefault</a:t>
+            </a:r>
+            <a:r>
+              <a:rPr lang="de-AT" dirty="0"/>
+              <a:t>() um ein </a:t>
+            </a:r>
+            <a:r>
+              <a:rPr lang="de-AT" dirty="0" err="1"/>
+              <a:t>Neuladen</a:t>
+            </a:r>
+            <a:r>
+              <a:rPr lang="de-AT" dirty="0"/>
+              <a:t> der Seite zu verhindern</a:t>
+            </a:r>
+          </a:p>
+        </p:txBody>
+      </p:sp>
+      <p:pic>
+        <p:nvPicPr>
+          <p:cNvPr id="10" name="Grafik 9">
+            <a:extLst>
+              <a:ext uri="{FF2B5EF4-FFF2-40B4-BE49-F238E27FC236}">
+                <a16:creationId xmlns:a16="http://schemas.microsoft.com/office/drawing/2014/main" id="{8CA9373F-7AB3-6171-9732-A3E6381AC804}"/>
+              </a:ext>
+            </a:extLst>
+          </p:cNvPr>
+          <p:cNvPicPr>
+            <a:picLocks noChangeAspect="1"/>
+          </p:cNvPicPr>
+          <p:nvPr/>
+        </p:nvPicPr>
+        <p:blipFill>
+          <a:blip r:embed="rId3"/>
+          <a:stretch>
+            <a:fillRect/>
+          </a:stretch>
+        </p:blipFill>
+        <p:spPr>
+          <a:xfrm>
+            <a:off x="7618169" y="913633"/>
+            <a:ext cx="4410691" cy="5487166"/>
+          </a:xfrm>
+          <a:prstGeom prst="rect">
+            <a:avLst/>
+          </a:prstGeom>
+        </p:spPr>
+      </p:pic>
+    </p:spTree>
+    <p:extLst>
+      <p:ext uri="{BB962C8B-B14F-4D97-AF65-F5344CB8AC3E}">
+        <p14:creationId xmlns:p14="http://schemas.microsoft.com/office/powerpoint/2010/main" val="4139778293"/>
+      </p:ext>
+    </p:extLst>
+  </p:cSld>
+  <p:clrMapOvr>
+    <a:masterClrMapping/>
+  </p:clrMapOvr>
+</p:sld>
+</file>
+
+<file path=ppt/slides/slide51.xml><?xml version="1.0" encoding="utf-8"?>
+<p:sld xmlns:a="http://schemas.openxmlformats.org/drawingml/2006/main" xmlns:r="http://schemas.openxmlformats.org/officeDocument/2006/relationships" xmlns:p="http://schemas.openxmlformats.org/presentationml/2006/main">
+  <p:cSld>
+    <p:spTree>
+      <p:nvGrpSpPr>
+        <p:cNvPr id="1" name=""/>
+        <p:cNvGrpSpPr/>
+        <p:nvPr/>
+      </p:nvGrpSpPr>
+      <p:grpSpPr>
+        <a:xfrm>
+          <a:off x="0" y="0"/>
+          <a:ext cx="0" cy="0"/>
+          <a:chOff x="0" y="0"/>
+          <a:chExt cx="0" cy="0"/>
+        </a:xfrm>
+      </p:grpSpPr>
+      <p:sp>
+        <p:nvSpPr>
+          <p:cNvPr id="2" name="Titel 1">
+            <a:extLst>
+              <a:ext uri="{FF2B5EF4-FFF2-40B4-BE49-F238E27FC236}">
+                <a16:creationId xmlns:a16="http://schemas.microsoft.com/office/drawing/2014/main" id="{173CAD25-F784-F2A7-70F9-93ECDD84B314}"/>
+              </a:ext>
+            </a:extLst>
+          </p:cNvPr>
+          <p:cNvSpPr>
+            <a:spLocks noGrp="1"/>
+          </p:cNvSpPr>
+          <p:nvPr>
+            <p:ph type="title"/>
+          </p:nvPr>
+        </p:nvSpPr>
+        <p:spPr/>
+        <p:txBody>
+          <a:bodyPr/>
+          <a:lstStyle/>
+          <a:p>
+            <a:r>
+              <a:rPr lang="de-AT" dirty="0"/>
+              <a:t>Übung zu Formulare &amp; State-Objekt</a:t>
+            </a:r>
+          </a:p>
+        </p:txBody>
+      </p:sp>
+      <p:sp>
+        <p:nvSpPr>
+          <p:cNvPr id="3" name="Inhaltsplatzhalter 2">
+            <a:extLst>
+              <a:ext uri="{FF2B5EF4-FFF2-40B4-BE49-F238E27FC236}">
+                <a16:creationId xmlns:a16="http://schemas.microsoft.com/office/drawing/2014/main" id="{A01844AB-A018-A0FA-1FCD-B8B6ADE89DB1}"/>
+              </a:ext>
+            </a:extLst>
+          </p:cNvPr>
+          <p:cNvSpPr>
+            <a:spLocks noGrp="1"/>
+          </p:cNvSpPr>
+          <p:nvPr>
+            <p:ph idx="1"/>
+          </p:nvPr>
+        </p:nvSpPr>
+        <p:spPr>
+          <a:xfrm>
+            <a:off x="952108" y="2034941"/>
+            <a:ext cx="7257828" cy="4137259"/>
+          </a:xfrm>
+        </p:spPr>
+        <p:txBody>
+          <a:bodyPr>
+            <a:normAutofit fontScale="92500" lnSpcReduction="10000"/>
+          </a:bodyPr>
+          <a:lstStyle/>
+          <a:p>
+            <a:r>
+              <a:rPr lang="de-AT" dirty="0"/>
+              <a:t>Erstelle eine </a:t>
+            </a:r>
+            <a:r>
+              <a:rPr lang="de-AT" dirty="0" err="1"/>
+              <a:t>React</a:t>
+            </a:r>
+            <a:r>
+              <a:rPr lang="de-AT" dirty="0"/>
+              <a:t>-Komponente namens </a:t>
+            </a:r>
+            <a:r>
+              <a:rPr lang="de-AT" dirty="0" err="1"/>
+              <a:t>UserInfoForm</a:t>
+            </a:r>
+            <a:r>
+              <a:rPr lang="de-AT" dirty="0"/>
+              <a:t>.</a:t>
+            </a:r>
+          </a:p>
+          <a:p>
+            <a:r>
+              <a:rPr lang="de-AT" dirty="0"/>
+              <a:t>Verwende den </a:t>
+            </a:r>
+            <a:r>
+              <a:rPr lang="de-AT" dirty="0" err="1"/>
+              <a:t>useState</a:t>
+            </a:r>
+            <a:r>
+              <a:rPr lang="de-AT" dirty="0"/>
+              <a:t>-Hook, um einen State </a:t>
+            </a:r>
+            <a:r>
+              <a:rPr lang="de-AT" dirty="0" err="1"/>
+              <a:t>formData</a:t>
+            </a:r>
+            <a:r>
+              <a:rPr lang="de-AT" dirty="0"/>
+              <a:t> zu initialisieren, der ein Objekt mit den Feldern </a:t>
+            </a:r>
+            <a:r>
+              <a:rPr lang="de-AT" dirty="0" err="1"/>
+              <a:t>name</a:t>
+            </a:r>
+            <a:r>
+              <a:rPr lang="de-AT" dirty="0"/>
+              <a:t>, email und </a:t>
+            </a:r>
+            <a:r>
+              <a:rPr lang="de-AT" dirty="0" err="1"/>
+              <a:t>age</a:t>
+            </a:r>
+            <a:r>
+              <a:rPr lang="de-AT" dirty="0"/>
+              <a:t> enthält.</a:t>
+            </a:r>
+          </a:p>
+          <a:p>
+            <a:r>
+              <a:rPr lang="de-AT" dirty="0"/>
+              <a:t>Erstelle eine Funktion </a:t>
+            </a:r>
+            <a:r>
+              <a:rPr lang="de-AT" dirty="0" err="1"/>
+              <a:t>handleChange</a:t>
+            </a:r>
+            <a:r>
+              <a:rPr lang="de-AT" dirty="0"/>
+              <a:t>, die die Benutzereingaben aktualisiert, wenn sich die Werte in den Eingabefeldern ändern.</a:t>
+            </a:r>
+          </a:p>
+          <a:p>
+            <a:r>
+              <a:rPr lang="de-AT" dirty="0"/>
+              <a:t>Erstelle eine Funktion </a:t>
+            </a:r>
+            <a:r>
+              <a:rPr lang="de-AT" dirty="0" err="1"/>
+              <a:t>handleSubmit</a:t>
+            </a:r>
+            <a:r>
+              <a:rPr lang="de-AT" dirty="0"/>
+              <a:t>, die aufgerufen wird, wenn der Benutzer das Formular absendet. In dieser Funktion wird der eingegebene Name mit einem alert-Fenster angezeigt.</a:t>
+            </a:r>
+          </a:p>
+          <a:p>
+            <a:r>
+              <a:rPr lang="de-AT" dirty="0"/>
+              <a:t>Baue das Formular mit den Eingabefeldern für Name, E-Mail und Alter sowie einem </a:t>
+            </a:r>
+            <a:r>
+              <a:rPr lang="de-AT" dirty="0" err="1"/>
+              <a:t>Submit</a:t>
+            </a:r>
+            <a:r>
+              <a:rPr lang="de-AT" dirty="0"/>
+              <a:t>-Button auf, der die </a:t>
+            </a:r>
+            <a:r>
+              <a:rPr lang="de-AT" dirty="0" err="1"/>
+              <a:t>handleSubmit</a:t>
+            </a:r>
+            <a:r>
+              <a:rPr lang="de-AT" dirty="0"/>
+              <a:t>-Funktion aufruft.</a:t>
+            </a:r>
+          </a:p>
+          <a:p>
+            <a:endParaRPr lang="de-AT" dirty="0"/>
+          </a:p>
+        </p:txBody>
+      </p:sp>
+      <p:pic>
+        <p:nvPicPr>
+          <p:cNvPr id="5" name="Grafik 4">
+            <a:extLst>
+              <a:ext uri="{FF2B5EF4-FFF2-40B4-BE49-F238E27FC236}">
+                <a16:creationId xmlns:a16="http://schemas.microsoft.com/office/drawing/2014/main" id="{C51A6491-0833-22E2-B39F-5E529BC82227}"/>
+              </a:ext>
+            </a:extLst>
+          </p:cNvPr>
+          <p:cNvPicPr>
+            <a:picLocks noChangeAspect="1"/>
+          </p:cNvPicPr>
+          <p:nvPr/>
+        </p:nvPicPr>
+        <p:blipFill>
+          <a:blip r:embed="rId3"/>
+          <a:stretch>
+            <a:fillRect/>
+          </a:stretch>
+        </p:blipFill>
+        <p:spPr>
+          <a:xfrm>
+            <a:off x="8549171" y="2219632"/>
+            <a:ext cx="3361452" cy="3495704"/>
+          </a:xfrm>
+          <a:prstGeom prst="rect">
+            <a:avLst/>
+          </a:prstGeom>
+        </p:spPr>
+      </p:pic>
+    </p:spTree>
+    <p:extLst>
+      <p:ext uri="{BB962C8B-B14F-4D97-AF65-F5344CB8AC3E}">
+        <p14:creationId xmlns:p14="http://schemas.microsoft.com/office/powerpoint/2010/main" val="531429158"/>
+      </p:ext>
+    </p:extLst>
+  </p:cSld>
+  <p:clrMapOvr>
+    <a:masterClrMapping/>
+  </p:clrMapOvr>
+</p:sld>
+</file>
+
+<file path=ppt/slides/slide52.xml><?xml version="1.0" encoding="utf-8"?>
+<p:sld xmlns:a="http://schemas.openxmlformats.org/drawingml/2006/main" xmlns:r="http://schemas.openxmlformats.org/officeDocument/2006/relationships" xmlns:p="http://schemas.openxmlformats.org/presentationml/2006/main">
+  <p:cSld>
+    <p:spTree>
+      <p:nvGrpSpPr>
+        <p:cNvPr id="1" name=""/>
+        <p:cNvGrpSpPr/>
+        <p:nvPr/>
+      </p:nvGrpSpPr>
+      <p:grpSpPr>
+        <a:xfrm>
+          <a:off x="0" y="0"/>
+          <a:ext cx="0" cy="0"/>
+          <a:chOff x="0" y="0"/>
+          <a:chExt cx="0" cy="0"/>
+        </a:xfrm>
+      </p:grpSpPr>
+      <p:sp>
+        <p:nvSpPr>
+          <p:cNvPr id="6" name="Titel 5">
+            <a:extLst>
+              <a:ext uri="{FF2B5EF4-FFF2-40B4-BE49-F238E27FC236}">
+                <a16:creationId xmlns:a16="http://schemas.microsoft.com/office/drawing/2014/main" id="{215C6C17-3994-268F-CD9B-1F627A31A4B8}"/>
+              </a:ext>
+            </a:extLst>
+          </p:cNvPr>
+          <p:cNvSpPr>
+            <a:spLocks noGrp="1"/>
+          </p:cNvSpPr>
+          <p:nvPr>
+            <p:ph type="ctrTitle"/>
+          </p:nvPr>
+        </p:nvSpPr>
+        <p:spPr>
+          <a:xfrm>
+            <a:off x="2032213" y="370652"/>
+            <a:ext cx="8127574" cy="2736443"/>
+          </a:xfrm>
+        </p:spPr>
+        <p:txBody>
+          <a:bodyPr/>
+          <a:lstStyle/>
+          <a:p>
+            <a:r>
+              <a:rPr lang="de-AT" dirty="0"/>
+              <a:t>Viel Erfolg beim Entwickeln!</a:t>
+            </a:r>
+          </a:p>
+        </p:txBody>
+      </p:sp>
+      <p:pic>
+        <p:nvPicPr>
+          <p:cNvPr id="2050" name="Picture 2" descr="CODERS.BAY | Linz">
+            <a:extLst>
+              <a:ext uri="{FF2B5EF4-FFF2-40B4-BE49-F238E27FC236}">
+                <a16:creationId xmlns:a16="http://schemas.microsoft.com/office/drawing/2014/main" id="{FC92A2D7-CD40-5160-E3FA-7A115A1ECE63}"/>
+              </a:ext>
+            </a:extLst>
+          </p:cNvPr>
+          <p:cNvPicPr>
+            <a:picLocks noChangeAspect="1" noChangeArrowheads="1"/>
+          </p:cNvPicPr>
+          <p:nvPr/>
+        </p:nvPicPr>
+        <p:blipFill>
+          <a:blip r:embed="rId2">
+            <a:extLst>
+              <a:ext uri="{28A0092B-C50C-407E-A947-70E740481C1C}">
+                <a14:useLocalDpi xmlns:a14="http://schemas.microsoft.com/office/drawing/2010/main" val="0"/>
+              </a:ext>
+            </a:extLst>
+          </a:blip>
+          <a:srcRect/>
+          <a:stretch>
+            <a:fillRect/>
+          </a:stretch>
+        </p:blipFill>
+        <p:spPr bwMode="auto">
+          <a:xfrm>
+            <a:off x="5342119" y="3768185"/>
+            <a:ext cx="1507761" cy="1507761"/>
+          </a:xfrm>
+          <a:prstGeom prst="rect">
+            <a:avLst/>
+          </a:prstGeom>
+          <a:noFill/>
+          <a:extLst>
+            <a:ext uri="{909E8E84-426E-40DD-AFC4-6F175D3DCCD1}">
+              <a14:hiddenFill xmlns:a14="http://schemas.microsoft.com/office/drawing/2010/main">
+                <a:solidFill>
+                  <a:srgbClr val="FFFFFF"/>
+                </a:solidFill>
+              </a14:hiddenFill>
+            </a:ext>
+          </a:extLst>
+        </p:spPr>
+      </p:pic>
+    </p:spTree>
+    <p:extLst>
+      <p:ext uri="{BB962C8B-B14F-4D97-AF65-F5344CB8AC3E}">
+        <p14:creationId xmlns:p14="http://schemas.microsoft.com/office/powerpoint/2010/main" val="2872145444"/>
       </p:ext>
     </p:extLst>
   </p:cSld>
@@ -12120,7 +15572,7 @@
                 <a16:creationId xmlns:a16="http://schemas.microsoft.com/office/drawing/2014/main" id="{BE229233-9672-4675-99B7-6CBCEF1CD415}"/>
               </a:ext>
               <a:ext uri="{C183D7F6-B498-43B3-948B-1728B52AA6E4}">
-                <adec:decorative xmlns:adec="http://schemas.microsoft.com/office/drawing/2017/decorative" xmlns="" val="1"/>
+                <adec:decorative xmlns:adec="http://schemas.microsoft.com/office/drawing/2017/decorative" val="1"/>
               </a:ext>
             </a:extLst>
           </p:cNvPr>
@@ -12215,7 +15667,7 @@
                 <a16:creationId xmlns:a16="http://schemas.microsoft.com/office/drawing/2014/main" id="{EC5FF010-B53C-46BE-BEEF-AF926A00F67F}"/>
               </a:ext>
               <a:ext uri="{C183D7F6-B498-43B3-948B-1728B52AA6E4}">
-                <adec:decorative xmlns:adec="http://schemas.microsoft.com/office/drawing/2017/decorative" xmlns="" val="1"/>
+                <adec:decorative xmlns:adec="http://schemas.microsoft.com/office/drawing/2017/decorative" val="1"/>
               </a:ext>
             </a:extLst>
           </p:cNvPr>
@@ -12281,7 +15733,7 @@
                 <a16:creationId xmlns:a16="http://schemas.microsoft.com/office/drawing/2014/main" id="{8509AD9C-1F43-4138-A72B-8CA988EDD475}"/>
               </a:ext>
               <a:ext uri="{C183D7F6-B498-43B3-948B-1728B52AA6E4}">
-                <adec:decorative xmlns:adec="http://schemas.microsoft.com/office/drawing/2017/decorative" xmlns="" val="1"/>
+                <adec:decorative xmlns:adec="http://schemas.microsoft.com/office/drawing/2017/decorative" val="1"/>
               </a:ext>
             </a:extLst>
           </p:cNvPr>

--- a/9. React/React.pptx
+++ b/9. React/React.pptx
@@ -5,7 +5,7 @@
     <p:sldMasterId id="2147483686" r:id="rId1"/>
   </p:sldMasterIdLst>
   <p:notesMasterIdLst>
-    <p:notesMasterId r:id="rId54"/>
+    <p:notesMasterId r:id="rId75"/>
   </p:notesMasterIdLst>
   <p:sldIdLst>
     <p:sldId id="256" r:id="rId2"/>
@@ -59,7 +59,28 @@
     <p:sldId id="571" r:id="rId50"/>
     <p:sldId id="573" r:id="rId51"/>
     <p:sldId id="572" r:id="rId52"/>
-    <p:sldId id="292" r:id="rId53"/>
+    <p:sldId id="575" r:id="rId53"/>
+    <p:sldId id="578" r:id="rId54"/>
+    <p:sldId id="579" r:id="rId55"/>
+    <p:sldId id="577" r:id="rId56"/>
+    <p:sldId id="574" r:id="rId57"/>
+    <p:sldId id="588" r:id="rId58"/>
+    <p:sldId id="576" r:id="rId59"/>
+    <p:sldId id="586" r:id="rId60"/>
+    <p:sldId id="581" r:id="rId61"/>
+    <p:sldId id="580" r:id="rId62"/>
+    <p:sldId id="583" r:id="rId63"/>
+    <p:sldId id="582" r:id="rId64"/>
+    <p:sldId id="584" r:id="rId65"/>
+    <p:sldId id="585" r:id="rId66"/>
+    <p:sldId id="587" r:id="rId67"/>
+    <p:sldId id="589" r:id="rId68"/>
+    <p:sldId id="590" r:id="rId69"/>
+    <p:sldId id="591" r:id="rId70"/>
+    <p:sldId id="592" r:id="rId71"/>
+    <p:sldId id="593" r:id="rId72"/>
+    <p:sldId id="594" r:id="rId73"/>
+    <p:sldId id="292" r:id="rId74"/>
   </p:sldIdLst>
   <p:sldSz cx="12192000" cy="6858000"/>
   <p:notesSz cx="6858000" cy="9144000"/>
@@ -248,7 +269,7 @@
           <a:p>
             <a:fld id="{4F8CDAC1-6FCA-45D2-8937-C5FBB2AD5D5F}" type="datetimeFigureOut">
               <a:rPr lang="en-US" smtClean="0"/>
-              <a:t>2/26/2024</a:t>
+              <a:t>3/5/2024</a:t>
             </a:fld>
             <a:endParaRPr lang="en-US"/>
           </a:p>
@@ -600,6 +621,849 @@
 </p:notes>
 </file>
 
+<file path=ppt/notesSlides/notesSlide10.xml><?xml version="1.0" encoding="utf-8"?>
+<p:notes xmlns:a="http://schemas.openxmlformats.org/drawingml/2006/main" xmlns:r="http://schemas.openxmlformats.org/officeDocument/2006/relationships" xmlns:p="http://schemas.openxmlformats.org/presentationml/2006/main">
+  <p:cSld>
+    <p:spTree>
+      <p:nvGrpSpPr>
+        <p:cNvPr id="1" name=""/>
+        <p:cNvGrpSpPr/>
+        <p:nvPr/>
+      </p:nvGrpSpPr>
+      <p:grpSpPr>
+        <a:xfrm>
+          <a:off x="0" y="0"/>
+          <a:ext cx="0" cy="0"/>
+          <a:chOff x="0" y="0"/>
+          <a:chExt cx="0" cy="0"/>
+        </a:xfrm>
+      </p:grpSpPr>
+      <p:sp>
+        <p:nvSpPr>
+          <p:cNvPr id="2" name="Folienbildplatzhalter 1"/>
+          <p:cNvSpPr>
+            <a:spLocks noGrp="1" noRot="1" noChangeAspect="1"/>
+          </p:cNvSpPr>
+          <p:nvPr>
+            <p:ph type="sldImg"/>
+          </p:nvPr>
+        </p:nvSpPr>
+        <p:spPr/>
+      </p:sp>
+      <p:sp>
+        <p:nvSpPr>
+          <p:cNvPr id="3" name="Notizenplatzhalter 2"/>
+          <p:cNvSpPr>
+            <a:spLocks noGrp="1"/>
+          </p:cNvSpPr>
+          <p:nvPr>
+            <p:ph type="body" idx="1"/>
+          </p:nvPr>
+        </p:nvSpPr>
+        <p:spPr/>
+        <p:txBody>
+          <a:bodyPr/>
+          <a:lstStyle/>
+          <a:p>
+            <a:endParaRPr lang="de-AT" dirty="0"/>
+          </a:p>
+        </p:txBody>
+      </p:sp>
+      <p:sp>
+        <p:nvSpPr>
+          <p:cNvPr id="4" name="Foliennummernplatzhalter 3"/>
+          <p:cNvSpPr>
+            <a:spLocks noGrp="1"/>
+          </p:cNvSpPr>
+          <p:nvPr>
+            <p:ph type="sldNum" sz="quarter" idx="5"/>
+          </p:nvPr>
+        </p:nvSpPr>
+        <p:spPr/>
+        <p:txBody>
+          <a:bodyPr/>
+          <a:lstStyle/>
+          <a:p>
+            <a:fld id="{626B60C3-44C3-43DA-B37B-CB760CF063AA}" type="slidenum">
+              <a:rPr lang="en-US" smtClean="0"/>
+              <a:t>57</a:t>
+            </a:fld>
+            <a:endParaRPr lang="en-US"/>
+          </a:p>
+        </p:txBody>
+      </p:sp>
+    </p:spTree>
+    <p:extLst>
+      <p:ext uri="{BB962C8B-B14F-4D97-AF65-F5344CB8AC3E}">
+        <p14:creationId xmlns:p14="http://schemas.microsoft.com/office/powerpoint/2010/main" val="279170901"/>
+      </p:ext>
+    </p:extLst>
+  </p:cSld>
+  <p:clrMapOvr>
+    <a:masterClrMapping/>
+  </p:clrMapOvr>
+</p:notes>
+</file>
+
+<file path=ppt/notesSlides/notesSlide11.xml><?xml version="1.0" encoding="utf-8"?>
+<p:notes xmlns:a="http://schemas.openxmlformats.org/drawingml/2006/main" xmlns:r="http://schemas.openxmlformats.org/officeDocument/2006/relationships" xmlns:p="http://schemas.openxmlformats.org/presentationml/2006/main">
+  <p:cSld>
+    <p:spTree>
+      <p:nvGrpSpPr>
+        <p:cNvPr id="1" name=""/>
+        <p:cNvGrpSpPr/>
+        <p:nvPr/>
+      </p:nvGrpSpPr>
+      <p:grpSpPr>
+        <a:xfrm>
+          <a:off x="0" y="0"/>
+          <a:ext cx="0" cy="0"/>
+          <a:chOff x="0" y="0"/>
+          <a:chExt cx="0" cy="0"/>
+        </a:xfrm>
+      </p:grpSpPr>
+      <p:sp>
+        <p:nvSpPr>
+          <p:cNvPr id="2" name="Folienbildplatzhalter 1"/>
+          <p:cNvSpPr>
+            <a:spLocks noGrp="1" noRot="1" noChangeAspect="1"/>
+          </p:cNvSpPr>
+          <p:nvPr>
+            <p:ph type="sldImg"/>
+          </p:nvPr>
+        </p:nvSpPr>
+        <p:spPr/>
+      </p:sp>
+      <p:sp>
+        <p:nvSpPr>
+          <p:cNvPr id="3" name="Notizenplatzhalter 2"/>
+          <p:cNvSpPr>
+            <a:spLocks noGrp="1"/>
+          </p:cNvSpPr>
+          <p:nvPr>
+            <p:ph type="body" idx="1"/>
+          </p:nvPr>
+        </p:nvSpPr>
+        <p:spPr/>
+        <p:txBody>
+          <a:bodyPr/>
+          <a:lstStyle/>
+          <a:p>
+            <a:endParaRPr lang="de-AT" dirty="0"/>
+          </a:p>
+        </p:txBody>
+      </p:sp>
+      <p:sp>
+        <p:nvSpPr>
+          <p:cNvPr id="4" name="Foliennummernplatzhalter 3"/>
+          <p:cNvSpPr>
+            <a:spLocks noGrp="1"/>
+          </p:cNvSpPr>
+          <p:nvPr>
+            <p:ph type="sldNum" sz="quarter" idx="5"/>
+          </p:nvPr>
+        </p:nvSpPr>
+        <p:spPr/>
+        <p:txBody>
+          <a:bodyPr/>
+          <a:lstStyle/>
+          <a:p>
+            <a:fld id="{626B60C3-44C3-43DA-B37B-CB760CF063AA}" type="slidenum">
+              <a:rPr lang="en-US" smtClean="0"/>
+              <a:t>58</a:t>
+            </a:fld>
+            <a:endParaRPr lang="en-US"/>
+          </a:p>
+        </p:txBody>
+      </p:sp>
+    </p:spTree>
+    <p:extLst>
+      <p:ext uri="{BB962C8B-B14F-4D97-AF65-F5344CB8AC3E}">
+        <p14:creationId xmlns:p14="http://schemas.microsoft.com/office/powerpoint/2010/main" val="1502097912"/>
+      </p:ext>
+    </p:extLst>
+  </p:cSld>
+  <p:clrMapOvr>
+    <a:masterClrMapping/>
+  </p:clrMapOvr>
+</p:notes>
+</file>
+
+<file path=ppt/notesSlides/notesSlide12.xml><?xml version="1.0" encoding="utf-8"?>
+<p:notes xmlns:a="http://schemas.openxmlformats.org/drawingml/2006/main" xmlns:r="http://schemas.openxmlformats.org/officeDocument/2006/relationships" xmlns:p="http://schemas.openxmlformats.org/presentationml/2006/main">
+  <p:cSld>
+    <p:spTree>
+      <p:nvGrpSpPr>
+        <p:cNvPr id="1" name=""/>
+        <p:cNvGrpSpPr/>
+        <p:nvPr/>
+      </p:nvGrpSpPr>
+      <p:grpSpPr>
+        <a:xfrm>
+          <a:off x="0" y="0"/>
+          <a:ext cx="0" cy="0"/>
+          <a:chOff x="0" y="0"/>
+          <a:chExt cx="0" cy="0"/>
+        </a:xfrm>
+      </p:grpSpPr>
+      <p:sp>
+        <p:nvSpPr>
+          <p:cNvPr id="2" name="Folienbildplatzhalter 1"/>
+          <p:cNvSpPr>
+            <a:spLocks noGrp="1" noRot="1" noChangeAspect="1"/>
+          </p:cNvSpPr>
+          <p:nvPr>
+            <p:ph type="sldImg"/>
+          </p:nvPr>
+        </p:nvSpPr>
+        <p:spPr/>
+      </p:sp>
+      <p:sp>
+        <p:nvSpPr>
+          <p:cNvPr id="3" name="Notizenplatzhalter 2"/>
+          <p:cNvSpPr>
+            <a:spLocks noGrp="1"/>
+          </p:cNvSpPr>
+          <p:nvPr>
+            <p:ph type="body" idx="1"/>
+          </p:nvPr>
+        </p:nvSpPr>
+        <p:spPr/>
+        <p:txBody>
+          <a:bodyPr/>
+          <a:lstStyle/>
+          <a:p>
+            <a:endParaRPr lang="de-AT" dirty="0"/>
+          </a:p>
+        </p:txBody>
+      </p:sp>
+      <p:sp>
+        <p:nvSpPr>
+          <p:cNvPr id="4" name="Foliennummernplatzhalter 3"/>
+          <p:cNvSpPr>
+            <a:spLocks noGrp="1"/>
+          </p:cNvSpPr>
+          <p:nvPr>
+            <p:ph type="sldNum" sz="quarter" idx="5"/>
+          </p:nvPr>
+        </p:nvSpPr>
+        <p:spPr/>
+        <p:txBody>
+          <a:bodyPr/>
+          <a:lstStyle/>
+          <a:p>
+            <a:fld id="{626B60C3-44C3-43DA-B37B-CB760CF063AA}" type="slidenum">
+              <a:rPr lang="en-US" smtClean="0"/>
+              <a:t>59</a:t>
+            </a:fld>
+            <a:endParaRPr lang="en-US"/>
+          </a:p>
+        </p:txBody>
+      </p:sp>
+    </p:spTree>
+    <p:extLst>
+      <p:ext uri="{BB962C8B-B14F-4D97-AF65-F5344CB8AC3E}">
+        <p14:creationId xmlns:p14="http://schemas.microsoft.com/office/powerpoint/2010/main" val="3229434996"/>
+      </p:ext>
+    </p:extLst>
+  </p:cSld>
+  <p:clrMapOvr>
+    <a:masterClrMapping/>
+  </p:clrMapOvr>
+</p:notes>
+</file>
+
+<file path=ppt/notesSlides/notesSlide13.xml><?xml version="1.0" encoding="utf-8"?>
+<p:notes xmlns:a="http://schemas.openxmlformats.org/drawingml/2006/main" xmlns:r="http://schemas.openxmlformats.org/officeDocument/2006/relationships" xmlns:p="http://schemas.openxmlformats.org/presentationml/2006/main">
+  <p:cSld>
+    <p:spTree>
+      <p:nvGrpSpPr>
+        <p:cNvPr id="1" name=""/>
+        <p:cNvGrpSpPr/>
+        <p:nvPr/>
+      </p:nvGrpSpPr>
+      <p:grpSpPr>
+        <a:xfrm>
+          <a:off x="0" y="0"/>
+          <a:ext cx="0" cy="0"/>
+          <a:chOff x="0" y="0"/>
+          <a:chExt cx="0" cy="0"/>
+        </a:xfrm>
+      </p:grpSpPr>
+      <p:sp>
+        <p:nvSpPr>
+          <p:cNvPr id="2" name="Folienbildplatzhalter 1"/>
+          <p:cNvSpPr>
+            <a:spLocks noGrp="1" noRot="1" noChangeAspect="1"/>
+          </p:cNvSpPr>
+          <p:nvPr>
+            <p:ph type="sldImg"/>
+          </p:nvPr>
+        </p:nvSpPr>
+        <p:spPr/>
+      </p:sp>
+      <p:sp>
+        <p:nvSpPr>
+          <p:cNvPr id="3" name="Notizenplatzhalter 2"/>
+          <p:cNvSpPr>
+            <a:spLocks noGrp="1"/>
+          </p:cNvSpPr>
+          <p:nvPr>
+            <p:ph type="body" idx="1"/>
+          </p:nvPr>
+        </p:nvSpPr>
+        <p:spPr/>
+        <p:txBody>
+          <a:bodyPr/>
+          <a:lstStyle/>
+          <a:p>
+            <a:endParaRPr lang="de-AT" dirty="0"/>
+          </a:p>
+        </p:txBody>
+      </p:sp>
+      <p:sp>
+        <p:nvSpPr>
+          <p:cNvPr id="4" name="Foliennummernplatzhalter 3"/>
+          <p:cNvSpPr>
+            <a:spLocks noGrp="1"/>
+          </p:cNvSpPr>
+          <p:nvPr>
+            <p:ph type="sldNum" sz="quarter" idx="5"/>
+          </p:nvPr>
+        </p:nvSpPr>
+        <p:spPr/>
+        <p:txBody>
+          <a:bodyPr/>
+          <a:lstStyle/>
+          <a:p>
+            <a:fld id="{626B60C3-44C3-43DA-B37B-CB760CF063AA}" type="slidenum">
+              <a:rPr lang="en-US" smtClean="0"/>
+              <a:t>60</a:t>
+            </a:fld>
+            <a:endParaRPr lang="en-US"/>
+          </a:p>
+        </p:txBody>
+      </p:sp>
+    </p:spTree>
+    <p:extLst>
+      <p:ext uri="{BB962C8B-B14F-4D97-AF65-F5344CB8AC3E}">
+        <p14:creationId xmlns:p14="http://schemas.microsoft.com/office/powerpoint/2010/main" val="4263319766"/>
+      </p:ext>
+    </p:extLst>
+  </p:cSld>
+  <p:clrMapOvr>
+    <a:masterClrMapping/>
+  </p:clrMapOvr>
+</p:notes>
+</file>
+
+<file path=ppt/notesSlides/notesSlide14.xml><?xml version="1.0" encoding="utf-8"?>
+<p:notes xmlns:a="http://schemas.openxmlformats.org/drawingml/2006/main" xmlns:r="http://schemas.openxmlformats.org/officeDocument/2006/relationships" xmlns:p="http://schemas.openxmlformats.org/presentationml/2006/main">
+  <p:cSld>
+    <p:spTree>
+      <p:nvGrpSpPr>
+        <p:cNvPr id="1" name=""/>
+        <p:cNvGrpSpPr/>
+        <p:nvPr/>
+      </p:nvGrpSpPr>
+      <p:grpSpPr>
+        <a:xfrm>
+          <a:off x="0" y="0"/>
+          <a:ext cx="0" cy="0"/>
+          <a:chOff x="0" y="0"/>
+          <a:chExt cx="0" cy="0"/>
+        </a:xfrm>
+      </p:grpSpPr>
+      <p:sp>
+        <p:nvSpPr>
+          <p:cNvPr id="2" name="Folienbildplatzhalter 1"/>
+          <p:cNvSpPr>
+            <a:spLocks noGrp="1" noRot="1" noChangeAspect="1"/>
+          </p:cNvSpPr>
+          <p:nvPr>
+            <p:ph type="sldImg"/>
+          </p:nvPr>
+        </p:nvSpPr>
+        <p:spPr/>
+      </p:sp>
+      <p:sp>
+        <p:nvSpPr>
+          <p:cNvPr id="3" name="Notizenplatzhalter 2"/>
+          <p:cNvSpPr>
+            <a:spLocks noGrp="1"/>
+          </p:cNvSpPr>
+          <p:nvPr>
+            <p:ph type="body" idx="1"/>
+          </p:nvPr>
+        </p:nvSpPr>
+        <p:spPr/>
+        <p:txBody>
+          <a:bodyPr/>
+          <a:lstStyle/>
+          <a:p>
+            <a:endParaRPr lang="de-AT" dirty="0"/>
+          </a:p>
+        </p:txBody>
+      </p:sp>
+      <p:sp>
+        <p:nvSpPr>
+          <p:cNvPr id="4" name="Foliennummernplatzhalter 3"/>
+          <p:cNvSpPr>
+            <a:spLocks noGrp="1"/>
+          </p:cNvSpPr>
+          <p:nvPr>
+            <p:ph type="sldNum" sz="quarter" idx="5"/>
+          </p:nvPr>
+        </p:nvSpPr>
+        <p:spPr/>
+        <p:txBody>
+          <a:bodyPr/>
+          <a:lstStyle/>
+          <a:p>
+            <a:fld id="{626B60C3-44C3-43DA-B37B-CB760CF063AA}" type="slidenum">
+              <a:rPr lang="en-US" smtClean="0"/>
+              <a:t>61</a:t>
+            </a:fld>
+            <a:endParaRPr lang="en-US"/>
+          </a:p>
+        </p:txBody>
+      </p:sp>
+    </p:spTree>
+    <p:extLst>
+      <p:ext uri="{BB962C8B-B14F-4D97-AF65-F5344CB8AC3E}">
+        <p14:creationId xmlns:p14="http://schemas.microsoft.com/office/powerpoint/2010/main" val="3393697602"/>
+      </p:ext>
+    </p:extLst>
+  </p:cSld>
+  <p:clrMapOvr>
+    <a:masterClrMapping/>
+  </p:clrMapOvr>
+</p:notes>
+</file>
+
+<file path=ppt/notesSlides/notesSlide15.xml><?xml version="1.0" encoding="utf-8"?>
+<p:notes xmlns:a="http://schemas.openxmlformats.org/drawingml/2006/main" xmlns:r="http://schemas.openxmlformats.org/officeDocument/2006/relationships" xmlns:p="http://schemas.openxmlformats.org/presentationml/2006/main">
+  <p:cSld>
+    <p:spTree>
+      <p:nvGrpSpPr>
+        <p:cNvPr id="1" name=""/>
+        <p:cNvGrpSpPr/>
+        <p:nvPr/>
+      </p:nvGrpSpPr>
+      <p:grpSpPr>
+        <a:xfrm>
+          <a:off x="0" y="0"/>
+          <a:ext cx="0" cy="0"/>
+          <a:chOff x="0" y="0"/>
+          <a:chExt cx="0" cy="0"/>
+        </a:xfrm>
+      </p:grpSpPr>
+      <p:sp>
+        <p:nvSpPr>
+          <p:cNvPr id="2" name="Folienbildplatzhalter 1"/>
+          <p:cNvSpPr>
+            <a:spLocks noGrp="1" noRot="1" noChangeAspect="1"/>
+          </p:cNvSpPr>
+          <p:nvPr>
+            <p:ph type="sldImg"/>
+          </p:nvPr>
+        </p:nvSpPr>
+        <p:spPr/>
+      </p:sp>
+      <p:sp>
+        <p:nvSpPr>
+          <p:cNvPr id="3" name="Notizenplatzhalter 2"/>
+          <p:cNvSpPr>
+            <a:spLocks noGrp="1"/>
+          </p:cNvSpPr>
+          <p:nvPr>
+            <p:ph type="body" idx="1"/>
+          </p:nvPr>
+        </p:nvSpPr>
+        <p:spPr/>
+        <p:txBody>
+          <a:bodyPr/>
+          <a:lstStyle/>
+          <a:p>
+            <a:endParaRPr lang="de-AT" dirty="0"/>
+          </a:p>
+        </p:txBody>
+      </p:sp>
+      <p:sp>
+        <p:nvSpPr>
+          <p:cNvPr id="4" name="Foliennummernplatzhalter 3"/>
+          <p:cNvSpPr>
+            <a:spLocks noGrp="1"/>
+          </p:cNvSpPr>
+          <p:nvPr>
+            <p:ph type="sldNum" sz="quarter" idx="5"/>
+          </p:nvPr>
+        </p:nvSpPr>
+        <p:spPr/>
+        <p:txBody>
+          <a:bodyPr/>
+          <a:lstStyle/>
+          <a:p>
+            <a:fld id="{626B60C3-44C3-43DA-B37B-CB760CF063AA}" type="slidenum">
+              <a:rPr lang="en-US" smtClean="0"/>
+              <a:t>62</a:t>
+            </a:fld>
+            <a:endParaRPr lang="en-US"/>
+          </a:p>
+        </p:txBody>
+      </p:sp>
+    </p:spTree>
+    <p:extLst>
+      <p:ext uri="{BB962C8B-B14F-4D97-AF65-F5344CB8AC3E}">
+        <p14:creationId xmlns:p14="http://schemas.microsoft.com/office/powerpoint/2010/main" val="165353476"/>
+      </p:ext>
+    </p:extLst>
+  </p:cSld>
+  <p:clrMapOvr>
+    <a:masterClrMapping/>
+  </p:clrMapOvr>
+</p:notes>
+</file>
+
+<file path=ppt/notesSlides/notesSlide16.xml><?xml version="1.0" encoding="utf-8"?>
+<p:notes xmlns:a="http://schemas.openxmlformats.org/drawingml/2006/main" xmlns:r="http://schemas.openxmlformats.org/officeDocument/2006/relationships" xmlns:p="http://schemas.openxmlformats.org/presentationml/2006/main">
+  <p:cSld>
+    <p:spTree>
+      <p:nvGrpSpPr>
+        <p:cNvPr id="1" name=""/>
+        <p:cNvGrpSpPr/>
+        <p:nvPr/>
+      </p:nvGrpSpPr>
+      <p:grpSpPr>
+        <a:xfrm>
+          <a:off x="0" y="0"/>
+          <a:ext cx="0" cy="0"/>
+          <a:chOff x="0" y="0"/>
+          <a:chExt cx="0" cy="0"/>
+        </a:xfrm>
+      </p:grpSpPr>
+      <p:sp>
+        <p:nvSpPr>
+          <p:cNvPr id="2" name="Folienbildplatzhalter 1"/>
+          <p:cNvSpPr>
+            <a:spLocks noGrp="1" noRot="1" noChangeAspect="1"/>
+          </p:cNvSpPr>
+          <p:nvPr>
+            <p:ph type="sldImg"/>
+          </p:nvPr>
+        </p:nvSpPr>
+        <p:spPr/>
+      </p:sp>
+      <p:sp>
+        <p:nvSpPr>
+          <p:cNvPr id="3" name="Notizenplatzhalter 2"/>
+          <p:cNvSpPr>
+            <a:spLocks noGrp="1"/>
+          </p:cNvSpPr>
+          <p:nvPr>
+            <p:ph type="body" idx="1"/>
+          </p:nvPr>
+        </p:nvSpPr>
+        <p:spPr/>
+        <p:txBody>
+          <a:bodyPr/>
+          <a:lstStyle/>
+          <a:p>
+            <a:br>
+              <a:rPr lang="de-AT" dirty="0"/>
+            </a:br>
+            <a:endParaRPr lang="de-AT" dirty="0"/>
+          </a:p>
+        </p:txBody>
+      </p:sp>
+      <p:sp>
+        <p:nvSpPr>
+          <p:cNvPr id="4" name="Foliennummernplatzhalter 3"/>
+          <p:cNvSpPr>
+            <a:spLocks noGrp="1"/>
+          </p:cNvSpPr>
+          <p:nvPr>
+            <p:ph type="sldNum" sz="quarter" idx="5"/>
+          </p:nvPr>
+        </p:nvSpPr>
+        <p:spPr/>
+        <p:txBody>
+          <a:bodyPr/>
+          <a:lstStyle/>
+          <a:p>
+            <a:fld id="{626B60C3-44C3-43DA-B37B-CB760CF063AA}" type="slidenum">
+              <a:rPr lang="en-US" smtClean="0"/>
+              <a:t>63</a:t>
+            </a:fld>
+            <a:endParaRPr lang="en-US"/>
+          </a:p>
+        </p:txBody>
+      </p:sp>
+    </p:spTree>
+    <p:extLst>
+      <p:ext uri="{BB962C8B-B14F-4D97-AF65-F5344CB8AC3E}">
+        <p14:creationId xmlns:p14="http://schemas.microsoft.com/office/powerpoint/2010/main" val="1696664908"/>
+      </p:ext>
+    </p:extLst>
+  </p:cSld>
+  <p:clrMapOvr>
+    <a:masterClrMapping/>
+  </p:clrMapOvr>
+</p:notes>
+</file>
+
+<file path=ppt/notesSlides/notesSlide17.xml><?xml version="1.0" encoding="utf-8"?>
+<p:notes xmlns:a="http://schemas.openxmlformats.org/drawingml/2006/main" xmlns:r="http://schemas.openxmlformats.org/officeDocument/2006/relationships" xmlns:p="http://schemas.openxmlformats.org/presentationml/2006/main">
+  <p:cSld>
+    <p:spTree>
+      <p:nvGrpSpPr>
+        <p:cNvPr id="1" name=""/>
+        <p:cNvGrpSpPr/>
+        <p:nvPr/>
+      </p:nvGrpSpPr>
+      <p:grpSpPr>
+        <a:xfrm>
+          <a:off x="0" y="0"/>
+          <a:ext cx="0" cy="0"/>
+          <a:chOff x="0" y="0"/>
+          <a:chExt cx="0" cy="0"/>
+        </a:xfrm>
+      </p:grpSpPr>
+      <p:sp>
+        <p:nvSpPr>
+          <p:cNvPr id="2" name="Folienbildplatzhalter 1"/>
+          <p:cNvSpPr>
+            <a:spLocks noGrp="1" noRot="1" noChangeAspect="1"/>
+          </p:cNvSpPr>
+          <p:nvPr>
+            <p:ph type="sldImg"/>
+          </p:nvPr>
+        </p:nvSpPr>
+        <p:spPr/>
+      </p:sp>
+      <p:sp>
+        <p:nvSpPr>
+          <p:cNvPr id="3" name="Notizenplatzhalter 2"/>
+          <p:cNvSpPr>
+            <a:spLocks noGrp="1"/>
+          </p:cNvSpPr>
+          <p:nvPr>
+            <p:ph type="body" idx="1"/>
+          </p:nvPr>
+        </p:nvSpPr>
+        <p:spPr/>
+        <p:txBody>
+          <a:bodyPr/>
+          <a:lstStyle/>
+          <a:p>
+            <a:endParaRPr lang="de-AT" dirty="0"/>
+          </a:p>
+        </p:txBody>
+      </p:sp>
+      <p:sp>
+        <p:nvSpPr>
+          <p:cNvPr id="4" name="Foliennummernplatzhalter 3"/>
+          <p:cNvSpPr>
+            <a:spLocks noGrp="1"/>
+          </p:cNvSpPr>
+          <p:nvPr>
+            <p:ph type="sldNum" sz="quarter" idx="5"/>
+          </p:nvPr>
+        </p:nvSpPr>
+        <p:spPr/>
+        <p:txBody>
+          <a:bodyPr/>
+          <a:lstStyle/>
+          <a:p>
+            <a:fld id="{626B60C3-44C3-43DA-B37B-CB760CF063AA}" type="slidenum">
+              <a:rPr lang="en-US" smtClean="0"/>
+              <a:t>64</a:t>
+            </a:fld>
+            <a:endParaRPr lang="en-US"/>
+          </a:p>
+        </p:txBody>
+      </p:sp>
+    </p:spTree>
+    <p:extLst>
+      <p:ext uri="{BB962C8B-B14F-4D97-AF65-F5344CB8AC3E}">
+        <p14:creationId xmlns:p14="http://schemas.microsoft.com/office/powerpoint/2010/main" val="112310255"/>
+      </p:ext>
+    </p:extLst>
+  </p:cSld>
+  <p:clrMapOvr>
+    <a:masterClrMapping/>
+  </p:clrMapOvr>
+</p:notes>
+</file>
+
+<file path=ppt/notesSlides/notesSlide18.xml><?xml version="1.0" encoding="utf-8"?>
+<p:notes xmlns:a="http://schemas.openxmlformats.org/drawingml/2006/main" xmlns:r="http://schemas.openxmlformats.org/officeDocument/2006/relationships" xmlns:p="http://schemas.openxmlformats.org/presentationml/2006/main">
+  <p:cSld>
+    <p:spTree>
+      <p:nvGrpSpPr>
+        <p:cNvPr id="1" name=""/>
+        <p:cNvGrpSpPr/>
+        <p:nvPr/>
+      </p:nvGrpSpPr>
+      <p:grpSpPr>
+        <a:xfrm>
+          <a:off x="0" y="0"/>
+          <a:ext cx="0" cy="0"/>
+          <a:chOff x="0" y="0"/>
+          <a:chExt cx="0" cy="0"/>
+        </a:xfrm>
+      </p:grpSpPr>
+      <p:sp>
+        <p:nvSpPr>
+          <p:cNvPr id="2" name="Folienbildplatzhalter 1"/>
+          <p:cNvSpPr>
+            <a:spLocks noGrp="1" noRot="1" noChangeAspect="1"/>
+          </p:cNvSpPr>
+          <p:nvPr>
+            <p:ph type="sldImg"/>
+          </p:nvPr>
+        </p:nvSpPr>
+        <p:spPr/>
+      </p:sp>
+      <p:sp>
+        <p:nvSpPr>
+          <p:cNvPr id="3" name="Notizenplatzhalter 2"/>
+          <p:cNvSpPr>
+            <a:spLocks noGrp="1"/>
+          </p:cNvSpPr>
+          <p:nvPr>
+            <p:ph type="body" idx="1"/>
+          </p:nvPr>
+        </p:nvSpPr>
+        <p:spPr/>
+        <p:txBody>
+          <a:bodyPr/>
+          <a:lstStyle/>
+          <a:p>
+            <a:endParaRPr lang="de-AT" dirty="0"/>
+          </a:p>
+        </p:txBody>
+      </p:sp>
+      <p:sp>
+        <p:nvSpPr>
+          <p:cNvPr id="4" name="Foliennummernplatzhalter 3"/>
+          <p:cNvSpPr>
+            <a:spLocks noGrp="1"/>
+          </p:cNvSpPr>
+          <p:nvPr>
+            <p:ph type="sldNum" sz="quarter" idx="5"/>
+          </p:nvPr>
+        </p:nvSpPr>
+        <p:spPr/>
+        <p:txBody>
+          <a:bodyPr/>
+          <a:lstStyle/>
+          <a:p>
+            <a:fld id="{626B60C3-44C3-43DA-B37B-CB760CF063AA}" type="slidenum">
+              <a:rPr lang="en-US" smtClean="0"/>
+              <a:t>67</a:t>
+            </a:fld>
+            <a:endParaRPr lang="en-US"/>
+          </a:p>
+        </p:txBody>
+      </p:sp>
+    </p:spTree>
+    <p:extLst>
+      <p:ext uri="{BB962C8B-B14F-4D97-AF65-F5344CB8AC3E}">
+        <p14:creationId xmlns:p14="http://schemas.microsoft.com/office/powerpoint/2010/main" val="3225655811"/>
+      </p:ext>
+    </p:extLst>
+  </p:cSld>
+  <p:clrMapOvr>
+    <a:masterClrMapping/>
+  </p:clrMapOvr>
+</p:notes>
+</file>
+
+<file path=ppt/notesSlides/notesSlide19.xml><?xml version="1.0" encoding="utf-8"?>
+<p:notes xmlns:a="http://schemas.openxmlformats.org/drawingml/2006/main" xmlns:r="http://schemas.openxmlformats.org/officeDocument/2006/relationships" xmlns:p="http://schemas.openxmlformats.org/presentationml/2006/main">
+  <p:cSld>
+    <p:spTree>
+      <p:nvGrpSpPr>
+        <p:cNvPr id="1" name=""/>
+        <p:cNvGrpSpPr/>
+        <p:nvPr/>
+      </p:nvGrpSpPr>
+      <p:grpSpPr>
+        <a:xfrm>
+          <a:off x="0" y="0"/>
+          <a:ext cx="0" cy="0"/>
+          <a:chOff x="0" y="0"/>
+          <a:chExt cx="0" cy="0"/>
+        </a:xfrm>
+      </p:grpSpPr>
+      <p:sp>
+        <p:nvSpPr>
+          <p:cNvPr id="2" name="Folienbildplatzhalter 1"/>
+          <p:cNvSpPr>
+            <a:spLocks noGrp="1" noRot="1" noChangeAspect="1"/>
+          </p:cNvSpPr>
+          <p:nvPr>
+            <p:ph type="sldImg"/>
+          </p:nvPr>
+        </p:nvSpPr>
+        <p:spPr/>
+      </p:sp>
+      <p:sp>
+        <p:nvSpPr>
+          <p:cNvPr id="3" name="Notizenplatzhalter 2"/>
+          <p:cNvSpPr>
+            <a:spLocks noGrp="1"/>
+          </p:cNvSpPr>
+          <p:nvPr>
+            <p:ph type="body" idx="1"/>
+          </p:nvPr>
+        </p:nvSpPr>
+        <p:spPr/>
+        <p:txBody>
+          <a:bodyPr/>
+          <a:lstStyle/>
+          <a:p>
+            <a:endParaRPr lang="de-AT" dirty="0"/>
+          </a:p>
+        </p:txBody>
+      </p:sp>
+      <p:sp>
+        <p:nvSpPr>
+          <p:cNvPr id="4" name="Foliennummernplatzhalter 3"/>
+          <p:cNvSpPr>
+            <a:spLocks noGrp="1"/>
+          </p:cNvSpPr>
+          <p:nvPr>
+            <p:ph type="sldNum" sz="quarter" idx="5"/>
+          </p:nvPr>
+        </p:nvSpPr>
+        <p:spPr/>
+        <p:txBody>
+          <a:bodyPr/>
+          <a:lstStyle/>
+          <a:p>
+            <a:fld id="{626B60C3-44C3-43DA-B37B-CB760CF063AA}" type="slidenum">
+              <a:rPr lang="en-US" smtClean="0"/>
+              <a:t>68</a:t>
+            </a:fld>
+            <a:endParaRPr lang="en-US"/>
+          </a:p>
+        </p:txBody>
+      </p:sp>
+    </p:spTree>
+    <p:extLst>
+      <p:ext uri="{BB962C8B-B14F-4D97-AF65-F5344CB8AC3E}">
+        <p14:creationId xmlns:p14="http://schemas.microsoft.com/office/powerpoint/2010/main" val="3396669791"/>
+      </p:ext>
+    </p:extLst>
+  </p:cSld>
+  <p:clrMapOvr>
+    <a:masterClrMapping/>
+  </p:clrMapOvr>
+</p:notes>
+</file>
+
 <file path=ppt/notesSlides/notesSlide2.xml><?xml version="1.0" encoding="utf-8"?>
 <p:notes xmlns:a="http://schemas.openxmlformats.org/drawingml/2006/main" xmlns:r="http://schemas.openxmlformats.org/officeDocument/2006/relationships" xmlns:p="http://schemas.openxmlformats.org/presentationml/2006/main">
   <p:cSld>
@@ -675,6 +1539,342 @@
     <p:extLst>
       <p:ext uri="{BB962C8B-B14F-4D97-AF65-F5344CB8AC3E}">
         <p14:creationId xmlns:p14="http://schemas.microsoft.com/office/powerpoint/2010/main" val="3341846493"/>
+      </p:ext>
+    </p:extLst>
+  </p:cSld>
+  <p:clrMapOvr>
+    <a:masterClrMapping/>
+  </p:clrMapOvr>
+</p:notes>
+</file>
+
+<file path=ppt/notesSlides/notesSlide20.xml><?xml version="1.0" encoding="utf-8"?>
+<p:notes xmlns:a="http://schemas.openxmlformats.org/drawingml/2006/main" xmlns:r="http://schemas.openxmlformats.org/officeDocument/2006/relationships" xmlns:p="http://schemas.openxmlformats.org/presentationml/2006/main">
+  <p:cSld>
+    <p:spTree>
+      <p:nvGrpSpPr>
+        <p:cNvPr id="1" name=""/>
+        <p:cNvGrpSpPr/>
+        <p:nvPr/>
+      </p:nvGrpSpPr>
+      <p:grpSpPr>
+        <a:xfrm>
+          <a:off x="0" y="0"/>
+          <a:ext cx="0" cy="0"/>
+          <a:chOff x="0" y="0"/>
+          <a:chExt cx="0" cy="0"/>
+        </a:xfrm>
+      </p:grpSpPr>
+      <p:sp>
+        <p:nvSpPr>
+          <p:cNvPr id="2" name="Folienbildplatzhalter 1"/>
+          <p:cNvSpPr>
+            <a:spLocks noGrp="1" noRot="1" noChangeAspect="1"/>
+          </p:cNvSpPr>
+          <p:nvPr>
+            <p:ph type="sldImg"/>
+          </p:nvPr>
+        </p:nvSpPr>
+        <p:spPr/>
+      </p:sp>
+      <p:sp>
+        <p:nvSpPr>
+          <p:cNvPr id="3" name="Notizenplatzhalter 2"/>
+          <p:cNvSpPr>
+            <a:spLocks noGrp="1"/>
+          </p:cNvSpPr>
+          <p:nvPr>
+            <p:ph type="body" idx="1"/>
+          </p:nvPr>
+        </p:nvSpPr>
+        <p:spPr/>
+        <p:txBody>
+          <a:bodyPr/>
+          <a:lstStyle/>
+          <a:p>
+            <a:endParaRPr lang="de-AT" dirty="0"/>
+          </a:p>
+        </p:txBody>
+      </p:sp>
+      <p:sp>
+        <p:nvSpPr>
+          <p:cNvPr id="4" name="Foliennummernplatzhalter 3"/>
+          <p:cNvSpPr>
+            <a:spLocks noGrp="1"/>
+          </p:cNvSpPr>
+          <p:nvPr>
+            <p:ph type="sldNum" sz="quarter" idx="5"/>
+          </p:nvPr>
+        </p:nvSpPr>
+        <p:spPr/>
+        <p:txBody>
+          <a:bodyPr/>
+          <a:lstStyle/>
+          <a:p>
+            <a:fld id="{626B60C3-44C3-43DA-B37B-CB760CF063AA}" type="slidenum">
+              <a:rPr lang="en-US" smtClean="0"/>
+              <a:t>69</a:t>
+            </a:fld>
+            <a:endParaRPr lang="en-US"/>
+          </a:p>
+        </p:txBody>
+      </p:sp>
+    </p:spTree>
+    <p:extLst>
+      <p:ext uri="{BB962C8B-B14F-4D97-AF65-F5344CB8AC3E}">
+        <p14:creationId xmlns:p14="http://schemas.microsoft.com/office/powerpoint/2010/main" val="210004946"/>
+      </p:ext>
+    </p:extLst>
+  </p:cSld>
+  <p:clrMapOvr>
+    <a:masterClrMapping/>
+  </p:clrMapOvr>
+</p:notes>
+</file>
+
+<file path=ppt/notesSlides/notesSlide21.xml><?xml version="1.0" encoding="utf-8"?>
+<p:notes xmlns:a="http://schemas.openxmlformats.org/drawingml/2006/main" xmlns:r="http://schemas.openxmlformats.org/officeDocument/2006/relationships" xmlns:p="http://schemas.openxmlformats.org/presentationml/2006/main">
+  <p:cSld>
+    <p:spTree>
+      <p:nvGrpSpPr>
+        <p:cNvPr id="1" name=""/>
+        <p:cNvGrpSpPr/>
+        <p:nvPr/>
+      </p:nvGrpSpPr>
+      <p:grpSpPr>
+        <a:xfrm>
+          <a:off x="0" y="0"/>
+          <a:ext cx="0" cy="0"/>
+          <a:chOff x="0" y="0"/>
+          <a:chExt cx="0" cy="0"/>
+        </a:xfrm>
+      </p:grpSpPr>
+      <p:sp>
+        <p:nvSpPr>
+          <p:cNvPr id="2" name="Folienbildplatzhalter 1"/>
+          <p:cNvSpPr>
+            <a:spLocks noGrp="1" noRot="1" noChangeAspect="1"/>
+          </p:cNvSpPr>
+          <p:nvPr>
+            <p:ph type="sldImg"/>
+          </p:nvPr>
+        </p:nvSpPr>
+        <p:spPr/>
+      </p:sp>
+      <p:sp>
+        <p:nvSpPr>
+          <p:cNvPr id="3" name="Notizenplatzhalter 2"/>
+          <p:cNvSpPr>
+            <a:spLocks noGrp="1"/>
+          </p:cNvSpPr>
+          <p:nvPr>
+            <p:ph type="body" idx="1"/>
+          </p:nvPr>
+        </p:nvSpPr>
+        <p:spPr/>
+        <p:txBody>
+          <a:bodyPr/>
+          <a:lstStyle/>
+          <a:p>
+            <a:endParaRPr lang="de-AT" dirty="0"/>
+          </a:p>
+        </p:txBody>
+      </p:sp>
+      <p:sp>
+        <p:nvSpPr>
+          <p:cNvPr id="4" name="Foliennummernplatzhalter 3"/>
+          <p:cNvSpPr>
+            <a:spLocks noGrp="1"/>
+          </p:cNvSpPr>
+          <p:nvPr>
+            <p:ph type="sldNum" sz="quarter" idx="5"/>
+          </p:nvPr>
+        </p:nvSpPr>
+        <p:spPr/>
+        <p:txBody>
+          <a:bodyPr/>
+          <a:lstStyle/>
+          <a:p>
+            <a:fld id="{626B60C3-44C3-43DA-B37B-CB760CF063AA}" type="slidenum">
+              <a:rPr lang="en-US" smtClean="0"/>
+              <a:t>70</a:t>
+            </a:fld>
+            <a:endParaRPr lang="en-US"/>
+          </a:p>
+        </p:txBody>
+      </p:sp>
+    </p:spTree>
+    <p:extLst>
+      <p:ext uri="{BB962C8B-B14F-4D97-AF65-F5344CB8AC3E}">
+        <p14:creationId xmlns:p14="http://schemas.microsoft.com/office/powerpoint/2010/main" val="2306058229"/>
+      </p:ext>
+    </p:extLst>
+  </p:cSld>
+  <p:clrMapOvr>
+    <a:masterClrMapping/>
+  </p:clrMapOvr>
+</p:notes>
+</file>
+
+<file path=ppt/notesSlides/notesSlide22.xml><?xml version="1.0" encoding="utf-8"?>
+<p:notes xmlns:a="http://schemas.openxmlformats.org/drawingml/2006/main" xmlns:r="http://schemas.openxmlformats.org/officeDocument/2006/relationships" xmlns:p="http://schemas.openxmlformats.org/presentationml/2006/main">
+  <p:cSld>
+    <p:spTree>
+      <p:nvGrpSpPr>
+        <p:cNvPr id="1" name=""/>
+        <p:cNvGrpSpPr/>
+        <p:nvPr/>
+      </p:nvGrpSpPr>
+      <p:grpSpPr>
+        <a:xfrm>
+          <a:off x="0" y="0"/>
+          <a:ext cx="0" cy="0"/>
+          <a:chOff x="0" y="0"/>
+          <a:chExt cx="0" cy="0"/>
+        </a:xfrm>
+      </p:grpSpPr>
+      <p:sp>
+        <p:nvSpPr>
+          <p:cNvPr id="2" name="Folienbildplatzhalter 1"/>
+          <p:cNvSpPr>
+            <a:spLocks noGrp="1" noRot="1" noChangeAspect="1"/>
+          </p:cNvSpPr>
+          <p:nvPr>
+            <p:ph type="sldImg"/>
+          </p:nvPr>
+        </p:nvSpPr>
+        <p:spPr/>
+      </p:sp>
+      <p:sp>
+        <p:nvSpPr>
+          <p:cNvPr id="3" name="Notizenplatzhalter 2"/>
+          <p:cNvSpPr>
+            <a:spLocks noGrp="1"/>
+          </p:cNvSpPr>
+          <p:nvPr>
+            <p:ph type="body" idx="1"/>
+          </p:nvPr>
+        </p:nvSpPr>
+        <p:spPr/>
+        <p:txBody>
+          <a:bodyPr/>
+          <a:lstStyle/>
+          <a:p>
+            <a:endParaRPr lang="de-AT" dirty="0"/>
+          </a:p>
+        </p:txBody>
+      </p:sp>
+      <p:sp>
+        <p:nvSpPr>
+          <p:cNvPr id="4" name="Foliennummernplatzhalter 3"/>
+          <p:cNvSpPr>
+            <a:spLocks noGrp="1"/>
+          </p:cNvSpPr>
+          <p:nvPr>
+            <p:ph type="sldNum" sz="quarter" idx="5"/>
+          </p:nvPr>
+        </p:nvSpPr>
+        <p:spPr/>
+        <p:txBody>
+          <a:bodyPr/>
+          <a:lstStyle/>
+          <a:p>
+            <a:fld id="{626B60C3-44C3-43DA-B37B-CB760CF063AA}" type="slidenum">
+              <a:rPr lang="en-US" smtClean="0"/>
+              <a:t>71</a:t>
+            </a:fld>
+            <a:endParaRPr lang="en-US"/>
+          </a:p>
+        </p:txBody>
+      </p:sp>
+    </p:spTree>
+    <p:extLst>
+      <p:ext uri="{BB962C8B-B14F-4D97-AF65-F5344CB8AC3E}">
+        <p14:creationId xmlns:p14="http://schemas.microsoft.com/office/powerpoint/2010/main" val="1701395962"/>
+      </p:ext>
+    </p:extLst>
+  </p:cSld>
+  <p:clrMapOvr>
+    <a:masterClrMapping/>
+  </p:clrMapOvr>
+</p:notes>
+</file>
+
+<file path=ppt/notesSlides/notesSlide23.xml><?xml version="1.0" encoding="utf-8"?>
+<p:notes xmlns:a="http://schemas.openxmlformats.org/drawingml/2006/main" xmlns:r="http://schemas.openxmlformats.org/officeDocument/2006/relationships" xmlns:p="http://schemas.openxmlformats.org/presentationml/2006/main">
+  <p:cSld>
+    <p:spTree>
+      <p:nvGrpSpPr>
+        <p:cNvPr id="1" name=""/>
+        <p:cNvGrpSpPr/>
+        <p:nvPr/>
+      </p:nvGrpSpPr>
+      <p:grpSpPr>
+        <a:xfrm>
+          <a:off x="0" y="0"/>
+          <a:ext cx="0" cy="0"/>
+          <a:chOff x="0" y="0"/>
+          <a:chExt cx="0" cy="0"/>
+        </a:xfrm>
+      </p:grpSpPr>
+      <p:sp>
+        <p:nvSpPr>
+          <p:cNvPr id="2" name="Folienbildplatzhalter 1"/>
+          <p:cNvSpPr>
+            <a:spLocks noGrp="1" noRot="1" noChangeAspect="1"/>
+          </p:cNvSpPr>
+          <p:nvPr>
+            <p:ph type="sldImg"/>
+          </p:nvPr>
+        </p:nvSpPr>
+        <p:spPr/>
+      </p:sp>
+      <p:sp>
+        <p:nvSpPr>
+          <p:cNvPr id="3" name="Notizenplatzhalter 2"/>
+          <p:cNvSpPr>
+            <a:spLocks noGrp="1"/>
+          </p:cNvSpPr>
+          <p:nvPr>
+            <p:ph type="body" idx="1"/>
+          </p:nvPr>
+        </p:nvSpPr>
+        <p:spPr/>
+        <p:txBody>
+          <a:bodyPr/>
+          <a:lstStyle/>
+          <a:p>
+            <a:endParaRPr lang="de-AT" dirty="0"/>
+          </a:p>
+        </p:txBody>
+      </p:sp>
+      <p:sp>
+        <p:nvSpPr>
+          <p:cNvPr id="4" name="Foliennummernplatzhalter 3"/>
+          <p:cNvSpPr>
+            <a:spLocks noGrp="1"/>
+          </p:cNvSpPr>
+          <p:nvPr>
+            <p:ph type="sldNum" sz="quarter" idx="5"/>
+          </p:nvPr>
+        </p:nvSpPr>
+        <p:spPr/>
+        <p:txBody>
+          <a:bodyPr/>
+          <a:lstStyle/>
+          <a:p>
+            <a:fld id="{626B60C3-44C3-43DA-B37B-CB760CF063AA}" type="slidenum">
+              <a:rPr lang="en-US" smtClean="0"/>
+              <a:t>72</a:t>
+            </a:fld>
+            <a:endParaRPr lang="en-US"/>
+          </a:p>
+        </p:txBody>
+      </p:sp>
+    </p:spTree>
+    <p:extLst>
+      <p:ext uri="{BB962C8B-B14F-4D97-AF65-F5344CB8AC3E}">
+        <p14:creationId xmlns:p14="http://schemas.microsoft.com/office/powerpoint/2010/main" val="4285239918"/>
       </p:ext>
     </p:extLst>
   </p:cSld>
@@ -1179,6 +2379,90 @@
     <p:extLst>
       <p:ext uri="{BB962C8B-B14F-4D97-AF65-F5344CB8AC3E}">
         <p14:creationId xmlns:p14="http://schemas.microsoft.com/office/powerpoint/2010/main" val="1017943748"/>
+      </p:ext>
+    </p:extLst>
+  </p:cSld>
+  <p:clrMapOvr>
+    <a:masterClrMapping/>
+  </p:clrMapOvr>
+</p:notes>
+</file>
+
+<file path=ppt/notesSlides/notesSlide9.xml><?xml version="1.0" encoding="utf-8"?>
+<p:notes xmlns:a="http://schemas.openxmlformats.org/drawingml/2006/main" xmlns:r="http://schemas.openxmlformats.org/officeDocument/2006/relationships" xmlns:p="http://schemas.openxmlformats.org/presentationml/2006/main">
+  <p:cSld>
+    <p:spTree>
+      <p:nvGrpSpPr>
+        <p:cNvPr id="1" name=""/>
+        <p:cNvGrpSpPr/>
+        <p:nvPr/>
+      </p:nvGrpSpPr>
+      <p:grpSpPr>
+        <a:xfrm>
+          <a:off x="0" y="0"/>
+          <a:ext cx="0" cy="0"/>
+          <a:chOff x="0" y="0"/>
+          <a:chExt cx="0" cy="0"/>
+        </a:xfrm>
+      </p:grpSpPr>
+      <p:sp>
+        <p:nvSpPr>
+          <p:cNvPr id="2" name="Folienbildplatzhalter 1"/>
+          <p:cNvSpPr>
+            <a:spLocks noGrp="1" noRot="1" noChangeAspect="1"/>
+          </p:cNvSpPr>
+          <p:nvPr>
+            <p:ph type="sldImg"/>
+          </p:nvPr>
+        </p:nvSpPr>
+        <p:spPr/>
+      </p:sp>
+      <p:sp>
+        <p:nvSpPr>
+          <p:cNvPr id="3" name="Notizenplatzhalter 2"/>
+          <p:cNvSpPr>
+            <a:spLocks noGrp="1"/>
+          </p:cNvSpPr>
+          <p:nvPr>
+            <p:ph type="body" idx="1"/>
+          </p:nvPr>
+        </p:nvSpPr>
+        <p:spPr/>
+        <p:txBody>
+          <a:bodyPr/>
+          <a:lstStyle/>
+          <a:p>
+            <a:endParaRPr lang="de-AT" dirty="0"/>
+          </a:p>
+        </p:txBody>
+      </p:sp>
+      <p:sp>
+        <p:nvSpPr>
+          <p:cNvPr id="4" name="Foliennummernplatzhalter 3"/>
+          <p:cNvSpPr>
+            <a:spLocks noGrp="1"/>
+          </p:cNvSpPr>
+          <p:nvPr>
+            <p:ph type="sldNum" sz="quarter" idx="5"/>
+          </p:nvPr>
+        </p:nvSpPr>
+        <p:spPr/>
+        <p:txBody>
+          <a:bodyPr/>
+          <a:lstStyle/>
+          <a:p>
+            <a:fld id="{626B60C3-44C3-43DA-B37B-CB760CF063AA}" type="slidenum">
+              <a:rPr lang="en-US" smtClean="0"/>
+              <a:t>56</a:t>
+            </a:fld>
+            <a:endParaRPr lang="en-US"/>
+          </a:p>
+        </p:txBody>
+      </p:sp>
+    </p:spTree>
+    <p:extLst>
+      <p:ext uri="{BB962C8B-B14F-4D97-AF65-F5344CB8AC3E}">
+        <p14:creationId xmlns:p14="http://schemas.microsoft.com/office/powerpoint/2010/main" val="1113386272"/>
       </p:ext>
     </p:extLst>
   </p:cSld>
@@ -1339,7 +2623,7 @@
           <a:p>
             <a:fld id="{B6D41BCC-AD73-4203-A5A6-E62EB28B0FE6}" type="datetimeFigureOut">
               <a:rPr lang="en-US" smtClean="0"/>
-              <a:t>2/26/2024</a:t>
+              <a:t>3/5/2024</a:t>
             </a:fld>
             <a:endParaRPr lang="en-US"/>
           </a:p>
@@ -1547,7 +2831,7 @@
           <a:p>
             <a:fld id="{B6D41BCC-AD73-4203-A5A6-E62EB28B0FE6}" type="datetimeFigureOut">
               <a:rPr lang="en-US" smtClean="0"/>
-              <a:t>2/26/2024</a:t>
+              <a:t>3/5/2024</a:t>
             </a:fld>
             <a:endParaRPr lang="en-US"/>
           </a:p>
@@ -1755,7 +3039,7 @@
           <a:p>
             <a:fld id="{B6D41BCC-AD73-4203-A5A6-E62EB28B0FE6}" type="datetimeFigureOut">
               <a:rPr lang="en-US" smtClean="0"/>
-              <a:t>2/26/2024</a:t>
+              <a:t>3/5/2024</a:t>
             </a:fld>
             <a:endParaRPr lang="en-US"/>
           </a:p>
@@ -1953,7 +3237,7 @@
           <a:p>
             <a:fld id="{B6D41BCC-AD73-4203-A5A6-E62EB28B0FE6}" type="datetimeFigureOut">
               <a:rPr lang="en-US" smtClean="0"/>
-              <a:t>2/26/2024</a:t>
+              <a:t>3/5/2024</a:t>
             </a:fld>
             <a:endParaRPr lang="en-US"/>
           </a:p>
@@ -2368,7 +3652,7 @@
           <a:p>
             <a:fld id="{B6D41BCC-AD73-4203-A5A6-E62EB28B0FE6}" type="datetimeFigureOut">
               <a:rPr lang="en-US" smtClean="0"/>
-              <a:t>2/26/2024</a:t>
+              <a:t>3/5/2024</a:t>
             </a:fld>
             <a:endParaRPr lang="en-US"/>
           </a:p>
@@ -2638,7 +3922,7 @@
           <a:p>
             <a:fld id="{B6D41BCC-AD73-4203-A5A6-E62EB28B0FE6}" type="datetimeFigureOut">
               <a:rPr lang="en-US" smtClean="0"/>
-              <a:t>2/26/2024</a:t>
+              <a:t>3/5/2024</a:t>
             </a:fld>
             <a:endParaRPr lang="en-US"/>
           </a:p>
@@ -3054,7 +4338,7 @@
           <a:p>
             <a:fld id="{B6D41BCC-AD73-4203-A5A6-E62EB28B0FE6}" type="datetimeFigureOut">
               <a:rPr lang="en-US" smtClean="0"/>
-              <a:t>2/26/2024</a:t>
+              <a:t>3/5/2024</a:t>
             </a:fld>
             <a:endParaRPr lang="en-US"/>
           </a:p>
@@ -3195,7 +4479,7 @@
           <a:p>
             <a:fld id="{B6D41BCC-AD73-4203-A5A6-E62EB28B0FE6}" type="datetimeFigureOut">
               <a:rPr lang="en-US" smtClean="0"/>
-              <a:t>2/26/2024</a:t>
+              <a:t>3/5/2024</a:t>
             </a:fld>
             <a:endParaRPr lang="en-US"/>
           </a:p>
@@ -3308,7 +4592,7 @@
           <a:p>
             <a:fld id="{B6D41BCC-AD73-4203-A5A6-E62EB28B0FE6}" type="datetimeFigureOut">
               <a:rPr lang="en-US" smtClean="0"/>
-              <a:t>2/26/2024</a:t>
+              <a:t>3/5/2024</a:t>
             </a:fld>
             <a:endParaRPr lang="en-US"/>
           </a:p>
@@ -3634,7 +4918,7 @@
           <a:p>
             <a:fld id="{B6D41BCC-AD73-4203-A5A6-E62EB28B0FE6}" type="datetimeFigureOut">
               <a:rPr lang="en-US" smtClean="0"/>
-              <a:t>2/26/2024</a:t>
+              <a:t>3/5/2024</a:t>
             </a:fld>
             <a:endParaRPr lang="en-US"/>
           </a:p>
@@ -3922,7 +5206,7 @@
           <a:p>
             <a:fld id="{B6D41BCC-AD73-4203-A5A6-E62EB28B0FE6}" type="datetimeFigureOut">
               <a:rPr lang="en-US" smtClean="0"/>
-              <a:t>2/26/2024</a:t>
+              <a:t>3/5/2024</a:t>
             </a:fld>
             <a:endParaRPr lang="en-US"/>
           </a:p>
@@ -4162,7 +5446,7 @@
             <a:fld id="{B6D41BCC-AD73-4203-A5A6-E62EB28B0FE6}" type="datetimeFigureOut">
               <a:rPr lang="en-US" smtClean="0"/>
               <a:pPr/>
-              <a:t>2/26/2024</a:t>
+              <a:t>3/5/2024</a:t>
             </a:fld>
             <a:endParaRPr lang="en-US"/>
           </a:p>
@@ -14753,43 +16037,1280 @@
       </p:grpSpPr>
       <p:sp>
         <p:nvSpPr>
-          <p:cNvPr id="6" name="Titel 5">
-            <a:extLst>
-              <a:ext uri="{FF2B5EF4-FFF2-40B4-BE49-F238E27FC236}">
-                <a16:creationId xmlns:a16="http://schemas.microsoft.com/office/drawing/2014/main" id="{215C6C17-3994-268F-CD9B-1F627A31A4B8}"/>
-              </a:ext>
-            </a:extLst>
-          </p:cNvPr>
-          <p:cNvSpPr>
-            <a:spLocks noGrp="1"/>
-          </p:cNvSpPr>
-          <p:nvPr>
-            <p:ph type="ctrTitle"/>
+          <p:cNvPr id="2" name="Titel 1">
+            <a:extLst>
+              <a:ext uri="{FF2B5EF4-FFF2-40B4-BE49-F238E27FC236}">
+                <a16:creationId xmlns:a16="http://schemas.microsoft.com/office/drawing/2014/main" id="{7E791F3F-ED95-1D9E-8EC9-3950662C9B76}"/>
+              </a:ext>
+            </a:extLst>
+          </p:cNvPr>
+          <p:cNvSpPr>
+            <a:spLocks noGrp="1"/>
+          </p:cNvSpPr>
+          <p:nvPr>
+            <p:ph type="title"/>
+          </p:nvPr>
+        </p:nvSpPr>
+        <p:spPr/>
+        <p:txBody>
+          <a:bodyPr/>
+          <a:lstStyle/>
+          <a:p>
+            <a:r>
+              <a:rPr lang="de-AT" dirty="0"/>
+              <a:t>State Struktur Prinzipien</a:t>
+            </a:r>
+          </a:p>
+        </p:txBody>
+      </p:sp>
+      <p:sp>
+        <p:nvSpPr>
+          <p:cNvPr id="3" name="Inhaltsplatzhalter 2">
+            <a:extLst>
+              <a:ext uri="{FF2B5EF4-FFF2-40B4-BE49-F238E27FC236}">
+                <a16:creationId xmlns:a16="http://schemas.microsoft.com/office/drawing/2014/main" id="{A65EA740-3166-3EE5-303A-5447769CC191}"/>
+              </a:ext>
+            </a:extLst>
+          </p:cNvPr>
+          <p:cNvSpPr>
+            <a:spLocks noGrp="1"/>
+          </p:cNvSpPr>
+          <p:nvPr>
+            <p:ph idx="1"/>
           </p:nvPr>
         </p:nvSpPr>
         <p:spPr>
           <a:xfrm>
-            <a:off x="2032213" y="370652"/>
-            <a:ext cx="8127574" cy="2736443"/>
-          </a:xfrm>
-        </p:spPr>
-        <p:txBody>
-          <a:bodyPr/>
-          <a:lstStyle/>
-          <a:p>
-            <a:r>
-              <a:rPr lang="de-AT" dirty="0"/>
-              <a:t>Viel Erfolg beim Entwickeln!</a:t>
+            <a:off x="489857" y="2057400"/>
+            <a:ext cx="6183086" cy="4365172"/>
+          </a:xfrm>
+        </p:spPr>
+        <p:txBody>
+          <a:bodyPr>
+            <a:normAutofit/>
+          </a:bodyPr>
+          <a:lstStyle/>
+          <a:p>
+            <a:r>
+              <a:rPr lang="de-AT" dirty="0"/>
+              <a:t>Gruppiere zusammenhängende Zustände. Wenn sich immer zwei oder mehr Zustandsvariablen gleichzeitig aktualisieren, nutze Objekte um sie zu einer einzigen Zustandsvariablen zusammenzuführen.</a:t>
+            </a:r>
+          </a:p>
+          <a:p>
+            <a:r>
+              <a:rPr lang="de-AT" dirty="0"/>
+              <a:t>Vermeide stark verschachtelte Zustand. Stark hierarchischer Zustand ist nicht sehr praktisch zu aktualisieren. Wenn möglich, bevorzugen Sie eine flache Strukturierung des Zustands.</a:t>
             </a:r>
           </a:p>
         </p:txBody>
       </p:sp>
       <p:pic>
         <p:nvPicPr>
-          <p:cNvPr id="2050" name="Picture 2" descr="CODERS.BAY | Linz">
-            <a:extLst>
-              <a:ext uri="{FF2B5EF4-FFF2-40B4-BE49-F238E27FC236}">
-                <a16:creationId xmlns:a16="http://schemas.microsoft.com/office/drawing/2014/main" id="{FC92A2D7-CD40-5160-E3FA-7A115A1ECE63}"/>
+          <p:cNvPr id="7" name="Grafik 6">
+            <a:extLst>
+              <a:ext uri="{FF2B5EF4-FFF2-40B4-BE49-F238E27FC236}">
+                <a16:creationId xmlns:a16="http://schemas.microsoft.com/office/drawing/2014/main" id="{2D89E02F-92E8-5018-CDA2-5F86F9238E06}"/>
+              </a:ext>
+            </a:extLst>
+          </p:cNvPr>
+          <p:cNvPicPr>
+            <a:picLocks noChangeAspect="1"/>
+          </p:cNvPicPr>
+          <p:nvPr/>
+        </p:nvPicPr>
+        <p:blipFill>
+          <a:blip r:embed="rId2"/>
+          <a:stretch>
+            <a:fillRect/>
+          </a:stretch>
+        </p:blipFill>
+        <p:spPr>
+          <a:xfrm>
+            <a:off x="7784485" y="2945996"/>
+            <a:ext cx="3618883" cy="702840"/>
+          </a:xfrm>
+          <a:prstGeom prst="rect">
+            <a:avLst/>
+          </a:prstGeom>
+        </p:spPr>
+      </p:pic>
+      <p:pic>
+        <p:nvPicPr>
+          <p:cNvPr id="9" name="Grafik 8">
+            <a:extLst>
+              <a:ext uri="{FF2B5EF4-FFF2-40B4-BE49-F238E27FC236}">
+                <a16:creationId xmlns:a16="http://schemas.microsoft.com/office/drawing/2014/main" id="{453D8A6A-6777-5954-E489-2832BF4C977A}"/>
+              </a:ext>
+            </a:extLst>
+          </p:cNvPr>
+          <p:cNvPicPr>
+            <a:picLocks noChangeAspect="1"/>
+          </p:cNvPicPr>
+          <p:nvPr/>
+        </p:nvPicPr>
+        <p:blipFill>
+          <a:blip r:embed="rId3"/>
+          <a:stretch>
+            <a:fillRect/>
+          </a:stretch>
+        </p:blipFill>
+        <p:spPr>
+          <a:xfrm>
+            <a:off x="5227962" y="4897371"/>
+            <a:ext cx="6474181" cy="442069"/>
+          </a:xfrm>
+          <a:prstGeom prst="rect">
+            <a:avLst/>
+          </a:prstGeom>
+        </p:spPr>
+      </p:pic>
+    </p:spTree>
+    <p:extLst>
+      <p:ext uri="{BB962C8B-B14F-4D97-AF65-F5344CB8AC3E}">
+        <p14:creationId xmlns:p14="http://schemas.microsoft.com/office/powerpoint/2010/main" val="1739677195"/>
+      </p:ext>
+    </p:extLst>
+  </p:cSld>
+  <p:clrMapOvr>
+    <a:masterClrMapping/>
+  </p:clrMapOvr>
+</p:sld>
+</file>
+
+<file path=ppt/slides/slide53.xml><?xml version="1.0" encoding="utf-8"?>
+<p:sld xmlns:a="http://schemas.openxmlformats.org/drawingml/2006/main" xmlns:r="http://schemas.openxmlformats.org/officeDocument/2006/relationships" xmlns:p="http://schemas.openxmlformats.org/presentationml/2006/main">
+  <p:cSld>
+    <p:spTree>
+      <p:nvGrpSpPr>
+        <p:cNvPr id="1" name=""/>
+        <p:cNvGrpSpPr/>
+        <p:nvPr/>
+      </p:nvGrpSpPr>
+      <p:grpSpPr>
+        <a:xfrm>
+          <a:off x="0" y="0"/>
+          <a:ext cx="0" cy="0"/>
+          <a:chOff x="0" y="0"/>
+          <a:chExt cx="0" cy="0"/>
+        </a:xfrm>
+      </p:grpSpPr>
+      <p:sp>
+        <p:nvSpPr>
+          <p:cNvPr id="2" name="Titel 1">
+            <a:extLst>
+              <a:ext uri="{FF2B5EF4-FFF2-40B4-BE49-F238E27FC236}">
+                <a16:creationId xmlns:a16="http://schemas.microsoft.com/office/drawing/2014/main" id="{80A698C2-160F-BA95-15D6-03E593E0C39A}"/>
+              </a:ext>
+            </a:extLst>
+          </p:cNvPr>
+          <p:cNvSpPr>
+            <a:spLocks noGrp="1"/>
+          </p:cNvSpPr>
+          <p:nvPr>
+            <p:ph type="title"/>
+          </p:nvPr>
+        </p:nvSpPr>
+        <p:spPr/>
+        <p:txBody>
+          <a:bodyPr/>
+          <a:lstStyle/>
+          <a:p>
+            <a:br>
+              <a:rPr lang="de-AT" dirty="0"/>
+            </a:br>
+            <a:r>
+              <a:rPr lang="de-AT" dirty="0"/>
+              <a:t>Zustand erhalten und zurücksetzen</a:t>
+            </a:r>
+          </a:p>
+        </p:txBody>
+      </p:sp>
+      <p:sp>
+        <p:nvSpPr>
+          <p:cNvPr id="3" name="Inhaltsplatzhalter 2">
+            <a:extLst>
+              <a:ext uri="{FF2B5EF4-FFF2-40B4-BE49-F238E27FC236}">
+                <a16:creationId xmlns:a16="http://schemas.microsoft.com/office/drawing/2014/main" id="{7612CCCD-4C3B-5EDE-3C5A-706657209F9B}"/>
+              </a:ext>
+            </a:extLst>
+          </p:cNvPr>
+          <p:cNvSpPr>
+            <a:spLocks noGrp="1"/>
+          </p:cNvSpPr>
+          <p:nvPr>
+            <p:ph idx="1"/>
+          </p:nvPr>
+        </p:nvSpPr>
+        <p:spPr>
+          <a:xfrm>
+            <a:off x="1257301" y="2329543"/>
+            <a:ext cx="9296400" cy="4137259"/>
+          </a:xfrm>
+        </p:spPr>
+        <p:txBody>
+          <a:bodyPr>
+            <a:normAutofit/>
+          </a:bodyPr>
+          <a:lstStyle/>
+          <a:p>
+            <a:r>
+              <a:rPr lang="de-AT" dirty="0"/>
+              <a:t>In </a:t>
+            </a:r>
+            <a:r>
+              <a:rPr lang="de-AT" dirty="0" err="1"/>
+              <a:t>React</a:t>
+            </a:r>
+            <a:r>
+              <a:rPr lang="de-AT" dirty="0"/>
+              <a:t> bleibt der Zustand erhalten, solange die gleiche Komponente an derselben Position gerendert wird.</a:t>
+            </a:r>
+          </a:p>
+          <a:p>
+            <a:r>
+              <a:rPr lang="de-AT" dirty="0"/>
+              <a:t>Die gleiche Komponente an derselben Position behält ihren Zustand bei.</a:t>
+            </a:r>
+          </a:p>
+          <a:p>
+            <a:r>
+              <a:rPr lang="de-AT" dirty="0"/>
+              <a:t>Unterschiedliche Komponenten an derselben Position setzen den Zustand zurück.</a:t>
+            </a:r>
+          </a:p>
+          <a:p>
+            <a:r>
+              <a:rPr lang="de-AT" dirty="0"/>
+              <a:t>Der Zustand wird nicht in JSX-Tags gespeichert. Er ist mit der Baumposition verbunden, in die du dieses JSX platzierst.</a:t>
+            </a:r>
+          </a:p>
+          <a:p>
+            <a:r>
+              <a:rPr lang="de-AT" dirty="0"/>
+              <a:t>Mehr Details dazu findest du hier:</a:t>
+            </a:r>
+            <a:br>
+              <a:rPr lang="de-AT" dirty="0"/>
+            </a:br>
+            <a:r>
+              <a:rPr lang="de-AT" dirty="0">
+                <a:hlinkClick r:id="rId2"/>
+              </a:rPr>
+              <a:t>https://react.dev/learn/preserving-and-resetting-state#</a:t>
+            </a:r>
+            <a:r>
+              <a:rPr lang="de-AT" dirty="0"/>
+              <a:t> </a:t>
+            </a:r>
+          </a:p>
+        </p:txBody>
+      </p:sp>
+    </p:spTree>
+    <p:extLst>
+      <p:ext uri="{BB962C8B-B14F-4D97-AF65-F5344CB8AC3E}">
+        <p14:creationId xmlns:p14="http://schemas.microsoft.com/office/powerpoint/2010/main" val="4281494893"/>
+      </p:ext>
+    </p:extLst>
+  </p:cSld>
+  <p:clrMapOvr>
+    <a:masterClrMapping/>
+  </p:clrMapOvr>
+</p:sld>
+</file>
+
+<file path=ppt/slides/slide54.xml><?xml version="1.0" encoding="utf-8"?>
+<p:sld xmlns:a="http://schemas.openxmlformats.org/drawingml/2006/main" xmlns:r="http://schemas.openxmlformats.org/officeDocument/2006/relationships" xmlns:p="http://schemas.openxmlformats.org/presentationml/2006/main">
+  <p:cSld>
+    <p:spTree>
+      <p:nvGrpSpPr>
+        <p:cNvPr id="1" name=""/>
+        <p:cNvGrpSpPr/>
+        <p:nvPr/>
+      </p:nvGrpSpPr>
+      <p:grpSpPr>
+        <a:xfrm>
+          <a:off x="0" y="0"/>
+          <a:ext cx="0" cy="0"/>
+          <a:chOff x="0" y="0"/>
+          <a:chExt cx="0" cy="0"/>
+        </a:xfrm>
+      </p:grpSpPr>
+      <p:sp>
+        <p:nvSpPr>
+          <p:cNvPr id="2" name="Titel 1">
+            <a:extLst>
+              <a:ext uri="{FF2B5EF4-FFF2-40B4-BE49-F238E27FC236}">
+                <a16:creationId xmlns:a16="http://schemas.microsoft.com/office/drawing/2014/main" id="{80A698C2-160F-BA95-15D6-03E593E0C39A}"/>
+              </a:ext>
+            </a:extLst>
+          </p:cNvPr>
+          <p:cNvSpPr>
+            <a:spLocks noGrp="1"/>
+          </p:cNvSpPr>
+          <p:nvPr>
+            <p:ph type="title"/>
+          </p:nvPr>
+        </p:nvSpPr>
+        <p:spPr/>
+        <p:txBody>
+          <a:bodyPr/>
+          <a:lstStyle/>
+          <a:p>
+            <a:br>
+              <a:rPr lang="de-AT" dirty="0"/>
+            </a:br>
+            <a:r>
+              <a:rPr lang="de-AT" dirty="0"/>
+              <a:t>Zustand erhalten und zurücksetzen</a:t>
+            </a:r>
+          </a:p>
+        </p:txBody>
+      </p:sp>
+      <p:pic>
+        <p:nvPicPr>
+          <p:cNvPr id="7" name="Grafik 6">
+            <a:extLst>
+              <a:ext uri="{FF2B5EF4-FFF2-40B4-BE49-F238E27FC236}">
+                <a16:creationId xmlns:a16="http://schemas.microsoft.com/office/drawing/2014/main" id="{68DDBB79-58BE-0553-42A7-500A90D67A7B}"/>
+              </a:ext>
+            </a:extLst>
+          </p:cNvPr>
+          <p:cNvPicPr>
+            <a:picLocks noChangeAspect="1"/>
+          </p:cNvPicPr>
+          <p:nvPr/>
+        </p:nvPicPr>
+        <p:blipFill>
+          <a:blip r:embed="rId2"/>
+          <a:stretch>
+            <a:fillRect/>
+          </a:stretch>
+        </p:blipFill>
+        <p:spPr>
+          <a:xfrm>
+            <a:off x="534834" y="1953071"/>
+            <a:ext cx="3835209" cy="2669042"/>
+          </a:xfrm>
+          <a:prstGeom prst="rect">
+            <a:avLst/>
+          </a:prstGeom>
+        </p:spPr>
+      </p:pic>
+      <p:pic>
+        <p:nvPicPr>
+          <p:cNvPr id="9" name="Grafik 8">
+            <a:extLst>
+              <a:ext uri="{FF2B5EF4-FFF2-40B4-BE49-F238E27FC236}">
+                <a16:creationId xmlns:a16="http://schemas.microsoft.com/office/drawing/2014/main" id="{5ECCEEC6-1706-ED22-D0AA-38DDFAB54764}"/>
+              </a:ext>
+            </a:extLst>
+          </p:cNvPr>
+          <p:cNvPicPr>
+            <a:picLocks noChangeAspect="1"/>
+          </p:cNvPicPr>
+          <p:nvPr/>
+        </p:nvPicPr>
+        <p:blipFill>
+          <a:blip r:embed="rId3"/>
+          <a:stretch>
+            <a:fillRect/>
+          </a:stretch>
+        </p:blipFill>
+        <p:spPr>
+          <a:xfrm>
+            <a:off x="4370043" y="2941422"/>
+            <a:ext cx="3439886" cy="2703948"/>
+          </a:xfrm>
+          <a:prstGeom prst="rect">
+            <a:avLst/>
+          </a:prstGeom>
+        </p:spPr>
+      </p:pic>
+      <p:pic>
+        <p:nvPicPr>
+          <p:cNvPr id="11" name="Grafik 10">
+            <a:extLst>
+              <a:ext uri="{FF2B5EF4-FFF2-40B4-BE49-F238E27FC236}">
+                <a16:creationId xmlns:a16="http://schemas.microsoft.com/office/drawing/2014/main" id="{7F5C226D-A898-CE9C-43FD-561E2DFFFF41}"/>
+              </a:ext>
+            </a:extLst>
+          </p:cNvPr>
+          <p:cNvPicPr>
+            <a:picLocks noChangeAspect="1"/>
+          </p:cNvPicPr>
+          <p:nvPr/>
+        </p:nvPicPr>
+        <p:blipFill>
+          <a:blip r:embed="rId4"/>
+          <a:stretch>
+            <a:fillRect/>
+          </a:stretch>
+        </p:blipFill>
+        <p:spPr>
+          <a:xfrm>
+            <a:off x="8043685" y="3786188"/>
+            <a:ext cx="4072115" cy="2703949"/>
+          </a:xfrm>
+          <a:prstGeom prst="rect">
+            <a:avLst/>
+          </a:prstGeom>
+        </p:spPr>
+      </p:pic>
+    </p:spTree>
+    <p:extLst>
+      <p:ext uri="{BB962C8B-B14F-4D97-AF65-F5344CB8AC3E}">
+        <p14:creationId xmlns:p14="http://schemas.microsoft.com/office/powerpoint/2010/main" val="54777778"/>
+      </p:ext>
+    </p:extLst>
+  </p:cSld>
+  <p:clrMapOvr>
+    <a:masterClrMapping/>
+  </p:clrMapOvr>
+  <p:timing>
+    <p:tnLst>
+      <p:par>
+        <p:cTn id="1" dur="indefinite" restart="never" nodeType="tmRoot">
+          <p:childTnLst>
+            <p:seq concurrent="1" nextAc="seek">
+              <p:cTn id="2" dur="indefinite" nodeType="mainSeq">
+                <p:childTnLst>
+                  <p:par>
+                    <p:cTn id="3" fill="hold">
+                      <p:stCondLst>
+                        <p:cond delay="indefinite"/>
+                      </p:stCondLst>
+                      <p:childTnLst>
+                        <p:par>
+                          <p:cTn id="4" fill="hold">
+                            <p:stCondLst>
+                              <p:cond delay="0"/>
+                            </p:stCondLst>
+                            <p:childTnLst>
+                              <p:par>
+                                <p:cTn id="5" presetID="10" presetClass="entr" presetSubtype="0" fill="hold" nodeType="clickEffect">
+                                  <p:stCondLst>
+                                    <p:cond delay="0"/>
+                                  </p:stCondLst>
+                                  <p:childTnLst>
+                                    <p:set>
+                                      <p:cBhvr>
+                                        <p:cTn id="6" dur="1" fill="hold">
+                                          <p:stCondLst>
+                                            <p:cond delay="0"/>
+                                          </p:stCondLst>
+                                        </p:cTn>
+                                        <p:tgtEl>
+                                          <p:spTgt spid="7"/>
+                                        </p:tgtEl>
+                                        <p:attrNameLst>
+                                          <p:attrName>style.visibility</p:attrName>
+                                        </p:attrNameLst>
+                                      </p:cBhvr>
+                                      <p:to>
+                                        <p:strVal val="visible"/>
+                                      </p:to>
+                                    </p:set>
+                                    <p:animEffect transition="in" filter="fade">
+                                      <p:cBhvr>
+                                        <p:cTn id="7" dur="500"/>
+                                        <p:tgtEl>
+                                          <p:spTgt spid="7"/>
+                                        </p:tgtEl>
+                                      </p:cBhvr>
+                                    </p:animEffect>
+                                  </p:childTnLst>
+                                </p:cTn>
+                              </p:par>
+                            </p:childTnLst>
+                          </p:cTn>
+                        </p:par>
+                      </p:childTnLst>
+                    </p:cTn>
+                  </p:par>
+                  <p:par>
+                    <p:cTn id="8" fill="hold">
+                      <p:stCondLst>
+                        <p:cond delay="indefinite"/>
+                      </p:stCondLst>
+                      <p:childTnLst>
+                        <p:par>
+                          <p:cTn id="9" fill="hold">
+                            <p:stCondLst>
+                              <p:cond delay="0"/>
+                            </p:stCondLst>
+                            <p:childTnLst>
+                              <p:par>
+                                <p:cTn id="10" presetID="10" presetClass="entr" presetSubtype="0" fill="hold" nodeType="clickEffect">
+                                  <p:stCondLst>
+                                    <p:cond delay="0"/>
+                                  </p:stCondLst>
+                                  <p:childTnLst>
+                                    <p:set>
+                                      <p:cBhvr>
+                                        <p:cTn id="11" dur="1" fill="hold">
+                                          <p:stCondLst>
+                                            <p:cond delay="0"/>
+                                          </p:stCondLst>
+                                        </p:cTn>
+                                        <p:tgtEl>
+                                          <p:spTgt spid="9"/>
+                                        </p:tgtEl>
+                                        <p:attrNameLst>
+                                          <p:attrName>style.visibility</p:attrName>
+                                        </p:attrNameLst>
+                                      </p:cBhvr>
+                                      <p:to>
+                                        <p:strVal val="visible"/>
+                                      </p:to>
+                                    </p:set>
+                                    <p:animEffect transition="in" filter="fade">
+                                      <p:cBhvr>
+                                        <p:cTn id="12" dur="500"/>
+                                        <p:tgtEl>
+                                          <p:spTgt spid="9"/>
+                                        </p:tgtEl>
+                                      </p:cBhvr>
+                                    </p:animEffect>
+                                  </p:childTnLst>
+                                </p:cTn>
+                              </p:par>
+                            </p:childTnLst>
+                          </p:cTn>
+                        </p:par>
+                      </p:childTnLst>
+                    </p:cTn>
+                  </p:par>
+                  <p:par>
+                    <p:cTn id="13" fill="hold">
+                      <p:stCondLst>
+                        <p:cond delay="indefinite"/>
+                      </p:stCondLst>
+                      <p:childTnLst>
+                        <p:par>
+                          <p:cTn id="14" fill="hold">
+                            <p:stCondLst>
+                              <p:cond delay="0"/>
+                            </p:stCondLst>
+                            <p:childTnLst>
+                              <p:par>
+                                <p:cTn id="15" presetID="10" presetClass="entr" presetSubtype="0" fill="hold" nodeType="clickEffect">
+                                  <p:stCondLst>
+                                    <p:cond delay="0"/>
+                                  </p:stCondLst>
+                                  <p:childTnLst>
+                                    <p:set>
+                                      <p:cBhvr>
+                                        <p:cTn id="16" dur="1" fill="hold">
+                                          <p:stCondLst>
+                                            <p:cond delay="0"/>
+                                          </p:stCondLst>
+                                        </p:cTn>
+                                        <p:tgtEl>
+                                          <p:spTgt spid="11"/>
+                                        </p:tgtEl>
+                                        <p:attrNameLst>
+                                          <p:attrName>style.visibility</p:attrName>
+                                        </p:attrNameLst>
+                                      </p:cBhvr>
+                                      <p:to>
+                                        <p:strVal val="visible"/>
+                                      </p:to>
+                                    </p:set>
+                                    <p:animEffect transition="in" filter="fade">
+                                      <p:cBhvr>
+                                        <p:cTn id="17" dur="500"/>
+                                        <p:tgtEl>
+                                          <p:spTgt spid="11"/>
+                                        </p:tgtEl>
+                                      </p:cBhvr>
+                                    </p:animEffect>
+                                  </p:childTnLst>
+                                </p:cTn>
+                              </p:par>
+                            </p:childTnLst>
+                          </p:cTn>
+                        </p:par>
+                      </p:childTnLst>
+                    </p:cTn>
+                  </p:par>
+                </p:childTnLst>
+              </p:cTn>
+              <p:prevCondLst>
+                <p:cond evt="onPrev" delay="0">
+                  <p:tgtEl>
+                    <p:sldTgt/>
+                  </p:tgtEl>
+                </p:cond>
+              </p:prevCondLst>
+              <p:nextCondLst>
+                <p:cond evt="onNext" delay="0">
+                  <p:tgtEl>
+                    <p:sldTgt/>
+                  </p:tgtEl>
+                </p:cond>
+              </p:nextCondLst>
+            </p:seq>
+          </p:childTnLst>
+        </p:cTn>
+      </p:par>
+    </p:tnLst>
+  </p:timing>
+</p:sld>
+</file>
+
+<file path=ppt/slides/slide55.xml><?xml version="1.0" encoding="utf-8"?>
+<p:sld xmlns:a="http://schemas.openxmlformats.org/drawingml/2006/main" xmlns:r="http://schemas.openxmlformats.org/officeDocument/2006/relationships" xmlns:p="http://schemas.openxmlformats.org/presentationml/2006/main">
+  <p:cSld>
+    <p:spTree>
+      <p:nvGrpSpPr>
+        <p:cNvPr id="1" name=""/>
+        <p:cNvGrpSpPr/>
+        <p:nvPr/>
+      </p:nvGrpSpPr>
+      <p:grpSpPr>
+        <a:xfrm>
+          <a:off x="0" y="0"/>
+          <a:ext cx="0" cy="0"/>
+          <a:chOff x="0" y="0"/>
+          <a:chExt cx="0" cy="0"/>
+        </a:xfrm>
+      </p:grpSpPr>
+      <p:sp>
+        <p:nvSpPr>
+          <p:cNvPr id="2" name="Titel 1">
+            <a:extLst>
+              <a:ext uri="{FF2B5EF4-FFF2-40B4-BE49-F238E27FC236}">
+                <a16:creationId xmlns:a16="http://schemas.microsoft.com/office/drawing/2014/main" id="{9CABCB1D-FD2D-02E2-53D7-4275850455B7}"/>
+              </a:ext>
+            </a:extLst>
+          </p:cNvPr>
+          <p:cNvSpPr>
+            <a:spLocks noGrp="1"/>
+          </p:cNvSpPr>
+          <p:nvPr>
+            <p:ph type="title"/>
+          </p:nvPr>
+        </p:nvSpPr>
+        <p:spPr/>
+        <p:txBody>
+          <a:bodyPr/>
+          <a:lstStyle/>
+          <a:p>
+            <a:r>
+              <a:rPr lang="de-AT" dirty="0"/>
+              <a:t>Lifting State Up</a:t>
+            </a:r>
+          </a:p>
+        </p:txBody>
+      </p:sp>
+      <p:sp>
+        <p:nvSpPr>
+          <p:cNvPr id="3" name="Inhaltsplatzhalter 2">
+            <a:extLst>
+              <a:ext uri="{FF2B5EF4-FFF2-40B4-BE49-F238E27FC236}">
+                <a16:creationId xmlns:a16="http://schemas.microsoft.com/office/drawing/2014/main" id="{0DA38707-B8E7-D5A5-B286-09CA23E6EC29}"/>
+              </a:ext>
+            </a:extLst>
+          </p:cNvPr>
+          <p:cNvSpPr>
+            <a:spLocks noGrp="1"/>
+          </p:cNvSpPr>
+          <p:nvPr>
+            <p:ph idx="1"/>
+          </p:nvPr>
+        </p:nvSpPr>
+        <p:spPr>
+          <a:xfrm>
+            <a:off x="772887" y="2057400"/>
+            <a:ext cx="7391399" cy="4137259"/>
+          </a:xfrm>
+        </p:spPr>
+        <p:txBody>
+          <a:bodyPr/>
+          <a:lstStyle/>
+          <a:p>
+            <a:r>
+              <a:rPr lang="de-AT" dirty="0"/>
+              <a:t>Manchmal möchtest du, dass der Zustand von zwei Komponenten immer zusammen geändert wird.</a:t>
+            </a:r>
+          </a:p>
+          <a:p>
+            <a:r>
+              <a:rPr lang="de-AT" dirty="0"/>
+              <a:t>Um dies zu erreichen, entferne den Zustand aus beiden Komponenten.</a:t>
+            </a:r>
+          </a:p>
+          <a:p>
+            <a:r>
+              <a:rPr lang="de-AT" dirty="0"/>
+              <a:t>Verschiebe ihn zum nächsten gemeinsamen Elternelement.</a:t>
+            </a:r>
+          </a:p>
+          <a:p>
+            <a:r>
+              <a:rPr lang="de-AT" dirty="0"/>
+              <a:t>Übergebe ihn dann über </a:t>
+            </a:r>
+            <a:r>
+              <a:rPr lang="de-AT" dirty="0" err="1"/>
+              <a:t>Props</a:t>
+            </a:r>
+            <a:r>
+              <a:rPr lang="de-AT" dirty="0"/>
+              <a:t> an das Parent Element.</a:t>
+            </a:r>
+          </a:p>
+          <a:p>
+            <a:r>
+              <a:rPr lang="de-AT" dirty="0"/>
+              <a:t>Dies wird als Lift </a:t>
+            </a:r>
+            <a:r>
+              <a:rPr lang="de-AT" dirty="0" err="1"/>
+              <a:t>up</a:t>
+            </a:r>
+            <a:r>
+              <a:rPr lang="de-AT" dirty="0"/>
+              <a:t> des Zustands bezeichnet und ist eine häufig eingesetzte Methode</a:t>
+            </a:r>
+          </a:p>
+        </p:txBody>
+      </p:sp>
+      <p:pic>
+        <p:nvPicPr>
+          <p:cNvPr id="7" name="Grafik 6">
+            <a:extLst>
+              <a:ext uri="{FF2B5EF4-FFF2-40B4-BE49-F238E27FC236}">
+                <a16:creationId xmlns:a16="http://schemas.microsoft.com/office/drawing/2014/main" id="{78A01B0F-2BE5-348B-4E1B-85AE9D651CB8}"/>
+              </a:ext>
+            </a:extLst>
+          </p:cNvPr>
+          <p:cNvPicPr>
+            <a:picLocks noChangeAspect="1"/>
+          </p:cNvPicPr>
+          <p:nvPr/>
+        </p:nvPicPr>
+        <p:blipFill rotWithShape="1">
+          <a:blip r:embed="rId2"/>
+          <a:srcRect t="28682" r="70047" b="22465"/>
+          <a:stretch/>
+        </p:blipFill>
+        <p:spPr>
+          <a:xfrm>
+            <a:off x="8164286" y="2318657"/>
+            <a:ext cx="3733801" cy="3009841"/>
+          </a:xfrm>
+          <a:prstGeom prst="rect">
+            <a:avLst/>
+          </a:prstGeom>
+        </p:spPr>
+      </p:pic>
+    </p:spTree>
+    <p:extLst>
+      <p:ext uri="{BB962C8B-B14F-4D97-AF65-F5344CB8AC3E}">
+        <p14:creationId xmlns:p14="http://schemas.microsoft.com/office/powerpoint/2010/main" val="690818984"/>
+      </p:ext>
+    </p:extLst>
+  </p:cSld>
+  <p:clrMapOvr>
+    <a:masterClrMapping/>
+  </p:clrMapOvr>
+</p:sld>
+</file>
+
+<file path=ppt/slides/slide56.xml><?xml version="1.0" encoding="utf-8"?>
+<p:sld xmlns:a="http://schemas.openxmlformats.org/drawingml/2006/main" xmlns:r="http://schemas.openxmlformats.org/officeDocument/2006/relationships" xmlns:p="http://schemas.openxmlformats.org/presentationml/2006/main">
+  <p:cSld>
+    <p:spTree>
+      <p:nvGrpSpPr>
+        <p:cNvPr id="1" name=""/>
+        <p:cNvGrpSpPr/>
+        <p:nvPr/>
+      </p:nvGrpSpPr>
+      <p:grpSpPr>
+        <a:xfrm>
+          <a:off x="0" y="0"/>
+          <a:ext cx="0" cy="0"/>
+          <a:chOff x="0" y="0"/>
+          <a:chExt cx="0" cy="0"/>
+        </a:xfrm>
+      </p:grpSpPr>
+      <p:sp>
+        <p:nvSpPr>
+          <p:cNvPr id="2" name="Titel 1">
+            <a:extLst>
+              <a:ext uri="{FF2B5EF4-FFF2-40B4-BE49-F238E27FC236}">
+                <a16:creationId xmlns:a16="http://schemas.microsoft.com/office/drawing/2014/main" id="{7C180996-F89A-95A3-24A8-BF774D433768}"/>
+              </a:ext>
+            </a:extLst>
+          </p:cNvPr>
+          <p:cNvSpPr>
+            <a:spLocks noGrp="1"/>
+          </p:cNvSpPr>
+          <p:nvPr>
+            <p:ph type="title"/>
+          </p:nvPr>
+        </p:nvSpPr>
+        <p:spPr/>
+        <p:txBody>
+          <a:bodyPr/>
+          <a:lstStyle/>
+          <a:p>
+            <a:r>
+              <a:rPr lang="de-AT" dirty="0"/>
+              <a:t>Problem mit </a:t>
+            </a:r>
+            <a:r>
+              <a:rPr lang="de-AT" dirty="0" err="1"/>
+              <a:t>Props</a:t>
+            </a:r>
+            <a:endParaRPr lang="de-AT" dirty="0"/>
+          </a:p>
+        </p:txBody>
+      </p:sp>
+      <p:sp>
+        <p:nvSpPr>
+          <p:cNvPr id="3" name="Inhaltsplatzhalter 2">
+            <a:extLst>
+              <a:ext uri="{FF2B5EF4-FFF2-40B4-BE49-F238E27FC236}">
+                <a16:creationId xmlns:a16="http://schemas.microsoft.com/office/drawing/2014/main" id="{0D0EB41D-F6F8-9DC9-B8E7-B1A42AACBC9D}"/>
+              </a:ext>
+            </a:extLst>
+          </p:cNvPr>
+          <p:cNvSpPr>
+            <a:spLocks noGrp="1"/>
+          </p:cNvSpPr>
+          <p:nvPr>
+            <p:ph idx="1"/>
+          </p:nvPr>
+        </p:nvSpPr>
+        <p:spPr>
+          <a:xfrm>
+            <a:off x="598715" y="1828112"/>
+            <a:ext cx="7323034" cy="4409402"/>
+          </a:xfrm>
+        </p:spPr>
+        <p:txBody>
+          <a:bodyPr>
+            <a:normAutofit/>
+          </a:bodyPr>
+          <a:lstStyle/>
+          <a:p>
+            <a:r>
+              <a:rPr lang="de-AT" dirty="0"/>
+              <a:t>Das Übergeben von </a:t>
+            </a:r>
+            <a:r>
+              <a:rPr lang="de-AT" dirty="0" err="1"/>
+              <a:t>Props</a:t>
+            </a:r>
+            <a:r>
+              <a:rPr lang="de-AT" dirty="0"/>
+              <a:t> ist eine großartige Möglichkeit, Daten explizit durch Ihren UI-Baum an die Komponenten weiterzuleiten, die sie verwenden.</a:t>
+            </a:r>
+          </a:p>
+          <a:p>
+            <a:r>
+              <a:rPr lang="de-AT" dirty="0"/>
+              <a:t>Das Übergeben von </a:t>
+            </a:r>
+            <a:r>
+              <a:rPr lang="de-AT" dirty="0" err="1"/>
+              <a:t>Props</a:t>
+            </a:r>
+            <a:r>
+              <a:rPr lang="de-AT" dirty="0"/>
+              <a:t> kann jedoch umständlich und unpraktisch werden, wenn ein </a:t>
+            </a:r>
+            <a:r>
+              <a:rPr lang="de-AT" dirty="0" err="1"/>
+              <a:t>Prop</a:t>
+            </a:r>
+            <a:r>
+              <a:rPr lang="de-AT" dirty="0"/>
+              <a:t> tief durch den Baum übergeben wird oder wenn viele Komponenten dieselbe </a:t>
+            </a:r>
+            <a:r>
+              <a:rPr lang="de-AT" dirty="0" err="1"/>
+              <a:t>Prop</a:t>
+            </a:r>
+            <a:r>
+              <a:rPr lang="de-AT" dirty="0"/>
+              <a:t> benötigen.</a:t>
+            </a:r>
+          </a:p>
+          <a:p>
+            <a:r>
+              <a:rPr lang="de-AT" dirty="0"/>
+              <a:t>Der nächstgelegene gemeinsame Vorfahre kann weit von den Komponenten entfernt sein, die Daten benötigen, und das Hochziehen des Zustands bis dorthin kann zu einer Situation führen, die als "</a:t>
+            </a:r>
+            <a:r>
+              <a:rPr lang="de-AT" dirty="0" err="1"/>
+              <a:t>Prop</a:t>
+            </a:r>
+            <a:r>
+              <a:rPr lang="de-AT" dirty="0"/>
+              <a:t>-Drilling" bezeichnet wird.</a:t>
+            </a:r>
+          </a:p>
+          <a:p>
+            <a:r>
+              <a:rPr lang="de-AT" dirty="0"/>
+              <a:t>Lösung: </a:t>
+            </a:r>
+            <a:r>
+              <a:rPr lang="de-AT" dirty="0" err="1"/>
+              <a:t>Context</a:t>
+            </a:r>
+            <a:endParaRPr lang="de-AT" dirty="0"/>
+          </a:p>
+        </p:txBody>
+      </p:sp>
+      <p:pic>
+        <p:nvPicPr>
+          <p:cNvPr id="5" name="Grafik 4">
+            <a:extLst>
+              <a:ext uri="{FF2B5EF4-FFF2-40B4-BE49-F238E27FC236}">
+                <a16:creationId xmlns:a16="http://schemas.microsoft.com/office/drawing/2014/main" id="{1A318F07-2D53-9699-4F84-B3C3B380BFF7}"/>
+              </a:ext>
+            </a:extLst>
+          </p:cNvPr>
+          <p:cNvPicPr>
+            <a:picLocks noChangeAspect="1"/>
+          </p:cNvPicPr>
+          <p:nvPr/>
+        </p:nvPicPr>
+        <p:blipFill rotWithShape="1">
+          <a:blip r:embed="rId3"/>
+          <a:srcRect l="48390"/>
+          <a:stretch/>
+        </p:blipFill>
+        <p:spPr>
+          <a:xfrm>
+            <a:off x="7921749" y="1873703"/>
+            <a:ext cx="4136222" cy="3961039"/>
+          </a:xfrm>
+          <a:prstGeom prst="rect">
+            <a:avLst/>
+          </a:prstGeom>
+        </p:spPr>
+      </p:pic>
+    </p:spTree>
+    <p:extLst>
+      <p:ext uri="{BB962C8B-B14F-4D97-AF65-F5344CB8AC3E}">
+        <p14:creationId xmlns:p14="http://schemas.microsoft.com/office/powerpoint/2010/main" val="986509793"/>
+      </p:ext>
+    </p:extLst>
+  </p:cSld>
+  <p:clrMapOvr>
+    <a:masterClrMapping/>
+  </p:clrMapOvr>
+</p:sld>
+</file>
+
+<file path=ppt/slides/slide57.xml><?xml version="1.0" encoding="utf-8"?>
+<p:sld xmlns:a="http://schemas.openxmlformats.org/drawingml/2006/main" xmlns:r="http://schemas.openxmlformats.org/officeDocument/2006/relationships" xmlns:p="http://schemas.openxmlformats.org/presentationml/2006/main">
+  <p:cSld>
+    <p:bg>
+      <p:bgPr>
+        <a:solidFill>
+          <a:schemeClr val="bg1"/>
+        </a:solidFill>
+        <a:effectLst/>
+      </p:bgPr>
+    </p:bg>
+    <p:spTree>
+      <p:nvGrpSpPr>
+        <p:cNvPr id="1" name=""/>
+        <p:cNvGrpSpPr/>
+        <p:nvPr/>
+      </p:nvGrpSpPr>
+      <p:grpSpPr>
+        <a:xfrm>
+          <a:off x="0" y="0"/>
+          <a:ext cx="0" cy="0"/>
+          <a:chOff x="0" y="0"/>
+          <a:chExt cx="0" cy="0"/>
+        </a:xfrm>
+      </p:grpSpPr>
+      <p:sp>
+        <p:nvSpPr>
+          <p:cNvPr id="9" name="Rectangle 8">
+            <a:extLst>
+              <a:ext uri="{FF2B5EF4-FFF2-40B4-BE49-F238E27FC236}">
+                <a16:creationId xmlns:a16="http://schemas.microsoft.com/office/drawing/2014/main" id="{BE229233-9672-4675-99B7-6CBCEF1CD415}"/>
+              </a:ext>
+              <a:ext uri="{C183D7F6-B498-43B3-948B-1728B52AA6E4}">
+                <adec:decorative xmlns:adec="http://schemas.microsoft.com/office/drawing/2017/decorative" val="1"/>
+              </a:ext>
+            </a:extLst>
+          </p:cNvPr>
+          <p:cNvSpPr>
+            <a:spLocks noGrp="1" noRot="1" noChangeAspect="1" noMove="1" noResize="1" noEditPoints="1" noAdjustHandles="1" noChangeArrowheads="1" noChangeShapeType="1" noTextEdit="1"/>
+          </p:cNvSpPr>
+          <p:nvPr>
+            <p:extLst>
+              <p:ext uri="{386F3935-93C4-4BCD-93E2-E3B085C9AB24}">
+                <p16:designElem xmlns:p16="http://schemas.microsoft.com/office/powerpoint/2015/main" val="1"/>
+              </p:ext>
+            </p:extLst>
+          </p:nvPr>
+        </p:nvSpPr>
+        <p:spPr>
+          <a:xfrm>
+            <a:off x="0" y="0"/>
+            <a:ext cx="12192000" cy="6858000"/>
+          </a:xfrm>
+          <a:prstGeom prst="rect">
+            <a:avLst/>
+          </a:prstGeom>
+          <a:solidFill>
+            <a:schemeClr val="bg1"/>
+          </a:solidFill>
+          <a:ln w="12700" cap="flat" cmpd="sng" algn="ctr">
+            <a:noFill/>
+            <a:prstDash val="solid"/>
+            <a:miter lim="800000"/>
+          </a:ln>
+          <a:effectLst/>
+        </p:spPr>
+        <p:style>
+          <a:lnRef idx="2">
+            <a:schemeClr val="accent1">
+              <a:shade val="50000"/>
+            </a:schemeClr>
+          </a:lnRef>
+          <a:fillRef idx="1">
+            <a:schemeClr val="accent1"/>
+          </a:fillRef>
+          <a:effectRef idx="0">
+            <a:schemeClr val="accent1"/>
+          </a:effectRef>
+          <a:fontRef idx="minor">
+            <a:schemeClr val="lt1"/>
+          </a:fontRef>
+        </p:style>
+        <p:txBody>
+          <a:bodyPr rtlCol="0" anchor="ctr"/>
+          <a:lstStyle/>
+          <a:p>
+            <a:pPr algn="ctr"/>
+            <a:endParaRPr lang="en-US"/>
+          </a:p>
+        </p:txBody>
+      </p:sp>
+      <p:pic>
+        <p:nvPicPr>
+          <p:cNvPr id="4" name="Picture 3" descr="Ein Bild, das Screenshot, Wasser, Blau, unterwasser enthält.&#10;&#10;Automatisch generierte Beschreibung">
+            <a:extLst>
+              <a:ext uri="{FF2B5EF4-FFF2-40B4-BE49-F238E27FC236}">
+                <a16:creationId xmlns:a16="http://schemas.microsoft.com/office/drawing/2014/main" id="{8888D5D7-5569-BBD7-CF94-2A7F62111266}"/>
+              </a:ext>
+            </a:extLst>
+          </p:cNvPr>
+          <p:cNvPicPr>
+            <a:picLocks noChangeAspect="1"/>
+          </p:cNvPicPr>
+          <p:nvPr/>
+        </p:nvPicPr>
+        <p:blipFill rotWithShape="1">
+          <a:blip r:embed="rId3"/>
+          <a:srcRect l="154" r="33284"/>
+          <a:stretch/>
+        </p:blipFill>
+        <p:spPr>
+          <a:xfrm>
+            <a:off x="20" y="-2"/>
+            <a:ext cx="8115280" cy="6858001"/>
+          </a:xfrm>
+          <a:prstGeom prst="rect">
+            <a:avLst/>
+          </a:prstGeom>
+        </p:spPr>
+      </p:pic>
+      <p:sp>
+        <p:nvSpPr>
+          <p:cNvPr id="11" name="Rectangle 10">
+            <a:extLst>
+              <a:ext uri="{FF2B5EF4-FFF2-40B4-BE49-F238E27FC236}">
+                <a16:creationId xmlns:a16="http://schemas.microsoft.com/office/drawing/2014/main" id="{EC5FF010-B53C-46BE-BEEF-AF926A00F67F}"/>
+              </a:ext>
+              <a:ext uri="{C183D7F6-B498-43B3-948B-1728B52AA6E4}">
+                <adec:decorative xmlns:adec="http://schemas.microsoft.com/office/drawing/2017/decorative" val="1"/>
+              </a:ext>
+            </a:extLst>
+          </p:cNvPr>
+          <p:cNvSpPr>
+            <a:spLocks noGrp="1" noRot="1" noChangeAspect="1" noMove="1" noResize="1" noEditPoints="1" noAdjustHandles="1" noChangeArrowheads="1" noChangeShapeType="1" noTextEdit="1"/>
+          </p:cNvSpPr>
+          <p:nvPr>
+            <p:extLst>
+              <p:ext uri="{386F3935-93C4-4BCD-93E2-E3B085C9AB24}">
+                <p16:designElem xmlns:p16="http://schemas.microsoft.com/office/powerpoint/2015/main" val="1"/>
+              </p:ext>
+            </p:extLst>
+          </p:nvPr>
+        </p:nvSpPr>
+        <p:spPr>
+          <a:xfrm>
+            <a:off x="3238500" y="2057400"/>
+            <a:ext cx="4876800" cy="2743201"/>
+          </a:xfrm>
+          <a:prstGeom prst="rect">
+            <a:avLst/>
+          </a:prstGeom>
+          <a:solidFill>
+            <a:schemeClr val="bg1"/>
+          </a:solidFill>
+          <a:ln w="12700" cap="flat" cmpd="sng" algn="ctr">
+            <a:noFill/>
+            <a:prstDash val="solid"/>
+            <a:miter lim="800000"/>
+          </a:ln>
+          <a:effectLst/>
+        </p:spPr>
+        <p:style>
+          <a:lnRef idx="2">
+            <a:schemeClr val="accent1">
+              <a:shade val="50000"/>
+            </a:schemeClr>
+          </a:lnRef>
+          <a:fillRef idx="1">
+            <a:schemeClr val="accent1"/>
+          </a:fillRef>
+          <a:effectRef idx="0">
+            <a:schemeClr val="accent1"/>
+          </a:effectRef>
+          <a:fontRef idx="minor">
+            <a:schemeClr val="lt1"/>
+          </a:fontRef>
+        </p:style>
+        <p:txBody>
+          <a:bodyPr rtlCol="0" anchor="ctr"/>
+          <a:lstStyle/>
+          <a:p>
+            <a:pPr algn="ctr"/>
+            <a:endParaRPr lang="en-US"/>
+          </a:p>
+        </p:txBody>
+      </p:sp>
+      <p:sp>
+        <p:nvSpPr>
+          <p:cNvPr id="13" name="Rectangle 12">
+            <a:extLst>
+              <a:ext uri="{FF2B5EF4-FFF2-40B4-BE49-F238E27FC236}">
+                <a16:creationId xmlns:a16="http://schemas.microsoft.com/office/drawing/2014/main" id="{8509AD9C-1F43-4138-A72B-8CA988EDD475}"/>
+              </a:ext>
+              <a:ext uri="{C183D7F6-B498-43B3-948B-1728B52AA6E4}">
+                <adec:decorative xmlns:adec="http://schemas.microsoft.com/office/drawing/2017/decorative" val="1"/>
+              </a:ext>
+            </a:extLst>
+          </p:cNvPr>
+          <p:cNvSpPr>
+            <a:spLocks noGrp="1" noRot="1" noChangeAspect="1" noMove="1" noResize="1" noEditPoints="1" noAdjustHandles="1" noChangeArrowheads="1" noChangeShapeType="1" noTextEdit="1"/>
+          </p:cNvSpPr>
+          <p:nvPr>
+            <p:extLst>
+              <p:ext uri="{386F3935-93C4-4BCD-93E2-E3B085C9AB24}">
+                <p16:designElem xmlns:p16="http://schemas.microsoft.com/office/powerpoint/2015/main" val="1"/>
+              </p:ext>
+            </p:extLst>
+          </p:nvPr>
+        </p:nvSpPr>
+        <p:spPr>
+          <a:xfrm>
+            <a:off x="8115300" y="2057400"/>
+            <a:ext cx="3276600" cy="2743201"/>
+          </a:xfrm>
+          <a:prstGeom prst="rect">
+            <a:avLst/>
+          </a:prstGeom>
+          <a:solidFill>
+            <a:schemeClr val="bg2"/>
+          </a:solidFill>
+          <a:ln w="12700" cap="flat" cmpd="sng" algn="ctr">
+            <a:noFill/>
+            <a:prstDash val="solid"/>
+            <a:miter lim="800000"/>
+          </a:ln>
+          <a:effectLst/>
+        </p:spPr>
+        <p:style>
+          <a:lnRef idx="2">
+            <a:schemeClr val="accent1">
+              <a:shade val="50000"/>
+            </a:schemeClr>
+          </a:lnRef>
+          <a:fillRef idx="1">
+            <a:schemeClr val="accent1"/>
+          </a:fillRef>
+          <a:effectRef idx="0">
+            <a:schemeClr val="accent1"/>
+          </a:effectRef>
+          <a:fontRef idx="minor">
+            <a:schemeClr val="lt1"/>
+          </a:fontRef>
+        </p:style>
+        <p:txBody>
+          <a:bodyPr rtlCol="0" anchor="ctr"/>
+          <a:lstStyle/>
+          <a:p>
+            <a:pPr algn="ctr"/>
+            <a:endParaRPr lang="en-US"/>
+          </a:p>
+        </p:txBody>
+      </p:sp>
+      <p:sp>
+        <p:nvSpPr>
+          <p:cNvPr id="2" name="Titel 1">
+            <a:extLst>
+              <a:ext uri="{FF2B5EF4-FFF2-40B4-BE49-F238E27FC236}">
+                <a16:creationId xmlns:a16="http://schemas.microsoft.com/office/drawing/2014/main" id="{C116823A-F0C0-9F76-4B25-AE0CF378C7B1}"/>
+              </a:ext>
+            </a:extLst>
+          </p:cNvPr>
+          <p:cNvSpPr>
+            <a:spLocks noGrp="1"/>
+          </p:cNvSpPr>
+          <p:nvPr>
+            <p:ph type="ctrTitle"/>
+          </p:nvPr>
+        </p:nvSpPr>
+        <p:spPr>
+          <a:xfrm>
+            <a:off x="3867324" y="2502486"/>
+            <a:ext cx="3853851" cy="1853023"/>
+          </a:xfrm>
+        </p:spPr>
+        <p:txBody>
+          <a:bodyPr anchor="ctr">
+            <a:normAutofit/>
+          </a:bodyPr>
+          <a:lstStyle/>
+          <a:p>
+            <a:pPr algn="ctr"/>
+            <a:r>
+              <a:rPr lang="de-AT" sz="2800" dirty="0" err="1"/>
+              <a:t>Context</a:t>
+            </a:r>
+            <a:r>
+              <a:rPr lang="de-AT" sz="2800" dirty="0"/>
+              <a:t> &amp; </a:t>
+            </a:r>
+            <a:r>
+              <a:rPr lang="de-AT" sz="2800" dirty="0" err="1"/>
+              <a:t>Effects</a:t>
+            </a:r>
+            <a:endParaRPr lang="de-AT" sz="2800" dirty="0"/>
+          </a:p>
+        </p:txBody>
+      </p:sp>
+      <p:pic>
+        <p:nvPicPr>
+          <p:cNvPr id="3" name="Picture 2" descr="React – Wikipedia">
+            <a:extLst>
+              <a:ext uri="{FF2B5EF4-FFF2-40B4-BE49-F238E27FC236}">
+                <a16:creationId xmlns:a16="http://schemas.microsoft.com/office/drawing/2014/main" id="{76CC3A73-5D9E-CDD5-66CF-77807940D687}"/>
               </a:ext>
             </a:extLst>
           </p:cNvPr>
@@ -14799,7 +17320,7 @@
           <p:nvPr/>
         </p:nvPicPr>
         <p:blipFill>
-          <a:blip r:embed="rId2">
+          <a:blip r:embed="rId4" cstate="hqprint">
             <a:extLst>
               <a:ext uri="{28A0092B-C50C-407E-A947-70E740481C1C}">
                 <a14:useLocalDpi xmlns:a14="http://schemas.microsoft.com/office/drawing/2010/main" val="0"/>
@@ -14813,8 +17334,8 @@
         </p:blipFill>
         <p:spPr bwMode="auto">
           <a:xfrm>
-            <a:off x="5342119" y="3768185"/>
-            <a:ext cx="1507761" cy="1507761"/>
+            <a:off x="8674968" y="2502486"/>
+            <a:ext cx="2247834" cy="1953851"/>
           </a:xfrm>
           <a:prstGeom prst="rect">
             <a:avLst/>
@@ -14834,13 +17355,536 @@
     </p:spTree>
     <p:extLst>
       <p:ext uri="{BB962C8B-B14F-4D97-AF65-F5344CB8AC3E}">
-        <p14:creationId xmlns:p14="http://schemas.microsoft.com/office/powerpoint/2010/main" val="2872145444"/>
+        <p14:creationId xmlns:p14="http://schemas.microsoft.com/office/powerpoint/2010/main" val="2164121625"/>
       </p:ext>
     </p:extLst>
   </p:cSld>
   <p:clrMapOvr>
     <a:masterClrMapping/>
   </p:clrMapOvr>
+</p:sld>
+</file>
+
+<file path=ppt/slides/slide58.xml><?xml version="1.0" encoding="utf-8"?>
+<p:sld xmlns:a="http://schemas.openxmlformats.org/drawingml/2006/main" xmlns:r="http://schemas.openxmlformats.org/officeDocument/2006/relationships" xmlns:p="http://schemas.openxmlformats.org/presentationml/2006/main">
+  <p:cSld>
+    <p:spTree>
+      <p:nvGrpSpPr>
+        <p:cNvPr id="1" name=""/>
+        <p:cNvGrpSpPr/>
+        <p:nvPr/>
+      </p:nvGrpSpPr>
+      <p:grpSpPr>
+        <a:xfrm>
+          <a:off x="0" y="0"/>
+          <a:ext cx="0" cy="0"/>
+          <a:chOff x="0" y="0"/>
+          <a:chExt cx="0" cy="0"/>
+        </a:xfrm>
+      </p:grpSpPr>
+      <p:sp>
+        <p:nvSpPr>
+          <p:cNvPr id="2" name="Titel 1">
+            <a:extLst>
+              <a:ext uri="{FF2B5EF4-FFF2-40B4-BE49-F238E27FC236}">
+                <a16:creationId xmlns:a16="http://schemas.microsoft.com/office/drawing/2014/main" id="{7C180996-F89A-95A3-24A8-BF774D433768}"/>
+              </a:ext>
+            </a:extLst>
+          </p:cNvPr>
+          <p:cNvSpPr>
+            <a:spLocks noGrp="1"/>
+          </p:cNvSpPr>
+          <p:nvPr>
+            <p:ph type="title"/>
+          </p:nvPr>
+        </p:nvSpPr>
+        <p:spPr/>
+        <p:txBody>
+          <a:bodyPr/>
+          <a:lstStyle/>
+          <a:p>
+            <a:r>
+              <a:rPr lang="de-AT" dirty="0" err="1"/>
+              <a:t>React</a:t>
+            </a:r>
+            <a:r>
+              <a:rPr lang="de-AT" dirty="0"/>
+              <a:t> </a:t>
+            </a:r>
+            <a:r>
+              <a:rPr lang="de-AT" dirty="0" err="1"/>
+              <a:t>Context</a:t>
+            </a:r>
+            <a:endParaRPr lang="de-AT" dirty="0"/>
+          </a:p>
+        </p:txBody>
+      </p:sp>
+      <p:sp>
+        <p:nvSpPr>
+          <p:cNvPr id="3" name="Inhaltsplatzhalter 2">
+            <a:extLst>
+              <a:ext uri="{FF2B5EF4-FFF2-40B4-BE49-F238E27FC236}">
+                <a16:creationId xmlns:a16="http://schemas.microsoft.com/office/drawing/2014/main" id="{0D0EB41D-F6F8-9DC9-B8E7-B1A42AACBC9D}"/>
+              </a:ext>
+            </a:extLst>
+          </p:cNvPr>
+          <p:cNvSpPr>
+            <a:spLocks noGrp="1"/>
+          </p:cNvSpPr>
+          <p:nvPr>
+            <p:ph idx="1"/>
+          </p:nvPr>
+        </p:nvSpPr>
+        <p:spPr>
+          <a:xfrm>
+            <a:off x="598715" y="1873703"/>
+            <a:ext cx="7323034" cy="4409402"/>
+          </a:xfrm>
+        </p:spPr>
+        <p:txBody>
+          <a:bodyPr>
+            <a:normAutofit/>
+          </a:bodyPr>
+          <a:lstStyle/>
+          <a:p>
+            <a:r>
+              <a:rPr lang="de-AT" dirty="0"/>
+              <a:t>Normalerweise werden Informationen von einer Elternkomponente an eine </a:t>
+            </a:r>
+            <a:r>
+              <a:rPr lang="de-AT" dirty="0" err="1"/>
+              <a:t>Kindkomponente</a:t>
+            </a:r>
+            <a:r>
+              <a:rPr lang="de-AT" dirty="0"/>
+              <a:t> über </a:t>
+            </a:r>
+            <a:r>
+              <a:rPr lang="de-AT" dirty="0" err="1"/>
+              <a:t>Props</a:t>
+            </a:r>
+            <a:r>
+              <a:rPr lang="de-AT" dirty="0"/>
+              <a:t> übergeben.</a:t>
+            </a:r>
+          </a:p>
+          <a:p>
+            <a:r>
+              <a:rPr lang="de-AT" dirty="0"/>
+              <a:t>Das Weitergeben von </a:t>
+            </a:r>
+            <a:r>
+              <a:rPr lang="de-AT" dirty="0" err="1"/>
+              <a:t>Props</a:t>
+            </a:r>
+            <a:r>
+              <a:rPr lang="de-AT" dirty="0"/>
+              <a:t> kann umständlich und unpraktisch werden, wenn sie durch viele Zwischenkomponenten hindurchgereicht werden müssen oder wenn viele Komponenten dieselben Informationen benötigen.</a:t>
+            </a:r>
+          </a:p>
+          <a:p>
+            <a:r>
+              <a:rPr lang="de-AT" dirty="0"/>
+              <a:t>Der Kontext ermöglicht es der Elternkomponente, bestimmte Informationen allen Komponenten im darunterliegenden Baum - unabhängig von der Tiefe - ohne explizites Weitergeben durch </a:t>
+            </a:r>
+            <a:r>
+              <a:rPr lang="de-AT" dirty="0" err="1"/>
+              <a:t>Props</a:t>
+            </a:r>
+            <a:r>
+              <a:rPr lang="de-AT" dirty="0"/>
+              <a:t> zur Verfügung zu stellen.</a:t>
+            </a:r>
+          </a:p>
+        </p:txBody>
+      </p:sp>
+      <p:pic>
+        <p:nvPicPr>
+          <p:cNvPr id="6" name="Grafik 5">
+            <a:extLst>
+              <a:ext uri="{FF2B5EF4-FFF2-40B4-BE49-F238E27FC236}">
+                <a16:creationId xmlns:a16="http://schemas.microsoft.com/office/drawing/2014/main" id="{6B2853A5-D0F7-D818-EF22-CD05E8009D8D}"/>
+              </a:ext>
+            </a:extLst>
+          </p:cNvPr>
+          <p:cNvPicPr>
+            <a:picLocks noChangeAspect="1"/>
+          </p:cNvPicPr>
+          <p:nvPr/>
+        </p:nvPicPr>
+        <p:blipFill>
+          <a:blip r:embed="rId3"/>
+          <a:stretch>
+            <a:fillRect/>
+          </a:stretch>
+        </p:blipFill>
+        <p:spPr>
+          <a:xfrm>
+            <a:off x="7944701" y="2057400"/>
+            <a:ext cx="3648584" cy="3229426"/>
+          </a:xfrm>
+          <a:prstGeom prst="rect">
+            <a:avLst/>
+          </a:prstGeom>
+        </p:spPr>
+      </p:pic>
+    </p:spTree>
+    <p:extLst>
+      <p:ext uri="{BB962C8B-B14F-4D97-AF65-F5344CB8AC3E}">
+        <p14:creationId xmlns:p14="http://schemas.microsoft.com/office/powerpoint/2010/main" val="2429734388"/>
+      </p:ext>
+    </p:extLst>
+  </p:cSld>
+  <p:clrMapOvr>
+    <a:masterClrMapping/>
+  </p:clrMapOvr>
+</p:sld>
+</file>
+
+<file path=ppt/slides/slide59.xml><?xml version="1.0" encoding="utf-8"?>
+<p:sld xmlns:a="http://schemas.openxmlformats.org/drawingml/2006/main" xmlns:r="http://schemas.openxmlformats.org/officeDocument/2006/relationships" xmlns:p="http://schemas.openxmlformats.org/presentationml/2006/main">
+  <p:cSld>
+    <p:spTree>
+      <p:nvGrpSpPr>
+        <p:cNvPr id="1" name=""/>
+        <p:cNvGrpSpPr/>
+        <p:nvPr/>
+      </p:nvGrpSpPr>
+      <p:grpSpPr>
+        <a:xfrm>
+          <a:off x="0" y="0"/>
+          <a:ext cx="0" cy="0"/>
+          <a:chOff x="0" y="0"/>
+          <a:chExt cx="0" cy="0"/>
+        </a:xfrm>
+      </p:grpSpPr>
+      <p:sp>
+        <p:nvSpPr>
+          <p:cNvPr id="2" name="Titel 1">
+            <a:extLst>
+              <a:ext uri="{FF2B5EF4-FFF2-40B4-BE49-F238E27FC236}">
+                <a16:creationId xmlns:a16="http://schemas.microsoft.com/office/drawing/2014/main" id="{7C180996-F89A-95A3-24A8-BF774D433768}"/>
+              </a:ext>
+            </a:extLst>
+          </p:cNvPr>
+          <p:cNvSpPr>
+            <a:spLocks noGrp="1"/>
+          </p:cNvSpPr>
+          <p:nvPr>
+            <p:ph type="title"/>
+          </p:nvPr>
+        </p:nvSpPr>
+        <p:spPr/>
+        <p:txBody>
+          <a:bodyPr/>
+          <a:lstStyle/>
+          <a:p>
+            <a:r>
+              <a:rPr lang="de-AT" dirty="0" err="1"/>
+              <a:t>React</a:t>
+            </a:r>
+            <a:r>
+              <a:rPr lang="de-AT" dirty="0"/>
+              <a:t> </a:t>
+            </a:r>
+            <a:r>
+              <a:rPr lang="de-AT" dirty="0" err="1"/>
+              <a:t>Context</a:t>
+            </a:r>
+            <a:endParaRPr lang="de-AT" dirty="0"/>
+          </a:p>
+        </p:txBody>
+      </p:sp>
+      <p:pic>
+        <p:nvPicPr>
+          <p:cNvPr id="8" name="Grafik 7">
+            <a:extLst>
+              <a:ext uri="{FF2B5EF4-FFF2-40B4-BE49-F238E27FC236}">
+                <a16:creationId xmlns:a16="http://schemas.microsoft.com/office/drawing/2014/main" id="{689D5D9B-4148-1972-6BF3-AE8C1AD7E5CA}"/>
+              </a:ext>
+            </a:extLst>
+          </p:cNvPr>
+          <p:cNvPicPr>
+            <a:picLocks noChangeAspect="1"/>
+          </p:cNvPicPr>
+          <p:nvPr/>
+        </p:nvPicPr>
+        <p:blipFill>
+          <a:blip r:embed="rId3"/>
+          <a:stretch>
+            <a:fillRect/>
+          </a:stretch>
+        </p:blipFill>
+        <p:spPr>
+          <a:xfrm>
+            <a:off x="936172" y="3042392"/>
+            <a:ext cx="4820330" cy="1434148"/>
+          </a:xfrm>
+          <a:prstGeom prst="rect">
+            <a:avLst/>
+          </a:prstGeom>
+        </p:spPr>
+      </p:pic>
+      <p:pic>
+        <p:nvPicPr>
+          <p:cNvPr id="10" name="Grafik 9">
+            <a:extLst>
+              <a:ext uri="{FF2B5EF4-FFF2-40B4-BE49-F238E27FC236}">
+                <a16:creationId xmlns:a16="http://schemas.microsoft.com/office/drawing/2014/main" id="{8D9FED15-F7CD-92E6-35A6-8B734BD0580B}"/>
+              </a:ext>
+            </a:extLst>
+          </p:cNvPr>
+          <p:cNvPicPr>
+            <a:picLocks noChangeAspect="1"/>
+          </p:cNvPicPr>
+          <p:nvPr/>
+        </p:nvPicPr>
+        <p:blipFill>
+          <a:blip r:embed="rId4"/>
+          <a:stretch>
+            <a:fillRect/>
+          </a:stretch>
+        </p:blipFill>
+        <p:spPr>
+          <a:xfrm>
+            <a:off x="6977741" y="3042392"/>
+            <a:ext cx="4130205" cy="1456888"/>
+          </a:xfrm>
+          <a:prstGeom prst="rect">
+            <a:avLst/>
+          </a:prstGeom>
+        </p:spPr>
+      </p:pic>
+      <p:sp>
+        <p:nvSpPr>
+          <p:cNvPr id="11" name="Pfeil: nach rechts 10">
+            <a:extLst>
+              <a:ext uri="{FF2B5EF4-FFF2-40B4-BE49-F238E27FC236}">
+                <a16:creationId xmlns:a16="http://schemas.microsoft.com/office/drawing/2014/main" id="{9ABCAB40-F24B-CB14-C35B-181935F4B393}"/>
+              </a:ext>
+            </a:extLst>
+          </p:cNvPr>
+          <p:cNvSpPr/>
+          <p:nvPr/>
+        </p:nvSpPr>
+        <p:spPr>
+          <a:xfrm>
+            <a:off x="6096000" y="3759466"/>
+            <a:ext cx="576943" cy="322677"/>
+          </a:xfrm>
+          <a:prstGeom prst="rightArrow">
+            <a:avLst/>
+          </a:prstGeom>
+        </p:spPr>
+        <p:style>
+          <a:lnRef idx="2">
+            <a:schemeClr val="accent1">
+              <a:shade val="15000"/>
+            </a:schemeClr>
+          </a:lnRef>
+          <a:fillRef idx="1">
+            <a:schemeClr val="accent1"/>
+          </a:fillRef>
+          <a:effectRef idx="0">
+            <a:schemeClr val="accent1"/>
+          </a:effectRef>
+          <a:fontRef idx="minor">
+            <a:schemeClr val="lt1"/>
+          </a:fontRef>
+        </p:style>
+        <p:txBody>
+          <a:bodyPr rtlCol="0" anchor="ctr"/>
+          <a:lstStyle/>
+          <a:p>
+            <a:pPr algn="ctr"/>
+            <a:endParaRPr lang="de-AT"/>
+          </a:p>
+        </p:txBody>
+      </p:sp>
+    </p:spTree>
+    <p:extLst>
+      <p:ext uri="{BB962C8B-B14F-4D97-AF65-F5344CB8AC3E}">
+        <p14:creationId xmlns:p14="http://schemas.microsoft.com/office/powerpoint/2010/main" val="2644423136"/>
+      </p:ext>
+    </p:extLst>
+  </p:cSld>
+  <p:clrMapOvr>
+    <a:masterClrMapping/>
+  </p:clrMapOvr>
+  <p:timing>
+    <p:tnLst>
+      <p:par>
+        <p:cTn id="1" dur="indefinite" restart="never" nodeType="tmRoot">
+          <p:childTnLst>
+            <p:seq concurrent="1" nextAc="seek">
+              <p:cTn id="2" dur="indefinite" nodeType="mainSeq">
+                <p:childTnLst>
+                  <p:par>
+                    <p:cTn id="3" fill="hold">
+                      <p:stCondLst>
+                        <p:cond delay="indefinite"/>
+                      </p:stCondLst>
+                      <p:childTnLst>
+                        <p:par>
+                          <p:cTn id="4" fill="hold">
+                            <p:stCondLst>
+                              <p:cond delay="0"/>
+                            </p:stCondLst>
+                            <p:childTnLst>
+                              <p:par>
+                                <p:cTn id="5" presetID="10" presetClass="entr" presetSubtype="0" fill="hold" nodeType="clickEffect">
+                                  <p:stCondLst>
+                                    <p:cond delay="0"/>
+                                  </p:stCondLst>
+                                  <p:childTnLst>
+                                    <p:set>
+                                      <p:cBhvr>
+                                        <p:cTn id="6" dur="1" fill="hold">
+                                          <p:stCondLst>
+                                            <p:cond delay="0"/>
+                                          </p:stCondLst>
+                                        </p:cTn>
+                                        <p:tgtEl>
+                                          <p:spTgt spid="8"/>
+                                        </p:tgtEl>
+                                        <p:attrNameLst>
+                                          <p:attrName>style.visibility</p:attrName>
+                                        </p:attrNameLst>
+                                      </p:cBhvr>
+                                      <p:to>
+                                        <p:strVal val="visible"/>
+                                      </p:to>
+                                    </p:set>
+                                    <p:animEffect transition="in" filter="fade">
+                                      <p:cBhvr>
+                                        <p:cTn id="7" dur="500"/>
+                                        <p:tgtEl>
+                                          <p:spTgt spid="8"/>
+                                        </p:tgtEl>
+                                      </p:cBhvr>
+                                    </p:animEffect>
+                                  </p:childTnLst>
+                                </p:cTn>
+                              </p:par>
+                            </p:childTnLst>
+                          </p:cTn>
+                        </p:par>
+                      </p:childTnLst>
+                    </p:cTn>
+                  </p:par>
+                  <p:par>
+                    <p:cTn id="8" fill="hold">
+                      <p:stCondLst>
+                        <p:cond delay="indefinite"/>
+                      </p:stCondLst>
+                      <p:childTnLst>
+                        <p:par>
+                          <p:cTn id="9" fill="hold">
+                            <p:stCondLst>
+                              <p:cond delay="0"/>
+                            </p:stCondLst>
+                            <p:childTnLst>
+                              <p:par>
+                                <p:cTn id="10" presetID="10" presetClass="entr" presetSubtype="0" fill="hold" grpId="0" nodeType="clickEffect">
+                                  <p:stCondLst>
+                                    <p:cond delay="0"/>
+                                  </p:stCondLst>
+                                  <p:childTnLst>
+                                    <p:set>
+                                      <p:cBhvr>
+                                        <p:cTn id="11" dur="1" fill="hold">
+                                          <p:stCondLst>
+                                            <p:cond delay="0"/>
+                                          </p:stCondLst>
+                                        </p:cTn>
+                                        <p:tgtEl>
+                                          <p:spTgt spid="11"/>
+                                        </p:tgtEl>
+                                        <p:attrNameLst>
+                                          <p:attrName>style.visibility</p:attrName>
+                                        </p:attrNameLst>
+                                      </p:cBhvr>
+                                      <p:to>
+                                        <p:strVal val="visible"/>
+                                      </p:to>
+                                    </p:set>
+                                    <p:animEffect transition="in" filter="fade">
+                                      <p:cBhvr>
+                                        <p:cTn id="12" dur="500"/>
+                                        <p:tgtEl>
+                                          <p:spTgt spid="11"/>
+                                        </p:tgtEl>
+                                      </p:cBhvr>
+                                    </p:animEffect>
+                                  </p:childTnLst>
+                                </p:cTn>
+                              </p:par>
+                              <p:par>
+                                <p:cTn id="13" presetID="10" presetClass="entr" presetSubtype="0" fill="hold" nodeType="withEffect">
+                                  <p:stCondLst>
+                                    <p:cond delay="0"/>
+                                  </p:stCondLst>
+                                  <p:childTnLst>
+                                    <p:set>
+                                      <p:cBhvr>
+                                        <p:cTn id="14" dur="1" fill="hold">
+                                          <p:stCondLst>
+                                            <p:cond delay="0"/>
+                                          </p:stCondLst>
+                                        </p:cTn>
+                                        <p:tgtEl>
+                                          <p:spTgt spid="10"/>
+                                        </p:tgtEl>
+                                        <p:attrNameLst>
+                                          <p:attrName>style.visibility</p:attrName>
+                                        </p:attrNameLst>
+                                      </p:cBhvr>
+                                      <p:to>
+                                        <p:strVal val="visible"/>
+                                      </p:to>
+                                    </p:set>
+                                    <p:animEffect transition="in" filter="fade">
+                                      <p:cBhvr>
+                                        <p:cTn id="15" dur="500"/>
+                                        <p:tgtEl>
+                                          <p:spTgt spid="10"/>
+                                        </p:tgtEl>
+                                      </p:cBhvr>
+                                    </p:animEffect>
+                                  </p:childTnLst>
+                                </p:cTn>
+                              </p:par>
+                            </p:childTnLst>
+                          </p:cTn>
+                        </p:par>
+                      </p:childTnLst>
+                    </p:cTn>
+                  </p:par>
+                </p:childTnLst>
+              </p:cTn>
+              <p:prevCondLst>
+                <p:cond evt="onPrev" delay="0">
+                  <p:tgtEl>
+                    <p:sldTgt/>
+                  </p:tgtEl>
+                </p:cond>
+              </p:prevCondLst>
+              <p:nextCondLst>
+                <p:cond evt="onNext" delay="0">
+                  <p:tgtEl>
+                    <p:sldTgt/>
+                  </p:tgtEl>
+                </p:cond>
+              </p:nextCondLst>
+            </p:seq>
+          </p:childTnLst>
+        </p:cTn>
+      </p:par>
+    </p:tnLst>
+    <p:bldLst>
+      <p:bldP spid="11" grpId="0" animBg="1"/>
+    </p:bldLst>
+  </p:timing>
 </p:sld>
 </file>
 
@@ -15044,6 +18088,2452 @@
     <p:extLst>
       <p:ext uri="{BB962C8B-B14F-4D97-AF65-F5344CB8AC3E}">
         <p14:creationId xmlns:p14="http://schemas.microsoft.com/office/powerpoint/2010/main" val="2469261996"/>
+      </p:ext>
+    </p:extLst>
+  </p:cSld>
+  <p:clrMapOvr>
+    <a:masterClrMapping/>
+  </p:clrMapOvr>
+</p:sld>
+</file>
+
+<file path=ppt/slides/slide60.xml><?xml version="1.0" encoding="utf-8"?>
+<p:sld xmlns:a="http://schemas.openxmlformats.org/drawingml/2006/main" xmlns:r="http://schemas.openxmlformats.org/officeDocument/2006/relationships" xmlns:p="http://schemas.openxmlformats.org/presentationml/2006/main">
+  <p:cSld>
+    <p:spTree>
+      <p:nvGrpSpPr>
+        <p:cNvPr id="1" name=""/>
+        <p:cNvGrpSpPr/>
+        <p:nvPr/>
+      </p:nvGrpSpPr>
+      <p:grpSpPr>
+        <a:xfrm>
+          <a:off x="0" y="0"/>
+          <a:ext cx="0" cy="0"/>
+          <a:chOff x="0" y="0"/>
+          <a:chExt cx="0" cy="0"/>
+        </a:xfrm>
+      </p:grpSpPr>
+      <p:sp>
+        <p:nvSpPr>
+          <p:cNvPr id="2" name="Titel 1">
+            <a:extLst>
+              <a:ext uri="{FF2B5EF4-FFF2-40B4-BE49-F238E27FC236}">
+                <a16:creationId xmlns:a16="http://schemas.microsoft.com/office/drawing/2014/main" id="{7C180996-F89A-95A3-24A8-BF774D433768}"/>
+              </a:ext>
+            </a:extLst>
+          </p:cNvPr>
+          <p:cNvSpPr>
+            <a:spLocks noGrp="1"/>
+          </p:cNvSpPr>
+          <p:nvPr>
+            <p:ph type="title"/>
+          </p:nvPr>
+        </p:nvSpPr>
+        <p:spPr/>
+        <p:txBody>
+          <a:bodyPr/>
+          <a:lstStyle/>
+          <a:p>
+            <a:r>
+              <a:rPr lang="de-AT" dirty="0" err="1"/>
+              <a:t>React</a:t>
+            </a:r>
+            <a:r>
+              <a:rPr lang="de-AT" dirty="0"/>
+              <a:t> </a:t>
+            </a:r>
+            <a:r>
+              <a:rPr lang="de-AT" dirty="0" err="1"/>
+              <a:t>Context</a:t>
+            </a:r>
+            <a:r>
+              <a:rPr lang="de-AT" dirty="0"/>
+              <a:t> Vorgehen</a:t>
+            </a:r>
+          </a:p>
+        </p:txBody>
+      </p:sp>
+      <p:sp>
+        <p:nvSpPr>
+          <p:cNvPr id="3" name="Inhaltsplatzhalter 2">
+            <a:extLst>
+              <a:ext uri="{FF2B5EF4-FFF2-40B4-BE49-F238E27FC236}">
+                <a16:creationId xmlns:a16="http://schemas.microsoft.com/office/drawing/2014/main" id="{0D0EB41D-F6F8-9DC9-B8E7-B1A42AACBC9D}"/>
+              </a:ext>
+            </a:extLst>
+          </p:cNvPr>
+          <p:cNvSpPr>
+            <a:spLocks noGrp="1"/>
+          </p:cNvSpPr>
+          <p:nvPr>
+            <p:ph idx="1"/>
+          </p:nvPr>
+        </p:nvSpPr>
+        <p:spPr>
+          <a:xfrm>
+            <a:off x="598715" y="1873703"/>
+            <a:ext cx="7323034" cy="4409402"/>
+          </a:xfrm>
+        </p:spPr>
+        <p:txBody>
+          <a:bodyPr>
+            <a:normAutofit/>
+          </a:bodyPr>
+          <a:lstStyle/>
+          <a:p>
+            <a:pPr marL="342900" indent="-342900">
+              <a:buFont typeface="+mj-lt"/>
+              <a:buAutoNum type="arabicPeriod"/>
+            </a:pPr>
+            <a:r>
+              <a:rPr lang="de-AT" dirty="0"/>
+              <a:t>Einen Kontext erstellen (</a:t>
+            </a:r>
+            <a:r>
+              <a:rPr lang="de-AT" dirty="0" err="1"/>
+              <a:t>LevelContext</a:t>
+            </a:r>
+            <a:r>
+              <a:rPr lang="de-AT" dirty="0"/>
+              <a:t> genannt), um eine Umgebung zu definieren.</a:t>
+            </a:r>
+          </a:p>
+          <a:p>
+            <a:pPr marL="342900" indent="-342900">
+              <a:buFont typeface="+mj-lt"/>
+              <a:buAutoNum type="arabicPeriod"/>
+            </a:pPr>
+            <a:r>
+              <a:rPr lang="de-AT" dirty="0"/>
+              <a:t>Den erstellten Kontext verwenden, wo die Komponente die Daten benötigt </a:t>
+            </a:r>
+          </a:p>
+          <a:p>
+            <a:pPr marL="342900" indent="-342900">
+              <a:buFont typeface="+mj-lt"/>
+              <a:buAutoNum type="arabicPeriod"/>
+            </a:pPr>
+            <a:r>
+              <a:rPr lang="de-AT" dirty="0"/>
+              <a:t>Den Kontext von der Komponente bereitstellen, die die Daten spezifiziert</a:t>
+            </a:r>
+          </a:p>
+          <a:p>
+            <a:r>
+              <a:rPr lang="de-AT" dirty="0"/>
+              <a:t>Ein Kontext ermöglicht es einem Elternelement - selbst einem entfernten! - Daten an den gesamten darin enthaltenen Baum bereitzustellen.</a:t>
+            </a:r>
+          </a:p>
+        </p:txBody>
+      </p:sp>
+      <p:pic>
+        <p:nvPicPr>
+          <p:cNvPr id="6" name="Grafik 5">
+            <a:extLst>
+              <a:ext uri="{FF2B5EF4-FFF2-40B4-BE49-F238E27FC236}">
+                <a16:creationId xmlns:a16="http://schemas.microsoft.com/office/drawing/2014/main" id="{6B2853A5-D0F7-D818-EF22-CD05E8009D8D}"/>
+              </a:ext>
+            </a:extLst>
+          </p:cNvPr>
+          <p:cNvPicPr>
+            <a:picLocks noChangeAspect="1"/>
+          </p:cNvPicPr>
+          <p:nvPr/>
+        </p:nvPicPr>
+        <p:blipFill>
+          <a:blip r:embed="rId3"/>
+          <a:stretch>
+            <a:fillRect/>
+          </a:stretch>
+        </p:blipFill>
+        <p:spPr>
+          <a:xfrm>
+            <a:off x="7944701" y="2057400"/>
+            <a:ext cx="3648584" cy="3229426"/>
+          </a:xfrm>
+          <a:prstGeom prst="rect">
+            <a:avLst/>
+          </a:prstGeom>
+        </p:spPr>
+      </p:pic>
+    </p:spTree>
+    <p:extLst>
+      <p:ext uri="{BB962C8B-B14F-4D97-AF65-F5344CB8AC3E}">
+        <p14:creationId xmlns:p14="http://schemas.microsoft.com/office/powerpoint/2010/main" val="1967828170"/>
+      </p:ext>
+    </p:extLst>
+  </p:cSld>
+  <p:clrMapOvr>
+    <a:masterClrMapping/>
+  </p:clrMapOvr>
+</p:sld>
+</file>
+
+<file path=ppt/slides/slide61.xml><?xml version="1.0" encoding="utf-8"?>
+<p:sld xmlns:a="http://schemas.openxmlformats.org/drawingml/2006/main" xmlns:r="http://schemas.openxmlformats.org/officeDocument/2006/relationships" xmlns:p="http://schemas.openxmlformats.org/presentationml/2006/main">
+  <p:cSld>
+    <p:spTree>
+      <p:nvGrpSpPr>
+        <p:cNvPr id="1" name=""/>
+        <p:cNvGrpSpPr/>
+        <p:nvPr/>
+      </p:nvGrpSpPr>
+      <p:grpSpPr>
+        <a:xfrm>
+          <a:off x="0" y="0"/>
+          <a:ext cx="0" cy="0"/>
+          <a:chOff x="0" y="0"/>
+          <a:chExt cx="0" cy="0"/>
+        </a:xfrm>
+      </p:grpSpPr>
+      <p:sp>
+        <p:nvSpPr>
+          <p:cNvPr id="2" name="Titel 1">
+            <a:extLst>
+              <a:ext uri="{FF2B5EF4-FFF2-40B4-BE49-F238E27FC236}">
+                <a16:creationId xmlns:a16="http://schemas.microsoft.com/office/drawing/2014/main" id="{7A947DB9-5510-52EB-BD7A-8229A76EB3DA}"/>
+              </a:ext>
+            </a:extLst>
+          </p:cNvPr>
+          <p:cNvSpPr>
+            <a:spLocks noGrp="1"/>
+          </p:cNvSpPr>
+          <p:nvPr>
+            <p:ph type="title"/>
+          </p:nvPr>
+        </p:nvSpPr>
+        <p:spPr/>
+        <p:txBody>
+          <a:bodyPr/>
+          <a:lstStyle/>
+          <a:p>
+            <a:r>
+              <a:rPr lang="de-AT" dirty="0" err="1"/>
+              <a:t>React</a:t>
+            </a:r>
+            <a:r>
+              <a:rPr lang="de-AT" dirty="0"/>
+              <a:t> </a:t>
+            </a:r>
+            <a:r>
+              <a:rPr lang="de-AT" dirty="0" err="1"/>
+              <a:t>Context</a:t>
+            </a:r>
+            <a:r>
+              <a:rPr lang="de-AT" dirty="0"/>
+              <a:t> Erstellen</a:t>
+            </a:r>
+          </a:p>
+        </p:txBody>
+      </p:sp>
+      <p:sp>
+        <p:nvSpPr>
+          <p:cNvPr id="3" name="Inhaltsplatzhalter 2">
+            <a:extLst>
+              <a:ext uri="{FF2B5EF4-FFF2-40B4-BE49-F238E27FC236}">
+                <a16:creationId xmlns:a16="http://schemas.microsoft.com/office/drawing/2014/main" id="{8B54E0E8-A1D8-3E5F-8CEA-13AC08BEAC61}"/>
+              </a:ext>
+            </a:extLst>
+          </p:cNvPr>
+          <p:cNvSpPr>
+            <a:spLocks noGrp="1"/>
+          </p:cNvSpPr>
+          <p:nvPr>
+            <p:ph idx="1"/>
+          </p:nvPr>
+        </p:nvSpPr>
+        <p:spPr>
+          <a:xfrm>
+            <a:off x="936172" y="1970315"/>
+            <a:ext cx="5900056" cy="4332514"/>
+          </a:xfrm>
+        </p:spPr>
+        <p:txBody>
+          <a:bodyPr/>
+          <a:lstStyle/>
+          <a:p>
+            <a:r>
+              <a:rPr lang="de-AT" dirty="0"/>
+              <a:t>Zuerst muss der Kontext erstellt werden.</a:t>
+            </a:r>
+          </a:p>
+          <a:p>
+            <a:r>
+              <a:rPr lang="de-AT" dirty="0"/>
+              <a:t>Dieser muss aus einer Datei exportiert werden, damit die Komponenten ihn verwenden können.</a:t>
+            </a:r>
+          </a:p>
+          <a:p>
+            <a:r>
+              <a:rPr lang="de-AT" dirty="0"/>
+              <a:t>Das einzige Argument für </a:t>
+            </a:r>
+            <a:r>
+              <a:rPr lang="de-AT" dirty="0" err="1"/>
+              <a:t>createContext</a:t>
+            </a:r>
+            <a:r>
+              <a:rPr lang="de-AT" dirty="0"/>
+              <a:t> ist der Standardwert.</a:t>
+            </a:r>
+          </a:p>
+          <a:p>
+            <a:r>
+              <a:rPr lang="de-AT" dirty="0"/>
+              <a:t>Es könnte jeder beliebige Wert übergeben werden (auch Objekte).</a:t>
+            </a:r>
+          </a:p>
+          <a:p>
+            <a:endParaRPr lang="de-AT" dirty="0"/>
+          </a:p>
+        </p:txBody>
+      </p:sp>
+      <p:pic>
+        <p:nvPicPr>
+          <p:cNvPr id="7" name="Grafik 6">
+            <a:extLst>
+              <a:ext uri="{FF2B5EF4-FFF2-40B4-BE49-F238E27FC236}">
+                <a16:creationId xmlns:a16="http://schemas.microsoft.com/office/drawing/2014/main" id="{D3408C36-17BC-7D83-6772-8AA3C57F927F}"/>
+              </a:ext>
+            </a:extLst>
+          </p:cNvPr>
+          <p:cNvPicPr>
+            <a:picLocks noChangeAspect="1"/>
+          </p:cNvPicPr>
+          <p:nvPr/>
+        </p:nvPicPr>
+        <p:blipFill>
+          <a:blip r:embed="rId3"/>
+          <a:stretch>
+            <a:fillRect/>
+          </a:stretch>
+        </p:blipFill>
+        <p:spPr>
+          <a:xfrm>
+            <a:off x="7171812" y="2144443"/>
+            <a:ext cx="4457771" cy="794700"/>
+          </a:xfrm>
+          <a:prstGeom prst="rect">
+            <a:avLst/>
+          </a:prstGeom>
+        </p:spPr>
+      </p:pic>
+    </p:spTree>
+    <p:extLst>
+      <p:ext uri="{BB962C8B-B14F-4D97-AF65-F5344CB8AC3E}">
+        <p14:creationId xmlns:p14="http://schemas.microsoft.com/office/powerpoint/2010/main" val="349439280"/>
+      </p:ext>
+    </p:extLst>
+  </p:cSld>
+  <p:clrMapOvr>
+    <a:masterClrMapping/>
+  </p:clrMapOvr>
+</p:sld>
+</file>
+
+<file path=ppt/slides/slide62.xml><?xml version="1.0" encoding="utf-8"?>
+<p:sld xmlns:a="http://schemas.openxmlformats.org/drawingml/2006/main" xmlns:r="http://schemas.openxmlformats.org/officeDocument/2006/relationships" xmlns:p="http://schemas.openxmlformats.org/presentationml/2006/main">
+  <p:cSld>
+    <p:spTree>
+      <p:nvGrpSpPr>
+        <p:cNvPr id="1" name=""/>
+        <p:cNvGrpSpPr/>
+        <p:nvPr/>
+      </p:nvGrpSpPr>
+      <p:grpSpPr>
+        <a:xfrm>
+          <a:off x="0" y="0"/>
+          <a:ext cx="0" cy="0"/>
+          <a:chOff x="0" y="0"/>
+          <a:chExt cx="0" cy="0"/>
+        </a:xfrm>
+      </p:grpSpPr>
+      <p:sp>
+        <p:nvSpPr>
+          <p:cNvPr id="2" name="Titel 1">
+            <a:extLst>
+              <a:ext uri="{FF2B5EF4-FFF2-40B4-BE49-F238E27FC236}">
+                <a16:creationId xmlns:a16="http://schemas.microsoft.com/office/drawing/2014/main" id="{7A947DB9-5510-52EB-BD7A-8229A76EB3DA}"/>
+              </a:ext>
+            </a:extLst>
+          </p:cNvPr>
+          <p:cNvSpPr>
+            <a:spLocks noGrp="1"/>
+          </p:cNvSpPr>
+          <p:nvPr>
+            <p:ph type="title"/>
+          </p:nvPr>
+        </p:nvSpPr>
+        <p:spPr/>
+        <p:txBody>
+          <a:bodyPr/>
+          <a:lstStyle/>
+          <a:p>
+            <a:r>
+              <a:rPr lang="de-AT" dirty="0" err="1"/>
+              <a:t>React</a:t>
+            </a:r>
+            <a:r>
+              <a:rPr lang="de-AT" dirty="0"/>
+              <a:t> </a:t>
+            </a:r>
+            <a:r>
+              <a:rPr lang="de-AT" dirty="0" err="1"/>
+              <a:t>Context</a:t>
+            </a:r>
+            <a:r>
+              <a:rPr lang="de-AT" dirty="0"/>
+              <a:t> Bereitstellen (Provider)</a:t>
+            </a:r>
+          </a:p>
+        </p:txBody>
+      </p:sp>
+      <p:sp>
+        <p:nvSpPr>
+          <p:cNvPr id="3" name="Inhaltsplatzhalter 2">
+            <a:extLst>
+              <a:ext uri="{FF2B5EF4-FFF2-40B4-BE49-F238E27FC236}">
+                <a16:creationId xmlns:a16="http://schemas.microsoft.com/office/drawing/2014/main" id="{8B54E0E8-A1D8-3E5F-8CEA-13AC08BEAC61}"/>
+              </a:ext>
+            </a:extLst>
+          </p:cNvPr>
+          <p:cNvSpPr>
+            <a:spLocks noGrp="1"/>
+          </p:cNvSpPr>
+          <p:nvPr>
+            <p:ph idx="1"/>
+          </p:nvPr>
+        </p:nvSpPr>
+        <p:spPr>
+          <a:xfrm>
+            <a:off x="500743" y="2057400"/>
+            <a:ext cx="5671457" cy="4332514"/>
+          </a:xfrm>
+        </p:spPr>
+        <p:txBody>
+          <a:bodyPr/>
+          <a:lstStyle/>
+          <a:p>
+            <a:r>
+              <a:rPr lang="de-AT" dirty="0"/>
+              <a:t>Bevor der Kontext verwendet wird muss dieser noch von einer Parent Komponente (Provider) bereitgestellt werden</a:t>
+            </a:r>
+          </a:p>
+          <a:p>
+            <a:endParaRPr lang="de-AT" dirty="0"/>
+          </a:p>
+          <a:p>
+            <a:r>
+              <a:rPr lang="de-AT" dirty="0"/>
+              <a:t>Dafür wird der Kontext vom zuvor erstellten File importiert</a:t>
+            </a:r>
+          </a:p>
+          <a:p>
+            <a:pPr marL="0" indent="0">
+              <a:buNone/>
+            </a:pPr>
+            <a:endParaRPr lang="de-AT" dirty="0"/>
+          </a:p>
+          <a:p>
+            <a:r>
+              <a:rPr lang="de-AT" dirty="0"/>
+              <a:t>Um den Kontext an Unterkomponenten (</a:t>
+            </a:r>
+            <a:r>
+              <a:rPr lang="de-AT" dirty="0" err="1"/>
+              <a:t>children</a:t>
+            </a:r>
+            <a:r>
+              <a:rPr lang="de-AT" dirty="0"/>
+              <a:t>) weiterzugeben verwende folgende Syntax:</a:t>
+            </a:r>
+          </a:p>
+        </p:txBody>
+      </p:sp>
+      <p:pic>
+        <p:nvPicPr>
+          <p:cNvPr id="5" name="Grafik 4">
+            <a:extLst>
+              <a:ext uri="{FF2B5EF4-FFF2-40B4-BE49-F238E27FC236}">
+                <a16:creationId xmlns:a16="http://schemas.microsoft.com/office/drawing/2014/main" id="{325B50AD-5529-7FD7-C2D4-4051EAE8EA9C}"/>
+              </a:ext>
+            </a:extLst>
+          </p:cNvPr>
+          <p:cNvPicPr>
+            <a:picLocks noChangeAspect="1"/>
+          </p:cNvPicPr>
+          <p:nvPr/>
+        </p:nvPicPr>
+        <p:blipFill>
+          <a:blip r:embed="rId3"/>
+          <a:stretch>
+            <a:fillRect/>
+          </a:stretch>
+        </p:blipFill>
+        <p:spPr>
+          <a:xfrm>
+            <a:off x="6640287" y="2215554"/>
+            <a:ext cx="5050970" cy="2585047"/>
+          </a:xfrm>
+          <a:prstGeom prst="rect">
+            <a:avLst/>
+          </a:prstGeom>
+        </p:spPr>
+      </p:pic>
+      <p:pic>
+        <p:nvPicPr>
+          <p:cNvPr id="9" name="Grafik 8">
+            <a:extLst>
+              <a:ext uri="{FF2B5EF4-FFF2-40B4-BE49-F238E27FC236}">
+                <a16:creationId xmlns:a16="http://schemas.microsoft.com/office/drawing/2014/main" id="{72B93425-A4B4-EC43-4364-C829C35B5795}"/>
+              </a:ext>
+            </a:extLst>
+          </p:cNvPr>
+          <p:cNvPicPr>
+            <a:picLocks noChangeAspect="1"/>
+          </p:cNvPicPr>
+          <p:nvPr/>
+        </p:nvPicPr>
+        <p:blipFill>
+          <a:blip r:embed="rId4"/>
+          <a:stretch>
+            <a:fillRect/>
+          </a:stretch>
+        </p:blipFill>
+        <p:spPr>
+          <a:xfrm>
+            <a:off x="707570" y="5702966"/>
+            <a:ext cx="11223171" cy="360377"/>
+          </a:xfrm>
+          <a:prstGeom prst="rect">
+            <a:avLst/>
+          </a:prstGeom>
+        </p:spPr>
+      </p:pic>
+    </p:spTree>
+    <p:extLst>
+      <p:ext uri="{BB962C8B-B14F-4D97-AF65-F5344CB8AC3E}">
+        <p14:creationId xmlns:p14="http://schemas.microsoft.com/office/powerpoint/2010/main" val="4143528040"/>
+      </p:ext>
+    </p:extLst>
+  </p:cSld>
+  <p:clrMapOvr>
+    <a:masterClrMapping/>
+  </p:clrMapOvr>
+</p:sld>
+</file>
+
+<file path=ppt/slides/slide63.xml><?xml version="1.0" encoding="utf-8"?>
+<p:sld xmlns:a="http://schemas.openxmlformats.org/drawingml/2006/main" xmlns:r="http://schemas.openxmlformats.org/officeDocument/2006/relationships" xmlns:p="http://schemas.openxmlformats.org/presentationml/2006/main">
+  <p:cSld>
+    <p:spTree>
+      <p:nvGrpSpPr>
+        <p:cNvPr id="1" name=""/>
+        <p:cNvGrpSpPr/>
+        <p:nvPr/>
+      </p:nvGrpSpPr>
+      <p:grpSpPr>
+        <a:xfrm>
+          <a:off x="0" y="0"/>
+          <a:ext cx="0" cy="0"/>
+          <a:chOff x="0" y="0"/>
+          <a:chExt cx="0" cy="0"/>
+        </a:xfrm>
+      </p:grpSpPr>
+      <p:sp>
+        <p:nvSpPr>
+          <p:cNvPr id="2" name="Titel 1">
+            <a:extLst>
+              <a:ext uri="{FF2B5EF4-FFF2-40B4-BE49-F238E27FC236}">
+                <a16:creationId xmlns:a16="http://schemas.microsoft.com/office/drawing/2014/main" id="{7A947DB9-5510-52EB-BD7A-8229A76EB3DA}"/>
+              </a:ext>
+            </a:extLst>
+          </p:cNvPr>
+          <p:cNvSpPr>
+            <a:spLocks noGrp="1"/>
+          </p:cNvSpPr>
+          <p:nvPr>
+            <p:ph type="title"/>
+          </p:nvPr>
+        </p:nvSpPr>
+        <p:spPr/>
+        <p:txBody>
+          <a:bodyPr/>
+          <a:lstStyle/>
+          <a:p>
+            <a:r>
+              <a:rPr lang="de-AT" dirty="0" err="1"/>
+              <a:t>React</a:t>
+            </a:r>
+            <a:r>
+              <a:rPr lang="de-AT" dirty="0"/>
+              <a:t> </a:t>
+            </a:r>
+            <a:r>
+              <a:rPr lang="de-AT" dirty="0" err="1"/>
+              <a:t>Context</a:t>
+            </a:r>
+            <a:r>
+              <a:rPr lang="de-AT" dirty="0"/>
+              <a:t> Verwenden</a:t>
+            </a:r>
+          </a:p>
+        </p:txBody>
+      </p:sp>
+      <p:sp>
+        <p:nvSpPr>
+          <p:cNvPr id="3" name="Inhaltsplatzhalter 2">
+            <a:extLst>
+              <a:ext uri="{FF2B5EF4-FFF2-40B4-BE49-F238E27FC236}">
+                <a16:creationId xmlns:a16="http://schemas.microsoft.com/office/drawing/2014/main" id="{8B54E0E8-A1D8-3E5F-8CEA-13AC08BEAC61}"/>
+              </a:ext>
+            </a:extLst>
+          </p:cNvPr>
+          <p:cNvSpPr>
+            <a:spLocks noGrp="1"/>
+          </p:cNvSpPr>
+          <p:nvPr>
+            <p:ph idx="1"/>
+          </p:nvPr>
+        </p:nvSpPr>
+        <p:spPr>
+          <a:xfrm>
+            <a:off x="936172" y="1970315"/>
+            <a:ext cx="5976258" cy="4332514"/>
+          </a:xfrm>
+        </p:spPr>
+        <p:txBody>
+          <a:bodyPr/>
+          <a:lstStyle/>
+          <a:p>
+            <a:r>
+              <a:rPr lang="de-AT" dirty="0"/>
+              <a:t>Importiere den </a:t>
+            </a:r>
+            <a:r>
+              <a:rPr lang="de-AT" dirty="0" err="1"/>
+              <a:t>useContext</a:t>
+            </a:r>
+            <a:r>
+              <a:rPr lang="de-AT" dirty="0"/>
+              <a:t>-Hook aus </a:t>
+            </a:r>
+            <a:r>
+              <a:rPr lang="de-AT" dirty="0" err="1"/>
+              <a:t>React</a:t>
+            </a:r>
+            <a:r>
+              <a:rPr lang="de-AT" dirty="0"/>
+              <a:t> sowie deinen Kontext</a:t>
+            </a:r>
+          </a:p>
+          <a:p>
+            <a:r>
+              <a:rPr lang="de-AT" dirty="0"/>
+              <a:t>Lese den Wert aus dem importierten Kontext </a:t>
+            </a:r>
+            <a:r>
+              <a:rPr lang="de-AT" dirty="0" err="1"/>
+              <a:t>LevelContext</a:t>
+            </a:r>
+            <a:endParaRPr lang="de-AT" dirty="0"/>
+          </a:p>
+          <a:p>
+            <a:r>
+              <a:rPr lang="de-AT" dirty="0"/>
+              <a:t>Dadurch werden keine </a:t>
+            </a:r>
+            <a:r>
+              <a:rPr lang="de-AT" dirty="0" err="1"/>
+              <a:t>Props</a:t>
+            </a:r>
+            <a:r>
+              <a:rPr lang="de-AT" dirty="0"/>
+              <a:t> sondern ein bereitgestellter Kontext in der Komponente verwendet</a:t>
+            </a:r>
+          </a:p>
+          <a:p>
+            <a:r>
+              <a:rPr lang="de-AT" dirty="0"/>
+              <a:t>Die Komponente verwendet den Wert des nächstgelegenen &lt;</a:t>
+            </a:r>
+            <a:r>
+              <a:rPr lang="de-AT" dirty="0" err="1"/>
+              <a:t>LevelContext.Provider</a:t>
+            </a:r>
+            <a:r>
+              <a:rPr lang="de-AT" dirty="0"/>
+              <a:t>&gt; im UI-Baum über ihr.</a:t>
+            </a:r>
+          </a:p>
+          <a:p>
+            <a:endParaRPr lang="de-AT" dirty="0"/>
+          </a:p>
+          <a:p>
+            <a:endParaRPr lang="de-AT" dirty="0"/>
+          </a:p>
+        </p:txBody>
+      </p:sp>
+      <p:pic>
+        <p:nvPicPr>
+          <p:cNvPr id="6" name="Grafik 5">
+            <a:extLst>
+              <a:ext uri="{FF2B5EF4-FFF2-40B4-BE49-F238E27FC236}">
+                <a16:creationId xmlns:a16="http://schemas.microsoft.com/office/drawing/2014/main" id="{76CC9BAF-FD5C-0735-66A5-977C6C1CCA9A}"/>
+              </a:ext>
+            </a:extLst>
+          </p:cNvPr>
+          <p:cNvPicPr>
+            <a:picLocks noChangeAspect="1"/>
+          </p:cNvPicPr>
+          <p:nvPr/>
+        </p:nvPicPr>
+        <p:blipFill>
+          <a:blip r:embed="rId3"/>
+          <a:stretch>
+            <a:fillRect/>
+          </a:stretch>
+        </p:blipFill>
+        <p:spPr>
+          <a:xfrm>
+            <a:off x="7238999" y="2373241"/>
+            <a:ext cx="4370191" cy="1589160"/>
+          </a:xfrm>
+          <a:prstGeom prst="rect">
+            <a:avLst/>
+          </a:prstGeom>
+        </p:spPr>
+      </p:pic>
+    </p:spTree>
+    <p:extLst>
+      <p:ext uri="{BB962C8B-B14F-4D97-AF65-F5344CB8AC3E}">
+        <p14:creationId xmlns:p14="http://schemas.microsoft.com/office/powerpoint/2010/main" val="3107004607"/>
+      </p:ext>
+    </p:extLst>
+  </p:cSld>
+  <p:clrMapOvr>
+    <a:masterClrMapping/>
+  </p:clrMapOvr>
+</p:sld>
+</file>
+
+<file path=ppt/slides/slide64.xml><?xml version="1.0" encoding="utf-8"?>
+<p:sld xmlns:a="http://schemas.openxmlformats.org/drawingml/2006/main" xmlns:r="http://schemas.openxmlformats.org/officeDocument/2006/relationships" xmlns:p="http://schemas.openxmlformats.org/presentationml/2006/main">
+  <p:cSld>
+    <p:spTree>
+      <p:nvGrpSpPr>
+        <p:cNvPr id="1" name=""/>
+        <p:cNvGrpSpPr/>
+        <p:nvPr/>
+      </p:nvGrpSpPr>
+      <p:grpSpPr>
+        <a:xfrm>
+          <a:off x="0" y="0"/>
+          <a:ext cx="0" cy="0"/>
+          <a:chOff x="0" y="0"/>
+          <a:chExt cx="0" cy="0"/>
+        </a:xfrm>
+      </p:grpSpPr>
+      <p:sp>
+        <p:nvSpPr>
+          <p:cNvPr id="2" name="Titel 1">
+            <a:extLst>
+              <a:ext uri="{FF2B5EF4-FFF2-40B4-BE49-F238E27FC236}">
+                <a16:creationId xmlns:a16="http://schemas.microsoft.com/office/drawing/2014/main" id="{C39504FA-CB80-92EA-7848-3C06C10C92DE}"/>
+              </a:ext>
+            </a:extLst>
+          </p:cNvPr>
+          <p:cNvSpPr>
+            <a:spLocks noGrp="1"/>
+          </p:cNvSpPr>
+          <p:nvPr>
+            <p:ph type="title"/>
+          </p:nvPr>
+        </p:nvSpPr>
+        <p:spPr/>
+        <p:txBody>
+          <a:bodyPr/>
+          <a:lstStyle/>
+          <a:p>
+            <a:r>
+              <a:rPr lang="de-AT" dirty="0" err="1"/>
+              <a:t>React</a:t>
+            </a:r>
+            <a:r>
+              <a:rPr lang="de-AT" dirty="0"/>
+              <a:t> </a:t>
+            </a:r>
+            <a:r>
+              <a:rPr lang="de-AT" dirty="0" err="1"/>
+              <a:t>Context</a:t>
+            </a:r>
+            <a:r>
+              <a:rPr lang="de-AT" dirty="0"/>
+              <a:t> </a:t>
+            </a:r>
+            <a:r>
+              <a:rPr lang="de-AT" dirty="0" err="1"/>
+              <a:t>Usecases</a:t>
+            </a:r>
+            <a:endParaRPr lang="de-AT" dirty="0"/>
+          </a:p>
+        </p:txBody>
+      </p:sp>
+      <p:sp>
+        <p:nvSpPr>
+          <p:cNvPr id="3" name="Inhaltsplatzhalter 2">
+            <a:extLst>
+              <a:ext uri="{FF2B5EF4-FFF2-40B4-BE49-F238E27FC236}">
+                <a16:creationId xmlns:a16="http://schemas.microsoft.com/office/drawing/2014/main" id="{FCC558FF-E476-B631-E1F6-F6831FC8E056}"/>
+              </a:ext>
+            </a:extLst>
+          </p:cNvPr>
+          <p:cNvSpPr>
+            <a:spLocks noGrp="1"/>
+          </p:cNvSpPr>
+          <p:nvPr>
+            <p:ph idx="1"/>
+          </p:nvPr>
+        </p:nvSpPr>
+        <p:spPr>
+          <a:xfrm>
+            <a:off x="936170" y="2057400"/>
+            <a:ext cx="10047515" cy="4137259"/>
+          </a:xfrm>
+        </p:spPr>
+        <p:txBody>
+          <a:bodyPr/>
+          <a:lstStyle/>
+          <a:p>
+            <a:r>
+              <a:rPr lang="de-AT" dirty="0" err="1"/>
+              <a:t>Theming</a:t>
+            </a:r>
+            <a:r>
+              <a:rPr lang="de-AT" dirty="0"/>
+              <a:t>: Ein Kontext für das Erscheinungsbild ermöglicht es Komponenten, sich dem visuellen Look anzupassen.</a:t>
+            </a:r>
+          </a:p>
+          <a:p>
+            <a:r>
+              <a:rPr lang="de-AT" dirty="0"/>
+              <a:t>Aktueller Benutzeraccount: Ein Kontext für den angemeldeten Benutzer vereinfacht den Zugriff darauf in der gesamten App.</a:t>
+            </a:r>
+          </a:p>
+          <a:p>
+            <a:r>
+              <a:rPr lang="de-AT" dirty="0"/>
+              <a:t>Allgemein: wenn viele Komponenten in unterschiedlichen Schichten dieselben Daten benötigen, bietet sich ein Kontext an.</a:t>
+            </a:r>
+          </a:p>
+          <a:p>
+            <a:r>
+              <a:rPr lang="de-AT" dirty="0"/>
+              <a:t>Achte dennoch darauf Kontext nicht zu ausgiebig zu verwenden, führt häufig zu komplexerem und schwer verständlichem Code </a:t>
+            </a:r>
+            <a:r>
+              <a:rPr lang="de-AT" dirty="0">
+                <a:sym typeface="Wingdings" panose="05000000000000000000" pitchFamily="2" charset="2"/>
+              </a:rPr>
+              <a:t> Datenfluss wird verschleiert</a:t>
+            </a:r>
+            <a:endParaRPr lang="de-AT" dirty="0"/>
+          </a:p>
+        </p:txBody>
+      </p:sp>
+    </p:spTree>
+    <p:extLst>
+      <p:ext uri="{BB962C8B-B14F-4D97-AF65-F5344CB8AC3E}">
+        <p14:creationId xmlns:p14="http://schemas.microsoft.com/office/powerpoint/2010/main" val="2821921948"/>
+      </p:ext>
+    </p:extLst>
+  </p:cSld>
+  <p:clrMapOvr>
+    <a:masterClrMapping/>
+  </p:clrMapOvr>
+</p:sld>
+</file>
+
+<file path=ppt/slides/slide65.xml><?xml version="1.0" encoding="utf-8"?>
+<p:sld xmlns:a="http://schemas.openxmlformats.org/drawingml/2006/main" xmlns:r="http://schemas.openxmlformats.org/officeDocument/2006/relationships" xmlns:p="http://schemas.openxmlformats.org/presentationml/2006/main">
+  <p:cSld>
+    <p:spTree>
+      <p:nvGrpSpPr>
+        <p:cNvPr id="1" name=""/>
+        <p:cNvGrpSpPr/>
+        <p:nvPr/>
+      </p:nvGrpSpPr>
+      <p:grpSpPr>
+        <a:xfrm>
+          <a:off x="0" y="0"/>
+          <a:ext cx="0" cy="0"/>
+          <a:chOff x="0" y="0"/>
+          <a:chExt cx="0" cy="0"/>
+        </a:xfrm>
+      </p:grpSpPr>
+      <p:sp>
+        <p:nvSpPr>
+          <p:cNvPr id="2" name="Titel 1">
+            <a:extLst>
+              <a:ext uri="{FF2B5EF4-FFF2-40B4-BE49-F238E27FC236}">
+                <a16:creationId xmlns:a16="http://schemas.microsoft.com/office/drawing/2014/main" id="{C39504FA-CB80-92EA-7848-3C06C10C92DE}"/>
+              </a:ext>
+            </a:extLst>
+          </p:cNvPr>
+          <p:cNvSpPr>
+            <a:spLocks noGrp="1"/>
+          </p:cNvSpPr>
+          <p:nvPr>
+            <p:ph type="title"/>
+          </p:nvPr>
+        </p:nvSpPr>
+        <p:spPr/>
+        <p:txBody>
+          <a:bodyPr/>
+          <a:lstStyle/>
+          <a:p>
+            <a:r>
+              <a:rPr lang="de-AT" dirty="0" err="1"/>
+              <a:t>React</a:t>
+            </a:r>
+            <a:r>
+              <a:rPr lang="de-AT" dirty="0"/>
+              <a:t> </a:t>
+            </a:r>
+            <a:r>
+              <a:rPr lang="de-AT" dirty="0" err="1"/>
+              <a:t>Context</a:t>
+            </a:r>
+            <a:r>
+              <a:rPr lang="de-AT" dirty="0"/>
+              <a:t> Challenge</a:t>
+            </a:r>
+          </a:p>
+        </p:txBody>
+      </p:sp>
+      <p:sp>
+        <p:nvSpPr>
+          <p:cNvPr id="3" name="Inhaltsplatzhalter 2">
+            <a:extLst>
+              <a:ext uri="{FF2B5EF4-FFF2-40B4-BE49-F238E27FC236}">
+                <a16:creationId xmlns:a16="http://schemas.microsoft.com/office/drawing/2014/main" id="{FCC558FF-E476-B631-E1F6-F6831FC8E056}"/>
+              </a:ext>
+            </a:extLst>
+          </p:cNvPr>
+          <p:cNvSpPr>
+            <a:spLocks noGrp="1"/>
+          </p:cNvSpPr>
+          <p:nvPr>
+            <p:ph idx="1"/>
+          </p:nvPr>
+        </p:nvSpPr>
+        <p:spPr>
+          <a:xfrm>
+            <a:off x="936171" y="2057400"/>
+            <a:ext cx="10526486" cy="4137259"/>
+          </a:xfrm>
+        </p:spPr>
+        <p:txBody>
+          <a:bodyPr>
+            <a:normAutofit/>
+          </a:bodyPr>
+          <a:lstStyle/>
+          <a:p>
+            <a:r>
+              <a:rPr lang="de-AT" dirty="0"/>
+              <a:t>In diesem Beispiel ändert das Umschalten des Kontrollkästchens die </a:t>
+            </a:r>
+            <a:r>
+              <a:rPr lang="de-AT" dirty="0" err="1"/>
+              <a:t>imageSize-Prop</a:t>
+            </a:r>
+            <a:r>
+              <a:rPr lang="de-AT" dirty="0"/>
+              <a:t>, die an jedes &lt;</a:t>
+            </a:r>
+            <a:r>
+              <a:rPr lang="de-AT" dirty="0" err="1"/>
+              <a:t>PlaceImage</a:t>
+            </a:r>
+            <a:r>
+              <a:rPr lang="de-AT" dirty="0"/>
+              <a:t>&gt; übergeben wird. Der Zustand des Kontrollkästchens wird im Top-Level-App-Komponenten gehalten, aber jedes &lt;</a:t>
+            </a:r>
+            <a:r>
+              <a:rPr lang="de-AT" dirty="0" err="1"/>
+              <a:t>PlaceImage</a:t>
+            </a:r>
+            <a:r>
+              <a:rPr lang="de-AT" dirty="0"/>
+              <a:t>&gt; muss davon Kenntnis haben.</a:t>
+            </a:r>
+          </a:p>
+          <a:p>
+            <a:r>
+              <a:rPr lang="de-AT" dirty="0"/>
+              <a:t>Aktuell übergibt App </a:t>
+            </a:r>
+            <a:r>
+              <a:rPr lang="de-AT" dirty="0" err="1"/>
+              <a:t>imageSize</a:t>
+            </a:r>
+            <a:r>
+              <a:rPr lang="de-AT" dirty="0"/>
+              <a:t> eine List, die es an </a:t>
+            </a:r>
+            <a:r>
+              <a:rPr lang="de-AT" dirty="0" err="1"/>
+              <a:t>PlaceImage</a:t>
+            </a:r>
+            <a:r>
+              <a:rPr lang="de-AT" dirty="0"/>
+              <a:t> weitergibt. Entfernen Sie die </a:t>
+            </a:r>
+            <a:r>
+              <a:rPr lang="de-AT" dirty="0" err="1"/>
+              <a:t>imageSize-Prop</a:t>
+            </a:r>
+            <a:r>
+              <a:rPr lang="de-AT" dirty="0"/>
+              <a:t> und übergeben Sie sie stattdessen direkt von der App-Komponente an </a:t>
+            </a:r>
+            <a:r>
+              <a:rPr lang="de-AT" dirty="0" err="1"/>
+              <a:t>PlaceImage</a:t>
+            </a:r>
+            <a:r>
+              <a:rPr lang="de-AT" dirty="0"/>
+              <a:t>.</a:t>
+            </a:r>
+          </a:p>
+          <a:p>
+            <a:r>
+              <a:rPr lang="de-AT" dirty="0"/>
+              <a:t>Sie können den Kontext in Context.js deklarieren.</a:t>
+            </a:r>
+          </a:p>
+          <a:p>
+            <a:r>
+              <a:rPr lang="de-AT" dirty="0">
+                <a:hlinkClick r:id="rId2"/>
+              </a:rPr>
+              <a:t>https://react.dev/learn/passing-data-deeply-with-context#challenges</a:t>
+            </a:r>
+            <a:r>
+              <a:rPr lang="de-AT" dirty="0"/>
+              <a:t> </a:t>
+            </a:r>
+          </a:p>
+        </p:txBody>
+      </p:sp>
+    </p:spTree>
+    <p:extLst>
+      <p:ext uri="{BB962C8B-B14F-4D97-AF65-F5344CB8AC3E}">
+        <p14:creationId xmlns:p14="http://schemas.microsoft.com/office/powerpoint/2010/main" val="132896259"/>
+      </p:ext>
+    </p:extLst>
+  </p:cSld>
+  <p:clrMapOvr>
+    <a:masterClrMapping/>
+  </p:clrMapOvr>
+</p:sld>
+</file>
+
+<file path=ppt/slides/slide66.xml><?xml version="1.0" encoding="utf-8"?>
+<p:sld xmlns:a="http://schemas.openxmlformats.org/drawingml/2006/main" xmlns:r="http://schemas.openxmlformats.org/officeDocument/2006/relationships" xmlns:p="http://schemas.openxmlformats.org/presentationml/2006/main">
+  <p:cSld>
+    <p:spTree>
+      <p:nvGrpSpPr>
+        <p:cNvPr id="1" name=""/>
+        <p:cNvGrpSpPr/>
+        <p:nvPr/>
+      </p:nvGrpSpPr>
+      <p:grpSpPr>
+        <a:xfrm>
+          <a:off x="0" y="0"/>
+          <a:ext cx="0" cy="0"/>
+          <a:chOff x="0" y="0"/>
+          <a:chExt cx="0" cy="0"/>
+        </a:xfrm>
+      </p:grpSpPr>
+      <p:sp>
+        <p:nvSpPr>
+          <p:cNvPr id="2" name="Titel 1">
+            <a:extLst>
+              <a:ext uri="{FF2B5EF4-FFF2-40B4-BE49-F238E27FC236}">
+                <a16:creationId xmlns:a16="http://schemas.microsoft.com/office/drawing/2014/main" id="{F6FDBACB-EF87-DAFA-35FF-0F47BDB04218}"/>
+              </a:ext>
+            </a:extLst>
+          </p:cNvPr>
+          <p:cNvSpPr>
+            <a:spLocks noGrp="1"/>
+          </p:cNvSpPr>
+          <p:nvPr>
+            <p:ph type="title"/>
+          </p:nvPr>
+        </p:nvSpPr>
+        <p:spPr>
+          <a:xfrm>
+            <a:off x="996185" y="500741"/>
+            <a:ext cx="5578785" cy="1371600"/>
+          </a:xfrm>
+        </p:spPr>
+        <p:txBody>
+          <a:bodyPr/>
+          <a:lstStyle/>
+          <a:p>
+            <a:r>
+              <a:rPr lang="de-AT" dirty="0"/>
+              <a:t>Aufbau bisher bekannter </a:t>
+            </a:r>
+            <a:r>
+              <a:rPr lang="de-AT" dirty="0" err="1"/>
+              <a:t>React</a:t>
+            </a:r>
+            <a:r>
+              <a:rPr lang="de-AT" dirty="0"/>
+              <a:t> Komponenten</a:t>
+            </a:r>
+          </a:p>
+        </p:txBody>
+      </p:sp>
+      <p:sp>
+        <p:nvSpPr>
+          <p:cNvPr id="3" name="Inhaltsplatzhalter 2">
+            <a:extLst>
+              <a:ext uri="{FF2B5EF4-FFF2-40B4-BE49-F238E27FC236}">
+                <a16:creationId xmlns:a16="http://schemas.microsoft.com/office/drawing/2014/main" id="{F1C9BB02-66D3-1DEF-8E7D-F478C23B7800}"/>
+              </a:ext>
+            </a:extLst>
+          </p:cNvPr>
+          <p:cNvSpPr>
+            <a:spLocks noGrp="1"/>
+          </p:cNvSpPr>
+          <p:nvPr>
+            <p:ph idx="1"/>
+          </p:nvPr>
+        </p:nvSpPr>
+        <p:spPr>
+          <a:xfrm>
+            <a:off x="936170" y="1774372"/>
+            <a:ext cx="5965371" cy="2133600"/>
+          </a:xfrm>
+          <a:ln w="19050">
+            <a:solidFill>
+              <a:srgbClr val="00B050"/>
+            </a:solidFill>
+          </a:ln>
+        </p:spPr>
+        <p:txBody>
+          <a:bodyPr>
+            <a:normAutofit/>
+          </a:bodyPr>
+          <a:lstStyle/>
+          <a:p>
+            <a:r>
+              <a:rPr lang="de-AT" b="1" dirty="0"/>
+              <a:t>Rendering code</a:t>
+            </a:r>
+            <a:r>
+              <a:rPr lang="de-AT" dirty="0"/>
+              <a:t>: Dieser Code befindet sich auf der obersten Ebene Ihrer Komponente und ist dafür verantwortlich, die </a:t>
+            </a:r>
+            <a:r>
+              <a:rPr lang="de-AT" dirty="0" err="1"/>
+              <a:t>Props</a:t>
+            </a:r>
+            <a:r>
+              <a:rPr lang="de-AT" dirty="0"/>
+              <a:t> und den Zustand zu verarbeiten, zu transformieren und das JSX zurückzugeben, das auf dem Bildschirm angezeigt werden soll.</a:t>
+            </a:r>
+          </a:p>
+        </p:txBody>
+      </p:sp>
+      <p:pic>
+        <p:nvPicPr>
+          <p:cNvPr id="4" name="Grafik 3">
+            <a:extLst>
+              <a:ext uri="{FF2B5EF4-FFF2-40B4-BE49-F238E27FC236}">
+                <a16:creationId xmlns:a16="http://schemas.microsoft.com/office/drawing/2014/main" id="{22D5FDC5-1C2D-412D-1791-3F6F7A45F696}"/>
+              </a:ext>
+            </a:extLst>
+          </p:cNvPr>
+          <p:cNvPicPr>
+            <a:picLocks noChangeAspect="1"/>
+          </p:cNvPicPr>
+          <p:nvPr/>
+        </p:nvPicPr>
+        <p:blipFill>
+          <a:blip r:embed="rId2"/>
+          <a:stretch>
+            <a:fillRect/>
+          </a:stretch>
+        </p:blipFill>
+        <p:spPr>
+          <a:xfrm>
+            <a:off x="7298871" y="1075509"/>
+            <a:ext cx="4245574" cy="5281750"/>
+          </a:xfrm>
+          <a:prstGeom prst="rect">
+            <a:avLst/>
+          </a:prstGeom>
+        </p:spPr>
+      </p:pic>
+      <p:sp>
+        <p:nvSpPr>
+          <p:cNvPr id="5" name="Inhaltsplatzhalter 2">
+            <a:extLst>
+              <a:ext uri="{FF2B5EF4-FFF2-40B4-BE49-F238E27FC236}">
+                <a16:creationId xmlns:a16="http://schemas.microsoft.com/office/drawing/2014/main" id="{D08E92F8-8067-8B4E-F5E7-9AD3443751A7}"/>
+              </a:ext>
+            </a:extLst>
+          </p:cNvPr>
+          <p:cNvSpPr txBox="1">
+            <a:spLocks/>
+          </p:cNvSpPr>
+          <p:nvPr/>
+        </p:nvSpPr>
+        <p:spPr>
+          <a:xfrm>
+            <a:off x="936170" y="4223659"/>
+            <a:ext cx="5965371" cy="2133600"/>
+          </a:xfrm>
+          <a:prstGeom prst="rect">
+            <a:avLst/>
+          </a:prstGeom>
+          <a:ln w="19050">
+            <a:solidFill>
+              <a:srgbClr val="0070C0"/>
+            </a:solidFill>
+          </a:ln>
+        </p:spPr>
+        <p:txBody>
+          <a:bodyPr vert="horz" lIns="91440" tIns="45720" rIns="91440" bIns="45720" rtlCol="0">
+            <a:normAutofit fontScale="92500" lnSpcReduction="10000"/>
+          </a:bodyPr>
+          <a:lstStyle>
+            <a:lvl1pPr marL="228600" indent="-228600" algn="l" defTabSz="914400" rtl="0" eaLnBrk="1" latinLnBrk="0" hangingPunct="1">
+              <a:lnSpc>
+                <a:spcPct val="120000"/>
+              </a:lnSpc>
+              <a:spcBef>
+                <a:spcPts val="1000"/>
+              </a:spcBef>
+              <a:buFont typeface="Arial" panose="020B0604020202020204" pitchFamily="34" charset="0"/>
+              <a:buChar char="•"/>
+              <a:defRPr sz="1800" kern="1200">
+                <a:solidFill>
+                  <a:schemeClr val="tx1"/>
+                </a:solidFill>
+                <a:latin typeface="+mn-lt"/>
+                <a:ea typeface="+mn-ea"/>
+                <a:cs typeface="+mn-cs"/>
+              </a:defRPr>
+            </a:lvl1pPr>
+            <a:lvl2pPr marL="502920" indent="-228600" algn="l" defTabSz="914400" rtl="0" eaLnBrk="1" latinLnBrk="0" hangingPunct="1">
+              <a:lnSpc>
+                <a:spcPct val="120000"/>
+              </a:lnSpc>
+              <a:spcBef>
+                <a:spcPts val="500"/>
+              </a:spcBef>
+              <a:buFont typeface="Arial" panose="020B0604020202020204" pitchFamily="34" charset="0"/>
+              <a:buChar char="•"/>
+              <a:defRPr sz="1600" kern="1200">
+                <a:solidFill>
+                  <a:schemeClr val="tx1"/>
+                </a:solidFill>
+                <a:latin typeface="+mn-lt"/>
+                <a:ea typeface="+mn-ea"/>
+                <a:cs typeface="+mn-cs"/>
+              </a:defRPr>
+            </a:lvl2pPr>
+            <a:lvl3pPr marL="731520" indent="-228600" algn="l" defTabSz="914400" rtl="0" eaLnBrk="1" latinLnBrk="0" hangingPunct="1">
+              <a:lnSpc>
+                <a:spcPct val="120000"/>
+              </a:lnSpc>
+              <a:spcBef>
+                <a:spcPts val="500"/>
+              </a:spcBef>
+              <a:buFont typeface="Arial" panose="020B0604020202020204" pitchFamily="34" charset="0"/>
+              <a:buChar char="•"/>
+              <a:defRPr sz="1400" kern="1200">
+                <a:solidFill>
+                  <a:schemeClr val="tx1"/>
+                </a:solidFill>
+                <a:latin typeface="+mn-lt"/>
+                <a:ea typeface="+mn-ea"/>
+                <a:cs typeface="+mn-cs"/>
+              </a:defRPr>
+            </a:lvl3pPr>
+            <a:lvl4pPr marL="1005840" indent="-228600" algn="l" defTabSz="914400" rtl="0" eaLnBrk="1" latinLnBrk="0" hangingPunct="1">
+              <a:lnSpc>
+                <a:spcPct val="120000"/>
+              </a:lnSpc>
+              <a:spcBef>
+                <a:spcPts val="500"/>
+              </a:spcBef>
+              <a:buFont typeface="Arial" panose="020B0604020202020204" pitchFamily="34" charset="0"/>
+              <a:buChar char="•"/>
+              <a:defRPr sz="1400" kern="1200">
+                <a:solidFill>
+                  <a:schemeClr val="tx1"/>
+                </a:solidFill>
+                <a:latin typeface="+mn-lt"/>
+                <a:ea typeface="+mn-ea"/>
+                <a:cs typeface="+mn-cs"/>
+              </a:defRPr>
+            </a:lvl4pPr>
+            <a:lvl5pPr marL="1234440" indent="-228600" algn="l" defTabSz="914400" rtl="0" eaLnBrk="1" latinLnBrk="0" hangingPunct="1">
+              <a:lnSpc>
+                <a:spcPct val="120000"/>
+              </a:lnSpc>
+              <a:spcBef>
+                <a:spcPts val="500"/>
+              </a:spcBef>
+              <a:buFont typeface="Arial" panose="020B0604020202020204" pitchFamily="34" charset="0"/>
+              <a:buChar char="•"/>
+              <a:defRPr sz="1400" kern="1200">
+                <a:solidFill>
+                  <a:schemeClr val="tx1"/>
+                </a:solidFill>
+                <a:latin typeface="+mn-lt"/>
+                <a:ea typeface="+mn-ea"/>
+                <a:cs typeface="+mn-cs"/>
+              </a:defRPr>
+            </a:lvl5pPr>
+            <a:lvl6pPr marL="2514600" indent="-228600" algn="l" defTabSz="914400" rtl="0" eaLnBrk="1" latinLnBrk="0" hangingPunct="1">
+              <a:lnSpc>
+                <a:spcPct val="90000"/>
+              </a:lnSpc>
+              <a:spcBef>
+                <a:spcPts val="500"/>
+              </a:spcBef>
+              <a:buFont typeface="Arial" panose="020B0604020202020204" pitchFamily="34" charset="0"/>
+              <a:buChar char="•"/>
+              <a:defRPr sz="1800" kern="1200">
+                <a:solidFill>
+                  <a:schemeClr val="tx1"/>
+                </a:solidFill>
+                <a:latin typeface="+mn-lt"/>
+                <a:ea typeface="+mn-ea"/>
+                <a:cs typeface="+mn-cs"/>
+              </a:defRPr>
+            </a:lvl6pPr>
+            <a:lvl7pPr marL="2971800" indent="-228600" algn="l" defTabSz="914400" rtl="0" eaLnBrk="1" latinLnBrk="0" hangingPunct="1">
+              <a:lnSpc>
+                <a:spcPct val="90000"/>
+              </a:lnSpc>
+              <a:spcBef>
+                <a:spcPts val="500"/>
+              </a:spcBef>
+              <a:buFont typeface="Arial" panose="020B0604020202020204" pitchFamily="34" charset="0"/>
+              <a:buChar char="•"/>
+              <a:defRPr sz="1800" kern="1200">
+                <a:solidFill>
+                  <a:schemeClr val="tx1"/>
+                </a:solidFill>
+                <a:latin typeface="+mn-lt"/>
+                <a:ea typeface="+mn-ea"/>
+                <a:cs typeface="+mn-cs"/>
+              </a:defRPr>
+            </a:lvl7pPr>
+            <a:lvl8pPr marL="3429000" indent="-228600" algn="l" defTabSz="914400" rtl="0" eaLnBrk="1" latinLnBrk="0" hangingPunct="1">
+              <a:lnSpc>
+                <a:spcPct val="90000"/>
+              </a:lnSpc>
+              <a:spcBef>
+                <a:spcPts val="500"/>
+              </a:spcBef>
+              <a:buFont typeface="Arial" panose="020B0604020202020204" pitchFamily="34" charset="0"/>
+              <a:buChar char="•"/>
+              <a:defRPr sz="1800" kern="1200">
+                <a:solidFill>
+                  <a:schemeClr val="tx1"/>
+                </a:solidFill>
+                <a:latin typeface="+mn-lt"/>
+                <a:ea typeface="+mn-ea"/>
+                <a:cs typeface="+mn-cs"/>
+              </a:defRPr>
+            </a:lvl8pPr>
+            <a:lvl9pPr marL="3886200" indent="-228600" algn="l" defTabSz="914400" rtl="0" eaLnBrk="1" latinLnBrk="0" hangingPunct="1">
+              <a:lnSpc>
+                <a:spcPct val="90000"/>
+              </a:lnSpc>
+              <a:spcBef>
+                <a:spcPts val="500"/>
+              </a:spcBef>
+              <a:buFont typeface="Arial" panose="020B0604020202020204" pitchFamily="34" charset="0"/>
+              <a:buChar char="•"/>
+              <a:defRPr sz="1800" kern="1200">
+                <a:solidFill>
+                  <a:schemeClr val="tx1"/>
+                </a:solidFill>
+                <a:latin typeface="+mn-lt"/>
+                <a:ea typeface="+mn-ea"/>
+                <a:cs typeface="+mn-cs"/>
+              </a:defRPr>
+            </a:lvl9pPr>
+          </a:lstStyle>
+          <a:p>
+            <a:r>
+              <a:rPr lang="de-AT" b="1" dirty="0"/>
+              <a:t>Event-Handler: </a:t>
+            </a:r>
+            <a:r>
+              <a:rPr lang="de-AT" dirty="0"/>
+              <a:t>Event-Handler sind verschachtelte Funktionen innerhalb Ihrer Komponenten, die Aktionen ausführen, anstatt sie nur zu berechnen. Event-Handler enthalten "Seiteneffekte" (sie ändern den Zustand des Programms), die durch eine bestimmte Benutzeraktion verursacht werden (zum Beispiel ein Klick auf eine Schaltfläche oder das </a:t>
+            </a:r>
+          </a:p>
+        </p:txBody>
+      </p:sp>
+      <p:sp>
+        <p:nvSpPr>
+          <p:cNvPr id="6" name="Textfeld 5">
+            <a:extLst>
+              <a:ext uri="{FF2B5EF4-FFF2-40B4-BE49-F238E27FC236}">
+                <a16:creationId xmlns:a16="http://schemas.microsoft.com/office/drawing/2014/main" id="{0C225427-50ED-8AE9-7323-92AF733D2B2C}"/>
+              </a:ext>
+            </a:extLst>
+          </p:cNvPr>
+          <p:cNvSpPr txBox="1"/>
+          <p:nvPr/>
+        </p:nvSpPr>
+        <p:spPr>
+          <a:xfrm>
+            <a:off x="7141029" y="1382486"/>
+            <a:ext cx="4800600" cy="892629"/>
+          </a:xfrm>
+          <a:prstGeom prst="rect">
+            <a:avLst/>
+          </a:prstGeom>
+          <a:noFill/>
+          <a:ln w="19050">
+            <a:solidFill>
+              <a:srgbClr val="00B050"/>
+            </a:solidFill>
+          </a:ln>
+        </p:spPr>
+        <p:txBody>
+          <a:bodyPr wrap="square" rtlCol="0">
+            <a:spAutoFit/>
+          </a:bodyPr>
+          <a:lstStyle/>
+          <a:p>
+            <a:endParaRPr lang="de-AT" dirty="0"/>
+          </a:p>
+        </p:txBody>
+      </p:sp>
+      <p:sp>
+        <p:nvSpPr>
+          <p:cNvPr id="7" name="Inhaltsplatzhalter 2">
+            <a:extLst>
+              <a:ext uri="{FF2B5EF4-FFF2-40B4-BE49-F238E27FC236}">
+                <a16:creationId xmlns:a16="http://schemas.microsoft.com/office/drawing/2014/main" id="{EFEAF797-4801-C8D6-EC18-4AFDA9C48C05}"/>
+              </a:ext>
+            </a:extLst>
+          </p:cNvPr>
+          <p:cNvSpPr txBox="1">
+            <a:spLocks/>
+          </p:cNvSpPr>
+          <p:nvPr/>
+        </p:nvSpPr>
+        <p:spPr>
+          <a:xfrm>
+            <a:off x="7141029" y="2436225"/>
+            <a:ext cx="4800600" cy="1471747"/>
+          </a:xfrm>
+          <a:prstGeom prst="rect">
+            <a:avLst/>
+          </a:prstGeom>
+          <a:ln w="19050">
+            <a:solidFill>
+              <a:srgbClr val="0070C0"/>
+            </a:solidFill>
+          </a:ln>
+        </p:spPr>
+        <p:txBody>
+          <a:bodyPr vert="horz" lIns="91440" tIns="45720" rIns="91440" bIns="45720" rtlCol="0">
+            <a:normAutofit/>
+          </a:bodyPr>
+          <a:lstStyle>
+            <a:lvl1pPr marL="228600" indent="-228600" algn="l" defTabSz="914400" rtl="0" eaLnBrk="1" latinLnBrk="0" hangingPunct="1">
+              <a:lnSpc>
+                <a:spcPct val="120000"/>
+              </a:lnSpc>
+              <a:spcBef>
+                <a:spcPts val="1000"/>
+              </a:spcBef>
+              <a:buFont typeface="Arial" panose="020B0604020202020204" pitchFamily="34" charset="0"/>
+              <a:buChar char="•"/>
+              <a:defRPr sz="1800" kern="1200">
+                <a:solidFill>
+                  <a:schemeClr val="tx1"/>
+                </a:solidFill>
+                <a:latin typeface="+mn-lt"/>
+                <a:ea typeface="+mn-ea"/>
+                <a:cs typeface="+mn-cs"/>
+              </a:defRPr>
+            </a:lvl1pPr>
+            <a:lvl2pPr marL="502920" indent="-228600" algn="l" defTabSz="914400" rtl="0" eaLnBrk="1" latinLnBrk="0" hangingPunct="1">
+              <a:lnSpc>
+                <a:spcPct val="120000"/>
+              </a:lnSpc>
+              <a:spcBef>
+                <a:spcPts val="500"/>
+              </a:spcBef>
+              <a:buFont typeface="Arial" panose="020B0604020202020204" pitchFamily="34" charset="0"/>
+              <a:buChar char="•"/>
+              <a:defRPr sz="1600" kern="1200">
+                <a:solidFill>
+                  <a:schemeClr val="tx1"/>
+                </a:solidFill>
+                <a:latin typeface="+mn-lt"/>
+                <a:ea typeface="+mn-ea"/>
+                <a:cs typeface="+mn-cs"/>
+              </a:defRPr>
+            </a:lvl2pPr>
+            <a:lvl3pPr marL="731520" indent="-228600" algn="l" defTabSz="914400" rtl="0" eaLnBrk="1" latinLnBrk="0" hangingPunct="1">
+              <a:lnSpc>
+                <a:spcPct val="120000"/>
+              </a:lnSpc>
+              <a:spcBef>
+                <a:spcPts val="500"/>
+              </a:spcBef>
+              <a:buFont typeface="Arial" panose="020B0604020202020204" pitchFamily="34" charset="0"/>
+              <a:buChar char="•"/>
+              <a:defRPr sz="1400" kern="1200">
+                <a:solidFill>
+                  <a:schemeClr val="tx1"/>
+                </a:solidFill>
+                <a:latin typeface="+mn-lt"/>
+                <a:ea typeface="+mn-ea"/>
+                <a:cs typeface="+mn-cs"/>
+              </a:defRPr>
+            </a:lvl3pPr>
+            <a:lvl4pPr marL="1005840" indent="-228600" algn="l" defTabSz="914400" rtl="0" eaLnBrk="1" latinLnBrk="0" hangingPunct="1">
+              <a:lnSpc>
+                <a:spcPct val="120000"/>
+              </a:lnSpc>
+              <a:spcBef>
+                <a:spcPts val="500"/>
+              </a:spcBef>
+              <a:buFont typeface="Arial" panose="020B0604020202020204" pitchFamily="34" charset="0"/>
+              <a:buChar char="•"/>
+              <a:defRPr sz="1400" kern="1200">
+                <a:solidFill>
+                  <a:schemeClr val="tx1"/>
+                </a:solidFill>
+                <a:latin typeface="+mn-lt"/>
+                <a:ea typeface="+mn-ea"/>
+                <a:cs typeface="+mn-cs"/>
+              </a:defRPr>
+            </a:lvl4pPr>
+            <a:lvl5pPr marL="1234440" indent="-228600" algn="l" defTabSz="914400" rtl="0" eaLnBrk="1" latinLnBrk="0" hangingPunct="1">
+              <a:lnSpc>
+                <a:spcPct val="120000"/>
+              </a:lnSpc>
+              <a:spcBef>
+                <a:spcPts val="500"/>
+              </a:spcBef>
+              <a:buFont typeface="Arial" panose="020B0604020202020204" pitchFamily="34" charset="0"/>
+              <a:buChar char="•"/>
+              <a:defRPr sz="1400" kern="1200">
+                <a:solidFill>
+                  <a:schemeClr val="tx1"/>
+                </a:solidFill>
+                <a:latin typeface="+mn-lt"/>
+                <a:ea typeface="+mn-ea"/>
+                <a:cs typeface="+mn-cs"/>
+              </a:defRPr>
+            </a:lvl5pPr>
+            <a:lvl6pPr marL="2514600" indent="-228600" algn="l" defTabSz="914400" rtl="0" eaLnBrk="1" latinLnBrk="0" hangingPunct="1">
+              <a:lnSpc>
+                <a:spcPct val="90000"/>
+              </a:lnSpc>
+              <a:spcBef>
+                <a:spcPts val="500"/>
+              </a:spcBef>
+              <a:buFont typeface="Arial" panose="020B0604020202020204" pitchFamily="34" charset="0"/>
+              <a:buChar char="•"/>
+              <a:defRPr sz="1800" kern="1200">
+                <a:solidFill>
+                  <a:schemeClr val="tx1"/>
+                </a:solidFill>
+                <a:latin typeface="+mn-lt"/>
+                <a:ea typeface="+mn-ea"/>
+                <a:cs typeface="+mn-cs"/>
+              </a:defRPr>
+            </a:lvl6pPr>
+            <a:lvl7pPr marL="2971800" indent="-228600" algn="l" defTabSz="914400" rtl="0" eaLnBrk="1" latinLnBrk="0" hangingPunct="1">
+              <a:lnSpc>
+                <a:spcPct val="90000"/>
+              </a:lnSpc>
+              <a:spcBef>
+                <a:spcPts val="500"/>
+              </a:spcBef>
+              <a:buFont typeface="Arial" panose="020B0604020202020204" pitchFamily="34" charset="0"/>
+              <a:buChar char="•"/>
+              <a:defRPr sz="1800" kern="1200">
+                <a:solidFill>
+                  <a:schemeClr val="tx1"/>
+                </a:solidFill>
+                <a:latin typeface="+mn-lt"/>
+                <a:ea typeface="+mn-ea"/>
+                <a:cs typeface="+mn-cs"/>
+              </a:defRPr>
+            </a:lvl7pPr>
+            <a:lvl8pPr marL="3429000" indent="-228600" algn="l" defTabSz="914400" rtl="0" eaLnBrk="1" latinLnBrk="0" hangingPunct="1">
+              <a:lnSpc>
+                <a:spcPct val="90000"/>
+              </a:lnSpc>
+              <a:spcBef>
+                <a:spcPts val="500"/>
+              </a:spcBef>
+              <a:buFont typeface="Arial" panose="020B0604020202020204" pitchFamily="34" charset="0"/>
+              <a:buChar char="•"/>
+              <a:defRPr sz="1800" kern="1200">
+                <a:solidFill>
+                  <a:schemeClr val="tx1"/>
+                </a:solidFill>
+                <a:latin typeface="+mn-lt"/>
+                <a:ea typeface="+mn-ea"/>
+                <a:cs typeface="+mn-cs"/>
+              </a:defRPr>
+            </a:lvl8pPr>
+            <a:lvl9pPr marL="3886200" indent="-228600" algn="l" defTabSz="914400" rtl="0" eaLnBrk="1" latinLnBrk="0" hangingPunct="1">
+              <a:lnSpc>
+                <a:spcPct val="90000"/>
+              </a:lnSpc>
+              <a:spcBef>
+                <a:spcPts val="500"/>
+              </a:spcBef>
+              <a:buFont typeface="Arial" panose="020B0604020202020204" pitchFamily="34" charset="0"/>
+              <a:buChar char="•"/>
+              <a:defRPr sz="1800" kern="1200">
+                <a:solidFill>
+                  <a:schemeClr val="tx1"/>
+                </a:solidFill>
+                <a:latin typeface="+mn-lt"/>
+                <a:ea typeface="+mn-ea"/>
+                <a:cs typeface="+mn-cs"/>
+              </a:defRPr>
+            </a:lvl9pPr>
+          </a:lstStyle>
+          <a:p>
+            <a:endParaRPr lang="de-AT" dirty="0"/>
+          </a:p>
+        </p:txBody>
+      </p:sp>
+    </p:spTree>
+    <p:extLst>
+      <p:ext uri="{BB962C8B-B14F-4D97-AF65-F5344CB8AC3E}">
+        <p14:creationId xmlns:p14="http://schemas.microsoft.com/office/powerpoint/2010/main" val="3048494478"/>
+      </p:ext>
+    </p:extLst>
+  </p:cSld>
+  <p:clrMapOvr>
+    <a:masterClrMapping/>
+  </p:clrMapOvr>
+  <p:timing>
+    <p:tnLst>
+      <p:par>
+        <p:cTn id="1" dur="indefinite" restart="never" nodeType="tmRoot">
+          <p:childTnLst>
+            <p:seq concurrent="1" nextAc="seek">
+              <p:cTn id="2" dur="indefinite" nodeType="mainSeq">
+                <p:childTnLst>
+                  <p:par>
+                    <p:cTn id="3" fill="hold">
+                      <p:stCondLst>
+                        <p:cond delay="indefinite"/>
+                      </p:stCondLst>
+                      <p:childTnLst>
+                        <p:par>
+                          <p:cTn id="4" fill="hold">
+                            <p:stCondLst>
+                              <p:cond delay="0"/>
+                            </p:stCondLst>
+                            <p:childTnLst>
+                              <p:par>
+                                <p:cTn id="5" presetID="10" presetClass="entr" presetSubtype="0" fill="hold" grpId="0" nodeType="clickEffect">
+                                  <p:stCondLst>
+                                    <p:cond delay="0"/>
+                                  </p:stCondLst>
+                                  <p:childTnLst>
+                                    <p:set>
+                                      <p:cBhvr>
+                                        <p:cTn id="6" dur="1" fill="hold">
+                                          <p:stCondLst>
+                                            <p:cond delay="0"/>
+                                          </p:stCondLst>
+                                        </p:cTn>
+                                        <p:tgtEl>
+                                          <p:spTgt spid="3">
+                                            <p:bg/>
+                                          </p:spTgt>
+                                        </p:tgtEl>
+                                        <p:attrNameLst>
+                                          <p:attrName>style.visibility</p:attrName>
+                                        </p:attrNameLst>
+                                      </p:cBhvr>
+                                      <p:to>
+                                        <p:strVal val="visible"/>
+                                      </p:to>
+                                    </p:set>
+                                    <p:animEffect transition="in" filter="fade">
+                                      <p:cBhvr>
+                                        <p:cTn id="7" dur="500"/>
+                                        <p:tgtEl>
+                                          <p:spTgt spid="3">
+                                            <p:bg/>
+                                          </p:spTgt>
+                                        </p:tgtEl>
+                                      </p:cBhvr>
+                                    </p:animEffect>
+                                  </p:childTnLst>
+                                </p:cTn>
+                              </p:par>
+                              <p:par>
+                                <p:cTn id="8" presetID="10" presetClass="entr" presetSubtype="0" fill="hold" grpId="0" nodeType="withEffect">
+                                  <p:stCondLst>
+                                    <p:cond delay="0"/>
+                                  </p:stCondLst>
+                                  <p:childTnLst>
+                                    <p:set>
+                                      <p:cBhvr>
+                                        <p:cTn id="9" dur="1" fill="hold">
+                                          <p:stCondLst>
+                                            <p:cond delay="0"/>
+                                          </p:stCondLst>
+                                        </p:cTn>
+                                        <p:tgtEl>
+                                          <p:spTgt spid="3">
+                                            <p:txEl>
+                                              <p:pRg st="0" end="0"/>
+                                            </p:txEl>
+                                          </p:spTgt>
+                                        </p:tgtEl>
+                                        <p:attrNameLst>
+                                          <p:attrName>style.visibility</p:attrName>
+                                        </p:attrNameLst>
+                                      </p:cBhvr>
+                                      <p:to>
+                                        <p:strVal val="visible"/>
+                                      </p:to>
+                                    </p:set>
+                                    <p:animEffect transition="in" filter="fade">
+                                      <p:cBhvr>
+                                        <p:cTn id="10" dur="500"/>
+                                        <p:tgtEl>
+                                          <p:spTgt spid="3">
+                                            <p:txEl>
+                                              <p:pRg st="0" end="0"/>
+                                            </p:txEl>
+                                          </p:spTgt>
+                                        </p:tgtEl>
+                                      </p:cBhvr>
+                                    </p:animEffect>
+                                  </p:childTnLst>
+                                </p:cTn>
+                              </p:par>
+                              <p:par>
+                                <p:cTn id="11" presetID="10" presetClass="entr" presetSubtype="0" fill="hold" grpId="0" nodeType="withEffect">
+                                  <p:stCondLst>
+                                    <p:cond delay="0"/>
+                                  </p:stCondLst>
+                                  <p:childTnLst>
+                                    <p:set>
+                                      <p:cBhvr>
+                                        <p:cTn id="12" dur="1" fill="hold">
+                                          <p:stCondLst>
+                                            <p:cond delay="0"/>
+                                          </p:stCondLst>
+                                        </p:cTn>
+                                        <p:tgtEl>
+                                          <p:spTgt spid="6"/>
+                                        </p:tgtEl>
+                                        <p:attrNameLst>
+                                          <p:attrName>style.visibility</p:attrName>
+                                        </p:attrNameLst>
+                                      </p:cBhvr>
+                                      <p:to>
+                                        <p:strVal val="visible"/>
+                                      </p:to>
+                                    </p:set>
+                                    <p:animEffect transition="in" filter="fade">
+                                      <p:cBhvr>
+                                        <p:cTn id="13" dur="500"/>
+                                        <p:tgtEl>
+                                          <p:spTgt spid="6"/>
+                                        </p:tgtEl>
+                                      </p:cBhvr>
+                                    </p:animEffect>
+                                  </p:childTnLst>
+                                </p:cTn>
+                              </p:par>
+                            </p:childTnLst>
+                          </p:cTn>
+                        </p:par>
+                      </p:childTnLst>
+                    </p:cTn>
+                  </p:par>
+                  <p:par>
+                    <p:cTn id="14" fill="hold">
+                      <p:stCondLst>
+                        <p:cond delay="indefinite"/>
+                      </p:stCondLst>
+                      <p:childTnLst>
+                        <p:par>
+                          <p:cTn id="15" fill="hold">
+                            <p:stCondLst>
+                              <p:cond delay="0"/>
+                            </p:stCondLst>
+                            <p:childTnLst>
+                              <p:par>
+                                <p:cTn id="16" presetID="10" presetClass="entr" presetSubtype="0" fill="hold" grpId="0" nodeType="clickEffect">
+                                  <p:stCondLst>
+                                    <p:cond delay="0"/>
+                                  </p:stCondLst>
+                                  <p:childTnLst>
+                                    <p:set>
+                                      <p:cBhvr>
+                                        <p:cTn id="17" dur="1" fill="hold">
+                                          <p:stCondLst>
+                                            <p:cond delay="0"/>
+                                          </p:stCondLst>
+                                        </p:cTn>
+                                        <p:tgtEl>
+                                          <p:spTgt spid="5"/>
+                                        </p:tgtEl>
+                                        <p:attrNameLst>
+                                          <p:attrName>style.visibility</p:attrName>
+                                        </p:attrNameLst>
+                                      </p:cBhvr>
+                                      <p:to>
+                                        <p:strVal val="visible"/>
+                                      </p:to>
+                                    </p:set>
+                                    <p:animEffect transition="in" filter="fade">
+                                      <p:cBhvr>
+                                        <p:cTn id="18" dur="500"/>
+                                        <p:tgtEl>
+                                          <p:spTgt spid="5"/>
+                                        </p:tgtEl>
+                                      </p:cBhvr>
+                                    </p:animEffect>
+                                  </p:childTnLst>
+                                </p:cTn>
+                              </p:par>
+                              <p:par>
+                                <p:cTn id="19" presetID="10" presetClass="entr" presetSubtype="0" fill="hold" grpId="0" nodeType="withEffect">
+                                  <p:stCondLst>
+                                    <p:cond delay="0"/>
+                                  </p:stCondLst>
+                                  <p:childTnLst>
+                                    <p:set>
+                                      <p:cBhvr>
+                                        <p:cTn id="20" dur="1" fill="hold">
+                                          <p:stCondLst>
+                                            <p:cond delay="0"/>
+                                          </p:stCondLst>
+                                        </p:cTn>
+                                        <p:tgtEl>
+                                          <p:spTgt spid="7"/>
+                                        </p:tgtEl>
+                                        <p:attrNameLst>
+                                          <p:attrName>style.visibility</p:attrName>
+                                        </p:attrNameLst>
+                                      </p:cBhvr>
+                                      <p:to>
+                                        <p:strVal val="visible"/>
+                                      </p:to>
+                                    </p:set>
+                                    <p:animEffect transition="in" filter="fade">
+                                      <p:cBhvr>
+                                        <p:cTn id="21" dur="500"/>
+                                        <p:tgtEl>
+                                          <p:spTgt spid="7"/>
+                                        </p:tgtEl>
+                                      </p:cBhvr>
+                                    </p:animEffect>
+                                  </p:childTnLst>
+                                </p:cTn>
+                              </p:par>
+                            </p:childTnLst>
+                          </p:cTn>
+                        </p:par>
+                      </p:childTnLst>
+                    </p:cTn>
+                  </p:par>
+                </p:childTnLst>
+              </p:cTn>
+              <p:prevCondLst>
+                <p:cond evt="onPrev" delay="0">
+                  <p:tgtEl>
+                    <p:sldTgt/>
+                  </p:tgtEl>
+                </p:cond>
+              </p:prevCondLst>
+              <p:nextCondLst>
+                <p:cond evt="onNext" delay="0">
+                  <p:tgtEl>
+                    <p:sldTgt/>
+                  </p:tgtEl>
+                </p:cond>
+              </p:nextCondLst>
+            </p:seq>
+          </p:childTnLst>
+        </p:cTn>
+      </p:par>
+    </p:tnLst>
+    <p:bldLst>
+      <p:bldP spid="3" grpId="0" uiExpand="1" build="p" animBg="1"/>
+      <p:bldP spid="5" grpId="0" animBg="1"/>
+      <p:bldP spid="6" grpId="0" animBg="1"/>
+      <p:bldP spid="7" grpId="0" animBg="1"/>
+    </p:bldLst>
+  </p:timing>
+</p:sld>
+</file>
+
+<file path=ppt/slides/slide67.xml><?xml version="1.0" encoding="utf-8"?>
+<p:sld xmlns:a="http://schemas.openxmlformats.org/drawingml/2006/main" xmlns:r="http://schemas.openxmlformats.org/officeDocument/2006/relationships" xmlns:p="http://schemas.openxmlformats.org/presentationml/2006/main">
+  <p:cSld>
+    <p:spTree>
+      <p:nvGrpSpPr>
+        <p:cNvPr id="1" name=""/>
+        <p:cNvGrpSpPr/>
+        <p:nvPr/>
+      </p:nvGrpSpPr>
+      <p:grpSpPr>
+        <a:xfrm>
+          <a:off x="0" y="0"/>
+          <a:ext cx="0" cy="0"/>
+          <a:chOff x="0" y="0"/>
+          <a:chExt cx="0" cy="0"/>
+        </a:xfrm>
+      </p:grpSpPr>
+      <p:sp>
+        <p:nvSpPr>
+          <p:cNvPr id="2" name="Titel 1">
+            <a:extLst>
+              <a:ext uri="{FF2B5EF4-FFF2-40B4-BE49-F238E27FC236}">
+                <a16:creationId xmlns:a16="http://schemas.microsoft.com/office/drawing/2014/main" id="{C39504FA-CB80-92EA-7848-3C06C10C92DE}"/>
+              </a:ext>
+            </a:extLst>
+          </p:cNvPr>
+          <p:cNvSpPr>
+            <a:spLocks noGrp="1"/>
+          </p:cNvSpPr>
+          <p:nvPr>
+            <p:ph type="title"/>
+          </p:nvPr>
+        </p:nvSpPr>
+        <p:spPr>
+          <a:xfrm>
+            <a:off x="1230086" y="685800"/>
+            <a:ext cx="9323615" cy="1371600"/>
+          </a:xfrm>
+        </p:spPr>
+        <p:txBody>
+          <a:bodyPr/>
+          <a:lstStyle/>
+          <a:p>
+            <a:r>
+              <a:rPr lang="de-AT" dirty="0"/>
+              <a:t>Wie löse ich Events aus wenn sich der Zustand der Komponente ändert?</a:t>
+            </a:r>
+          </a:p>
+        </p:txBody>
+      </p:sp>
+      <p:sp>
+        <p:nvSpPr>
+          <p:cNvPr id="3" name="Inhaltsplatzhalter 2">
+            <a:extLst>
+              <a:ext uri="{FF2B5EF4-FFF2-40B4-BE49-F238E27FC236}">
+                <a16:creationId xmlns:a16="http://schemas.microsoft.com/office/drawing/2014/main" id="{FCC558FF-E476-B631-E1F6-F6831FC8E056}"/>
+              </a:ext>
+            </a:extLst>
+          </p:cNvPr>
+          <p:cNvSpPr>
+            <a:spLocks noGrp="1"/>
+          </p:cNvSpPr>
+          <p:nvPr>
+            <p:ph idx="1"/>
+          </p:nvPr>
+        </p:nvSpPr>
+        <p:spPr>
+          <a:xfrm>
+            <a:off x="914399" y="2155371"/>
+            <a:ext cx="7935687" cy="4137259"/>
+          </a:xfrm>
+        </p:spPr>
+        <p:txBody>
+          <a:bodyPr>
+            <a:normAutofit/>
+          </a:bodyPr>
+          <a:lstStyle/>
+          <a:p>
+            <a:r>
+              <a:rPr lang="de-AT" dirty="0"/>
+              <a:t>Beispiel: eine Anwendung, die eine Liste von Items anzeigt und es dem Benutzer ermöglicht, die Items anhand verschiedener Filterkriterien zu sortieren. Wenn der Benutzer bestimmte Filter auswählt, soll die Liste der Benutzer entsprechend aktualisiert werden.</a:t>
+            </a:r>
+          </a:p>
+          <a:p>
+            <a:r>
+              <a:rPr lang="de-AT" dirty="0"/>
+              <a:t>Beispiel: eine </a:t>
+            </a:r>
+            <a:r>
+              <a:rPr lang="de-AT" dirty="0" err="1"/>
+              <a:t>ChatRoom</a:t>
+            </a:r>
+            <a:r>
+              <a:rPr lang="de-AT" dirty="0"/>
+              <a:t>-Komponente, die sich mit dem Chat-Server verbinden muss, wenn sie auf dem Bildschirm sichtbar ist. Es gibt jedoch kein einzelnes bestimmtes Ereignis wie einen Klick, das dazu führt, dass der </a:t>
+            </a:r>
+            <a:r>
+              <a:rPr lang="de-AT" dirty="0" err="1"/>
+              <a:t>ChatRoom</a:t>
+            </a:r>
+            <a:r>
+              <a:rPr lang="de-AT" dirty="0"/>
+              <a:t> angezeigt wird.</a:t>
+            </a:r>
+          </a:p>
+          <a:p>
+            <a:r>
+              <a:rPr lang="de-AT" dirty="0"/>
+              <a:t>Beispiel: Wenn sich der Inhalt eines Warenkorbs ändert, möchten wir bestimmte Aktionen ausführen, wie zum Beispiel die Aktualisierung des Gesamtpreises oder das Speichern des Warenkorbs im lokalen Speicher.</a:t>
+            </a:r>
+          </a:p>
+        </p:txBody>
+      </p:sp>
+      <p:pic>
+        <p:nvPicPr>
+          <p:cNvPr id="5" name="Grafik 4">
+            <a:extLst>
+              <a:ext uri="{FF2B5EF4-FFF2-40B4-BE49-F238E27FC236}">
+                <a16:creationId xmlns:a16="http://schemas.microsoft.com/office/drawing/2014/main" id="{AC230746-6DF0-BBD3-7723-2D80A2D9D439}"/>
+              </a:ext>
+            </a:extLst>
+          </p:cNvPr>
+          <p:cNvPicPr>
+            <a:picLocks noChangeAspect="1"/>
+          </p:cNvPicPr>
+          <p:nvPr/>
+        </p:nvPicPr>
+        <p:blipFill>
+          <a:blip r:embed="rId3"/>
+          <a:stretch>
+            <a:fillRect/>
+          </a:stretch>
+        </p:blipFill>
+        <p:spPr>
+          <a:xfrm>
+            <a:off x="9475758" y="2852057"/>
+            <a:ext cx="2155886" cy="1819418"/>
+          </a:xfrm>
+          <a:prstGeom prst="rect">
+            <a:avLst/>
+          </a:prstGeom>
+        </p:spPr>
+      </p:pic>
+    </p:spTree>
+    <p:extLst>
+      <p:ext uri="{BB962C8B-B14F-4D97-AF65-F5344CB8AC3E}">
+        <p14:creationId xmlns:p14="http://schemas.microsoft.com/office/powerpoint/2010/main" val="2354419464"/>
+      </p:ext>
+    </p:extLst>
+  </p:cSld>
+  <p:clrMapOvr>
+    <a:masterClrMapping/>
+  </p:clrMapOvr>
+</p:sld>
+</file>
+
+<file path=ppt/slides/slide68.xml><?xml version="1.0" encoding="utf-8"?>
+<p:sld xmlns:a="http://schemas.openxmlformats.org/drawingml/2006/main" xmlns:r="http://schemas.openxmlformats.org/officeDocument/2006/relationships" xmlns:p="http://schemas.openxmlformats.org/presentationml/2006/main">
+  <p:cSld>
+    <p:spTree>
+      <p:nvGrpSpPr>
+        <p:cNvPr id="1" name=""/>
+        <p:cNvGrpSpPr/>
+        <p:nvPr/>
+      </p:nvGrpSpPr>
+      <p:grpSpPr>
+        <a:xfrm>
+          <a:off x="0" y="0"/>
+          <a:ext cx="0" cy="0"/>
+          <a:chOff x="0" y="0"/>
+          <a:chExt cx="0" cy="0"/>
+        </a:xfrm>
+      </p:grpSpPr>
+      <p:sp>
+        <p:nvSpPr>
+          <p:cNvPr id="2" name="Titel 1">
+            <a:extLst>
+              <a:ext uri="{FF2B5EF4-FFF2-40B4-BE49-F238E27FC236}">
+                <a16:creationId xmlns:a16="http://schemas.microsoft.com/office/drawing/2014/main" id="{C39504FA-CB80-92EA-7848-3C06C10C92DE}"/>
+              </a:ext>
+            </a:extLst>
+          </p:cNvPr>
+          <p:cNvSpPr>
+            <a:spLocks noGrp="1"/>
+          </p:cNvSpPr>
+          <p:nvPr>
+            <p:ph type="title"/>
+          </p:nvPr>
+        </p:nvSpPr>
+        <p:spPr>
+          <a:xfrm>
+            <a:off x="1230086" y="685800"/>
+            <a:ext cx="9323615" cy="1371600"/>
+          </a:xfrm>
+        </p:spPr>
+        <p:txBody>
+          <a:bodyPr/>
+          <a:lstStyle/>
+          <a:p>
+            <a:r>
+              <a:rPr lang="de-AT" dirty="0" err="1"/>
+              <a:t>React</a:t>
+            </a:r>
+            <a:r>
+              <a:rPr lang="de-AT" dirty="0"/>
+              <a:t> </a:t>
+            </a:r>
+            <a:r>
+              <a:rPr lang="de-AT" dirty="0" err="1"/>
+              <a:t>useEffect</a:t>
+            </a:r>
+            <a:endParaRPr lang="de-AT" dirty="0"/>
+          </a:p>
+        </p:txBody>
+      </p:sp>
+      <p:sp>
+        <p:nvSpPr>
+          <p:cNvPr id="3" name="Inhaltsplatzhalter 2">
+            <a:extLst>
+              <a:ext uri="{FF2B5EF4-FFF2-40B4-BE49-F238E27FC236}">
+                <a16:creationId xmlns:a16="http://schemas.microsoft.com/office/drawing/2014/main" id="{FCC558FF-E476-B631-E1F6-F6831FC8E056}"/>
+              </a:ext>
+            </a:extLst>
+          </p:cNvPr>
+          <p:cNvSpPr>
+            <a:spLocks noGrp="1"/>
+          </p:cNvSpPr>
+          <p:nvPr>
+            <p:ph idx="1"/>
+          </p:nvPr>
+        </p:nvSpPr>
+        <p:spPr>
+          <a:xfrm>
+            <a:off x="478972" y="2034941"/>
+            <a:ext cx="6248399" cy="4365859"/>
+          </a:xfrm>
+        </p:spPr>
+        <p:txBody>
+          <a:bodyPr>
+            <a:normAutofit fontScale="92500" lnSpcReduction="10000"/>
+          </a:bodyPr>
+          <a:lstStyle/>
+          <a:p>
+            <a:r>
+              <a:rPr lang="de-AT" b="1" dirty="0" err="1"/>
+              <a:t>useEffect</a:t>
+            </a:r>
+            <a:r>
+              <a:rPr lang="de-AT" dirty="0"/>
+              <a:t> ermöglicht es, Nebeneffekte in Funktionskomponenten einzubauen.</a:t>
+            </a:r>
+          </a:p>
+          <a:p>
+            <a:r>
+              <a:rPr lang="de-AT" dirty="0"/>
+              <a:t>Es wird </a:t>
+            </a:r>
+            <a:r>
+              <a:rPr lang="de-AT" b="1" dirty="0"/>
+              <a:t>nach</a:t>
+            </a:r>
+            <a:r>
+              <a:rPr lang="de-AT" dirty="0"/>
+              <a:t> dem Rendern einer Komponente ausgeführt und bietet eine Möglichkeit, Code auszuführen, der auf Zustandsänderungen, </a:t>
+            </a:r>
+            <a:r>
+              <a:rPr lang="de-AT" dirty="0" err="1"/>
+              <a:t>Props</a:t>
+            </a:r>
+            <a:r>
+              <a:rPr lang="de-AT" dirty="0"/>
+              <a:t> oder Lebenszyklusevents reagiert.</a:t>
+            </a:r>
+          </a:p>
+          <a:p>
+            <a:r>
+              <a:rPr lang="de-AT" dirty="0"/>
+              <a:t>Mit </a:t>
+            </a:r>
+            <a:r>
+              <a:rPr lang="de-AT" dirty="0" err="1"/>
+              <a:t>useEffect</a:t>
+            </a:r>
+            <a:r>
+              <a:rPr lang="de-AT" dirty="0"/>
+              <a:t> können wir spezielle Operationen durchführen, wie Daten laden, Abonnements einrichten oder die DOM-Manipulation durchführen.</a:t>
+            </a:r>
+          </a:p>
+          <a:p>
+            <a:r>
+              <a:rPr lang="de-AT" dirty="0"/>
+              <a:t>Es akzeptiert eine Funktion als erstes Argument, die den Nebeneffekt beschreibt, sowie ein optionales Array von Abhängigkeiten als zweites Argument, um zu steuern, wann der Nebeneffekt ausgeführt wird.</a:t>
+            </a:r>
+          </a:p>
+        </p:txBody>
+      </p:sp>
+      <p:pic>
+        <p:nvPicPr>
+          <p:cNvPr id="8" name="Grafik 7">
+            <a:extLst>
+              <a:ext uri="{FF2B5EF4-FFF2-40B4-BE49-F238E27FC236}">
+                <a16:creationId xmlns:a16="http://schemas.microsoft.com/office/drawing/2014/main" id="{64100142-1AF6-BE5E-354E-3BB47C0D7AD5}"/>
+              </a:ext>
+            </a:extLst>
+          </p:cNvPr>
+          <p:cNvPicPr>
+            <a:picLocks noChangeAspect="1"/>
+          </p:cNvPicPr>
+          <p:nvPr/>
+        </p:nvPicPr>
+        <p:blipFill>
+          <a:blip r:embed="rId3"/>
+          <a:stretch>
+            <a:fillRect/>
+          </a:stretch>
+        </p:blipFill>
+        <p:spPr>
+          <a:xfrm>
+            <a:off x="7040020" y="2176816"/>
+            <a:ext cx="4956038" cy="2623785"/>
+          </a:xfrm>
+          <a:prstGeom prst="rect">
+            <a:avLst/>
+          </a:prstGeom>
+        </p:spPr>
+      </p:pic>
+    </p:spTree>
+    <p:extLst>
+      <p:ext uri="{BB962C8B-B14F-4D97-AF65-F5344CB8AC3E}">
+        <p14:creationId xmlns:p14="http://schemas.microsoft.com/office/powerpoint/2010/main" val="1760198924"/>
+      </p:ext>
+    </p:extLst>
+  </p:cSld>
+  <p:clrMapOvr>
+    <a:masterClrMapping/>
+  </p:clrMapOvr>
+</p:sld>
+</file>
+
+<file path=ppt/slides/slide69.xml><?xml version="1.0" encoding="utf-8"?>
+<p:sld xmlns:a="http://schemas.openxmlformats.org/drawingml/2006/main" xmlns:r="http://schemas.openxmlformats.org/officeDocument/2006/relationships" xmlns:p="http://schemas.openxmlformats.org/presentationml/2006/main">
+  <p:cSld>
+    <p:spTree>
+      <p:nvGrpSpPr>
+        <p:cNvPr id="1" name=""/>
+        <p:cNvGrpSpPr/>
+        <p:nvPr/>
+      </p:nvGrpSpPr>
+      <p:grpSpPr>
+        <a:xfrm>
+          <a:off x="0" y="0"/>
+          <a:ext cx="0" cy="0"/>
+          <a:chOff x="0" y="0"/>
+          <a:chExt cx="0" cy="0"/>
+        </a:xfrm>
+      </p:grpSpPr>
+      <p:sp>
+        <p:nvSpPr>
+          <p:cNvPr id="2" name="Titel 1">
+            <a:extLst>
+              <a:ext uri="{FF2B5EF4-FFF2-40B4-BE49-F238E27FC236}">
+                <a16:creationId xmlns:a16="http://schemas.microsoft.com/office/drawing/2014/main" id="{C39504FA-CB80-92EA-7848-3C06C10C92DE}"/>
+              </a:ext>
+            </a:extLst>
+          </p:cNvPr>
+          <p:cNvSpPr>
+            <a:spLocks noGrp="1"/>
+          </p:cNvSpPr>
+          <p:nvPr>
+            <p:ph type="title"/>
+          </p:nvPr>
+        </p:nvSpPr>
+        <p:spPr>
+          <a:xfrm>
+            <a:off x="1230086" y="685800"/>
+            <a:ext cx="9323615" cy="1371600"/>
+          </a:xfrm>
+        </p:spPr>
+        <p:txBody>
+          <a:bodyPr/>
+          <a:lstStyle/>
+          <a:p>
+            <a:r>
+              <a:rPr lang="de-AT" dirty="0" err="1"/>
+              <a:t>React</a:t>
+            </a:r>
+            <a:r>
+              <a:rPr lang="de-AT" dirty="0"/>
+              <a:t> </a:t>
+            </a:r>
+            <a:r>
+              <a:rPr lang="de-AT" dirty="0" err="1"/>
+              <a:t>useEffect</a:t>
+            </a:r>
+            <a:r>
+              <a:rPr lang="de-AT" dirty="0"/>
+              <a:t> Vorgehen</a:t>
+            </a:r>
+          </a:p>
+        </p:txBody>
+      </p:sp>
+      <p:sp>
+        <p:nvSpPr>
+          <p:cNvPr id="3" name="Inhaltsplatzhalter 2">
+            <a:extLst>
+              <a:ext uri="{FF2B5EF4-FFF2-40B4-BE49-F238E27FC236}">
+                <a16:creationId xmlns:a16="http://schemas.microsoft.com/office/drawing/2014/main" id="{FCC558FF-E476-B631-E1F6-F6831FC8E056}"/>
+              </a:ext>
+            </a:extLst>
+          </p:cNvPr>
+          <p:cNvSpPr>
+            <a:spLocks noGrp="1"/>
+          </p:cNvSpPr>
+          <p:nvPr>
+            <p:ph idx="1"/>
+          </p:nvPr>
+        </p:nvSpPr>
+        <p:spPr>
+          <a:xfrm>
+            <a:off x="478972" y="2034941"/>
+            <a:ext cx="6248399" cy="4365859"/>
+          </a:xfrm>
+        </p:spPr>
+        <p:txBody>
+          <a:bodyPr>
+            <a:normAutofit/>
+          </a:bodyPr>
+          <a:lstStyle/>
+          <a:p>
+            <a:pPr marL="342900" indent="-342900">
+              <a:buFont typeface="+mj-lt"/>
+              <a:buAutoNum type="arabicPeriod"/>
+            </a:pPr>
+            <a:r>
+              <a:rPr lang="de-AT" dirty="0"/>
+              <a:t>Importiere </a:t>
+            </a:r>
+            <a:r>
+              <a:rPr lang="de-AT" dirty="0" err="1"/>
+              <a:t>useEffect</a:t>
+            </a:r>
+            <a:r>
+              <a:rPr lang="de-AT" dirty="0"/>
+              <a:t> aus dem </a:t>
+            </a:r>
+            <a:r>
+              <a:rPr lang="de-AT" dirty="0" err="1"/>
+              <a:t>React</a:t>
+            </a:r>
+            <a:r>
+              <a:rPr lang="de-AT" dirty="0"/>
+              <a:t>-Paket in deiner Datei</a:t>
+            </a:r>
+          </a:p>
+          <a:p>
+            <a:pPr marL="342900" indent="-342900">
+              <a:buFont typeface="+mj-lt"/>
+              <a:buAutoNum type="arabicPeriod"/>
+            </a:pPr>
+            <a:r>
+              <a:rPr lang="de-AT" dirty="0"/>
+              <a:t>Deklariere </a:t>
+            </a:r>
+            <a:r>
+              <a:rPr lang="de-AT" dirty="0" err="1"/>
+              <a:t>useEffect</a:t>
+            </a:r>
+            <a:r>
+              <a:rPr lang="de-AT" dirty="0"/>
+              <a:t> in deiner Funktionskomponente</a:t>
+            </a:r>
+          </a:p>
+          <a:p>
+            <a:pPr marL="342900" indent="-342900">
+              <a:buFont typeface="+mj-lt"/>
+              <a:buAutoNum type="arabicPeriod"/>
+            </a:pPr>
+            <a:r>
+              <a:rPr lang="de-AT" dirty="0"/>
+              <a:t>Innerhalb von </a:t>
+            </a:r>
+            <a:r>
+              <a:rPr lang="de-AT" dirty="0" err="1"/>
+              <a:t>useEffect</a:t>
+            </a:r>
+            <a:r>
+              <a:rPr lang="de-AT" dirty="0"/>
+              <a:t> gibst du eine Funktion an, die den Effekt definiert, den du ausführen möchtest</a:t>
+            </a:r>
+          </a:p>
+          <a:p>
+            <a:pPr marL="342900" indent="-342900">
+              <a:buFont typeface="+mj-lt"/>
+              <a:buAutoNum type="arabicPeriod"/>
+            </a:pPr>
+            <a:r>
+              <a:rPr lang="de-AT" dirty="0"/>
+              <a:t>Optional kannst du ein zweites Argument in Form eines Arrays angeben, um anzugeben, auf welche Abhängigkeiten der Effekt reagieren soll</a:t>
+            </a:r>
+          </a:p>
+        </p:txBody>
+      </p:sp>
+      <p:pic>
+        <p:nvPicPr>
+          <p:cNvPr id="8" name="Grafik 7">
+            <a:extLst>
+              <a:ext uri="{FF2B5EF4-FFF2-40B4-BE49-F238E27FC236}">
+                <a16:creationId xmlns:a16="http://schemas.microsoft.com/office/drawing/2014/main" id="{4882F441-DF4A-824B-5621-B37DACCD92DB}"/>
+              </a:ext>
+            </a:extLst>
+          </p:cNvPr>
+          <p:cNvPicPr>
+            <a:picLocks noChangeAspect="1"/>
+          </p:cNvPicPr>
+          <p:nvPr/>
+        </p:nvPicPr>
+        <p:blipFill>
+          <a:blip r:embed="rId3"/>
+          <a:stretch>
+            <a:fillRect/>
+          </a:stretch>
+        </p:blipFill>
+        <p:spPr>
+          <a:xfrm>
+            <a:off x="7040020" y="2176816"/>
+            <a:ext cx="4956038" cy="2623785"/>
+          </a:xfrm>
+          <a:prstGeom prst="rect">
+            <a:avLst/>
+          </a:prstGeom>
+        </p:spPr>
+      </p:pic>
+    </p:spTree>
+    <p:extLst>
+      <p:ext uri="{BB962C8B-B14F-4D97-AF65-F5344CB8AC3E}">
+        <p14:creationId xmlns:p14="http://schemas.microsoft.com/office/powerpoint/2010/main" val="1361038741"/>
       </p:ext>
     </p:extLst>
   </p:cSld>
@@ -15299,6 +20789,1032 @@
     <p:extLst>
       <p:ext uri="{BB962C8B-B14F-4D97-AF65-F5344CB8AC3E}">
         <p14:creationId xmlns:p14="http://schemas.microsoft.com/office/powerpoint/2010/main" val="4212107108"/>
+      </p:ext>
+    </p:extLst>
+  </p:cSld>
+  <p:clrMapOvr>
+    <a:masterClrMapping/>
+  </p:clrMapOvr>
+</p:sld>
+</file>
+
+<file path=ppt/slides/slide70.xml><?xml version="1.0" encoding="utf-8"?>
+<p:sld xmlns:a="http://schemas.openxmlformats.org/drawingml/2006/main" xmlns:r="http://schemas.openxmlformats.org/officeDocument/2006/relationships" xmlns:p="http://schemas.openxmlformats.org/presentationml/2006/main">
+  <p:cSld>
+    <p:spTree>
+      <p:nvGrpSpPr>
+        <p:cNvPr id="1" name=""/>
+        <p:cNvGrpSpPr/>
+        <p:nvPr/>
+      </p:nvGrpSpPr>
+      <p:grpSpPr>
+        <a:xfrm>
+          <a:off x="0" y="0"/>
+          <a:ext cx="0" cy="0"/>
+          <a:chOff x="0" y="0"/>
+          <a:chExt cx="0" cy="0"/>
+        </a:xfrm>
+      </p:grpSpPr>
+      <p:sp>
+        <p:nvSpPr>
+          <p:cNvPr id="2" name="Titel 1">
+            <a:extLst>
+              <a:ext uri="{FF2B5EF4-FFF2-40B4-BE49-F238E27FC236}">
+                <a16:creationId xmlns:a16="http://schemas.microsoft.com/office/drawing/2014/main" id="{C39504FA-CB80-92EA-7848-3C06C10C92DE}"/>
+              </a:ext>
+            </a:extLst>
+          </p:cNvPr>
+          <p:cNvSpPr>
+            <a:spLocks noGrp="1"/>
+          </p:cNvSpPr>
+          <p:nvPr>
+            <p:ph type="title"/>
+          </p:nvPr>
+        </p:nvSpPr>
+        <p:spPr>
+          <a:xfrm>
+            <a:off x="1230086" y="685800"/>
+            <a:ext cx="9323615" cy="1371600"/>
+          </a:xfrm>
+        </p:spPr>
+        <p:txBody>
+          <a:bodyPr/>
+          <a:lstStyle/>
+          <a:p>
+            <a:r>
+              <a:rPr lang="de-AT" dirty="0" err="1"/>
+              <a:t>React</a:t>
+            </a:r>
+            <a:r>
+              <a:rPr lang="de-AT" dirty="0"/>
+              <a:t> </a:t>
+            </a:r>
+            <a:r>
+              <a:rPr lang="de-AT" dirty="0" err="1"/>
+              <a:t>useEffect</a:t>
+            </a:r>
+            <a:r>
+              <a:rPr lang="de-AT" dirty="0"/>
+              <a:t> Abhängigkeiten</a:t>
+            </a:r>
+          </a:p>
+        </p:txBody>
+      </p:sp>
+      <p:sp>
+        <p:nvSpPr>
+          <p:cNvPr id="3" name="Inhaltsplatzhalter 2">
+            <a:extLst>
+              <a:ext uri="{FF2B5EF4-FFF2-40B4-BE49-F238E27FC236}">
+                <a16:creationId xmlns:a16="http://schemas.microsoft.com/office/drawing/2014/main" id="{FCC558FF-E476-B631-E1F6-F6831FC8E056}"/>
+              </a:ext>
+            </a:extLst>
+          </p:cNvPr>
+          <p:cNvSpPr>
+            <a:spLocks noGrp="1"/>
+          </p:cNvSpPr>
+          <p:nvPr>
+            <p:ph idx="1"/>
+          </p:nvPr>
+        </p:nvSpPr>
+        <p:spPr>
+          <a:xfrm>
+            <a:off x="478972" y="2034941"/>
+            <a:ext cx="6248399" cy="4365859"/>
+          </a:xfrm>
+        </p:spPr>
+        <p:txBody>
+          <a:bodyPr>
+            <a:normAutofit/>
+          </a:bodyPr>
+          <a:lstStyle/>
+          <a:p>
+            <a:r>
+              <a:rPr lang="de-AT" dirty="0"/>
+              <a:t>Abhängigkeiten eines </a:t>
+            </a:r>
+            <a:r>
+              <a:rPr lang="de-AT" dirty="0" err="1"/>
+              <a:t>useEffects</a:t>
+            </a:r>
+            <a:r>
+              <a:rPr lang="de-AT" dirty="0"/>
+              <a:t> werden in Form eines optionalen Arrays, als zweiten Parameter der </a:t>
+            </a:r>
+            <a:r>
+              <a:rPr lang="de-AT" dirty="0" err="1"/>
+              <a:t>useEffect</a:t>
+            </a:r>
+            <a:r>
+              <a:rPr lang="de-AT" dirty="0"/>
+              <a:t> Funktion übergeben</a:t>
+            </a:r>
+          </a:p>
+          <a:p>
+            <a:r>
+              <a:rPr lang="de-AT" dirty="0"/>
+              <a:t>Abhängigkeiten definieren noch genauer wann der Code innerhalb von </a:t>
+            </a:r>
+            <a:r>
+              <a:rPr lang="de-AT" dirty="0" err="1"/>
+              <a:t>useEffect</a:t>
+            </a:r>
+            <a:r>
+              <a:rPr lang="de-AT" dirty="0"/>
+              <a:t> ausgeführt werden soll</a:t>
+            </a:r>
+          </a:p>
+          <a:p>
+            <a:r>
+              <a:rPr lang="de-AT" dirty="0"/>
+              <a:t>Hier gibt es 3 Möglichkeiten:</a:t>
+            </a:r>
+          </a:p>
+          <a:p>
+            <a:pPr lvl="1"/>
+            <a:r>
+              <a:rPr lang="de-AT" dirty="0"/>
+              <a:t>Ohne Angabe von Abhängigkeiten (kein Array)</a:t>
+            </a:r>
+          </a:p>
+          <a:p>
+            <a:pPr lvl="1"/>
+            <a:r>
+              <a:rPr lang="de-AT" dirty="0"/>
+              <a:t>Mit Angabe eines leeren Arrays</a:t>
+            </a:r>
+          </a:p>
+          <a:p>
+            <a:pPr lvl="1"/>
+            <a:r>
+              <a:rPr lang="de-AT" dirty="0"/>
+              <a:t>Mit Angabe eines Arrays, welches </a:t>
+            </a:r>
+            <a:r>
+              <a:rPr lang="de-AT" dirty="0" err="1"/>
+              <a:t>meherer</a:t>
+            </a:r>
+            <a:r>
+              <a:rPr lang="de-AT" dirty="0"/>
+              <a:t> Zustände beinhaltet</a:t>
+            </a:r>
+          </a:p>
+        </p:txBody>
+      </p:sp>
+      <p:pic>
+        <p:nvPicPr>
+          <p:cNvPr id="5" name="Grafik 4">
+            <a:extLst>
+              <a:ext uri="{FF2B5EF4-FFF2-40B4-BE49-F238E27FC236}">
+                <a16:creationId xmlns:a16="http://schemas.microsoft.com/office/drawing/2014/main" id="{EE87E10C-5B67-998B-A7E7-50BB74F93DD9}"/>
+              </a:ext>
+            </a:extLst>
+          </p:cNvPr>
+          <p:cNvPicPr>
+            <a:picLocks noChangeAspect="1"/>
+          </p:cNvPicPr>
+          <p:nvPr/>
+        </p:nvPicPr>
+        <p:blipFill>
+          <a:blip r:embed="rId3"/>
+          <a:stretch>
+            <a:fillRect/>
+          </a:stretch>
+        </p:blipFill>
+        <p:spPr>
+          <a:xfrm>
+            <a:off x="6727371" y="2193960"/>
+            <a:ext cx="5240416" cy="3306725"/>
+          </a:xfrm>
+          <a:prstGeom prst="rect">
+            <a:avLst/>
+          </a:prstGeom>
+        </p:spPr>
+      </p:pic>
+    </p:spTree>
+    <p:extLst>
+      <p:ext uri="{BB962C8B-B14F-4D97-AF65-F5344CB8AC3E}">
+        <p14:creationId xmlns:p14="http://schemas.microsoft.com/office/powerpoint/2010/main" val="3768015872"/>
+      </p:ext>
+    </p:extLst>
+  </p:cSld>
+  <p:clrMapOvr>
+    <a:masterClrMapping/>
+  </p:clrMapOvr>
+</p:sld>
+</file>
+
+<file path=ppt/slides/slide71.xml><?xml version="1.0" encoding="utf-8"?>
+<p:sld xmlns:a="http://schemas.openxmlformats.org/drawingml/2006/main" xmlns:r="http://schemas.openxmlformats.org/officeDocument/2006/relationships" xmlns:p="http://schemas.openxmlformats.org/presentationml/2006/main">
+  <p:cSld>
+    <p:spTree>
+      <p:nvGrpSpPr>
+        <p:cNvPr id="1" name=""/>
+        <p:cNvGrpSpPr/>
+        <p:nvPr/>
+      </p:nvGrpSpPr>
+      <p:grpSpPr>
+        <a:xfrm>
+          <a:off x="0" y="0"/>
+          <a:ext cx="0" cy="0"/>
+          <a:chOff x="0" y="0"/>
+          <a:chExt cx="0" cy="0"/>
+        </a:xfrm>
+      </p:grpSpPr>
+      <p:pic>
+        <p:nvPicPr>
+          <p:cNvPr id="7" name="Grafik 6">
+            <a:extLst>
+              <a:ext uri="{FF2B5EF4-FFF2-40B4-BE49-F238E27FC236}">
+                <a16:creationId xmlns:a16="http://schemas.microsoft.com/office/drawing/2014/main" id="{997BF32E-226A-4B9A-0547-A9F4216098AD}"/>
+              </a:ext>
+            </a:extLst>
+          </p:cNvPr>
+          <p:cNvPicPr>
+            <a:picLocks noChangeAspect="1"/>
+          </p:cNvPicPr>
+          <p:nvPr/>
+        </p:nvPicPr>
+        <p:blipFill>
+          <a:blip r:embed="rId3"/>
+          <a:stretch>
+            <a:fillRect/>
+          </a:stretch>
+        </p:blipFill>
+        <p:spPr>
+          <a:xfrm>
+            <a:off x="275153" y="259293"/>
+            <a:ext cx="4224267" cy="2236377"/>
+          </a:xfrm>
+          <a:prstGeom prst="rect">
+            <a:avLst/>
+          </a:prstGeom>
+        </p:spPr>
+      </p:pic>
+      <p:pic>
+        <p:nvPicPr>
+          <p:cNvPr id="6" name="Grafik 5">
+            <a:extLst>
+              <a:ext uri="{FF2B5EF4-FFF2-40B4-BE49-F238E27FC236}">
+                <a16:creationId xmlns:a16="http://schemas.microsoft.com/office/drawing/2014/main" id="{F58B145C-398E-73DB-9E5A-A8D281BF82FD}"/>
+              </a:ext>
+            </a:extLst>
+          </p:cNvPr>
+          <p:cNvPicPr>
+            <a:picLocks noChangeAspect="1"/>
+          </p:cNvPicPr>
+          <p:nvPr/>
+        </p:nvPicPr>
+        <p:blipFill>
+          <a:blip r:embed="rId4"/>
+          <a:stretch>
+            <a:fillRect/>
+          </a:stretch>
+        </p:blipFill>
+        <p:spPr>
+          <a:xfrm>
+            <a:off x="3460232" y="1771042"/>
+            <a:ext cx="4428294" cy="2549357"/>
+          </a:xfrm>
+          <a:prstGeom prst="rect">
+            <a:avLst/>
+          </a:prstGeom>
+        </p:spPr>
+      </p:pic>
+      <p:pic>
+        <p:nvPicPr>
+          <p:cNvPr id="5" name="Grafik 4">
+            <a:extLst>
+              <a:ext uri="{FF2B5EF4-FFF2-40B4-BE49-F238E27FC236}">
+                <a16:creationId xmlns:a16="http://schemas.microsoft.com/office/drawing/2014/main" id="{EE87E10C-5B67-998B-A7E7-50BB74F93DD9}"/>
+              </a:ext>
+            </a:extLst>
+          </p:cNvPr>
+          <p:cNvPicPr>
+            <a:picLocks noChangeAspect="1"/>
+          </p:cNvPicPr>
+          <p:nvPr/>
+        </p:nvPicPr>
+        <p:blipFill>
+          <a:blip r:embed="rId5"/>
+          <a:stretch>
+            <a:fillRect/>
+          </a:stretch>
+        </p:blipFill>
+        <p:spPr>
+          <a:xfrm>
+            <a:off x="7743999" y="3162823"/>
+            <a:ext cx="4194620" cy="2646823"/>
+          </a:xfrm>
+          <a:prstGeom prst="rect">
+            <a:avLst/>
+          </a:prstGeom>
+        </p:spPr>
+      </p:pic>
+      <p:sp>
+        <p:nvSpPr>
+          <p:cNvPr id="8" name="Textfeld 7">
+            <a:extLst>
+              <a:ext uri="{FF2B5EF4-FFF2-40B4-BE49-F238E27FC236}">
+                <a16:creationId xmlns:a16="http://schemas.microsoft.com/office/drawing/2014/main" id="{E2234ADE-C28E-E5FA-0EF9-1BD5791620DF}"/>
+              </a:ext>
+            </a:extLst>
+          </p:cNvPr>
+          <p:cNvSpPr txBox="1"/>
+          <p:nvPr/>
+        </p:nvSpPr>
+        <p:spPr>
+          <a:xfrm>
+            <a:off x="198953" y="2516492"/>
+            <a:ext cx="3185079" cy="646331"/>
+          </a:xfrm>
+          <a:prstGeom prst="rect">
+            <a:avLst/>
+          </a:prstGeom>
+          <a:noFill/>
+        </p:spPr>
+        <p:txBody>
+          <a:bodyPr wrap="square" rtlCol="0">
+            <a:spAutoFit/>
+          </a:bodyPr>
+          <a:lstStyle/>
+          <a:p>
+            <a:r>
+              <a:rPr lang="de-AT" sz="1200" dirty="0"/>
+              <a:t>Ohne Angabe eines Arrays:</a:t>
+            </a:r>
+            <a:br>
+              <a:rPr lang="de-AT" sz="1200" dirty="0"/>
+            </a:br>
+            <a:r>
+              <a:rPr lang="de-AT" sz="1200" dirty="0"/>
+              <a:t>Code wird immer ausgeführt nachdem die Komponente neu gerendert wurde</a:t>
+            </a:r>
+          </a:p>
+        </p:txBody>
+      </p:sp>
+      <p:sp>
+        <p:nvSpPr>
+          <p:cNvPr id="9" name="Textfeld 8">
+            <a:extLst>
+              <a:ext uri="{FF2B5EF4-FFF2-40B4-BE49-F238E27FC236}">
+                <a16:creationId xmlns:a16="http://schemas.microsoft.com/office/drawing/2014/main" id="{E9194284-15B7-A418-74E1-7D230164FE18}"/>
+              </a:ext>
+            </a:extLst>
+          </p:cNvPr>
+          <p:cNvSpPr txBox="1"/>
+          <p:nvPr/>
+        </p:nvSpPr>
+        <p:spPr>
+          <a:xfrm>
+            <a:off x="3384032" y="4320399"/>
+            <a:ext cx="3833197" cy="646331"/>
+          </a:xfrm>
+          <a:prstGeom prst="rect">
+            <a:avLst/>
+          </a:prstGeom>
+          <a:noFill/>
+        </p:spPr>
+        <p:txBody>
+          <a:bodyPr wrap="square" rtlCol="0">
+            <a:spAutoFit/>
+          </a:bodyPr>
+          <a:lstStyle/>
+          <a:p>
+            <a:r>
+              <a:rPr lang="de-AT" sz="1200" dirty="0"/>
+              <a:t>Angabe eines leeren Arrays:</a:t>
+            </a:r>
+            <a:br>
+              <a:rPr lang="de-AT" sz="1200" dirty="0"/>
+            </a:br>
+            <a:r>
+              <a:rPr lang="de-AT" sz="1200" dirty="0"/>
+              <a:t>Code wird nur ausgeführt, nachdem die Komponente zum ersten Mal gerendert wurde</a:t>
+            </a:r>
+          </a:p>
+        </p:txBody>
+      </p:sp>
+      <p:sp>
+        <p:nvSpPr>
+          <p:cNvPr id="10" name="Textfeld 9">
+            <a:extLst>
+              <a:ext uri="{FF2B5EF4-FFF2-40B4-BE49-F238E27FC236}">
+                <a16:creationId xmlns:a16="http://schemas.microsoft.com/office/drawing/2014/main" id="{4CF8D294-94E0-70ED-7B22-3E6DD88A2C3A}"/>
+              </a:ext>
+            </a:extLst>
+          </p:cNvPr>
+          <p:cNvSpPr txBox="1"/>
+          <p:nvPr/>
+        </p:nvSpPr>
+        <p:spPr>
+          <a:xfrm>
+            <a:off x="7651232" y="5800656"/>
+            <a:ext cx="3833197" cy="646331"/>
+          </a:xfrm>
+          <a:prstGeom prst="rect">
+            <a:avLst/>
+          </a:prstGeom>
+          <a:noFill/>
+        </p:spPr>
+        <p:txBody>
+          <a:bodyPr wrap="square" rtlCol="0">
+            <a:spAutoFit/>
+          </a:bodyPr>
+          <a:lstStyle/>
+          <a:p>
+            <a:r>
+              <a:rPr lang="de-AT" sz="1200" dirty="0"/>
+              <a:t>Angabe eines Arrays mit Zuständen:</a:t>
+            </a:r>
+            <a:br>
+              <a:rPr lang="de-AT" sz="1200" dirty="0"/>
+            </a:br>
+            <a:r>
+              <a:rPr lang="de-AT" sz="1200" dirty="0"/>
+              <a:t>Code wird immer ausgeführt, wenn mindestens einer der angegeben Zustände sich geändert hat</a:t>
+            </a:r>
+          </a:p>
+        </p:txBody>
+      </p:sp>
+    </p:spTree>
+    <p:extLst>
+      <p:ext uri="{BB962C8B-B14F-4D97-AF65-F5344CB8AC3E}">
+        <p14:creationId xmlns:p14="http://schemas.microsoft.com/office/powerpoint/2010/main" val="4236954215"/>
+      </p:ext>
+    </p:extLst>
+  </p:cSld>
+  <p:clrMapOvr>
+    <a:masterClrMapping/>
+  </p:clrMapOvr>
+  <p:timing>
+    <p:tnLst>
+      <p:par>
+        <p:cTn id="1" dur="indefinite" restart="never" nodeType="tmRoot">
+          <p:childTnLst>
+            <p:seq concurrent="1" nextAc="seek">
+              <p:cTn id="2" dur="indefinite" nodeType="mainSeq">
+                <p:childTnLst>
+                  <p:par>
+                    <p:cTn id="3" fill="hold">
+                      <p:stCondLst>
+                        <p:cond delay="indefinite"/>
+                      </p:stCondLst>
+                      <p:childTnLst>
+                        <p:par>
+                          <p:cTn id="4" fill="hold">
+                            <p:stCondLst>
+                              <p:cond delay="0"/>
+                            </p:stCondLst>
+                            <p:childTnLst>
+                              <p:par>
+                                <p:cTn id="5" presetID="10" presetClass="entr" presetSubtype="0" fill="hold" nodeType="clickEffect">
+                                  <p:stCondLst>
+                                    <p:cond delay="0"/>
+                                  </p:stCondLst>
+                                  <p:childTnLst>
+                                    <p:set>
+                                      <p:cBhvr>
+                                        <p:cTn id="6" dur="1" fill="hold">
+                                          <p:stCondLst>
+                                            <p:cond delay="0"/>
+                                          </p:stCondLst>
+                                        </p:cTn>
+                                        <p:tgtEl>
+                                          <p:spTgt spid="7"/>
+                                        </p:tgtEl>
+                                        <p:attrNameLst>
+                                          <p:attrName>style.visibility</p:attrName>
+                                        </p:attrNameLst>
+                                      </p:cBhvr>
+                                      <p:to>
+                                        <p:strVal val="visible"/>
+                                      </p:to>
+                                    </p:set>
+                                    <p:animEffect transition="in" filter="fade">
+                                      <p:cBhvr>
+                                        <p:cTn id="7" dur="500"/>
+                                        <p:tgtEl>
+                                          <p:spTgt spid="7"/>
+                                        </p:tgtEl>
+                                      </p:cBhvr>
+                                    </p:animEffect>
+                                  </p:childTnLst>
+                                </p:cTn>
+                              </p:par>
+                              <p:par>
+                                <p:cTn id="8" presetID="10" presetClass="entr" presetSubtype="0" fill="hold" grpId="0" nodeType="withEffect">
+                                  <p:stCondLst>
+                                    <p:cond delay="0"/>
+                                  </p:stCondLst>
+                                  <p:childTnLst>
+                                    <p:set>
+                                      <p:cBhvr>
+                                        <p:cTn id="9" dur="1" fill="hold">
+                                          <p:stCondLst>
+                                            <p:cond delay="0"/>
+                                          </p:stCondLst>
+                                        </p:cTn>
+                                        <p:tgtEl>
+                                          <p:spTgt spid="8"/>
+                                        </p:tgtEl>
+                                        <p:attrNameLst>
+                                          <p:attrName>style.visibility</p:attrName>
+                                        </p:attrNameLst>
+                                      </p:cBhvr>
+                                      <p:to>
+                                        <p:strVal val="visible"/>
+                                      </p:to>
+                                    </p:set>
+                                    <p:animEffect transition="in" filter="fade">
+                                      <p:cBhvr>
+                                        <p:cTn id="10" dur="500"/>
+                                        <p:tgtEl>
+                                          <p:spTgt spid="8"/>
+                                        </p:tgtEl>
+                                      </p:cBhvr>
+                                    </p:animEffect>
+                                  </p:childTnLst>
+                                </p:cTn>
+                              </p:par>
+                            </p:childTnLst>
+                          </p:cTn>
+                        </p:par>
+                      </p:childTnLst>
+                    </p:cTn>
+                  </p:par>
+                  <p:par>
+                    <p:cTn id="11" fill="hold">
+                      <p:stCondLst>
+                        <p:cond delay="indefinite"/>
+                      </p:stCondLst>
+                      <p:childTnLst>
+                        <p:par>
+                          <p:cTn id="12" fill="hold">
+                            <p:stCondLst>
+                              <p:cond delay="0"/>
+                            </p:stCondLst>
+                            <p:childTnLst>
+                              <p:par>
+                                <p:cTn id="13" presetID="10" presetClass="entr" presetSubtype="0" fill="hold" nodeType="clickEffect">
+                                  <p:stCondLst>
+                                    <p:cond delay="0"/>
+                                  </p:stCondLst>
+                                  <p:childTnLst>
+                                    <p:set>
+                                      <p:cBhvr>
+                                        <p:cTn id="14" dur="1" fill="hold">
+                                          <p:stCondLst>
+                                            <p:cond delay="0"/>
+                                          </p:stCondLst>
+                                        </p:cTn>
+                                        <p:tgtEl>
+                                          <p:spTgt spid="6"/>
+                                        </p:tgtEl>
+                                        <p:attrNameLst>
+                                          <p:attrName>style.visibility</p:attrName>
+                                        </p:attrNameLst>
+                                      </p:cBhvr>
+                                      <p:to>
+                                        <p:strVal val="visible"/>
+                                      </p:to>
+                                    </p:set>
+                                    <p:animEffect transition="in" filter="fade">
+                                      <p:cBhvr>
+                                        <p:cTn id="15" dur="500"/>
+                                        <p:tgtEl>
+                                          <p:spTgt spid="6"/>
+                                        </p:tgtEl>
+                                      </p:cBhvr>
+                                    </p:animEffect>
+                                  </p:childTnLst>
+                                </p:cTn>
+                              </p:par>
+                              <p:par>
+                                <p:cTn id="16" presetID="10" presetClass="entr" presetSubtype="0" fill="hold" grpId="0" nodeType="withEffect">
+                                  <p:stCondLst>
+                                    <p:cond delay="0"/>
+                                  </p:stCondLst>
+                                  <p:childTnLst>
+                                    <p:set>
+                                      <p:cBhvr>
+                                        <p:cTn id="17" dur="1" fill="hold">
+                                          <p:stCondLst>
+                                            <p:cond delay="0"/>
+                                          </p:stCondLst>
+                                        </p:cTn>
+                                        <p:tgtEl>
+                                          <p:spTgt spid="9"/>
+                                        </p:tgtEl>
+                                        <p:attrNameLst>
+                                          <p:attrName>style.visibility</p:attrName>
+                                        </p:attrNameLst>
+                                      </p:cBhvr>
+                                      <p:to>
+                                        <p:strVal val="visible"/>
+                                      </p:to>
+                                    </p:set>
+                                    <p:animEffect transition="in" filter="fade">
+                                      <p:cBhvr>
+                                        <p:cTn id="18" dur="500"/>
+                                        <p:tgtEl>
+                                          <p:spTgt spid="9"/>
+                                        </p:tgtEl>
+                                      </p:cBhvr>
+                                    </p:animEffect>
+                                  </p:childTnLst>
+                                </p:cTn>
+                              </p:par>
+                            </p:childTnLst>
+                          </p:cTn>
+                        </p:par>
+                      </p:childTnLst>
+                    </p:cTn>
+                  </p:par>
+                  <p:par>
+                    <p:cTn id="19" fill="hold">
+                      <p:stCondLst>
+                        <p:cond delay="indefinite"/>
+                      </p:stCondLst>
+                      <p:childTnLst>
+                        <p:par>
+                          <p:cTn id="20" fill="hold">
+                            <p:stCondLst>
+                              <p:cond delay="0"/>
+                            </p:stCondLst>
+                            <p:childTnLst>
+                              <p:par>
+                                <p:cTn id="21" presetID="10" presetClass="entr" presetSubtype="0" fill="hold" nodeType="clickEffect">
+                                  <p:stCondLst>
+                                    <p:cond delay="0"/>
+                                  </p:stCondLst>
+                                  <p:childTnLst>
+                                    <p:set>
+                                      <p:cBhvr>
+                                        <p:cTn id="22" dur="1" fill="hold">
+                                          <p:stCondLst>
+                                            <p:cond delay="0"/>
+                                          </p:stCondLst>
+                                        </p:cTn>
+                                        <p:tgtEl>
+                                          <p:spTgt spid="5"/>
+                                        </p:tgtEl>
+                                        <p:attrNameLst>
+                                          <p:attrName>style.visibility</p:attrName>
+                                        </p:attrNameLst>
+                                      </p:cBhvr>
+                                      <p:to>
+                                        <p:strVal val="visible"/>
+                                      </p:to>
+                                    </p:set>
+                                    <p:animEffect transition="in" filter="fade">
+                                      <p:cBhvr>
+                                        <p:cTn id="23" dur="500"/>
+                                        <p:tgtEl>
+                                          <p:spTgt spid="5"/>
+                                        </p:tgtEl>
+                                      </p:cBhvr>
+                                    </p:animEffect>
+                                  </p:childTnLst>
+                                </p:cTn>
+                              </p:par>
+                              <p:par>
+                                <p:cTn id="24" presetID="10" presetClass="entr" presetSubtype="0" fill="hold" grpId="0" nodeType="withEffect">
+                                  <p:stCondLst>
+                                    <p:cond delay="0"/>
+                                  </p:stCondLst>
+                                  <p:childTnLst>
+                                    <p:set>
+                                      <p:cBhvr>
+                                        <p:cTn id="25" dur="1" fill="hold">
+                                          <p:stCondLst>
+                                            <p:cond delay="0"/>
+                                          </p:stCondLst>
+                                        </p:cTn>
+                                        <p:tgtEl>
+                                          <p:spTgt spid="10"/>
+                                        </p:tgtEl>
+                                        <p:attrNameLst>
+                                          <p:attrName>style.visibility</p:attrName>
+                                        </p:attrNameLst>
+                                      </p:cBhvr>
+                                      <p:to>
+                                        <p:strVal val="visible"/>
+                                      </p:to>
+                                    </p:set>
+                                    <p:animEffect transition="in" filter="fade">
+                                      <p:cBhvr>
+                                        <p:cTn id="26" dur="500"/>
+                                        <p:tgtEl>
+                                          <p:spTgt spid="10"/>
+                                        </p:tgtEl>
+                                      </p:cBhvr>
+                                    </p:animEffect>
+                                  </p:childTnLst>
+                                </p:cTn>
+                              </p:par>
+                            </p:childTnLst>
+                          </p:cTn>
+                        </p:par>
+                      </p:childTnLst>
+                    </p:cTn>
+                  </p:par>
+                </p:childTnLst>
+              </p:cTn>
+              <p:prevCondLst>
+                <p:cond evt="onPrev" delay="0">
+                  <p:tgtEl>
+                    <p:sldTgt/>
+                  </p:tgtEl>
+                </p:cond>
+              </p:prevCondLst>
+              <p:nextCondLst>
+                <p:cond evt="onNext" delay="0">
+                  <p:tgtEl>
+                    <p:sldTgt/>
+                  </p:tgtEl>
+                </p:cond>
+              </p:nextCondLst>
+            </p:seq>
+          </p:childTnLst>
+        </p:cTn>
+      </p:par>
+    </p:tnLst>
+    <p:bldLst>
+      <p:bldP spid="8" grpId="0"/>
+      <p:bldP spid="9" grpId="0"/>
+      <p:bldP spid="10" grpId="0"/>
+    </p:bldLst>
+  </p:timing>
+</p:sld>
+</file>
+
+<file path=ppt/slides/slide72.xml><?xml version="1.0" encoding="utf-8"?>
+<p:sld xmlns:a="http://schemas.openxmlformats.org/drawingml/2006/main" xmlns:r="http://schemas.openxmlformats.org/officeDocument/2006/relationships" xmlns:p="http://schemas.openxmlformats.org/presentationml/2006/main">
+  <p:cSld>
+    <p:spTree>
+      <p:nvGrpSpPr>
+        <p:cNvPr id="1" name=""/>
+        <p:cNvGrpSpPr/>
+        <p:nvPr/>
+      </p:nvGrpSpPr>
+      <p:grpSpPr>
+        <a:xfrm>
+          <a:off x="0" y="0"/>
+          <a:ext cx="0" cy="0"/>
+          <a:chOff x="0" y="0"/>
+          <a:chExt cx="0" cy="0"/>
+        </a:xfrm>
+      </p:grpSpPr>
+      <p:sp>
+        <p:nvSpPr>
+          <p:cNvPr id="2" name="Titel 1">
+            <a:extLst>
+              <a:ext uri="{FF2B5EF4-FFF2-40B4-BE49-F238E27FC236}">
+                <a16:creationId xmlns:a16="http://schemas.microsoft.com/office/drawing/2014/main" id="{C39504FA-CB80-92EA-7848-3C06C10C92DE}"/>
+              </a:ext>
+            </a:extLst>
+          </p:cNvPr>
+          <p:cNvSpPr>
+            <a:spLocks noGrp="1"/>
+          </p:cNvSpPr>
+          <p:nvPr>
+            <p:ph type="title"/>
+          </p:nvPr>
+        </p:nvSpPr>
+        <p:spPr>
+          <a:xfrm>
+            <a:off x="1230086" y="685800"/>
+            <a:ext cx="9323615" cy="1371600"/>
+          </a:xfrm>
+        </p:spPr>
+        <p:txBody>
+          <a:bodyPr/>
+          <a:lstStyle/>
+          <a:p>
+            <a:r>
+              <a:rPr lang="de-AT" dirty="0"/>
+              <a:t>Übung zu </a:t>
+            </a:r>
+            <a:r>
+              <a:rPr lang="de-AT" dirty="0" err="1"/>
+              <a:t>React</a:t>
+            </a:r>
+            <a:r>
+              <a:rPr lang="de-AT" dirty="0"/>
+              <a:t> </a:t>
+            </a:r>
+            <a:r>
+              <a:rPr lang="de-AT" dirty="0" err="1"/>
+              <a:t>useEffect</a:t>
+            </a:r>
+            <a:endParaRPr lang="de-AT" dirty="0"/>
+          </a:p>
+        </p:txBody>
+      </p:sp>
+      <p:sp>
+        <p:nvSpPr>
+          <p:cNvPr id="3" name="Inhaltsplatzhalter 2">
+            <a:extLst>
+              <a:ext uri="{FF2B5EF4-FFF2-40B4-BE49-F238E27FC236}">
+                <a16:creationId xmlns:a16="http://schemas.microsoft.com/office/drawing/2014/main" id="{FCC558FF-E476-B631-E1F6-F6831FC8E056}"/>
+              </a:ext>
+            </a:extLst>
+          </p:cNvPr>
+          <p:cNvSpPr>
+            <a:spLocks noGrp="1"/>
+          </p:cNvSpPr>
+          <p:nvPr>
+            <p:ph idx="1"/>
+          </p:nvPr>
+        </p:nvSpPr>
+        <p:spPr>
+          <a:xfrm>
+            <a:off x="762000" y="2068286"/>
+            <a:ext cx="8305800" cy="4365859"/>
+          </a:xfrm>
+        </p:spPr>
+        <p:txBody>
+          <a:bodyPr>
+            <a:normAutofit/>
+          </a:bodyPr>
+          <a:lstStyle/>
+          <a:p>
+            <a:r>
+              <a:rPr lang="de-AT" dirty="0"/>
+              <a:t>Füge zusätzliche Nebeneffekte (</a:t>
+            </a:r>
+            <a:r>
+              <a:rPr lang="de-AT" dirty="0" err="1"/>
+              <a:t>useEffect</a:t>
+            </a:r>
+            <a:r>
+              <a:rPr lang="de-AT" dirty="0"/>
+              <a:t>) in deiner Counter App ein</a:t>
+            </a:r>
+          </a:p>
+          <a:p>
+            <a:r>
+              <a:rPr lang="de-AT" dirty="0"/>
+              <a:t>Jedes mal wenn die Komponente neu gerendert wird gib den Text „Komponente wurde neu gerendert“ in der Konsole aus</a:t>
+            </a:r>
+          </a:p>
+          <a:p>
+            <a:r>
+              <a:rPr lang="de-AT" dirty="0"/>
+              <a:t>Jedes Mal wenn die Komponente gemountet wird (zum ersten mal gerendert) gib den Text „Komponente wurde gemountet“ in der Konsole aus</a:t>
+            </a:r>
+          </a:p>
+          <a:p>
+            <a:r>
+              <a:rPr lang="de-AT" dirty="0"/>
+              <a:t>Jedes Mal wenn sich der Zustand des Counters ändert, gib den Text „Counter: “ + Wert des Zustands in der Konsole aus</a:t>
+            </a:r>
+          </a:p>
+        </p:txBody>
+      </p:sp>
+      <p:pic>
+        <p:nvPicPr>
+          <p:cNvPr id="4" name="Grafik 3">
+            <a:extLst>
+              <a:ext uri="{FF2B5EF4-FFF2-40B4-BE49-F238E27FC236}">
+                <a16:creationId xmlns:a16="http://schemas.microsoft.com/office/drawing/2014/main" id="{98C88BF7-CD26-C7A7-B60C-F0C8F861FF1E}"/>
+              </a:ext>
+            </a:extLst>
+          </p:cNvPr>
+          <p:cNvPicPr>
+            <a:picLocks noChangeAspect="1"/>
+          </p:cNvPicPr>
+          <p:nvPr/>
+        </p:nvPicPr>
+        <p:blipFill rotWithShape="1">
+          <a:blip r:embed="rId3"/>
+          <a:srcRect l="1" r="8223"/>
+          <a:stretch/>
+        </p:blipFill>
+        <p:spPr>
+          <a:xfrm>
+            <a:off x="9465208" y="2233445"/>
+            <a:ext cx="2176985" cy="2391109"/>
+          </a:xfrm>
+          <a:prstGeom prst="rect">
+            <a:avLst/>
+          </a:prstGeom>
+        </p:spPr>
+      </p:pic>
+    </p:spTree>
+    <p:extLst>
+      <p:ext uri="{BB962C8B-B14F-4D97-AF65-F5344CB8AC3E}">
+        <p14:creationId xmlns:p14="http://schemas.microsoft.com/office/powerpoint/2010/main" val="807104985"/>
+      </p:ext>
+    </p:extLst>
+  </p:cSld>
+  <p:clrMapOvr>
+    <a:masterClrMapping/>
+  </p:clrMapOvr>
+</p:sld>
+</file>
+
+<file path=ppt/slides/slide73.xml><?xml version="1.0" encoding="utf-8"?>
+<p:sld xmlns:a="http://schemas.openxmlformats.org/drawingml/2006/main" xmlns:r="http://schemas.openxmlformats.org/officeDocument/2006/relationships" xmlns:p="http://schemas.openxmlformats.org/presentationml/2006/main">
+  <p:cSld>
+    <p:spTree>
+      <p:nvGrpSpPr>
+        <p:cNvPr id="1" name=""/>
+        <p:cNvGrpSpPr/>
+        <p:nvPr/>
+      </p:nvGrpSpPr>
+      <p:grpSpPr>
+        <a:xfrm>
+          <a:off x="0" y="0"/>
+          <a:ext cx="0" cy="0"/>
+          <a:chOff x="0" y="0"/>
+          <a:chExt cx="0" cy="0"/>
+        </a:xfrm>
+      </p:grpSpPr>
+      <p:sp>
+        <p:nvSpPr>
+          <p:cNvPr id="6" name="Titel 5">
+            <a:extLst>
+              <a:ext uri="{FF2B5EF4-FFF2-40B4-BE49-F238E27FC236}">
+                <a16:creationId xmlns:a16="http://schemas.microsoft.com/office/drawing/2014/main" id="{215C6C17-3994-268F-CD9B-1F627A31A4B8}"/>
+              </a:ext>
+            </a:extLst>
+          </p:cNvPr>
+          <p:cNvSpPr>
+            <a:spLocks noGrp="1"/>
+          </p:cNvSpPr>
+          <p:nvPr>
+            <p:ph type="ctrTitle"/>
+          </p:nvPr>
+        </p:nvSpPr>
+        <p:spPr>
+          <a:xfrm>
+            <a:off x="2032213" y="370652"/>
+            <a:ext cx="8127574" cy="2736443"/>
+          </a:xfrm>
+        </p:spPr>
+        <p:txBody>
+          <a:bodyPr/>
+          <a:lstStyle/>
+          <a:p>
+            <a:r>
+              <a:rPr lang="de-AT" dirty="0"/>
+              <a:t>Viel Erfolg beim Entwickeln!</a:t>
+            </a:r>
+          </a:p>
+        </p:txBody>
+      </p:sp>
+      <p:pic>
+        <p:nvPicPr>
+          <p:cNvPr id="2050" name="Picture 2" descr="CODERS.BAY | Linz">
+            <a:extLst>
+              <a:ext uri="{FF2B5EF4-FFF2-40B4-BE49-F238E27FC236}">
+                <a16:creationId xmlns:a16="http://schemas.microsoft.com/office/drawing/2014/main" id="{FC92A2D7-CD40-5160-E3FA-7A115A1ECE63}"/>
+              </a:ext>
+            </a:extLst>
+          </p:cNvPr>
+          <p:cNvPicPr>
+            <a:picLocks noChangeAspect="1" noChangeArrowheads="1"/>
+          </p:cNvPicPr>
+          <p:nvPr/>
+        </p:nvPicPr>
+        <p:blipFill>
+          <a:blip r:embed="rId2">
+            <a:extLst>
+              <a:ext uri="{28A0092B-C50C-407E-A947-70E740481C1C}">
+                <a14:useLocalDpi xmlns:a14="http://schemas.microsoft.com/office/drawing/2010/main" val="0"/>
+              </a:ext>
+            </a:extLst>
+          </a:blip>
+          <a:srcRect/>
+          <a:stretch>
+            <a:fillRect/>
+          </a:stretch>
+        </p:blipFill>
+        <p:spPr bwMode="auto">
+          <a:xfrm>
+            <a:off x="5342119" y="3768185"/>
+            <a:ext cx="1507761" cy="1507761"/>
+          </a:xfrm>
+          <a:prstGeom prst="rect">
+            <a:avLst/>
+          </a:prstGeom>
+          <a:noFill/>
+          <a:extLst>
+            <a:ext uri="{909E8E84-426E-40DD-AFC4-6F175D3DCCD1}">
+              <a14:hiddenFill xmlns:a14="http://schemas.microsoft.com/office/drawing/2010/main">
+                <a:solidFill>
+                  <a:srgbClr val="FFFFFF"/>
+                </a:solidFill>
+              </a14:hiddenFill>
+            </a:ext>
+          </a:extLst>
+        </p:spPr>
+      </p:pic>
+    </p:spTree>
+    <p:extLst>
+      <p:ext uri="{BB962C8B-B14F-4D97-AF65-F5344CB8AC3E}">
+        <p14:creationId xmlns:p14="http://schemas.microsoft.com/office/powerpoint/2010/main" val="2872145444"/>
       </p:ext>
     </p:extLst>
   </p:cSld>

--- a/9. React/React.pptx
+++ b/9. React/React.pptx
@@ -5,7 +5,7 @@
     <p:sldMasterId id="2147483686" r:id="rId1"/>
   </p:sldMasterIdLst>
   <p:notesMasterIdLst>
-    <p:notesMasterId r:id="rId75"/>
+    <p:notesMasterId r:id="rId100"/>
   </p:notesMasterIdLst>
   <p:sldIdLst>
     <p:sldId id="256" r:id="rId2"/>
@@ -80,7 +80,32 @@
     <p:sldId id="592" r:id="rId71"/>
     <p:sldId id="593" r:id="rId72"/>
     <p:sldId id="594" r:id="rId73"/>
-    <p:sldId id="292" r:id="rId74"/>
+    <p:sldId id="595" r:id="rId74"/>
+    <p:sldId id="608" r:id="rId75"/>
+    <p:sldId id="610" r:id="rId76"/>
+    <p:sldId id="609" r:id="rId77"/>
+    <p:sldId id="611" r:id="rId78"/>
+    <p:sldId id="612" r:id="rId79"/>
+    <p:sldId id="613" r:id="rId80"/>
+    <p:sldId id="606" r:id="rId81"/>
+    <p:sldId id="614" r:id="rId82"/>
+    <p:sldId id="596" r:id="rId83"/>
+    <p:sldId id="599" r:id="rId84"/>
+    <p:sldId id="615" r:id="rId85"/>
+    <p:sldId id="616" r:id="rId86"/>
+    <p:sldId id="603" r:id="rId87"/>
+    <p:sldId id="604" r:id="rId88"/>
+    <p:sldId id="597" r:id="rId89"/>
+    <p:sldId id="598" r:id="rId90"/>
+    <p:sldId id="619" r:id="rId91"/>
+    <p:sldId id="620" r:id="rId92"/>
+    <p:sldId id="618" r:id="rId93"/>
+    <p:sldId id="621" r:id="rId94"/>
+    <p:sldId id="624" r:id="rId95"/>
+    <p:sldId id="617" r:id="rId96"/>
+    <p:sldId id="622" r:id="rId97"/>
+    <p:sldId id="623" r:id="rId98"/>
+    <p:sldId id="292" r:id="rId99"/>
   </p:sldIdLst>
   <p:sldSz cx="12192000" cy="6858000"/>
   <p:notesSz cx="6858000" cy="9144000"/>
@@ -269,7 +294,7 @@
           <a:p>
             <a:fld id="{4F8CDAC1-6FCA-45D2-8937-C5FBB2AD5D5F}" type="datetimeFigureOut">
               <a:rPr lang="en-US" smtClean="0"/>
-              <a:t>3/5/2024</a:t>
+              <a:t>3/11/2024</a:t>
             </a:fld>
             <a:endParaRPr lang="en-US"/>
           </a:p>
@@ -1169,6 +1194,10 @@
           <a:bodyPr/>
           <a:lstStyle/>
           <a:p>
+            <a:r>
+              <a:rPr lang="de-AT" dirty="0"/>
+              <a:t/>
+            </a:r>
             <a:br>
               <a:rPr lang="de-AT" dirty="0"/>
             </a:br>
@@ -1884,6 +1913,510 @@
 </p:notes>
 </file>
 
+<file path=ppt/notesSlides/notesSlide24.xml><?xml version="1.0" encoding="utf-8"?>
+<p:notes xmlns:a="http://schemas.openxmlformats.org/drawingml/2006/main" xmlns:r="http://schemas.openxmlformats.org/officeDocument/2006/relationships" xmlns:p="http://schemas.openxmlformats.org/presentationml/2006/main">
+  <p:cSld>
+    <p:spTree>
+      <p:nvGrpSpPr>
+        <p:cNvPr id="1" name=""/>
+        <p:cNvGrpSpPr/>
+        <p:nvPr/>
+      </p:nvGrpSpPr>
+      <p:grpSpPr>
+        <a:xfrm>
+          <a:off x="0" y="0"/>
+          <a:ext cx="0" cy="0"/>
+          <a:chOff x="0" y="0"/>
+          <a:chExt cx="0" cy="0"/>
+        </a:xfrm>
+      </p:grpSpPr>
+      <p:sp>
+        <p:nvSpPr>
+          <p:cNvPr id="2" name="Folienbildplatzhalter 1"/>
+          <p:cNvSpPr>
+            <a:spLocks noGrp="1" noRot="1" noChangeAspect="1"/>
+          </p:cNvSpPr>
+          <p:nvPr>
+            <p:ph type="sldImg"/>
+          </p:nvPr>
+        </p:nvSpPr>
+        <p:spPr/>
+      </p:sp>
+      <p:sp>
+        <p:nvSpPr>
+          <p:cNvPr id="3" name="Notizenplatzhalter 2"/>
+          <p:cNvSpPr>
+            <a:spLocks noGrp="1"/>
+          </p:cNvSpPr>
+          <p:nvPr>
+            <p:ph type="body" idx="1"/>
+          </p:nvPr>
+        </p:nvSpPr>
+        <p:spPr/>
+        <p:txBody>
+          <a:bodyPr/>
+          <a:lstStyle/>
+          <a:p>
+            <a:endParaRPr lang="en-US" dirty="0"/>
+          </a:p>
+        </p:txBody>
+      </p:sp>
+      <p:sp>
+        <p:nvSpPr>
+          <p:cNvPr id="4" name="Foliennummernplatzhalter 3"/>
+          <p:cNvSpPr>
+            <a:spLocks noGrp="1"/>
+          </p:cNvSpPr>
+          <p:nvPr>
+            <p:ph type="sldNum" sz="quarter" idx="10"/>
+          </p:nvPr>
+        </p:nvSpPr>
+        <p:spPr/>
+        <p:txBody>
+          <a:bodyPr/>
+          <a:lstStyle/>
+          <a:p>
+            <a:fld id="{626B60C3-44C3-43DA-B37B-CB760CF063AA}" type="slidenum">
+              <a:rPr lang="en-US" smtClean="0"/>
+              <a:t>79</a:t>
+            </a:fld>
+            <a:endParaRPr lang="en-US"/>
+          </a:p>
+        </p:txBody>
+      </p:sp>
+    </p:spTree>
+    <p:extLst>
+      <p:ext uri="{BB962C8B-B14F-4D97-AF65-F5344CB8AC3E}">
+        <p14:creationId xmlns:p14="http://schemas.microsoft.com/office/powerpoint/2010/main" val="1094281313"/>
+      </p:ext>
+    </p:extLst>
+  </p:cSld>
+  <p:clrMapOvr>
+    <a:masterClrMapping/>
+  </p:clrMapOvr>
+</p:notes>
+</file>
+
+<file path=ppt/notesSlides/notesSlide25.xml><?xml version="1.0" encoding="utf-8"?>
+<p:notes xmlns:a="http://schemas.openxmlformats.org/drawingml/2006/main" xmlns:r="http://schemas.openxmlformats.org/officeDocument/2006/relationships" xmlns:p="http://schemas.openxmlformats.org/presentationml/2006/main">
+  <p:cSld>
+    <p:spTree>
+      <p:nvGrpSpPr>
+        <p:cNvPr id="1" name=""/>
+        <p:cNvGrpSpPr/>
+        <p:nvPr/>
+      </p:nvGrpSpPr>
+      <p:grpSpPr>
+        <a:xfrm>
+          <a:off x="0" y="0"/>
+          <a:ext cx="0" cy="0"/>
+          <a:chOff x="0" y="0"/>
+          <a:chExt cx="0" cy="0"/>
+        </a:xfrm>
+      </p:grpSpPr>
+      <p:sp>
+        <p:nvSpPr>
+          <p:cNvPr id="2" name="Folienbildplatzhalter 1"/>
+          <p:cNvSpPr>
+            <a:spLocks noGrp="1" noRot="1" noChangeAspect="1"/>
+          </p:cNvSpPr>
+          <p:nvPr>
+            <p:ph type="sldImg"/>
+          </p:nvPr>
+        </p:nvSpPr>
+        <p:spPr/>
+      </p:sp>
+      <p:sp>
+        <p:nvSpPr>
+          <p:cNvPr id="3" name="Notizenplatzhalter 2"/>
+          <p:cNvSpPr>
+            <a:spLocks noGrp="1"/>
+          </p:cNvSpPr>
+          <p:nvPr>
+            <p:ph type="body" idx="1"/>
+          </p:nvPr>
+        </p:nvSpPr>
+        <p:spPr/>
+        <p:txBody>
+          <a:bodyPr/>
+          <a:lstStyle/>
+          <a:p>
+            <a:endParaRPr lang="en-US" dirty="0"/>
+          </a:p>
+        </p:txBody>
+      </p:sp>
+      <p:sp>
+        <p:nvSpPr>
+          <p:cNvPr id="4" name="Foliennummernplatzhalter 3"/>
+          <p:cNvSpPr>
+            <a:spLocks noGrp="1"/>
+          </p:cNvSpPr>
+          <p:nvPr>
+            <p:ph type="sldNum" sz="quarter" idx="10"/>
+          </p:nvPr>
+        </p:nvSpPr>
+        <p:spPr/>
+        <p:txBody>
+          <a:bodyPr/>
+          <a:lstStyle/>
+          <a:p>
+            <a:fld id="{626B60C3-44C3-43DA-B37B-CB760CF063AA}" type="slidenum">
+              <a:rPr lang="en-US" smtClean="0"/>
+              <a:t>81</a:t>
+            </a:fld>
+            <a:endParaRPr lang="en-US"/>
+          </a:p>
+        </p:txBody>
+      </p:sp>
+    </p:spTree>
+    <p:extLst>
+      <p:ext uri="{BB962C8B-B14F-4D97-AF65-F5344CB8AC3E}">
+        <p14:creationId xmlns:p14="http://schemas.microsoft.com/office/powerpoint/2010/main" val="2128774449"/>
+      </p:ext>
+    </p:extLst>
+  </p:cSld>
+  <p:clrMapOvr>
+    <a:masterClrMapping/>
+  </p:clrMapOvr>
+</p:notes>
+</file>
+
+<file path=ppt/notesSlides/notesSlide26.xml><?xml version="1.0" encoding="utf-8"?>
+<p:notes xmlns:a="http://schemas.openxmlformats.org/drawingml/2006/main" xmlns:r="http://schemas.openxmlformats.org/officeDocument/2006/relationships" xmlns:p="http://schemas.openxmlformats.org/presentationml/2006/main">
+  <p:cSld>
+    <p:spTree>
+      <p:nvGrpSpPr>
+        <p:cNvPr id="1" name=""/>
+        <p:cNvGrpSpPr/>
+        <p:nvPr/>
+      </p:nvGrpSpPr>
+      <p:grpSpPr>
+        <a:xfrm>
+          <a:off x="0" y="0"/>
+          <a:ext cx="0" cy="0"/>
+          <a:chOff x="0" y="0"/>
+          <a:chExt cx="0" cy="0"/>
+        </a:xfrm>
+      </p:grpSpPr>
+      <p:sp>
+        <p:nvSpPr>
+          <p:cNvPr id="2" name="Folienbildplatzhalter 1"/>
+          <p:cNvSpPr>
+            <a:spLocks noGrp="1" noRot="1" noChangeAspect="1"/>
+          </p:cNvSpPr>
+          <p:nvPr>
+            <p:ph type="sldImg"/>
+          </p:nvPr>
+        </p:nvSpPr>
+        <p:spPr/>
+      </p:sp>
+      <p:sp>
+        <p:nvSpPr>
+          <p:cNvPr id="3" name="Notizenplatzhalter 2"/>
+          <p:cNvSpPr>
+            <a:spLocks noGrp="1"/>
+          </p:cNvSpPr>
+          <p:nvPr>
+            <p:ph type="body" idx="1"/>
+          </p:nvPr>
+        </p:nvSpPr>
+        <p:spPr/>
+        <p:txBody>
+          <a:bodyPr/>
+          <a:lstStyle/>
+          <a:p>
+            <a:endParaRPr lang="en-US" dirty="0"/>
+          </a:p>
+        </p:txBody>
+      </p:sp>
+      <p:sp>
+        <p:nvSpPr>
+          <p:cNvPr id="4" name="Foliennummernplatzhalter 3"/>
+          <p:cNvSpPr>
+            <a:spLocks noGrp="1"/>
+          </p:cNvSpPr>
+          <p:nvPr>
+            <p:ph type="sldNum" sz="quarter" idx="10"/>
+          </p:nvPr>
+        </p:nvSpPr>
+        <p:spPr/>
+        <p:txBody>
+          <a:bodyPr/>
+          <a:lstStyle/>
+          <a:p>
+            <a:fld id="{626B60C3-44C3-43DA-B37B-CB760CF063AA}" type="slidenum">
+              <a:rPr lang="en-US" smtClean="0"/>
+              <a:t>82</a:t>
+            </a:fld>
+            <a:endParaRPr lang="en-US"/>
+          </a:p>
+        </p:txBody>
+      </p:sp>
+    </p:spTree>
+    <p:extLst>
+      <p:ext uri="{BB962C8B-B14F-4D97-AF65-F5344CB8AC3E}">
+        <p14:creationId xmlns:p14="http://schemas.microsoft.com/office/powerpoint/2010/main" val="856142870"/>
+      </p:ext>
+    </p:extLst>
+  </p:cSld>
+  <p:clrMapOvr>
+    <a:masterClrMapping/>
+  </p:clrMapOvr>
+</p:notes>
+</file>
+
+<file path=ppt/notesSlides/notesSlide27.xml><?xml version="1.0" encoding="utf-8"?>
+<p:notes xmlns:a="http://schemas.openxmlformats.org/drawingml/2006/main" xmlns:r="http://schemas.openxmlformats.org/officeDocument/2006/relationships" xmlns:p="http://schemas.openxmlformats.org/presentationml/2006/main">
+  <p:cSld>
+    <p:spTree>
+      <p:nvGrpSpPr>
+        <p:cNvPr id="1" name=""/>
+        <p:cNvGrpSpPr/>
+        <p:nvPr/>
+      </p:nvGrpSpPr>
+      <p:grpSpPr>
+        <a:xfrm>
+          <a:off x="0" y="0"/>
+          <a:ext cx="0" cy="0"/>
+          <a:chOff x="0" y="0"/>
+          <a:chExt cx="0" cy="0"/>
+        </a:xfrm>
+      </p:grpSpPr>
+      <p:sp>
+        <p:nvSpPr>
+          <p:cNvPr id="2" name="Folienbildplatzhalter 1"/>
+          <p:cNvSpPr>
+            <a:spLocks noGrp="1" noRot="1" noChangeAspect="1"/>
+          </p:cNvSpPr>
+          <p:nvPr>
+            <p:ph type="sldImg"/>
+          </p:nvPr>
+        </p:nvSpPr>
+        <p:spPr/>
+      </p:sp>
+      <p:sp>
+        <p:nvSpPr>
+          <p:cNvPr id="3" name="Notizenplatzhalter 2"/>
+          <p:cNvSpPr>
+            <a:spLocks noGrp="1"/>
+          </p:cNvSpPr>
+          <p:nvPr>
+            <p:ph type="body" idx="1"/>
+          </p:nvPr>
+        </p:nvSpPr>
+        <p:spPr/>
+        <p:txBody>
+          <a:bodyPr/>
+          <a:lstStyle/>
+          <a:p>
+            <a:endParaRPr lang="en-US" dirty="0"/>
+          </a:p>
+        </p:txBody>
+      </p:sp>
+      <p:sp>
+        <p:nvSpPr>
+          <p:cNvPr id="4" name="Foliennummernplatzhalter 3"/>
+          <p:cNvSpPr>
+            <a:spLocks noGrp="1"/>
+          </p:cNvSpPr>
+          <p:nvPr>
+            <p:ph type="sldNum" sz="quarter" idx="10"/>
+          </p:nvPr>
+        </p:nvSpPr>
+        <p:spPr/>
+        <p:txBody>
+          <a:bodyPr/>
+          <a:lstStyle/>
+          <a:p>
+            <a:fld id="{626B60C3-44C3-43DA-B37B-CB760CF063AA}" type="slidenum">
+              <a:rPr lang="en-US" smtClean="0"/>
+              <a:t>83</a:t>
+            </a:fld>
+            <a:endParaRPr lang="en-US"/>
+          </a:p>
+        </p:txBody>
+      </p:sp>
+    </p:spTree>
+    <p:extLst>
+      <p:ext uri="{BB962C8B-B14F-4D97-AF65-F5344CB8AC3E}">
+        <p14:creationId xmlns:p14="http://schemas.microsoft.com/office/powerpoint/2010/main" val="1540656701"/>
+      </p:ext>
+    </p:extLst>
+  </p:cSld>
+  <p:clrMapOvr>
+    <a:masterClrMapping/>
+  </p:clrMapOvr>
+</p:notes>
+</file>
+
+<file path=ppt/notesSlides/notesSlide28.xml><?xml version="1.0" encoding="utf-8"?>
+<p:notes xmlns:a="http://schemas.openxmlformats.org/drawingml/2006/main" xmlns:r="http://schemas.openxmlformats.org/officeDocument/2006/relationships" xmlns:p="http://schemas.openxmlformats.org/presentationml/2006/main">
+  <p:cSld>
+    <p:spTree>
+      <p:nvGrpSpPr>
+        <p:cNvPr id="1" name=""/>
+        <p:cNvGrpSpPr/>
+        <p:nvPr/>
+      </p:nvGrpSpPr>
+      <p:grpSpPr>
+        <a:xfrm>
+          <a:off x="0" y="0"/>
+          <a:ext cx="0" cy="0"/>
+          <a:chOff x="0" y="0"/>
+          <a:chExt cx="0" cy="0"/>
+        </a:xfrm>
+      </p:grpSpPr>
+      <p:sp>
+        <p:nvSpPr>
+          <p:cNvPr id="2" name="Folienbildplatzhalter 1"/>
+          <p:cNvSpPr>
+            <a:spLocks noGrp="1" noRot="1" noChangeAspect="1"/>
+          </p:cNvSpPr>
+          <p:nvPr>
+            <p:ph type="sldImg"/>
+          </p:nvPr>
+        </p:nvSpPr>
+        <p:spPr/>
+      </p:sp>
+      <p:sp>
+        <p:nvSpPr>
+          <p:cNvPr id="3" name="Notizenplatzhalter 2"/>
+          <p:cNvSpPr>
+            <a:spLocks noGrp="1"/>
+          </p:cNvSpPr>
+          <p:nvPr>
+            <p:ph type="body" idx="1"/>
+          </p:nvPr>
+        </p:nvSpPr>
+        <p:spPr/>
+        <p:txBody>
+          <a:bodyPr/>
+          <a:lstStyle/>
+          <a:p>
+            <a:endParaRPr lang="en-US" dirty="0"/>
+          </a:p>
+        </p:txBody>
+      </p:sp>
+      <p:sp>
+        <p:nvSpPr>
+          <p:cNvPr id="4" name="Foliennummernplatzhalter 3"/>
+          <p:cNvSpPr>
+            <a:spLocks noGrp="1"/>
+          </p:cNvSpPr>
+          <p:nvPr>
+            <p:ph type="sldNum" sz="quarter" idx="10"/>
+          </p:nvPr>
+        </p:nvSpPr>
+        <p:spPr/>
+        <p:txBody>
+          <a:bodyPr/>
+          <a:lstStyle/>
+          <a:p>
+            <a:fld id="{626B60C3-44C3-43DA-B37B-CB760CF063AA}" type="slidenum">
+              <a:rPr lang="en-US" smtClean="0"/>
+              <a:t>84</a:t>
+            </a:fld>
+            <a:endParaRPr lang="en-US"/>
+          </a:p>
+        </p:txBody>
+      </p:sp>
+    </p:spTree>
+    <p:extLst>
+      <p:ext uri="{BB962C8B-B14F-4D97-AF65-F5344CB8AC3E}">
+        <p14:creationId xmlns:p14="http://schemas.microsoft.com/office/powerpoint/2010/main" val="1803064397"/>
+      </p:ext>
+    </p:extLst>
+  </p:cSld>
+  <p:clrMapOvr>
+    <a:masterClrMapping/>
+  </p:clrMapOvr>
+</p:notes>
+</file>
+
+<file path=ppt/notesSlides/notesSlide29.xml><?xml version="1.0" encoding="utf-8"?>
+<p:notes xmlns:a="http://schemas.openxmlformats.org/drawingml/2006/main" xmlns:r="http://schemas.openxmlformats.org/officeDocument/2006/relationships" xmlns:p="http://schemas.openxmlformats.org/presentationml/2006/main">
+  <p:cSld>
+    <p:spTree>
+      <p:nvGrpSpPr>
+        <p:cNvPr id="1" name=""/>
+        <p:cNvGrpSpPr/>
+        <p:nvPr/>
+      </p:nvGrpSpPr>
+      <p:grpSpPr>
+        <a:xfrm>
+          <a:off x="0" y="0"/>
+          <a:ext cx="0" cy="0"/>
+          <a:chOff x="0" y="0"/>
+          <a:chExt cx="0" cy="0"/>
+        </a:xfrm>
+      </p:grpSpPr>
+      <p:sp>
+        <p:nvSpPr>
+          <p:cNvPr id="2" name="Folienbildplatzhalter 1"/>
+          <p:cNvSpPr>
+            <a:spLocks noGrp="1" noRot="1" noChangeAspect="1"/>
+          </p:cNvSpPr>
+          <p:nvPr>
+            <p:ph type="sldImg"/>
+          </p:nvPr>
+        </p:nvSpPr>
+        <p:spPr/>
+      </p:sp>
+      <p:sp>
+        <p:nvSpPr>
+          <p:cNvPr id="3" name="Notizenplatzhalter 2"/>
+          <p:cNvSpPr>
+            <a:spLocks noGrp="1"/>
+          </p:cNvSpPr>
+          <p:nvPr>
+            <p:ph type="body" idx="1"/>
+          </p:nvPr>
+        </p:nvSpPr>
+        <p:spPr/>
+        <p:txBody>
+          <a:bodyPr/>
+          <a:lstStyle/>
+          <a:p>
+            <a:endParaRPr lang="en-US" dirty="0"/>
+          </a:p>
+        </p:txBody>
+      </p:sp>
+      <p:sp>
+        <p:nvSpPr>
+          <p:cNvPr id="4" name="Foliennummernplatzhalter 3"/>
+          <p:cNvSpPr>
+            <a:spLocks noGrp="1"/>
+          </p:cNvSpPr>
+          <p:nvPr>
+            <p:ph type="sldNum" sz="quarter" idx="10"/>
+          </p:nvPr>
+        </p:nvSpPr>
+        <p:spPr/>
+        <p:txBody>
+          <a:bodyPr/>
+          <a:lstStyle/>
+          <a:p>
+            <a:fld id="{626B60C3-44C3-43DA-B37B-CB760CF063AA}" type="slidenum">
+              <a:rPr lang="en-US" smtClean="0"/>
+              <a:t>85</a:t>
+            </a:fld>
+            <a:endParaRPr lang="en-US"/>
+          </a:p>
+        </p:txBody>
+      </p:sp>
+    </p:spTree>
+    <p:extLst>
+      <p:ext uri="{BB962C8B-B14F-4D97-AF65-F5344CB8AC3E}">
+        <p14:creationId xmlns:p14="http://schemas.microsoft.com/office/powerpoint/2010/main" val="1930029198"/>
+      </p:ext>
+    </p:extLst>
+  </p:cSld>
+  <p:clrMapOvr>
+    <a:masterClrMapping/>
+  </p:clrMapOvr>
+</p:notes>
+</file>
+
 <file path=ppt/notesSlides/notesSlide3.xml><?xml version="1.0" encoding="utf-8"?>
 <p:notes xmlns:a="http://schemas.openxmlformats.org/drawingml/2006/main" xmlns:r="http://schemas.openxmlformats.org/officeDocument/2006/relationships" xmlns:p="http://schemas.openxmlformats.org/presentationml/2006/main">
   <p:cSld>
@@ -1959,6 +2492,446 @@
     <p:extLst>
       <p:ext uri="{BB962C8B-B14F-4D97-AF65-F5344CB8AC3E}">
         <p14:creationId xmlns:p14="http://schemas.microsoft.com/office/powerpoint/2010/main" val="1496091221"/>
+      </p:ext>
+    </p:extLst>
+  </p:cSld>
+  <p:clrMapOvr>
+    <a:masterClrMapping/>
+  </p:clrMapOvr>
+</p:notes>
+</file>
+
+<file path=ppt/notesSlides/notesSlide30.xml><?xml version="1.0" encoding="utf-8"?>
+<p:notes xmlns:a="http://schemas.openxmlformats.org/drawingml/2006/main" xmlns:r="http://schemas.openxmlformats.org/officeDocument/2006/relationships" xmlns:p="http://schemas.openxmlformats.org/presentationml/2006/main">
+  <p:cSld>
+    <p:spTree>
+      <p:nvGrpSpPr>
+        <p:cNvPr id="1" name=""/>
+        <p:cNvGrpSpPr/>
+        <p:nvPr/>
+      </p:nvGrpSpPr>
+      <p:grpSpPr>
+        <a:xfrm>
+          <a:off x="0" y="0"/>
+          <a:ext cx="0" cy="0"/>
+          <a:chOff x="0" y="0"/>
+          <a:chExt cx="0" cy="0"/>
+        </a:xfrm>
+      </p:grpSpPr>
+      <p:sp>
+        <p:nvSpPr>
+          <p:cNvPr id="2" name="Folienbildplatzhalter 1"/>
+          <p:cNvSpPr>
+            <a:spLocks noGrp="1" noRot="1" noChangeAspect="1"/>
+          </p:cNvSpPr>
+          <p:nvPr>
+            <p:ph type="sldImg"/>
+          </p:nvPr>
+        </p:nvSpPr>
+        <p:spPr/>
+      </p:sp>
+      <p:sp>
+        <p:nvSpPr>
+          <p:cNvPr id="3" name="Notizenplatzhalter 2"/>
+          <p:cNvSpPr>
+            <a:spLocks noGrp="1"/>
+          </p:cNvSpPr>
+          <p:nvPr>
+            <p:ph type="body" idx="1"/>
+          </p:nvPr>
+        </p:nvSpPr>
+        <p:spPr/>
+        <p:txBody>
+          <a:bodyPr/>
+          <a:lstStyle/>
+          <a:p>
+            <a:endParaRPr lang="en-US" dirty="0"/>
+          </a:p>
+        </p:txBody>
+      </p:sp>
+      <p:sp>
+        <p:nvSpPr>
+          <p:cNvPr id="4" name="Foliennummernplatzhalter 3"/>
+          <p:cNvSpPr>
+            <a:spLocks noGrp="1"/>
+          </p:cNvSpPr>
+          <p:nvPr>
+            <p:ph type="sldNum" sz="quarter" idx="10"/>
+          </p:nvPr>
+        </p:nvSpPr>
+        <p:spPr/>
+        <p:txBody>
+          <a:bodyPr/>
+          <a:lstStyle/>
+          <a:p>
+            <a:fld id="{626B60C3-44C3-43DA-B37B-CB760CF063AA}" type="slidenum">
+              <a:rPr lang="en-US" smtClean="0"/>
+              <a:t>89</a:t>
+            </a:fld>
+            <a:endParaRPr lang="en-US"/>
+          </a:p>
+        </p:txBody>
+      </p:sp>
+    </p:spTree>
+    <p:extLst>
+      <p:ext uri="{BB962C8B-B14F-4D97-AF65-F5344CB8AC3E}">
+        <p14:creationId xmlns:p14="http://schemas.microsoft.com/office/powerpoint/2010/main" val="1008194715"/>
+      </p:ext>
+    </p:extLst>
+  </p:cSld>
+  <p:clrMapOvr>
+    <a:masterClrMapping/>
+  </p:clrMapOvr>
+</p:notes>
+</file>
+
+<file path=ppt/notesSlides/notesSlide31.xml><?xml version="1.0" encoding="utf-8"?>
+<p:notes xmlns:a="http://schemas.openxmlformats.org/drawingml/2006/main" xmlns:r="http://schemas.openxmlformats.org/officeDocument/2006/relationships" xmlns:p="http://schemas.openxmlformats.org/presentationml/2006/main">
+  <p:cSld>
+    <p:spTree>
+      <p:nvGrpSpPr>
+        <p:cNvPr id="1" name=""/>
+        <p:cNvGrpSpPr/>
+        <p:nvPr/>
+      </p:nvGrpSpPr>
+      <p:grpSpPr>
+        <a:xfrm>
+          <a:off x="0" y="0"/>
+          <a:ext cx="0" cy="0"/>
+          <a:chOff x="0" y="0"/>
+          <a:chExt cx="0" cy="0"/>
+        </a:xfrm>
+      </p:grpSpPr>
+      <p:sp>
+        <p:nvSpPr>
+          <p:cNvPr id="2" name="Folienbildplatzhalter 1"/>
+          <p:cNvSpPr>
+            <a:spLocks noGrp="1" noRot="1" noChangeAspect="1"/>
+          </p:cNvSpPr>
+          <p:nvPr>
+            <p:ph type="sldImg"/>
+          </p:nvPr>
+        </p:nvSpPr>
+        <p:spPr/>
+      </p:sp>
+      <p:sp>
+        <p:nvSpPr>
+          <p:cNvPr id="3" name="Notizenplatzhalter 2"/>
+          <p:cNvSpPr>
+            <a:spLocks noGrp="1"/>
+          </p:cNvSpPr>
+          <p:nvPr>
+            <p:ph type="body" idx="1"/>
+          </p:nvPr>
+        </p:nvSpPr>
+        <p:spPr/>
+        <p:txBody>
+          <a:bodyPr/>
+          <a:lstStyle/>
+          <a:p>
+            <a:endParaRPr lang="en-US" dirty="0"/>
+          </a:p>
+        </p:txBody>
+      </p:sp>
+      <p:sp>
+        <p:nvSpPr>
+          <p:cNvPr id="4" name="Foliennummernplatzhalter 3"/>
+          <p:cNvSpPr>
+            <a:spLocks noGrp="1"/>
+          </p:cNvSpPr>
+          <p:nvPr>
+            <p:ph type="sldNum" sz="quarter" idx="10"/>
+          </p:nvPr>
+        </p:nvSpPr>
+        <p:spPr/>
+        <p:txBody>
+          <a:bodyPr/>
+          <a:lstStyle/>
+          <a:p>
+            <a:fld id="{626B60C3-44C3-43DA-B37B-CB760CF063AA}" type="slidenum">
+              <a:rPr lang="en-US" smtClean="0"/>
+              <a:t>90</a:t>
+            </a:fld>
+            <a:endParaRPr lang="en-US"/>
+          </a:p>
+        </p:txBody>
+      </p:sp>
+    </p:spTree>
+    <p:extLst>
+      <p:ext uri="{BB962C8B-B14F-4D97-AF65-F5344CB8AC3E}">
+        <p14:creationId xmlns:p14="http://schemas.microsoft.com/office/powerpoint/2010/main" val="2490988963"/>
+      </p:ext>
+    </p:extLst>
+  </p:cSld>
+  <p:clrMapOvr>
+    <a:masterClrMapping/>
+  </p:clrMapOvr>
+</p:notes>
+</file>
+
+<file path=ppt/notesSlides/notesSlide32.xml><?xml version="1.0" encoding="utf-8"?>
+<p:notes xmlns:a="http://schemas.openxmlformats.org/drawingml/2006/main" xmlns:r="http://schemas.openxmlformats.org/officeDocument/2006/relationships" xmlns:p="http://schemas.openxmlformats.org/presentationml/2006/main">
+  <p:cSld>
+    <p:spTree>
+      <p:nvGrpSpPr>
+        <p:cNvPr id="1" name=""/>
+        <p:cNvGrpSpPr/>
+        <p:nvPr/>
+      </p:nvGrpSpPr>
+      <p:grpSpPr>
+        <a:xfrm>
+          <a:off x="0" y="0"/>
+          <a:ext cx="0" cy="0"/>
+          <a:chOff x="0" y="0"/>
+          <a:chExt cx="0" cy="0"/>
+        </a:xfrm>
+      </p:grpSpPr>
+      <p:sp>
+        <p:nvSpPr>
+          <p:cNvPr id="2" name="Folienbildplatzhalter 1"/>
+          <p:cNvSpPr>
+            <a:spLocks noGrp="1" noRot="1" noChangeAspect="1"/>
+          </p:cNvSpPr>
+          <p:nvPr>
+            <p:ph type="sldImg"/>
+          </p:nvPr>
+        </p:nvSpPr>
+        <p:spPr/>
+      </p:sp>
+      <p:sp>
+        <p:nvSpPr>
+          <p:cNvPr id="3" name="Notizenplatzhalter 2"/>
+          <p:cNvSpPr>
+            <a:spLocks noGrp="1"/>
+          </p:cNvSpPr>
+          <p:nvPr>
+            <p:ph type="body" idx="1"/>
+          </p:nvPr>
+        </p:nvSpPr>
+        <p:spPr/>
+        <p:txBody>
+          <a:bodyPr/>
+          <a:lstStyle/>
+          <a:p>
+            <a:endParaRPr lang="de-DE" sz="1200" b="0" i="0" kern="1200" dirty="0">
+              <a:solidFill>
+                <a:schemeClr val="tx1"/>
+              </a:solidFill>
+              <a:effectLst/>
+              <a:latin typeface="+mn-lt"/>
+              <a:ea typeface="+mn-ea"/>
+              <a:cs typeface="+mn-cs"/>
+            </a:endParaRPr>
+          </a:p>
+        </p:txBody>
+      </p:sp>
+      <p:sp>
+        <p:nvSpPr>
+          <p:cNvPr id="4" name="Foliennummernplatzhalter 3"/>
+          <p:cNvSpPr>
+            <a:spLocks noGrp="1"/>
+          </p:cNvSpPr>
+          <p:nvPr>
+            <p:ph type="sldNum" sz="quarter" idx="10"/>
+          </p:nvPr>
+        </p:nvSpPr>
+        <p:spPr/>
+        <p:txBody>
+          <a:bodyPr/>
+          <a:lstStyle/>
+          <a:p>
+            <a:fld id="{626B60C3-44C3-43DA-B37B-CB760CF063AA}" type="slidenum">
+              <a:rPr lang="en-US" smtClean="0"/>
+              <a:t>91</a:t>
+            </a:fld>
+            <a:endParaRPr lang="en-US"/>
+          </a:p>
+        </p:txBody>
+      </p:sp>
+    </p:spTree>
+    <p:extLst>
+      <p:ext uri="{BB962C8B-B14F-4D97-AF65-F5344CB8AC3E}">
+        <p14:creationId xmlns:p14="http://schemas.microsoft.com/office/powerpoint/2010/main" val="1753304751"/>
+      </p:ext>
+    </p:extLst>
+  </p:cSld>
+  <p:clrMapOvr>
+    <a:masterClrMapping/>
+  </p:clrMapOvr>
+</p:notes>
+</file>
+
+<file path=ppt/notesSlides/notesSlide33.xml><?xml version="1.0" encoding="utf-8"?>
+<p:notes xmlns:a="http://schemas.openxmlformats.org/drawingml/2006/main" xmlns:r="http://schemas.openxmlformats.org/officeDocument/2006/relationships" xmlns:p="http://schemas.openxmlformats.org/presentationml/2006/main">
+  <p:cSld>
+    <p:spTree>
+      <p:nvGrpSpPr>
+        <p:cNvPr id="1" name=""/>
+        <p:cNvGrpSpPr/>
+        <p:nvPr/>
+      </p:nvGrpSpPr>
+      <p:grpSpPr>
+        <a:xfrm>
+          <a:off x="0" y="0"/>
+          <a:ext cx="0" cy="0"/>
+          <a:chOff x="0" y="0"/>
+          <a:chExt cx="0" cy="0"/>
+        </a:xfrm>
+      </p:grpSpPr>
+      <p:sp>
+        <p:nvSpPr>
+          <p:cNvPr id="2" name="Folienbildplatzhalter 1"/>
+          <p:cNvSpPr>
+            <a:spLocks noGrp="1" noRot="1" noChangeAspect="1"/>
+          </p:cNvSpPr>
+          <p:nvPr>
+            <p:ph type="sldImg"/>
+          </p:nvPr>
+        </p:nvSpPr>
+        <p:spPr/>
+      </p:sp>
+      <p:sp>
+        <p:nvSpPr>
+          <p:cNvPr id="3" name="Notizenplatzhalter 2"/>
+          <p:cNvSpPr>
+            <a:spLocks noGrp="1"/>
+          </p:cNvSpPr>
+          <p:nvPr>
+            <p:ph type="body" idx="1"/>
+          </p:nvPr>
+        </p:nvSpPr>
+        <p:spPr/>
+        <p:txBody>
+          <a:bodyPr/>
+          <a:lstStyle/>
+          <a:p>
+            <a:endParaRPr lang="en-US" dirty="0"/>
+          </a:p>
+        </p:txBody>
+      </p:sp>
+      <p:sp>
+        <p:nvSpPr>
+          <p:cNvPr id="4" name="Foliennummernplatzhalter 3"/>
+          <p:cNvSpPr>
+            <a:spLocks noGrp="1"/>
+          </p:cNvSpPr>
+          <p:nvPr>
+            <p:ph type="sldNum" sz="quarter" idx="10"/>
+          </p:nvPr>
+        </p:nvSpPr>
+        <p:spPr/>
+        <p:txBody>
+          <a:bodyPr/>
+          <a:lstStyle/>
+          <a:p>
+            <a:fld id="{626B60C3-44C3-43DA-B37B-CB760CF063AA}" type="slidenum">
+              <a:rPr lang="en-US" smtClean="0"/>
+              <a:t>94</a:t>
+            </a:fld>
+            <a:endParaRPr lang="en-US"/>
+          </a:p>
+        </p:txBody>
+      </p:sp>
+    </p:spTree>
+    <p:extLst>
+      <p:ext uri="{BB962C8B-B14F-4D97-AF65-F5344CB8AC3E}">
+        <p14:creationId xmlns:p14="http://schemas.microsoft.com/office/powerpoint/2010/main" val="2510209871"/>
+      </p:ext>
+    </p:extLst>
+  </p:cSld>
+  <p:clrMapOvr>
+    <a:masterClrMapping/>
+  </p:clrMapOvr>
+</p:notes>
+</file>
+
+<file path=ppt/notesSlides/notesSlide34.xml><?xml version="1.0" encoding="utf-8"?>
+<p:notes xmlns:a="http://schemas.openxmlformats.org/drawingml/2006/main" xmlns:r="http://schemas.openxmlformats.org/officeDocument/2006/relationships" xmlns:p="http://schemas.openxmlformats.org/presentationml/2006/main">
+  <p:cSld>
+    <p:spTree>
+      <p:nvGrpSpPr>
+        <p:cNvPr id="1" name=""/>
+        <p:cNvGrpSpPr/>
+        <p:nvPr/>
+      </p:nvGrpSpPr>
+      <p:grpSpPr>
+        <a:xfrm>
+          <a:off x="0" y="0"/>
+          <a:ext cx="0" cy="0"/>
+          <a:chOff x="0" y="0"/>
+          <a:chExt cx="0" cy="0"/>
+        </a:xfrm>
+      </p:grpSpPr>
+      <p:sp>
+        <p:nvSpPr>
+          <p:cNvPr id="2" name="Folienbildplatzhalter 1"/>
+          <p:cNvSpPr>
+            <a:spLocks noGrp="1" noRot="1" noChangeAspect="1"/>
+          </p:cNvSpPr>
+          <p:nvPr>
+            <p:ph type="sldImg"/>
+          </p:nvPr>
+        </p:nvSpPr>
+        <p:spPr/>
+      </p:sp>
+      <p:sp>
+        <p:nvSpPr>
+          <p:cNvPr id="3" name="Notizenplatzhalter 2"/>
+          <p:cNvSpPr>
+            <a:spLocks noGrp="1"/>
+          </p:cNvSpPr>
+          <p:nvPr>
+            <p:ph type="body" idx="1"/>
+          </p:nvPr>
+        </p:nvSpPr>
+        <p:spPr/>
+        <p:txBody>
+          <a:bodyPr/>
+          <a:lstStyle/>
+          <a:p>
+            <a:r>
+              <a:rPr lang="en-US" sz="1200" b="0" i="0" kern="1200" dirty="0" smtClean="0">
+                <a:solidFill>
+                  <a:schemeClr val="tx1"/>
+                </a:solidFill>
+                <a:effectLst/>
+                <a:latin typeface="+mn-lt"/>
+                <a:ea typeface="+mn-ea"/>
+                <a:cs typeface="+mn-cs"/>
+              </a:rPr>
+              <a:t>Cross-Origin Resource Sharing</a:t>
+            </a:r>
+            <a:endParaRPr lang="en-US" dirty="0"/>
+          </a:p>
+        </p:txBody>
+      </p:sp>
+      <p:sp>
+        <p:nvSpPr>
+          <p:cNvPr id="4" name="Foliennummernplatzhalter 3"/>
+          <p:cNvSpPr>
+            <a:spLocks noGrp="1"/>
+          </p:cNvSpPr>
+          <p:nvPr>
+            <p:ph type="sldNum" sz="quarter" idx="10"/>
+          </p:nvPr>
+        </p:nvSpPr>
+        <p:spPr/>
+        <p:txBody>
+          <a:bodyPr/>
+          <a:lstStyle/>
+          <a:p>
+            <a:fld id="{626B60C3-44C3-43DA-B37B-CB760CF063AA}" type="slidenum">
+              <a:rPr lang="en-US" smtClean="0"/>
+              <a:t>96</a:t>
+            </a:fld>
+            <a:endParaRPr lang="en-US"/>
+          </a:p>
+        </p:txBody>
+      </p:sp>
+    </p:spTree>
+    <p:extLst>
+      <p:ext uri="{BB962C8B-B14F-4D97-AF65-F5344CB8AC3E}">
+        <p14:creationId xmlns:p14="http://schemas.microsoft.com/office/powerpoint/2010/main" val="755038832"/>
       </p:ext>
     </p:extLst>
   </p:cSld>
@@ -2623,7 +3596,7 @@
           <a:p>
             <a:fld id="{B6D41BCC-AD73-4203-A5A6-E62EB28B0FE6}" type="datetimeFigureOut">
               <a:rPr lang="en-US" smtClean="0"/>
-              <a:t>3/5/2024</a:t>
+              <a:t>3/11/2024</a:t>
             </a:fld>
             <a:endParaRPr lang="en-US"/>
           </a:p>
@@ -2831,7 +3804,7 @@
           <a:p>
             <a:fld id="{B6D41BCC-AD73-4203-A5A6-E62EB28B0FE6}" type="datetimeFigureOut">
               <a:rPr lang="en-US" smtClean="0"/>
-              <a:t>3/5/2024</a:t>
+              <a:t>3/11/2024</a:t>
             </a:fld>
             <a:endParaRPr lang="en-US"/>
           </a:p>
@@ -3039,7 +4012,7 @@
           <a:p>
             <a:fld id="{B6D41BCC-AD73-4203-A5A6-E62EB28B0FE6}" type="datetimeFigureOut">
               <a:rPr lang="en-US" smtClean="0"/>
-              <a:t>3/5/2024</a:t>
+              <a:t>3/11/2024</a:t>
             </a:fld>
             <a:endParaRPr lang="en-US"/>
           </a:p>
@@ -3237,7 +4210,7 @@
           <a:p>
             <a:fld id="{B6D41BCC-AD73-4203-A5A6-E62EB28B0FE6}" type="datetimeFigureOut">
               <a:rPr lang="en-US" smtClean="0"/>
-              <a:t>3/5/2024</a:t>
+              <a:t>3/11/2024</a:t>
             </a:fld>
             <a:endParaRPr lang="en-US"/>
           </a:p>
@@ -3652,7 +4625,7 @@
           <a:p>
             <a:fld id="{B6D41BCC-AD73-4203-A5A6-E62EB28B0FE6}" type="datetimeFigureOut">
               <a:rPr lang="en-US" smtClean="0"/>
-              <a:t>3/5/2024</a:t>
+              <a:t>3/11/2024</a:t>
             </a:fld>
             <a:endParaRPr lang="en-US"/>
           </a:p>
@@ -3922,7 +4895,7 @@
           <a:p>
             <a:fld id="{B6D41BCC-AD73-4203-A5A6-E62EB28B0FE6}" type="datetimeFigureOut">
               <a:rPr lang="en-US" smtClean="0"/>
-              <a:t>3/5/2024</a:t>
+              <a:t>3/11/2024</a:t>
             </a:fld>
             <a:endParaRPr lang="en-US"/>
           </a:p>
@@ -4338,7 +5311,7 @@
           <a:p>
             <a:fld id="{B6D41BCC-AD73-4203-A5A6-E62EB28B0FE6}" type="datetimeFigureOut">
               <a:rPr lang="en-US" smtClean="0"/>
-              <a:t>3/5/2024</a:t>
+              <a:t>3/11/2024</a:t>
             </a:fld>
             <a:endParaRPr lang="en-US"/>
           </a:p>
@@ -4479,7 +5452,7 @@
           <a:p>
             <a:fld id="{B6D41BCC-AD73-4203-A5A6-E62EB28B0FE6}" type="datetimeFigureOut">
               <a:rPr lang="en-US" smtClean="0"/>
-              <a:t>3/5/2024</a:t>
+              <a:t>3/11/2024</a:t>
             </a:fld>
             <a:endParaRPr lang="en-US"/>
           </a:p>
@@ -4592,7 +5565,7 @@
           <a:p>
             <a:fld id="{B6D41BCC-AD73-4203-A5A6-E62EB28B0FE6}" type="datetimeFigureOut">
               <a:rPr lang="en-US" smtClean="0"/>
-              <a:t>3/5/2024</a:t>
+              <a:t>3/11/2024</a:t>
             </a:fld>
             <a:endParaRPr lang="en-US"/>
           </a:p>
@@ -4918,7 +5891,7 @@
           <a:p>
             <a:fld id="{B6D41BCC-AD73-4203-A5A6-E62EB28B0FE6}" type="datetimeFigureOut">
               <a:rPr lang="en-US" smtClean="0"/>
-              <a:t>3/5/2024</a:t>
+              <a:t>3/11/2024</a:t>
             </a:fld>
             <a:endParaRPr lang="en-US"/>
           </a:p>
@@ -5206,7 +6179,7 @@
           <a:p>
             <a:fld id="{B6D41BCC-AD73-4203-A5A6-E62EB28B0FE6}" type="datetimeFigureOut">
               <a:rPr lang="en-US" smtClean="0"/>
-              <a:t>3/5/2024</a:t>
+              <a:t>3/11/2024</a:t>
             </a:fld>
             <a:endParaRPr lang="en-US"/>
           </a:p>
@@ -5446,7 +6419,7 @@
             <a:fld id="{B6D41BCC-AD73-4203-A5A6-E62EB28B0FE6}" type="datetimeFigureOut">
               <a:rPr lang="en-US" smtClean="0"/>
               <a:pPr/>
-              <a:t>3/5/2024</a:t>
+              <a:t>3/11/2024</a:t>
             </a:fld>
             <a:endParaRPr lang="en-US"/>
           </a:p>
@@ -5920,7 +6893,7 @@
                 <a16:creationId xmlns:a16="http://schemas.microsoft.com/office/drawing/2014/main" id="{BE229233-9672-4675-99B7-6CBCEF1CD415}"/>
               </a:ext>
               <a:ext uri="{C183D7F6-B498-43B3-948B-1728B52AA6E4}">
-                <adec:decorative xmlns:adec="http://schemas.microsoft.com/office/drawing/2017/decorative" val="1"/>
+                <adec:decorative xmlns:adec="http://schemas.microsoft.com/office/drawing/2017/decorative" xmlns="" val="1"/>
               </a:ext>
             </a:extLst>
           </p:cNvPr>
@@ -6015,7 +6988,7 @@
                 <a16:creationId xmlns:a16="http://schemas.microsoft.com/office/drawing/2014/main" id="{EC5FF010-B53C-46BE-BEEF-AF926A00F67F}"/>
               </a:ext>
               <a:ext uri="{C183D7F6-B498-43B3-948B-1728B52AA6E4}">
-                <adec:decorative xmlns:adec="http://schemas.microsoft.com/office/drawing/2017/decorative" val="1"/>
+                <adec:decorative xmlns:adec="http://schemas.microsoft.com/office/drawing/2017/decorative" xmlns="" val="1"/>
               </a:ext>
             </a:extLst>
           </p:cNvPr>
@@ -6081,7 +7054,7 @@
                 <a16:creationId xmlns:a16="http://schemas.microsoft.com/office/drawing/2014/main" id="{8509AD9C-1F43-4138-A72B-8CA988EDD475}"/>
               </a:ext>
               <a:ext uri="{C183D7F6-B498-43B3-948B-1728B52AA6E4}">
-                <adec:decorative xmlns:adec="http://schemas.microsoft.com/office/drawing/2017/decorative" val="1"/>
+                <adec:decorative xmlns:adec="http://schemas.microsoft.com/office/drawing/2017/decorative" xmlns="" val="1"/>
               </a:ext>
             </a:extLst>
           </p:cNvPr>
@@ -6232,6 +7205,13 @@
   <p:clrMapOvr>
     <a:masterClrMapping/>
   </p:clrMapOvr>
+  <p:timing>
+    <p:tnLst>
+      <p:par>
+        <p:cTn id="1" dur="indefinite" restart="never" nodeType="tmRoot"/>
+      </p:par>
+    </p:tnLst>
+  </p:timing>
 </p:sld>
 </file>
 
@@ -6391,6 +7371,13 @@
   <p:clrMapOvr>
     <a:masterClrMapping/>
   </p:clrMapOvr>
+  <p:timing>
+    <p:tnLst>
+      <p:par>
+        <p:cTn id="1" dur="indefinite" restart="never" nodeType="tmRoot"/>
+      </p:par>
+    </p:tnLst>
+  </p:timing>
 </p:sld>
 </file>
 
@@ -6645,6 +7632,13 @@
   <p:clrMapOvr>
     <a:masterClrMapping/>
   </p:clrMapOvr>
+  <p:timing>
+    <p:tnLst>
+      <p:par>
+        <p:cTn id="1" dur="indefinite" restart="never" nodeType="tmRoot"/>
+      </p:par>
+    </p:tnLst>
+  </p:timing>
 </p:sld>
 </file>
 
@@ -6857,6 +7851,13 @@
   <p:clrMapOvr>
     <a:masterClrMapping/>
   </p:clrMapOvr>
+  <p:timing>
+    <p:tnLst>
+      <p:par>
+        <p:cTn id="1" dur="indefinite" restart="never" nodeType="tmRoot"/>
+      </p:par>
+    </p:tnLst>
+  </p:timing>
 </p:sld>
 </file>
 
@@ -7045,6 +8046,13 @@
   <p:clrMapOvr>
     <a:masterClrMapping/>
   </p:clrMapOvr>
+  <p:timing>
+    <p:tnLst>
+      <p:par>
+        <p:cTn id="1" dur="indefinite" restart="never" nodeType="tmRoot"/>
+      </p:par>
+    </p:tnLst>
+  </p:timing>
 </p:sld>
 </file>
 
@@ -7117,7 +8125,7 @@
         </p:spPr>
         <p:txBody>
           <a:bodyPr>
-            <a:normAutofit fontScale="92500" lnSpcReduction="10000"/>
+            <a:normAutofit fontScale="92500"/>
           </a:bodyPr>
           <a:lstStyle/>
           <a:p>
@@ -7312,6 +8320,13 @@
   <p:clrMapOvr>
     <a:masterClrMapping/>
   </p:clrMapOvr>
+  <p:timing>
+    <p:tnLst>
+      <p:par>
+        <p:cTn id="1" dur="indefinite" restart="never" nodeType="tmRoot"/>
+      </p:par>
+    </p:tnLst>
+  </p:timing>
 </p:sld>
 </file>
 
@@ -7400,6 +8415,13 @@
   <p:clrMapOvr>
     <a:masterClrMapping/>
   </p:clrMapOvr>
+  <p:timing>
+    <p:tnLst>
+      <p:par>
+        <p:cTn id="1" dur="indefinite" restart="never" nodeType="tmRoot"/>
+      </p:par>
+    </p:tnLst>
+  </p:timing>
 </p:sld>
 </file>
 
@@ -7645,6 +8667,13 @@
   <p:clrMapOvr>
     <a:masterClrMapping/>
   </p:clrMapOvr>
+  <p:timing>
+    <p:tnLst>
+      <p:par>
+        <p:cTn id="1" dur="indefinite" restart="never" nodeType="tmRoot"/>
+      </p:par>
+    </p:tnLst>
+  </p:timing>
 </p:sld>
 </file>
 
@@ -7849,6 +8878,13 @@
   <p:clrMapOvr>
     <a:masterClrMapping/>
   </p:clrMapOvr>
+  <p:timing>
+    <p:tnLst>
+      <p:par>
+        <p:cTn id="1" dur="indefinite" restart="never" nodeType="tmRoot"/>
+      </p:par>
+    </p:tnLst>
+  </p:timing>
 </p:sld>
 </file>
 
@@ -8053,6 +9089,13 @@
   <p:clrMapOvr>
     <a:masterClrMapping/>
   </p:clrMapOvr>
+  <p:timing>
+    <p:tnLst>
+      <p:par>
+        <p:cTn id="1" dur="indefinite" restart="never" nodeType="tmRoot"/>
+      </p:par>
+    </p:tnLst>
+  </p:timing>
 </p:sld>
 </file>
 
@@ -8297,6 +9340,13 @@
   <p:clrMapOvr>
     <a:masterClrMapping/>
   </p:clrMapOvr>
+  <p:timing>
+    <p:tnLst>
+      <p:par>
+        <p:cTn id="1" dur="indefinite" restart="never" nodeType="tmRoot"/>
+      </p:par>
+    </p:tnLst>
+  </p:timing>
 </p:sld>
 </file>
 
@@ -8571,6 +9621,13 @@
   <p:clrMapOvr>
     <a:masterClrMapping/>
   </p:clrMapOvr>
+  <p:timing>
+    <p:tnLst>
+      <p:par>
+        <p:cTn id="1" dur="indefinite" restart="never" nodeType="tmRoot"/>
+      </p:par>
+    </p:tnLst>
+  </p:timing>
 </p:sld>
 </file>
 
@@ -8809,6 +9866,10 @@
               <a:rPr lang="de-AT" dirty="0" err="1"/>
               <a:t>true</a:t>
             </a:r>
+            <a:r>
+              <a:rPr lang="de-AT" dirty="0"/>
+              <a:t/>
+            </a:r>
             <a:br>
               <a:rPr lang="de-AT" dirty="0"/>
             </a:br>
@@ -8949,6 +10010,13 @@
   <p:clrMapOvr>
     <a:masterClrMapping/>
   </p:clrMapOvr>
+  <p:timing>
+    <p:tnLst>
+      <p:par>
+        <p:cTn id="1" dur="indefinite" restart="never" nodeType="tmRoot"/>
+      </p:par>
+    </p:tnLst>
+  </p:timing>
 </p:sld>
 </file>
 
@@ -9166,6 +10234,13 @@
   <p:clrMapOvr>
     <a:masterClrMapping/>
   </p:clrMapOvr>
+  <p:timing>
+    <p:tnLst>
+      <p:par>
+        <p:cTn id="1" dur="indefinite" restart="never" nodeType="tmRoot"/>
+      </p:par>
+    </p:tnLst>
+  </p:timing>
 </p:sld>
 </file>
 
@@ -9243,7 +10318,7 @@
         </p:spPr>
         <p:txBody>
           <a:bodyPr>
-            <a:normAutofit fontScale="92500" lnSpcReduction="10000"/>
+            <a:normAutofit fontScale="92500" lnSpcReduction="20000"/>
           </a:bodyPr>
           <a:lstStyle/>
           <a:p>
@@ -9386,6 +10461,13 @@
   <p:clrMapOvr>
     <a:masterClrMapping/>
   </p:clrMapOvr>
+  <p:timing>
+    <p:tnLst>
+      <p:par>
+        <p:cTn id="1" dur="indefinite" restart="never" nodeType="tmRoot"/>
+      </p:par>
+    </p:tnLst>
+  </p:timing>
 </p:sld>
 </file>
 
@@ -9565,6 +10647,13 @@
   <p:clrMapOvr>
     <a:masterClrMapping/>
   </p:clrMapOvr>
+  <p:timing>
+    <p:tnLst>
+      <p:par>
+        <p:cTn id="1" dur="indefinite" restart="never" nodeType="tmRoot"/>
+      </p:par>
+    </p:tnLst>
+  </p:timing>
 </p:sld>
 </file>
 
@@ -10003,6 +11092,13 @@
   <p:clrMapOvr>
     <a:masterClrMapping/>
   </p:clrMapOvr>
+  <p:timing>
+    <p:tnLst>
+      <p:par>
+        <p:cTn id="1" dur="indefinite" restart="never" nodeType="tmRoot"/>
+      </p:par>
+    </p:tnLst>
+  </p:timing>
 </p:sld>
 </file>
 
@@ -10153,6 +11249,13 @@
   <p:clrMapOvr>
     <a:masterClrMapping/>
   </p:clrMapOvr>
+  <p:timing>
+    <p:tnLst>
+      <p:par>
+        <p:cTn id="1" dur="indefinite" restart="never" nodeType="tmRoot"/>
+      </p:par>
+    </p:tnLst>
+  </p:timing>
 </p:sld>
 </file>
 
@@ -10367,6 +11470,13 @@
   <p:clrMapOvr>
     <a:masterClrMapping/>
   </p:clrMapOvr>
+  <p:timing>
+    <p:tnLst>
+      <p:par>
+        <p:cTn id="1" dur="indefinite" restart="never" nodeType="tmRoot"/>
+      </p:par>
+    </p:tnLst>
+  </p:timing>
 </p:sld>
 </file>
 
@@ -10538,6 +11648,13 @@
   <p:clrMapOvr>
     <a:masterClrMapping/>
   </p:clrMapOvr>
+  <p:timing>
+    <p:tnLst>
+      <p:par>
+        <p:cTn id="1" dur="indefinite" restart="never" nodeType="tmRoot"/>
+      </p:par>
+    </p:tnLst>
+  </p:timing>
 </p:sld>
 </file>
 
@@ -10721,6 +11838,13 @@
   <p:clrMapOvr>
     <a:masterClrMapping/>
   </p:clrMapOvr>
+  <p:timing>
+    <p:tnLst>
+      <p:par>
+        <p:cTn id="1" dur="indefinite" restart="never" nodeType="tmRoot"/>
+      </p:par>
+    </p:tnLst>
+  </p:timing>
 </p:sld>
 </file>
 
@@ -10937,6 +12061,13 @@
   <p:clrMapOvr>
     <a:masterClrMapping/>
   </p:clrMapOvr>
+  <p:timing>
+    <p:tnLst>
+      <p:par>
+        <p:cTn id="1" dur="indefinite" restart="never" nodeType="tmRoot"/>
+      </p:par>
+    </p:tnLst>
+  </p:timing>
 </p:sld>
 </file>
 
@@ -10997,6 +12128,13 @@
   <p:clrMapOvr>
     <a:masterClrMapping/>
   </p:clrMapOvr>
+  <p:timing>
+    <p:tnLst>
+      <p:par>
+        <p:cTn id="1" dur="indefinite" restart="never" nodeType="tmRoot"/>
+      </p:par>
+    </p:tnLst>
+  </p:timing>
 </p:sld>
 </file>
 
@@ -11033,7 +12171,7 @@
                 <a16:creationId xmlns:a16="http://schemas.microsoft.com/office/drawing/2014/main" id="{BE229233-9672-4675-99B7-6CBCEF1CD415}"/>
               </a:ext>
               <a:ext uri="{C183D7F6-B498-43B3-948B-1728B52AA6E4}">
-                <adec:decorative xmlns:adec="http://schemas.microsoft.com/office/drawing/2017/decorative" val="1"/>
+                <adec:decorative xmlns:adec="http://schemas.microsoft.com/office/drawing/2017/decorative" xmlns="" val="1"/>
               </a:ext>
             </a:extLst>
           </p:cNvPr>
@@ -11128,7 +12266,7 @@
                 <a16:creationId xmlns:a16="http://schemas.microsoft.com/office/drawing/2014/main" id="{EC5FF010-B53C-46BE-BEEF-AF926A00F67F}"/>
               </a:ext>
               <a:ext uri="{C183D7F6-B498-43B3-948B-1728B52AA6E4}">
-                <adec:decorative xmlns:adec="http://schemas.microsoft.com/office/drawing/2017/decorative" val="1"/>
+                <adec:decorative xmlns:adec="http://schemas.microsoft.com/office/drawing/2017/decorative" xmlns="" val="1"/>
               </a:ext>
             </a:extLst>
           </p:cNvPr>
@@ -11194,7 +12332,7 @@
                 <a16:creationId xmlns:a16="http://schemas.microsoft.com/office/drawing/2014/main" id="{8509AD9C-1F43-4138-A72B-8CA988EDD475}"/>
               </a:ext>
               <a:ext uri="{C183D7F6-B498-43B3-948B-1728B52AA6E4}">
-                <adec:decorative xmlns:adec="http://schemas.microsoft.com/office/drawing/2017/decorative" val="1"/>
+                <adec:decorative xmlns:adec="http://schemas.microsoft.com/office/drawing/2017/decorative" xmlns="" val="1"/>
               </a:ext>
             </a:extLst>
           </p:cNvPr>
@@ -11345,6 +12483,13 @@
   <p:clrMapOvr>
     <a:masterClrMapping/>
   </p:clrMapOvr>
+  <p:timing>
+    <p:tnLst>
+      <p:par>
+        <p:cTn id="1" dur="indefinite" restart="never" nodeType="tmRoot"/>
+      </p:par>
+    </p:tnLst>
+  </p:timing>
 </p:sld>
 </file>
 
@@ -11524,6 +12669,13 @@
   <p:clrMapOvr>
     <a:masterClrMapping/>
   </p:clrMapOvr>
+  <p:timing>
+    <p:tnLst>
+      <p:par>
+        <p:cTn id="1" dur="indefinite" restart="never" nodeType="tmRoot"/>
+      </p:par>
+    </p:tnLst>
+  </p:timing>
 </p:sld>
 </file>
 
@@ -11764,6 +12916,13 @@
   <p:clrMapOvr>
     <a:masterClrMapping/>
   </p:clrMapOvr>
+  <p:timing>
+    <p:tnLst>
+      <p:par>
+        <p:cTn id="1" dur="indefinite" restart="never" nodeType="tmRoot"/>
+      </p:par>
+    </p:tnLst>
+  </p:timing>
 </p:sld>
 </file>
 
@@ -11940,6 +13099,13 @@
   <p:clrMapOvr>
     <a:masterClrMapping/>
   </p:clrMapOvr>
+  <p:timing>
+    <p:tnLst>
+      <p:par>
+        <p:cTn id="1" dur="indefinite" restart="never" nodeType="tmRoot"/>
+      </p:par>
+    </p:tnLst>
+  </p:timing>
 </p:sld>
 </file>
 
@@ -12117,6 +13283,13 @@
   <p:clrMapOvr>
     <a:masterClrMapping/>
   </p:clrMapOvr>
+  <p:timing>
+    <p:tnLst>
+      <p:par>
+        <p:cTn id="1" dur="indefinite" restart="never" nodeType="tmRoot"/>
+      </p:par>
+    </p:tnLst>
+  </p:timing>
 </p:sld>
 </file>
 
@@ -12328,6 +13501,13 @@
   <p:clrMapOvr>
     <a:masterClrMapping/>
   </p:clrMapOvr>
+  <p:timing>
+    <p:tnLst>
+      <p:par>
+        <p:cTn id="1" dur="indefinite" restart="never" nodeType="tmRoot"/>
+      </p:par>
+    </p:tnLst>
+  </p:timing>
 </p:sld>
 </file>
 
@@ -12694,6 +13874,13 @@
   <p:clrMapOvr>
     <a:masterClrMapping/>
   </p:clrMapOvr>
+  <p:timing>
+    <p:tnLst>
+      <p:par>
+        <p:cTn id="1" dur="indefinite" restart="never" nodeType="tmRoot"/>
+      </p:par>
+    </p:tnLst>
+  </p:timing>
 </p:sld>
 </file>
 
@@ -12878,6 +14065,13 @@
   <p:clrMapOvr>
     <a:masterClrMapping/>
   </p:clrMapOvr>
+  <p:timing>
+    <p:tnLst>
+      <p:par>
+        <p:cTn id="1" dur="indefinite" restart="never" nodeType="tmRoot"/>
+      </p:par>
+    </p:tnLst>
+  </p:timing>
 </p:sld>
 </file>
 
@@ -13084,6 +14278,13 @@
   <p:clrMapOvr>
     <a:masterClrMapping/>
   </p:clrMapOvr>
+  <p:timing>
+    <p:tnLst>
+      <p:par>
+        <p:cTn id="1" dur="indefinite" restart="never" nodeType="tmRoot"/>
+      </p:par>
+    </p:tnLst>
+  </p:timing>
 </p:sld>
 </file>
 
@@ -13298,6 +14499,13 @@
   <p:clrMapOvr>
     <a:masterClrMapping/>
   </p:clrMapOvr>
+  <p:timing>
+    <p:tnLst>
+      <p:par>
+        <p:cTn id="1" dur="indefinite" restart="never" nodeType="tmRoot"/>
+      </p:par>
+    </p:tnLst>
+  </p:timing>
 </p:sld>
 </file>
 
@@ -13375,6 +14583,13 @@
   <p:clrMapOvr>
     <a:masterClrMapping/>
   </p:clrMapOvr>
+  <p:timing>
+    <p:tnLst>
+      <p:par>
+        <p:cTn id="1" dur="indefinite" restart="never" nodeType="tmRoot"/>
+      </p:par>
+    </p:tnLst>
+  </p:timing>
 </p:sld>
 </file>
 
@@ -14044,6 +15259,13 @@
   <p:clrMapOvr>
     <a:masterClrMapping/>
   </p:clrMapOvr>
+  <p:timing>
+    <p:tnLst>
+      <p:par>
+        <p:cTn id="1" dur="indefinite" restart="never" nodeType="tmRoot"/>
+      </p:par>
+    </p:tnLst>
+  </p:timing>
 </p:sld>
 </file>
 
@@ -14228,6 +15450,13 @@
   <p:clrMapOvr>
     <a:masterClrMapping/>
   </p:clrMapOvr>
+  <p:timing>
+    <p:tnLst>
+      <p:par>
+        <p:cTn id="1" dur="indefinite" restart="never" nodeType="tmRoot"/>
+      </p:par>
+    </p:tnLst>
+  </p:timing>
 </p:sld>
 </file>
 
@@ -14427,6 +15656,13 @@
   <p:clrMapOvr>
     <a:masterClrMapping/>
   </p:clrMapOvr>
+  <p:timing>
+    <p:tnLst>
+      <p:par>
+        <p:cTn id="1" dur="indefinite" restart="never" nodeType="tmRoot"/>
+      </p:par>
+    </p:tnLst>
+  </p:timing>
 </p:sld>
 </file>
 
@@ -15039,6 +16275,13 @@
   <p:clrMapOvr>
     <a:masterClrMapping/>
   </p:clrMapOvr>
+  <p:timing>
+    <p:tnLst>
+      <p:par>
+        <p:cTn id="1" dur="indefinite" restart="never" nodeType="tmRoot"/>
+      </p:par>
+    </p:tnLst>
+  </p:timing>
 </p:sld>
 </file>
 
@@ -15375,6 +16618,13 @@
   <p:clrMapOvr>
     <a:masterClrMapping/>
   </p:clrMapOvr>
+  <p:timing>
+    <p:tnLst>
+      <p:par>
+        <p:cTn id="1" dur="indefinite" restart="never" nodeType="tmRoot"/>
+      </p:par>
+    </p:tnLst>
+  </p:timing>
 </p:sld>
 </file>
 
@@ -15510,6 +16760,13 @@
   <p:clrMapOvr>
     <a:masterClrMapping/>
   </p:clrMapOvr>
+  <p:timing>
+    <p:tnLst>
+      <p:par>
+        <p:cTn id="1" dur="indefinite" restart="never" nodeType="tmRoot"/>
+      </p:par>
+    </p:tnLst>
+  </p:timing>
 </p:sld>
 </file>
 
@@ -15585,6 +16842,13 @@
   <p:clrMapOvr>
     <a:masterClrMapping/>
   </p:clrMapOvr>
+  <p:timing>
+    <p:tnLst>
+      <p:par>
+        <p:cTn id="1" dur="indefinite" restart="never" nodeType="tmRoot"/>
+      </p:par>
+    </p:tnLst>
+  </p:timing>
 </p:sld>
 </file>
 
@@ -15785,6 +17049,13 @@
   <p:clrMapOvr>
     <a:masterClrMapping/>
   </p:clrMapOvr>
+  <p:timing>
+    <p:tnLst>
+      <p:par>
+        <p:cTn id="1" dur="indefinite" restart="never" nodeType="tmRoot"/>
+      </p:par>
+    </p:tnLst>
+  </p:timing>
 </p:sld>
 </file>
 
@@ -15857,7 +17128,7 @@
         </p:spPr>
         <p:txBody>
           <a:bodyPr>
-            <a:normAutofit fontScale="92500" lnSpcReduction="10000"/>
+            <a:normAutofit fontScale="92500"/>
           </a:bodyPr>
           <a:lstStyle/>
           <a:p>
@@ -16015,6 +17286,13 @@
   <p:clrMapOvr>
     <a:masterClrMapping/>
   </p:clrMapOvr>
+  <p:timing>
+    <p:tnLst>
+      <p:par>
+        <p:cTn id="1" dur="indefinite" restart="never" nodeType="tmRoot"/>
+      </p:par>
+    </p:tnLst>
+  </p:timing>
 </p:sld>
 </file>
 
@@ -16174,6 +17452,13 @@
   <p:clrMapOvr>
     <a:masterClrMapping/>
   </p:clrMapOvr>
+  <p:timing>
+    <p:tnLst>
+      <p:par>
+        <p:cTn id="1" dur="indefinite" restart="never" nodeType="tmRoot"/>
+      </p:par>
+    </p:tnLst>
+  </p:timing>
 </p:sld>
 </file>
 
@@ -16215,6 +17500,10 @@
           <a:bodyPr/>
           <a:lstStyle/>
           <a:p>
+            <a:r>
+              <a:rPr lang="de-AT" dirty="0"/>
+              <a:t/>
+            </a:r>
             <a:br>
               <a:rPr lang="de-AT" dirty="0"/>
             </a:br>
@@ -16315,6 +17604,13 @@
   <p:clrMapOvr>
     <a:masterClrMapping/>
   </p:clrMapOvr>
+  <p:timing>
+    <p:tnLst>
+      <p:par>
+        <p:cTn id="1" dur="indefinite" restart="never" nodeType="tmRoot"/>
+      </p:par>
+    </p:tnLst>
+  </p:timing>
 </p:sld>
 </file>
 
@@ -16356,6 +17652,10 @@
           <a:bodyPr/>
           <a:lstStyle/>
           <a:p>
+            <a:r>
+              <a:rPr lang="de-AT" dirty="0"/>
+              <a:t/>
+            </a:r>
             <a:br>
               <a:rPr lang="de-AT" dirty="0"/>
             </a:br>
@@ -16815,6 +18115,13 @@
   <p:clrMapOvr>
     <a:masterClrMapping/>
   </p:clrMapOvr>
+  <p:timing>
+    <p:tnLst>
+      <p:par>
+        <p:cTn id="1" dur="indefinite" restart="never" nodeType="tmRoot"/>
+      </p:par>
+    </p:tnLst>
+  </p:timing>
 </p:sld>
 </file>
 
@@ -17005,6 +18312,13 @@
   <p:clrMapOvr>
     <a:masterClrMapping/>
   </p:clrMapOvr>
+  <p:timing>
+    <p:tnLst>
+      <p:par>
+        <p:cTn id="1" dur="indefinite" restart="never" nodeType="tmRoot"/>
+      </p:par>
+    </p:tnLst>
+  </p:timing>
 </p:sld>
 </file>
 
@@ -17041,7 +18355,7 @@
                 <a16:creationId xmlns:a16="http://schemas.microsoft.com/office/drawing/2014/main" id="{BE229233-9672-4675-99B7-6CBCEF1CD415}"/>
               </a:ext>
               <a:ext uri="{C183D7F6-B498-43B3-948B-1728B52AA6E4}">
-                <adec:decorative xmlns:adec="http://schemas.microsoft.com/office/drawing/2017/decorative" val="1"/>
+                <adec:decorative xmlns:adec="http://schemas.microsoft.com/office/drawing/2017/decorative" xmlns="" val="1"/>
               </a:ext>
             </a:extLst>
           </p:cNvPr>
@@ -17136,7 +18450,7 @@
                 <a16:creationId xmlns:a16="http://schemas.microsoft.com/office/drawing/2014/main" id="{EC5FF010-B53C-46BE-BEEF-AF926A00F67F}"/>
               </a:ext>
               <a:ext uri="{C183D7F6-B498-43B3-948B-1728B52AA6E4}">
-                <adec:decorative xmlns:adec="http://schemas.microsoft.com/office/drawing/2017/decorative" val="1"/>
+                <adec:decorative xmlns:adec="http://schemas.microsoft.com/office/drawing/2017/decorative" xmlns="" val="1"/>
               </a:ext>
             </a:extLst>
           </p:cNvPr>
@@ -17202,7 +18516,7 @@
                 <a16:creationId xmlns:a16="http://schemas.microsoft.com/office/drawing/2014/main" id="{8509AD9C-1F43-4138-A72B-8CA988EDD475}"/>
               </a:ext>
               <a:ext uri="{C183D7F6-B498-43B3-948B-1728B52AA6E4}">
-                <adec:decorative xmlns:adec="http://schemas.microsoft.com/office/drawing/2017/decorative" val="1"/>
+                <adec:decorative xmlns:adec="http://schemas.microsoft.com/office/drawing/2017/decorative" xmlns="" val="1"/>
               </a:ext>
             </a:extLst>
           </p:cNvPr>
@@ -17298,8 +18612,8 @@
               <a:t> &amp; </a:t>
             </a:r>
             <a:r>
-              <a:rPr lang="de-AT" sz="2800" dirty="0" err="1"/>
-              <a:t>Effects</a:t>
+              <a:rPr lang="de-AT" sz="2800" dirty="0" smtClean="0"/>
+              <a:t>Hooks</a:t>
             </a:r>
             <a:endParaRPr lang="de-AT" sz="2800" dirty="0"/>
           </a:p>
@@ -17362,6 +18676,13 @@
   <p:clrMapOvr>
     <a:masterClrMapping/>
   </p:clrMapOvr>
+  <p:timing>
+    <p:tnLst>
+      <p:par>
+        <p:cTn id="1" dur="indefinite" restart="never" nodeType="tmRoot"/>
+      </p:par>
+    </p:tnLst>
+  </p:timing>
 </p:sld>
 </file>
 
@@ -17538,6 +18859,13 @@
   <p:clrMapOvr>
     <a:masterClrMapping/>
   </p:clrMapOvr>
+  <p:timing>
+    <p:tnLst>
+      <p:par>
+        <p:cTn id="1" dur="indefinite" restart="never" nodeType="tmRoot"/>
+      </p:par>
+    </p:tnLst>
+  </p:timing>
 </p:sld>
 </file>
 
@@ -18094,6 +19422,13 @@
   <p:clrMapOvr>
     <a:masterClrMapping/>
   </p:clrMapOvr>
+  <p:timing>
+    <p:tnLst>
+      <p:par>
+        <p:cTn id="1" dur="indefinite" restart="never" nodeType="tmRoot"/>
+      </p:par>
+    </p:tnLst>
+  </p:timing>
 </p:sld>
 </file>
 
@@ -18267,6 +19602,13 @@
   <p:clrMapOvr>
     <a:masterClrMapping/>
   </p:clrMapOvr>
+  <p:timing>
+    <p:tnLst>
+      <p:par>
+        <p:cTn id="1" dur="indefinite" restart="never" nodeType="tmRoot"/>
+      </p:par>
+    </p:tnLst>
+  </p:timing>
 </p:sld>
 </file>
 
@@ -18429,6 +19771,13 @@
   <p:clrMapOvr>
     <a:masterClrMapping/>
   </p:clrMapOvr>
+  <p:timing>
+    <p:tnLst>
+      <p:par>
+        <p:cTn id="1" dur="indefinite" restart="never" nodeType="tmRoot"/>
+      </p:par>
+    </p:tnLst>
+  </p:timing>
 </p:sld>
 </file>
 
@@ -18621,6 +19970,13 @@
   <p:clrMapOvr>
     <a:masterClrMapping/>
   </p:clrMapOvr>
+  <p:timing>
+    <p:tnLst>
+      <p:par>
+        <p:cTn id="1" dur="indefinite" restart="never" nodeType="tmRoot"/>
+      </p:par>
+    </p:tnLst>
+  </p:timing>
 </p:sld>
 </file>
 
@@ -18815,6 +20171,13 @@
   <p:clrMapOvr>
     <a:masterClrMapping/>
   </p:clrMapOvr>
+  <p:timing>
+    <p:tnLst>
+      <p:par>
+        <p:cTn id="1" dur="indefinite" restart="never" nodeType="tmRoot"/>
+      </p:par>
+    </p:tnLst>
+  </p:timing>
 </p:sld>
 </file>
 
@@ -18952,6 +20315,13 @@
   <p:clrMapOvr>
     <a:masterClrMapping/>
   </p:clrMapOvr>
+  <p:timing>
+    <p:tnLst>
+      <p:par>
+        <p:cTn id="1" dur="indefinite" restart="never" nodeType="tmRoot"/>
+      </p:par>
+    </p:tnLst>
+  </p:timing>
 </p:sld>
 </file>
 
@@ -19137,6 +20507,13 @@
   <p:clrMapOvr>
     <a:masterClrMapping/>
   </p:clrMapOvr>
+  <p:timing>
+    <p:tnLst>
+      <p:par>
+        <p:cTn id="1" dur="indefinite" restart="never" nodeType="tmRoot"/>
+      </p:par>
+    </p:tnLst>
+  </p:timing>
 </p:sld>
 </file>
 
@@ -20151,6 +21528,13 @@
   <p:clrMapOvr>
     <a:masterClrMapping/>
   </p:clrMapOvr>
+  <p:timing>
+    <p:tnLst>
+      <p:par>
+        <p:cTn id="1" dur="indefinite" restart="never" nodeType="tmRoot"/>
+      </p:par>
+    </p:tnLst>
+  </p:timing>
 </p:sld>
 </file>
 
@@ -20334,6 +21718,13 @@
   <p:clrMapOvr>
     <a:masterClrMapping/>
   </p:clrMapOvr>
+  <p:timing>
+    <p:tnLst>
+      <p:par>
+        <p:cTn id="1" dur="indefinite" restart="never" nodeType="tmRoot"/>
+      </p:par>
+    </p:tnLst>
+  </p:timing>
 </p:sld>
 </file>
 
@@ -20540,6 +21931,13 @@
   <p:clrMapOvr>
     <a:masterClrMapping/>
   </p:clrMapOvr>
+  <p:timing>
+    <p:tnLst>
+      <p:par>
+        <p:cTn id="1" dur="indefinite" restart="never" nodeType="tmRoot"/>
+      </p:par>
+    </p:tnLst>
+  </p:timing>
 </p:sld>
 </file>
 
@@ -20795,6 +22193,13 @@
   <p:clrMapOvr>
     <a:masterClrMapping/>
   </p:clrMapOvr>
+  <p:timing>
+    <p:tnLst>
+      <p:par>
+        <p:cTn id="1" dur="indefinite" restart="never" nodeType="tmRoot"/>
+      </p:par>
+    </p:tnLst>
+  </p:timing>
 </p:sld>
 </file>
 
@@ -21000,6 +22405,13 @@
   <p:clrMapOvr>
     <a:masterClrMapping/>
   </p:clrMapOvr>
+  <p:timing>
+    <p:tnLst>
+      <p:par>
+        <p:cTn id="1" dur="indefinite" restart="never" nodeType="tmRoot"/>
+      </p:par>
+    </p:tnLst>
+  </p:timing>
 </p:sld>
 </file>
 
@@ -21711,6 +23123,13 @@
   <p:clrMapOvr>
     <a:masterClrMapping/>
   </p:clrMapOvr>
+  <p:timing>
+    <p:tnLst>
+      <p:par>
+        <p:cTn id="1" dur="indefinite" restart="never" nodeType="tmRoot"/>
+      </p:par>
+    </p:tnLst>
+  </p:timing>
 </p:sld>
 </file>
 
@@ -21733,24 +23152,45 @@
       </p:grpSpPr>
       <p:sp>
         <p:nvSpPr>
-          <p:cNvPr id="6" name="Titel 5">
-            <a:extLst>
-              <a:ext uri="{FF2B5EF4-FFF2-40B4-BE49-F238E27FC236}">
-                <a16:creationId xmlns:a16="http://schemas.microsoft.com/office/drawing/2014/main" id="{215C6C17-3994-268F-CD9B-1F627A31A4B8}"/>
-              </a:ext>
-            </a:extLst>
-          </p:cNvPr>
-          <p:cNvSpPr>
-            <a:spLocks noGrp="1"/>
-          </p:cNvSpPr>
-          <p:nvPr>
-            <p:ph type="ctrTitle"/>
+          <p:cNvPr id="2" name="Titel 1"/>
+          <p:cNvSpPr>
+            <a:spLocks noGrp="1"/>
+          </p:cNvSpPr>
+          <p:nvPr>
+            <p:ph type="title"/>
+          </p:nvPr>
+        </p:nvSpPr>
+        <p:spPr/>
+        <p:txBody>
+          <a:bodyPr/>
+          <a:lstStyle/>
+          <a:p>
+            <a:r>
+              <a:rPr lang="de-AT" dirty="0" smtClean="0"/>
+              <a:t>Best Practices </a:t>
+            </a:r>
+            <a:r>
+              <a:rPr lang="de-AT" dirty="0" err="1" smtClean="0"/>
+              <a:t>useEffect</a:t>
+            </a:r>
+            <a:endParaRPr lang="en-US" dirty="0"/>
+          </a:p>
+        </p:txBody>
+      </p:sp>
+      <p:sp>
+        <p:nvSpPr>
+          <p:cNvPr id="3" name="Inhaltsplatzhalter 2"/>
+          <p:cNvSpPr>
+            <a:spLocks noGrp="1"/>
+          </p:cNvSpPr>
+          <p:nvPr>
+            <p:ph idx="1"/>
           </p:nvPr>
         </p:nvSpPr>
         <p:spPr>
           <a:xfrm>
-            <a:off x="2032213" y="370652"/>
-            <a:ext cx="8127574" cy="2736443"/>
+            <a:off x="1165860" y="1885950"/>
+            <a:ext cx="9387842" cy="4308709"/>
           </a:xfrm>
         </p:spPr>
         <p:txBody>
@@ -21758,69 +23198,2030 @@
           <a:lstStyle/>
           <a:p>
             <a:r>
-              <a:rPr lang="de-AT" dirty="0"/>
-              <a:t>Viel Erfolg beim Entwickeln!</a:t>
-            </a:r>
-          </a:p>
-        </p:txBody>
-      </p:sp>
-      <p:pic>
-        <p:nvPicPr>
-          <p:cNvPr id="2050" name="Picture 2" descr="CODERS.BAY | Linz">
-            <a:extLst>
-              <a:ext uri="{FF2B5EF4-FFF2-40B4-BE49-F238E27FC236}">
-                <a16:creationId xmlns:a16="http://schemas.microsoft.com/office/drawing/2014/main" id="{FC92A2D7-CD40-5160-E3FA-7A115A1ECE63}"/>
-              </a:ext>
-            </a:extLst>
-          </p:cNvPr>
-          <p:cNvPicPr>
-            <a:picLocks noChangeAspect="1" noChangeArrowheads="1"/>
-          </p:cNvPicPr>
-          <p:nvPr/>
-        </p:nvPicPr>
-        <p:blipFill>
-          <a:blip r:embed="rId2">
-            <a:extLst>
-              <a:ext uri="{28A0092B-C50C-407E-A947-70E740481C1C}">
-                <a14:useLocalDpi xmlns:a14="http://schemas.microsoft.com/office/drawing/2010/main" val="0"/>
-              </a:ext>
-            </a:extLst>
-          </a:blip>
-          <a:srcRect/>
-          <a:stretch>
-            <a:fillRect/>
-          </a:stretch>
-        </p:blipFill>
-        <p:spPr bwMode="auto">
-          <a:xfrm>
-            <a:off x="5342119" y="3768185"/>
-            <a:ext cx="1507761" cy="1507761"/>
-          </a:xfrm>
-          <a:prstGeom prst="rect">
-            <a:avLst/>
-          </a:prstGeom>
-          <a:noFill/>
-          <a:extLst>
-            <a:ext uri="{909E8E84-426E-40DD-AFC4-6F175D3DCCD1}">
-              <a14:hiddenFill xmlns:a14="http://schemas.microsoft.com/office/drawing/2010/main">
-                <a:solidFill>
-                  <a:srgbClr val="FFFFFF"/>
-                </a:solidFill>
-              </a14:hiddenFill>
-            </a:ext>
-          </a:extLst>
-        </p:spPr>
-      </p:pic>
+              <a:rPr lang="de-AT" dirty="0" err="1" smtClean="0"/>
+              <a:t>Missing</a:t>
+            </a:r>
+            <a:r>
+              <a:rPr lang="de-AT" dirty="0" smtClean="0"/>
+              <a:t> </a:t>
+            </a:r>
+            <a:r>
+              <a:rPr lang="de-AT" dirty="0" err="1" smtClean="0"/>
+              <a:t>Dependencies</a:t>
+            </a:r>
+            <a:r>
+              <a:rPr lang="de-AT" dirty="0" smtClean="0"/>
+              <a:t> vermeiden</a:t>
+            </a:r>
+          </a:p>
+          <a:p>
+            <a:pPr lvl="1"/>
+            <a:r>
+              <a:rPr lang="de-AT" dirty="0" smtClean="0"/>
+              <a:t>Problem: Alle Zustände die innerhalb des </a:t>
+            </a:r>
+            <a:r>
+              <a:rPr lang="de-AT" dirty="0" err="1" smtClean="0"/>
+              <a:t>useEffect</a:t>
+            </a:r>
+            <a:r>
+              <a:rPr lang="de-AT" dirty="0"/>
+              <a:t> </a:t>
+            </a:r>
+            <a:r>
+              <a:rPr lang="de-AT" dirty="0" smtClean="0"/>
+              <a:t>- Codes verwendet werden, müssen als Abhängigkeiten im </a:t>
+            </a:r>
+            <a:r>
+              <a:rPr lang="de-AT" dirty="0" err="1" smtClean="0"/>
+              <a:t>Dependency</a:t>
+            </a:r>
+            <a:r>
+              <a:rPr lang="de-AT" dirty="0" smtClean="0"/>
+              <a:t> Array angegeben werden</a:t>
+            </a:r>
+          </a:p>
+          <a:p>
+            <a:pPr lvl="1"/>
+            <a:r>
+              <a:rPr lang="de-AT" dirty="0" smtClean="0"/>
+              <a:t>Liefert zwar keinen Fehler sondern eine Warnung, sollte allerdings trotzdem vermieden werden.</a:t>
+            </a:r>
+          </a:p>
+          <a:p>
+            <a:r>
+              <a:rPr lang="de-AT" dirty="0"/>
+              <a:t>Event spezifische Logik innerhalb eines </a:t>
+            </a:r>
+            <a:r>
+              <a:rPr lang="de-AT" dirty="0" err="1" smtClean="0"/>
+              <a:t>Effects</a:t>
+            </a:r>
+            <a:r>
+              <a:rPr lang="de-AT" dirty="0" smtClean="0"/>
+              <a:t> vermeiden</a:t>
+            </a:r>
+            <a:endParaRPr lang="de-AT" dirty="0"/>
+          </a:p>
+          <a:p>
+            <a:pPr lvl="1"/>
+            <a:r>
+              <a:rPr lang="de-AT" dirty="0"/>
+              <a:t>Problem: Unnötige Zustandsänderung bevor eine Funktion ausgeführt </a:t>
+            </a:r>
+            <a:r>
+              <a:rPr lang="de-AT" dirty="0" smtClean="0"/>
+              <a:t>wird</a:t>
+            </a:r>
+          </a:p>
+          <a:p>
+            <a:r>
+              <a:rPr lang="de-DE" dirty="0" smtClean="0"/>
+              <a:t>Aktualisierungen von Zuständen </a:t>
+            </a:r>
+            <a:r>
+              <a:rPr lang="de-DE" dirty="0"/>
+              <a:t>basierend auf </a:t>
+            </a:r>
+            <a:r>
+              <a:rPr lang="de-DE" dirty="0" err="1"/>
+              <a:t>Props</a:t>
+            </a:r>
+            <a:r>
+              <a:rPr lang="de-DE" dirty="0"/>
+              <a:t> </a:t>
+            </a:r>
+            <a:r>
+              <a:rPr lang="de-DE" dirty="0" smtClean="0"/>
+              <a:t>oder Zuständen vermeiden</a:t>
+            </a:r>
+          </a:p>
+          <a:p>
+            <a:pPr lvl="1"/>
+            <a:r>
+              <a:rPr lang="de-AT" dirty="0" smtClean="0"/>
+              <a:t>Problem: Unnötiges Neurendern durch vermeidbare voneinander abhängige Zustände</a:t>
+            </a:r>
+          </a:p>
+          <a:p>
+            <a:r>
+              <a:rPr lang="de-AT" dirty="0" smtClean="0"/>
+              <a:t>Weitere Best Practices</a:t>
+            </a:r>
+          </a:p>
+          <a:p>
+            <a:pPr lvl="1"/>
+            <a:r>
+              <a:rPr lang="de-AT" dirty="0">
+                <a:hlinkClick r:id="rId2"/>
+              </a:rPr>
+              <a:t>https://</a:t>
+            </a:r>
+            <a:r>
+              <a:rPr lang="de-AT" dirty="0" smtClean="0">
+                <a:hlinkClick r:id="rId2"/>
+              </a:rPr>
+              <a:t>react.dev/learn/you-might-not-need-an-effect</a:t>
+            </a:r>
+            <a:r>
+              <a:rPr lang="de-AT" dirty="0" smtClean="0"/>
+              <a:t> </a:t>
+            </a:r>
+            <a:endParaRPr lang="de-AT" dirty="0"/>
+          </a:p>
+          <a:p>
+            <a:endParaRPr lang="de-AT" dirty="0" smtClean="0"/>
+          </a:p>
+          <a:p>
+            <a:endParaRPr lang="de-AT" dirty="0" smtClean="0"/>
+          </a:p>
+          <a:p>
+            <a:endParaRPr lang="de-AT" dirty="0" smtClean="0"/>
+          </a:p>
+        </p:txBody>
+      </p:sp>
     </p:spTree>
     <p:extLst>
       <p:ext uri="{BB962C8B-B14F-4D97-AF65-F5344CB8AC3E}">
-        <p14:creationId xmlns:p14="http://schemas.microsoft.com/office/powerpoint/2010/main" val="2872145444"/>
+        <p14:creationId xmlns:p14="http://schemas.microsoft.com/office/powerpoint/2010/main" val="1455860564"/>
       </p:ext>
     </p:extLst>
   </p:cSld>
   <p:clrMapOvr>
     <a:masterClrMapping/>
   </p:clrMapOvr>
+  <p:timing>
+    <p:tnLst>
+      <p:par>
+        <p:cTn id="1" dur="indefinite" restart="never" nodeType="tmRoot"/>
+      </p:par>
+    </p:tnLst>
+  </p:timing>
+</p:sld>
+</file>
+
+<file path=ppt/slides/slide74.xml><?xml version="1.0" encoding="utf-8"?>
+<p:sld xmlns:a="http://schemas.openxmlformats.org/drawingml/2006/main" xmlns:r="http://schemas.openxmlformats.org/officeDocument/2006/relationships" xmlns:p="http://schemas.openxmlformats.org/presentationml/2006/main">
+  <p:cSld>
+    <p:spTree>
+      <p:nvGrpSpPr>
+        <p:cNvPr id="1" name=""/>
+        <p:cNvGrpSpPr/>
+        <p:nvPr/>
+      </p:nvGrpSpPr>
+      <p:grpSpPr>
+        <a:xfrm>
+          <a:off x="0" y="0"/>
+          <a:ext cx="0" cy="0"/>
+          <a:chOff x="0" y="0"/>
+          <a:chExt cx="0" cy="0"/>
+        </a:xfrm>
+      </p:grpSpPr>
+      <p:sp>
+        <p:nvSpPr>
+          <p:cNvPr id="2" name="Titel 1"/>
+          <p:cNvSpPr>
+            <a:spLocks noGrp="1"/>
+          </p:cNvSpPr>
+          <p:nvPr>
+            <p:ph type="title"/>
+          </p:nvPr>
+        </p:nvSpPr>
+        <p:spPr/>
+        <p:txBody>
+          <a:bodyPr>
+            <a:normAutofit/>
+          </a:bodyPr>
+          <a:lstStyle/>
+          <a:p>
+            <a:r>
+              <a:rPr lang="de-AT" dirty="0" err="1" smtClean="0"/>
+              <a:t>Missing</a:t>
+            </a:r>
+            <a:r>
+              <a:rPr lang="de-AT" dirty="0" smtClean="0"/>
+              <a:t> </a:t>
+            </a:r>
+            <a:r>
+              <a:rPr lang="de-AT" dirty="0" err="1" smtClean="0"/>
+              <a:t>Dependencies</a:t>
+            </a:r>
+            <a:r>
+              <a:rPr lang="de-AT" dirty="0" smtClean="0"/>
+              <a:t> vermeiden</a:t>
+            </a:r>
+            <a:endParaRPr lang="en-US" dirty="0"/>
+          </a:p>
+        </p:txBody>
+      </p:sp>
+      <p:pic>
+        <p:nvPicPr>
+          <p:cNvPr id="4" name="Grafik 3"/>
+          <p:cNvPicPr>
+            <a:picLocks noChangeAspect="1"/>
+          </p:cNvPicPr>
+          <p:nvPr/>
+        </p:nvPicPr>
+        <p:blipFill>
+          <a:blip r:embed="rId2"/>
+          <a:stretch>
+            <a:fillRect/>
+          </a:stretch>
+        </p:blipFill>
+        <p:spPr>
+          <a:xfrm>
+            <a:off x="1348739" y="2300618"/>
+            <a:ext cx="5648824" cy="3745852"/>
+          </a:xfrm>
+          <a:prstGeom prst="rect">
+            <a:avLst/>
+          </a:prstGeom>
+        </p:spPr>
+      </p:pic>
+      <p:pic>
+        <p:nvPicPr>
+          <p:cNvPr id="5" name="Grafik 4"/>
+          <p:cNvPicPr>
+            <a:picLocks noChangeAspect="1"/>
+          </p:cNvPicPr>
+          <p:nvPr/>
+        </p:nvPicPr>
+        <p:blipFill>
+          <a:blip r:embed="rId3"/>
+          <a:stretch>
+            <a:fillRect/>
+          </a:stretch>
+        </p:blipFill>
+        <p:spPr>
+          <a:xfrm>
+            <a:off x="6004560" y="4253554"/>
+            <a:ext cx="5725875" cy="1093064"/>
+          </a:xfrm>
+          <a:prstGeom prst="rect">
+            <a:avLst/>
+          </a:prstGeom>
+        </p:spPr>
+      </p:pic>
+    </p:spTree>
+    <p:extLst>
+      <p:ext uri="{BB962C8B-B14F-4D97-AF65-F5344CB8AC3E}">
+        <p14:creationId xmlns:p14="http://schemas.microsoft.com/office/powerpoint/2010/main" val="1961473023"/>
+      </p:ext>
+    </p:extLst>
+  </p:cSld>
+  <p:clrMapOvr>
+    <a:masterClrMapping/>
+  </p:clrMapOvr>
+  <p:timing>
+    <p:tnLst>
+      <p:par>
+        <p:cTn id="1" dur="indefinite" restart="never" nodeType="tmRoot"/>
+      </p:par>
+    </p:tnLst>
+  </p:timing>
+</p:sld>
+</file>
+
+<file path=ppt/slides/slide75.xml><?xml version="1.0" encoding="utf-8"?>
+<p:sld xmlns:a="http://schemas.openxmlformats.org/drawingml/2006/main" xmlns:r="http://schemas.openxmlformats.org/officeDocument/2006/relationships" xmlns:p="http://schemas.openxmlformats.org/presentationml/2006/main">
+  <p:cSld>
+    <p:spTree>
+      <p:nvGrpSpPr>
+        <p:cNvPr id="1" name=""/>
+        <p:cNvGrpSpPr/>
+        <p:nvPr/>
+      </p:nvGrpSpPr>
+      <p:grpSpPr>
+        <a:xfrm>
+          <a:off x="0" y="0"/>
+          <a:ext cx="0" cy="0"/>
+          <a:chOff x="0" y="0"/>
+          <a:chExt cx="0" cy="0"/>
+        </a:xfrm>
+      </p:grpSpPr>
+      <p:sp>
+        <p:nvSpPr>
+          <p:cNvPr id="2" name="Titel 1"/>
+          <p:cNvSpPr>
+            <a:spLocks noGrp="1"/>
+          </p:cNvSpPr>
+          <p:nvPr>
+            <p:ph type="title"/>
+          </p:nvPr>
+        </p:nvSpPr>
+        <p:spPr>
+          <a:xfrm>
+            <a:off x="736895" y="769896"/>
+            <a:ext cx="11455105" cy="1371600"/>
+          </a:xfrm>
+        </p:spPr>
+        <p:txBody>
+          <a:bodyPr>
+            <a:normAutofit/>
+          </a:bodyPr>
+          <a:lstStyle/>
+          <a:p>
+            <a:r>
+              <a:rPr lang="de-AT" dirty="0"/>
+              <a:t>Event spezifische Logik innerhalb eines </a:t>
+            </a:r>
+            <a:r>
+              <a:rPr lang="de-AT" dirty="0" err="1"/>
+              <a:t>Effects</a:t>
+            </a:r>
+            <a:endParaRPr lang="de-AT" dirty="0"/>
+          </a:p>
+        </p:txBody>
+      </p:sp>
+      <p:sp>
+        <p:nvSpPr>
+          <p:cNvPr id="7" name="Inhaltsplatzhalter 2"/>
+          <p:cNvSpPr>
+            <a:spLocks noGrp="1"/>
+          </p:cNvSpPr>
+          <p:nvPr>
+            <p:ph idx="1"/>
+          </p:nvPr>
+        </p:nvSpPr>
+        <p:spPr>
+          <a:xfrm>
+            <a:off x="626356" y="1981476"/>
+            <a:ext cx="10746493" cy="4137259"/>
+          </a:xfrm>
+        </p:spPr>
+        <p:txBody>
+          <a:bodyPr>
+            <a:normAutofit/>
+          </a:bodyPr>
+          <a:lstStyle/>
+          <a:p>
+            <a:pPr marL="285750" lvl="1" indent="-285750">
+              <a:spcBef>
+                <a:spcPts val="1000"/>
+              </a:spcBef>
+            </a:pPr>
+            <a:r>
+              <a:rPr lang="de-AT" sz="2000" dirty="0" smtClean="0"/>
+              <a:t>Problem</a:t>
+            </a:r>
+            <a:r>
+              <a:rPr lang="de-AT" sz="2000" dirty="0"/>
+              <a:t>: Unnötige Zustandsänderung bevor </a:t>
+            </a:r>
+            <a:r>
+              <a:rPr lang="de-AT" sz="2000" dirty="0" smtClean="0"/>
+              <a:t>eine Event basierte </a:t>
+            </a:r>
+            <a:r>
+              <a:rPr lang="de-AT" sz="2000" dirty="0"/>
+              <a:t>Funktion ausgeführt </a:t>
+            </a:r>
+            <a:r>
+              <a:rPr lang="de-AT" sz="2000" dirty="0" smtClean="0"/>
+              <a:t>wird</a:t>
+            </a:r>
+          </a:p>
+          <a:p>
+            <a:endParaRPr lang="de-AT" sz="2400" dirty="0" smtClean="0"/>
+          </a:p>
+        </p:txBody>
+      </p:sp>
+      <p:pic>
+        <p:nvPicPr>
+          <p:cNvPr id="8" name="Grafik 7"/>
+          <p:cNvPicPr>
+            <a:picLocks noChangeAspect="1"/>
+          </p:cNvPicPr>
+          <p:nvPr/>
+        </p:nvPicPr>
+        <p:blipFill>
+          <a:blip r:embed="rId2"/>
+          <a:stretch>
+            <a:fillRect/>
+          </a:stretch>
+        </p:blipFill>
+        <p:spPr>
+          <a:xfrm>
+            <a:off x="346512" y="3353076"/>
+            <a:ext cx="5423392" cy="2198185"/>
+          </a:xfrm>
+          <a:prstGeom prst="rect">
+            <a:avLst/>
+          </a:prstGeom>
+        </p:spPr>
+      </p:pic>
+      <p:pic>
+        <p:nvPicPr>
+          <p:cNvPr id="9" name="Grafik 8"/>
+          <p:cNvPicPr>
+            <a:picLocks noChangeAspect="1"/>
+          </p:cNvPicPr>
+          <p:nvPr/>
+        </p:nvPicPr>
+        <p:blipFill>
+          <a:blip r:embed="rId3"/>
+          <a:stretch>
+            <a:fillRect/>
+          </a:stretch>
+        </p:blipFill>
+        <p:spPr>
+          <a:xfrm>
+            <a:off x="6464447" y="3486442"/>
+            <a:ext cx="5602945" cy="1931451"/>
+          </a:xfrm>
+          <a:prstGeom prst="rect">
+            <a:avLst/>
+          </a:prstGeom>
+        </p:spPr>
+      </p:pic>
+      <p:sp>
+        <p:nvSpPr>
+          <p:cNvPr id="10" name="Pfeil nach rechts 9"/>
+          <p:cNvSpPr/>
+          <p:nvPr/>
+        </p:nvSpPr>
+        <p:spPr>
+          <a:xfrm>
+            <a:off x="5480565" y="3461762"/>
+            <a:ext cx="1131570" cy="445569"/>
+          </a:xfrm>
+          <a:prstGeom prst="rightArrow">
+            <a:avLst/>
+          </a:prstGeom>
+        </p:spPr>
+        <p:style>
+          <a:lnRef idx="2">
+            <a:schemeClr val="accent1">
+              <a:shade val="50000"/>
+            </a:schemeClr>
+          </a:lnRef>
+          <a:fillRef idx="1">
+            <a:schemeClr val="accent1"/>
+          </a:fillRef>
+          <a:effectRef idx="0">
+            <a:schemeClr val="accent1"/>
+          </a:effectRef>
+          <a:fontRef idx="minor">
+            <a:schemeClr val="lt1"/>
+          </a:fontRef>
+        </p:style>
+        <p:txBody>
+          <a:bodyPr rtlCol="0" anchor="ctr"/>
+          <a:lstStyle/>
+          <a:p>
+            <a:pPr algn="ctr"/>
+            <a:endParaRPr lang="en-US"/>
+          </a:p>
+        </p:txBody>
+      </p:sp>
+    </p:spTree>
+    <p:extLst>
+      <p:ext uri="{BB962C8B-B14F-4D97-AF65-F5344CB8AC3E}">
+        <p14:creationId xmlns:p14="http://schemas.microsoft.com/office/powerpoint/2010/main" val="3808784924"/>
+      </p:ext>
+    </p:extLst>
+  </p:cSld>
+  <p:clrMapOvr>
+    <a:masterClrMapping/>
+  </p:clrMapOvr>
+  <p:timing>
+    <p:tnLst>
+      <p:par>
+        <p:cTn id="1" dur="indefinite" restart="never" nodeType="tmRoot">
+          <p:childTnLst>
+            <p:seq concurrent="1" nextAc="seek">
+              <p:cTn id="2" dur="indefinite" nodeType="mainSeq">
+                <p:childTnLst>
+                  <p:par>
+                    <p:cTn id="3" fill="hold">
+                      <p:stCondLst>
+                        <p:cond delay="indefinite"/>
+                      </p:stCondLst>
+                      <p:childTnLst>
+                        <p:par>
+                          <p:cTn id="4" fill="hold">
+                            <p:stCondLst>
+                              <p:cond delay="0"/>
+                            </p:stCondLst>
+                            <p:childTnLst>
+                              <p:par>
+                                <p:cTn id="5" presetID="10" presetClass="entr" presetSubtype="0" fill="hold" nodeType="clickEffect">
+                                  <p:stCondLst>
+                                    <p:cond delay="0"/>
+                                  </p:stCondLst>
+                                  <p:childTnLst>
+                                    <p:set>
+                                      <p:cBhvr>
+                                        <p:cTn id="6" dur="1" fill="hold">
+                                          <p:stCondLst>
+                                            <p:cond delay="0"/>
+                                          </p:stCondLst>
+                                        </p:cTn>
+                                        <p:tgtEl>
+                                          <p:spTgt spid="8"/>
+                                        </p:tgtEl>
+                                        <p:attrNameLst>
+                                          <p:attrName>style.visibility</p:attrName>
+                                        </p:attrNameLst>
+                                      </p:cBhvr>
+                                      <p:to>
+                                        <p:strVal val="visible"/>
+                                      </p:to>
+                                    </p:set>
+                                    <p:animEffect transition="in" filter="fade">
+                                      <p:cBhvr>
+                                        <p:cTn id="7" dur="500"/>
+                                        <p:tgtEl>
+                                          <p:spTgt spid="8"/>
+                                        </p:tgtEl>
+                                      </p:cBhvr>
+                                    </p:animEffect>
+                                  </p:childTnLst>
+                                </p:cTn>
+                              </p:par>
+                            </p:childTnLst>
+                          </p:cTn>
+                        </p:par>
+                      </p:childTnLst>
+                    </p:cTn>
+                  </p:par>
+                  <p:par>
+                    <p:cTn id="8" fill="hold">
+                      <p:stCondLst>
+                        <p:cond delay="indefinite"/>
+                      </p:stCondLst>
+                      <p:childTnLst>
+                        <p:par>
+                          <p:cTn id="9" fill="hold">
+                            <p:stCondLst>
+                              <p:cond delay="0"/>
+                            </p:stCondLst>
+                            <p:childTnLst>
+                              <p:par>
+                                <p:cTn id="10" presetID="10" presetClass="entr" presetSubtype="0" fill="hold" nodeType="clickEffect">
+                                  <p:stCondLst>
+                                    <p:cond delay="0"/>
+                                  </p:stCondLst>
+                                  <p:childTnLst>
+                                    <p:set>
+                                      <p:cBhvr>
+                                        <p:cTn id="11" dur="1" fill="hold">
+                                          <p:stCondLst>
+                                            <p:cond delay="0"/>
+                                          </p:stCondLst>
+                                        </p:cTn>
+                                        <p:tgtEl>
+                                          <p:spTgt spid="9"/>
+                                        </p:tgtEl>
+                                        <p:attrNameLst>
+                                          <p:attrName>style.visibility</p:attrName>
+                                        </p:attrNameLst>
+                                      </p:cBhvr>
+                                      <p:to>
+                                        <p:strVal val="visible"/>
+                                      </p:to>
+                                    </p:set>
+                                    <p:animEffect transition="in" filter="fade">
+                                      <p:cBhvr>
+                                        <p:cTn id="12" dur="500"/>
+                                        <p:tgtEl>
+                                          <p:spTgt spid="9"/>
+                                        </p:tgtEl>
+                                      </p:cBhvr>
+                                    </p:animEffect>
+                                  </p:childTnLst>
+                                </p:cTn>
+                              </p:par>
+                              <p:par>
+                                <p:cTn id="13" presetID="10" presetClass="entr" presetSubtype="0" fill="hold" grpId="0" nodeType="withEffect">
+                                  <p:stCondLst>
+                                    <p:cond delay="0"/>
+                                  </p:stCondLst>
+                                  <p:childTnLst>
+                                    <p:set>
+                                      <p:cBhvr>
+                                        <p:cTn id="14" dur="1" fill="hold">
+                                          <p:stCondLst>
+                                            <p:cond delay="0"/>
+                                          </p:stCondLst>
+                                        </p:cTn>
+                                        <p:tgtEl>
+                                          <p:spTgt spid="10"/>
+                                        </p:tgtEl>
+                                        <p:attrNameLst>
+                                          <p:attrName>style.visibility</p:attrName>
+                                        </p:attrNameLst>
+                                      </p:cBhvr>
+                                      <p:to>
+                                        <p:strVal val="visible"/>
+                                      </p:to>
+                                    </p:set>
+                                    <p:animEffect transition="in" filter="fade">
+                                      <p:cBhvr>
+                                        <p:cTn id="15" dur="500"/>
+                                        <p:tgtEl>
+                                          <p:spTgt spid="10"/>
+                                        </p:tgtEl>
+                                      </p:cBhvr>
+                                    </p:animEffect>
+                                  </p:childTnLst>
+                                </p:cTn>
+                              </p:par>
+                            </p:childTnLst>
+                          </p:cTn>
+                        </p:par>
+                      </p:childTnLst>
+                    </p:cTn>
+                  </p:par>
+                </p:childTnLst>
+              </p:cTn>
+              <p:prevCondLst>
+                <p:cond evt="onPrev" delay="0">
+                  <p:tgtEl>
+                    <p:sldTgt/>
+                  </p:tgtEl>
+                </p:cond>
+              </p:prevCondLst>
+              <p:nextCondLst>
+                <p:cond evt="onNext" delay="0">
+                  <p:tgtEl>
+                    <p:sldTgt/>
+                  </p:tgtEl>
+                </p:cond>
+              </p:nextCondLst>
+            </p:seq>
+          </p:childTnLst>
+        </p:cTn>
+      </p:par>
+    </p:tnLst>
+    <p:bldLst>
+      <p:bldP spid="10" grpId="0" animBg="1"/>
+    </p:bldLst>
+  </p:timing>
+</p:sld>
+</file>
+
+<file path=ppt/slides/slide76.xml><?xml version="1.0" encoding="utf-8"?>
+<p:sld xmlns:a="http://schemas.openxmlformats.org/drawingml/2006/main" xmlns:r="http://schemas.openxmlformats.org/officeDocument/2006/relationships" xmlns:p="http://schemas.openxmlformats.org/presentationml/2006/main">
+  <p:cSld>
+    <p:spTree>
+      <p:nvGrpSpPr>
+        <p:cNvPr id="1" name=""/>
+        <p:cNvGrpSpPr/>
+        <p:nvPr/>
+      </p:nvGrpSpPr>
+      <p:grpSpPr>
+        <a:xfrm>
+          <a:off x="0" y="0"/>
+          <a:ext cx="0" cy="0"/>
+          <a:chOff x="0" y="0"/>
+          <a:chExt cx="0" cy="0"/>
+        </a:xfrm>
+      </p:grpSpPr>
+      <p:sp>
+        <p:nvSpPr>
+          <p:cNvPr id="2" name="Titel 1"/>
+          <p:cNvSpPr>
+            <a:spLocks noGrp="1"/>
+          </p:cNvSpPr>
+          <p:nvPr>
+            <p:ph type="title"/>
+          </p:nvPr>
+        </p:nvSpPr>
+        <p:spPr>
+          <a:xfrm>
+            <a:off x="891541" y="887613"/>
+            <a:ext cx="9864090" cy="1371600"/>
+          </a:xfrm>
+        </p:spPr>
+        <p:txBody>
+          <a:bodyPr>
+            <a:normAutofit/>
+          </a:bodyPr>
+          <a:lstStyle/>
+          <a:p>
+            <a:r>
+              <a:rPr lang="de-DE" dirty="0"/>
+              <a:t>Aktualisierungen von Zuständen basierend auf </a:t>
+            </a:r>
+            <a:r>
+              <a:rPr lang="de-DE" dirty="0" err="1"/>
+              <a:t>Props</a:t>
+            </a:r>
+            <a:r>
+              <a:rPr lang="de-DE" dirty="0"/>
+              <a:t> oder Zuständen</a:t>
+            </a:r>
+          </a:p>
+        </p:txBody>
+      </p:sp>
+      <p:pic>
+        <p:nvPicPr>
+          <p:cNvPr id="3" name="Grafik 2"/>
+          <p:cNvPicPr>
+            <a:picLocks noChangeAspect="1"/>
+          </p:cNvPicPr>
+          <p:nvPr/>
+        </p:nvPicPr>
+        <p:blipFill>
+          <a:blip r:embed="rId2"/>
+          <a:stretch>
+            <a:fillRect/>
+          </a:stretch>
+        </p:blipFill>
+        <p:spPr>
+          <a:xfrm>
+            <a:off x="626357" y="3122999"/>
+            <a:ext cx="5513265" cy="3311690"/>
+          </a:xfrm>
+          <a:prstGeom prst="rect">
+            <a:avLst/>
+          </a:prstGeom>
+        </p:spPr>
+      </p:pic>
+      <p:pic>
+        <p:nvPicPr>
+          <p:cNvPr id="6" name="Grafik 5"/>
+          <p:cNvPicPr>
+            <a:picLocks noChangeAspect="1"/>
+          </p:cNvPicPr>
+          <p:nvPr/>
+        </p:nvPicPr>
+        <p:blipFill>
+          <a:blip r:embed="rId3"/>
+          <a:stretch>
+            <a:fillRect/>
+          </a:stretch>
+        </p:blipFill>
+        <p:spPr>
+          <a:xfrm>
+            <a:off x="6287622" y="3122999"/>
+            <a:ext cx="5572658" cy="2175627"/>
+          </a:xfrm>
+          <a:prstGeom prst="rect">
+            <a:avLst/>
+          </a:prstGeom>
+        </p:spPr>
+      </p:pic>
+      <p:sp>
+        <p:nvSpPr>
+          <p:cNvPr id="7" name="Inhaltsplatzhalter 2"/>
+          <p:cNvSpPr>
+            <a:spLocks noGrp="1"/>
+          </p:cNvSpPr>
+          <p:nvPr>
+            <p:ph idx="1"/>
+          </p:nvPr>
+        </p:nvSpPr>
+        <p:spPr>
+          <a:xfrm>
+            <a:off x="626356" y="2434590"/>
+            <a:ext cx="10872223" cy="4137259"/>
+          </a:xfrm>
+        </p:spPr>
+        <p:txBody>
+          <a:bodyPr>
+            <a:normAutofit/>
+          </a:bodyPr>
+          <a:lstStyle/>
+          <a:p>
+            <a:r>
+              <a:rPr lang="de-AT" sz="2000" dirty="0" smtClean="0"/>
+              <a:t>Problem: Unnötiges Neurendern durch vermeidbare voneinander abhängige Zustände</a:t>
+            </a:r>
+            <a:r>
+              <a:rPr lang="de-AT" sz="2000" dirty="0"/>
+              <a:t/>
+            </a:r>
+            <a:br>
+              <a:rPr lang="de-AT" sz="2000" dirty="0"/>
+            </a:br>
+            <a:endParaRPr lang="de-AT" sz="2000" dirty="0" smtClean="0"/>
+          </a:p>
+          <a:p>
+            <a:endParaRPr lang="de-AT" sz="2000" dirty="0" smtClean="0"/>
+          </a:p>
+        </p:txBody>
+      </p:sp>
+      <p:sp>
+        <p:nvSpPr>
+          <p:cNvPr id="8" name="Pfeil nach rechts 7"/>
+          <p:cNvSpPr/>
+          <p:nvPr/>
+        </p:nvSpPr>
+        <p:spPr>
+          <a:xfrm>
+            <a:off x="5008053" y="3122999"/>
+            <a:ext cx="1131570" cy="445569"/>
+          </a:xfrm>
+          <a:prstGeom prst="rightArrow">
+            <a:avLst/>
+          </a:prstGeom>
+        </p:spPr>
+        <p:style>
+          <a:lnRef idx="2">
+            <a:schemeClr val="accent1">
+              <a:shade val="50000"/>
+            </a:schemeClr>
+          </a:lnRef>
+          <a:fillRef idx="1">
+            <a:schemeClr val="accent1"/>
+          </a:fillRef>
+          <a:effectRef idx="0">
+            <a:schemeClr val="accent1"/>
+          </a:effectRef>
+          <a:fontRef idx="minor">
+            <a:schemeClr val="lt1"/>
+          </a:fontRef>
+        </p:style>
+        <p:txBody>
+          <a:bodyPr rtlCol="0" anchor="ctr"/>
+          <a:lstStyle/>
+          <a:p>
+            <a:pPr algn="ctr"/>
+            <a:endParaRPr lang="en-US"/>
+          </a:p>
+        </p:txBody>
+      </p:sp>
+    </p:spTree>
+    <p:extLst>
+      <p:ext uri="{BB962C8B-B14F-4D97-AF65-F5344CB8AC3E}">
+        <p14:creationId xmlns:p14="http://schemas.microsoft.com/office/powerpoint/2010/main" val="154156596"/>
+      </p:ext>
+    </p:extLst>
+  </p:cSld>
+  <p:clrMapOvr>
+    <a:masterClrMapping/>
+  </p:clrMapOvr>
+  <p:timing>
+    <p:tnLst>
+      <p:par>
+        <p:cTn id="1" dur="indefinite" restart="never" nodeType="tmRoot">
+          <p:childTnLst>
+            <p:seq concurrent="1" nextAc="seek">
+              <p:cTn id="2" dur="indefinite" nodeType="mainSeq">
+                <p:childTnLst>
+                  <p:par>
+                    <p:cTn id="3" fill="hold">
+                      <p:stCondLst>
+                        <p:cond delay="indefinite"/>
+                      </p:stCondLst>
+                      <p:childTnLst>
+                        <p:par>
+                          <p:cTn id="4" fill="hold">
+                            <p:stCondLst>
+                              <p:cond delay="0"/>
+                            </p:stCondLst>
+                            <p:childTnLst>
+                              <p:par>
+                                <p:cTn id="5" presetID="10" presetClass="entr" presetSubtype="0" fill="hold" nodeType="clickEffect">
+                                  <p:stCondLst>
+                                    <p:cond delay="0"/>
+                                  </p:stCondLst>
+                                  <p:childTnLst>
+                                    <p:set>
+                                      <p:cBhvr>
+                                        <p:cTn id="6" dur="1" fill="hold">
+                                          <p:stCondLst>
+                                            <p:cond delay="0"/>
+                                          </p:stCondLst>
+                                        </p:cTn>
+                                        <p:tgtEl>
+                                          <p:spTgt spid="3"/>
+                                        </p:tgtEl>
+                                        <p:attrNameLst>
+                                          <p:attrName>style.visibility</p:attrName>
+                                        </p:attrNameLst>
+                                      </p:cBhvr>
+                                      <p:to>
+                                        <p:strVal val="visible"/>
+                                      </p:to>
+                                    </p:set>
+                                    <p:animEffect transition="in" filter="fade">
+                                      <p:cBhvr>
+                                        <p:cTn id="7" dur="500"/>
+                                        <p:tgtEl>
+                                          <p:spTgt spid="3"/>
+                                        </p:tgtEl>
+                                      </p:cBhvr>
+                                    </p:animEffect>
+                                  </p:childTnLst>
+                                </p:cTn>
+                              </p:par>
+                            </p:childTnLst>
+                          </p:cTn>
+                        </p:par>
+                      </p:childTnLst>
+                    </p:cTn>
+                  </p:par>
+                  <p:par>
+                    <p:cTn id="8" fill="hold">
+                      <p:stCondLst>
+                        <p:cond delay="indefinite"/>
+                      </p:stCondLst>
+                      <p:childTnLst>
+                        <p:par>
+                          <p:cTn id="9" fill="hold">
+                            <p:stCondLst>
+                              <p:cond delay="0"/>
+                            </p:stCondLst>
+                            <p:childTnLst>
+                              <p:par>
+                                <p:cTn id="10" presetID="10" presetClass="entr" presetSubtype="0" fill="hold" nodeType="clickEffect">
+                                  <p:stCondLst>
+                                    <p:cond delay="0"/>
+                                  </p:stCondLst>
+                                  <p:childTnLst>
+                                    <p:set>
+                                      <p:cBhvr>
+                                        <p:cTn id="11" dur="1" fill="hold">
+                                          <p:stCondLst>
+                                            <p:cond delay="0"/>
+                                          </p:stCondLst>
+                                        </p:cTn>
+                                        <p:tgtEl>
+                                          <p:spTgt spid="6"/>
+                                        </p:tgtEl>
+                                        <p:attrNameLst>
+                                          <p:attrName>style.visibility</p:attrName>
+                                        </p:attrNameLst>
+                                      </p:cBhvr>
+                                      <p:to>
+                                        <p:strVal val="visible"/>
+                                      </p:to>
+                                    </p:set>
+                                    <p:animEffect transition="in" filter="fade">
+                                      <p:cBhvr>
+                                        <p:cTn id="12" dur="500"/>
+                                        <p:tgtEl>
+                                          <p:spTgt spid="6"/>
+                                        </p:tgtEl>
+                                      </p:cBhvr>
+                                    </p:animEffect>
+                                  </p:childTnLst>
+                                </p:cTn>
+                              </p:par>
+                              <p:par>
+                                <p:cTn id="13" presetID="10" presetClass="entr" presetSubtype="0" fill="hold" grpId="0" nodeType="withEffect">
+                                  <p:stCondLst>
+                                    <p:cond delay="0"/>
+                                  </p:stCondLst>
+                                  <p:childTnLst>
+                                    <p:set>
+                                      <p:cBhvr>
+                                        <p:cTn id="14" dur="1" fill="hold">
+                                          <p:stCondLst>
+                                            <p:cond delay="0"/>
+                                          </p:stCondLst>
+                                        </p:cTn>
+                                        <p:tgtEl>
+                                          <p:spTgt spid="8"/>
+                                        </p:tgtEl>
+                                        <p:attrNameLst>
+                                          <p:attrName>style.visibility</p:attrName>
+                                        </p:attrNameLst>
+                                      </p:cBhvr>
+                                      <p:to>
+                                        <p:strVal val="visible"/>
+                                      </p:to>
+                                    </p:set>
+                                    <p:animEffect transition="in" filter="fade">
+                                      <p:cBhvr>
+                                        <p:cTn id="15" dur="500"/>
+                                        <p:tgtEl>
+                                          <p:spTgt spid="8"/>
+                                        </p:tgtEl>
+                                      </p:cBhvr>
+                                    </p:animEffect>
+                                  </p:childTnLst>
+                                </p:cTn>
+                              </p:par>
+                            </p:childTnLst>
+                          </p:cTn>
+                        </p:par>
+                      </p:childTnLst>
+                    </p:cTn>
+                  </p:par>
+                </p:childTnLst>
+              </p:cTn>
+              <p:prevCondLst>
+                <p:cond evt="onPrev" delay="0">
+                  <p:tgtEl>
+                    <p:sldTgt/>
+                  </p:tgtEl>
+                </p:cond>
+              </p:prevCondLst>
+              <p:nextCondLst>
+                <p:cond evt="onNext" delay="0">
+                  <p:tgtEl>
+                    <p:sldTgt/>
+                  </p:tgtEl>
+                </p:cond>
+              </p:nextCondLst>
+            </p:seq>
+          </p:childTnLst>
+        </p:cTn>
+      </p:par>
+    </p:tnLst>
+    <p:bldLst>
+      <p:bldP spid="8" grpId="0" animBg="1"/>
+    </p:bldLst>
+  </p:timing>
+</p:sld>
+</file>
+
+<file path=ppt/slides/slide77.xml><?xml version="1.0" encoding="utf-8"?>
+<p:sld xmlns:a="http://schemas.openxmlformats.org/drawingml/2006/main" xmlns:r="http://schemas.openxmlformats.org/officeDocument/2006/relationships" xmlns:p="http://schemas.openxmlformats.org/presentationml/2006/main">
+  <p:cSld>
+    <p:spTree>
+      <p:nvGrpSpPr>
+        <p:cNvPr id="1" name=""/>
+        <p:cNvGrpSpPr/>
+        <p:nvPr/>
+      </p:nvGrpSpPr>
+      <p:grpSpPr>
+        <a:xfrm>
+          <a:off x="0" y="0"/>
+          <a:ext cx="0" cy="0"/>
+          <a:chOff x="0" y="0"/>
+          <a:chExt cx="0" cy="0"/>
+        </a:xfrm>
+      </p:grpSpPr>
+      <p:sp>
+        <p:nvSpPr>
+          <p:cNvPr id="2" name="Titel 1"/>
+          <p:cNvSpPr>
+            <a:spLocks noGrp="1"/>
+          </p:cNvSpPr>
+          <p:nvPr>
+            <p:ph type="title"/>
+          </p:nvPr>
+        </p:nvSpPr>
+        <p:spPr>
+          <a:xfrm>
+            <a:off x="1005840" y="685800"/>
+            <a:ext cx="10195560" cy="1371600"/>
+          </a:xfrm>
+        </p:spPr>
+        <p:txBody>
+          <a:bodyPr/>
+          <a:lstStyle/>
+          <a:p>
+            <a:r>
+              <a:rPr lang="de-AT" dirty="0" smtClean="0"/>
+              <a:t>Aufwändige Berechnung innerhalb von </a:t>
+            </a:r>
+            <a:r>
+              <a:rPr lang="de-AT" dirty="0" err="1" smtClean="0"/>
+              <a:t>useEffect</a:t>
+            </a:r>
+            <a:r>
+              <a:rPr lang="de-AT" dirty="0" smtClean="0"/>
+              <a:t> </a:t>
+            </a:r>
+            <a:endParaRPr lang="en-US" dirty="0"/>
+          </a:p>
+        </p:txBody>
+      </p:sp>
+      <p:sp>
+        <p:nvSpPr>
+          <p:cNvPr id="3" name="Inhaltsplatzhalter 2"/>
+          <p:cNvSpPr>
+            <a:spLocks noGrp="1"/>
+          </p:cNvSpPr>
+          <p:nvPr>
+            <p:ph idx="1"/>
+          </p:nvPr>
+        </p:nvSpPr>
+        <p:spPr>
+          <a:xfrm>
+            <a:off x="925830" y="2057400"/>
+            <a:ext cx="9433562" cy="4137259"/>
+          </a:xfrm>
+        </p:spPr>
+        <p:txBody>
+          <a:bodyPr/>
+          <a:lstStyle/>
+          <a:p>
+            <a:r>
+              <a:rPr lang="de-AT" dirty="0" smtClean="0"/>
+              <a:t>Wie können wir diesen Code </a:t>
+            </a:r>
+            <a:r>
+              <a:rPr lang="de-AT" dirty="0" err="1" smtClean="0"/>
+              <a:t>refactoren</a:t>
+            </a:r>
+            <a:r>
+              <a:rPr lang="de-AT" dirty="0"/>
+              <a:t>?</a:t>
+            </a:r>
+            <a:endParaRPr lang="en-US" dirty="0"/>
+          </a:p>
+        </p:txBody>
+      </p:sp>
+      <p:pic>
+        <p:nvPicPr>
+          <p:cNvPr id="4" name="Grafik 3"/>
+          <p:cNvPicPr>
+            <a:picLocks noChangeAspect="1"/>
+          </p:cNvPicPr>
+          <p:nvPr/>
+        </p:nvPicPr>
+        <p:blipFill>
+          <a:blip r:embed="rId2"/>
+          <a:stretch>
+            <a:fillRect/>
+          </a:stretch>
+        </p:blipFill>
+        <p:spPr>
+          <a:xfrm>
+            <a:off x="510803" y="2725799"/>
+            <a:ext cx="5592817" cy="3234400"/>
+          </a:xfrm>
+          <a:prstGeom prst="rect">
+            <a:avLst/>
+          </a:prstGeom>
+        </p:spPr>
+      </p:pic>
+      <p:pic>
+        <p:nvPicPr>
+          <p:cNvPr id="5" name="Grafik 4"/>
+          <p:cNvPicPr>
+            <a:picLocks noChangeAspect="1"/>
+          </p:cNvPicPr>
+          <p:nvPr/>
+        </p:nvPicPr>
+        <p:blipFill>
+          <a:blip r:embed="rId3"/>
+          <a:stretch>
+            <a:fillRect/>
+          </a:stretch>
+        </p:blipFill>
+        <p:spPr>
+          <a:xfrm>
+            <a:off x="6269752" y="2851529"/>
+            <a:ext cx="5893278" cy="2006222"/>
+          </a:xfrm>
+          <a:prstGeom prst="rect">
+            <a:avLst/>
+          </a:prstGeom>
+        </p:spPr>
+      </p:pic>
+    </p:spTree>
+    <p:extLst>
+      <p:ext uri="{BB962C8B-B14F-4D97-AF65-F5344CB8AC3E}">
+        <p14:creationId xmlns:p14="http://schemas.microsoft.com/office/powerpoint/2010/main" val="3198991668"/>
+      </p:ext>
+    </p:extLst>
+  </p:cSld>
+  <p:clrMapOvr>
+    <a:masterClrMapping/>
+  </p:clrMapOvr>
+  <p:timing>
+    <p:tnLst>
+      <p:par>
+        <p:cTn id="1" dur="indefinite" restart="never" nodeType="tmRoot">
+          <p:childTnLst>
+            <p:seq concurrent="1" nextAc="seek">
+              <p:cTn id="2" dur="indefinite" nodeType="mainSeq">
+                <p:childTnLst>
+                  <p:par>
+                    <p:cTn id="3" fill="hold">
+                      <p:stCondLst>
+                        <p:cond delay="indefinite"/>
+                      </p:stCondLst>
+                      <p:childTnLst>
+                        <p:par>
+                          <p:cTn id="4" fill="hold">
+                            <p:stCondLst>
+                              <p:cond delay="0"/>
+                            </p:stCondLst>
+                            <p:childTnLst>
+                              <p:par>
+                                <p:cTn id="5" presetID="10" presetClass="entr" presetSubtype="0" fill="hold" nodeType="clickEffect">
+                                  <p:stCondLst>
+                                    <p:cond delay="0"/>
+                                  </p:stCondLst>
+                                  <p:childTnLst>
+                                    <p:set>
+                                      <p:cBhvr>
+                                        <p:cTn id="6" dur="1" fill="hold">
+                                          <p:stCondLst>
+                                            <p:cond delay="0"/>
+                                          </p:stCondLst>
+                                        </p:cTn>
+                                        <p:tgtEl>
+                                          <p:spTgt spid="4"/>
+                                        </p:tgtEl>
+                                        <p:attrNameLst>
+                                          <p:attrName>style.visibility</p:attrName>
+                                        </p:attrNameLst>
+                                      </p:cBhvr>
+                                      <p:to>
+                                        <p:strVal val="visible"/>
+                                      </p:to>
+                                    </p:set>
+                                    <p:animEffect transition="in" filter="fade">
+                                      <p:cBhvr>
+                                        <p:cTn id="7" dur="500"/>
+                                        <p:tgtEl>
+                                          <p:spTgt spid="4"/>
+                                        </p:tgtEl>
+                                      </p:cBhvr>
+                                    </p:animEffect>
+                                  </p:childTnLst>
+                                </p:cTn>
+                              </p:par>
+                            </p:childTnLst>
+                          </p:cTn>
+                        </p:par>
+                      </p:childTnLst>
+                    </p:cTn>
+                  </p:par>
+                  <p:par>
+                    <p:cTn id="8" fill="hold">
+                      <p:stCondLst>
+                        <p:cond delay="indefinite"/>
+                      </p:stCondLst>
+                      <p:childTnLst>
+                        <p:par>
+                          <p:cTn id="9" fill="hold">
+                            <p:stCondLst>
+                              <p:cond delay="0"/>
+                            </p:stCondLst>
+                            <p:childTnLst>
+                              <p:par>
+                                <p:cTn id="10" presetID="10" presetClass="entr" presetSubtype="0" fill="hold" nodeType="clickEffect">
+                                  <p:stCondLst>
+                                    <p:cond delay="0"/>
+                                  </p:stCondLst>
+                                  <p:childTnLst>
+                                    <p:set>
+                                      <p:cBhvr>
+                                        <p:cTn id="11" dur="1" fill="hold">
+                                          <p:stCondLst>
+                                            <p:cond delay="0"/>
+                                          </p:stCondLst>
+                                        </p:cTn>
+                                        <p:tgtEl>
+                                          <p:spTgt spid="5"/>
+                                        </p:tgtEl>
+                                        <p:attrNameLst>
+                                          <p:attrName>style.visibility</p:attrName>
+                                        </p:attrNameLst>
+                                      </p:cBhvr>
+                                      <p:to>
+                                        <p:strVal val="visible"/>
+                                      </p:to>
+                                    </p:set>
+                                    <p:animEffect transition="in" filter="fade">
+                                      <p:cBhvr>
+                                        <p:cTn id="12" dur="500"/>
+                                        <p:tgtEl>
+                                          <p:spTgt spid="5"/>
+                                        </p:tgtEl>
+                                      </p:cBhvr>
+                                    </p:animEffect>
+                                  </p:childTnLst>
+                                </p:cTn>
+                              </p:par>
+                            </p:childTnLst>
+                          </p:cTn>
+                        </p:par>
+                      </p:childTnLst>
+                    </p:cTn>
+                  </p:par>
+                </p:childTnLst>
+              </p:cTn>
+              <p:prevCondLst>
+                <p:cond evt="onPrev" delay="0">
+                  <p:tgtEl>
+                    <p:sldTgt/>
+                  </p:tgtEl>
+                </p:cond>
+              </p:prevCondLst>
+              <p:nextCondLst>
+                <p:cond evt="onNext" delay="0">
+                  <p:tgtEl>
+                    <p:sldTgt/>
+                  </p:tgtEl>
+                </p:cond>
+              </p:nextCondLst>
+            </p:seq>
+          </p:childTnLst>
+        </p:cTn>
+      </p:par>
+    </p:tnLst>
+  </p:timing>
+</p:sld>
+</file>
+
+<file path=ppt/slides/slide78.xml><?xml version="1.0" encoding="utf-8"?>
+<p:sld xmlns:a="http://schemas.openxmlformats.org/drawingml/2006/main" xmlns:r="http://schemas.openxmlformats.org/officeDocument/2006/relationships" xmlns:p="http://schemas.openxmlformats.org/presentationml/2006/main">
+  <p:cSld>
+    <p:spTree>
+      <p:nvGrpSpPr>
+        <p:cNvPr id="1" name=""/>
+        <p:cNvGrpSpPr/>
+        <p:nvPr/>
+      </p:nvGrpSpPr>
+      <p:grpSpPr>
+        <a:xfrm>
+          <a:off x="0" y="0"/>
+          <a:ext cx="0" cy="0"/>
+          <a:chOff x="0" y="0"/>
+          <a:chExt cx="0" cy="0"/>
+        </a:xfrm>
+      </p:grpSpPr>
+      <p:sp>
+        <p:nvSpPr>
+          <p:cNvPr id="2" name="Titel 1"/>
+          <p:cNvSpPr>
+            <a:spLocks noGrp="1"/>
+          </p:cNvSpPr>
+          <p:nvPr>
+            <p:ph type="title"/>
+          </p:nvPr>
+        </p:nvSpPr>
+        <p:spPr>
+          <a:xfrm>
+            <a:off x="1005840" y="685800"/>
+            <a:ext cx="10195560" cy="1371600"/>
+          </a:xfrm>
+        </p:spPr>
+        <p:txBody>
+          <a:bodyPr/>
+          <a:lstStyle/>
+          <a:p>
+            <a:r>
+              <a:rPr lang="de-AT" dirty="0" smtClean="0"/>
+              <a:t>Aufwändige Berechnung innerhalb von </a:t>
+            </a:r>
+            <a:r>
+              <a:rPr lang="de-AT" dirty="0" err="1" smtClean="0"/>
+              <a:t>useEffect</a:t>
+            </a:r>
+            <a:r>
+              <a:rPr lang="de-AT" dirty="0" smtClean="0"/>
+              <a:t> </a:t>
+            </a:r>
+            <a:endParaRPr lang="en-US" dirty="0"/>
+          </a:p>
+        </p:txBody>
+      </p:sp>
+      <p:sp>
+        <p:nvSpPr>
+          <p:cNvPr id="3" name="Inhaltsplatzhalter 2"/>
+          <p:cNvSpPr>
+            <a:spLocks noGrp="1"/>
+          </p:cNvSpPr>
+          <p:nvPr>
+            <p:ph idx="1"/>
+          </p:nvPr>
+        </p:nvSpPr>
+        <p:spPr>
+          <a:xfrm>
+            <a:off x="925830" y="2057400"/>
+            <a:ext cx="9433562" cy="4137259"/>
+          </a:xfrm>
+        </p:spPr>
+        <p:txBody>
+          <a:bodyPr/>
+          <a:lstStyle/>
+          <a:p>
+            <a:r>
+              <a:rPr lang="de-AT" dirty="0" smtClean="0"/>
+              <a:t>Wo siehst du ein Problem mit diesem Code?</a:t>
+            </a:r>
+          </a:p>
+          <a:p>
+            <a:pPr lvl="1"/>
+            <a:r>
+              <a:rPr lang="de-AT" dirty="0" smtClean="0"/>
+              <a:t>Wann wird die </a:t>
+            </a:r>
+            <a:r>
+              <a:rPr lang="de-AT" dirty="0" err="1" smtClean="0"/>
+              <a:t>getFilteredTodos</a:t>
+            </a:r>
+            <a:r>
+              <a:rPr lang="de-AT" dirty="0" smtClean="0"/>
+              <a:t> Funktion aufgerufen?</a:t>
+            </a:r>
+          </a:p>
+          <a:p>
+            <a:pPr lvl="1"/>
+            <a:r>
+              <a:rPr lang="de-AT" dirty="0" smtClean="0"/>
+              <a:t>Problem: nach jedem Rendering wird die </a:t>
+            </a:r>
+            <a:r>
+              <a:rPr lang="de-AT" dirty="0" err="1" smtClean="0"/>
+              <a:t>zeítaufwändige</a:t>
+            </a:r>
+            <a:r>
+              <a:rPr lang="de-AT" dirty="0" smtClean="0"/>
+              <a:t> Berechnung durchgeführt auch wenn sich keine der abhängigen </a:t>
+            </a:r>
+            <a:r>
+              <a:rPr lang="de-AT" dirty="0" err="1" smtClean="0"/>
+              <a:t>Zustönde</a:t>
+            </a:r>
+            <a:r>
+              <a:rPr lang="de-AT" dirty="0" smtClean="0"/>
+              <a:t> geändert hat</a:t>
+            </a:r>
+          </a:p>
+          <a:p>
+            <a:r>
+              <a:rPr lang="de-AT" dirty="0" smtClean="0"/>
+              <a:t>Wie können wir diesen Code noch weiter </a:t>
+            </a:r>
+            <a:r>
+              <a:rPr lang="de-AT" dirty="0" err="1" smtClean="0"/>
+              <a:t>refactoren</a:t>
+            </a:r>
+            <a:r>
+              <a:rPr lang="de-AT" dirty="0"/>
+              <a:t>?</a:t>
+            </a:r>
+            <a:endParaRPr lang="en-US" dirty="0"/>
+          </a:p>
+        </p:txBody>
+      </p:sp>
+      <p:pic>
+        <p:nvPicPr>
+          <p:cNvPr id="5" name="Grafik 4"/>
+          <p:cNvPicPr>
+            <a:picLocks noChangeAspect="1"/>
+          </p:cNvPicPr>
+          <p:nvPr/>
+        </p:nvPicPr>
+        <p:blipFill>
+          <a:blip r:embed="rId2"/>
+          <a:stretch>
+            <a:fillRect/>
+          </a:stretch>
+        </p:blipFill>
+        <p:spPr>
+          <a:xfrm>
+            <a:off x="2653192" y="3994528"/>
+            <a:ext cx="7034846" cy="2394841"/>
+          </a:xfrm>
+          <a:prstGeom prst="rect">
+            <a:avLst/>
+          </a:prstGeom>
+        </p:spPr>
+      </p:pic>
+    </p:spTree>
+    <p:extLst>
+      <p:ext uri="{BB962C8B-B14F-4D97-AF65-F5344CB8AC3E}">
+        <p14:creationId xmlns:p14="http://schemas.microsoft.com/office/powerpoint/2010/main" val="297397411"/>
+      </p:ext>
+    </p:extLst>
+  </p:cSld>
+  <p:clrMapOvr>
+    <a:masterClrMapping/>
+  </p:clrMapOvr>
+  <p:timing>
+    <p:tnLst>
+      <p:par>
+        <p:cTn id="1" dur="indefinite" restart="never" nodeType="tmRoot">
+          <p:childTnLst>
+            <p:seq concurrent="1" nextAc="seek">
+              <p:cTn id="2" dur="indefinite" nodeType="mainSeq">
+                <p:childTnLst>
+                  <p:par>
+                    <p:cTn id="3" fill="hold">
+                      <p:stCondLst>
+                        <p:cond delay="indefinite"/>
+                      </p:stCondLst>
+                      <p:childTnLst>
+                        <p:par>
+                          <p:cTn id="4" fill="hold">
+                            <p:stCondLst>
+                              <p:cond delay="0"/>
+                            </p:stCondLst>
+                            <p:childTnLst>
+                              <p:par>
+                                <p:cTn id="5" presetID="10" presetClass="entr" presetSubtype="0" fill="hold" nodeType="clickEffect">
+                                  <p:stCondLst>
+                                    <p:cond delay="0"/>
+                                  </p:stCondLst>
+                                  <p:childTnLst>
+                                    <p:set>
+                                      <p:cBhvr>
+                                        <p:cTn id="6" dur="1" fill="hold">
+                                          <p:stCondLst>
+                                            <p:cond delay="0"/>
+                                          </p:stCondLst>
+                                        </p:cTn>
+                                        <p:tgtEl>
+                                          <p:spTgt spid="5"/>
+                                        </p:tgtEl>
+                                        <p:attrNameLst>
+                                          <p:attrName>style.visibility</p:attrName>
+                                        </p:attrNameLst>
+                                      </p:cBhvr>
+                                      <p:to>
+                                        <p:strVal val="visible"/>
+                                      </p:to>
+                                    </p:set>
+                                    <p:animEffect transition="in" filter="fade">
+                                      <p:cBhvr>
+                                        <p:cTn id="7" dur="500"/>
+                                        <p:tgtEl>
+                                          <p:spTgt spid="5"/>
+                                        </p:tgtEl>
+                                      </p:cBhvr>
+                                    </p:animEffect>
+                                  </p:childTnLst>
+                                </p:cTn>
+                              </p:par>
+                            </p:childTnLst>
+                          </p:cTn>
+                        </p:par>
+                      </p:childTnLst>
+                    </p:cTn>
+                  </p:par>
+                  <p:par>
+                    <p:cTn id="8" fill="hold">
+                      <p:stCondLst>
+                        <p:cond delay="indefinite"/>
+                      </p:stCondLst>
+                      <p:childTnLst>
+                        <p:par>
+                          <p:cTn id="9" fill="hold">
+                            <p:stCondLst>
+                              <p:cond delay="0"/>
+                            </p:stCondLst>
+                            <p:childTnLst>
+                              <p:par>
+                                <p:cTn id="10" presetID="10" presetClass="entr" presetSubtype="0" fill="hold" grpId="0" nodeType="clickEffect">
+                                  <p:stCondLst>
+                                    <p:cond delay="0"/>
+                                  </p:stCondLst>
+                                  <p:childTnLst>
+                                    <p:set>
+                                      <p:cBhvr>
+                                        <p:cTn id="11" dur="1" fill="hold">
+                                          <p:stCondLst>
+                                            <p:cond delay="0"/>
+                                          </p:stCondLst>
+                                        </p:cTn>
+                                        <p:tgtEl>
+                                          <p:spTgt spid="3">
+                                            <p:txEl>
+                                              <p:pRg st="0" end="0"/>
+                                            </p:txEl>
+                                          </p:spTgt>
+                                        </p:tgtEl>
+                                        <p:attrNameLst>
+                                          <p:attrName>style.visibility</p:attrName>
+                                        </p:attrNameLst>
+                                      </p:cBhvr>
+                                      <p:to>
+                                        <p:strVal val="visible"/>
+                                      </p:to>
+                                    </p:set>
+                                    <p:animEffect transition="in" filter="fade">
+                                      <p:cBhvr>
+                                        <p:cTn id="12" dur="500"/>
+                                        <p:tgtEl>
+                                          <p:spTgt spid="3">
+                                            <p:txEl>
+                                              <p:pRg st="0" end="0"/>
+                                            </p:txEl>
+                                          </p:spTgt>
+                                        </p:tgtEl>
+                                      </p:cBhvr>
+                                    </p:animEffect>
+                                  </p:childTnLst>
+                                </p:cTn>
+                              </p:par>
+                            </p:childTnLst>
+                          </p:cTn>
+                        </p:par>
+                      </p:childTnLst>
+                    </p:cTn>
+                  </p:par>
+                  <p:par>
+                    <p:cTn id="13" fill="hold">
+                      <p:stCondLst>
+                        <p:cond delay="indefinite"/>
+                      </p:stCondLst>
+                      <p:childTnLst>
+                        <p:par>
+                          <p:cTn id="14" fill="hold">
+                            <p:stCondLst>
+                              <p:cond delay="0"/>
+                            </p:stCondLst>
+                            <p:childTnLst>
+                              <p:par>
+                                <p:cTn id="15" presetID="10" presetClass="entr" presetSubtype="0" fill="hold" grpId="0" nodeType="clickEffect">
+                                  <p:stCondLst>
+                                    <p:cond delay="0"/>
+                                  </p:stCondLst>
+                                  <p:childTnLst>
+                                    <p:set>
+                                      <p:cBhvr>
+                                        <p:cTn id="16" dur="1" fill="hold">
+                                          <p:stCondLst>
+                                            <p:cond delay="0"/>
+                                          </p:stCondLst>
+                                        </p:cTn>
+                                        <p:tgtEl>
+                                          <p:spTgt spid="3">
+                                            <p:txEl>
+                                              <p:pRg st="1" end="1"/>
+                                            </p:txEl>
+                                          </p:spTgt>
+                                        </p:tgtEl>
+                                        <p:attrNameLst>
+                                          <p:attrName>style.visibility</p:attrName>
+                                        </p:attrNameLst>
+                                      </p:cBhvr>
+                                      <p:to>
+                                        <p:strVal val="visible"/>
+                                      </p:to>
+                                    </p:set>
+                                    <p:animEffect transition="in" filter="fade">
+                                      <p:cBhvr>
+                                        <p:cTn id="17" dur="500"/>
+                                        <p:tgtEl>
+                                          <p:spTgt spid="3">
+                                            <p:txEl>
+                                              <p:pRg st="1" end="1"/>
+                                            </p:txEl>
+                                          </p:spTgt>
+                                        </p:tgtEl>
+                                      </p:cBhvr>
+                                    </p:animEffect>
+                                  </p:childTnLst>
+                                </p:cTn>
+                              </p:par>
+                            </p:childTnLst>
+                          </p:cTn>
+                        </p:par>
+                      </p:childTnLst>
+                    </p:cTn>
+                  </p:par>
+                  <p:par>
+                    <p:cTn id="18" fill="hold">
+                      <p:stCondLst>
+                        <p:cond delay="indefinite"/>
+                      </p:stCondLst>
+                      <p:childTnLst>
+                        <p:par>
+                          <p:cTn id="19" fill="hold">
+                            <p:stCondLst>
+                              <p:cond delay="0"/>
+                            </p:stCondLst>
+                            <p:childTnLst>
+                              <p:par>
+                                <p:cTn id="20" presetID="10" presetClass="entr" presetSubtype="0" fill="hold" grpId="0" nodeType="clickEffect">
+                                  <p:stCondLst>
+                                    <p:cond delay="0"/>
+                                  </p:stCondLst>
+                                  <p:childTnLst>
+                                    <p:set>
+                                      <p:cBhvr>
+                                        <p:cTn id="21" dur="1" fill="hold">
+                                          <p:stCondLst>
+                                            <p:cond delay="0"/>
+                                          </p:stCondLst>
+                                        </p:cTn>
+                                        <p:tgtEl>
+                                          <p:spTgt spid="3">
+                                            <p:txEl>
+                                              <p:pRg st="2" end="2"/>
+                                            </p:txEl>
+                                          </p:spTgt>
+                                        </p:tgtEl>
+                                        <p:attrNameLst>
+                                          <p:attrName>style.visibility</p:attrName>
+                                        </p:attrNameLst>
+                                      </p:cBhvr>
+                                      <p:to>
+                                        <p:strVal val="visible"/>
+                                      </p:to>
+                                    </p:set>
+                                    <p:animEffect transition="in" filter="fade">
+                                      <p:cBhvr>
+                                        <p:cTn id="22" dur="500"/>
+                                        <p:tgtEl>
+                                          <p:spTgt spid="3">
+                                            <p:txEl>
+                                              <p:pRg st="2" end="2"/>
+                                            </p:txEl>
+                                          </p:spTgt>
+                                        </p:tgtEl>
+                                      </p:cBhvr>
+                                    </p:animEffect>
+                                  </p:childTnLst>
+                                </p:cTn>
+                              </p:par>
+                            </p:childTnLst>
+                          </p:cTn>
+                        </p:par>
+                      </p:childTnLst>
+                    </p:cTn>
+                  </p:par>
+                  <p:par>
+                    <p:cTn id="23" fill="hold">
+                      <p:stCondLst>
+                        <p:cond delay="indefinite"/>
+                      </p:stCondLst>
+                      <p:childTnLst>
+                        <p:par>
+                          <p:cTn id="24" fill="hold">
+                            <p:stCondLst>
+                              <p:cond delay="0"/>
+                            </p:stCondLst>
+                            <p:childTnLst>
+                              <p:par>
+                                <p:cTn id="25" presetID="10" presetClass="entr" presetSubtype="0" fill="hold" grpId="0" nodeType="clickEffect">
+                                  <p:stCondLst>
+                                    <p:cond delay="0"/>
+                                  </p:stCondLst>
+                                  <p:childTnLst>
+                                    <p:set>
+                                      <p:cBhvr>
+                                        <p:cTn id="26" dur="1" fill="hold">
+                                          <p:stCondLst>
+                                            <p:cond delay="0"/>
+                                          </p:stCondLst>
+                                        </p:cTn>
+                                        <p:tgtEl>
+                                          <p:spTgt spid="3">
+                                            <p:txEl>
+                                              <p:pRg st="3" end="3"/>
+                                            </p:txEl>
+                                          </p:spTgt>
+                                        </p:tgtEl>
+                                        <p:attrNameLst>
+                                          <p:attrName>style.visibility</p:attrName>
+                                        </p:attrNameLst>
+                                      </p:cBhvr>
+                                      <p:to>
+                                        <p:strVal val="visible"/>
+                                      </p:to>
+                                    </p:set>
+                                    <p:animEffect transition="in" filter="fade">
+                                      <p:cBhvr>
+                                        <p:cTn id="27" dur="500"/>
+                                        <p:tgtEl>
+                                          <p:spTgt spid="3">
+                                            <p:txEl>
+                                              <p:pRg st="3" end="3"/>
+                                            </p:txEl>
+                                          </p:spTgt>
+                                        </p:tgtEl>
+                                      </p:cBhvr>
+                                    </p:animEffect>
+                                  </p:childTnLst>
+                                </p:cTn>
+                              </p:par>
+                            </p:childTnLst>
+                          </p:cTn>
+                        </p:par>
+                      </p:childTnLst>
+                    </p:cTn>
+                  </p:par>
+                </p:childTnLst>
+              </p:cTn>
+              <p:prevCondLst>
+                <p:cond evt="onPrev" delay="0">
+                  <p:tgtEl>
+                    <p:sldTgt/>
+                  </p:tgtEl>
+                </p:cond>
+              </p:prevCondLst>
+              <p:nextCondLst>
+                <p:cond evt="onNext" delay="0">
+                  <p:tgtEl>
+                    <p:sldTgt/>
+                  </p:tgtEl>
+                </p:cond>
+              </p:nextCondLst>
+            </p:seq>
+          </p:childTnLst>
+        </p:cTn>
+      </p:par>
+    </p:tnLst>
+    <p:bldLst>
+      <p:bldP spid="3" grpId="0" uiExpand="1" build="p"/>
+    </p:bldLst>
+  </p:timing>
+</p:sld>
+</file>
+
+<file path=ppt/slides/slide79.xml><?xml version="1.0" encoding="utf-8"?>
+<p:sld xmlns:a="http://schemas.openxmlformats.org/drawingml/2006/main" xmlns:r="http://schemas.openxmlformats.org/officeDocument/2006/relationships" xmlns:p="http://schemas.openxmlformats.org/presentationml/2006/main">
+  <p:cSld>
+    <p:spTree>
+      <p:nvGrpSpPr>
+        <p:cNvPr id="1" name=""/>
+        <p:cNvGrpSpPr/>
+        <p:nvPr/>
+      </p:nvGrpSpPr>
+      <p:grpSpPr>
+        <a:xfrm>
+          <a:off x="0" y="0"/>
+          <a:ext cx="0" cy="0"/>
+          <a:chOff x="0" y="0"/>
+          <a:chExt cx="0" cy="0"/>
+        </a:xfrm>
+      </p:grpSpPr>
+      <p:sp>
+        <p:nvSpPr>
+          <p:cNvPr id="2" name="Titel 1"/>
+          <p:cNvSpPr>
+            <a:spLocks noGrp="1"/>
+          </p:cNvSpPr>
+          <p:nvPr>
+            <p:ph type="title"/>
+          </p:nvPr>
+        </p:nvSpPr>
+        <p:spPr/>
+        <p:txBody>
+          <a:bodyPr/>
+          <a:lstStyle/>
+          <a:p>
+            <a:r>
+              <a:rPr lang="de-AT" dirty="0" err="1" smtClean="0"/>
+              <a:t>React</a:t>
+            </a:r>
+            <a:r>
+              <a:rPr lang="de-AT" dirty="0" smtClean="0"/>
+              <a:t> </a:t>
+            </a:r>
+            <a:r>
+              <a:rPr lang="de-AT" dirty="0" err="1" smtClean="0"/>
+              <a:t>useMemo</a:t>
+            </a:r>
+            <a:endParaRPr lang="en-US" dirty="0"/>
+          </a:p>
+        </p:txBody>
+      </p:sp>
+      <p:sp>
+        <p:nvSpPr>
+          <p:cNvPr id="3" name="Inhaltsplatzhalter 2"/>
+          <p:cNvSpPr>
+            <a:spLocks noGrp="1"/>
+          </p:cNvSpPr>
+          <p:nvPr>
+            <p:ph idx="1"/>
+          </p:nvPr>
+        </p:nvSpPr>
+        <p:spPr>
+          <a:xfrm>
+            <a:off x="537210" y="2057400"/>
+            <a:ext cx="5737860" cy="4137259"/>
+          </a:xfrm>
+        </p:spPr>
+        <p:txBody>
+          <a:bodyPr>
+            <a:normAutofit lnSpcReduction="10000"/>
+          </a:bodyPr>
+          <a:lstStyle/>
+          <a:p>
+            <a:r>
+              <a:rPr lang="de-DE" dirty="0" err="1" smtClean="0"/>
+              <a:t>useMemo</a:t>
+            </a:r>
+            <a:r>
+              <a:rPr lang="de-DE" dirty="0" smtClean="0"/>
+              <a:t> </a:t>
+            </a:r>
+            <a:r>
+              <a:rPr lang="de-DE" dirty="0"/>
+              <a:t>ist </a:t>
+            </a:r>
+            <a:r>
+              <a:rPr lang="de-DE" dirty="0" smtClean="0"/>
+              <a:t>ein </a:t>
+            </a:r>
+            <a:r>
+              <a:rPr lang="de-DE" dirty="0" err="1" smtClean="0"/>
+              <a:t>React</a:t>
+            </a:r>
+            <a:r>
+              <a:rPr lang="de-DE" dirty="0" smtClean="0"/>
+              <a:t> </a:t>
+            </a:r>
+            <a:r>
+              <a:rPr lang="de-DE" dirty="0"/>
+              <a:t>Hook </a:t>
+            </a:r>
+            <a:r>
+              <a:rPr lang="de-DE" dirty="0" smtClean="0"/>
+              <a:t>der verwendet wird, </a:t>
+            </a:r>
+            <a:r>
+              <a:rPr lang="de-DE" dirty="0"/>
+              <a:t>um teure Berechnungen </a:t>
+            </a:r>
+            <a:r>
+              <a:rPr lang="de-DE" dirty="0" smtClean="0"/>
+              <a:t>nur </a:t>
+            </a:r>
+            <a:r>
+              <a:rPr lang="de-DE" dirty="0"/>
+              <a:t>bei Bedarf neu </a:t>
+            </a:r>
+            <a:r>
+              <a:rPr lang="de-DE" dirty="0" smtClean="0"/>
+              <a:t>zu berechnen, und </a:t>
+            </a:r>
+            <a:r>
+              <a:rPr lang="de-DE" dirty="0"/>
+              <a:t>basierend auf ihren Abhängigkeiten zu </a:t>
+            </a:r>
+            <a:r>
+              <a:rPr lang="de-DE" dirty="0" err="1"/>
+              <a:t>memoisieren</a:t>
+            </a:r>
+            <a:r>
+              <a:rPr lang="de-DE" dirty="0"/>
+              <a:t> und zurückzugeben.</a:t>
+            </a:r>
+          </a:p>
+          <a:p>
+            <a:r>
+              <a:rPr lang="de-DE" dirty="0" smtClean="0"/>
+              <a:t>Es </a:t>
+            </a:r>
+            <a:r>
+              <a:rPr lang="de-DE" dirty="0"/>
+              <a:t>ermöglicht die Kontrolle über die Abhängigkeiten der Berechnung, wodurch diese nur neu ausgeführt wird, wenn sich die angegebenen Abhängigkeiten ändern.</a:t>
+            </a:r>
+          </a:p>
+          <a:p>
+            <a:r>
+              <a:rPr lang="de-DE" dirty="0" smtClean="0"/>
+              <a:t>Durch </a:t>
+            </a:r>
+            <a:r>
+              <a:rPr lang="de-DE" dirty="0" err="1"/>
+              <a:t>Memoisierung</a:t>
+            </a:r>
+            <a:r>
+              <a:rPr lang="de-DE" dirty="0"/>
+              <a:t> können unnötige Neuberechnungen in Komponenten vermieden werden, was die Leistung verbessern kann, insbesondere bei Berechnungen mit hohen Kosten</a:t>
+            </a:r>
+            <a:r>
+              <a:rPr lang="de-DE" dirty="0" smtClean="0"/>
+              <a:t>.</a:t>
+            </a:r>
+            <a:endParaRPr lang="en-US" dirty="0"/>
+          </a:p>
+          <a:p>
+            <a:endParaRPr lang="en-US" dirty="0"/>
+          </a:p>
+        </p:txBody>
+      </p:sp>
+      <p:pic>
+        <p:nvPicPr>
+          <p:cNvPr id="5" name="Grafik 4"/>
+          <p:cNvPicPr>
+            <a:picLocks noChangeAspect="1"/>
+          </p:cNvPicPr>
+          <p:nvPr/>
+        </p:nvPicPr>
+        <p:blipFill>
+          <a:blip r:embed="rId3"/>
+          <a:stretch>
+            <a:fillRect/>
+          </a:stretch>
+        </p:blipFill>
+        <p:spPr>
+          <a:xfrm>
+            <a:off x="6606540" y="2057400"/>
+            <a:ext cx="5265611" cy="2829011"/>
+          </a:xfrm>
+          <a:prstGeom prst="rect">
+            <a:avLst/>
+          </a:prstGeom>
+        </p:spPr>
+      </p:pic>
+    </p:spTree>
+    <p:extLst>
+      <p:ext uri="{BB962C8B-B14F-4D97-AF65-F5344CB8AC3E}">
+        <p14:creationId xmlns:p14="http://schemas.microsoft.com/office/powerpoint/2010/main" val="1659947875"/>
+      </p:ext>
+    </p:extLst>
+  </p:cSld>
+  <p:clrMapOvr>
+    <a:masterClrMapping/>
+  </p:clrMapOvr>
+  <p:timing>
+    <p:tnLst>
+      <p:par>
+        <p:cTn id="1" dur="indefinite" restart="never" nodeType="tmRoot"/>
+      </p:par>
+    </p:tnLst>
+  </p:timing>
 </p:sld>
 </file>
 
@@ -22052,6 +25453,1762 @@
   <p:clrMapOvr>
     <a:masterClrMapping/>
   </p:clrMapOvr>
+  <p:timing>
+    <p:tnLst>
+      <p:par>
+        <p:cTn id="1" dur="indefinite" restart="never" nodeType="tmRoot"/>
+      </p:par>
+    </p:tnLst>
+  </p:timing>
+</p:sld>
+</file>
+
+<file path=ppt/slides/slide80.xml><?xml version="1.0" encoding="utf-8"?>
+<p:sld xmlns:a="http://schemas.openxmlformats.org/drawingml/2006/main" xmlns:r="http://schemas.openxmlformats.org/officeDocument/2006/relationships" xmlns:p="http://schemas.openxmlformats.org/presentationml/2006/main">
+  <p:cSld>
+    <p:spTree>
+      <p:nvGrpSpPr>
+        <p:cNvPr id="1" name=""/>
+        <p:cNvGrpSpPr/>
+        <p:nvPr/>
+      </p:nvGrpSpPr>
+      <p:grpSpPr>
+        <a:xfrm>
+          <a:off x="0" y="0"/>
+          <a:ext cx="0" cy="0"/>
+          <a:chOff x="0" y="0"/>
+          <a:chExt cx="0" cy="0"/>
+        </a:xfrm>
+      </p:grpSpPr>
+      <p:sp>
+        <p:nvSpPr>
+          <p:cNvPr id="2" name="Titel 1"/>
+          <p:cNvSpPr>
+            <a:spLocks noGrp="1"/>
+          </p:cNvSpPr>
+          <p:nvPr>
+            <p:ph type="title"/>
+          </p:nvPr>
+        </p:nvSpPr>
+        <p:spPr/>
+        <p:txBody>
+          <a:bodyPr/>
+          <a:lstStyle/>
+          <a:p>
+            <a:r>
+              <a:rPr lang="de-AT" dirty="0" err="1" smtClean="0"/>
+              <a:t>React</a:t>
+            </a:r>
+            <a:r>
+              <a:rPr lang="de-AT" dirty="0" smtClean="0"/>
+              <a:t> </a:t>
+            </a:r>
+            <a:r>
+              <a:rPr lang="de-AT" dirty="0" err="1" smtClean="0"/>
+              <a:t>useMemo</a:t>
+            </a:r>
+            <a:endParaRPr lang="en-US" dirty="0"/>
+          </a:p>
+        </p:txBody>
+      </p:sp>
+      <p:sp>
+        <p:nvSpPr>
+          <p:cNvPr id="3" name="Inhaltsplatzhalter 2"/>
+          <p:cNvSpPr>
+            <a:spLocks noGrp="1"/>
+          </p:cNvSpPr>
+          <p:nvPr>
+            <p:ph idx="1"/>
+          </p:nvPr>
+        </p:nvSpPr>
+        <p:spPr>
+          <a:xfrm>
+            <a:off x="902970" y="2057400"/>
+            <a:ext cx="9650732" cy="4137259"/>
+          </a:xfrm>
+        </p:spPr>
+        <p:txBody>
+          <a:bodyPr/>
+          <a:lstStyle/>
+          <a:p>
+            <a:r>
+              <a:rPr lang="de-AT" dirty="0" err="1" smtClean="0"/>
+              <a:t>Refactored</a:t>
+            </a:r>
+            <a:r>
+              <a:rPr lang="de-AT" dirty="0" smtClean="0"/>
+              <a:t> Code aus unserem vorangegangenen Beispiel</a:t>
+            </a:r>
+          </a:p>
+          <a:p>
+            <a:r>
+              <a:rPr lang="de-AT" dirty="0" smtClean="0"/>
+              <a:t>Die </a:t>
+            </a:r>
+            <a:r>
+              <a:rPr lang="de-AT" dirty="0" err="1" smtClean="0"/>
+              <a:t>getFilteredTodos</a:t>
+            </a:r>
+            <a:r>
+              <a:rPr lang="de-AT" dirty="0" smtClean="0"/>
+              <a:t> Methode wird nur ausgeführt wenn sich einer der angegebenen Zustände sich ändert</a:t>
+            </a:r>
+            <a:endParaRPr lang="en-US" dirty="0"/>
+          </a:p>
+        </p:txBody>
+      </p:sp>
+      <p:pic>
+        <p:nvPicPr>
+          <p:cNvPr id="4" name="Grafik 3"/>
+          <p:cNvPicPr>
+            <a:picLocks noChangeAspect="1"/>
+          </p:cNvPicPr>
+          <p:nvPr/>
+        </p:nvPicPr>
+        <p:blipFill>
+          <a:blip r:embed="rId2"/>
+          <a:stretch>
+            <a:fillRect/>
+          </a:stretch>
+        </p:blipFill>
+        <p:spPr>
+          <a:xfrm>
+            <a:off x="582243" y="3429000"/>
+            <a:ext cx="5640708" cy="1920241"/>
+          </a:xfrm>
+          <a:prstGeom prst="rect">
+            <a:avLst/>
+          </a:prstGeom>
+        </p:spPr>
+      </p:pic>
+      <p:pic>
+        <p:nvPicPr>
+          <p:cNvPr id="5" name="Grafik 4"/>
+          <p:cNvPicPr>
+            <a:picLocks noChangeAspect="1"/>
+          </p:cNvPicPr>
+          <p:nvPr/>
+        </p:nvPicPr>
+        <p:blipFill>
+          <a:blip r:embed="rId3"/>
+          <a:stretch>
+            <a:fillRect/>
+          </a:stretch>
+        </p:blipFill>
+        <p:spPr>
+          <a:xfrm>
+            <a:off x="6409486" y="3514624"/>
+            <a:ext cx="5451235" cy="2928740"/>
+          </a:xfrm>
+          <a:prstGeom prst="rect">
+            <a:avLst/>
+          </a:prstGeom>
+        </p:spPr>
+      </p:pic>
+      <p:sp>
+        <p:nvSpPr>
+          <p:cNvPr id="6" name="Pfeil nach rechts 5"/>
+          <p:cNvSpPr/>
+          <p:nvPr/>
+        </p:nvSpPr>
+        <p:spPr>
+          <a:xfrm>
+            <a:off x="5166893" y="3514624"/>
+            <a:ext cx="1131570" cy="445569"/>
+          </a:xfrm>
+          <a:prstGeom prst="rightArrow">
+            <a:avLst/>
+          </a:prstGeom>
+        </p:spPr>
+        <p:style>
+          <a:lnRef idx="2">
+            <a:schemeClr val="accent1">
+              <a:shade val="50000"/>
+            </a:schemeClr>
+          </a:lnRef>
+          <a:fillRef idx="1">
+            <a:schemeClr val="accent1"/>
+          </a:fillRef>
+          <a:effectRef idx="0">
+            <a:schemeClr val="accent1"/>
+          </a:effectRef>
+          <a:fontRef idx="minor">
+            <a:schemeClr val="lt1"/>
+          </a:fontRef>
+        </p:style>
+        <p:txBody>
+          <a:bodyPr rtlCol="0" anchor="ctr"/>
+          <a:lstStyle/>
+          <a:p>
+            <a:pPr algn="ctr"/>
+            <a:endParaRPr lang="en-US"/>
+          </a:p>
+        </p:txBody>
+      </p:sp>
+    </p:spTree>
+    <p:extLst>
+      <p:ext uri="{BB962C8B-B14F-4D97-AF65-F5344CB8AC3E}">
+        <p14:creationId xmlns:p14="http://schemas.microsoft.com/office/powerpoint/2010/main" val="1819179693"/>
+      </p:ext>
+    </p:extLst>
+  </p:cSld>
+  <p:clrMapOvr>
+    <a:masterClrMapping/>
+  </p:clrMapOvr>
+  <p:timing>
+    <p:tnLst>
+      <p:par>
+        <p:cTn id="1" dur="indefinite" restart="never" nodeType="tmRoot"/>
+      </p:par>
+    </p:tnLst>
+  </p:timing>
+</p:sld>
+</file>
+
+<file path=ppt/slides/slide81.xml><?xml version="1.0" encoding="utf-8"?>
+<p:sld xmlns:a="http://schemas.openxmlformats.org/drawingml/2006/main" xmlns:r="http://schemas.openxmlformats.org/officeDocument/2006/relationships" xmlns:p="http://schemas.openxmlformats.org/presentationml/2006/main">
+  <p:cSld>
+    <p:spTree>
+      <p:nvGrpSpPr>
+        <p:cNvPr id="1" name=""/>
+        <p:cNvGrpSpPr/>
+        <p:nvPr/>
+      </p:nvGrpSpPr>
+      <p:grpSpPr>
+        <a:xfrm>
+          <a:off x="0" y="0"/>
+          <a:ext cx="0" cy="0"/>
+          <a:chOff x="0" y="0"/>
+          <a:chExt cx="0" cy="0"/>
+        </a:xfrm>
+      </p:grpSpPr>
+      <p:sp>
+        <p:nvSpPr>
+          <p:cNvPr id="2" name="Titel 1"/>
+          <p:cNvSpPr>
+            <a:spLocks noGrp="1"/>
+          </p:cNvSpPr>
+          <p:nvPr>
+            <p:ph type="title"/>
+          </p:nvPr>
+        </p:nvSpPr>
+        <p:spPr/>
+        <p:txBody>
+          <a:bodyPr/>
+          <a:lstStyle/>
+          <a:p>
+            <a:r>
+              <a:rPr lang="de-AT" dirty="0" err="1" smtClean="0"/>
+              <a:t>Refactoring</a:t>
+            </a:r>
+            <a:r>
+              <a:rPr lang="de-AT" dirty="0" smtClean="0"/>
+              <a:t> Code Challenge</a:t>
+            </a:r>
+            <a:endParaRPr lang="en-US" dirty="0"/>
+          </a:p>
+        </p:txBody>
+      </p:sp>
+      <p:sp>
+        <p:nvSpPr>
+          <p:cNvPr id="3" name="Inhaltsplatzhalter 2"/>
+          <p:cNvSpPr>
+            <a:spLocks noGrp="1"/>
+          </p:cNvSpPr>
+          <p:nvPr>
+            <p:ph idx="1"/>
+          </p:nvPr>
+        </p:nvSpPr>
+        <p:spPr>
+          <a:xfrm>
+            <a:off x="754380" y="2057400"/>
+            <a:ext cx="7292340" cy="4137259"/>
+          </a:xfrm>
+        </p:spPr>
+        <p:txBody>
+          <a:bodyPr>
+            <a:normAutofit fontScale="92500"/>
+          </a:bodyPr>
+          <a:lstStyle/>
+          <a:p>
+            <a:pPr marL="342900" indent="-342900">
+              <a:buFont typeface="+mj-lt"/>
+              <a:buAutoNum type="arabicPeriod"/>
+            </a:pPr>
+            <a:r>
+              <a:rPr lang="de-DE" dirty="0" smtClean="0"/>
+              <a:t>Die </a:t>
+            </a:r>
+            <a:r>
+              <a:rPr lang="de-DE" dirty="0"/>
+              <a:t>untenstehende </a:t>
+            </a:r>
+            <a:r>
+              <a:rPr lang="de-DE" dirty="0" err="1"/>
+              <a:t>Todo</a:t>
+            </a:r>
+            <a:r>
+              <a:rPr lang="de-DE" dirty="0"/>
+              <a:t>-Liste zeigt eine Liste von </a:t>
+            </a:r>
+            <a:r>
+              <a:rPr lang="de-DE" dirty="0" err="1"/>
+              <a:t>Todos</a:t>
+            </a:r>
+            <a:r>
+              <a:rPr lang="de-DE" dirty="0"/>
+              <a:t> an. Wenn das Kontrollkästchen "Nur aktive </a:t>
+            </a:r>
+            <a:r>
+              <a:rPr lang="de-DE" dirty="0" err="1"/>
+              <a:t>Todos</a:t>
+            </a:r>
+            <a:r>
+              <a:rPr lang="de-DE" dirty="0"/>
+              <a:t> anzeigen" aktiviert ist, werden abgeschlossene </a:t>
+            </a:r>
+            <a:r>
+              <a:rPr lang="de-DE" dirty="0" err="1"/>
+              <a:t>Todos</a:t>
+            </a:r>
+            <a:r>
+              <a:rPr lang="de-DE" dirty="0"/>
+              <a:t> nicht in der Liste angezeigt. Unabhängig davon, welche </a:t>
+            </a:r>
+            <a:r>
+              <a:rPr lang="de-DE" dirty="0" err="1"/>
+              <a:t>Todos</a:t>
+            </a:r>
+            <a:r>
+              <a:rPr lang="de-DE" dirty="0"/>
+              <a:t> sichtbar sind, zeigt der Fußzeilenbereich die Anzahl der </a:t>
+            </a:r>
+            <a:r>
+              <a:rPr lang="de-DE" dirty="0" err="1"/>
+              <a:t>Todos</a:t>
+            </a:r>
+            <a:r>
+              <a:rPr lang="de-DE" dirty="0"/>
+              <a:t> an, die noch nicht abgeschlossen </a:t>
+            </a:r>
+            <a:r>
+              <a:rPr lang="de-DE" dirty="0" smtClean="0"/>
+              <a:t>sind. </a:t>
+            </a:r>
+            <a:br>
+              <a:rPr lang="de-DE" dirty="0" smtClean="0"/>
+            </a:br>
+            <a:r>
+              <a:rPr lang="de-DE" dirty="0" smtClean="0"/>
+              <a:t>Vereinfachen </a:t>
+            </a:r>
+            <a:r>
+              <a:rPr lang="de-DE" dirty="0"/>
+              <a:t>Sie diese Komponente, indem Sie alle unnötigen Zustände und Effekte entfernen</a:t>
+            </a:r>
+            <a:r>
+              <a:rPr lang="de-DE" dirty="0" smtClean="0"/>
+              <a:t>.</a:t>
+            </a:r>
+          </a:p>
+          <a:p>
+            <a:pPr marL="342900" indent="-342900">
+              <a:buFont typeface="+mj-lt"/>
+              <a:buAutoNum type="arabicPeriod"/>
+            </a:pPr>
+            <a:r>
+              <a:rPr lang="de-DE" dirty="0" smtClean="0"/>
+              <a:t>Ihre </a:t>
+            </a:r>
+            <a:r>
+              <a:rPr lang="de-DE" dirty="0"/>
+              <a:t>Aufgabe besteht darin, den Effekt zu entfernen, der die Liste der sichtbaren </a:t>
+            </a:r>
+            <a:r>
+              <a:rPr lang="de-DE" dirty="0" err="1"/>
+              <a:t>Todos</a:t>
+            </a:r>
+            <a:r>
+              <a:rPr lang="de-DE" dirty="0"/>
+              <a:t> im </a:t>
+            </a:r>
+            <a:r>
+              <a:rPr lang="de-DE" dirty="0" err="1"/>
+              <a:t>TodoList</a:t>
+            </a:r>
+            <a:r>
+              <a:rPr lang="de-DE" dirty="0"/>
+              <a:t>-Komponente neu berechnet. Sie müssen jedoch sicherstellen, dass </a:t>
+            </a:r>
+            <a:r>
+              <a:rPr lang="de-DE" dirty="0" err="1"/>
+              <a:t>getVisibleTodos</a:t>
+            </a:r>
+            <a:r>
+              <a:rPr lang="de-DE" dirty="0"/>
+              <a:t>() nicht erneut ausgeführt wird (und daher keine Protokolle druckt), wenn Sie in das Eingabefeld tippen.</a:t>
+            </a:r>
+          </a:p>
+          <a:p>
+            <a:pPr marL="342900" indent="-342900">
+              <a:buFont typeface="+mj-lt"/>
+              <a:buAutoNum type="arabicPeriod"/>
+            </a:pPr>
+            <a:endParaRPr lang="en-US" dirty="0"/>
+          </a:p>
+        </p:txBody>
+      </p:sp>
+      <p:pic>
+        <p:nvPicPr>
+          <p:cNvPr id="5" name="Grafik 4"/>
+          <p:cNvPicPr>
+            <a:picLocks noChangeAspect="1"/>
+          </p:cNvPicPr>
+          <p:nvPr/>
+        </p:nvPicPr>
+        <p:blipFill>
+          <a:blip r:embed="rId3"/>
+          <a:stretch>
+            <a:fillRect/>
+          </a:stretch>
+        </p:blipFill>
+        <p:spPr>
+          <a:xfrm>
+            <a:off x="8435340" y="2057401"/>
+            <a:ext cx="2849881" cy="1756916"/>
+          </a:xfrm>
+          <a:prstGeom prst="rect">
+            <a:avLst/>
+          </a:prstGeom>
+        </p:spPr>
+      </p:pic>
+    </p:spTree>
+    <p:extLst>
+      <p:ext uri="{BB962C8B-B14F-4D97-AF65-F5344CB8AC3E}">
+        <p14:creationId xmlns:p14="http://schemas.microsoft.com/office/powerpoint/2010/main" val="1163260840"/>
+      </p:ext>
+    </p:extLst>
+  </p:cSld>
+  <p:clrMapOvr>
+    <a:masterClrMapping/>
+  </p:clrMapOvr>
+  <p:timing>
+    <p:tnLst>
+      <p:par>
+        <p:cTn id="1" dur="indefinite" restart="never" nodeType="tmRoot"/>
+      </p:par>
+    </p:tnLst>
+  </p:timing>
+</p:sld>
+</file>
+
+<file path=ppt/slides/slide82.xml><?xml version="1.0" encoding="utf-8"?>
+<p:sld xmlns:a="http://schemas.openxmlformats.org/drawingml/2006/main" xmlns:r="http://schemas.openxmlformats.org/officeDocument/2006/relationships" xmlns:p="http://schemas.openxmlformats.org/presentationml/2006/main">
+  <p:cSld>
+    <p:spTree>
+      <p:nvGrpSpPr>
+        <p:cNvPr id="1" name=""/>
+        <p:cNvGrpSpPr/>
+        <p:nvPr/>
+      </p:nvGrpSpPr>
+      <p:grpSpPr>
+        <a:xfrm>
+          <a:off x="0" y="0"/>
+          <a:ext cx="0" cy="0"/>
+          <a:chOff x="0" y="0"/>
+          <a:chExt cx="0" cy="0"/>
+        </a:xfrm>
+      </p:grpSpPr>
+      <p:sp>
+        <p:nvSpPr>
+          <p:cNvPr id="2" name="Titel 1"/>
+          <p:cNvSpPr>
+            <a:spLocks noGrp="1"/>
+          </p:cNvSpPr>
+          <p:nvPr>
+            <p:ph type="title"/>
+          </p:nvPr>
+        </p:nvSpPr>
+        <p:spPr/>
+        <p:txBody>
+          <a:bodyPr/>
+          <a:lstStyle/>
+          <a:p>
+            <a:r>
+              <a:rPr lang="de-AT" dirty="0" err="1" smtClean="0"/>
+              <a:t>React</a:t>
+            </a:r>
+            <a:r>
+              <a:rPr lang="de-AT" dirty="0" smtClean="0"/>
+              <a:t> </a:t>
+            </a:r>
+            <a:r>
+              <a:rPr lang="de-AT" dirty="0" err="1" smtClean="0"/>
+              <a:t>useRef</a:t>
+            </a:r>
+            <a:r>
+              <a:rPr lang="de-AT" dirty="0" smtClean="0"/>
+              <a:t> Hook</a:t>
+            </a:r>
+            <a:endParaRPr lang="en-US" dirty="0"/>
+          </a:p>
+        </p:txBody>
+      </p:sp>
+      <p:sp>
+        <p:nvSpPr>
+          <p:cNvPr id="3" name="Inhaltsplatzhalter 2"/>
+          <p:cNvSpPr>
+            <a:spLocks noGrp="1"/>
+          </p:cNvSpPr>
+          <p:nvPr>
+            <p:ph idx="1"/>
+          </p:nvPr>
+        </p:nvSpPr>
+        <p:spPr>
+          <a:xfrm>
+            <a:off x="708660" y="2057400"/>
+            <a:ext cx="6236138" cy="4137259"/>
+          </a:xfrm>
+        </p:spPr>
+        <p:txBody>
+          <a:bodyPr>
+            <a:normAutofit fontScale="92500" lnSpcReduction="10000"/>
+          </a:bodyPr>
+          <a:lstStyle/>
+          <a:p>
+            <a:r>
+              <a:rPr lang="de-DE" dirty="0" smtClean="0"/>
+              <a:t>Mit </a:t>
+            </a:r>
+            <a:r>
+              <a:rPr lang="de-DE" dirty="0" err="1"/>
+              <a:t>useRef</a:t>
+            </a:r>
+            <a:r>
+              <a:rPr lang="de-DE" dirty="0"/>
+              <a:t> können Sie Referenzen auf DOM-Elemente speichern, um später darauf zuzugreifen oder sie zu manipulieren.</a:t>
+            </a:r>
+          </a:p>
+          <a:p>
+            <a:r>
+              <a:rPr lang="de-DE" dirty="0" err="1" smtClean="0"/>
+              <a:t>useRef</a:t>
+            </a:r>
+            <a:r>
+              <a:rPr lang="de-DE" dirty="0" smtClean="0"/>
+              <a:t> </a:t>
+            </a:r>
+            <a:r>
+              <a:rPr lang="de-DE" dirty="0"/>
+              <a:t>ermöglicht das Speichern von Werten zwischen </a:t>
+            </a:r>
+            <a:r>
+              <a:rPr lang="de-DE" dirty="0" err="1"/>
+              <a:t>Rerenderungen</a:t>
+            </a:r>
+            <a:r>
+              <a:rPr lang="de-DE" dirty="0"/>
+              <a:t> einer Komponente, ohne dass dabei ein erneutes Rendern ausgelöst wird.</a:t>
+            </a:r>
+          </a:p>
+          <a:p>
+            <a:r>
+              <a:rPr lang="de-DE" dirty="0" smtClean="0"/>
+              <a:t>Sie </a:t>
+            </a:r>
+            <a:r>
+              <a:rPr lang="de-DE" dirty="0"/>
+              <a:t>können auf den aktuellen Wert der Referenz über </a:t>
+            </a:r>
+            <a:r>
+              <a:rPr lang="de-DE" dirty="0" err="1"/>
+              <a:t>ref.current</a:t>
+            </a:r>
+            <a:r>
+              <a:rPr lang="de-DE" dirty="0"/>
+              <a:t> zugreifen, der auch zwischen den </a:t>
+            </a:r>
+            <a:r>
+              <a:rPr lang="de-DE" dirty="0" err="1"/>
+              <a:t>Rerenderungen</a:t>
+            </a:r>
+            <a:r>
+              <a:rPr lang="de-DE" dirty="0"/>
+              <a:t> erhalten bleibt</a:t>
+            </a:r>
+            <a:r>
+              <a:rPr lang="de-DE" dirty="0" smtClean="0"/>
+              <a:t>.</a:t>
+            </a:r>
+          </a:p>
+          <a:p>
+            <a:r>
+              <a:rPr lang="de-DE" dirty="0" smtClean="0"/>
+              <a:t>Ähnlich dem bereits bekannten </a:t>
+            </a:r>
+            <a:r>
+              <a:rPr lang="de-DE" dirty="0" err="1" smtClean="0"/>
+              <a:t>document.getElementById</a:t>
+            </a:r>
+            <a:r>
+              <a:rPr lang="de-DE" dirty="0" smtClean="0"/>
+              <a:t>(„</a:t>
+            </a:r>
+            <a:r>
+              <a:rPr lang="de-DE" dirty="0" err="1" smtClean="0"/>
+              <a:t>myelement</a:t>
+            </a:r>
+            <a:r>
+              <a:rPr lang="de-DE" dirty="0" smtClean="0"/>
+              <a:t>“) aber spezifisch für </a:t>
+            </a:r>
+            <a:r>
+              <a:rPr lang="de-DE" dirty="0" err="1" smtClean="0"/>
+              <a:t>React</a:t>
+            </a:r>
+            <a:r>
+              <a:rPr lang="de-DE" dirty="0" smtClean="0"/>
+              <a:t>. Performanter bei mehrfachen Renderings</a:t>
+            </a:r>
+            <a:endParaRPr lang="de-DE" dirty="0"/>
+          </a:p>
+          <a:p>
+            <a:endParaRPr lang="en-US" dirty="0"/>
+          </a:p>
+          <a:p>
+            <a:endParaRPr lang="en-US" dirty="0"/>
+          </a:p>
+        </p:txBody>
+      </p:sp>
+      <p:pic>
+        <p:nvPicPr>
+          <p:cNvPr id="4" name="Grafik 3"/>
+          <p:cNvPicPr>
+            <a:picLocks noChangeAspect="1"/>
+          </p:cNvPicPr>
+          <p:nvPr/>
+        </p:nvPicPr>
+        <p:blipFill>
+          <a:blip r:embed="rId3"/>
+          <a:stretch>
+            <a:fillRect/>
+          </a:stretch>
+        </p:blipFill>
+        <p:spPr>
+          <a:xfrm>
+            <a:off x="6944798" y="2160142"/>
+            <a:ext cx="5133609" cy="3109088"/>
+          </a:xfrm>
+          <a:prstGeom prst="rect">
+            <a:avLst/>
+          </a:prstGeom>
+        </p:spPr>
+      </p:pic>
+    </p:spTree>
+    <p:extLst>
+      <p:ext uri="{BB962C8B-B14F-4D97-AF65-F5344CB8AC3E}">
+        <p14:creationId xmlns:p14="http://schemas.microsoft.com/office/powerpoint/2010/main" val="383937485"/>
+      </p:ext>
+    </p:extLst>
+  </p:cSld>
+  <p:clrMapOvr>
+    <a:masterClrMapping/>
+  </p:clrMapOvr>
+  <p:timing>
+    <p:tnLst>
+      <p:par>
+        <p:cTn id="1" dur="indefinite" restart="never" nodeType="tmRoot"/>
+      </p:par>
+    </p:tnLst>
+  </p:timing>
+</p:sld>
+</file>
+
+<file path=ppt/slides/slide83.xml><?xml version="1.0" encoding="utf-8"?>
+<p:sld xmlns:a="http://schemas.openxmlformats.org/drawingml/2006/main" xmlns:r="http://schemas.openxmlformats.org/officeDocument/2006/relationships" xmlns:p="http://schemas.openxmlformats.org/presentationml/2006/main">
+  <p:cSld>
+    <p:spTree>
+      <p:nvGrpSpPr>
+        <p:cNvPr id="1" name=""/>
+        <p:cNvGrpSpPr/>
+        <p:nvPr/>
+      </p:nvGrpSpPr>
+      <p:grpSpPr>
+        <a:xfrm>
+          <a:off x="0" y="0"/>
+          <a:ext cx="0" cy="0"/>
+          <a:chOff x="0" y="0"/>
+          <a:chExt cx="0" cy="0"/>
+        </a:xfrm>
+      </p:grpSpPr>
+      <p:sp>
+        <p:nvSpPr>
+          <p:cNvPr id="2" name="Titel 1"/>
+          <p:cNvSpPr>
+            <a:spLocks noGrp="1"/>
+          </p:cNvSpPr>
+          <p:nvPr>
+            <p:ph type="title"/>
+          </p:nvPr>
+        </p:nvSpPr>
+        <p:spPr>
+          <a:xfrm>
+            <a:off x="1158239" y="342900"/>
+            <a:ext cx="8915402" cy="1371600"/>
+          </a:xfrm>
+        </p:spPr>
+        <p:txBody>
+          <a:bodyPr/>
+          <a:lstStyle/>
+          <a:p>
+            <a:r>
+              <a:rPr lang="de-AT" dirty="0" err="1" smtClean="0"/>
+              <a:t>React</a:t>
+            </a:r>
+            <a:r>
+              <a:rPr lang="de-AT" dirty="0" smtClean="0"/>
+              <a:t> Custom Hooks</a:t>
+            </a:r>
+            <a:endParaRPr lang="en-US" dirty="0"/>
+          </a:p>
+        </p:txBody>
+      </p:sp>
+      <p:sp>
+        <p:nvSpPr>
+          <p:cNvPr id="3" name="Inhaltsplatzhalter 2"/>
+          <p:cNvSpPr>
+            <a:spLocks noGrp="1"/>
+          </p:cNvSpPr>
+          <p:nvPr>
+            <p:ph idx="1"/>
+          </p:nvPr>
+        </p:nvSpPr>
+        <p:spPr>
+          <a:xfrm>
+            <a:off x="297180" y="1852612"/>
+            <a:ext cx="6217920" cy="4491990"/>
+          </a:xfrm>
+        </p:spPr>
+        <p:txBody>
+          <a:bodyPr>
+            <a:normAutofit/>
+          </a:bodyPr>
+          <a:lstStyle/>
+          <a:p>
+            <a:r>
+              <a:rPr lang="de-DE" dirty="0" smtClean="0"/>
+              <a:t>Benutzerdefinierte </a:t>
+            </a:r>
+            <a:r>
+              <a:rPr lang="de-DE" dirty="0"/>
+              <a:t>Hooks ermöglichen die Wiederverwendung von Logik zwischen verschiedenen Komponenten, indem sie gemeinsame Funktionalitäten in unabhängige und wiederverwendbare Hooks extrahieren</a:t>
+            </a:r>
+            <a:r>
+              <a:rPr lang="de-DE" dirty="0" smtClean="0"/>
+              <a:t>.</a:t>
+            </a:r>
+            <a:endParaRPr lang="de-DE" dirty="0"/>
+          </a:p>
+          <a:p>
+            <a:r>
+              <a:rPr lang="de-DE" dirty="0" smtClean="0"/>
+              <a:t>Sie </a:t>
+            </a:r>
+            <a:r>
+              <a:rPr lang="de-DE" dirty="0"/>
+              <a:t>erlauben es, komplexe Logik in abstrakte und leicht verständliche Hooks zu kapseln, was die Lesbarkeit und Wartbarkeit des Codes verbessert</a:t>
+            </a:r>
+            <a:r>
+              <a:rPr lang="de-DE" dirty="0" smtClean="0"/>
+              <a:t>.</a:t>
+            </a:r>
+            <a:endParaRPr lang="de-DE" dirty="0"/>
+          </a:p>
+          <a:p>
+            <a:r>
+              <a:rPr lang="de-DE" dirty="0" err="1" smtClean="0"/>
+              <a:t>Bsp</a:t>
+            </a:r>
+            <a:r>
+              <a:rPr lang="de-DE" dirty="0" smtClean="0"/>
+              <a:t> rechts: Ein Hook der eingesetzt wird um die Netzwerkverbindung zu prüfen und einen </a:t>
+            </a:r>
+            <a:r>
+              <a:rPr lang="de-DE" dirty="0" err="1" smtClean="0"/>
+              <a:t>React</a:t>
+            </a:r>
+            <a:r>
+              <a:rPr lang="de-DE" dirty="0" smtClean="0"/>
+              <a:t> Status dafür zu setzen</a:t>
+            </a:r>
+            <a:endParaRPr lang="en-US" dirty="0"/>
+          </a:p>
+        </p:txBody>
+      </p:sp>
+      <p:pic>
+        <p:nvPicPr>
+          <p:cNvPr id="4" name="Grafik 3"/>
+          <p:cNvPicPr>
+            <a:picLocks noChangeAspect="1"/>
+          </p:cNvPicPr>
+          <p:nvPr/>
+        </p:nvPicPr>
+        <p:blipFill>
+          <a:blip r:embed="rId3"/>
+          <a:stretch>
+            <a:fillRect/>
+          </a:stretch>
+        </p:blipFill>
+        <p:spPr>
+          <a:xfrm>
+            <a:off x="6666864" y="1463040"/>
+            <a:ext cx="5433696" cy="4881562"/>
+          </a:xfrm>
+          <a:prstGeom prst="rect">
+            <a:avLst/>
+          </a:prstGeom>
+        </p:spPr>
+      </p:pic>
+    </p:spTree>
+    <p:extLst>
+      <p:ext uri="{BB962C8B-B14F-4D97-AF65-F5344CB8AC3E}">
+        <p14:creationId xmlns:p14="http://schemas.microsoft.com/office/powerpoint/2010/main" val="977629733"/>
+      </p:ext>
+    </p:extLst>
+  </p:cSld>
+  <p:clrMapOvr>
+    <a:masterClrMapping/>
+  </p:clrMapOvr>
+  <p:timing>
+    <p:tnLst>
+      <p:par>
+        <p:cTn id="1" dur="indefinite" restart="never" nodeType="tmRoot"/>
+      </p:par>
+    </p:tnLst>
+  </p:timing>
+</p:sld>
+</file>
+
+<file path=ppt/slides/slide84.xml><?xml version="1.0" encoding="utf-8"?>
+<p:sld xmlns:a="http://schemas.openxmlformats.org/drawingml/2006/main" xmlns:r="http://schemas.openxmlformats.org/officeDocument/2006/relationships" xmlns:p="http://schemas.openxmlformats.org/presentationml/2006/main">
+  <p:cSld>
+    <p:spTree>
+      <p:nvGrpSpPr>
+        <p:cNvPr id="1" name=""/>
+        <p:cNvGrpSpPr/>
+        <p:nvPr/>
+      </p:nvGrpSpPr>
+      <p:grpSpPr>
+        <a:xfrm>
+          <a:off x="0" y="0"/>
+          <a:ext cx="0" cy="0"/>
+          <a:chOff x="0" y="0"/>
+          <a:chExt cx="0" cy="0"/>
+        </a:xfrm>
+      </p:grpSpPr>
+      <p:sp>
+        <p:nvSpPr>
+          <p:cNvPr id="2" name="Titel 1"/>
+          <p:cNvSpPr>
+            <a:spLocks noGrp="1"/>
+          </p:cNvSpPr>
+          <p:nvPr>
+            <p:ph type="title"/>
+          </p:nvPr>
+        </p:nvSpPr>
+        <p:spPr/>
+        <p:txBody>
+          <a:bodyPr/>
+          <a:lstStyle/>
+          <a:p>
+            <a:r>
+              <a:rPr lang="de-AT" dirty="0" smtClean="0"/>
+              <a:t>Custom Hooks Forms Beispiel</a:t>
+            </a:r>
+            <a:endParaRPr lang="en-US" dirty="0"/>
+          </a:p>
+        </p:txBody>
+      </p:sp>
+      <p:sp>
+        <p:nvSpPr>
+          <p:cNvPr id="3" name="Inhaltsplatzhalter 2"/>
+          <p:cNvSpPr>
+            <a:spLocks noGrp="1"/>
+          </p:cNvSpPr>
+          <p:nvPr>
+            <p:ph idx="1"/>
+          </p:nvPr>
+        </p:nvSpPr>
+        <p:spPr>
+          <a:xfrm>
+            <a:off x="771550" y="2201376"/>
+            <a:ext cx="5588493" cy="4137259"/>
+          </a:xfrm>
+        </p:spPr>
+        <p:txBody>
+          <a:bodyPr/>
+          <a:lstStyle/>
+          <a:p>
+            <a:r>
+              <a:rPr lang="de-AT" dirty="0" smtClean="0"/>
+              <a:t>Geschickter Einsatz von Custom Hooks bei Formularen nimmt uns viel Arbeit ab und lässt uns unseren Code viel wartbarer gestalten</a:t>
+            </a:r>
+          </a:p>
+          <a:p>
+            <a:r>
+              <a:rPr lang="de-AT" dirty="0">
+                <a:hlinkClick r:id="rId3"/>
+              </a:rPr>
+              <a:t>https://</a:t>
+            </a:r>
+            <a:r>
+              <a:rPr lang="de-AT" dirty="0" smtClean="0">
+                <a:hlinkClick r:id="rId3"/>
+              </a:rPr>
+              <a:t>react.dev/learn/reusing-logic-with-custom-hooks#custom-hooks-let-you-share-stateful-logic-not-state-itself</a:t>
+            </a:r>
+            <a:r>
+              <a:rPr lang="de-AT" dirty="0" smtClean="0"/>
+              <a:t> </a:t>
+            </a:r>
+            <a:endParaRPr lang="en-US" dirty="0"/>
+          </a:p>
+        </p:txBody>
+      </p:sp>
+      <p:pic>
+        <p:nvPicPr>
+          <p:cNvPr id="8" name="Grafik 7"/>
+          <p:cNvPicPr>
+            <a:picLocks noChangeAspect="1"/>
+          </p:cNvPicPr>
+          <p:nvPr/>
+        </p:nvPicPr>
+        <p:blipFill>
+          <a:blip r:embed="rId4"/>
+          <a:stretch>
+            <a:fillRect/>
+          </a:stretch>
+        </p:blipFill>
+        <p:spPr>
+          <a:xfrm>
+            <a:off x="6874971" y="2178516"/>
+            <a:ext cx="5092239" cy="4016143"/>
+          </a:xfrm>
+          <a:prstGeom prst="rect">
+            <a:avLst/>
+          </a:prstGeom>
+        </p:spPr>
+      </p:pic>
+      <p:pic>
+        <p:nvPicPr>
+          <p:cNvPr id="5" name="Grafik 4"/>
+          <p:cNvPicPr>
+            <a:picLocks noChangeAspect="1"/>
+          </p:cNvPicPr>
+          <p:nvPr/>
+        </p:nvPicPr>
+        <p:blipFill>
+          <a:blip r:embed="rId5"/>
+          <a:stretch>
+            <a:fillRect/>
+          </a:stretch>
+        </p:blipFill>
+        <p:spPr>
+          <a:xfrm>
+            <a:off x="1974546" y="5030364"/>
+            <a:ext cx="3182502" cy="1072855"/>
+          </a:xfrm>
+          <a:prstGeom prst="rect">
+            <a:avLst/>
+          </a:prstGeom>
+        </p:spPr>
+      </p:pic>
+    </p:spTree>
+    <p:extLst>
+      <p:ext uri="{BB962C8B-B14F-4D97-AF65-F5344CB8AC3E}">
+        <p14:creationId xmlns:p14="http://schemas.microsoft.com/office/powerpoint/2010/main" val="3813382008"/>
+      </p:ext>
+    </p:extLst>
+  </p:cSld>
+  <p:clrMapOvr>
+    <a:masterClrMapping/>
+  </p:clrMapOvr>
+  <p:timing>
+    <p:tnLst>
+      <p:par>
+        <p:cTn id="1" dur="indefinite" restart="never" nodeType="tmRoot"/>
+      </p:par>
+    </p:tnLst>
+  </p:timing>
+</p:sld>
+</file>
+
+<file path=ppt/slides/slide85.xml><?xml version="1.0" encoding="utf-8"?>
+<p:sld xmlns:a="http://schemas.openxmlformats.org/drawingml/2006/main" xmlns:r="http://schemas.openxmlformats.org/officeDocument/2006/relationships" xmlns:p="http://schemas.openxmlformats.org/presentationml/2006/main">
+  <p:cSld>
+    <p:spTree>
+      <p:nvGrpSpPr>
+        <p:cNvPr id="1" name=""/>
+        <p:cNvGrpSpPr/>
+        <p:nvPr/>
+      </p:nvGrpSpPr>
+      <p:grpSpPr>
+        <a:xfrm>
+          <a:off x="0" y="0"/>
+          <a:ext cx="0" cy="0"/>
+          <a:chOff x="0" y="0"/>
+          <a:chExt cx="0" cy="0"/>
+        </a:xfrm>
+      </p:grpSpPr>
+      <p:sp>
+        <p:nvSpPr>
+          <p:cNvPr id="2" name="Titel 1"/>
+          <p:cNvSpPr>
+            <a:spLocks noGrp="1"/>
+          </p:cNvSpPr>
+          <p:nvPr>
+            <p:ph type="title"/>
+          </p:nvPr>
+        </p:nvSpPr>
+        <p:spPr/>
+        <p:txBody>
+          <a:bodyPr/>
+          <a:lstStyle/>
+          <a:p>
+            <a:r>
+              <a:rPr lang="de-AT" dirty="0" smtClean="0"/>
+              <a:t>Custom Hooks </a:t>
+            </a:r>
+            <a:r>
+              <a:rPr lang="de-AT" dirty="0" err="1" smtClean="0"/>
+              <a:t>Challenges</a:t>
+            </a:r>
+            <a:endParaRPr lang="en-US" dirty="0"/>
+          </a:p>
+        </p:txBody>
+      </p:sp>
+      <p:sp>
+        <p:nvSpPr>
+          <p:cNvPr id="3" name="Inhaltsplatzhalter 2"/>
+          <p:cNvSpPr>
+            <a:spLocks noGrp="1"/>
+          </p:cNvSpPr>
+          <p:nvPr>
+            <p:ph idx="1"/>
+          </p:nvPr>
+        </p:nvSpPr>
+        <p:spPr>
+          <a:xfrm>
+            <a:off x="1188720" y="2057400"/>
+            <a:ext cx="9364982" cy="4137259"/>
+          </a:xfrm>
+        </p:spPr>
+        <p:txBody>
+          <a:bodyPr/>
+          <a:lstStyle/>
+          <a:p>
+            <a:r>
+              <a:rPr lang="de-AT" dirty="0" smtClean="0"/>
+              <a:t>Löse die </a:t>
+            </a:r>
+            <a:r>
+              <a:rPr lang="de-AT" dirty="0" err="1" smtClean="0"/>
+              <a:t>Challenges</a:t>
+            </a:r>
+            <a:r>
+              <a:rPr lang="de-AT" dirty="0" smtClean="0"/>
+              <a:t> 1 – 3 des Custom Hooks Kapitel</a:t>
+            </a:r>
+          </a:p>
+          <a:p>
+            <a:r>
+              <a:rPr lang="en-US" dirty="0">
+                <a:hlinkClick r:id="rId3"/>
+              </a:rPr>
+              <a:t>https://react.dev/learn/reusing-logic-with-custom-hooks#challenges</a:t>
+            </a:r>
+            <a:r>
+              <a:rPr lang="en-US" dirty="0"/>
+              <a:t> </a:t>
+            </a:r>
+          </a:p>
+          <a:p>
+            <a:r>
+              <a:rPr lang="de-DE" dirty="0" smtClean="0"/>
+              <a:t>Diese </a:t>
+            </a:r>
+            <a:r>
+              <a:rPr lang="de-DE" dirty="0"/>
+              <a:t>Komponente verwendet eine Zustandsvariable und einen Effekt, um eine Zahl anzuzeigen, die sich alle Sekunde erhöht. Extrahiere diese Logik in einen benutzerdefinierten Hook namens </a:t>
+            </a:r>
+            <a:r>
+              <a:rPr lang="de-DE" dirty="0" err="1"/>
+              <a:t>useCounter</a:t>
+            </a:r>
+            <a:r>
+              <a:rPr lang="de-DE" dirty="0"/>
+              <a:t>. Dein Ziel ist es, die Implementierung der Counter-Komponente genau so aussehen zu lassen:</a:t>
+            </a:r>
+            <a:endParaRPr lang="en-US" dirty="0"/>
+          </a:p>
+          <a:p>
+            <a:endParaRPr lang="en-US" dirty="0"/>
+          </a:p>
+        </p:txBody>
+      </p:sp>
+      <p:pic>
+        <p:nvPicPr>
+          <p:cNvPr id="5" name="Grafik 4"/>
+          <p:cNvPicPr>
+            <a:picLocks noChangeAspect="1"/>
+          </p:cNvPicPr>
+          <p:nvPr/>
+        </p:nvPicPr>
+        <p:blipFill>
+          <a:blip r:embed="rId4"/>
+          <a:stretch>
+            <a:fillRect/>
+          </a:stretch>
+        </p:blipFill>
+        <p:spPr>
+          <a:xfrm>
+            <a:off x="3884516" y="4953000"/>
+            <a:ext cx="3973390" cy="647700"/>
+          </a:xfrm>
+          <a:prstGeom prst="rect">
+            <a:avLst/>
+          </a:prstGeom>
+        </p:spPr>
+      </p:pic>
+    </p:spTree>
+    <p:extLst>
+      <p:ext uri="{BB962C8B-B14F-4D97-AF65-F5344CB8AC3E}">
+        <p14:creationId xmlns:p14="http://schemas.microsoft.com/office/powerpoint/2010/main" val="2845272888"/>
+      </p:ext>
+    </p:extLst>
+  </p:cSld>
+  <p:clrMapOvr>
+    <a:masterClrMapping/>
+  </p:clrMapOvr>
+  <p:timing>
+    <p:tnLst>
+      <p:par>
+        <p:cTn id="1" dur="indefinite" restart="never" nodeType="tmRoot"/>
+      </p:par>
+    </p:tnLst>
+  </p:timing>
+</p:sld>
+</file>
+
+<file path=ppt/slides/slide86.xml><?xml version="1.0" encoding="utf-8"?>
+<p:sld xmlns:a="http://schemas.openxmlformats.org/drawingml/2006/main" xmlns:r="http://schemas.openxmlformats.org/officeDocument/2006/relationships" xmlns:p="http://schemas.openxmlformats.org/presentationml/2006/main">
+  <p:cSld>
+    <p:spTree>
+      <p:nvGrpSpPr>
+        <p:cNvPr id="1" name=""/>
+        <p:cNvGrpSpPr/>
+        <p:nvPr/>
+      </p:nvGrpSpPr>
+      <p:grpSpPr>
+        <a:xfrm>
+          <a:off x="0" y="0"/>
+          <a:ext cx="0" cy="0"/>
+          <a:chOff x="0" y="0"/>
+          <a:chExt cx="0" cy="0"/>
+        </a:xfrm>
+      </p:grpSpPr>
+      <p:sp>
+        <p:nvSpPr>
+          <p:cNvPr id="2" name="Titel 1"/>
+          <p:cNvSpPr>
+            <a:spLocks noGrp="1"/>
+          </p:cNvSpPr>
+          <p:nvPr>
+            <p:ph type="title"/>
+          </p:nvPr>
+        </p:nvSpPr>
+        <p:spPr/>
+        <p:txBody>
+          <a:bodyPr/>
+          <a:lstStyle/>
+          <a:p>
+            <a:r>
+              <a:rPr lang="de-AT" dirty="0" err="1" smtClean="0"/>
+              <a:t>Glean</a:t>
+            </a:r>
+            <a:r>
+              <a:rPr lang="de-AT" dirty="0" smtClean="0"/>
+              <a:t> VS-Code Extension</a:t>
+            </a:r>
+            <a:endParaRPr lang="en-US" dirty="0"/>
+          </a:p>
+        </p:txBody>
+      </p:sp>
+      <p:pic>
+        <p:nvPicPr>
+          <p:cNvPr id="4" name="Grafik 3"/>
+          <p:cNvPicPr>
+            <a:picLocks noChangeAspect="1"/>
+          </p:cNvPicPr>
+          <p:nvPr/>
+        </p:nvPicPr>
+        <p:blipFill>
+          <a:blip r:embed="rId2"/>
+          <a:stretch>
+            <a:fillRect/>
+          </a:stretch>
+        </p:blipFill>
+        <p:spPr>
+          <a:xfrm>
+            <a:off x="2287811" y="2628827"/>
+            <a:ext cx="7616377" cy="2297503"/>
+          </a:xfrm>
+          <a:prstGeom prst="rect">
+            <a:avLst/>
+          </a:prstGeom>
+        </p:spPr>
+      </p:pic>
+    </p:spTree>
+    <p:extLst>
+      <p:ext uri="{BB962C8B-B14F-4D97-AF65-F5344CB8AC3E}">
+        <p14:creationId xmlns:p14="http://schemas.microsoft.com/office/powerpoint/2010/main" val="1634537174"/>
+      </p:ext>
+    </p:extLst>
+  </p:cSld>
+  <p:clrMapOvr>
+    <a:masterClrMapping/>
+  </p:clrMapOvr>
+  <p:timing>
+    <p:tnLst>
+      <p:par>
+        <p:cTn id="1" dur="indefinite" restart="never" nodeType="tmRoot"/>
+      </p:par>
+    </p:tnLst>
+  </p:timing>
+</p:sld>
+</file>
+
+<file path=ppt/slides/slide87.xml><?xml version="1.0" encoding="utf-8"?>
+<p:sld xmlns:a="http://schemas.openxmlformats.org/drawingml/2006/main" xmlns:r="http://schemas.openxmlformats.org/officeDocument/2006/relationships" xmlns:p="http://schemas.openxmlformats.org/presentationml/2006/main">
+  <p:cSld>
+    <p:spTree>
+      <p:nvGrpSpPr>
+        <p:cNvPr id="1" name=""/>
+        <p:cNvGrpSpPr/>
+        <p:nvPr/>
+      </p:nvGrpSpPr>
+      <p:grpSpPr>
+        <a:xfrm>
+          <a:off x="0" y="0"/>
+          <a:ext cx="0" cy="0"/>
+          <a:chOff x="0" y="0"/>
+          <a:chExt cx="0" cy="0"/>
+        </a:xfrm>
+      </p:grpSpPr>
+      <p:sp>
+        <p:nvSpPr>
+          <p:cNvPr id="2" name="Titel 1"/>
+          <p:cNvSpPr>
+            <a:spLocks noGrp="1"/>
+          </p:cNvSpPr>
+          <p:nvPr>
+            <p:ph type="title"/>
+          </p:nvPr>
+        </p:nvSpPr>
+        <p:spPr/>
+        <p:txBody>
+          <a:bodyPr/>
+          <a:lstStyle/>
+          <a:p>
+            <a:r>
+              <a:rPr lang="de-AT" dirty="0" smtClean="0"/>
+              <a:t>Browser </a:t>
+            </a:r>
+            <a:r>
+              <a:rPr lang="de-AT" dirty="0" err="1" smtClean="0"/>
+              <a:t>Plugin</a:t>
+            </a:r>
+            <a:endParaRPr lang="en-US" dirty="0"/>
+          </a:p>
+        </p:txBody>
+      </p:sp>
+      <p:pic>
+        <p:nvPicPr>
+          <p:cNvPr id="4" name="Grafik 3"/>
+          <p:cNvPicPr>
+            <a:picLocks noChangeAspect="1"/>
+          </p:cNvPicPr>
+          <p:nvPr/>
+        </p:nvPicPr>
+        <p:blipFill>
+          <a:blip r:embed="rId2"/>
+          <a:stretch>
+            <a:fillRect/>
+          </a:stretch>
+        </p:blipFill>
+        <p:spPr>
+          <a:xfrm>
+            <a:off x="2935432" y="1873151"/>
+            <a:ext cx="6321135" cy="4520276"/>
+          </a:xfrm>
+          <a:prstGeom prst="rect">
+            <a:avLst/>
+          </a:prstGeom>
+        </p:spPr>
+      </p:pic>
+    </p:spTree>
+    <p:extLst>
+      <p:ext uri="{BB962C8B-B14F-4D97-AF65-F5344CB8AC3E}">
+        <p14:creationId xmlns:p14="http://schemas.microsoft.com/office/powerpoint/2010/main" val="1285477830"/>
+      </p:ext>
+    </p:extLst>
+  </p:cSld>
+  <p:clrMapOvr>
+    <a:masterClrMapping/>
+  </p:clrMapOvr>
+  <p:timing>
+    <p:tnLst>
+      <p:par>
+        <p:cTn id="1" dur="indefinite" restart="never" nodeType="tmRoot"/>
+      </p:par>
+    </p:tnLst>
+  </p:timing>
+</p:sld>
+</file>
+
+<file path=ppt/slides/slide88.xml><?xml version="1.0" encoding="utf-8"?>
+<p:sld xmlns:a="http://schemas.openxmlformats.org/drawingml/2006/main" xmlns:r="http://schemas.openxmlformats.org/officeDocument/2006/relationships" xmlns:p="http://schemas.openxmlformats.org/presentationml/2006/main">
+  <p:cSld>
+    <p:spTree>
+      <p:nvGrpSpPr>
+        <p:cNvPr id="1" name=""/>
+        <p:cNvGrpSpPr/>
+        <p:nvPr/>
+      </p:nvGrpSpPr>
+      <p:grpSpPr>
+        <a:xfrm>
+          <a:off x="0" y="0"/>
+          <a:ext cx="0" cy="0"/>
+          <a:chOff x="0" y="0"/>
+          <a:chExt cx="0" cy="0"/>
+        </a:xfrm>
+      </p:grpSpPr>
+      <p:sp>
+        <p:nvSpPr>
+          <p:cNvPr id="2" name="Titel 1"/>
+          <p:cNvSpPr>
+            <a:spLocks noGrp="1"/>
+          </p:cNvSpPr>
+          <p:nvPr>
+            <p:ph type="title"/>
+          </p:nvPr>
+        </p:nvSpPr>
+        <p:spPr/>
+        <p:txBody>
+          <a:bodyPr/>
+          <a:lstStyle/>
+          <a:p>
+            <a:r>
+              <a:rPr lang="de-AT" dirty="0" smtClean="0"/>
+              <a:t>Zwischenfazit</a:t>
+            </a:r>
+            <a:endParaRPr lang="en-US" dirty="0"/>
+          </a:p>
+        </p:txBody>
+      </p:sp>
+      <p:sp>
+        <p:nvSpPr>
+          <p:cNvPr id="3" name="Inhaltsplatzhalter 2"/>
+          <p:cNvSpPr>
+            <a:spLocks noGrp="1"/>
+          </p:cNvSpPr>
+          <p:nvPr>
+            <p:ph idx="1"/>
+          </p:nvPr>
+        </p:nvSpPr>
+        <p:spPr>
+          <a:xfrm>
+            <a:off x="843280" y="2057400"/>
+            <a:ext cx="7985760" cy="4137259"/>
+          </a:xfrm>
+        </p:spPr>
+        <p:txBody>
+          <a:bodyPr/>
+          <a:lstStyle/>
+          <a:p>
+            <a:r>
+              <a:rPr lang="de-AT" dirty="0" smtClean="0"/>
+              <a:t>Wo befinden wir uns gerade?</a:t>
+            </a:r>
+          </a:p>
+          <a:p>
+            <a:pPr lvl="1"/>
+            <a:r>
+              <a:rPr lang="de-AT" dirty="0" smtClean="0"/>
+              <a:t>Wir habe bereits die Grundlagen um erfolgreich ein modernes </a:t>
+            </a:r>
+            <a:r>
+              <a:rPr lang="de-AT" dirty="0" err="1" smtClean="0"/>
+              <a:t>React</a:t>
+            </a:r>
+            <a:r>
+              <a:rPr lang="de-AT" dirty="0" smtClean="0"/>
+              <a:t> Frontend aufzubauen gelernt</a:t>
+            </a:r>
+          </a:p>
+          <a:p>
+            <a:pPr lvl="1"/>
+            <a:r>
+              <a:rPr lang="de-AT" dirty="0" smtClean="0"/>
+              <a:t>Einige tieferliegende Konzepte und Methoden </a:t>
+            </a:r>
+            <a:r>
+              <a:rPr lang="de-AT" dirty="0" err="1" smtClean="0"/>
+              <a:t>bzw</a:t>
+            </a:r>
+            <a:r>
+              <a:rPr lang="de-AT" dirty="0" smtClean="0"/>
+              <a:t> Frameworks werden wir, wenn gewünscht in den Vertiefungsthemen kennen lernen (Next.js)</a:t>
+            </a:r>
+          </a:p>
+          <a:p>
+            <a:pPr lvl="1"/>
+            <a:endParaRPr lang="de-AT" dirty="0"/>
+          </a:p>
+          <a:p>
+            <a:r>
+              <a:rPr lang="de-AT" dirty="0" smtClean="0"/>
+              <a:t>Was fehlt uns um ein </a:t>
+            </a:r>
+            <a:r>
+              <a:rPr lang="de-AT" dirty="0" err="1" smtClean="0"/>
+              <a:t>Fullstack</a:t>
+            </a:r>
+            <a:r>
+              <a:rPr lang="de-AT" dirty="0" smtClean="0"/>
+              <a:t> Projekt mit </a:t>
+            </a:r>
+            <a:r>
+              <a:rPr lang="de-AT" dirty="0" err="1" smtClean="0"/>
+              <a:t>React</a:t>
+            </a:r>
+            <a:r>
+              <a:rPr lang="de-AT" dirty="0" smtClean="0"/>
+              <a:t> aufzubauen?</a:t>
+            </a:r>
+          </a:p>
+          <a:p>
+            <a:pPr lvl="1"/>
+            <a:r>
+              <a:rPr lang="de-AT" b="1" dirty="0" smtClean="0"/>
+              <a:t>Routing: </a:t>
+            </a:r>
+            <a:r>
+              <a:rPr lang="de-AT" dirty="0" smtClean="0"/>
+              <a:t>Wie können wir von einer Seite auf eine andere navigieren ohne die Seite neu zu laden?</a:t>
+            </a:r>
+          </a:p>
+          <a:p>
+            <a:pPr lvl="1"/>
+            <a:r>
+              <a:rPr lang="de-AT" b="1" dirty="0" smtClean="0"/>
+              <a:t>Backendanbindung: </a:t>
+            </a:r>
+            <a:r>
+              <a:rPr lang="de-AT" dirty="0" smtClean="0"/>
+              <a:t>Wie können wir aus dem </a:t>
+            </a:r>
+            <a:r>
+              <a:rPr lang="de-AT" dirty="0" err="1" smtClean="0"/>
+              <a:t>React</a:t>
+            </a:r>
+            <a:r>
+              <a:rPr lang="de-AT" dirty="0" smtClean="0"/>
+              <a:t> Frontend heraus die </a:t>
+            </a:r>
+            <a:r>
+              <a:rPr lang="de-AT" dirty="0" err="1" smtClean="0"/>
+              <a:t>Enpoints</a:t>
+            </a:r>
+            <a:r>
+              <a:rPr lang="de-AT" dirty="0" smtClean="0"/>
+              <a:t> unseres Express </a:t>
+            </a:r>
+            <a:r>
+              <a:rPr lang="de-AT" dirty="0" err="1" smtClean="0"/>
+              <a:t>servers</a:t>
+            </a:r>
+            <a:r>
+              <a:rPr lang="de-AT" dirty="0" smtClean="0"/>
+              <a:t> aufrufen und Daten abfragen?</a:t>
+            </a:r>
+            <a:r>
+              <a:rPr lang="de-AT" b="1" dirty="0" smtClean="0"/>
+              <a:t> </a:t>
+            </a:r>
+            <a:endParaRPr lang="en-US" b="1" dirty="0"/>
+          </a:p>
+        </p:txBody>
+      </p:sp>
+      <p:pic>
+        <p:nvPicPr>
+          <p:cNvPr id="4" name="Grafik 3"/>
+          <p:cNvPicPr>
+            <a:picLocks noChangeAspect="1"/>
+          </p:cNvPicPr>
+          <p:nvPr/>
+        </p:nvPicPr>
+        <p:blipFill>
+          <a:blip r:embed="rId2"/>
+          <a:stretch>
+            <a:fillRect/>
+          </a:stretch>
+        </p:blipFill>
+        <p:spPr>
+          <a:xfrm>
+            <a:off x="8829040" y="2057400"/>
+            <a:ext cx="2949196" cy="3810330"/>
+          </a:xfrm>
+          <a:prstGeom prst="rect">
+            <a:avLst/>
+          </a:prstGeom>
+        </p:spPr>
+      </p:pic>
+    </p:spTree>
+    <p:extLst>
+      <p:ext uri="{BB962C8B-B14F-4D97-AF65-F5344CB8AC3E}">
+        <p14:creationId xmlns:p14="http://schemas.microsoft.com/office/powerpoint/2010/main" val="414588346"/>
+      </p:ext>
+    </p:extLst>
+  </p:cSld>
+  <p:clrMapOvr>
+    <a:masterClrMapping/>
+  </p:clrMapOvr>
+  <p:timing>
+    <p:tnLst>
+      <p:par>
+        <p:cTn id="1" dur="indefinite" restart="never" nodeType="tmRoot"/>
+      </p:par>
+    </p:tnLst>
+  </p:timing>
+</p:sld>
+</file>
+
+<file path=ppt/slides/slide89.xml><?xml version="1.0" encoding="utf-8"?>
+<p:sld xmlns:a="http://schemas.openxmlformats.org/drawingml/2006/main" xmlns:r="http://schemas.openxmlformats.org/officeDocument/2006/relationships" xmlns:p="http://schemas.openxmlformats.org/presentationml/2006/main">
+  <p:cSld>
+    <p:spTree>
+      <p:nvGrpSpPr>
+        <p:cNvPr id="1" name=""/>
+        <p:cNvGrpSpPr/>
+        <p:nvPr/>
+      </p:nvGrpSpPr>
+      <p:grpSpPr>
+        <a:xfrm>
+          <a:off x="0" y="0"/>
+          <a:ext cx="0" cy="0"/>
+          <a:chOff x="0" y="0"/>
+          <a:chExt cx="0" cy="0"/>
+        </a:xfrm>
+      </p:grpSpPr>
+      <p:sp>
+        <p:nvSpPr>
+          <p:cNvPr id="2" name="Titel 1"/>
+          <p:cNvSpPr>
+            <a:spLocks noGrp="1"/>
+          </p:cNvSpPr>
+          <p:nvPr>
+            <p:ph type="title"/>
+          </p:nvPr>
+        </p:nvSpPr>
+        <p:spPr/>
+        <p:txBody>
+          <a:bodyPr/>
+          <a:lstStyle/>
+          <a:p>
+            <a:r>
+              <a:rPr lang="de-AT" dirty="0" err="1" smtClean="0"/>
+              <a:t>React</a:t>
+            </a:r>
+            <a:r>
+              <a:rPr lang="de-AT" dirty="0" smtClean="0"/>
+              <a:t> Router DOM</a:t>
+            </a:r>
+            <a:endParaRPr lang="en-US" dirty="0"/>
+          </a:p>
+        </p:txBody>
+      </p:sp>
+      <p:sp>
+        <p:nvSpPr>
+          <p:cNvPr id="3" name="Inhaltsplatzhalter 2"/>
+          <p:cNvSpPr>
+            <a:spLocks noGrp="1"/>
+          </p:cNvSpPr>
+          <p:nvPr>
+            <p:ph idx="1"/>
+          </p:nvPr>
+        </p:nvSpPr>
+        <p:spPr>
+          <a:xfrm>
+            <a:off x="822960" y="2057400"/>
+            <a:ext cx="6990080" cy="4137259"/>
+          </a:xfrm>
+        </p:spPr>
+        <p:txBody>
+          <a:bodyPr/>
+          <a:lstStyle/>
+          <a:p>
+            <a:r>
+              <a:rPr lang="de-DE" dirty="0" err="1"/>
+              <a:t>React</a:t>
+            </a:r>
+            <a:r>
+              <a:rPr lang="de-DE" dirty="0"/>
+              <a:t> Router DOM ist eine </a:t>
+            </a:r>
+            <a:r>
+              <a:rPr lang="de-DE" dirty="0" smtClean="0"/>
+              <a:t>Bibliothek (NPM-Package) </a:t>
+            </a:r>
+            <a:r>
+              <a:rPr lang="de-DE" dirty="0"/>
+              <a:t>für das Routing in </a:t>
+            </a:r>
+            <a:r>
+              <a:rPr lang="de-DE" dirty="0" err="1"/>
+              <a:t>React</a:t>
+            </a:r>
+            <a:r>
+              <a:rPr lang="de-DE" dirty="0"/>
+              <a:t>-Anwendungen.</a:t>
+            </a:r>
+          </a:p>
+          <a:p>
+            <a:r>
+              <a:rPr lang="de-DE" dirty="0"/>
+              <a:t>Es ermöglicht das Definieren von </a:t>
+            </a:r>
+            <a:r>
+              <a:rPr lang="de-DE" dirty="0" err="1" smtClean="0"/>
+              <a:t>Routes</a:t>
+            </a:r>
+            <a:r>
+              <a:rPr lang="de-DE" dirty="0" smtClean="0"/>
+              <a:t>, </a:t>
+            </a:r>
+            <a:r>
+              <a:rPr lang="de-DE" dirty="0"/>
+              <a:t>die bestimmten URLs entsprechen.</a:t>
+            </a:r>
+          </a:p>
+          <a:p>
+            <a:r>
+              <a:rPr lang="de-DE" dirty="0"/>
+              <a:t>Mit </a:t>
+            </a:r>
+            <a:r>
+              <a:rPr lang="de-DE" dirty="0" err="1"/>
+              <a:t>React</a:t>
+            </a:r>
+            <a:r>
+              <a:rPr lang="de-DE" dirty="0"/>
+              <a:t> Router DOM </a:t>
+            </a:r>
+            <a:r>
+              <a:rPr lang="de-DE" dirty="0" smtClean="0"/>
+              <a:t>werden verschiedene </a:t>
+            </a:r>
+            <a:r>
+              <a:rPr lang="de-DE" dirty="0"/>
+              <a:t>Komponenten basierend auf der aktuellen URL </a:t>
+            </a:r>
+            <a:r>
+              <a:rPr lang="de-DE" dirty="0" smtClean="0"/>
+              <a:t>gerendert.</a:t>
+            </a:r>
+            <a:endParaRPr lang="de-DE" dirty="0"/>
+          </a:p>
+          <a:p>
+            <a:r>
+              <a:rPr lang="de-DE" dirty="0" smtClean="0"/>
+              <a:t>Es bietet Funktionen wie &lt;</a:t>
+            </a:r>
+            <a:r>
+              <a:rPr lang="de-DE" dirty="0" err="1" smtClean="0"/>
+              <a:t>BrowserRouter</a:t>
+            </a:r>
+            <a:r>
+              <a:rPr lang="de-DE" dirty="0" smtClean="0"/>
+              <a:t>&gt;, &lt;Route&gt; und &lt;Link&gt;</a:t>
+            </a:r>
+          </a:p>
+          <a:p>
+            <a:r>
+              <a:rPr lang="de-DE" dirty="0" smtClean="0"/>
+              <a:t>Diese </a:t>
+            </a:r>
+            <a:r>
+              <a:rPr lang="de-DE" dirty="0"/>
+              <a:t>Bibliothek ist weit verbreitet und wird von der </a:t>
+            </a:r>
+            <a:r>
+              <a:rPr lang="de-DE" dirty="0" err="1"/>
+              <a:t>React</a:t>
+            </a:r>
+            <a:r>
+              <a:rPr lang="de-DE" dirty="0"/>
+              <a:t>-Community aktiv unterstützt.</a:t>
+            </a:r>
+          </a:p>
+          <a:p>
+            <a:endParaRPr lang="de-DE" dirty="0"/>
+          </a:p>
+          <a:p>
+            <a:endParaRPr lang="en-US" dirty="0"/>
+          </a:p>
+        </p:txBody>
+      </p:sp>
+      <p:pic>
+        <p:nvPicPr>
+          <p:cNvPr id="5" name="Grafik 4"/>
+          <p:cNvPicPr>
+            <a:picLocks noChangeAspect="1"/>
+          </p:cNvPicPr>
+          <p:nvPr/>
+        </p:nvPicPr>
+        <p:blipFill>
+          <a:blip r:embed="rId3"/>
+          <a:stretch>
+            <a:fillRect/>
+          </a:stretch>
+        </p:blipFill>
+        <p:spPr>
+          <a:xfrm>
+            <a:off x="8016240" y="2120598"/>
+            <a:ext cx="4041402" cy="2005431"/>
+          </a:xfrm>
+          <a:prstGeom prst="rect">
+            <a:avLst/>
+          </a:prstGeom>
+        </p:spPr>
+      </p:pic>
+    </p:spTree>
+    <p:extLst>
+      <p:ext uri="{BB962C8B-B14F-4D97-AF65-F5344CB8AC3E}">
+        <p14:creationId xmlns:p14="http://schemas.microsoft.com/office/powerpoint/2010/main" val="1610061014"/>
+      </p:ext>
+    </p:extLst>
+  </p:cSld>
+  <p:clrMapOvr>
+    <a:masterClrMapping/>
+  </p:clrMapOvr>
+  <p:timing>
+    <p:tnLst>
+      <p:par>
+        <p:cTn id="1" dur="indefinite" restart="never" nodeType="tmRoot"/>
+      </p:par>
+    </p:tnLst>
+  </p:timing>
 </p:sld>
 </file>
 
@@ -22088,7 +27245,7 @@
                 <a16:creationId xmlns:a16="http://schemas.microsoft.com/office/drawing/2014/main" id="{BE229233-9672-4675-99B7-6CBCEF1CD415}"/>
               </a:ext>
               <a:ext uri="{C183D7F6-B498-43B3-948B-1728B52AA6E4}">
-                <adec:decorative xmlns:adec="http://schemas.microsoft.com/office/drawing/2017/decorative" val="1"/>
+                <adec:decorative xmlns:adec="http://schemas.microsoft.com/office/drawing/2017/decorative" xmlns="" val="1"/>
               </a:ext>
             </a:extLst>
           </p:cNvPr>
@@ -22183,7 +27340,7 @@
                 <a16:creationId xmlns:a16="http://schemas.microsoft.com/office/drawing/2014/main" id="{EC5FF010-B53C-46BE-BEEF-AF926A00F67F}"/>
               </a:ext>
               <a:ext uri="{C183D7F6-B498-43B3-948B-1728B52AA6E4}">
-                <adec:decorative xmlns:adec="http://schemas.microsoft.com/office/drawing/2017/decorative" val="1"/>
+                <adec:decorative xmlns:adec="http://schemas.microsoft.com/office/drawing/2017/decorative" xmlns="" val="1"/>
               </a:ext>
             </a:extLst>
           </p:cNvPr>
@@ -22249,7 +27406,7 @@
                 <a16:creationId xmlns:a16="http://schemas.microsoft.com/office/drawing/2014/main" id="{8509AD9C-1F43-4138-A72B-8CA988EDD475}"/>
               </a:ext>
               <a:ext uri="{C183D7F6-B498-43B3-948B-1728B52AA6E4}">
-                <adec:decorative xmlns:adec="http://schemas.microsoft.com/office/drawing/2017/decorative" val="1"/>
+                <adec:decorative xmlns:adec="http://schemas.microsoft.com/office/drawing/2017/decorative" xmlns="" val="1"/>
               </a:ext>
             </a:extLst>
           </p:cNvPr>
@@ -22400,6 +27557,2126 @@
   <p:clrMapOvr>
     <a:masterClrMapping/>
   </p:clrMapOvr>
+  <p:timing>
+    <p:tnLst>
+      <p:par>
+        <p:cTn id="1" dur="indefinite" restart="never" nodeType="tmRoot"/>
+      </p:par>
+    </p:tnLst>
+  </p:timing>
+</p:sld>
+</file>
+
+<file path=ppt/slides/slide90.xml><?xml version="1.0" encoding="utf-8"?>
+<p:sld xmlns:a="http://schemas.openxmlformats.org/drawingml/2006/main" xmlns:r="http://schemas.openxmlformats.org/officeDocument/2006/relationships" xmlns:p="http://schemas.openxmlformats.org/presentationml/2006/main">
+  <p:cSld>
+    <p:spTree>
+      <p:nvGrpSpPr>
+        <p:cNvPr id="1" name=""/>
+        <p:cNvGrpSpPr/>
+        <p:nvPr/>
+      </p:nvGrpSpPr>
+      <p:grpSpPr>
+        <a:xfrm>
+          <a:off x="0" y="0"/>
+          <a:ext cx="0" cy="0"/>
+          <a:chOff x="0" y="0"/>
+          <a:chExt cx="0" cy="0"/>
+        </a:xfrm>
+      </p:grpSpPr>
+      <p:sp>
+        <p:nvSpPr>
+          <p:cNvPr id="2" name="Titel 1"/>
+          <p:cNvSpPr>
+            <a:spLocks noGrp="1"/>
+          </p:cNvSpPr>
+          <p:nvPr>
+            <p:ph type="title"/>
+          </p:nvPr>
+        </p:nvSpPr>
+        <p:spPr/>
+        <p:txBody>
+          <a:bodyPr/>
+          <a:lstStyle/>
+          <a:p>
+            <a:r>
+              <a:rPr lang="de-AT" dirty="0" err="1" smtClean="0"/>
+              <a:t>React</a:t>
+            </a:r>
+            <a:r>
+              <a:rPr lang="de-AT" dirty="0" smtClean="0"/>
+              <a:t> Router DOM – Routing Konfiguration</a:t>
+            </a:r>
+            <a:endParaRPr lang="en-US" dirty="0"/>
+          </a:p>
+        </p:txBody>
+      </p:sp>
+      <p:sp>
+        <p:nvSpPr>
+          <p:cNvPr id="3" name="Inhaltsplatzhalter 2"/>
+          <p:cNvSpPr>
+            <a:spLocks noGrp="1"/>
+          </p:cNvSpPr>
+          <p:nvPr>
+            <p:ph idx="1"/>
+          </p:nvPr>
+        </p:nvSpPr>
+        <p:spPr>
+          <a:xfrm>
+            <a:off x="650240" y="2057400"/>
+            <a:ext cx="5090160" cy="4414520"/>
+          </a:xfrm>
+        </p:spPr>
+        <p:txBody>
+          <a:bodyPr>
+            <a:normAutofit lnSpcReduction="10000"/>
+          </a:bodyPr>
+          <a:lstStyle/>
+          <a:p>
+            <a:pPr marL="342900" indent="-342900">
+              <a:buFont typeface="+mj-lt"/>
+              <a:buAutoNum type="arabicPeriod"/>
+            </a:pPr>
+            <a:r>
+              <a:rPr lang="de-AT" dirty="0" smtClean="0"/>
+              <a:t>Installiere das NPM-Paket „</a:t>
+            </a:r>
+            <a:r>
+              <a:rPr lang="de-AT" dirty="0" err="1" smtClean="0"/>
+              <a:t>react</a:t>
+            </a:r>
+            <a:r>
+              <a:rPr lang="de-AT" dirty="0" smtClean="0"/>
+              <a:t>-router-dom“</a:t>
+            </a:r>
+            <a:r>
+              <a:rPr lang="en-US" dirty="0" smtClean="0"/>
+              <a:t> (</a:t>
+            </a:r>
+            <a:r>
+              <a:rPr lang="en-US" dirty="0" err="1" smtClean="0"/>
+              <a:t>npm</a:t>
+            </a:r>
+            <a:r>
+              <a:rPr lang="en-US" dirty="0" smtClean="0"/>
+              <a:t> </a:t>
+            </a:r>
+            <a:r>
+              <a:rPr lang="en-US" dirty="0" err="1" smtClean="0"/>
+              <a:t>i</a:t>
+            </a:r>
+            <a:r>
+              <a:rPr lang="en-US" dirty="0" smtClean="0"/>
+              <a:t> react-router-</a:t>
+            </a:r>
+            <a:r>
+              <a:rPr lang="en-US" dirty="0" err="1" smtClean="0"/>
+              <a:t>dom</a:t>
+            </a:r>
+            <a:r>
+              <a:rPr lang="en-US" dirty="0" smtClean="0"/>
+              <a:t>)</a:t>
+            </a:r>
+          </a:p>
+          <a:p>
+            <a:pPr marL="342900" indent="-342900">
+              <a:buFont typeface="+mj-lt"/>
+              <a:buAutoNum type="arabicPeriod"/>
+            </a:pPr>
+            <a:r>
+              <a:rPr lang="de-AT" dirty="0" smtClean="0"/>
+              <a:t>Innerhalb der App.js Datei wird die Routing Konfiguration innerhalb von </a:t>
+            </a:r>
+            <a:r>
+              <a:rPr lang="de-AT" dirty="0" err="1" smtClean="0"/>
+              <a:t>return</a:t>
+            </a:r>
+            <a:r>
+              <a:rPr lang="de-AT" dirty="0" smtClean="0"/>
+              <a:t>(…) definiert</a:t>
+            </a:r>
+          </a:p>
+          <a:p>
+            <a:pPr lvl="1"/>
+            <a:r>
+              <a:rPr lang="de-AT" dirty="0" smtClean="0"/>
+              <a:t> </a:t>
+            </a:r>
+            <a:r>
+              <a:rPr lang="de-DE" dirty="0" smtClean="0"/>
+              <a:t>&lt;</a:t>
+            </a:r>
+            <a:r>
+              <a:rPr lang="de-DE" dirty="0" err="1"/>
+              <a:t>BrowserRouter</a:t>
+            </a:r>
+            <a:r>
+              <a:rPr lang="de-DE" dirty="0"/>
+              <a:t>&gt; erstellt ein Browserverlauf, speichert die initiale URL im Zustand und abonniert die URL-Änderungen.</a:t>
+            </a:r>
+          </a:p>
+          <a:p>
+            <a:pPr lvl="1"/>
+            <a:r>
+              <a:rPr lang="de-DE" dirty="0"/>
+              <a:t>&lt;</a:t>
+            </a:r>
+            <a:r>
+              <a:rPr lang="de-DE" dirty="0" err="1"/>
+              <a:t>Routes</a:t>
+            </a:r>
+            <a:r>
+              <a:rPr lang="de-DE" dirty="0"/>
+              <a:t>&gt; durchläuft seine untergeordneten Routen, um eine Routenkonfiguration aufzubauen, gleicht diese Routen mit der aktuellen URL ab, erstellt einige Routenübereinstimmungen und rendert das Routenelement der ersten Übereinstimmung</a:t>
+            </a:r>
+          </a:p>
+          <a:p>
+            <a:endParaRPr lang="en-US" dirty="0"/>
+          </a:p>
+          <a:p>
+            <a:pPr marL="342900" indent="-342900">
+              <a:buFont typeface="+mj-lt"/>
+              <a:buAutoNum type="arabicPeriod"/>
+            </a:pPr>
+            <a:endParaRPr lang="de-AT" dirty="0" smtClean="0"/>
+          </a:p>
+        </p:txBody>
+      </p:sp>
+      <p:pic>
+        <p:nvPicPr>
+          <p:cNvPr id="6" name="Grafik 5"/>
+          <p:cNvPicPr>
+            <a:picLocks noChangeAspect="1"/>
+          </p:cNvPicPr>
+          <p:nvPr/>
+        </p:nvPicPr>
+        <p:blipFill>
+          <a:blip r:embed="rId3"/>
+          <a:stretch>
+            <a:fillRect/>
+          </a:stretch>
+        </p:blipFill>
+        <p:spPr>
+          <a:xfrm>
+            <a:off x="6664961" y="2158920"/>
+            <a:ext cx="5302364" cy="2481958"/>
+          </a:xfrm>
+          <a:prstGeom prst="rect">
+            <a:avLst/>
+          </a:prstGeom>
+        </p:spPr>
+      </p:pic>
+    </p:spTree>
+    <p:extLst>
+      <p:ext uri="{BB962C8B-B14F-4D97-AF65-F5344CB8AC3E}">
+        <p14:creationId xmlns:p14="http://schemas.microsoft.com/office/powerpoint/2010/main" val="926587650"/>
+      </p:ext>
+    </p:extLst>
+  </p:cSld>
+  <p:clrMapOvr>
+    <a:masterClrMapping/>
+  </p:clrMapOvr>
+  <p:timing>
+    <p:tnLst>
+      <p:par>
+        <p:cTn id="1" dur="indefinite" restart="never" nodeType="tmRoot"/>
+      </p:par>
+    </p:tnLst>
+  </p:timing>
+</p:sld>
+</file>
+
+<file path=ppt/slides/slide91.xml><?xml version="1.0" encoding="utf-8"?>
+<p:sld xmlns:a="http://schemas.openxmlformats.org/drawingml/2006/main" xmlns:r="http://schemas.openxmlformats.org/officeDocument/2006/relationships" xmlns:p="http://schemas.openxmlformats.org/presentationml/2006/main">
+  <p:cSld>
+    <p:spTree>
+      <p:nvGrpSpPr>
+        <p:cNvPr id="1" name=""/>
+        <p:cNvGrpSpPr/>
+        <p:nvPr/>
+      </p:nvGrpSpPr>
+      <p:grpSpPr>
+        <a:xfrm>
+          <a:off x="0" y="0"/>
+          <a:ext cx="0" cy="0"/>
+          <a:chOff x="0" y="0"/>
+          <a:chExt cx="0" cy="0"/>
+        </a:xfrm>
+      </p:grpSpPr>
+      <p:sp>
+        <p:nvSpPr>
+          <p:cNvPr id="2" name="Titel 1"/>
+          <p:cNvSpPr>
+            <a:spLocks noGrp="1"/>
+          </p:cNvSpPr>
+          <p:nvPr>
+            <p:ph type="title"/>
+          </p:nvPr>
+        </p:nvSpPr>
+        <p:spPr/>
+        <p:txBody>
+          <a:bodyPr/>
+          <a:lstStyle/>
+          <a:p>
+            <a:r>
+              <a:rPr lang="de-AT" dirty="0" err="1" smtClean="0"/>
+              <a:t>React</a:t>
+            </a:r>
+            <a:r>
+              <a:rPr lang="de-AT" dirty="0" smtClean="0"/>
+              <a:t> Router DOM – Route</a:t>
+            </a:r>
+            <a:endParaRPr lang="en-US" dirty="0"/>
+          </a:p>
+        </p:txBody>
+      </p:sp>
+      <p:sp>
+        <p:nvSpPr>
+          <p:cNvPr id="3" name="Inhaltsplatzhalter 2"/>
+          <p:cNvSpPr>
+            <a:spLocks noGrp="1"/>
+          </p:cNvSpPr>
+          <p:nvPr>
+            <p:ph idx="1"/>
+          </p:nvPr>
+        </p:nvSpPr>
+        <p:spPr>
+          <a:xfrm>
+            <a:off x="304800" y="1910080"/>
+            <a:ext cx="5750560" cy="4561840"/>
+          </a:xfrm>
+        </p:spPr>
+        <p:txBody>
+          <a:bodyPr>
+            <a:normAutofit/>
+          </a:bodyPr>
+          <a:lstStyle/>
+          <a:p>
+            <a:r>
+              <a:rPr lang="de-DE" dirty="0"/>
+              <a:t>&lt;</a:t>
+            </a:r>
+            <a:r>
+              <a:rPr lang="de-DE" dirty="0" smtClean="0"/>
+              <a:t>Route&gt;  definiert </a:t>
+            </a:r>
+            <a:r>
+              <a:rPr lang="de-DE" dirty="0"/>
+              <a:t>eine einzelne Route in deiner Anwendung. Es hat verschiedene </a:t>
+            </a:r>
+            <a:r>
+              <a:rPr lang="de-DE" dirty="0" err="1"/>
+              <a:t>Props</a:t>
+            </a:r>
+            <a:r>
+              <a:rPr lang="de-DE" dirty="0"/>
+              <a:t>, um zu bestimmen, wann die Route aktiviert wird und welche Komponente gerendert werden soll</a:t>
+            </a:r>
+            <a:r>
+              <a:rPr lang="de-DE" dirty="0" smtClean="0"/>
+              <a:t>.</a:t>
+            </a:r>
+          </a:p>
+          <a:p>
+            <a:pPr lvl="1"/>
+            <a:r>
+              <a:rPr lang="de-DE" dirty="0" err="1" smtClean="0"/>
+              <a:t>path</a:t>
+            </a:r>
+            <a:r>
+              <a:rPr lang="de-DE" dirty="0"/>
+              <a:t>: Diese </a:t>
+            </a:r>
+            <a:r>
+              <a:rPr lang="de-DE" dirty="0" err="1"/>
+              <a:t>Prop</a:t>
+            </a:r>
+            <a:r>
+              <a:rPr lang="de-DE" dirty="0"/>
+              <a:t> definiert den Pfad, der mit der aktuellen URL übereinstimmen muss, damit diese Route aktiviert wird.</a:t>
+            </a:r>
+          </a:p>
+          <a:p>
+            <a:pPr lvl="1"/>
+            <a:r>
+              <a:rPr lang="de-DE" dirty="0" err="1"/>
+              <a:t>element</a:t>
+            </a:r>
+            <a:r>
+              <a:rPr lang="de-DE" dirty="0"/>
+              <a:t>: Diese </a:t>
+            </a:r>
+            <a:r>
+              <a:rPr lang="de-DE" dirty="0" err="1"/>
+              <a:t>Prop</a:t>
+            </a:r>
+            <a:r>
+              <a:rPr lang="de-DE" dirty="0"/>
+              <a:t> definiert die Komponente, die gerendert wird, wenn die Route aktiviert ist. </a:t>
+            </a:r>
+            <a:endParaRPr lang="de-DE" dirty="0" smtClean="0"/>
+          </a:p>
+          <a:p>
+            <a:pPr lvl="1"/>
+            <a:r>
+              <a:rPr lang="de-DE" dirty="0" err="1" smtClean="0"/>
+              <a:t>index</a:t>
+            </a:r>
+            <a:r>
+              <a:rPr lang="de-DE" dirty="0"/>
+              <a:t>: Diese </a:t>
+            </a:r>
+            <a:r>
+              <a:rPr lang="de-DE" dirty="0" err="1"/>
+              <a:t>Prop</a:t>
+            </a:r>
+            <a:r>
+              <a:rPr lang="de-DE" dirty="0"/>
+              <a:t> definiert, dass die Route die Index-Route ist, was bedeutet, dass sie aktiviert wird, wenn der Pfad der Root-URL entspricht.</a:t>
+            </a:r>
+          </a:p>
+          <a:p>
+            <a:endParaRPr lang="en-US" dirty="0"/>
+          </a:p>
+          <a:p>
+            <a:pPr marL="342900" indent="-342900">
+              <a:buFont typeface="+mj-lt"/>
+              <a:buAutoNum type="arabicPeriod"/>
+            </a:pPr>
+            <a:endParaRPr lang="de-AT" dirty="0" smtClean="0"/>
+          </a:p>
+        </p:txBody>
+      </p:sp>
+      <p:pic>
+        <p:nvPicPr>
+          <p:cNvPr id="6" name="Grafik 5"/>
+          <p:cNvPicPr>
+            <a:picLocks noChangeAspect="1"/>
+          </p:cNvPicPr>
+          <p:nvPr/>
+        </p:nvPicPr>
+        <p:blipFill>
+          <a:blip r:embed="rId3"/>
+          <a:stretch>
+            <a:fillRect/>
+          </a:stretch>
+        </p:blipFill>
+        <p:spPr>
+          <a:xfrm>
+            <a:off x="6290139" y="2057400"/>
+            <a:ext cx="5757542" cy="2695020"/>
+          </a:xfrm>
+          <a:prstGeom prst="rect">
+            <a:avLst/>
+          </a:prstGeom>
+        </p:spPr>
+      </p:pic>
+    </p:spTree>
+    <p:extLst>
+      <p:ext uri="{BB962C8B-B14F-4D97-AF65-F5344CB8AC3E}">
+        <p14:creationId xmlns:p14="http://schemas.microsoft.com/office/powerpoint/2010/main" val="1518788559"/>
+      </p:ext>
+    </p:extLst>
+  </p:cSld>
+  <p:clrMapOvr>
+    <a:masterClrMapping/>
+  </p:clrMapOvr>
+  <p:timing>
+    <p:tnLst>
+      <p:par>
+        <p:cTn id="1" dur="indefinite" restart="never" nodeType="tmRoot"/>
+      </p:par>
+    </p:tnLst>
+  </p:timing>
+</p:sld>
+</file>
+
+<file path=ppt/slides/slide92.xml><?xml version="1.0" encoding="utf-8"?>
+<p:sld xmlns:a="http://schemas.openxmlformats.org/drawingml/2006/main" xmlns:r="http://schemas.openxmlformats.org/officeDocument/2006/relationships" xmlns:p="http://schemas.openxmlformats.org/presentationml/2006/main">
+  <p:cSld>
+    <p:spTree>
+      <p:nvGrpSpPr>
+        <p:cNvPr id="1" name=""/>
+        <p:cNvGrpSpPr/>
+        <p:nvPr/>
+      </p:nvGrpSpPr>
+      <p:grpSpPr>
+        <a:xfrm>
+          <a:off x="0" y="0"/>
+          <a:ext cx="0" cy="0"/>
+          <a:chOff x="0" y="0"/>
+          <a:chExt cx="0" cy="0"/>
+        </a:xfrm>
+      </p:grpSpPr>
+      <p:sp>
+        <p:nvSpPr>
+          <p:cNvPr id="2" name="Titel 1"/>
+          <p:cNvSpPr>
+            <a:spLocks noGrp="1"/>
+          </p:cNvSpPr>
+          <p:nvPr>
+            <p:ph type="title"/>
+          </p:nvPr>
+        </p:nvSpPr>
+        <p:spPr/>
+        <p:txBody>
+          <a:bodyPr/>
+          <a:lstStyle/>
+          <a:p>
+            <a:r>
+              <a:rPr lang="de-AT" dirty="0" err="1" smtClean="0"/>
+              <a:t>React</a:t>
+            </a:r>
+            <a:r>
+              <a:rPr lang="de-AT" dirty="0" smtClean="0"/>
+              <a:t> Path </a:t>
+            </a:r>
+            <a:r>
+              <a:rPr lang="de-AT" dirty="0" err="1" smtClean="0"/>
+              <a:t>Params</a:t>
+            </a:r>
+            <a:endParaRPr lang="en-US" dirty="0"/>
+          </a:p>
+        </p:txBody>
+      </p:sp>
+      <p:sp>
+        <p:nvSpPr>
+          <p:cNvPr id="3" name="Inhaltsplatzhalter 2"/>
+          <p:cNvSpPr>
+            <a:spLocks noGrp="1"/>
+          </p:cNvSpPr>
+          <p:nvPr>
+            <p:ph idx="1"/>
+          </p:nvPr>
+        </p:nvSpPr>
+        <p:spPr>
+          <a:xfrm>
+            <a:off x="934720" y="2057400"/>
+            <a:ext cx="10353040" cy="4089400"/>
+          </a:xfrm>
+        </p:spPr>
+        <p:txBody>
+          <a:bodyPr>
+            <a:normAutofit/>
+          </a:bodyPr>
+          <a:lstStyle/>
+          <a:p>
+            <a:r>
+              <a:rPr lang="de-AT" dirty="0" smtClean="0"/>
+              <a:t>Um Pfadparameter verwenden zu können hänge einen Parameter beim Pfad mit “/:</a:t>
+            </a:r>
+            <a:r>
+              <a:rPr lang="de-AT" dirty="0" err="1" smtClean="0"/>
+              <a:t>NameDesPfadparameters</a:t>
+            </a:r>
+            <a:r>
+              <a:rPr lang="de-AT" dirty="0" smtClean="0"/>
+              <a:t>“ an</a:t>
+            </a:r>
+            <a:br>
+              <a:rPr lang="de-AT" dirty="0" smtClean="0"/>
+            </a:br>
+            <a:r>
+              <a:rPr lang="de-AT" dirty="0" smtClean="0"/>
+              <a:t>Beispiel:</a:t>
+            </a:r>
+          </a:p>
+          <a:p>
+            <a:pPr marL="0" indent="0">
+              <a:buNone/>
+            </a:pPr>
+            <a:endParaRPr lang="de-AT" dirty="0"/>
+          </a:p>
+          <a:p>
+            <a:r>
+              <a:rPr lang="de-AT" dirty="0" smtClean="0"/>
+              <a:t>Um den Pfadparameter in deiner </a:t>
+            </a:r>
+            <a:r>
+              <a:rPr lang="de-AT" dirty="0" err="1" smtClean="0"/>
+              <a:t>React</a:t>
+            </a:r>
+            <a:r>
+              <a:rPr lang="de-AT" dirty="0" smtClean="0"/>
+              <a:t>-Komponente, die bei diesem Pfad aufgerufen wird verwenden zu können verwende folgende Syntax:</a:t>
+            </a:r>
+            <a:br>
+              <a:rPr lang="de-AT" dirty="0" smtClean="0"/>
+            </a:br>
+            <a:r>
+              <a:rPr lang="de-AT" dirty="0" err="1" smtClean="0"/>
+              <a:t>const</a:t>
+            </a:r>
+            <a:r>
+              <a:rPr lang="de-AT" dirty="0" smtClean="0"/>
+              <a:t> {</a:t>
+            </a:r>
+            <a:r>
+              <a:rPr lang="de-AT" dirty="0" err="1" smtClean="0"/>
+              <a:t>NameDesPfadparameters</a:t>
+            </a:r>
+            <a:r>
+              <a:rPr lang="de-AT" dirty="0" smtClean="0"/>
+              <a:t>} = </a:t>
+            </a:r>
+            <a:r>
+              <a:rPr lang="de-AT" dirty="0" err="1" smtClean="0"/>
+              <a:t>useParams</a:t>
+            </a:r>
+            <a:r>
+              <a:rPr lang="de-AT" dirty="0" smtClean="0"/>
+              <a:t>()</a:t>
+            </a:r>
+            <a:br>
+              <a:rPr lang="de-AT" dirty="0" smtClean="0"/>
+            </a:br>
+            <a:r>
+              <a:rPr lang="de-AT" dirty="0" smtClean="0"/>
+              <a:t>Beispiel:</a:t>
+            </a:r>
+          </a:p>
+          <a:p>
+            <a:endParaRPr lang="de-AT" dirty="0"/>
+          </a:p>
+          <a:p>
+            <a:r>
+              <a:rPr lang="de-AT" dirty="0" smtClean="0"/>
+              <a:t>Danach kann die Variable ganz normal in der Komponente verwendet werden</a:t>
+            </a:r>
+            <a:endParaRPr lang="en-US" dirty="0"/>
+          </a:p>
+        </p:txBody>
+      </p:sp>
+      <p:pic>
+        <p:nvPicPr>
+          <p:cNvPr id="4" name="Grafik 3"/>
+          <p:cNvPicPr>
+            <a:picLocks noChangeAspect="1"/>
+          </p:cNvPicPr>
+          <p:nvPr/>
+        </p:nvPicPr>
+        <p:blipFill rotWithShape="1">
+          <a:blip r:embed="rId2"/>
+          <a:srcRect t="10162"/>
+          <a:stretch/>
+        </p:blipFill>
+        <p:spPr>
+          <a:xfrm>
+            <a:off x="2451099" y="2990503"/>
+            <a:ext cx="7984933" cy="362297"/>
+          </a:xfrm>
+          <a:prstGeom prst="rect">
+            <a:avLst/>
+          </a:prstGeom>
+        </p:spPr>
+      </p:pic>
+      <p:pic>
+        <p:nvPicPr>
+          <p:cNvPr id="5" name="Grafik 4"/>
+          <p:cNvPicPr>
+            <a:picLocks noChangeAspect="1"/>
+          </p:cNvPicPr>
+          <p:nvPr/>
+        </p:nvPicPr>
+        <p:blipFill rotWithShape="1">
+          <a:blip r:embed="rId3"/>
+          <a:srcRect t="11902"/>
+          <a:stretch/>
+        </p:blipFill>
+        <p:spPr>
+          <a:xfrm>
+            <a:off x="2451099" y="4949537"/>
+            <a:ext cx="3565333" cy="361553"/>
+          </a:xfrm>
+          <a:prstGeom prst="rect">
+            <a:avLst/>
+          </a:prstGeom>
+        </p:spPr>
+      </p:pic>
+    </p:spTree>
+    <p:extLst>
+      <p:ext uri="{BB962C8B-B14F-4D97-AF65-F5344CB8AC3E}">
+        <p14:creationId xmlns:p14="http://schemas.microsoft.com/office/powerpoint/2010/main" val="1085638448"/>
+      </p:ext>
+    </p:extLst>
+  </p:cSld>
+  <p:clrMapOvr>
+    <a:masterClrMapping/>
+  </p:clrMapOvr>
+  <p:timing>
+    <p:tnLst>
+      <p:par>
+        <p:cTn id="1" dur="indefinite" restart="never" nodeType="tmRoot"/>
+      </p:par>
+    </p:tnLst>
+  </p:timing>
+</p:sld>
+</file>
+
+<file path=ppt/slides/slide93.xml><?xml version="1.0" encoding="utf-8"?>
+<p:sld xmlns:a="http://schemas.openxmlformats.org/drawingml/2006/main" xmlns:r="http://schemas.openxmlformats.org/officeDocument/2006/relationships" xmlns:p="http://schemas.openxmlformats.org/presentationml/2006/main">
+  <p:cSld>
+    <p:spTree>
+      <p:nvGrpSpPr>
+        <p:cNvPr id="1" name=""/>
+        <p:cNvGrpSpPr/>
+        <p:nvPr/>
+      </p:nvGrpSpPr>
+      <p:grpSpPr>
+        <a:xfrm>
+          <a:off x="0" y="0"/>
+          <a:ext cx="0" cy="0"/>
+          <a:chOff x="0" y="0"/>
+          <a:chExt cx="0" cy="0"/>
+        </a:xfrm>
+      </p:grpSpPr>
+      <p:sp>
+        <p:nvSpPr>
+          <p:cNvPr id="2" name="Titel 1"/>
+          <p:cNvSpPr>
+            <a:spLocks noGrp="1"/>
+          </p:cNvSpPr>
+          <p:nvPr>
+            <p:ph type="title"/>
+          </p:nvPr>
+        </p:nvSpPr>
+        <p:spPr/>
+        <p:txBody>
+          <a:bodyPr/>
+          <a:lstStyle/>
+          <a:p>
+            <a:r>
+              <a:rPr lang="de-AT" dirty="0" err="1" smtClean="0"/>
+              <a:t>React</a:t>
+            </a:r>
+            <a:r>
+              <a:rPr lang="de-AT" dirty="0" smtClean="0"/>
+              <a:t> Query </a:t>
+            </a:r>
+            <a:r>
+              <a:rPr lang="de-AT" dirty="0" err="1" smtClean="0"/>
+              <a:t>Params</a:t>
+            </a:r>
+            <a:endParaRPr lang="en-US" dirty="0"/>
+          </a:p>
+        </p:txBody>
+      </p:sp>
+      <p:sp>
+        <p:nvSpPr>
+          <p:cNvPr id="3" name="Inhaltsplatzhalter 2"/>
+          <p:cNvSpPr>
+            <a:spLocks noGrp="1"/>
+          </p:cNvSpPr>
+          <p:nvPr>
+            <p:ph idx="1"/>
+          </p:nvPr>
+        </p:nvSpPr>
+        <p:spPr>
+          <a:xfrm>
+            <a:off x="863600" y="2057400"/>
+            <a:ext cx="10068560" cy="4137259"/>
+          </a:xfrm>
+        </p:spPr>
+        <p:txBody>
+          <a:bodyPr/>
+          <a:lstStyle/>
+          <a:p>
+            <a:r>
+              <a:rPr lang="de-AT" dirty="0" smtClean="0"/>
+              <a:t>Um Query Parameter verwenden zu können benötigen wir zunächst folgendes importiertes Package</a:t>
+            </a:r>
+          </a:p>
+          <a:p>
+            <a:endParaRPr lang="de-AT" dirty="0" smtClean="0"/>
+          </a:p>
+          <a:p>
+            <a:r>
+              <a:rPr lang="de-AT" dirty="0" smtClean="0"/>
+              <a:t>Danach werden die folgenden Codezeilen innerhalb der Komponente geschrieben die die Query Parameter verwendet</a:t>
+            </a:r>
+          </a:p>
+          <a:p>
+            <a:endParaRPr lang="de-AT" dirty="0" smtClean="0"/>
+          </a:p>
+          <a:p>
+            <a:endParaRPr lang="de-AT" dirty="0"/>
+          </a:p>
+          <a:p>
+            <a:r>
+              <a:rPr lang="de-AT" dirty="0" smtClean="0"/>
+              <a:t>Um die einzelnen in </a:t>
+            </a:r>
+            <a:r>
+              <a:rPr lang="de-AT" dirty="0" err="1" smtClean="0"/>
+              <a:t>queryParams</a:t>
+            </a:r>
+            <a:r>
+              <a:rPr lang="de-AT" dirty="0" smtClean="0"/>
+              <a:t> gespeicherten Variablen nutzen zu können wird die folgende Syntax verwendet: </a:t>
+            </a:r>
+            <a:r>
+              <a:rPr lang="de-AT" dirty="0" err="1" smtClean="0"/>
+              <a:t>const</a:t>
+            </a:r>
+            <a:r>
+              <a:rPr lang="de-AT" dirty="0" smtClean="0"/>
+              <a:t> </a:t>
+            </a:r>
+            <a:r>
+              <a:rPr lang="de-AT" dirty="0" err="1" smtClean="0"/>
+              <a:t>variableName</a:t>
+            </a:r>
+            <a:r>
+              <a:rPr lang="de-AT" dirty="0" smtClean="0"/>
+              <a:t> = </a:t>
+            </a:r>
+            <a:r>
+              <a:rPr lang="de-AT" dirty="0" err="1" smtClean="0"/>
+              <a:t>queryParams.get</a:t>
+            </a:r>
+            <a:r>
+              <a:rPr lang="de-AT" dirty="0" smtClean="0"/>
+              <a:t>(„</a:t>
+            </a:r>
+            <a:r>
+              <a:rPr lang="de-AT" dirty="0" err="1" smtClean="0"/>
+              <a:t>queryParamName</a:t>
+            </a:r>
+            <a:r>
+              <a:rPr lang="de-AT" dirty="0" smtClean="0"/>
+              <a:t>“)</a:t>
+            </a:r>
+            <a:br>
+              <a:rPr lang="de-AT" dirty="0" smtClean="0"/>
+            </a:br>
+            <a:r>
+              <a:rPr lang="de-AT" dirty="0" err="1" smtClean="0"/>
+              <a:t>Bsp</a:t>
+            </a:r>
+            <a:r>
+              <a:rPr lang="de-AT" dirty="0" smtClean="0"/>
+              <a:t>:</a:t>
+            </a:r>
+            <a:endParaRPr lang="en-US" dirty="0"/>
+          </a:p>
+        </p:txBody>
+      </p:sp>
+      <p:pic>
+        <p:nvPicPr>
+          <p:cNvPr id="4" name="Grafik 3"/>
+          <p:cNvPicPr>
+            <a:picLocks noChangeAspect="1"/>
+          </p:cNvPicPr>
+          <p:nvPr/>
+        </p:nvPicPr>
+        <p:blipFill>
+          <a:blip r:embed="rId2"/>
+          <a:stretch>
+            <a:fillRect/>
+          </a:stretch>
+        </p:blipFill>
+        <p:spPr>
+          <a:xfrm>
+            <a:off x="1109979" y="2810500"/>
+            <a:ext cx="5951516" cy="369580"/>
+          </a:xfrm>
+          <a:prstGeom prst="rect">
+            <a:avLst/>
+          </a:prstGeom>
+        </p:spPr>
+      </p:pic>
+      <p:pic>
+        <p:nvPicPr>
+          <p:cNvPr id="5" name="Grafik 4"/>
+          <p:cNvPicPr>
+            <a:picLocks noChangeAspect="1"/>
+          </p:cNvPicPr>
+          <p:nvPr/>
+        </p:nvPicPr>
+        <p:blipFill>
+          <a:blip r:embed="rId3"/>
+          <a:stretch>
+            <a:fillRect/>
+          </a:stretch>
+        </p:blipFill>
+        <p:spPr>
+          <a:xfrm>
+            <a:off x="1109979" y="4101882"/>
+            <a:ext cx="6417391" cy="585487"/>
+          </a:xfrm>
+          <a:prstGeom prst="rect">
+            <a:avLst/>
+          </a:prstGeom>
+        </p:spPr>
+      </p:pic>
+      <p:pic>
+        <p:nvPicPr>
+          <p:cNvPr id="6" name="Grafik 5"/>
+          <p:cNvPicPr>
+            <a:picLocks noChangeAspect="1"/>
+          </p:cNvPicPr>
+          <p:nvPr/>
+        </p:nvPicPr>
+        <p:blipFill>
+          <a:blip r:embed="rId4"/>
+          <a:stretch>
+            <a:fillRect/>
+          </a:stretch>
+        </p:blipFill>
+        <p:spPr>
+          <a:xfrm>
+            <a:off x="1993899" y="5857351"/>
+            <a:ext cx="4996181" cy="313112"/>
+          </a:xfrm>
+          <a:prstGeom prst="rect">
+            <a:avLst/>
+          </a:prstGeom>
+        </p:spPr>
+      </p:pic>
+    </p:spTree>
+    <p:extLst>
+      <p:ext uri="{BB962C8B-B14F-4D97-AF65-F5344CB8AC3E}">
+        <p14:creationId xmlns:p14="http://schemas.microsoft.com/office/powerpoint/2010/main" val="3555869544"/>
+      </p:ext>
+    </p:extLst>
+  </p:cSld>
+  <p:clrMapOvr>
+    <a:masterClrMapping/>
+  </p:clrMapOvr>
+  <p:timing>
+    <p:tnLst>
+      <p:par>
+        <p:cTn id="1" dur="indefinite" restart="never" nodeType="tmRoot"/>
+      </p:par>
+    </p:tnLst>
+  </p:timing>
+</p:sld>
+</file>
+
+<file path=ppt/slides/slide94.xml><?xml version="1.0" encoding="utf-8"?>
+<p:sld xmlns:a="http://schemas.openxmlformats.org/drawingml/2006/main" xmlns:r="http://schemas.openxmlformats.org/officeDocument/2006/relationships" xmlns:p="http://schemas.openxmlformats.org/presentationml/2006/main">
+  <p:cSld>
+    <p:spTree>
+      <p:nvGrpSpPr>
+        <p:cNvPr id="1" name=""/>
+        <p:cNvGrpSpPr/>
+        <p:nvPr/>
+      </p:nvGrpSpPr>
+      <p:grpSpPr>
+        <a:xfrm>
+          <a:off x="0" y="0"/>
+          <a:ext cx="0" cy="0"/>
+          <a:chOff x="0" y="0"/>
+          <a:chExt cx="0" cy="0"/>
+        </a:xfrm>
+      </p:grpSpPr>
+      <p:sp>
+        <p:nvSpPr>
+          <p:cNvPr id="2" name="Titel 1"/>
+          <p:cNvSpPr>
+            <a:spLocks noGrp="1"/>
+          </p:cNvSpPr>
+          <p:nvPr>
+            <p:ph type="title"/>
+          </p:nvPr>
+        </p:nvSpPr>
+        <p:spPr/>
+        <p:txBody>
+          <a:bodyPr/>
+          <a:lstStyle/>
+          <a:p>
+            <a:r>
+              <a:rPr lang="de-AT" dirty="0" err="1" smtClean="0"/>
+              <a:t>React</a:t>
+            </a:r>
+            <a:r>
+              <a:rPr lang="de-AT" dirty="0" smtClean="0"/>
+              <a:t> Navigation</a:t>
+            </a:r>
+            <a:endParaRPr lang="en-US" dirty="0"/>
+          </a:p>
+        </p:txBody>
+      </p:sp>
+      <p:sp>
+        <p:nvSpPr>
+          <p:cNvPr id="3" name="Inhaltsplatzhalter 2"/>
+          <p:cNvSpPr>
+            <a:spLocks noGrp="1"/>
+          </p:cNvSpPr>
+          <p:nvPr>
+            <p:ph idx="1"/>
+          </p:nvPr>
+        </p:nvSpPr>
+        <p:spPr>
+          <a:xfrm>
+            <a:off x="965200" y="2057400"/>
+            <a:ext cx="9588502" cy="4137259"/>
+          </a:xfrm>
+        </p:spPr>
+        <p:txBody>
+          <a:bodyPr/>
+          <a:lstStyle/>
+          <a:p>
+            <a:r>
+              <a:rPr lang="de-AT" dirty="0" smtClean="0"/>
+              <a:t>Wie können wir innerhalb einer Komponente eine andere Route aufrufen ohne dabei die Seite neu zu laden?</a:t>
+            </a:r>
+          </a:p>
+          <a:p>
+            <a:r>
+              <a:rPr lang="de-AT" dirty="0" err="1" smtClean="0"/>
+              <a:t>React</a:t>
+            </a:r>
+            <a:r>
+              <a:rPr lang="de-AT" dirty="0" smtClean="0"/>
+              <a:t> Router DOM bietet </a:t>
+            </a:r>
+            <a:br>
+              <a:rPr lang="de-AT" dirty="0" smtClean="0"/>
+            </a:br>
+            <a:r>
+              <a:rPr lang="de-AT" dirty="0" smtClean="0"/>
+              <a:t>2 Möglichkeiten:</a:t>
+            </a:r>
+          </a:p>
+          <a:p>
+            <a:r>
+              <a:rPr lang="de-AT" dirty="0" smtClean="0"/>
+              <a:t>Als Link:</a:t>
+            </a:r>
+            <a:br>
+              <a:rPr lang="de-AT" dirty="0" smtClean="0"/>
+            </a:br>
+            <a:r>
+              <a:rPr lang="de-AT" dirty="0" smtClean="0"/>
+              <a:t>&lt;Link </a:t>
+            </a:r>
+            <a:r>
+              <a:rPr lang="de-AT" dirty="0" err="1" smtClean="0"/>
+              <a:t>to</a:t>
+            </a:r>
+            <a:r>
+              <a:rPr lang="de-AT" dirty="0" smtClean="0"/>
+              <a:t>=“</a:t>
+            </a:r>
+            <a:r>
+              <a:rPr lang="de-AT" dirty="0" err="1" smtClean="0"/>
+              <a:t>endpoint</a:t>
+            </a:r>
+            <a:r>
+              <a:rPr lang="de-AT" dirty="0" smtClean="0"/>
+              <a:t>“&gt;</a:t>
+            </a:r>
+          </a:p>
+          <a:p>
+            <a:r>
+              <a:rPr lang="de-AT" dirty="0" smtClean="0"/>
+              <a:t>Über Funktionsaufruf:</a:t>
+            </a:r>
+            <a:br>
+              <a:rPr lang="de-AT" dirty="0" smtClean="0"/>
+            </a:br>
+            <a:r>
+              <a:rPr lang="de-AT" dirty="0" err="1" smtClean="0"/>
+              <a:t>navigate</a:t>
+            </a:r>
+            <a:r>
+              <a:rPr lang="de-AT" dirty="0" smtClean="0"/>
+              <a:t>(„</a:t>
+            </a:r>
+            <a:r>
+              <a:rPr lang="de-AT" dirty="0" err="1" smtClean="0"/>
+              <a:t>endpoint</a:t>
+            </a:r>
+            <a:r>
+              <a:rPr lang="de-AT" dirty="0" smtClean="0"/>
+              <a:t>“)</a:t>
+            </a:r>
+          </a:p>
+          <a:p>
+            <a:pPr lvl="1"/>
+            <a:endParaRPr lang="de-AT" dirty="0" smtClean="0"/>
+          </a:p>
+          <a:p>
+            <a:endParaRPr lang="en-US" dirty="0"/>
+          </a:p>
+        </p:txBody>
+      </p:sp>
+      <p:pic>
+        <p:nvPicPr>
+          <p:cNvPr id="4" name="Grafik 3"/>
+          <p:cNvPicPr>
+            <a:picLocks noChangeAspect="1"/>
+          </p:cNvPicPr>
+          <p:nvPr/>
+        </p:nvPicPr>
+        <p:blipFill>
+          <a:blip r:embed="rId3"/>
+          <a:stretch>
+            <a:fillRect/>
+          </a:stretch>
+        </p:blipFill>
+        <p:spPr>
+          <a:xfrm>
+            <a:off x="4778767" y="2765946"/>
+            <a:ext cx="7134857" cy="3319893"/>
+          </a:xfrm>
+          <a:prstGeom prst="rect">
+            <a:avLst/>
+          </a:prstGeom>
+        </p:spPr>
+      </p:pic>
+    </p:spTree>
+    <p:extLst>
+      <p:ext uri="{BB962C8B-B14F-4D97-AF65-F5344CB8AC3E}">
+        <p14:creationId xmlns:p14="http://schemas.microsoft.com/office/powerpoint/2010/main" val="575341262"/>
+      </p:ext>
+    </p:extLst>
+  </p:cSld>
+  <p:clrMapOvr>
+    <a:masterClrMapping/>
+  </p:clrMapOvr>
+  <p:timing>
+    <p:tnLst>
+      <p:par>
+        <p:cTn id="1" dur="indefinite" restart="never" nodeType="tmRoot"/>
+      </p:par>
+    </p:tnLst>
+  </p:timing>
+</p:sld>
+</file>
+
+<file path=ppt/slides/slide95.xml><?xml version="1.0" encoding="utf-8"?>
+<p:sld xmlns:a="http://schemas.openxmlformats.org/drawingml/2006/main" xmlns:r="http://schemas.openxmlformats.org/officeDocument/2006/relationships" xmlns:p="http://schemas.openxmlformats.org/presentationml/2006/main">
+  <p:cSld>
+    <p:spTree>
+      <p:nvGrpSpPr>
+        <p:cNvPr id="1" name=""/>
+        <p:cNvGrpSpPr/>
+        <p:nvPr/>
+      </p:nvGrpSpPr>
+      <p:grpSpPr>
+        <a:xfrm>
+          <a:off x="0" y="0"/>
+          <a:ext cx="0" cy="0"/>
+          <a:chOff x="0" y="0"/>
+          <a:chExt cx="0" cy="0"/>
+        </a:xfrm>
+      </p:grpSpPr>
+      <p:sp>
+        <p:nvSpPr>
+          <p:cNvPr id="2" name="Titel 1"/>
+          <p:cNvSpPr>
+            <a:spLocks noGrp="1"/>
+          </p:cNvSpPr>
+          <p:nvPr>
+            <p:ph type="title"/>
+          </p:nvPr>
+        </p:nvSpPr>
+        <p:spPr/>
+        <p:txBody>
+          <a:bodyPr/>
+          <a:lstStyle/>
+          <a:p>
+            <a:r>
+              <a:rPr lang="de-AT" dirty="0" err="1" smtClean="0"/>
+              <a:t>React</a:t>
+            </a:r>
+            <a:r>
+              <a:rPr lang="de-AT" dirty="0" smtClean="0"/>
+              <a:t> / Express Backend Integration</a:t>
+            </a:r>
+            <a:endParaRPr lang="en-US" dirty="0"/>
+          </a:p>
+        </p:txBody>
+      </p:sp>
+      <p:sp>
+        <p:nvSpPr>
+          <p:cNvPr id="3" name="Inhaltsplatzhalter 2"/>
+          <p:cNvSpPr>
+            <a:spLocks noGrp="1"/>
+          </p:cNvSpPr>
+          <p:nvPr>
+            <p:ph idx="1"/>
+          </p:nvPr>
+        </p:nvSpPr>
+        <p:spPr>
+          <a:xfrm>
+            <a:off x="802640" y="2113280"/>
+            <a:ext cx="5943600" cy="4226560"/>
+          </a:xfrm>
+        </p:spPr>
+        <p:txBody>
+          <a:bodyPr>
+            <a:normAutofit lnSpcReduction="10000"/>
+          </a:bodyPr>
+          <a:lstStyle/>
+          <a:p>
+            <a:r>
+              <a:rPr lang="de-AT" dirty="0" smtClean="0"/>
+              <a:t>Um Aufrufe aus dem </a:t>
+            </a:r>
+            <a:r>
+              <a:rPr lang="de-AT" dirty="0" err="1" smtClean="0"/>
+              <a:t>React</a:t>
+            </a:r>
+            <a:r>
+              <a:rPr lang="de-AT" dirty="0" smtClean="0"/>
+              <a:t> Frontend an den Express Server und dessen Endpoints machen zu können sind folgende Schritte nötig:</a:t>
+            </a:r>
+          </a:p>
+          <a:p>
+            <a:pPr marL="342900" indent="-342900">
+              <a:buFont typeface="+mj-lt"/>
+              <a:buAutoNum type="arabicPeriod"/>
+            </a:pPr>
+            <a:r>
+              <a:rPr lang="de-AT" dirty="0" smtClean="0"/>
+              <a:t>Starten des Express Servers (</a:t>
+            </a:r>
+            <a:r>
+              <a:rPr lang="de-AT" dirty="0" err="1" smtClean="0"/>
+              <a:t>nodemon</a:t>
+            </a:r>
+            <a:r>
+              <a:rPr lang="de-AT" dirty="0" smtClean="0"/>
+              <a:t> server.js) auf beliebigen Port (</a:t>
+            </a:r>
+            <a:r>
+              <a:rPr lang="de-AT" dirty="0" err="1" smtClean="0"/>
+              <a:t>Bsp</a:t>
+            </a:r>
+            <a:r>
+              <a:rPr lang="de-AT" dirty="0" smtClean="0"/>
+              <a:t>: 3000)</a:t>
+            </a:r>
+          </a:p>
+          <a:p>
+            <a:pPr marL="342900" indent="-342900">
+              <a:buFont typeface="+mj-lt"/>
+              <a:buAutoNum type="arabicPeriod"/>
+            </a:pPr>
+            <a:r>
+              <a:rPr lang="de-AT" dirty="0" smtClean="0"/>
+              <a:t>Starten der </a:t>
+            </a:r>
+            <a:r>
+              <a:rPr lang="de-AT" dirty="0" err="1" smtClean="0"/>
+              <a:t>React</a:t>
+            </a:r>
+            <a:r>
+              <a:rPr lang="de-AT" dirty="0" smtClean="0"/>
+              <a:t> App (</a:t>
+            </a:r>
+            <a:r>
+              <a:rPr lang="de-AT" dirty="0" err="1" smtClean="0"/>
+              <a:t>npm</a:t>
+            </a:r>
+            <a:r>
+              <a:rPr lang="de-AT" dirty="0" smtClean="0"/>
+              <a:t> </a:t>
+            </a:r>
+            <a:r>
+              <a:rPr lang="de-AT" dirty="0" err="1" smtClean="0"/>
+              <a:t>start</a:t>
+            </a:r>
+            <a:r>
+              <a:rPr lang="de-AT" dirty="0"/>
+              <a:t>)</a:t>
+            </a:r>
+            <a:r>
+              <a:rPr lang="de-AT" dirty="0" smtClean="0"/>
+              <a:t> auf unterschiedlichem Port (Bsp:3001)</a:t>
+            </a:r>
+          </a:p>
+          <a:p>
+            <a:pPr marL="342900" indent="-342900">
+              <a:buFont typeface="+mj-lt"/>
+              <a:buAutoNum type="arabicPeriod"/>
+            </a:pPr>
+            <a:r>
+              <a:rPr lang="de-AT" dirty="0" smtClean="0"/>
+              <a:t>Mit Hilfe der bekannten </a:t>
+            </a:r>
+            <a:r>
+              <a:rPr lang="de-AT" dirty="0" err="1" smtClean="0"/>
+              <a:t>fetch</a:t>
+            </a:r>
+            <a:r>
+              <a:rPr lang="de-AT" dirty="0" smtClean="0"/>
+              <a:t> Methode werden Daten wie gewohnt aus dem Backend geladen</a:t>
+            </a:r>
+          </a:p>
+          <a:p>
+            <a:pPr lvl="1"/>
+            <a:r>
+              <a:rPr lang="de-AT" dirty="0" smtClean="0"/>
+              <a:t>Häufig werden Daten beim Initialen Rendering (</a:t>
+            </a:r>
+            <a:r>
+              <a:rPr lang="de-AT" dirty="0" err="1" smtClean="0"/>
+              <a:t>useEffect</a:t>
+            </a:r>
+            <a:r>
+              <a:rPr lang="de-AT" dirty="0" smtClean="0"/>
+              <a:t>) einer Komponente oder als Folge einer Benutzeraktion (Event) geladen</a:t>
+            </a:r>
+            <a:endParaRPr lang="en-US" dirty="0"/>
+          </a:p>
+        </p:txBody>
+      </p:sp>
+      <p:pic>
+        <p:nvPicPr>
+          <p:cNvPr id="4" name="Grafik 3"/>
+          <p:cNvPicPr>
+            <a:picLocks noChangeAspect="1"/>
+          </p:cNvPicPr>
+          <p:nvPr/>
+        </p:nvPicPr>
+        <p:blipFill>
+          <a:blip r:embed="rId2"/>
+          <a:stretch>
+            <a:fillRect/>
+          </a:stretch>
+        </p:blipFill>
+        <p:spPr>
+          <a:xfrm>
+            <a:off x="6959600" y="2216107"/>
+            <a:ext cx="5037708" cy="1244951"/>
+          </a:xfrm>
+          <a:prstGeom prst="rect">
+            <a:avLst/>
+          </a:prstGeom>
+        </p:spPr>
+      </p:pic>
+      <p:pic>
+        <p:nvPicPr>
+          <p:cNvPr id="5" name="Grafik 4"/>
+          <p:cNvPicPr>
+            <a:picLocks noChangeAspect="1"/>
+          </p:cNvPicPr>
+          <p:nvPr/>
+        </p:nvPicPr>
+        <p:blipFill>
+          <a:blip r:embed="rId3"/>
+          <a:stretch>
+            <a:fillRect/>
+          </a:stretch>
+        </p:blipFill>
+        <p:spPr>
+          <a:xfrm>
+            <a:off x="6959600" y="3957872"/>
+            <a:ext cx="5037708" cy="1477727"/>
+          </a:xfrm>
+          <a:prstGeom prst="rect">
+            <a:avLst/>
+          </a:prstGeom>
+        </p:spPr>
+      </p:pic>
+    </p:spTree>
+    <p:extLst>
+      <p:ext uri="{BB962C8B-B14F-4D97-AF65-F5344CB8AC3E}">
+        <p14:creationId xmlns:p14="http://schemas.microsoft.com/office/powerpoint/2010/main" val="3390511654"/>
+      </p:ext>
+    </p:extLst>
+  </p:cSld>
+  <p:clrMapOvr>
+    <a:masterClrMapping/>
+  </p:clrMapOvr>
+  <p:timing>
+    <p:tnLst>
+      <p:par>
+        <p:cTn id="1" dur="indefinite" restart="never" nodeType="tmRoot"/>
+      </p:par>
+    </p:tnLst>
+  </p:timing>
+</p:sld>
+</file>
+
+<file path=ppt/slides/slide96.xml><?xml version="1.0" encoding="utf-8"?>
+<p:sld xmlns:a="http://schemas.openxmlformats.org/drawingml/2006/main" xmlns:r="http://schemas.openxmlformats.org/officeDocument/2006/relationships" xmlns:p="http://schemas.openxmlformats.org/presentationml/2006/main">
+  <p:cSld>
+    <p:spTree>
+      <p:nvGrpSpPr>
+        <p:cNvPr id="1" name=""/>
+        <p:cNvGrpSpPr/>
+        <p:nvPr/>
+      </p:nvGrpSpPr>
+      <p:grpSpPr>
+        <a:xfrm>
+          <a:off x="0" y="0"/>
+          <a:ext cx="0" cy="0"/>
+          <a:chOff x="0" y="0"/>
+          <a:chExt cx="0" cy="0"/>
+        </a:xfrm>
+      </p:grpSpPr>
+      <p:sp>
+        <p:nvSpPr>
+          <p:cNvPr id="2" name="Titel 1"/>
+          <p:cNvSpPr>
+            <a:spLocks noGrp="1"/>
+          </p:cNvSpPr>
+          <p:nvPr>
+            <p:ph type="title"/>
+          </p:nvPr>
+        </p:nvSpPr>
+        <p:spPr>
+          <a:xfrm>
+            <a:off x="1638300" y="543560"/>
+            <a:ext cx="8915402" cy="1371600"/>
+          </a:xfrm>
+        </p:spPr>
+        <p:txBody>
+          <a:bodyPr/>
+          <a:lstStyle/>
+          <a:p>
+            <a:r>
+              <a:rPr lang="en-US" dirty="0"/>
+              <a:t>Cross-Origin Resource </a:t>
+            </a:r>
+            <a:r>
+              <a:rPr lang="en-US" dirty="0" smtClean="0"/>
+              <a:t>Sharing (CORS)</a:t>
+            </a:r>
+            <a:endParaRPr lang="en-US" dirty="0"/>
+          </a:p>
+        </p:txBody>
+      </p:sp>
+      <p:sp>
+        <p:nvSpPr>
+          <p:cNvPr id="3" name="Inhaltsplatzhalter 2"/>
+          <p:cNvSpPr>
+            <a:spLocks noGrp="1"/>
+          </p:cNvSpPr>
+          <p:nvPr>
+            <p:ph idx="1"/>
+          </p:nvPr>
+        </p:nvSpPr>
+        <p:spPr>
+          <a:xfrm>
+            <a:off x="772160" y="1915160"/>
+            <a:ext cx="7508240" cy="4597400"/>
+          </a:xfrm>
+        </p:spPr>
+        <p:txBody>
+          <a:bodyPr>
+            <a:normAutofit lnSpcReduction="10000"/>
+          </a:bodyPr>
+          <a:lstStyle/>
+          <a:p>
+            <a:r>
+              <a:rPr lang="de-AT" dirty="0" smtClean="0"/>
+              <a:t>Wenn wir 2 unterschiedliche Server in Entwicklung für Backend (Express) und Frontend (</a:t>
+            </a:r>
+            <a:r>
+              <a:rPr lang="de-AT" dirty="0" err="1" smtClean="0"/>
+              <a:t>React</a:t>
+            </a:r>
+            <a:r>
+              <a:rPr lang="de-AT" dirty="0" smtClean="0"/>
+              <a:t>) verwenden, nutzen wir das sogenannte Cross-Origin Ressource Sharing (CORS)</a:t>
+            </a:r>
+          </a:p>
+          <a:p>
+            <a:r>
+              <a:rPr lang="de-AT" dirty="0" smtClean="0"/>
+              <a:t>Diese Konfiguration muss explizit innerhalb unseres Express Servers „genehmigt“ werden</a:t>
+            </a:r>
+          </a:p>
+          <a:p>
+            <a:r>
+              <a:rPr lang="de-AT" dirty="0" smtClean="0"/>
+              <a:t>Dafür verwenden wir eine Middleware die es uns erlaubt CORS Anfragen zu nutzen</a:t>
+            </a:r>
+          </a:p>
+          <a:p>
+            <a:r>
+              <a:rPr lang="de-AT" dirty="0" smtClean="0"/>
+              <a:t>Dafür wird ein zusätzliches Paket installiert (</a:t>
+            </a:r>
+            <a:r>
+              <a:rPr lang="de-AT" dirty="0" err="1" smtClean="0"/>
+              <a:t>npm</a:t>
+            </a:r>
+            <a:r>
+              <a:rPr lang="de-AT" dirty="0" smtClean="0"/>
+              <a:t> i </a:t>
+            </a:r>
+            <a:r>
+              <a:rPr lang="de-AT" dirty="0" err="1" smtClean="0"/>
+              <a:t>cors</a:t>
+            </a:r>
+            <a:r>
+              <a:rPr lang="de-AT" dirty="0" smtClean="0"/>
+              <a:t>)</a:t>
+            </a:r>
+          </a:p>
+          <a:p>
+            <a:r>
+              <a:rPr lang="de-AT" dirty="0" smtClean="0"/>
+              <a:t>Im Anschluss wird das Package in unserem Server importiert und über eine Middleware registriert (siehe rechts)</a:t>
+            </a:r>
+          </a:p>
+          <a:p>
+            <a:r>
+              <a:rPr lang="de-AT" dirty="0" smtClean="0"/>
+              <a:t>Nun können wir Anfragen von unterschiedlichen Quellen (unterschiedlichen Webseiten) mit unserem Server verarbeiten</a:t>
+            </a:r>
+            <a:endParaRPr lang="en-US" dirty="0"/>
+          </a:p>
+        </p:txBody>
+      </p:sp>
+      <p:pic>
+        <p:nvPicPr>
+          <p:cNvPr id="4" name="Grafik 3"/>
+          <p:cNvPicPr>
+            <a:picLocks noChangeAspect="1"/>
+          </p:cNvPicPr>
+          <p:nvPr/>
+        </p:nvPicPr>
+        <p:blipFill>
+          <a:blip r:embed="rId3"/>
+          <a:stretch>
+            <a:fillRect/>
+          </a:stretch>
+        </p:blipFill>
+        <p:spPr>
+          <a:xfrm>
+            <a:off x="8450501" y="3201643"/>
+            <a:ext cx="3339868" cy="1136677"/>
+          </a:xfrm>
+          <a:prstGeom prst="rect">
+            <a:avLst/>
+          </a:prstGeom>
+        </p:spPr>
+      </p:pic>
+    </p:spTree>
+    <p:extLst>
+      <p:ext uri="{BB962C8B-B14F-4D97-AF65-F5344CB8AC3E}">
+        <p14:creationId xmlns:p14="http://schemas.microsoft.com/office/powerpoint/2010/main" val="3759099702"/>
+      </p:ext>
+    </p:extLst>
+  </p:cSld>
+  <p:clrMapOvr>
+    <a:masterClrMapping/>
+  </p:clrMapOvr>
+  <p:timing>
+    <p:tnLst>
+      <p:par>
+        <p:cTn id="1" dur="indefinite" restart="never" nodeType="tmRoot"/>
+      </p:par>
+    </p:tnLst>
+  </p:timing>
+</p:sld>
+</file>
+
+<file path=ppt/slides/slide97.xml><?xml version="1.0" encoding="utf-8"?>
+<p:sld xmlns:a="http://schemas.openxmlformats.org/drawingml/2006/main" xmlns:r="http://schemas.openxmlformats.org/officeDocument/2006/relationships" xmlns:p="http://schemas.openxmlformats.org/presentationml/2006/main">
+  <p:cSld>
+    <p:spTree>
+      <p:nvGrpSpPr>
+        <p:cNvPr id="1" name=""/>
+        <p:cNvGrpSpPr/>
+        <p:nvPr/>
+      </p:nvGrpSpPr>
+      <p:grpSpPr>
+        <a:xfrm>
+          <a:off x="0" y="0"/>
+          <a:ext cx="0" cy="0"/>
+          <a:chOff x="0" y="0"/>
+          <a:chExt cx="0" cy="0"/>
+        </a:xfrm>
+      </p:grpSpPr>
+      <p:sp>
+        <p:nvSpPr>
+          <p:cNvPr id="14" name="Titel 1">
+            <a:extLst>
+              <a:ext uri="{FF2B5EF4-FFF2-40B4-BE49-F238E27FC236}">
+                <a16:creationId xmlns:a16="http://schemas.microsoft.com/office/drawing/2014/main" id="{6DB21EA0-4795-3F03-D704-DA35858C1F5A}"/>
+              </a:ext>
+            </a:extLst>
+          </p:cNvPr>
+          <p:cNvSpPr>
+            <a:spLocks noGrp="1"/>
+          </p:cNvSpPr>
+          <p:nvPr/>
+        </p:nvSpPr>
+        <p:spPr>
+          <a:xfrm>
+            <a:off x="1320800" y="674571"/>
+            <a:ext cx="9232901" cy="1371600"/>
+          </a:xfrm>
+          <a:prstGeom prst="rect">
+            <a:avLst/>
+          </a:prstGeom>
+        </p:spPr>
+        <p:txBody>
+          <a:bodyPr vert="horz" lIns="91440" tIns="45720" rIns="91440" bIns="45720" rtlCol="0" anchor="ctr">
+            <a:normAutofit/>
+          </a:bodyPr>
+          <a:lstStyle>
+            <a:lvl1pPr algn="l" defTabSz="914400" rtl="0" eaLnBrk="1" latinLnBrk="0" hangingPunct="1">
+              <a:lnSpc>
+                <a:spcPct val="100000"/>
+              </a:lnSpc>
+              <a:spcBef>
+                <a:spcPct val="0"/>
+              </a:spcBef>
+              <a:buNone/>
+              <a:defRPr sz="3200" b="1" kern="1200">
+                <a:solidFill>
+                  <a:schemeClr val="tx1"/>
+                </a:solidFill>
+                <a:latin typeface="+mj-lt"/>
+                <a:ea typeface="+mj-ea"/>
+                <a:cs typeface="+mj-cs"/>
+              </a:defRPr>
+            </a:lvl1pPr>
+          </a:lstStyle>
+          <a:p>
+            <a:r>
+              <a:rPr lang="de-AT" dirty="0"/>
+              <a:t>Übung: Witze API Aufruf mit </a:t>
+            </a:r>
+            <a:r>
+              <a:rPr lang="de-AT" dirty="0" err="1"/>
+              <a:t>fetch</a:t>
+            </a:r>
+            <a:r>
+              <a:rPr lang="de-AT" dirty="0" smtClean="0"/>
+              <a:t>() und </a:t>
+            </a:r>
+            <a:r>
+              <a:rPr lang="de-AT" dirty="0" err="1" smtClean="0"/>
+              <a:t>React</a:t>
+            </a:r>
+            <a:endParaRPr lang="de-AT" dirty="0"/>
+          </a:p>
+        </p:txBody>
+      </p:sp>
+      <p:sp>
+        <p:nvSpPr>
+          <p:cNvPr id="15" name="Inhaltsplatzhalter 2">
+            <a:extLst>
+              <a:ext uri="{FF2B5EF4-FFF2-40B4-BE49-F238E27FC236}">
+                <a16:creationId xmlns:a16="http://schemas.microsoft.com/office/drawing/2014/main" id="{B7BB1022-10E3-45A8-CA78-B330BEDAD1BE}"/>
+              </a:ext>
+            </a:extLst>
+          </p:cNvPr>
+          <p:cNvSpPr>
+            <a:spLocks noGrp="1"/>
+          </p:cNvSpPr>
+          <p:nvPr/>
+        </p:nvSpPr>
+        <p:spPr>
+          <a:xfrm>
+            <a:off x="735954" y="1999382"/>
+            <a:ext cx="6949440" cy="3956449"/>
+          </a:xfrm>
+          <a:prstGeom prst="rect">
+            <a:avLst/>
+          </a:prstGeom>
+        </p:spPr>
+        <p:txBody>
+          <a:bodyPr vert="horz" lIns="91440" tIns="45720" rIns="91440" bIns="45720" rtlCol="0">
+            <a:normAutofit fontScale="92500" lnSpcReduction="10000"/>
+          </a:bodyPr>
+          <a:lstStyle>
+            <a:lvl1pPr marL="228600" indent="-228600" algn="l" defTabSz="914400" rtl="0" eaLnBrk="1" latinLnBrk="0" hangingPunct="1">
+              <a:lnSpc>
+                <a:spcPct val="120000"/>
+              </a:lnSpc>
+              <a:spcBef>
+                <a:spcPts val="1000"/>
+              </a:spcBef>
+              <a:buFont typeface="Arial" panose="020B0604020202020204" pitchFamily="34" charset="0"/>
+              <a:buChar char="•"/>
+              <a:defRPr sz="1800" kern="1200">
+                <a:solidFill>
+                  <a:schemeClr val="tx1"/>
+                </a:solidFill>
+                <a:latin typeface="+mn-lt"/>
+                <a:ea typeface="+mn-ea"/>
+                <a:cs typeface="+mn-cs"/>
+              </a:defRPr>
+            </a:lvl1pPr>
+            <a:lvl2pPr marL="502920" indent="-228600" algn="l" defTabSz="914400" rtl="0" eaLnBrk="1" latinLnBrk="0" hangingPunct="1">
+              <a:lnSpc>
+                <a:spcPct val="120000"/>
+              </a:lnSpc>
+              <a:spcBef>
+                <a:spcPts val="500"/>
+              </a:spcBef>
+              <a:buFont typeface="Arial" panose="020B0604020202020204" pitchFamily="34" charset="0"/>
+              <a:buChar char="•"/>
+              <a:defRPr sz="1600" kern="1200">
+                <a:solidFill>
+                  <a:schemeClr val="tx1"/>
+                </a:solidFill>
+                <a:latin typeface="+mn-lt"/>
+                <a:ea typeface="+mn-ea"/>
+                <a:cs typeface="+mn-cs"/>
+              </a:defRPr>
+            </a:lvl2pPr>
+            <a:lvl3pPr marL="731520" indent="-228600" algn="l" defTabSz="914400" rtl="0" eaLnBrk="1" latinLnBrk="0" hangingPunct="1">
+              <a:lnSpc>
+                <a:spcPct val="120000"/>
+              </a:lnSpc>
+              <a:spcBef>
+                <a:spcPts val="500"/>
+              </a:spcBef>
+              <a:buFont typeface="Arial" panose="020B0604020202020204" pitchFamily="34" charset="0"/>
+              <a:buChar char="•"/>
+              <a:defRPr sz="1400" kern="1200">
+                <a:solidFill>
+                  <a:schemeClr val="tx1"/>
+                </a:solidFill>
+                <a:latin typeface="+mn-lt"/>
+                <a:ea typeface="+mn-ea"/>
+                <a:cs typeface="+mn-cs"/>
+              </a:defRPr>
+            </a:lvl3pPr>
+            <a:lvl4pPr marL="1005840" indent="-228600" algn="l" defTabSz="914400" rtl="0" eaLnBrk="1" latinLnBrk="0" hangingPunct="1">
+              <a:lnSpc>
+                <a:spcPct val="120000"/>
+              </a:lnSpc>
+              <a:spcBef>
+                <a:spcPts val="500"/>
+              </a:spcBef>
+              <a:buFont typeface="Arial" panose="020B0604020202020204" pitchFamily="34" charset="0"/>
+              <a:buChar char="•"/>
+              <a:defRPr sz="1400" kern="1200">
+                <a:solidFill>
+                  <a:schemeClr val="tx1"/>
+                </a:solidFill>
+                <a:latin typeface="+mn-lt"/>
+                <a:ea typeface="+mn-ea"/>
+                <a:cs typeface="+mn-cs"/>
+              </a:defRPr>
+            </a:lvl4pPr>
+            <a:lvl5pPr marL="1234440" indent="-228600" algn="l" defTabSz="914400" rtl="0" eaLnBrk="1" latinLnBrk="0" hangingPunct="1">
+              <a:lnSpc>
+                <a:spcPct val="120000"/>
+              </a:lnSpc>
+              <a:spcBef>
+                <a:spcPts val="500"/>
+              </a:spcBef>
+              <a:buFont typeface="Arial" panose="020B0604020202020204" pitchFamily="34" charset="0"/>
+              <a:buChar char="•"/>
+              <a:defRPr sz="1400" kern="1200">
+                <a:solidFill>
+                  <a:schemeClr val="tx1"/>
+                </a:solidFill>
+                <a:latin typeface="+mn-lt"/>
+                <a:ea typeface="+mn-ea"/>
+                <a:cs typeface="+mn-cs"/>
+              </a:defRPr>
+            </a:lvl5pPr>
+            <a:lvl6pPr marL="2514600" indent="-228600" algn="l" defTabSz="914400" rtl="0" eaLnBrk="1" latinLnBrk="0" hangingPunct="1">
+              <a:lnSpc>
+                <a:spcPct val="90000"/>
+              </a:lnSpc>
+              <a:spcBef>
+                <a:spcPts val="500"/>
+              </a:spcBef>
+              <a:buFont typeface="Arial" panose="020B0604020202020204" pitchFamily="34" charset="0"/>
+              <a:buChar char="•"/>
+              <a:defRPr sz="1800" kern="1200">
+                <a:solidFill>
+                  <a:schemeClr val="tx1"/>
+                </a:solidFill>
+                <a:latin typeface="+mn-lt"/>
+                <a:ea typeface="+mn-ea"/>
+                <a:cs typeface="+mn-cs"/>
+              </a:defRPr>
+            </a:lvl6pPr>
+            <a:lvl7pPr marL="2971800" indent="-228600" algn="l" defTabSz="914400" rtl="0" eaLnBrk="1" latinLnBrk="0" hangingPunct="1">
+              <a:lnSpc>
+                <a:spcPct val="90000"/>
+              </a:lnSpc>
+              <a:spcBef>
+                <a:spcPts val="500"/>
+              </a:spcBef>
+              <a:buFont typeface="Arial" panose="020B0604020202020204" pitchFamily="34" charset="0"/>
+              <a:buChar char="•"/>
+              <a:defRPr sz="1800" kern="1200">
+                <a:solidFill>
+                  <a:schemeClr val="tx1"/>
+                </a:solidFill>
+                <a:latin typeface="+mn-lt"/>
+                <a:ea typeface="+mn-ea"/>
+                <a:cs typeface="+mn-cs"/>
+              </a:defRPr>
+            </a:lvl7pPr>
+            <a:lvl8pPr marL="3429000" indent="-228600" algn="l" defTabSz="914400" rtl="0" eaLnBrk="1" latinLnBrk="0" hangingPunct="1">
+              <a:lnSpc>
+                <a:spcPct val="90000"/>
+              </a:lnSpc>
+              <a:spcBef>
+                <a:spcPts val="500"/>
+              </a:spcBef>
+              <a:buFont typeface="Arial" panose="020B0604020202020204" pitchFamily="34" charset="0"/>
+              <a:buChar char="•"/>
+              <a:defRPr sz="1800" kern="1200">
+                <a:solidFill>
+                  <a:schemeClr val="tx1"/>
+                </a:solidFill>
+                <a:latin typeface="+mn-lt"/>
+                <a:ea typeface="+mn-ea"/>
+                <a:cs typeface="+mn-cs"/>
+              </a:defRPr>
+            </a:lvl8pPr>
+            <a:lvl9pPr marL="3886200" indent="-228600" algn="l" defTabSz="914400" rtl="0" eaLnBrk="1" latinLnBrk="0" hangingPunct="1">
+              <a:lnSpc>
+                <a:spcPct val="90000"/>
+              </a:lnSpc>
+              <a:spcBef>
+                <a:spcPts val="500"/>
+              </a:spcBef>
+              <a:buFont typeface="Arial" panose="020B0604020202020204" pitchFamily="34" charset="0"/>
+              <a:buChar char="•"/>
+              <a:defRPr sz="1800" kern="1200">
+                <a:solidFill>
+                  <a:schemeClr val="tx1"/>
+                </a:solidFill>
+                <a:latin typeface="+mn-lt"/>
+                <a:ea typeface="+mn-ea"/>
+                <a:cs typeface="+mn-cs"/>
+              </a:defRPr>
+            </a:lvl9pPr>
+          </a:lstStyle>
+          <a:p>
+            <a:r>
+              <a:rPr lang="de-AT" dirty="0"/>
+              <a:t>Implementiere ein </a:t>
+            </a:r>
+            <a:r>
+              <a:rPr lang="de-AT" dirty="0" err="1" smtClean="0"/>
+              <a:t>React</a:t>
+            </a:r>
+            <a:r>
+              <a:rPr lang="de-AT" dirty="0" smtClean="0"/>
+              <a:t> Frontend mit 3 </a:t>
+            </a:r>
+            <a:r>
+              <a:rPr lang="de-AT" dirty="0" err="1" smtClean="0"/>
+              <a:t>Routes</a:t>
+            </a:r>
+            <a:r>
+              <a:rPr lang="de-AT" dirty="0" smtClean="0"/>
+              <a:t> (= 3 Komponenten)</a:t>
+            </a:r>
+          </a:p>
+          <a:p>
+            <a:pPr lvl="1"/>
+            <a:r>
+              <a:rPr lang="de-AT" dirty="0" smtClean="0"/>
+              <a:t>Menu</a:t>
+            </a:r>
+          </a:p>
+          <a:p>
+            <a:pPr lvl="1"/>
+            <a:r>
+              <a:rPr lang="de-AT" dirty="0" err="1" smtClean="0"/>
+              <a:t>RandomJoke</a:t>
+            </a:r>
+            <a:endParaRPr lang="de-AT" dirty="0" smtClean="0"/>
+          </a:p>
+          <a:p>
+            <a:pPr lvl="1"/>
+            <a:r>
+              <a:rPr lang="de-AT" dirty="0" err="1" smtClean="0"/>
+              <a:t>SpecificJoke</a:t>
+            </a:r>
+            <a:r>
+              <a:rPr lang="de-AT" dirty="0" smtClean="0"/>
+              <a:t>/1</a:t>
+            </a:r>
+          </a:p>
+          <a:p>
+            <a:pPr marL="228600" lvl="1">
+              <a:spcBef>
+                <a:spcPts val="1000"/>
+              </a:spcBef>
+            </a:pPr>
+            <a:r>
+              <a:rPr lang="de-AT" sz="1800" dirty="0" smtClean="0"/>
+              <a:t>Die Menu Komponente beinhaltet einen Link zur Random Joke Route und einen Button “Zum Witz 1“ </a:t>
+            </a:r>
+            <a:r>
+              <a:rPr lang="de-AT" sz="1800" dirty="0"/>
+              <a:t>zum Route </a:t>
+            </a:r>
+            <a:r>
+              <a:rPr lang="de-AT" sz="1800" dirty="0" err="1" smtClean="0"/>
+              <a:t>SpecificJoke</a:t>
+            </a:r>
+            <a:r>
+              <a:rPr lang="de-AT" sz="1800" dirty="0" smtClean="0"/>
+              <a:t>/1</a:t>
+            </a:r>
+          </a:p>
+          <a:p>
+            <a:pPr marL="228600" lvl="1">
+              <a:spcBef>
+                <a:spcPts val="1000"/>
+              </a:spcBef>
+            </a:pPr>
+            <a:r>
+              <a:rPr lang="de-AT" sz="1800" dirty="0" smtClean="0"/>
+              <a:t>Die </a:t>
+            </a:r>
+            <a:r>
+              <a:rPr lang="de-AT" sz="1800" dirty="0" err="1" smtClean="0"/>
+              <a:t>RandomJoke</a:t>
+            </a:r>
+            <a:r>
+              <a:rPr lang="de-AT" sz="1800" dirty="0" smtClean="0"/>
+              <a:t> Komponente beinhaltet einen Button der beim Klick einen neuen Zufallswitz vom Backend lädt und ausgibt </a:t>
+            </a:r>
+          </a:p>
+          <a:p>
+            <a:pPr marL="228600" lvl="1">
+              <a:spcBef>
+                <a:spcPts val="1000"/>
+              </a:spcBef>
+            </a:pPr>
+            <a:r>
+              <a:rPr lang="de-AT" sz="1800" dirty="0" smtClean="0"/>
+              <a:t>Die </a:t>
+            </a:r>
+            <a:r>
+              <a:rPr lang="de-AT" sz="1800" dirty="0" err="1" smtClean="0"/>
+              <a:t>SpecificJoke</a:t>
+            </a:r>
+            <a:r>
+              <a:rPr lang="de-AT" sz="1800" dirty="0" smtClean="0"/>
+              <a:t> Komponente nutzt Pfad Parameter um einen speziellen Witz mit der </a:t>
+            </a:r>
+            <a:r>
+              <a:rPr lang="de-AT" sz="1800" dirty="0" err="1" smtClean="0"/>
+              <a:t>id</a:t>
+            </a:r>
+            <a:r>
+              <a:rPr lang="de-AT" sz="1800" dirty="0" smtClean="0"/>
+              <a:t> = 1 vom Backend zu laden und anzuzeigen</a:t>
+            </a:r>
+            <a:endParaRPr lang="de-AT" sz="1800" dirty="0"/>
+          </a:p>
+        </p:txBody>
+      </p:sp>
+      <p:pic>
+        <p:nvPicPr>
+          <p:cNvPr id="18" name="Grafik 17">
+            <a:extLst>
+              <a:ext uri="{FF2B5EF4-FFF2-40B4-BE49-F238E27FC236}">
+                <a16:creationId xmlns:a16="http://schemas.microsoft.com/office/drawing/2014/main" id="{5EABA71E-37E0-DD7C-6A9C-DF6EC3ECD832}"/>
+              </a:ext>
+            </a:extLst>
+          </p:cNvPr>
+          <p:cNvPicPr>
+            <a:picLocks noChangeAspect="1"/>
+          </p:cNvPicPr>
+          <p:nvPr/>
+        </p:nvPicPr>
+        <p:blipFill>
+          <a:blip r:embed="rId2"/>
+          <a:stretch>
+            <a:fillRect/>
+          </a:stretch>
+        </p:blipFill>
+        <p:spPr>
+          <a:xfrm>
+            <a:off x="9631679" y="1816521"/>
+            <a:ext cx="2134848" cy="2106064"/>
+          </a:xfrm>
+          <a:prstGeom prst="rect">
+            <a:avLst/>
+          </a:prstGeom>
+        </p:spPr>
+      </p:pic>
+      <p:pic>
+        <p:nvPicPr>
+          <p:cNvPr id="19" name="Grafik 18"/>
+          <p:cNvPicPr>
+            <a:picLocks noChangeAspect="1"/>
+          </p:cNvPicPr>
+          <p:nvPr/>
+        </p:nvPicPr>
+        <p:blipFill>
+          <a:blip r:embed="rId3"/>
+          <a:stretch>
+            <a:fillRect/>
+          </a:stretch>
+        </p:blipFill>
+        <p:spPr>
+          <a:xfrm>
+            <a:off x="9258182" y="4196537"/>
+            <a:ext cx="2508345" cy="974903"/>
+          </a:xfrm>
+          <a:prstGeom prst="rect">
+            <a:avLst/>
+          </a:prstGeom>
+        </p:spPr>
+      </p:pic>
+      <p:pic>
+        <p:nvPicPr>
+          <p:cNvPr id="20" name="Grafik 19"/>
+          <p:cNvPicPr>
+            <a:picLocks noChangeAspect="1"/>
+          </p:cNvPicPr>
+          <p:nvPr/>
+        </p:nvPicPr>
+        <p:blipFill>
+          <a:blip r:embed="rId4"/>
+          <a:stretch>
+            <a:fillRect/>
+          </a:stretch>
+        </p:blipFill>
+        <p:spPr>
+          <a:xfrm>
+            <a:off x="7193280" y="5445392"/>
+            <a:ext cx="4695167" cy="557228"/>
+          </a:xfrm>
+          <a:prstGeom prst="rect">
+            <a:avLst/>
+          </a:prstGeom>
+        </p:spPr>
+      </p:pic>
+    </p:spTree>
+    <p:extLst>
+      <p:ext uri="{BB962C8B-B14F-4D97-AF65-F5344CB8AC3E}">
+        <p14:creationId xmlns:p14="http://schemas.microsoft.com/office/powerpoint/2010/main" val="1876370605"/>
+      </p:ext>
+    </p:extLst>
+  </p:cSld>
+  <p:clrMapOvr>
+    <a:masterClrMapping/>
+  </p:clrMapOvr>
+  <p:timing>
+    <p:tnLst>
+      <p:par>
+        <p:cTn id="1" dur="indefinite" restart="never" nodeType="tmRoot"/>
+      </p:par>
+    </p:tnLst>
+  </p:timing>
+</p:sld>
+</file>
+
+<file path=ppt/slides/slide98.xml><?xml version="1.0" encoding="utf-8"?>
+<p:sld xmlns:a="http://schemas.openxmlformats.org/drawingml/2006/main" xmlns:r="http://schemas.openxmlformats.org/officeDocument/2006/relationships" xmlns:p="http://schemas.openxmlformats.org/presentationml/2006/main">
+  <p:cSld>
+    <p:spTree>
+      <p:nvGrpSpPr>
+        <p:cNvPr id="1" name=""/>
+        <p:cNvGrpSpPr/>
+        <p:nvPr/>
+      </p:nvGrpSpPr>
+      <p:grpSpPr>
+        <a:xfrm>
+          <a:off x="0" y="0"/>
+          <a:ext cx="0" cy="0"/>
+          <a:chOff x="0" y="0"/>
+          <a:chExt cx="0" cy="0"/>
+        </a:xfrm>
+      </p:grpSpPr>
+      <p:sp>
+        <p:nvSpPr>
+          <p:cNvPr id="6" name="Titel 5">
+            <a:extLst>
+              <a:ext uri="{FF2B5EF4-FFF2-40B4-BE49-F238E27FC236}">
+                <a16:creationId xmlns:a16="http://schemas.microsoft.com/office/drawing/2014/main" id="{215C6C17-3994-268F-CD9B-1F627A31A4B8}"/>
+              </a:ext>
+            </a:extLst>
+          </p:cNvPr>
+          <p:cNvSpPr>
+            <a:spLocks noGrp="1"/>
+          </p:cNvSpPr>
+          <p:nvPr>
+            <p:ph type="ctrTitle"/>
+          </p:nvPr>
+        </p:nvSpPr>
+        <p:spPr>
+          <a:xfrm>
+            <a:off x="2032213" y="370652"/>
+            <a:ext cx="8127574" cy="2736443"/>
+          </a:xfrm>
+        </p:spPr>
+        <p:txBody>
+          <a:bodyPr/>
+          <a:lstStyle/>
+          <a:p>
+            <a:r>
+              <a:rPr lang="de-AT" dirty="0"/>
+              <a:t>Viel Erfolg beim Entwickeln!</a:t>
+            </a:r>
+          </a:p>
+        </p:txBody>
+      </p:sp>
+      <p:pic>
+        <p:nvPicPr>
+          <p:cNvPr id="2050" name="Picture 2" descr="CODERS.BAY | Linz">
+            <a:extLst>
+              <a:ext uri="{FF2B5EF4-FFF2-40B4-BE49-F238E27FC236}">
+                <a16:creationId xmlns:a16="http://schemas.microsoft.com/office/drawing/2014/main" id="{FC92A2D7-CD40-5160-E3FA-7A115A1ECE63}"/>
+              </a:ext>
+            </a:extLst>
+          </p:cNvPr>
+          <p:cNvPicPr>
+            <a:picLocks noChangeAspect="1" noChangeArrowheads="1"/>
+          </p:cNvPicPr>
+          <p:nvPr/>
+        </p:nvPicPr>
+        <p:blipFill>
+          <a:blip r:embed="rId2">
+            <a:extLst>
+              <a:ext uri="{28A0092B-C50C-407E-A947-70E740481C1C}">
+                <a14:useLocalDpi xmlns:a14="http://schemas.microsoft.com/office/drawing/2010/main" val="0"/>
+              </a:ext>
+            </a:extLst>
+          </a:blip>
+          <a:srcRect/>
+          <a:stretch>
+            <a:fillRect/>
+          </a:stretch>
+        </p:blipFill>
+        <p:spPr bwMode="auto">
+          <a:xfrm>
+            <a:off x="5342119" y="3768185"/>
+            <a:ext cx="1507761" cy="1507761"/>
+          </a:xfrm>
+          <a:prstGeom prst="rect">
+            <a:avLst/>
+          </a:prstGeom>
+          <a:noFill/>
+          <a:extLst>
+            <a:ext uri="{909E8E84-426E-40DD-AFC4-6F175D3DCCD1}">
+              <a14:hiddenFill xmlns:a14="http://schemas.microsoft.com/office/drawing/2010/main">
+                <a:solidFill>
+                  <a:srgbClr val="FFFFFF"/>
+                </a:solidFill>
+              </a14:hiddenFill>
+            </a:ext>
+          </a:extLst>
+        </p:spPr>
+      </p:pic>
+    </p:spTree>
+    <p:extLst>
+      <p:ext uri="{BB962C8B-B14F-4D97-AF65-F5344CB8AC3E}">
+        <p14:creationId xmlns:p14="http://schemas.microsoft.com/office/powerpoint/2010/main" val="2872145444"/>
+      </p:ext>
+    </p:extLst>
+  </p:cSld>
+  <p:clrMapOvr>
+    <a:masterClrMapping/>
+  </p:clrMapOvr>
+  <p:timing>
+    <p:tnLst>
+      <p:par>
+        <p:cTn id="1" dur="indefinite" restart="never" nodeType="tmRoot"/>
+      </p:par>
+    </p:tnLst>
+  </p:timing>
 </p:sld>
 </file>
 
